--- a/draft-gandhi-spring-sr-enhanced-plm-00.pptx
+++ b/draft-gandhi-spring-sr-enhanced-plm-00.pptx
@@ -15,14 +15,14 @@
     <p:sldId id="299" r:id="rId3"/>
     <p:sldId id="315" r:id="rId4"/>
     <p:sldId id="326" r:id="rId5"/>
-    <p:sldId id="1657" r:id="rId6"/>
-    <p:sldId id="1659" r:id="rId7"/>
-    <p:sldId id="318" r:id="rId8"/>
-    <p:sldId id="303" r:id="rId9"/>
-    <p:sldId id="1655" r:id="rId10"/>
-    <p:sldId id="1652" r:id="rId11"/>
-    <p:sldId id="322" r:id="rId12"/>
-    <p:sldId id="1658" r:id="rId13"/>
+    <p:sldId id="1659" r:id="rId6"/>
+    <p:sldId id="1660" r:id="rId7"/>
+    <p:sldId id="1661" r:id="rId8"/>
+    <p:sldId id="1658" r:id="rId9"/>
+    <p:sldId id="318" r:id="rId10"/>
+    <p:sldId id="303" r:id="rId11"/>
+    <p:sldId id="1655" r:id="rId12"/>
+    <p:sldId id="1652" r:id="rId13"/>
     <p:sldId id="1654" r:id="rId14"/>
   </p:sldIdLst>
   <p:sldSz cx="9144000" cy="5143500" type="screen16x9"/>
@@ -944,6 +944,186 @@
               <a:pPr>
                 <a:defRPr/>
               </a:pPr>
+              <a:t>10</a:t>
+            </a:fld>
+            <a:endParaRPr lang="en-US" altLang="zh-CN"/>
+          </a:p>
+        </p:txBody>
+      </p:sp>
+    </p:spTree>
+    <p:extLst>
+      <p:ext uri="{BB962C8B-B14F-4D97-AF65-F5344CB8AC3E}">
+        <p14:creationId xmlns:p14="http://schemas.microsoft.com/office/powerpoint/2010/main" val="383772479"/>
+      </p:ext>
+    </p:extLst>
+  </p:cSld>
+  <p:clrMapOvr>
+    <a:masterClrMapping/>
+  </p:clrMapOvr>
+</p:notes>
+</file>
+
+<file path=ppt/notesSlides/notesSlide11.xml><?xml version="1.0" encoding="utf-8"?>
+<p:notes xmlns:a="http://schemas.openxmlformats.org/drawingml/2006/main" xmlns:r="http://schemas.openxmlformats.org/officeDocument/2006/relationships" xmlns:p="http://schemas.openxmlformats.org/presentationml/2006/main">
+  <p:cSld>
+    <p:spTree>
+      <p:nvGrpSpPr>
+        <p:cNvPr id="1" name=""/>
+        <p:cNvGrpSpPr/>
+        <p:nvPr/>
+      </p:nvGrpSpPr>
+      <p:grpSpPr>
+        <a:xfrm>
+          <a:off x="0" y="0"/>
+          <a:ext cx="0" cy="0"/>
+          <a:chOff x="0" y="0"/>
+          <a:chExt cx="0" cy="0"/>
+        </a:xfrm>
+      </p:grpSpPr>
+      <p:sp>
+        <p:nvSpPr>
+          <p:cNvPr id="2" name="Slide Image Placeholder 1"/>
+          <p:cNvSpPr>
+            <a:spLocks noGrp="1" noRot="1" noChangeAspect="1"/>
+          </p:cNvSpPr>
+          <p:nvPr>
+            <p:ph type="sldImg"/>
+          </p:nvPr>
+        </p:nvSpPr>
+        <p:spPr/>
+      </p:sp>
+      <p:sp>
+        <p:nvSpPr>
+          <p:cNvPr id="3" name="Notes Placeholder 2"/>
+          <p:cNvSpPr>
+            <a:spLocks noGrp="1"/>
+          </p:cNvSpPr>
+          <p:nvPr>
+            <p:ph type="body" idx="1"/>
+          </p:nvPr>
+        </p:nvSpPr>
+        <p:spPr/>
+        <p:txBody>
+          <a:bodyPr/>
+          <a:lstStyle/>
+          <a:p>
+            <a:endParaRPr lang="en-CA" dirty="0"/>
+          </a:p>
+        </p:txBody>
+      </p:sp>
+      <p:sp>
+        <p:nvSpPr>
+          <p:cNvPr id="4" name="Slide Number Placeholder 3"/>
+          <p:cNvSpPr>
+            <a:spLocks noGrp="1"/>
+          </p:cNvSpPr>
+          <p:nvPr>
+            <p:ph type="sldNum" sz="quarter" idx="10"/>
+          </p:nvPr>
+        </p:nvSpPr>
+        <p:spPr/>
+        <p:txBody>
+          <a:bodyPr/>
+          <a:lstStyle/>
+          <a:p>
+            <a:pPr>
+              <a:defRPr/>
+            </a:pPr>
+            <a:fld id="{100938BD-FD70-4535-B0C2-13FC38CDF1BE}" type="slidenum">
+              <a:rPr lang="en-US" altLang="zh-CN" smtClean="0"/>
+              <a:pPr>
+                <a:defRPr/>
+              </a:pPr>
+              <a:t>11</a:t>
+            </a:fld>
+            <a:endParaRPr lang="en-US" altLang="zh-CN"/>
+          </a:p>
+        </p:txBody>
+      </p:sp>
+    </p:spTree>
+    <p:extLst>
+      <p:ext uri="{BB962C8B-B14F-4D97-AF65-F5344CB8AC3E}">
+        <p14:creationId xmlns:p14="http://schemas.microsoft.com/office/powerpoint/2010/main" val="127127535"/>
+      </p:ext>
+    </p:extLst>
+  </p:cSld>
+  <p:clrMapOvr>
+    <a:masterClrMapping/>
+  </p:clrMapOvr>
+</p:notes>
+</file>
+
+<file path=ppt/notesSlides/notesSlide12.xml><?xml version="1.0" encoding="utf-8"?>
+<p:notes xmlns:a="http://schemas.openxmlformats.org/drawingml/2006/main" xmlns:r="http://schemas.openxmlformats.org/officeDocument/2006/relationships" xmlns:p="http://schemas.openxmlformats.org/presentationml/2006/main">
+  <p:cSld>
+    <p:spTree>
+      <p:nvGrpSpPr>
+        <p:cNvPr id="1" name=""/>
+        <p:cNvGrpSpPr/>
+        <p:nvPr/>
+      </p:nvGrpSpPr>
+      <p:grpSpPr>
+        <a:xfrm>
+          <a:off x="0" y="0"/>
+          <a:ext cx="0" cy="0"/>
+          <a:chOff x="0" y="0"/>
+          <a:chExt cx="0" cy="0"/>
+        </a:xfrm>
+      </p:grpSpPr>
+      <p:sp>
+        <p:nvSpPr>
+          <p:cNvPr id="2" name="Slide Image Placeholder 1"/>
+          <p:cNvSpPr>
+            <a:spLocks noGrp="1" noRot="1" noChangeAspect="1"/>
+          </p:cNvSpPr>
+          <p:nvPr>
+            <p:ph type="sldImg"/>
+          </p:nvPr>
+        </p:nvSpPr>
+        <p:spPr/>
+      </p:sp>
+      <p:sp>
+        <p:nvSpPr>
+          <p:cNvPr id="3" name="Notes Placeholder 2"/>
+          <p:cNvSpPr>
+            <a:spLocks noGrp="1"/>
+          </p:cNvSpPr>
+          <p:nvPr>
+            <p:ph type="body" idx="1"/>
+          </p:nvPr>
+        </p:nvSpPr>
+        <p:spPr/>
+        <p:txBody>
+          <a:bodyPr/>
+          <a:lstStyle/>
+          <a:p>
+            <a:endParaRPr lang="en-US" dirty="0"/>
+          </a:p>
+        </p:txBody>
+      </p:sp>
+      <p:sp>
+        <p:nvSpPr>
+          <p:cNvPr id="4" name="Slide Number Placeholder 3"/>
+          <p:cNvSpPr>
+            <a:spLocks noGrp="1"/>
+          </p:cNvSpPr>
+          <p:nvPr>
+            <p:ph type="sldNum" sz="quarter" idx="10"/>
+          </p:nvPr>
+        </p:nvSpPr>
+        <p:spPr/>
+        <p:txBody>
+          <a:bodyPr/>
+          <a:lstStyle/>
+          <a:p>
+            <a:pPr>
+              <a:defRPr/>
+            </a:pPr>
+            <a:fld id="{100938BD-FD70-4535-B0C2-13FC38CDF1BE}" type="slidenum">
+              <a:rPr lang="en-US" altLang="zh-CN" smtClean="0"/>
+              <a:pPr>
+                <a:defRPr/>
+              </a:pPr>
               <a:t>13</a:t>
             </a:fld>
             <a:endParaRPr lang="en-US" altLang="zh-CN"/>
@@ -1304,7 +1484,7 @@
               <a:pPr>
                 <a:defRPr/>
               </a:pPr>
-              <a:t>6</a:t>
+              <a:t>5</a:t>
             </a:fld>
             <a:endParaRPr lang="en-US" altLang="zh-CN"/>
           </a:p>
@@ -1394,7 +1574,7 @@
               <a:pPr>
                 <a:defRPr/>
               </a:pPr>
-              <a:t>7</a:t>
+              <a:t>6</a:t>
             </a:fld>
             <a:endParaRPr lang="en-US" altLang="zh-CN"/>
           </a:p>
@@ -1403,7 +1583,7 @@
     </p:spTree>
     <p:extLst>
       <p:ext uri="{BB962C8B-B14F-4D97-AF65-F5344CB8AC3E}">
-        <p14:creationId xmlns:p14="http://schemas.microsoft.com/office/powerpoint/2010/main" val="1422079827"/>
+        <p14:creationId xmlns:p14="http://schemas.microsoft.com/office/powerpoint/2010/main" val="675579335"/>
       </p:ext>
     </p:extLst>
   </p:cSld>
@@ -1457,7 +1637,7 @@
           <a:bodyPr/>
           <a:lstStyle/>
           <a:p>
-            <a:endParaRPr lang="en-US" dirty="0"/>
+            <a:endParaRPr lang="en-CA" dirty="0"/>
           </a:p>
         </p:txBody>
       </p:sp>
@@ -1484,7 +1664,7 @@
               <a:pPr>
                 <a:defRPr/>
               </a:pPr>
-              <a:t>8</a:t>
+              <a:t>7</a:t>
             </a:fld>
             <a:endParaRPr lang="en-US" altLang="zh-CN"/>
           </a:p>
@@ -1493,7 +1673,7 @@
     </p:spTree>
     <p:extLst>
       <p:ext uri="{BB962C8B-B14F-4D97-AF65-F5344CB8AC3E}">
-        <p14:creationId xmlns:p14="http://schemas.microsoft.com/office/powerpoint/2010/main" val="383772479"/>
+        <p14:creationId xmlns:p14="http://schemas.microsoft.com/office/powerpoint/2010/main" val="3523175849"/>
       </p:ext>
     </p:extLst>
   </p:cSld>
@@ -1547,7 +1727,7 @@
           <a:bodyPr/>
           <a:lstStyle/>
           <a:p>
-            <a:endParaRPr lang="en-CA" dirty="0"/>
+            <a:endParaRPr lang="en-US" dirty="0"/>
           </a:p>
         </p:txBody>
       </p:sp>
@@ -1574,7 +1754,7 @@
               <a:pPr>
                 <a:defRPr/>
               </a:pPr>
-              <a:t>9</a:t>
+              <a:t>8</a:t>
             </a:fld>
             <a:endParaRPr lang="en-US" altLang="zh-CN"/>
           </a:p>
@@ -1583,7 +1763,7 @@
     </p:spTree>
     <p:extLst>
       <p:ext uri="{BB962C8B-B14F-4D97-AF65-F5344CB8AC3E}">
-        <p14:creationId xmlns:p14="http://schemas.microsoft.com/office/powerpoint/2010/main" val="127127535"/>
+        <p14:creationId xmlns:p14="http://schemas.microsoft.com/office/powerpoint/2010/main" val="939525286"/>
       </p:ext>
     </p:extLst>
   </p:cSld>
@@ -1637,7 +1817,7 @@
           <a:bodyPr/>
           <a:lstStyle/>
           <a:p>
-            <a:endParaRPr lang="en-US" dirty="0"/>
+            <a:endParaRPr lang="en-CA" dirty="0"/>
           </a:p>
         </p:txBody>
       </p:sp>
@@ -1664,7 +1844,7 @@
               <a:pPr>
                 <a:defRPr/>
               </a:pPr>
-              <a:t>12</a:t>
+              <a:t>9</a:t>
             </a:fld>
             <a:endParaRPr lang="en-US" altLang="zh-CN"/>
           </a:p>
@@ -1673,7 +1853,7 @@
     </p:spTree>
     <p:extLst>
       <p:ext uri="{BB962C8B-B14F-4D97-AF65-F5344CB8AC3E}">
-        <p14:creationId xmlns:p14="http://schemas.microsoft.com/office/powerpoint/2010/main" val="939525286"/>
+        <p14:creationId xmlns:p14="http://schemas.microsoft.com/office/powerpoint/2010/main" val="1422079827"/>
       </p:ext>
     </p:extLst>
   </p:cSld>
@@ -5259,1307 +5439,6 @@
       </p:grpSpPr>
       <p:sp>
         <p:nvSpPr>
-          <p:cNvPr id="2" name="Title 1">
-            <a:extLst>
-              <a:ext uri="{FF2B5EF4-FFF2-40B4-BE49-F238E27FC236}">
-                <a16:creationId xmlns:a16="http://schemas.microsoft.com/office/drawing/2014/main" id="{9A6F4236-AC14-394A-A36C-F2BD8CED3237}"/>
-              </a:ext>
-            </a:extLst>
-          </p:cNvPr>
-          <p:cNvSpPr>
-            <a:spLocks noGrp="1"/>
-          </p:cNvSpPr>
-          <p:nvPr>
-            <p:ph type="title"/>
-          </p:nvPr>
-        </p:nvSpPr>
-        <p:spPr>
-          <a:xfrm>
-            <a:off x="457200" y="-19050"/>
-            <a:ext cx="8229600" cy="857250"/>
-          </a:xfrm>
-        </p:spPr>
-        <p:txBody>
-          <a:bodyPr/>
-          <a:lstStyle/>
-          <a:p>
-            <a:r>
-              <a:rPr lang="en-US" sz="3600" dirty="0">
-                <a:solidFill>
-                  <a:srgbClr val="0070C0"/>
-                </a:solidFill>
-                <a:latin typeface="Calibri Light" panose="020F0302020204030204" pitchFamily="34" charset="0"/>
-                <a:cs typeface="Calibri Light" panose="020F0302020204030204" pitchFamily="34" charset="0"/>
-              </a:rPr>
-              <a:t>Example Provisioning Model</a:t>
-            </a:r>
-          </a:p>
-        </p:txBody>
-      </p:sp>
-      <p:sp>
-        <p:nvSpPr>
-          <p:cNvPr id="4" name="Footer Placeholder 3">
-            <a:extLst>
-              <a:ext uri="{FF2B5EF4-FFF2-40B4-BE49-F238E27FC236}">
-                <a16:creationId xmlns:a16="http://schemas.microsoft.com/office/drawing/2014/main" id="{643D160E-CC3C-EB46-A6F1-43B8E2996F46}"/>
-              </a:ext>
-            </a:extLst>
-          </p:cNvPr>
-          <p:cNvSpPr>
-            <a:spLocks noGrp="1"/>
-          </p:cNvSpPr>
-          <p:nvPr>
-            <p:ph type="ftr" sz="quarter" idx="11"/>
-          </p:nvPr>
-        </p:nvSpPr>
-        <p:spPr>
-          <a:xfrm>
-            <a:off x="3124200" y="4805362"/>
-            <a:ext cx="2895600" cy="357188"/>
-          </a:xfrm>
-        </p:spPr>
-        <p:txBody>
-          <a:bodyPr/>
-          <a:lstStyle/>
-          <a:p>
-            <a:pPr>
-              <a:defRPr/>
-            </a:pPr>
-            <a:r>
-              <a:rPr lang="en-US" altLang="zh-CN" dirty="0"/>
-              <a:t>107</a:t>
-            </a:r>
-            <a:r>
-              <a:rPr lang="en-US" altLang="zh-CN" baseline="30000" dirty="0"/>
-              <a:t>th</a:t>
-            </a:r>
-            <a:r>
-              <a:rPr lang="en-US" altLang="zh-CN" dirty="0"/>
-              <a:t> IETF @ Vancouver</a:t>
-            </a:r>
-          </a:p>
-        </p:txBody>
-      </p:sp>
-      <p:sp>
-        <p:nvSpPr>
-          <p:cNvPr id="5" name="Slide Number Placeholder 4">
-            <a:extLst>
-              <a:ext uri="{FF2B5EF4-FFF2-40B4-BE49-F238E27FC236}">
-                <a16:creationId xmlns:a16="http://schemas.microsoft.com/office/drawing/2014/main" id="{A8B868AE-B105-7547-A646-14FCDF91C2DD}"/>
-              </a:ext>
-            </a:extLst>
-          </p:cNvPr>
-          <p:cNvSpPr>
-            <a:spLocks noGrp="1"/>
-          </p:cNvSpPr>
-          <p:nvPr>
-            <p:ph type="sldNum" sz="quarter" idx="12"/>
-          </p:nvPr>
-        </p:nvSpPr>
-        <p:spPr/>
-        <p:txBody>
-          <a:bodyPr/>
-          <a:lstStyle/>
-          <a:p>
-            <a:pPr>
-              <a:defRPr/>
-            </a:pPr>
-            <a:fld id="{BD6E0F59-1DD8-40FC-9C92-B6295CBA6CCA}" type="slidenum">
-              <a:rPr lang="en-US" altLang="zh-CN" smtClean="0"/>
-              <a:pPr>
-                <a:defRPr/>
-              </a:pPr>
-              <a:t>10</a:t>
-            </a:fld>
-            <a:endParaRPr lang="en-US" altLang="zh-CN"/>
-          </a:p>
-        </p:txBody>
-      </p:sp>
-      <p:sp>
-        <p:nvSpPr>
-          <p:cNvPr id="7" name="Rectangle 6">
-            <a:extLst>
-              <a:ext uri="{FF2B5EF4-FFF2-40B4-BE49-F238E27FC236}">
-                <a16:creationId xmlns:a16="http://schemas.microsoft.com/office/drawing/2014/main" id="{AA6E66CA-28BC-2C4A-BC04-4600D8FEBF3B}"/>
-              </a:ext>
-            </a:extLst>
-          </p:cNvPr>
-          <p:cNvSpPr/>
-          <p:nvPr/>
-        </p:nvSpPr>
-        <p:spPr>
-          <a:xfrm>
-            <a:off x="1066800" y="843776"/>
-            <a:ext cx="7010400" cy="3600986"/>
-          </a:xfrm>
-          <a:prstGeom prst="rect">
-            <a:avLst/>
-          </a:prstGeom>
-          <a:solidFill>
-            <a:schemeClr val="accent6">
-              <a:lumMod val="20000"/>
-              <a:lumOff val="80000"/>
-            </a:schemeClr>
-          </a:solidFill>
-        </p:spPr>
-        <p:txBody>
-          <a:bodyPr wrap="square">
-            <a:spAutoFit/>
-          </a:bodyPr>
-          <a:lstStyle/>
-          <a:p>
-            <a:r>
-              <a:rPr lang="en-CA" sz="1200" b="1" dirty="0">
-                <a:latin typeface="Courier" pitchFamily="2" charset="0"/>
-              </a:rPr>
-              <a:t>                             +------------+</a:t>
-            </a:r>
-          </a:p>
-          <a:p>
-            <a:r>
-              <a:rPr lang="en-CA" sz="1200" b="1" dirty="0">
-                <a:latin typeface="Courier" pitchFamily="2" charset="0"/>
-              </a:rPr>
-              <a:t>                             | Controller |</a:t>
-            </a:r>
-          </a:p>
-          <a:p>
-            <a:r>
-              <a:rPr lang="en-CA" sz="1200" b="1" dirty="0">
-                <a:latin typeface="Courier" pitchFamily="2" charset="0"/>
-              </a:rPr>
-              <a:t>                             +------------+</a:t>
-            </a:r>
-          </a:p>
-          <a:p>
-            <a:r>
-              <a:rPr lang="en-CA" sz="1200" b="1" dirty="0">
-                <a:latin typeface="Courier" pitchFamily="2" charset="0"/>
-              </a:rPr>
-              <a:t>   Destination UDP Port           /  \         Destination UDP port</a:t>
-            </a:r>
-          </a:p>
-          <a:p>
-            <a:r>
-              <a:rPr lang="en-CA" sz="1200" b="1" dirty="0">
-                <a:latin typeface="Courier" pitchFamily="2" charset="0"/>
-              </a:rPr>
-              <a:t>   Measurement Protocol          /    \        Measurement Protocol</a:t>
-            </a:r>
-          </a:p>
-          <a:p>
-            <a:r>
-              <a:rPr lang="en-CA" sz="1200" b="1" dirty="0">
-                <a:latin typeface="Courier" pitchFamily="2" charset="0"/>
-              </a:rPr>
-              <a:t>   Measurement Type             /      \       Measurement Type</a:t>
-            </a:r>
-          </a:p>
-          <a:p>
-            <a:r>
-              <a:rPr lang="en-CA" sz="1200" b="1" dirty="0">
-                <a:latin typeface="Courier" pitchFamily="2" charset="0"/>
-              </a:rPr>
-              <a:t>     Delay/Loss                /        \        Delay/Loss</a:t>
-            </a:r>
-          </a:p>
-          <a:p>
-            <a:r>
-              <a:rPr lang="en-CA" sz="1200" b="1" dirty="0">
-                <a:latin typeface="Courier" pitchFamily="2" charset="0"/>
-              </a:rPr>
-              <a:t>   Authentication Mode &amp; Key  /          \     Authentication Mode &amp; Key</a:t>
-            </a:r>
-          </a:p>
-          <a:p>
-            <a:r>
-              <a:rPr lang="en-CA" sz="1200" b="1" dirty="0">
-                <a:latin typeface="Courier" pitchFamily="2" charset="0"/>
-              </a:rPr>
-              <a:t>   Timestamp Format          /            \    Loss Measurement Mode</a:t>
-            </a:r>
-          </a:p>
-          <a:p>
-            <a:r>
-              <a:rPr lang="en-CA" sz="1200" b="1" dirty="0">
-                <a:latin typeface="Courier" pitchFamily="2" charset="0"/>
-              </a:rPr>
-              <a:t>   Delay Measurement Mode   /              \ </a:t>
-            </a:r>
-          </a:p>
-          <a:p>
-            <a:r>
-              <a:rPr lang="en-CA" sz="1200" b="1" dirty="0">
-                <a:latin typeface="Courier" pitchFamily="2" charset="0"/>
-              </a:rPr>
-              <a:t>   Padding/Packet Size     /                \ </a:t>
-            </a:r>
-          </a:p>
-          <a:p>
-            <a:r>
-              <a:rPr lang="en-CA" sz="1200" b="1" dirty="0">
-                <a:latin typeface="Courier" pitchFamily="2" charset="0"/>
-              </a:rPr>
-              <a:t>   Loss Measurement Mode  /                  \</a:t>
-            </a:r>
-          </a:p>
-          <a:p>
-            <a:r>
-              <a:rPr lang="en-CA" sz="1200" b="1" dirty="0">
-                <a:latin typeface="Courier" pitchFamily="2" charset="0"/>
-              </a:rPr>
-              <a:t>                         v                    v</a:t>
-            </a:r>
-          </a:p>
-          <a:p>
-            <a:r>
-              <a:rPr lang="en-CA" sz="1200" b="1" dirty="0">
-                <a:latin typeface="Courier" pitchFamily="2" charset="0"/>
-              </a:rPr>
-              <a:t>                     +-------+            +-------+</a:t>
-            </a:r>
-          </a:p>
-          <a:p>
-            <a:r>
-              <a:rPr lang="en-CA" sz="1200" b="1" dirty="0">
-                <a:latin typeface="Courier" pitchFamily="2" charset="0"/>
-              </a:rPr>
-              <a:t>                     |       |            |       |</a:t>
-            </a:r>
-          </a:p>
-          <a:p>
-            <a:r>
-              <a:rPr lang="en-CA" sz="1200" b="1" dirty="0">
-                <a:latin typeface="Courier" pitchFamily="2" charset="0"/>
-              </a:rPr>
-              <a:t>                     |   R1  |------------|   R5  |</a:t>
-            </a:r>
-          </a:p>
-          <a:p>
-            <a:r>
-              <a:rPr lang="en-CA" sz="1200" b="1" dirty="0">
-                <a:latin typeface="Courier" pitchFamily="2" charset="0"/>
-              </a:rPr>
-              <a:t>                     |       |            |       |</a:t>
-            </a:r>
-          </a:p>
-          <a:p>
-            <a:r>
-              <a:rPr lang="en-CA" sz="1200" b="1" dirty="0">
-                <a:latin typeface="Courier" pitchFamily="2" charset="0"/>
-              </a:rPr>
-              <a:t>                     +-------+            +-------+</a:t>
-            </a:r>
-          </a:p>
-          <a:p>
-            <a:r>
-              <a:rPr lang="en-CA" sz="1200" b="1" dirty="0">
-                <a:latin typeface="Courier" pitchFamily="2" charset="0"/>
-              </a:rPr>
-              <a:t>                      Sender              Reflector</a:t>
-            </a:r>
-          </a:p>
-        </p:txBody>
-      </p:sp>
-    </p:spTree>
-    <p:extLst>
-      <p:ext uri="{BB962C8B-B14F-4D97-AF65-F5344CB8AC3E}">
-        <p14:creationId xmlns:p14="http://schemas.microsoft.com/office/powerpoint/2010/main" val="1805408624"/>
-      </p:ext>
-    </p:extLst>
-  </p:cSld>
-  <p:clrMapOvr>
-    <a:masterClrMapping/>
-  </p:clrMapOvr>
-</p:sld>
-</file>
-
-<file path=ppt/slides/slide11.xml><?xml version="1.0" encoding="utf-8"?>
-<p:sld xmlns:a="http://schemas.openxmlformats.org/drawingml/2006/main" xmlns:r="http://schemas.openxmlformats.org/officeDocument/2006/relationships" xmlns:p="http://schemas.openxmlformats.org/presentationml/2006/main">
-  <p:cSld>
-    <p:spTree>
-      <p:nvGrpSpPr>
-        <p:cNvPr id="1" name=""/>
-        <p:cNvGrpSpPr/>
-        <p:nvPr/>
-      </p:nvGrpSpPr>
-      <p:grpSpPr>
-        <a:xfrm>
-          <a:off x="0" y="0"/>
-          <a:ext cx="0" cy="0"/>
-          <a:chOff x="0" y="0"/>
-          <a:chExt cx="0" cy="0"/>
-        </a:xfrm>
-      </p:grpSpPr>
-      <p:sp>
-        <p:nvSpPr>
-          <p:cNvPr id="2" name="Title 1"/>
-          <p:cNvSpPr>
-            <a:spLocks noGrp="1"/>
-          </p:cNvSpPr>
-          <p:nvPr>
-            <p:ph type="title"/>
-          </p:nvPr>
-        </p:nvSpPr>
-        <p:spPr>
-          <a:xfrm>
-            <a:off x="152400" y="202211"/>
-            <a:ext cx="3962400" cy="845539"/>
-          </a:xfrm>
-        </p:spPr>
-        <p:txBody>
-          <a:bodyPr/>
-          <a:lstStyle/>
-          <a:p>
-            <a:pPr algn="l"/>
-            <a:r>
-              <a:rPr lang="en-US" sz="3400" dirty="0">
-                <a:solidFill>
-                  <a:srgbClr val="0070C0"/>
-                </a:solidFill>
-                <a:latin typeface="Calibri Light" panose="020F0302020204030204" pitchFamily="34" charset="0"/>
-                <a:cs typeface="Calibri Light" panose="020F0302020204030204" pitchFamily="34" charset="0"/>
-              </a:rPr>
-              <a:t>Probe Query for SR-MPLS and SRv6 Policy</a:t>
-            </a:r>
-          </a:p>
-        </p:txBody>
-      </p:sp>
-      <p:sp>
-        <p:nvSpPr>
-          <p:cNvPr id="4" name="Footer Placeholder 3"/>
-          <p:cNvSpPr>
-            <a:spLocks noGrp="1"/>
-          </p:cNvSpPr>
-          <p:nvPr>
-            <p:ph type="ftr" sz="quarter" idx="11"/>
-          </p:nvPr>
-        </p:nvSpPr>
-        <p:spPr>
-          <a:xfrm>
-            <a:off x="3124200" y="4796631"/>
-            <a:ext cx="2895600" cy="357188"/>
-          </a:xfrm>
-        </p:spPr>
-        <p:txBody>
-          <a:bodyPr/>
-          <a:lstStyle/>
-          <a:p>
-            <a:pPr>
-              <a:defRPr/>
-            </a:pPr>
-            <a:r>
-              <a:rPr lang="en-US" altLang="zh-CN" dirty="0"/>
-              <a:t>107</a:t>
-            </a:r>
-            <a:r>
-              <a:rPr lang="en-US" altLang="zh-CN" baseline="30000" dirty="0"/>
-              <a:t>th</a:t>
-            </a:r>
-            <a:r>
-              <a:rPr lang="en-US" altLang="zh-CN" dirty="0"/>
-              <a:t> IETF @ Vancouver</a:t>
-            </a:r>
-          </a:p>
-        </p:txBody>
-      </p:sp>
-      <p:sp>
-        <p:nvSpPr>
-          <p:cNvPr id="5" name="Rectangle 4"/>
-          <p:cNvSpPr/>
-          <p:nvPr/>
-        </p:nvSpPr>
-        <p:spPr>
-          <a:xfrm>
-            <a:off x="4191000" y="243334"/>
-            <a:ext cx="4724400" cy="4247317"/>
-          </a:xfrm>
-          <a:prstGeom prst="rect">
-            <a:avLst/>
-          </a:prstGeom>
-          <a:solidFill>
-            <a:schemeClr val="accent6">
-              <a:lumMod val="20000"/>
-              <a:lumOff val="80000"/>
-            </a:schemeClr>
-          </a:solidFill>
-        </p:spPr>
-        <p:txBody>
-          <a:bodyPr wrap="square">
-            <a:spAutoFit/>
-          </a:bodyPr>
-          <a:lstStyle/>
-          <a:p>
-            <a:r>
-              <a:rPr lang="en-US" sz="900" b="1" dirty="0">
-                <a:latin typeface="Courier" charset="0"/>
-                <a:ea typeface="Courier" charset="0"/>
-                <a:cs typeface="Courier" charset="0"/>
-              </a:rPr>
-              <a:t>0                   1                   2                   3</a:t>
-            </a:r>
-          </a:p>
-          <a:p>
-            <a:r>
-              <a:rPr lang="en-US" sz="900" b="1" dirty="0">
-                <a:latin typeface="Courier" charset="0"/>
-                <a:ea typeface="Courier" charset="0"/>
-                <a:cs typeface="Courier" charset="0"/>
-              </a:rPr>
-              <a:t>0 1 2 3 4 5 6 7 8 9 0 1 2 3 4 5 6 7 8 9 0 1 2 3 4 5 6 7 8 9 0 1</a:t>
-            </a:r>
-          </a:p>
-          <a:p>
-            <a:r>
-              <a:rPr lang="en-US" sz="900" b="1" dirty="0">
-                <a:latin typeface="Courier" charset="0"/>
-                <a:ea typeface="Courier" charset="0"/>
-                <a:cs typeface="Courier" charset="0"/>
-              </a:rPr>
-              <a:t>+-+-+-+-+-+-+-+-+-+-+-+-+-+-+-+-+-+-+-+-+-+-+-+-+-+-+-+-+-+-+-+-+</a:t>
-            </a:r>
-          </a:p>
-          <a:p>
-            <a:r>
-              <a:rPr lang="en-US" sz="900" b="1" dirty="0">
-                <a:latin typeface="Courier" charset="0"/>
-                <a:ea typeface="Courier" charset="0"/>
-                <a:cs typeface="Courier" charset="0"/>
-              </a:rPr>
-              <a:t>|              Segment(1)               | TC  |S|      TTL      |</a:t>
-            </a:r>
-          </a:p>
-          <a:p>
-            <a:r>
-              <a:rPr lang="en-US" sz="900" b="1" dirty="0">
-                <a:latin typeface="Courier" charset="0"/>
-                <a:ea typeface="Courier" charset="0"/>
-                <a:cs typeface="Courier" charset="0"/>
-              </a:rPr>
-              <a:t>+-+-+-+-+-+-+-+-+-+-+-+-+-+-+-+-+-+-+-+-+-+-+-+-+-+-+-+-+-+-+-+-+</a:t>
-            </a:r>
-          </a:p>
-          <a:p>
-            <a:r>
-              <a:rPr lang="en-US" sz="900" b="1" dirty="0">
-                <a:latin typeface="Courier" charset="0"/>
-                <a:ea typeface="Courier" charset="0"/>
-                <a:cs typeface="Courier" charset="0"/>
-              </a:rPr>
-              <a:t>.                                                               .</a:t>
-            </a:r>
-          </a:p>
-          <a:p>
-            <a:r>
-              <a:rPr lang="en-US" sz="900" b="1" dirty="0">
-                <a:latin typeface="Courier" charset="0"/>
-                <a:ea typeface="Courier" charset="0"/>
-                <a:cs typeface="Courier" charset="0"/>
-              </a:rPr>
-              <a:t>.                                                               .</a:t>
-            </a:r>
-          </a:p>
-          <a:p>
-            <a:r>
-              <a:rPr lang="en-US" sz="900" b="1" dirty="0">
-                <a:latin typeface="Courier" charset="0"/>
-                <a:ea typeface="Courier" charset="0"/>
-                <a:cs typeface="Courier" charset="0"/>
-              </a:rPr>
-              <a:t>.                                                               .</a:t>
-            </a:r>
-          </a:p>
-          <a:p>
-            <a:r>
-              <a:rPr lang="en-US" sz="900" b="1" dirty="0">
-                <a:latin typeface="Courier" charset="0"/>
-                <a:ea typeface="Courier" charset="0"/>
-                <a:cs typeface="Courier" charset="0"/>
-              </a:rPr>
-              <a:t>+-+-+-+-+-+-+-+-+-+-+-+-+-+-+-+-+-+-+-+-+-+-+-+-+-+-+-+-+-+-+-+-+</a:t>
-            </a:r>
-          </a:p>
-          <a:p>
-            <a:r>
-              <a:rPr lang="en-US" sz="900" b="1" dirty="0">
-                <a:latin typeface="Courier" charset="0"/>
-                <a:ea typeface="Courier" charset="0"/>
-                <a:cs typeface="Courier" charset="0"/>
-              </a:rPr>
-              <a:t>|              Segment(n)               | TC  |S|      TTL      |</a:t>
-            </a:r>
-          </a:p>
-          <a:p>
-            <a:r>
-              <a:rPr lang="en-US" sz="900" b="1" dirty="0">
-                <a:latin typeface="Courier" charset="0"/>
-                <a:ea typeface="Courier" charset="0"/>
-                <a:cs typeface="Courier" charset="0"/>
-              </a:rPr>
-              <a:t>+-+-+-+-+-+-+-+-+-+-+-+-+-+-+-+-+-+-+-+-+-+-+-+-+-+-+-+-+-+-+-+-+</a:t>
-            </a:r>
-          </a:p>
-          <a:p>
-            <a:r>
-              <a:rPr lang="en-US" sz="900" b="1" dirty="0">
-                <a:latin typeface="Courier" charset="0"/>
-                <a:ea typeface="Courier" charset="0"/>
-                <a:cs typeface="Courier" charset="0"/>
-              </a:rPr>
-              <a:t>|              Message for DM                                   |</a:t>
-            </a:r>
-          </a:p>
-          <a:p>
-            <a:r>
-              <a:rPr lang="en-US" sz="900" b="1" dirty="0">
-                <a:latin typeface="Courier" charset="0"/>
-                <a:ea typeface="Courier" charset="0"/>
-                <a:cs typeface="Courier" charset="0"/>
-              </a:rPr>
-              <a:t>.                                                               .</a:t>
-            </a:r>
-          </a:p>
-          <a:p>
-            <a:r>
-              <a:rPr lang="en-US" sz="900" b="1" dirty="0">
-                <a:latin typeface="Courier" charset="0"/>
-                <a:ea typeface="Courier" charset="0"/>
-                <a:cs typeface="Courier" charset="0"/>
-              </a:rPr>
-              <a:t>+---------------------------------------------------------------+</a:t>
-            </a:r>
-          </a:p>
-          <a:p>
-            <a:r>
-              <a:rPr lang="en-US" sz="900" b="1" dirty="0">
-                <a:latin typeface="Courier" charset="0"/>
-                <a:ea typeface="Courier" charset="0"/>
-                <a:cs typeface="Courier" charset="0"/>
-              </a:rPr>
-              <a:t> </a:t>
-            </a:r>
-          </a:p>
-          <a:p>
-            <a:r>
-              <a:rPr lang="en-US" sz="900" b="1" dirty="0">
-                <a:latin typeface="Courier" charset="0"/>
-                <a:ea typeface="Courier" charset="0"/>
-                <a:cs typeface="Courier" charset="0"/>
-              </a:rPr>
-              <a:t>         Figure: Probe Query Message for SR-MPLS Policy</a:t>
-            </a:r>
-          </a:p>
-          <a:p>
-            <a:r>
-              <a:rPr lang="en-US" sz="900" b="1" dirty="0">
-                <a:latin typeface="Courier" charset="0"/>
-                <a:ea typeface="Courier" charset="0"/>
-                <a:cs typeface="Courier" charset="0"/>
-              </a:rPr>
-              <a:t> </a:t>
-            </a:r>
-          </a:p>
-          <a:p>
-            <a:r>
-              <a:rPr lang="en-US" sz="900" b="1" dirty="0">
-                <a:latin typeface="Courier" charset="0"/>
-                <a:ea typeface="Courier" charset="0"/>
-                <a:cs typeface="Courier" charset="0"/>
-              </a:rPr>
-              <a:t> </a:t>
-            </a:r>
-          </a:p>
-          <a:p>
-            <a:r>
-              <a:rPr lang="en-US" sz="900" b="1" dirty="0">
-                <a:latin typeface="Courier" charset="0"/>
-                <a:ea typeface="Courier" charset="0"/>
-                <a:cs typeface="Courier" charset="0"/>
-              </a:rPr>
-              <a:t>0                   1                   2                   3</a:t>
-            </a:r>
-          </a:p>
-          <a:p>
-            <a:r>
-              <a:rPr lang="en-US" sz="900" b="1" dirty="0">
-                <a:latin typeface="Courier" charset="0"/>
-                <a:ea typeface="Courier" charset="0"/>
-                <a:cs typeface="Courier" charset="0"/>
-              </a:rPr>
-              <a:t>0 1 2 3 4 5 6 7 8 9 0 1 2 3 4 5 6 7 8 9 0 1 2 3 4 5 6 7 8 9 0 1</a:t>
-            </a:r>
-          </a:p>
-          <a:p>
-            <a:r>
-              <a:rPr lang="en-US" sz="900" b="1" dirty="0">
-                <a:latin typeface="Courier" charset="0"/>
-                <a:ea typeface="Courier" charset="0"/>
-                <a:cs typeface="Courier" charset="0"/>
-              </a:rPr>
-              <a:t>+-+-+-+-+-+-+-+-+-+-+-+-+-+-+-+-+-+-+-+-+-+-+-+-+-+-+-+-+-+-+-+-+</a:t>
-            </a:r>
-          </a:p>
-          <a:p>
-            <a:r>
-              <a:rPr lang="en-US" sz="900" b="1" dirty="0">
-                <a:latin typeface="Courier" charset="0"/>
-                <a:ea typeface="Courier" charset="0"/>
-                <a:cs typeface="Courier" charset="0"/>
-              </a:rPr>
-              <a:t>|                           SRH                                 |</a:t>
-            </a:r>
-          </a:p>
-          <a:p>
-            <a:r>
-              <a:rPr lang="en-US" sz="900" b="1" dirty="0">
-                <a:latin typeface="Courier" charset="0"/>
-                <a:ea typeface="Courier" charset="0"/>
-                <a:cs typeface="Courier" charset="0"/>
-              </a:rPr>
-              <a:t>.                                                               .</a:t>
-            </a:r>
-          </a:p>
-          <a:p>
-            <a:r>
-              <a:rPr lang="en-US" sz="900" b="1" dirty="0">
-                <a:latin typeface="Courier" charset="0"/>
-                <a:ea typeface="Courier" charset="0"/>
-                <a:cs typeface="Courier" charset="0"/>
-              </a:rPr>
-              <a:t>+-+-+-+-+-+-+-+-+-+-+-+-+-+-+-+-+-+-+-+-+-+-+-+-+-+-+-+-+-+-+-+-+</a:t>
-            </a:r>
-          </a:p>
-          <a:p>
-            <a:r>
-              <a:rPr lang="en-US" sz="900" b="1" dirty="0">
-                <a:latin typeface="Courier" charset="0"/>
-                <a:ea typeface="Courier" charset="0"/>
-                <a:cs typeface="Courier" charset="0"/>
-              </a:rPr>
-              <a:t>|              Message for DM                                   |</a:t>
-            </a:r>
-          </a:p>
-          <a:p>
-            <a:r>
-              <a:rPr lang="en-US" sz="900" b="1" dirty="0">
-                <a:latin typeface="Courier" charset="0"/>
-                <a:ea typeface="Courier" charset="0"/>
-                <a:cs typeface="Courier" charset="0"/>
-              </a:rPr>
-              <a:t>.              (Using IPv6 Addresses)                           .</a:t>
-            </a:r>
-          </a:p>
-          <a:p>
-            <a:r>
-              <a:rPr lang="en-US" sz="900" b="1" dirty="0">
-                <a:latin typeface="Courier" charset="0"/>
-                <a:ea typeface="Courier" charset="0"/>
-                <a:cs typeface="Courier" charset="0"/>
-              </a:rPr>
-              <a:t>.                                                               .</a:t>
-            </a:r>
-          </a:p>
-          <a:p>
-            <a:r>
-              <a:rPr lang="en-US" sz="900" b="1" dirty="0">
-                <a:latin typeface="Courier" charset="0"/>
-                <a:ea typeface="Courier" charset="0"/>
-                <a:cs typeface="Courier" charset="0"/>
-              </a:rPr>
-              <a:t>+---------------------------------------------------------------+</a:t>
-            </a:r>
-          </a:p>
-          <a:p>
-            <a:r>
-              <a:rPr lang="en-US" sz="900" b="1" dirty="0">
-                <a:latin typeface="Courier" charset="0"/>
-                <a:ea typeface="Courier" charset="0"/>
-                <a:cs typeface="Courier" charset="0"/>
-              </a:rPr>
-              <a:t> </a:t>
-            </a:r>
-          </a:p>
-          <a:p>
-            <a:r>
-              <a:rPr lang="en-US" sz="900" b="1" dirty="0">
-                <a:latin typeface="Courier" charset="0"/>
-                <a:ea typeface="Courier" charset="0"/>
-                <a:cs typeface="Courier" charset="0"/>
-              </a:rPr>
-              <a:t>          Figure: Probe Query Message for SRv6 Policy</a:t>
-            </a:r>
-          </a:p>
-        </p:txBody>
-      </p:sp>
-      <p:sp>
-        <p:nvSpPr>
-          <p:cNvPr id="6" name="Content Placeholder 2"/>
-          <p:cNvSpPr txBox="1">
-            <a:spLocks/>
-          </p:cNvSpPr>
-          <p:nvPr/>
-        </p:nvSpPr>
-        <p:spPr bwMode="auto">
-          <a:xfrm>
-            <a:off x="228600" y="1352550"/>
-            <a:ext cx="3848100" cy="2641926"/>
-          </a:xfrm>
-          <a:prstGeom prst="rect">
-            <a:avLst/>
-          </a:prstGeom>
-          <a:noFill/>
-          <a:ln w="9525">
-            <a:noFill/>
-            <a:miter lim="800000"/>
-            <a:headEnd/>
-            <a:tailEnd/>
-          </a:ln>
-        </p:spPr>
-        <p:txBody>
-          <a:bodyPr vert="horz" wrap="square" lIns="91440" tIns="45720" rIns="91440" bIns="45720" numCol="1" anchor="t" anchorCtr="0" compatLnSpc="1">
-            <a:prstTxWarp prst="textNoShape">
-              <a:avLst/>
-            </a:prstTxWarp>
-          </a:bodyPr>
-          <a:lstStyle>
-            <a:lvl1pPr marL="342900" indent="-342900" algn="l" rtl="0" eaLnBrk="0" fontAlgn="base" hangingPunct="0">
-              <a:spcBef>
-                <a:spcPct val="20000"/>
-              </a:spcBef>
-              <a:spcAft>
-                <a:spcPct val="0"/>
-              </a:spcAft>
-              <a:buChar char="•"/>
-              <a:defRPr sz="3200">
-                <a:solidFill>
-                  <a:schemeClr val="tx1"/>
-                </a:solidFill>
-                <a:latin typeface="Calibri" charset="0"/>
-                <a:ea typeface="Calibri" charset="0"/>
-                <a:cs typeface="Calibri" charset="0"/>
-              </a:defRPr>
-            </a:lvl1pPr>
-            <a:lvl2pPr marL="742950" indent="-285750" algn="l" rtl="0" eaLnBrk="0" fontAlgn="base" hangingPunct="0">
-              <a:spcBef>
-                <a:spcPct val="20000"/>
-              </a:spcBef>
-              <a:spcAft>
-                <a:spcPct val="0"/>
-              </a:spcAft>
-              <a:buChar char="–"/>
-              <a:defRPr sz="2800">
-                <a:solidFill>
-                  <a:schemeClr val="tx1"/>
-                </a:solidFill>
-                <a:latin typeface="Calibri" charset="0"/>
-                <a:ea typeface="Calibri" charset="0"/>
-                <a:cs typeface="Calibri" charset="0"/>
-              </a:defRPr>
-            </a:lvl2pPr>
-            <a:lvl3pPr marL="1143000" indent="-228600" algn="l" rtl="0" eaLnBrk="0" fontAlgn="base" hangingPunct="0">
-              <a:spcBef>
-                <a:spcPct val="20000"/>
-              </a:spcBef>
-              <a:spcAft>
-                <a:spcPct val="0"/>
-              </a:spcAft>
-              <a:buChar char="•"/>
-              <a:defRPr sz="2400">
-                <a:solidFill>
-                  <a:schemeClr val="tx1"/>
-                </a:solidFill>
-                <a:latin typeface="Calibri" charset="0"/>
-                <a:ea typeface="Calibri" charset="0"/>
-                <a:cs typeface="Calibri" charset="0"/>
-              </a:defRPr>
-            </a:lvl3pPr>
-            <a:lvl4pPr marL="1600200" indent="-228600" algn="l" rtl="0" eaLnBrk="0" fontAlgn="base" hangingPunct="0">
-              <a:spcBef>
-                <a:spcPct val="20000"/>
-              </a:spcBef>
-              <a:spcAft>
-                <a:spcPct val="0"/>
-              </a:spcAft>
-              <a:buChar char="–"/>
-              <a:defRPr sz="2000">
-                <a:solidFill>
-                  <a:schemeClr val="tx1"/>
-                </a:solidFill>
-                <a:latin typeface="Calibri" charset="0"/>
-                <a:ea typeface="Calibri" charset="0"/>
-                <a:cs typeface="Calibri" charset="0"/>
-              </a:defRPr>
-            </a:lvl4pPr>
-            <a:lvl5pPr marL="2057400" indent="-228600" algn="l" rtl="0" eaLnBrk="0" fontAlgn="base" hangingPunct="0">
-              <a:spcBef>
-                <a:spcPct val="20000"/>
-              </a:spcBef>
-              <a:spcAft>
-                <a:spcPct val="0"/>
-              </a:spcAft>
-              <a:buChar char="»"/>
-              <a:defRPr sz="2000">
-                <a:solidFill>
-                  <a:schemeClr val="tx1"/>
-                </a:solidFill>
-                <a:latin typeface="Calibri" charset="0"/>
-                <a:ea typeface="Calibri" charset="0"/>
-                <a:cs typeface="Calibri" charset="0"/>
-              </a:defRPr>
-            </a:lvl5pPr>
-            <a:lvl6pPr marL="2514600" indent="-228600" algn="l" rtl="0" fontAlgn="base">
-              <a:spcBef>
-                <a:spcPct val="20000"/>
-              </a:spcBef>
-              <a:spcAft>
-                <a:spcPct val="0"/>
-              </a:spcAft>
-              <a:buChar char="»"/>
-              <a:defRPr sz="2000">
-                <a:solidFill>
-                  <a:schemeClr val="tx1"/>
-                </a:solidFill>
-                <a:latin typeface="+mn-lt"/>
-                <a:ea typeface="+mn-ea"/>
-              </a:defRPr>
-            </a:lvl6pPr>
-            <a:lvl7pPr marL="2971800" indent="-228600" algn="l" rtl="0" fontAlgn="base">
-              <a:spcBef>
-                <a:spcPct val="20000"/>
-              </a:spcBef>
-              <a:spcAft>
-                <a:spcPct val="0"/>
-              </a:spcAft>
-              <a:buChar char="»"/>
-              <a:defRPr sz="2000">
-                <a:solidFill>
-                  <a:schemeClr val="tx1"/>
-                </a:solidFill>
-                <a:latin typeface="+mn-lt"/>
-                <a:ea typeface="+mn-ea"/>
-              </a:defRPr>
-            </a:lvl7pPr>
-            <a:lvl8pPr marL="3429000" indent="-228600" algn="l" rtl="0" fontAlgn="base">
-              <a:spcBef>
-                <a:spcPct val="20000"/>
-              </a:spcBef>
-              <a:spcAft>
-                <a:spcPct val="0"/>
-              </a:spcAft>
-              <a:buChar char="»"/>
-              <a:defRPr sz="2000">
-                <a:solidFill>
-                  <a:schemeClr val="tx1"/>
-                </a:solidFill>
-                <a:latin typeface="+mn-lt"/>
-                <a:ea typeface="+mn-ea"/>
-              </a:defRPr>
-            </a:lvl8pPr>
-            <a:lvl9pPr marL="3886200" indent="-228600" algn="l" rtl="0" fontAlgn="base">
-              <a:spcBef>
-                <a:spcPct val="20000"/>
-              </a:spcBef>
-              <a:spcAft>
-                <a:spcPct val="0"/>
-              </a:spcAft>
-              <a:buChar char="»"/>
-              <a:defRPr sz="2000">
-                <a:solidFill>
-                  <a:schemeClr val="tx1"/>
-                </a:solidFill>
-                <a:latin typeface="+mn-lt"/>
-                <a:ea typeface="+mn-ea"/>
-              </a:defRPr>
-            </a:lvl9pPr>
-          </a:lstStyle>
-          <a:p>
-            <a:pPr marL="0" indent="0">
-              <a:buNone/>
-            </a:pPr>
-            <a:r>
-              <a:rPr lang="en-US" sz="1600" dirty="0"/>
-              <a:t>For </a:t>
-            </a:r>
-            <a:r>
-              <a:rPr lang="en-US" sz="1600" b="1" dirty="0"/>
-              <a:t>end-to-end </a:t>
-            </a:r>
-            <a:r>
-              <a:rPr lang="en-US" sz="1600" dirty="0"/>
-              <a:t>performance delay/loss measurement of SR Policy, the probe query messages are sent on the SR Policy path with:</a:t>
-            </a:r>
-          </a:p>
-          <a:p>
-            <a:pPr>
-              <a:buFont typeface="+mj-lt"/>
-              <a:buAutoNum type="arabicPeriod"/>
-            </a:pPr>
-            <a:r>
-              <a:rPr lang="en-US" sz="1600" dirty="0"/>
-              <a:t>MPLS label stack for SR-MPLS Policies,</a:t>
-            </a:r>
-          </a:p>
-          <a:p>
-            <a:pPr>
-              <a:buFont typeface="+mj-lt"/>
-              <a:buAutoNum type="arabicPeriod"/>
-            </a:pPr>
-            <a:r>
-              <a:rPr lang="en-US" sz="1600" dirty="0"/>
-              <a:t>SRv6 SRH [</a:t>
-            </a:r>
-            <a:r>
-              <a:rPr lang="en-CA" sz="1600" dirty="0"/>
-              <a:t>draft-ietf-6man-segment-routing-header</a:t>
-            </a:r>
-            <a:r>
-              <a:rPr lang="en-US" sz="1600" dirty="0"/>
-              <a:t>] with SID list for SRv6 Policies.</a:t>
-            </a:r>
-            <a:endParaRPr lang="en-US" sz="1600" kern="0" dirty="0"/>
-          </a:p>
-        </p:txBody>
-      </p:sp>
-      <p:sp>
-        <p:nvSpPr>
-          <p:cNvPr id="3" name="Slide Number Placeholder 2"/>
-          <p:cNvSpPr>
-            <a:spLocks noGrp="1"/>
-          </p:cNvSpPr>
-          <p:nvPr>
-            <p:ph type="sldNum" sz="quarter" idx="12"/>
-          </p:nvPr>
-        </p:nvSpPr>
-        <p:spPr/>
-        <p:txBody>
-          <a:bodyPr/>
-          <a:lstStyle/>
-          <a:p>
-            <a:pPr>
-              <a:defRPr/>
-            </a:pPr>
-            <a:fld id="{BD6E0F59-1DD8-40FC-9C92-B6295CBA6CCA}" type="slidenum">
-              <a:rPr lang="en-US" altLang="zh-CN" smtClean="0"/>
-              <a:pPr>
-                <a:defRPr/>
-              </a:pPr>
-              <a:t>11</a:t>
-            </a:fld>
-            <a:endParaRPr lang="en-US" altLang="zh-CN"/>
-          </a:p>
-        </p:txBody>
-      </p:sp>
-      <p:cxnSp>
-        <p:nvCxnSpPr>
-          <p:cNvPr id="8" name="Straight Connector 7">
-            <a:extLst>
-              <a:ext uri="{FF2B5EF4-FFF2-40B4-BE49-F238E27FC236}">
-                <a16:creationId xmlns:a16="http://schemas.microsoft.com/office/drawing/2014/main" id="{7A63617F-26D6-E64C-98B9-346A9686E76B}"/>
-              </a:ext>
-            </a:extLst>
-          </p:cNvPr>
-          <p:cNvCxnSpPr/>
-          <p:nvPr/>
-        </p:nvCxnSpPr>
-        <p:spPr>
-          <a:xfrm>
-            <a:off x="4191000" y="2571750"/>
-            <a:ext cx="4724400" cy="0"/>
-          </a:xfrm>
-          <a:prstGeom prst="line">
-            <a:avLst/>
-          </a:prstGeom>
-          <a:ln w="19050">
-            <a:solidFill>
-              <a:schemeClr val="tx1">
-                <a:lumMod val="50000"/>
-                <a:lumOff val="50000"/>
-              </a:schemeClr>
-            </a:solidFill>
-          </a:ln>
-        </p:spPr>
-        <p:style>
-          <a:lnRef idx="1">
-            <a:schemeClr val="accent1"/>
-          </a:lnRef>
-          <a:fillRef idx="0">
-            <a:schemeClr val="accent1"/>
-          </a:fillRef>
-          <a:effectRef idx="0">
-            <a:schemeClr val="accent1"/>
-          </a:effectRef>
-          <a:fontRef idx="minor">
-            <a:schemeClr val="tx1"/>
-          </a:fontRef>
-        </p:style>
-      </p:cxnSp>
-    </p:spTree>
-    <p:extLst>
-      <p:ext uri="{BB962C8B-B14F-4D97-AF65-F5344CB8AC3E}">
-        <p14:creationId xmlns:p14="http://schemas.microsoft.com/office/powerpoint/2010/main" val="1571250689"/>
-      </p:ext>
-    </p:extLst>
-  </p:cSld>
-  <p:clrMapOvr>
-    <a:masterClrMapping/>
-  </p:clrMapOvr>
-</p:sld>
-</file>
-
-<file path=ppt/slides/slide12.xml><?xml version="1.0" encoding="utf-8"?>
-<p:sld xmlns:a="http://schemas.openxmlformats.org/drawingml/2006/main" xmlns:r="http://schemas.openxmlformats.org/officeDocument/2006/relationships" xmlns:p="http://schemas.openxmlformats.org/presentationml/2006/main">
-  <p:cSld>
-    <p:spTree>
-      <p:nvGrpSpPr>
-        <p:cNvPr id="1" name=""/>
-        <p:cNvGrpSpPr/>
-        <p:nvPr/>
-      </p:nvGrpSpPr>
-      <p:grpSpPr>
-        <a:xfrm>
-          <a:off x="0" y="0"/>
-          <a:ext cx="0" cy="0"/>
-          <a:chOff x="0" y="0"/>
-          <a:chExt cx="0" cy="0"/>
-        </a:xfrm>
-      </p:grpSpPr>
-      <p:sp>
-        <p:nvSpPr>
-          <p:cNvPr id="2" name="Title 1"/>
-          <p:cNvSpPr>
-            <a:spLocks noGrp="1"/>
-          </p:cNvSpPr>
-          <p:nvPr>
-            <p:ph type="title"/>
-          </p:nvPr>
-        </p:nvSpPr>
-        <p:spPr>
-          <a:xfrm>
-            <a:off x="457200" y="0"/>
-            <a:ext cx="8229600" cy="857250"/>
-          </a:xfrm>
-        </p:spPr>
-        <p:txBody>
-          <a:bodyPr/>
-          <a:lstStyle/>
-          <a:p>
-            <a:r>
-              <a:rPr lang="en-US" sz="3600" dirty="0">
-                <a:solidFill>
-                  <a:srgbClr val="0070C0"/>
-                </a:solidFill>
-                <a:latin typeface="Calibri Light" panose="020F0302020204030204" pitchFamily="34" charset="0"/>
-                <a:cs typeface="Calibri Light" panose="020F0302020204030204" pitchFamily="34" charset="0"/>
-              </a:rPr>
-              <a:t>ECMP Support for SR Policy</a:t>
-            </a:r>
-          </a:p>
-        </p:txBody>
-      </p:sp>
-      <p:sp>
-        <p:nvSpPr>
-          <p:cNvPr id="3" name="Content Placeholder 2"/>
-          <p:cNvSpPr>
-            <a:spLocks noGrp="1"/>
-          </p:cNvSpPr>
-          <p:nvPr>
-            <p:ph idx="1"/>
-          </p:nvPr>
-        </p:nvSpPr>
-        <p:spPr>
-          <a:xfrm>
-            <a:off x="419100" y="912201"/>
-            <a:ext cx="8305800" cy="3259750"/>
-          </a:xfrm>
-        </p:spPr>
-        <p:txBody>
-          <a:bodyPr/>
-          <a:lstStyle/>
-          <a:p>
-            <a:pPr>
-              <a:lnSpc>
-                <a:spcPts val="2280"/>
-              </a:lnSpc>
-              <a:spcBef>
-                <a:spcPts val="0"/>
-              </a:spcBef>
-            </a:pPr>
-            <a:r>
-              <a:rPr lang="en-US" sz="1800" dirty="0"/>
-              <a:t>SR Policy can have ECMP between the ingress and transit nodes, between transit nodes and between transit and egress nodes.</a:t>
-            </a:r>
-          </a:p>
-          <a:p>
-            <a:pPr>
-              <a:lnSpc>
-                <a:spcPts val="2280"/>
-              </a:lnSpc>
-              <a:spcBef>
-                <a:spcPts val="0"/>
-              </a:spcBef>
-            </a:pPr>
-            <a:r>
-              <a:rPr lang="en-US" sz="1800" dirty="0"/>
-              <a:t>Sending PM probe queries that can take advantage of the hashing function in forwarding plane.</a:t>
-            </a:r>
-          </a:p>
-          <a:p>
-            <a:pPr>
-              <a:lnSpc>
-                <a:spcPts val="2280"/>
-              </a:lnSpc>
-              <a:spcBef>
-                <a:spcPts val="0"/>
-              </a:spcBef>
-            </a:pPr>
-            <a:r>
-              <a:rPr lang="en-US" sz="1800" dirty="0"/>
-              <a:t>Existing forwarding mechanisms are applicable to PM probe messages:</a:t>
-            </a:r>
-          </a:p>
-          <a:p>
-            <a:pPr lvl="1">
-              <a:lnSpc>
-                <a:spcPts val="2280"/>
-              </a:lnSpc>
-              <a:spcBef>
-                <a:spcPts val="0"/>
-              </a:spcBef>
-            </a:pPr>
-            <a:r>
-              <a:rPr lang="en-US" sz="1800" dirty="0"/>
-              <a:t>For IPv4 and IPv6</a:t>
-            </a:r>
-          </a:p>
-          <a:p>
-            <a:pPr lvl="2">
-              <a:lnSpc>
-                <a:spcPts val="2280"/>
-              </a:lnSpc>
-              <a:spcBef>
-                <a:spcPts val="0"/>
-              </a:spcBef>
-            </a:pPr>
-            <a:r>
-              <a:rPr lang="en-US" sz="1800" dirty="0"/>
-              <a:t>Destination addresses in IP header (e.g. 127/8 for IPv4 and FFFF:7F00/104 for IPv6)</a:t>
-            </a:r>
-          </a:p>
-          <a:p>
-            <a:pPr lvl="2">
-              <a:lnSpc>
-                <a:spcPts val="2280"/>
-              </a:lnSpc>
-              <a:spcBef>
-                <a:spcPts val="0"/>
-              </a:spcBef>
-            </a:pPr>
-            <a:r>
-              <a:rPr lang="en-US" sz="1800" dirty="0"/>
-              <a:t>Flow label in IPv6 header</a:t>
-            </a:r>
-          </a:p>
-        </p:txBody>
-      </p:sp>
-      <p:sp>
-        <p:nvSpPr>
-          <p:cNvPr id="4" name="Footer Placeholder 3"/>
-          <p:cNvSpPr>
-            <a:spLocks noGrp="1"/>
-          </p:cNvSpPr>
-          <p:nvPr>
-            <p:ph type="ftr" sz="quarter" idx="11"/>
-          </p:nvPr>
-        </p:nvSpPr>
-        <p:spPr>
-          <a:xfrm>
-            <a:off x="3124200" y="4781550"/>
-            <a:ext cx="2895600" cy="357188"/>
-          </a:xfrm>
-        </p:spPr>
-        <p:txBody>
-          <a:bodyPr/>
-          <a:lstStyle/>
-          <a:p>
-            <a:pPr>
-              <a:defRPr/>
-            </a:pPr>
-            <a:r>
-              <a:rPr lang="en-US" altLang="zh-CN" dirty="0"/>
-              <a:t>107</a:t>
-            </a:r>
-            <a:r>
-              <a:rPr lang="en-US" altLang="zh-CN" baseline="30000" dirty="0"/>
-              <a:t>th</a:t>
-            </a:r>
-            <a:r>
-              <a:rPr lang="en-US" altLang="zh-CN" dirty="0"/>
-              <a:t> IETF @ Vancouver</a:t>
-            </a:r>
-          </a:p>
-        </p:txBody>
-      </p:sp>
-      <p:sp>
-        <p:nvSpPr>
-          <p:cNvPr id="5" name="Slide Number Placeholder 4"/>
-          <p:cNvSpPr>
-            <a:spLocks noGrp="1"/>
-          </p:cNvSpPr>
-          <p:nvPr>
-            <p:ph type="sldNum" sz="quarter" idx="12"/>
-          </p:nvPr>
-        </p:nvSpPr>
-        <p:spPr/>
-        <p:txBody>
-          <a:bodyPr/>
-          <a:lstStyle/>
-          <a:p>
-            <a:pPr>
-              <a:defRPr/>
-            </a:pPr>
-            <a:fld id="{BD6E0F59-1DD8-40FC-9C92-B6295CBA6CCA}" type="slidenum">
-              <a:rPr lang="en-US" altLang="zh-CN" smtClean="0"/>
-              <a:pPr>
-                <a:defRPr/>
-              </a:pPr>
-              <a:t>12</a:t>
-            </a:fld>
-            <a:endParaRPr lang="en-US" altLang="zh-CN"/>
-          </a:p>
-        </p:txBody>
-      </p:sp>
-    </p:spTree>
-    <p:extLst>
-      <p:ext uri="{BB962C8B-B14F-4D97-AF65-F5344CB8AC3E}">
-        <p14:creationId xmlns:p14="http://schemas.microsoft.com/office/powerpoint/2010/main" val="3637512675"/>
-      </p:ext>
-    </p:extLst>
-  </p:cSld>
-  <p:clrMapOvr>
-    <a:masterClrMapping/>
-  </p:clrMapOvr>
-</p:sld>
-</file>
-
-<file path=ppt/slides/slide13.xml><?xml version="1.0" encoding="utf-8"?>
-<p:sld xmlns:a="http://schemas.openxmlformats.org/drawingml/2006/main" xmlns:r="http://schemas.openxmlformats.org/officeDocument/2006/relationships" xmlns:p="http://schemas.openxmlformats.org/presentationml/2006/main">
-  <p:cSld>
-    <p:spTree>
-      <p:nvGrpSpPr>
-        <p:cNvPr id="1" name=""/>
-        <p:cNvGrpSpPr/>
-        <p:nvPr/>
-      </p:nvGrpSpPr>
-      <p:grpSpPr>
-        <a:xfrm>
-          <a:off x="0" y="0"/>
-          <a:ext cx="0" cy="0"/>
-          <a:chOff x="0" y="0"/>
-          <a:chExt cx="0" cy="0"/>
-        </a:xfrm>
-      </p:grpSpPr>
-      <p:sp>
-        <p:nvSpPr>
           <p:cNvPr id="4" name="Footer Placeholder 3"/>
           <p:cNvSpPr>
             <a:spLocks noGrp="1"/>
@@ -6808,16 +5687,16 @@
               <a:pPr>
                 <a:defRPr/>
               </a:pPr>
-              <a:t>13</a:t>
+              <a:t>10</a:t>
             </a:fld>
-            <a:endParaRPr lang="en-US" altLang="zh-CN" dirty="0"/>
+            <a:endParaRPr lang="en-US" altLang="zh-CN"/>
           </a:p>
         </p:txBody>
       </p:sp>
     </p:spTree>
     <p:extLst>
       <p:ext uri="{BB962C8B-B14F-4D97-AF65-F5344CB8AC3E}">
-        <p14:creationId xmlns:p14="http://schemas.microsoft.com/office/powerpoint/2010/main" val="668811118"/>
+        <p14:creationId xmlns:p14="http://schemas.microsoft.com/office/powerpoint/2010/main" val="15840811"/>
       </p:ext>
     </p:extLst>
   </p:cSld>
@@ -6827,7 +5706,7 @@
 </p:sld>
 </file>
 
-<file path=ppt/slides/slide2.xml><?xml version="1.0" encoding="utf-8"?>
+<file path=ppt/slides/slide11.xml><?xml version="1.0" encoding="utf-8"?>
 <p:sld xmlns:a="http://schemas.openxmlformats.org/drawingml/2006/main" xmlns:r="http://schemas.openxmlformats.org/officeDocument/2006/relationships" xmlns:p="http://schemas.openxmlformats.org/presentationml/2006/main">
   <p:cSld>
     <p:spTree>
@@ -6846,79 +5725,7 @@
       </p:grpSpPr>
       <p:sp>
         <p:nvSpPr>
-          <p:cNvPr id="2" name="Title 1"/>
-          <p:cNvSpPr>
-            <a:spLocks noGrp="1"/>
-          </p:cNvSpPr>
-          <p:nvPr>
-            <p:ph type="title"/>
-          </p:nvPr>
-        </p:nvSpPr>
-        <p:spPr>
-          <a:xfrm>
-            <a:off x="457200" y="0"/>
-            <a:ext cx="8229600" cy="857250"/>
-          </a:xfrm>
-        </p:spPr>
-        <p:txBody>
-          <a:bodyPr/>
-          <a:lstStyle/>
-          <a:p>
-            <a:r>
-              <a:rPr lang="en-US" sz="3600" dirty="0">
-                <a:solidFill>
-                  <a:srgbClr val="0070C0"/>
-                </a:solidFill>
-                <a:latin typeface="Calibri Light" panose="020F0302020204030204" pitchFamily="34" charset="0"/>
-                <a:cs typeface="Calibri Light" panose="020F0302020204030204" pitchFamily="34" charset="0"/>
-              </a:rPr>
-              <a:t>Agenda</a:t>
-            </a:r>
-          </a:p>
-        </p:txBody>
-      </p:sp>
-      <p:sp>
-        <p:nvSpPr>
-          <p:cNvPr id="3" name="Content Placeholder 2"/>
-          <p:cNvSpPr>
-            <a:spLocks noGrp="1"/>
-          </p:cNvSpPr>
-          <p:nvPr>
-            <p:ph idx="1"/>
-          </p:nvPr>
-        </p:nvSpPr>
-        <p:spPr>
-          <a:xfrm>
-            <a:off x="609600" y="1009650"/>
-            <a:ext cx="8113059" cy="3124200"/>
-          </a:xfrm>
-        </p:spPr>
-        <p:txBody>
-          <a:bodyPr/>
-          <a:lstStyle/>
-          <a:p>
-            <a:r>
-              <a:rPr lang="en-US" sz="2400" dirty="0"/>
-              <a:t>Requirements and Scope</a:t>
-            </a:r>
-          </a:p>
-          <a:p>
-            <a:r>
-              <a:rPr lang="en-US" sz="2400" dirty="0"/>
-              <a:t>Summary</a:t>
-            </a:r>
-          </a:p>
-          <a:p>
-            <a:r>
-              <a:rPr lang="en-US" sz="2400" dirty="0"/>
-              <a:t>Next Steps</a:t>
-            </a:r>
-          </a:p>
-        </p:txBody>
-      </p:sp>
-      <p:sp>
-        <p:nvSpPr>
-          <p:cNvPr id="4" name="Footer Placeholder 3"/>
+          <p:cNvPr id="6" name="Footer Placeholder 3"/>
           <p:cNvSpPr>
             <a:spLocks noGrp="1"/>
           </p:cNvSpPr>
@@ -6956,7 +5763,7 @@
       </p:sp>
       <p:sp>
         <p:nvSpPr>
-          <p:cNvPr id="5" name="Slide Number Placeholder 4"/>
+          <p:cNvPr id="3" name="Slide Number Placeholder 2"/>
           <p:cNvSpPr>
             <a:spLocks noGrp="1"/>
           </p:cNvSpPr>
@@ -6972,21 +5779,49 @@
             <a:pPr>
               <a:defRPr/>
             </a:pPr>
-            <a:fld id="{BD6E0F59-1DD8-40FC-9C92-B6295CBA6CCA}" type="slidenum">
+            <a:fld id="{D5EE1D1A-EEC2-4D53-94A7-85D62C853479}" type="slidenum">
               <a:rPr lang="en-US" altLang="zh-CN" smtClean="0"/>
               <a:pPr>
                 <a:defRPr/>
               </a:pPr>
-              <a:t>2</a:t>
+              <a:t>11</a:t>
             </a:fld>
             <a:endParaRPr lang="en-US" altLang="zh-CN"/>
+          </a:p>
+        </p:txBody>
+      </p:sp>
+      <p:sp>
+        <p:nvSpPr>
+          <p:cNvPr id="8" name="Title 7">
+            <a:extLst>
+              <a:ext uri="{FF2B5EF4-FFF2-40B4-BE49-F238E27FC236}">
+                <a16:creationId xmlns:a16="http://schemas.microsoft.com/office/drawing/2014/main" id="{EAE0D9DC-8575-A84F-A04B-3BD8C30794A3}"/>
+              </a:ext>
+            </a:extLst>
+          </p:cNvPr>
+          <p:cNvSpPr>
+            <a:spLocks noGrp="1"/>
+          </p:cNvSpPr>
+          <p:nvPr>
+            <p:ph type="ctrTitle"/>
+          </p:nvPr>
+        </p:nvSpPr>
+        <p:spPr/>
+        <p:txBody>
+          <a:bodyPr/>
+          <a:lstStyle/>
+          <a:p>
+            <a:r>
+              <a:rPr lang="en-US" dirty="0"/>
+              <a:t>Backup</a:t>
+            </a:r>
           </a:p>
         </p:txBody>
       </p:sp>
     </p:spTree>
     <p:extLst>
       <p:ext uri="{BB962C8B-B14F-4D97-AF65-F5344CB8AC3E}">
-        <p14:creationId xmlns:p14="http://schemas.microsoft.com/office/powerpoint/2010/main" val="1157046242"/>
+        <p14:creationId xmlns:p14="http://schemas.microsoft.com/office/powerpoint/2010/main" val="1607707434"/>
       </p:ext>
     </p:extLst>
   </p:cSld>
@@ -6996,7 +5831,7 @@
 </p:sld>
 </file>
 
-<file path=ppt/slides/slide3.xml><?xml version="1.0" encoding="utf-8"?>
+<file path=ppt/slides/slide12.xml><?xml version="1.0" encoding="utf-8"?>
 <p:sld xmlns:a="http://schemas.openxmlformats.org/drawingml/2006/main" xmlns:r="http://schemas.openxmlformats.org/officeDocument/2006/relationships" xmlns:p="http://schemas.openxmlformats.org/presentationml/2006/main">
   <p:cSld>
     <p:spTree>
@@ -7015,7 +5850,13 @@
       </p:grpSpPr>
       <p:sp>
         <p:nvSpPr>
-          <p:cNvPr id="2" name="Title 1"/>
+          <p:cNvPr id="2" name="Title 1">
+            <a:extLst>
+              <a:ext uri="{FF2B5EF4-FFF2-40B4-BE49-F238E27FC236}">
+                <a16:creationId xmlns:a16="http://schemas.microsoft.com/office/drawing/2014/main" id="{9A6F4236-AC14-394A-A36C-F2BD8CED3237}"/>
+              </a:ext>
+            </a:extLst>
+          </p:cNvPr>
           <p:cNvSpPr>
             <a:spLocks noGrp="1"/>
           </p:cNvSpPr>
@@ -7025,7 +5866,7 @@
         </p:nvSpPr>
         <p:spPr>
           <a:xfrm>
-            <a:off x="457200" y="0"/>
+            <a:off x="457200" y="-19050"/>
             <a:ext cx="8229600" cy="857250"/>
           </a:xfrm>
         </p:spPr>
@@ -7041,193 +5882,30 @@
                 <a:latin typeface="Calibri Light" panose="020F0302020204030204" pitchFamily="34" charset="0"/>
                 <a:cs typeface="Calibri Light" panose="020F0302020204030204" pitchFamily="34" charset="0"/>
               </a:rPr>
-              <a:t>Requirements and Scope</a:t>
-            </a:r>
-          </a:p>
-        </p:txBody>
-      </p:sp>
-      <p:sp>
-        <p:nvSpPr>
-          <p:cNvPr id="3" name="Content Placeholder 2"/>
+              <a:t>Example Provisioning Model</a:t>
+            </a:r>
+          </a:p>
+        </p:txBody>
+      </p:sp>
+      <p:sp>
+        <p:nvSpPr>
+          <p:cNvPr id="4" name="Footer Placeholder 3">
+            <a:extLst>
+              <a:ext uri="{FF2B5EF4-FFF2-40B4-BE49-F238E27FC236}">
+                <a16:creationId xmlns:a16="http://schemas.microsoft.com/office/drawing/2014/main" id="{643D160E-CC3C-EB46-A6F1-43B8E2996F46}"/>
+              </a:ext>
+            </a:extLst>
+          </p:cNvPr>
           <p:cNvSpPr>
             <a:spLocks noGrp="1"/>
           </p:cNvSpPr>
           <p:nvPr>
-            <p:ph idx="1"/>
+            <p:ph type="ftr" sz="quarter" idx="11"/>
           </p:nvPr>
         </p:nvSpPr>
         <p:spPr>
           <a:xfrm>
-            <a:off x="685800" y="857250"/>
-            <a:ext cx="7772400" cy="3581400"/>
-          </a:xfrm>
-        </p:spPr>
-        <p:txBody>
-          <a:bodyPr/>
-          <a:lstStyle/>
-          <a:p>
-            <a:pPr marL="0" indent="0">
-              <a:buNone/>
-            </a:pPr>
-            <a:r>
-              <a:rPr lang="en-US" sz="1600" dirty="0"/>
-              <a:t>Requirements:</a:t>
-            </a:r>
-          </a:p>
-          <a:p>
-            <a:pPr lvl="1">
-              <a:buFont typeface="Wingdings" charset="2"/>
-              <a:buChar char="§"/>
-            </a:pPr>
-            <a:r>
-              <a:rPr lang="en-US" sz="1600" dirty="0"/>
-              <a:t>Performance Delay and Loss Monitoring &amp; Liveness Monitoring</a:t>
-            </a:r>
-          </a:p>
-          <a:p>
-            <a:pPr lvl="2">
-              <a:buFont typeface="Wingdings" pitchFamily="2" charset="2"/>
-              <a:buChar char="ü"/>
-            </a:pPr>
-            <a:r>
-              <a:rPr lang="en-US" sz="1600" dirty="0"/>
-              <a:t>End-to-end P2P/P2MP SR Policies</a:t>
-            </a:r>
-          </a:p>
-          <a:p>
-            <a:pPr lvl="2">
-              <a:buFont typeface="Wingdings" charset="2"/>
-              <a:buChar char="ü"/>
-            </a:pPr>
-            <a:r>
-              <a:rPr lang="en-US" sz="1600" dirty="0"/>
-              <a:t>Applicable to SR-MPLS/SRv6 data planes</a:t>
-            </a:r>
-          </a:p>
-          <a:p>
-            <a:pPr marL="0" lvl="1" indent="0">
-              <a:buNone/>
-            </a:pPr>
-            <a:r>
-              <a:rPr lang="en-US" sz="1600" dirty="0"/>
-              <a:t>Scope:</a:t>
-            </a:r>
-          </a:p>
-          <a:p>
-            <a:pPr lvl="1">
-              <a:buFont typeface="Wingdings" charset="2"/>
-              <a:buChar char="§"/>
-            </a:pPr>
-            <a:r>
-              <a:rPr lang="en-US" sz="1600" dirty="0"/>
-              <a:t>RFC 5357 (TWAMP) defined probe messages - TWAMP Light</a:t>
-            </a:r>
-          </a:p>
-          <a:p>
-            <a:pPr lvl="1">
-              <a:buFont typeface="Wingdings" charset="2"/>
-              <a:buChar char="§"/>
-            </a:pPr>
-            <a:r>
-              <a:rPr lang="en-US" sz="1600" dirty="0"/>
-              <a:t>STAMP [</a:t>
-            </a:r>
-            <a:r>
-              <a:rPr lang="en-CA" sz="1600" dirty="0"/>
-              <a:t>draft-</a:t>
-            </a:r>
-            <a:r>
-              <a:rPr lang="en-CA" sz="1600" dirty="0" err="1"/>
-              <a:t>ietf</a:t>
-            </a:r>
-            <a:r>
-              <a:rPr lang="en-CA" sz="1600" dirty="0"/>
-              <a:t>-</a:t>
-            </a:r>
-            <a:r>
-              <a:rPr lang="en-CA" sz="1600" dirty="0" err="1"/>
-              <a:t>ippm</a:t>
-            </a:r>
-            <a:r>
-              <a:rPr lang="en-CA" sz="1600" dirty="0"/>
-              <a:t>-stamp</a:t>
-            </a:r>
-            <a:r>
-              <a:rPr lang="en-US" sz="1600" dirty="0"/>
-              <a:t>] defined probe messages</a:t>
-            </a:r>
-          </a:p>
-          <a:p>
-            <a:pPr lvl="1">
-              <a:buFont typeface="Wingdings" charset="2"/>
-              <a:buChar char="§"/>
-            </a:pPr>
-            <a:r>
-              <a:rPr lang="en-US" sz="1600" dirty="0"/>
-              <a:t>STAMP TLVs [</a:t>
-            </a:r>
-            <a:r>
-              <a:rPr lang="en-CA" sz="1600" dirty="0"/>
-              <a:t>draft-</a:t>
-            </a:r>
-            <a:r>
-              <a:rPr lang="en-CA" sz="1600" dirty="0" err="1"/>
-              <a:t>ietf</a:t>
-            </a:r>
-            <a:r>
-              <a:rPr lang="en-CA" sz="1600" dirty="0"/>
-              <a:t>-</a:t>
-            </a:r>
-            <a:r>
-              <a:rPr lang="en-CA" sz="1600" dirty="0" err="1"/>
-              <a:t>ippm</a:t>
-            </a:r>
-            <a:r>
-              <a:rPr lang="en-CA" sz="1600" dirty="0"/>
-              <a:t>-stamp-option-</a:t>
-            </a:r>
-            <a:r>
-              <a:rPr lang="en-CA" sz="1600" dirty="0" err="1"/>
-              <a:t>tlv</a:t>
-            </a:r>
-            <a:r>
-              <a:rPr lang="en-CA" sz="1600" dirty="0"/>
-              <a:t>]</a:t>
-            </a:r>
-            <a:endParaRPr lang="en-US" sz="1600" dirty="0"/>
-          </a:p>
-          <a:p>
-            <a:pPr lvl="1">
-              <a:buFont typeface="Wingdings" charset="2"/>
-              <a:buChar char="§"/>
-            </a:pPr>
-            <a:r>
-              <a:rPr lang="en-US" sz="1600" dirty="0"/>
-              <a:t>User-configured IP/UDP path for probe messages</a:t>
-            </a:r>
-          </a:p>
-          <a:p>
-            <a:pPr lvl="1">
-              <a:buFont typeface="Wingdings" charset="2"/>
-              <a:buChar char="§"/>
-            </a:pPr>
-            <a:endParaRPr lang="en-US" sz="1600" dirty="0"/>
-          </a:p>
-        </p:txBody>
-      </p:sp>
-      <p:sp>
-        <p:nvSpPr>
-          <p:cNvPr id="4" name="Footer Placeholder 3"/>
-          <p:cNvSpPr>
-            <a:spLocks noGrp="1"/>
-          </p:cNvSpPr>
-          <p:nvPr>
-            <p:ph type="ftr" sz="quarter" idx="11"/>
-          </p:nvPr>
-        </p:nvSpPr>
-        <p:spPr>
-          <a:xfrm>
-            <a:off x="3124200" y="4786312"/>
+            <a:off x="3124200" y="4805362"/>
             <a:ext cx="2895600" cy="357188"/>
           </a:xfrm>
         </p:spPr>
@@ -7255,7 +5933,13 @@
       </p:sp>
       <p:sp>
         <p:nvSpPr>
-          <p:cNvPr id="5" name="Slide Number Placeholder 4"/>
+          <p:cNvPr id="5" name="Slide Number Placeholder 4">
+            <a:extLst>
+              <a:ext uri="{FF2B5EF4-FFF2-40B4-BE49-F238E27FC236}">
+                <a16:creationId xmlns:a16="http://schemas.microsoft.com/office/drawing/2014/main" id="{A8B868AE-B105-7547-A646-14FCDF91C2DD}"/>
+              </a:ext>
+            </a:extLst>
+          </p:cNvPr>
           <p:cNvSpPr>
             <a:spLocks noGrp="1"/>
           </p:cNvSpPr>
@@ -7276,196 +5960,18 @@
               <a:pPr>
                 <a:defRPr/>
               </a:pPr>
-              <a:t>3</a:t>
+              <a:t>12</a:t>
             </a:fld>
-            <a:endParaRPr lang="en-US" altLang="zh-CN" dirty="0"/>
-          </a:p>
-        </p:txBody>
-      </p:sp>
-    </p:spTree>
-    <p:extLst>
-      <p:ext uri="{BB962C8B-B14F-4D97-AF65-F5344CB8AC3E}">
-        <p14:creationId xmlns:p14="http://schemas.microsoft.com/office/powerpoint/2010/main" val="2099784755"/>
-      </p:ext>
-    </p:extLst>
-  </p:cSld>
-  <p:clrMapOvr>
-    <a:masterClrMapping/>
-  </p:clrMapOvr>
-</p:sld>
-</file>
-
-<file path=ppt/slides/slide4.xml><?xml version="1.0" encoding="utf-8"?>
-<p:sld xmlns:a="http://schemas.openxmlformats.org/drawingml/2006/main" xmlns:r="http://schemas.openxmlformats.org/officeDocument/2006/relationships" xmlns:p="http://schemas.openxmlformats.org/presentationml/2006/main">
-  <p:cSld>
-    <p:spTree>
-      <p:nvGrpSpPr>
-        <p:cNvPr id="1" name=""/>
-        <p:cNvGrpSpPr/>
-        <p:nvPr/>
-      </p:nvGrpSpPr>
-      <p:grpSpPr>
-        <a:xfrm>
-          <a:off x="0" y="0"/>
-          <a:ext cx="0" cy="0"/>
-          <a:chOff x="0" y="0"/>
-          <a:chExt cx="0" cy="0"/>
-        </a:xfrm>
-      </p:grpSpPr>
-      <p:sp>
-        <p:nvSpPr>
-          <p:cNvPr id="2" name="Title 1"/>
-          <p:cNvSpPr>
-            <a:spLocks noGrp="1"/>
-          </p:cNvSpPr>
-          <p:nvPr>
-            <p:ph type="title"/>
-          </p:nvPr>
-        </p:nvSpPr>
-        <p:spPr>
-          <a:xfrm>
-            <a:off x="457200" y="0"/>
-            <a:ext cx="8229600" cy="857250"/>
-          </a:xfrm>
-        </p:spPr>
-        <p:txBody>
-          <a:bodyPr/>
-          <a:lstStyle/>
-          <a:p>
-            <a:r>
-              <a:rPr lang="en-US" sz="3600" dirty="0">
-                <a:solidFill>
-                  <a:srgbClr val="0070C0"/>
-                </a:solidFill>
-                <a:latin typeface="Calibri Light" panose="020F0302020204030204" pitchFamily="34" charset="0"/>
-                <a:cs typeface="Calibri Light" panose="020F0302020204030204" pitchFamily="34" charset="0"/>
-              </a:rPr>
-              <a:t>Liveness Monitoring Using PM</a:t>
-            </a:r>
-          </a:p>
-        </p:txBody>
-      </p:sp>
-      <p:sp>
-        <p:nvSpPr>
-          <p:cNvPr id="4" name="Footer Placeholder 3"/>
-          <p:cNvSpPr>
-            <a:spLocks noGrp="1"/>
-          </p:cNvSpPr>
-          <p:nvPr>
-            <p:ph type="ftr" sz="quarter" idx="11"/>
-          </p:nvPr>
-        </p:nvSpPr>
-        <p:spPr>
-          <a:xfrm>
-            <a:off x="3124200" y="4800151"/>
-            <a:ext cx="2895600" cy="357188"/>
-          </a:xfrm>
-        </p:spPr>
-        <p:txBody>
-          <a:bodyPr/>
-          <a:lstStyle/>
-          <a:p>
-            <a:pPr>
-              <a:defRPr/>
-            </a:pPr>
-            <a:r>
-              <a:rPr lang="en-US" altLang="zh-CN" dirty="0"/>
-              <a:t>107</a:t>
-            </a:r>
-            <a:r>
-              <a:rPr lang="en-US" altLang="zh-CN" baseline="30000" dirty="0"/>
-              <a:t>th</a:t>
-            </a:r>
-            <a:r>
-              <a:rPr lang="en-US" altLang="zh-CN" dirty="0"/>
-              <a:t> IETF @ Vancouver</a:t>
-            </a:r>
-          </a:p>
-        </p:txBody>
-      </p:sp>
-      <p:sp>
-        <p:nvSpPr>
-          <p:cNvPr id="6" name="Content Placeholder 2"/>
-          <p:cNvSpPr>
-            <a:spLocks noGrp="1"/>
-          </p:cNvSpPr>
-          <p:nvPr>
-            <p:ph idx="1"/>
-          </p:nvPr>
-        </p:nvSpPr>
-        <p:spPr>
-          <a:xfrm>
-            <a:off x="533400" y="2794880"/>
-            <a:ext cx="8319052" cy="1941044"/>
-          </a:xfrm>
-        </p:spPr>
-        <p:txBody>
-          <a:bodyPr/>
-          <a:lstStyle/>
-          <a:p>
-            <a:pPr>
-              <a:lnSpc>
-                <a:spcPts val="2060"/>
-              </a:lnSpc>
-              <a:spcBef>
-                <a:spcPts val="600"/>
-              </a:spcBef>
-            </a:pPr>
-            <a:r>
-              <a:rPr lang="en-US" sz="1600" dirty="0"/>
-              <a:t>Liveness monitoring for SR Policy uses Loopback Mode for PM probes (TWAMP Light/STAMP delay measurement messages)</a:t>
-            </a:r>
-          </a:p>
-          <a:p>
-            <a:pPr>
-              <a:lnSpc>
-                <a:spcPts val="2060"/>
-              </a:lnSpc>
-              <a:spcBef>
-                <a:spcPts val="600"/>
-              </a:spcBef>
-            </a:pPr>
-            <a:r>
-              <a:rPr lang="en-US" sz="1600" dirty="0"/>
-              <a:t>Probe messages sent using Segment List(s) of the SR Policy Candidate Paths</a:t>
-            </a:r>
-          </a:p>
-          <a:p>
-            <a:pPr>
-              <a:lnSpc>
-                <a:spcPts val="2060"/>
-              </a:lnSpc>
-              <a:spcBef>
-                <a:spcPts val="600"/>
-              </a:spcBef>
-            </a:pPr>
-            <a:r>
-              <a:rPr lang="en-US" sz="1600" dirty="0"/>
-              <a:t>Probe messages are not punted to the remote/end-point/reflector node</a:t>
-            </a:r>
-          </a:p>
-          <a:p>
-            <a:pPr>
-              <a:lnSpc>
-                <a:spcPts val="2060"/>
-              </a:lnSpc>
-              <a:spcBef>
-                <a:spcPts val="600"/>
-              </a:spcBef>
-            </a:pPr>
-            <a:r>
-              <a:rPr lang="en-US" sz="1600" dirty="0"/>
-              <a:t>Liveness failure is notified when consecutive N number of probe messages are not received back at the sender, where N is locally provisioned value.</a:t>
-            </a:r>
-          </a:p>
-        </p:txBody>
-      </p:sp>
-      <p:sp>
-        <p:nvSpPr>
-          <p:cNvPr id="3" name="Rectangle 2">
+            <a:endParaRPr lang="en-US" altLang="zh-CN"/>
+          </a:p>
+        </p:txBody>
+      </p:sp>
+      <p:sp>
+        <p:nvSpPr>
+          <p:cNvPr id="7" name="Rectangle 6">
             <a:extLst>
               <a:ext uri="{FF2B5EF4-FFF2-40B4-BE49-F238E27FC236}">
-                <a16:creationId xmlns:a16="http://schemas.microsoft.com/office/drawing/2014/main" id="{31B17E9C-96E0-344B-B58B-37B6A946A9B7}"/>
+                <a16:creationId xmlns:a16="http://schemas.microsoft.com/office/drawing/2014/main" id="{AA6E66CA-28BC-2C4A-BC04-4600D8FEBF3B}"/>
               </a:ext>
             </a:extLst>
           </p:cNvPr>
@@ -7474,330 +5980,8 @@
         </p:nvSpPr>
         <p:spPr>
           <a:xfrm>
-            <a:off x="2209800" y="785158"/>
-            <a:ext cx="4648200" cy="1754326"/>
-          </a:xfrm>
-          <a:prstGeom prst="rect">
-            <a:avLst/>
-          </a:prstGeom>
-          <a:solidFill>
-            <a:schemeClr val="accent6">
-              <a:lumMod val="20000"/>
-              <a:lumOff val="80000"/>
-            </a:schemeClr>
-          </a:solidFill>
-          <a:ln>
-            <a:solidFill>
-              <a:srgbClr val="002060"/>
-            </a:solidFill>
-          </a:ln>
-        </p:spPr>
-        <p:txBody>
-          <a:bodyPr wrap="square">
-            <a:spAutoFit/>
-          </a:bodyPr>
-          <a:lstStyle/>
-          <a:p>
-            <a:pPr>
-              <a:spcAft>
-                <a:spcPts val="0"/>
-              </a:spcAft>
-            </a:pPr>
-            <a:r>
-              <a:rPr lang="en-CA" sz="1200" dirty="0">
-                <a:latin typeface="Courier" pitchFamily="2" charset="0"/>
-                <a:ea typeface="Calibri" panose="020F0502020204030204" pitchFamily="34" charset="0"/>
-                <a:cs typeface="Times New Roman" panose="02020603050405020304" pitchFamily="18" charset="0"/>
-              </a:rPr>
-              <a:t> +-------+ t1     Probe        +-------+</a:t>
-            </a:r>
-          </a:p>
-          <a:p>
-            <a:pPr>
-              <a:spcAft>
-                <a:spcPts val="0"/>
-              </a:spcAft>
-            </a:pPr>
-            <a:r>
-              <a:rPr lang="en-CA" sz="1200" dirty="0">
-                <a:latin typeface="Courier" pitchFamily="2" charset="0"/>
-                <a:ea typeface="Calibri" panose="020F0502020204030204" pitchFamily="34" charset="0"/>
-                <a:cs typeface="Times New Roman" panose="02020603050405020304" pitchFamily="18" charset="0"/>
-              </a:rPr>
-              <a:t> |       | - - - - - - - - - - |       |</a:t>
-            </a:r>
-          </a:p>
-          <a:p>
-            <a:pPr>
-              <a:spcAft>
-                <a:spcPts val="0"/>
-              </a:spcAft>
-            </a:pPr>
-            <a:r>
-              <a:rPr lang="en-CA" sz="1200" dirty="0">
-                <a:latin typeface="Courier" pitchFamily="2" charset="0"/>
-                <a:ea typeface="Calibri" panose="020F0502020204030204" pitchFamily="34" charset="0"/>
-                <a:cs typeface="Times New Roman" panose="02020603050405020304" pitchFamily="18" charset="0"/>
-              </a:rPr>
-              <a:t> |   R1  |--------------------||  R5   |</a:t>
-            </a:r>
-          </a:p>
-          <a:p>
-            <a:pPr>
-              <a:spcAft>
-                <a:spcPts val="0"/>
-              </a:spcAft>
-            </a:pPr>
-            <a:r>
-              <a:rPr lang="en-CA" sz="1200" dirty="0">
-                <a:latin typeface="Courier" pitchFamily="2" charset="0"/>
-                <a:ea typeface="Calibri" panose="020F0502020204030204" pitchFamily="34" charset="0"/>
-                <a:cs typeface="Times New Roman" panose="02020603050405020304" pitchFamily="18" charset="0"/>
-              </a:rPr>
-              <a:t> |       |&lt;- - - - - - - - - - |       |</a:t>
-            </a:r>
-          </a:p>
-          <a:p>
-            <a:pPr>
-              <a:spcAft>
-                <a:spcPts val="0"/>
-              </a:spcAft>
-            </a:pPr>
-            <a:r>
-              <a:rPr lang="en-CA" sz="1200" dirty="0">
-                <a:latin typeface="Courier" pitchFamily="2" charset="0"/>
-                <a:ea typeface="Calibri" panose="020F0502020204030204" pitchFamily="34" charset="0"/>
-                <a:cs typeface="Times New Roman" panose="02020603050405020304" pitchFamily="18" charset="0"/>
-              </a:rPr>
-              <a:t> +-------+ t4   Return Probe   +-------+</a:t>
-            </a:r>
-          </a:p>
-          <a:p>
-            <a:pPr>
-              <a:spcAft>
-                <a:spcPts val="0"/>
-              </a:spcAft>
-            </a:pPr>
-            <a:r>
-              <a:rPr lang="en-CA" sz="1200" dirty="0">
-                <a:latin typeface="Courier" pitchFamily="2" charset="0"/>
-                <a:ea typeface="Calibri" panose="020F0502020204030204" pitchFamily="34" charset="0"/>
-                <a:cs typeface="Times New Roman" panose="02020603050405020304" pitchFamily="18" charset="0"/>
-              </a:rPr>
-              <a:t>  Sender                      Reflector Endpoint</a:t>
-            </a:r>
-          </a:p>
-          <a:p>
-            <a:pPr>
-              <a:spcAft>
-                <a:spcPts val="0"/>
-              </a:spcAft>
-            </a:pPr>
-            <a:r>
-              <a:rPr lang="en-CA" sz="1200" dirty="0">
-                <a:latin typeface="Courier" pitchFamily="2" charset="0"/>
-                <a:ea typeface="Calibri" panose="020F0502020204030204" pitchFamily="34" charset="0"/>
-                <a:cs typeface="Times New Roman" panose="02020603050405020304" pitchFamily="18" charset="0"/>
-              </a:rPr>
-              <a:t>                              (Simply Forward)</a:t>
-            </a:r>
-          </a:p>
-          <a:p>
-            <a:pPr>
-              <a:spcAft>
-                <a:spcPts val="0"/>
-              </a:spcAft>
-            </a:pPr>
-            <a:r>
-              <a:rPr lang="en-CA" sz="1200" dirty="0">
-                <a:latin typeface="Courier" pitchFamily="2" charset="0"/>
-                <a:ea typeface="Calibri" panose="020F0502020204030204" pitchFamily="34" charset="0"/>
-                <a:cs typeface="Times New Roman" panose="02020603050405020304" pitchFamily="18" charset="0"/>
-              </a:rPr>
-              <a:t> </a:t>
-            </a:r>
-          </a:p>
-          <a:p>
-            <a:pPr>
-              <a:spcAft>
-                <a:spcPts val="0"/>
-              </a:spcAft>
-            </a:pPr>
-            <a:r>
-              <a:rPr lang="en-CA" sz="1200" dirty="0">
-                <a:latin typeface="Courier" pitchFamily="2" charset="0"/>
-                <a:ea typeface="Calibri" panose="020F0502020204030204" pitchFamily="34" charset="0"/>
-                <a:cs typeface="Times New Roman" panose="02020603050405020304" pitchFamily="18" charset="0"/>
-              </a:rPr>
-              <a:t>           Figure 1: Loopback Mode</a:t>
-            </a:r>
-            <a:endParaRPr lang="en-CA" sz="1200" dirty="0">
-              <a:effectLst/>
-              <a:latin typeface="Courier" pitchFamily="2" charset="0"/>
-              <a:ea typeface="Calibri" panose="020F0502020204030204" pitchFamily="34" charset="0"/>
-              <a:cs typeface="Times New Roman" panose="02020603050405020304" pitchFamily="18" charset="0"/>
-            </a:endParaRPr>
-          </a:p>
-        </p:txBody>
-      </p:sp>
-    </p:spTree>
-    <p:extLst>
-      <p:ext uri="{BB962C8B-B14F-4D97-AF65-F5344CB8AC3E}">
-        <p14:creationId xmlns:p14="http://schemas.microsoft.com/office/powerpoint/2010/main" val="2835041583"/>
-      </p:ext>
-    </p:extLst>
-  </p:cSld>
-  <p:clrMapOvr>
-    <a:masterClrMapping/>
-  </p:clrMapOvr>
-</p:sld>
-</file>
-
-<file path=ppt/slides/slide5.xml><?xml version="1.0" encoding="utf-8"?>
-<p:sld xmlns:a="http://schemas.openxmlformats.org/drawingml/2006/main" xmlns:r="http://schemas.openxmlformats.org/officeDocument/2006/relationships" xmlns:p="http://schemas.openxmlformats.org/presentationml/2006/main">
-  <p:cSld>
-    <p:spTree>
-      <p:nvGrpSpPr>
-        <p:cNvPr id="1" name=""/>
-        <p:cNvGrpSpPr/>
-        <p:nvPr/>
-      </p:nvGrpSpPr>
-      <p:grpSpPr>
-        <a:xfrm>
-          <a:off x="0" y="0"/>
-          <a:ext cx="0" cy="0"/>
-          <a:chOff x="0" y="0"/>
-          <a:chExt cx="0" cy="0"/>
-        </a:xfrm>
-      </p:grpSpPr>
-      <p:sp>
-        <p:nvSpPr>
-          <p:cNvPr id="2" name="Title 1"/>
-          <p:cNvSpPr>
-            <a:spLocks noGrp="1"/>
-          </p:cNvSpPr>
-          <p:nvPr>
-            <p:ph type="title"/>
-          </p:nvPr>
-        </p:nvSpPr>
-        <p:spPr>
-          <a:xfrm>
-            <a:off x="304800" y="0"/>
-            <a:ext cx="8686800" cy="857250"/>
-          </a:xfrm>
-        </p:spPr>
-        <p:txBody>
-          <a:bodyPr/>
-          <a:lstStyle/>
-          <a:p>
-            <a:r>
-              <a:rPr lang="en-US" sz="3600" dirty="0">
-                <a:solidFill>
-                  <a:srgbClr val="0070C0"/>
-                </a:solidFill>
-                <a:latin typeface="Calibri Light" panose="020F0302020204030204" pitchFamily="34" charset="0"/>
-                <a:cs typeface="Calibri Light" panose="020F0302020204030204" pitchFamily="34" charset="0"/>
-              </a:rPr>
-              <a:t>Probe Query Message in Loopback Mode</a:t>
-            </a:r>
-          </a:p>
-        </p:txBody>
-      </p:sp>
-      <p:sp>
-        <p:nvSpPr>
-          <p:cNvPr id="4" name="Footer Placeholder 3"/>
-          <p:cNvSpPr>
-            <a:spLocks noGrp="1"/>
-          </p:cNvSpPr>
-          <p:nvPr>
-            <p:ph type="ftr" sz="quarter" idx="11"/>
-          </p:nvPr>
-        </p:nvSpPr>
-        <p:spPr>
-          <a:xfrm>
-            <a:off x="3124200" y="4786312"/>
-            <a:ext cx="2895600" cy="357188"/>
-          </a:xfrm>
-        </p:spPr>
-        <p:txBody>
-          <a:bodyPr/>
-          <a:lstStyle/>
-          <a:p>
-            <a:pPr>
-              <a:defRPr/>
-            </a:pPr>
-            <a:r>
-              <a:rPr lang="en-US" altLang="zh-CN" dirty="0"/>
-              <a:t>107</a:t>
-            </a:r>
-            <a:r>
-              <a:rPr lang="en-US" altLang="zh-CN" baseline="30000" dirty="0"/>
-              <a:t>th</a:t>
-            </a:r>
-            <a:r>
-              <a:rPr lang="en-US" altLang="zh-CN" dirty="0"/>
-              <a:t> IETF @ Vancouver</a:t>
-            </a:r>
-          </a:p>
-        </p:txBody>
-      </p:sp>
-      <p:sp>
-        <p:nvSpPr>
-          <p:cNvPr id="7" name="Content Placeholder 2"/>
-          <p:cNvSpPr>
-            <a:spLocks noGrp="1"/>
-          </p:cNvSpPr>
-          <p:nvPr>
-            <p:ph idx="1"/>
-          </p:nvPr>
-        </p:nvSpPr>
-        <p:spPr>
-          <a:xfrm>
-            <a:off x="342900" y="834483"/>
-            <a:ext cx="8610600" cy="899067"/>
-          </a:xfrm>
-        </p:spPr>
-        <p:txBody>
-          <a:bodyPr/>
-          <a:lstStyle/>
-          <a:p>
-            <a:r>
-              <a:rPr lang="en-US" sz="1600" dirty="0"/>
-              <a:t>User-configured destination UDP </a:t>
-            </a:r>
-            <a:r>
-              <a:rPr lang="en-US" sz="1600" b="1" dirty="0"/>
-              <a:t>port1</a:t>
-            </a:r>
-            <a:r>
-              <a:rPr lang="en-US" sz="1600" dirty="0"/>
-              <a:t> is used for DM probe messages in unauthenticated mode.</a:t>
-            </a:r>
-          </a:p>
-          <a:p>
-            <a:r>
-              <a:rPr lang="en-US" sz="1600" dirty="0"/>
-              <a:t>The payload contains RFC 5357 (TWAMP Light) or STAMP defined probe message.</a:t>
-            </a:r>
-          </a:p>
-          <a:p>
-            <a:r>
-              <a:rPr lang="en-US" sz="1600" dirty="0"/>
-              <a:t>Source and Destination IP Addresses set for the reverse direction path</a:t>
-            </a:r>
-          </a:p>
-        </p:txBody>
-      </p:sp>
-      <p:sp>
-        <p:nvSpPr>
-          <p:cNvPr id="5" name="Rectangle 4"/>
-          <p:cNvSpPr/>
-          <p:nvPr/>
-        </p:nvSpPr>
-        <p:spPr>
-          <a:xfrm>
-            <a:off x="2247900" y="1962150"/>
-            <a:ext cx="4648200" cy="2585323"/>
+            <a:off x="1066800" y="843776"/>
+            <a:ext cx="7010400" cy="3600986"/>
           </a:xfrm>
           <a:prstGeom prst="rect">
             <a:avLst/>
@@ -7815,401 +5999,163 @@
           </a:bodyPr>
           <a:lstStyle/>
           <a:p>
-            <a:pPr>
-              <a:spcAft>
-                <a:spcPts val="0"/>
-              </a:spcAft>
-            </a:pPr>
-            <a:r>
-              <a:rPr lang="en-US" sz="900" b="1" dirty="0">
-                <a:latin typeface="Courier" charset="0"/>
-                <a:ea typeface="Courier" charset="0"/>
-                <a:cs typeface="Courier" charset="0"/>
-              </a:rPr>
-              <a:t>+---------------------------------------------------------------+</a:t>
-            </a:r>
-          </a:p>
-          <a:p>
-            <a:pPr>
-              <a:spcAft>
-                <a:spcPts val="0"/>
-              </a:spcAft>
-            </a:pPr>
-            <a:r>
-              <a:rPr lang="en-US" sz="900" b="1" dirty="0">
-                <a:latin typeface="Courier" charset="0"/>
-                <a:ea typeface="Courier" charset="0"/>
-                <a:cs typeface="Courier" charset="0"/>
-              </a:rPr>
-              <a:t>| IP Header                                                     |</a:t>
-            </a:r>
-          </a:p>
-          <a:p>
-            <a:pPr>
-              <a:spcAft>
-                <a:spcPts val="0"/>
-              </a:spcAft>
-            </a:pPr>
-            <a:r>
-              <a:rPr lang="en-US" sz="900" b="1" dirty="0">
-                <a:latin typeface="Courier" charset="0"/>
-                <a:ea typeface="Courier" charset="0"/>
-                <a:cs typeface="Courier" charset="0"/>
-              </a:rPr>
-              <a:t>.  Source IP Address = </a:t>
-            </a:r>
-            <a:r>
-              <a:rPr lang="en-US" sz="900" b="1" dirty="0">
-                <a:solidFill>
-                  <a:srgbClr val="0070C0"/>
-                </a:solidFill>
-                <a:latin typeface="Courier" charset="0"/>
-                <a:ea typeface="Courier" charset="0"/>
-                <a:cs typeface="Courier" charset="0"/>
-              </a:rPr>
-              <a:t>Reflector</a:t>
-            </a:r>
-            <a:r>
-              <a:rPr lang="en-US" sz="900" b="1" dirty="0">
-                <a:latin typeface="Courier" charset="0"/>
-                <a:ea typeface="Courier" charset="0"/>
-                <a:cs typeface="Courier" charset="0"/>
-              </a:rPr>
-              <a:t> IPv4 or IPv6 Address           .</a:t>
-            </a:r>
-          </a:p>
-          <a:p>
-            <a:pPr>
-              <a:spcAft>
-                <a:spcPts val="0"/>
-              </a:spcAft>
-            </a:pPr>
-            <a:r>
-              <a:rPr lang="en-US" sz="900" b="1" dirty="0">
-                <a:latin typeface="Courier" charset="0"/>
-                <a:ea typeface="Courier" charset="0"/>
-                <a:cs typeface="Courier" charset="0"/>
-              </a:rPr>
-              <a:t>.  Destination IP Address = </a:t>
-            </a:r>
-            <a:r>
-              <a:rPr lang="en-US" sz="900" b="1" dirty="0">
-                <a:solidFill>
-                  <a:srgbClr val="0070C0"/>
-                </a:solidFill>
-                <a:latin typeface="Courier" charset="0"/>
-                <a:ea typeface="Courier" charset="0"/>
-                <a:cs typeface="Courier" charset="0"/>
-              </a:rPr>
-              <a:t>Sender</a:t>
-            </a:r>
-            <a:r>
-              <a:rPr lang="en-US" sz="900" b="1" dirty="0">
-                <a:latin typeface="Courier" charset="0"/>
-                <a:ea typeface="Courier" charset="0"/>
-                <a:cs typeface="Courier" charset="0"/>
-              </a:rPr>
-              <a:t> IPv4 or IPv6 Address         .</a:t>
-            </a:r>
-          </a:p>
-          <a:p>
-            <a:pPr>
-              <a:spcAft>
-                <a:spcPts val="0"/>
-              </a:spcAft>
-            </a:pPr>
-            <a:r>
-              <a:rPr lang="en-US" sz="900" b="1" dirty="0">
-                <a:latin typeface="Courier" charset="0"/>
-                <a:ea typeface="Courier" charset="0"/>
-                <a:cs typeface="Courier" charset="0"/>
-              </a:rPr>
-              <a:t>.  Protocol = UDP                                               .</a:t>
-            </a:r>
-          </a:p>
-          <a:p>
-            <a:pPr>
-              <a:spcAft>
-                <a:spcPts val="0"/>
-              </a:spcAft>
-            </a:pPr>
-            <a:r>
-              <a:rPr lang="en-US" sz="900" b="1" dirty="0">
-                <a:latin typeface="Courier" charset="0"/>
-                <a:ea typeface="Courier" charset="0"/>
-                <a:cs typeface="Courier" charset="0"/>
-              </a:rPr>
-              <a:t>.                                                               .</a:t>
-            </a:r>
-          </a:p>
-          <a:p>
-            <a:pPr>
-              <a:spcAft>
-                <a:spcPts val="0"/>
-              </a:spcAft>
-            </a:pPr>
-            <a:r>
-              <a:rPr lang="en-US" sz="900" b="1" dirty="0">
-                <a:latin typeface="Courier" charset="0"/>
-                <a:ea typeface="Courier" charset="0"/>
-                <a:cs typeface="Courier" charset="0"/>
-              </a:rPr>
-              <a:t>+---------------------------------------------------------------+</a:t>
-            </a:r>
-          </a:p>
-          <a:p>
-            <a:pPr>
-              <a:spcAft>
-                <a:spcPts val="0"/>
-              </a:spcAft>
-            </a:pPr>
-            <a:r>
-              <a:rPr lang="en-US" sz="900" b="1" dirty="0">
-                <a:latin typeface="Courier" charset="0"/>
-                <a:ea typeface="Courier" charset="0"/>
-                <a:cs typeface="Courier" charset="0"/>
-              </a:rPr>
-              <a:t>| UDP Header                                                    |</a:t>
-            </a:r>
-          </a:p>
-          <a:p>
-            <a:pPr>
-              <a:spcAft>
-                <a:spcPts val="0"/>
-              </a:spcAft>
-            </a:pPr>
-            <a:r>
-              <a:rPr lang="en-US" sz="900" b="1" dirty="0">
-                <a:latin typeface="Courier" charset="0"/>
-                <a:ea typeface="Courier" charset="0"/>
-                <a:cs typeface="Courier" charset="0"/>
-              </a:rPr>
-              <a:t>.  Source Port = As chosen by Sender                            .</a:t>
-            </a:r>
-          </a:p>
-          <a:p>
-            <a:pPr>
-              <a:spcAft>
-                <a:spcPts val="0"/>
-              </a:spcAft>
-            </a:pPr>
-            <a:r>
-              <a:rPr lang="en-US" sz="900" b="1" dirty="0">
-                <a:latin typeface="Courier" charset="0"/>
-                <a:ea typeface="Courier" charset="0"/>
-                <a:cs typeface="Courier" charset="0"/>
-              </a:rPr>
-              <a:t>.  Destination Port = </a:t>
-            </a:r>
-            <a:r>
-              <a:rPr lang="en-US" sz="900" b="1" dirty="0">
-                <a:solidFill>
-                  <a:srgbClr val="0070C0"/>
-                </a:solidFill>
-                <a:latin typeface="Courier" charset="0"/>
-                <a:ea typeface="Courier" charset="0"/>
-                <a:cs typeface="Courier" charset="0"/>
-              </a:rPr>
-              <a:t>User-configured Port for Delay Measurement</a:t>
-            </a:r>
-            <a:r>
-              <a:rPr lang="en-US" sz="900" b="1" dirty="0">
-                <a:latin typeface="Courier" charset="0"/>
-                <a:ea typeface="Courier" charset="0"/>
-                <a:cs typeface="Courier" charset="0"/>
-              </a:rPr>
-              <a:t>.</a:t>
-            </a:r>
-          </a:p>
-          <a:p>
-            <a:pPr>
-              <a:spcAft>
-                <a:spcPts val="0"/>
-              </a:spcAft>
-            </a:pPr>
-            <a:r>
-              <a:rPr lang="en-US" sz="900" b="1" dirty="0">
-                <a:latin typeface="Courier" charset="0"/>
-                <a:ea typeface="Courier" charset="0"/>
-                <a:cs typeface="Courier" charset="0"/>
-              </a:rPr>
-              <a:t>.                                                               .</a:t>
-            </a:r>
-          </a:p>
-          <a:p>
-            <a:pPr>
-              <a:spcAft>
-                <a:spcPts val="0"/>
-              </a:spcAft>
-            </a:pPr>
-            <a:r>
-              <a:rPr lang="en-US" sz="900" b="1" dirty="0">
-                <a:latin typeface="Courier" charset="0"/>
-                <a:ea typeface="Courier" charset="0"/>
-                <a:cs typeface="Courier" charset="0"/>
-              </a:rPr>
-              <a:t>+---------------------------------------------------------------+</a:t>
-            </a:r>
-          </a:p>
-          <a:p>
-            <a:pPr>
-              <a:spcAft>
-                <a:spcPts val="0"/>
-              </a:spcAft>
-            </a:pPr>
-            <a:r>
-              <a:rPr lang="en-US" sz="900" b="1" dirty="0">
-                <a:latin typeface="Courier" charset="0"/>
-                <a:ea typeface="Courier" charset="0"/>
-                <a:cs typeface="Courier" charset="0"/>
-              </a:rPr>
-              <a:t>| Payload = Message as specified in Section 4.2.1 of RFC 5357   |</a:t>
-            </a:r>
-          </a:p>
-          <a:p>
-            <a:pPr>
-              <a:spcAft>
-                <a:spcPts val="0"/>
-              </a:spcAft>
-            </a:pPr>
-            <a:r>
-              <a:rPr lang="en-US" sz="900" b="1" dirty="0">
-                <a:latin typeface="Courier" charset="0"/>
-                <a:ea typeface="Courier" charset="0"/>
-                <a:cs typeface="Courier" charset="0"/>
-              </a:rPr>
-              <a:t>. Payload = Message specified in Section 4.2 of </a:t>
-            </a:r>
-            <a:r>
-              <a:rPr lang="en-US" sz="900" b="1" dirty="0" err="1">
-                <a:latin typeface="Courier" charset="0"/>
-                <a:ea typeface="Courier" charset="0"/>
-                <a:cs typeface="Courier" charset="0"/>
-              </a:rPr>
-              <a:t>ietf</a:t>
-            </a:r>
-            <a:r>
-              <a:rPr lang="en-US" sz="900" b="1" dirty="0">
-                <a:latin typeface="Courier" charset="0"/>
-                <a:ea typeface="Courier" charset="0"/>
-                <a:cs typeface="Courier" charset="0"/>
-              </a:rPr>
-              <a:t>-</a:t>
-            </a:r>
-            <a:r>
-              <a:rPr lang="en-US" sz="900" b="1" dirty="0" err="1">
-                <a:latin typeface="Courier" charset="0"/>
-                <a:ea typeface="Courier" charset="0"/>
-                <a:cs typeface="Courier" charset="0"/>
-              </a:rPr>
-              <a:t>ippm</a:t>
-            </a:r>
-            <a:r>
-              <a:rPr lang="en-US" sz="900" b="1" dirty="0">
-                <a:latin typeface="Courier" charset="0"/>
-                <a:ea typeface="Courier" charset="0"/>
-                <a:cs typeface="Courier" charset="0"/>
-              </a:rPr>
-              <a:t>-stamp .</a:t>
-            </a:r>
-          </a:p>
-          <a:p>
-            <a:pPr>
-              <a:spcAft>
-                <a:spcPts val="0"/>
-              </a:spcAft>
-            </a:pPr>
-            <a:r>
-              <a:rPr lang="en-US" sz="900" b="1" dirty="0">
-                <a:latin typeface="Courier" charset="0"/>
-                <a:ea typeface="Courier" charset="0"/>
-                <a:cs typeface="Courier" charset="0"/>
-              </a:rPr>
-              <a:t>.                                                               .</a:t>
-            </a:r>
-          </a:p>
-          <a:p>
-            <a:pPr>
-              <a:spcAft>
-                <a:spcPts val="0"/>
-              </a:spcAft>
-            </a:pPr>
-            <a:r>
-              <a:rPr lang="en-US" sz="900" b="1" dirty="0">
-                <a:latin typeface="Courier" charset="0"/>
-                <a:ea typeface="Courier" charset="0"/>
-                <a:cs typeface="Courier" charset="0"/>
-              </a:rPr>
-              <a:t>+---------------------------------------------------------------+</a:t>
-            </a:r>
-          </a:p>
-          <a:p>
-            <a:pPr>
-              <a:spcAft>
-                <a:spcPts val="0"/>
-              </a:spcAft>
-            </a:pPr>
-            <a:endParaRPr lang="en-US" sz="900" b="1" dirty="0">
-              <a:latin typeface="Courier" charset="0"/>
-              <a:ea typeface="Courier" charset="0"/>
-              <a:cs typeface="Courier" charset="0"/>
-            </a:endParaRPr>
-          </a:p>
-          <a:p>
-            <a:pPr>
-              <a:spcAft>
-                <a:spcPts val="0"/>
-              </a:spcAft>
-            </a:pPr>
-            <a:r>
-              <a:rPr lang="en-CA" sz="900" b="1" dirty="0">
-                <a:latin typeface="Courier" charset="0"/>
-                <a:ea typeface="Courier" charset="0"/>
-                <a:cs typeface="Courier" charset="0"/>
-              </a:rPr>
-              <a:t>                   Figure: DM Probe Query Message</a:t>
-            </a:r>
-            <a:endParaRPr lang="en-US" sz="900" b="1" dirty="0">
-              <a:latin typeface="Courier" charset="0"/>
-              <a:ea typeface="Courier" charset="0"/>
-              <a:cs typeface="Courier" charset="0"/>
-            </a:endParaRPr>
-          </a:p>
-        </p:txBody>
-      </p:sp>
-      <p:sp>
-        <p:nvSpPr>
-          <p:cNvPr id="3" name="Slide Number Placeholder 2"/>
-          <p:cNvSpPr>
-            <a:spLocks noGrp="1"/>
-          </p:cNvSpPr>
-          <p:nvPr>
-            <p:ph type="sldNum" sz="quarter" idx="12"/>
-          </p:nvPr>
-        </p:nvSpPr>
-        <p:spPr/>
-        <p:txBody>
-          <a:bodyPr/>
-          <a:lstStyle/>
-          <a:p>
-            <a:pPr>
-              <a:defRPr/>
-            </a:pPr>
-            <a:fld id="{BD6E0F59-1DD8-40FC-9C92-B6295CBA6CCA}" type="slidenum">
-              <a:rPr lang="en-US" altLang="zh-CN" smtClean="0"/>
-              <a:pPr>
-                <a:defRPr/>
-              </a:pPr>
-              <a:t>5</a:t>
-            </a:fld>
-            <a:endParaRPr lang="en-US" altLang="zh-CN"/>
+            <a:r>
+              <a:rPr lang="en-CA" sz="1200" b="1" dirty="0">
+                <a:latin typeface="Courier" pitchFamily="2" charset="0"/>
+              </a:rPr>
+              <a:t>                             +------------+</a:t>
+            </a:r>
+          </a:p>
+          <a:p>
+            <a:r>
+              <a:rPr lang="en-CA" sz="1200" b="1" dirty="0">
+                <a:latin typeface="Courier" pitchFamily="2" charset="0"/>
+              </a:rPr>
+              <a:t>                             | Controller |</a:t>
+            </a:r>
+          </a:p>
+          <a:p>
+            <a:r>
+              <a:rPr lang="en-CA" sz="1200" b="1" dirty="0">
+                <a:latin typeface="Courier" pitchFamily="2" charset="0"/>
+              </a:rPr>
+              <a:t>                             +------------+</a:t>
+            </a:r>
+          </a:p>
+          <a:p>
+            <a:r>
+              <a:rPr lang="en-CA" sz="1200" b="1" dirty="0">
+                <a:latin typeface="Courier" pitchFamily="2" charset="0"/>
+              </a:rPr>
+              <a:t>   Destination UDP Port           /  \         Destination UDP port</a:t>
+            </a:r>
+          </a:p>
+          <a:p>
+            <a:r>
+              <a:rPr lang="en-CA" sz="1200" b="1" dirty="0">
+                <a:latin typeface="Courier" pitchFamily="2" charset="0"/>
+              </a:rPr>
+              <a:t>   Measurement Protocol          /    \        Measurement Protocol</a:t>
+            </a:r>
+          </a:p>
+          <a:p>
+            <a:r>
+              <a:rPr lang="en-CA" sz="1200" b="1" dirty="0">
+                <a:latin typeface="Courier" pitchFamily="2" charset="0"/>
+              </a:rPr>
+              <a:t>   Measurement Type             /      \       Measurement Type</a:t>
+            </a:r>
+          </a:p>
+          <a:p>
+            <a:r>
+              <a:rPr lang="en-CA" sz="1200" b="1" dirty="0">
+                <a:latin typeface="Courier" pitchFamily="2" charset="0"/>
+              </a:rPr>
+              <a:t>     Delay/Loss                /        \        Delay/Loss</a:t>
+            </a:r>
+          </a:p>
+          <a:p>
+            <a:r>
+              <a:rPr lang="en-CA" sz="1200" b="1" dirty="0">
+                <a:latin typeface="Courier" pitchFamily="2" charset="0"/>
+              </a:rPr>
+              <a:t>   Authentication Mode &amp; Key  /          \     Authentication Mode &amp; Key</a:t>
+            </a:r>
+          </a:p>
+          <a:p>
+            <a:r>
+              <a:rPr lang="en-CA" sz="1200" b="1" dirty="0">
+                <a:latin typeface="Courier" pitchFamily="2" charset="0"/>
+              </a:rPr>
+              <a:t>   Timestamp Format          /            \    Loss Measurement Mode</a:t>
+            </a:r>
+          </a:p>
+          <a:p>
+            <a:r>
+              <a:rPr lang="en-CA" sz="1200" b="1" dirty="0">
+                <a:latin typeface="Courier" pitchFamily="2" charset="0"/>
+              </a:rPr>
+              <a:t>   Delay Measurement Mode   /              \ </a:t>
+            </a:r>
+          </a:p>
+          <a:p>
+            <a:r>
+              <a:rPr lang="en-CA" sz="1200" b="1" dirty="0">
+                <a:latin typeface="Courier" pitchFamily="2" charset="0"/>
+              </a:rPr>
+              <a:t>   Padding/Packet Size     /                \ </a:t>
+            </a:r>
+          </a:p>
+          <a:p>
+            <a:r>
+              <a:rPr lang="en-CA" sz="1200" b="1" dirty="0">
+                <a:latin typeface="Courier" pitchFamily="2" charset="0"/>
+              </a:rPr>
+              <a:t>   Loss Measurement Mode  /                  \</a:t>
+            </a:r>
+          </a:p>
+          <a:p>
+            <a:r>
+              <a:rPr lang="en-CA" sz="1200" b="1" dirty="0">
+                <a:latin typeface="Courier" pitchFamily="2" charset="0"/>
+              </a:rPr>
+              <a:t>                         v                    v</a:t>
+            </a:r>
+          </a:p>
+          <a:p>
+            <a:r>
+              <a:rPr lang="en-CA" sz="1200" b="1" dirty="0">
+                <a:latin typeface="Courier" pitchFamily="2" charset="0"/>
+              </a:rPr>
+              <a:t>                     +-------+            +-------+</a:t>
+            </a:r>
+          </a:p>
+          <a:p>
+            <a:r>
+              <a:rPr lang="en-CA" sz="1200" b="1" dirty="0">
+                <a:latin typeface="Courier" pitchFamily="2" charset="0"/>
+              </a:rPr>
+              <a:t>                     |       |            |       |</a:t>
+            </a:r>
+          </a:p>
+          <a:p>
+            <a:r>
+              <a:rPr lang="en-CA" sz="1200" b="1" dirty="0">
+                <a:latin typeface="Courier" pitchFamily="2" charset="0"/>
+              </a:rPr>
+              <a:t>                     |   R1  |------------|   R5  |</a:t>
+            </a:r>
+          </a:p>
+          <a:p>
+            <a:r>
+              <a:rPr lang="en-CA" sz="1200" b="1" dirty="0">
+                <a:latin typeface="Courier" pitchFamily="2" charset="0"/>
+              </a:rPr>
+              <a:t>                     |       |            |       |</a:t>
+            </a:r>
+          </a:p>
+          <a:p>
+            <a:r>
+              <a:rPr lang="en-CA" sz="1200" b="1" dirty="0">
+                <a:latin typeface="Courier" pitchFamily="2" charset="0"/>
+              </a:rPr>
+              <a:t>                     +-------+            +-------+</a:t>
+            </a:r>
+          </a:p>
+          <a:p>
+            <a:r>
+              <a:rPr lang="en-CA" sz="1200" b="1" dirty="0">
+                <a:latin typeface="Courier" pitchFamily="2" charset="0"/>
+              </a:rPr>
+              <a:t>                      Sender              Reflector</a:t>
+            </a:r>
           </a:p>
         </p:txBody>
       </p:sp>
     </p:spTree>
     <p:extLst>
       <p:ext uri="{BB962C8B-B14F-4D97-AF65-F5344CB8AC3E}">
-        <p14:creationId xmlns:p14="http://schemas.microsoft.com/office/powerpoint/2010/main" val="155067862"/>
+        <p14:creationId xmlns:p14="http://schemas.microsoft.com/office/powerpoint/2010/main" val="1805408624"/>
       </p:ext>
     </p:extLst>
   </p:cSld>
@@ -8219,454 +6165,7 @@
 </p:sld>
 </file>
 
-<file path=ppt/slides/slide6.xml><?xml version="1.0" encoding="utf-8"?>
-<p:sld xmlns:a="http://schemas.openxmlformats.org/drawingml/2006/main" xmlns:r="http://schemas.openxmlformats.org/officeDocument/2006/relationships" xmlns:p="http://schemas.openxmlformats.org/presentationml/2006/main">
-  <p:cSld>
-    <p:spTree>
-      <p:nvGrpSpPr>
-        <p:cNvPr id="1" name=""/>
-        <p:cNvGrpSpPr/>
-        <p:nvPr/>
-      </p:nvGrpSpPr>
-      <p:grpSpPr>
-        <a:xfrm>
-          <a:off x="0" y="0"/>
-          <a:ext cx="0" cy="0"/>
-          <a:chOff x="0" y="0"/>
-          <a:chExt cx="0" cy="0"/>
-        </a:xfrm>
-      </p:grpSpPr>
-      <p:sp>
-        <p:nvSpPr>
-          <p:cNvPr id="2" name="Title 1"/>
-          <p:cNvSpPr>
-            <a:spLocks noGrp="1"/>
-          </p:cNvSpPr>
-          <p:nvPr>
-            <p:ph type="title"/>
-          </p:nvPr>
-        </p:nvSpPr>
-        <p:spPr>
-          <a:xfrm>
-            <a:off x="457200" y="0"/>
-            <a:ext cx="8229600" cy="857250"/>
-          </a:xfrm>
-        </p:spPr>
-        <p:txBody>
-          <a:bodyPr/>
-          <a:lstStyle/>
-          <a:p>
-            <a:r>
-              <a:rPr lang="en-US" sz="3600" dirty="0">
-                <a:solidFill>
-                  <a:srgbClr val="0070C0"/>
-                </a:solidFill>
-                <a:latin typeface="Calibri Light" panose="020F0302020204030204" pitchFamily="34" charset="0"/>
-                <a:cs typeface="Calibri Light" panose="020F0302020204030204" pitchFamily="34" charset="0"/>
-              </a:rPr>
-              <a:t>Enhanced Liveness Monitoring Using PM</a:t>
-            </a:r>
-          </a:p>
-        </p:txBody>
-      </p:sp>
-      <p:sp>
-        <p:nvSpPr>
-          <p:cNvPr id="4" name="Footer Placeholder 3"/>
-          <p:cNvSpPr>
-            <a:spLocks noGrp="1"/>
-          </p:cNvSpPr>
-          <p:nvPr>
-            <p:ph type="ftr" sz="quarter" idx="11"/>
-          </p:nvPr>
-        </p:nvSpPr>
-        <p:spPr>
-          <a:xfrm>
-            <a:off x="3124200" y="4800151"/>
-            <a:ext cx="2895600" cy="357188"/>
-          </a:xfrm>
-        </p:spPr>
-        <p:txBody>
-          <a:bodyPr/>
-          <a:lstStyle/>
-          <a:p>
-            <a:pPr>
-              <a:defRPr/>
-            </a:pPr>
-            <a:r>
-              <a:rPr lang="en-US" altLang="zh-CN" dirty="0"/>
-              <a:t>107</a:t>
-            </a:r>
-            <a:r>
-              <a:rPr lang="en-US" altLang="zh-CN" baseline="30000" dirty="0"/>
-              <a:t>th</a:t>
-            </a:r>
-            <a:r>
-              <a:rPr lang="en-US" altLang="zh-CN" dirty="0"/>
-              <a:t> IETF @ Vancouver</a:t>
-            </a:r>
-          </a:p>
-        </p:txBody>
-      </p:sp>
-      <p:sp>
-        <p:nvSpPr>
-          <p:cNvPr id="6" name="Content Placeholder 2"/>
-          <p:cNvSpPr>
-            <a:spLocks noGrp="1"/>
-          </p:cNvSpPr>
-          <p:nvPr>
-            <p:ph idx="1"/>
-          </p:nvPr>
-        </p:nvSpPr>
-        <p:spPr>
-          <a:xfrm>
-            <a:off x="367748" y="2794880"/>
-            <a:ext cx="8319052" cy="1785104"/>
-          </a:xfrm>
-        </p:spPr>
-        <p:txBody>
-          <a:bodyPr/>
-          <a:lstStyle/>
-          <a:p>
-            <a:pPr lvl="0"/>
-            <a:r>
-              <a:rPr lang="en-CA" sz="1400" dirty="0"/>
-              <a:t>Use the loopback mode enabled with network programming function.</a:t>
-            </a:r>
-          </a:p>
-          <a:p>
-            <a:pPr lvl="0"/>
-            <a:r>
-              <a:rPr lang="en-CA" sz="1400" dirty="0"/>
-              <a:t>The network programming function optimizes the "operations of punt, add receive timestamp and inject the probe packet" on the reflector node.  </a:t>
-            </a:r>
-          </a:p>
-          <a:p>
-            <a:pPr lvl="0"/>
-            <a:r>
-              <a:rPr lang="en-CA" sz="1400" dirty="0"/>
-              <a:t>The endpoint node adds the receive timestamp (at the fixed location locally provisioned consistently in the network) in the payload of the received TWAMP Light or STAMP probe message without punting the probe message in control-plane.  </a:t>
-            </a:r>
-          </a:p>
-          <a:p>
-            <a:pPr lvl="0"/>
-            <a:r>
-              <a:rPr lang="en-CA" sz="1400" dirty="0"/>
-              <a:t>Only add the receive timestamp if the source address in the probe message matches the local node address</a:t>
-            </a:r>
-          </a:p>
-        </p:txBody>
-      </p:sp>
-      <p:sp>
-        <p:nvSpPr>
-          <p:cNvPr id="3" name="Rectangle 2">
-            <a:extLst>
-              <a:ext uri="{FF2B5EF4-FFF2-40B4-BE49-F238E27FC236}">
-                <a16:creationId xmlns:a16="http://schemas.microsoft.com/office/drawing/2014/main" id="{31B17E9C-96E0-344B-B58B-37B6A946A9B7}"/>
-              </a:ext>
-            </a:extLst>
-          </p:cNvPr>
-          <p:cNvSpPr/>
-          <p:nvPr/>
-        </p:nvSpPr>
-        <p:spPr>
-          <a:xfrm>
-            <a:off x="1905000" y="855876"/>
-            <a:ext cx="4800600" cy="1785104"/>
-          </a:xfrm>
-          <a:prstGeom prst="rect">
-            <a:avLst/>
-          </a:prstGeom>
-          <a:solidFill>
-            <a:schemeClr val="accent6">
-              <a:lumMod val="20000"/>
-              <a:lumOff val="80000"/>
-            </a:schemeClr>
-          </a:solidFill>
-          <a:ln>
-            <a:solidFill>
-              <a:srgbClr val="002060"/>
-            </a:solidFill>
-          </a:ln>
-        </p:spPr>
-        <p:txBody>
-          <a:bodyPr wrap="square">
-            <a:spAutoFit/>
-          </a:bodyPr>
-          <a:lstStyle/>
-          <a:p>
-            <a:r>
-              <a:rPr lang="en-CA" sz="1100" dirty="0">
-                <a:latin typeface="Courier" pitchFamily="2" charset="0"/>
-              </a:rPr>
-              <a:t>   +-------+ t1    Probe      t2 +-------+</a:t>
-            </a:r>
-          </a:p>
-          <a:p>
-            <a:r>
-              <a:rPr lang="en-CA" sz="1100" dirty="0">
-                <a:latin typeface="Courier" pitchFamily="2" charset="0"/>
-              </a:rPr>
-              <a:t>   |       | - - - - - - - - - - |       |</a:t>
-            </a:r>
-          </a:p>
-          <a:p>
-            <a:r>
-              <a:rPr lang="en-CA" sz="1100" dirty="0">
-                <a:latin typeface="Courier" pitchFamily="2" charset="0"/>
-              </a:rPr>
-              <a:t>   |   R1  |--------------------||  R5   |</a:t>
-            </a:r>
-          </a:p>
-          <a:p>
-            <a:r>
-              <a:rPr lang="en-CA" sz="1100" dirty="0">
-                <a:latin typeface="Courier" pitchFamily="2" charset="0"/>
-              </a:rPr>
-              <a:t>   |       |&lt;- - - - - - - - - - |       |</a:t>
-            </a:r>
-          </a:p>
-          <a:p>
-            <a:r>
-              <a:rPr lang="en-CA" sz="1100" dirty="0">
-                <a:latin typeface="Courier" pitchFamily="2" charset="0"/>
-              </a:rPr>
-              <a:t>   +-------+     Return Probe    +-------+</a:t>
-            </a:r>
-          </a:p>
-          <a:p>
-            <a:r>
-              <a:rPr lang="en-CA" sz="1100" dirty="0">
-                <a:latin typeface="Courier" pitchFamily="2" charset="0"/>
-              </a:rPr>
-              <a:t>    Sender                       Reflector Endpoint</a:t>
-            </a:r>
-          </a:p>
-          <a:p>
-            <a:r>
-              <a:rPr lang="en-CA" sz="1100" dirty="0">
-                <a:latin typeface="Courier" pitchFamily="2" charset="0"/>
-              </a:rPr>
-              <a:t>                                 (Timestamp,</a:t>
-            </a:r>
-          </a:p>
-          <a:p>
-            <a:r>
-              <a:rPr lang="en-CA" sz="1100" dirty="0">
-                <a:latin typeface="Courier" pitchFamily="2" charset="0"/>
-              </a:rPr>
-              <a:t>                                  Pop and Forward)</a:t>
-            </a:r>
-          </a:p>
-          <a:p>
-            <a:r>
-              <a:rPr lang="en-CA" sz="1100" dirty="0">
-                <a:latin typeface="Courier" pitchFamily="2" charset="0"/>
-              </a:rPr>
-              <a:t> </a:t>
-            </a:r>
-          </a:p>
-          <a:p>
-            <a:r>
-              <a:rPr lang="en-CA" sz="1100" dirty="0">
-                <a:latin typeface="Courier" pitchFamily="2" charset="0"/>
-              </a:rPr>
-              <a:t>Figure: Loopback Mode Enabled with Network Programming </a:t>
-            </a:r>
-          </a:p>
-        </p:txBody>
-      </p:sp>
-    </p:spTree>
-    <p:extLst>
-      <p:ext uri="{BB962C8B-B14F-4D97-AF65-F5344CB8AC3E}">
-        <p14:creationId xmlns:p14="http://schemas.microsoft.com/office/powerpoint/2010/main" val="3722295587"/>
-      </p:ext>
-    </p:extLst>
-  </p:cSld>
-  <p:clrMapOvr>
-    <a:masterClrMapping/>
-  </p:clrMapOvr>
-</p:sld>
-</file>
-
-<file path=ppt/slides/slide7.xml><?xml version="1.0" encoding="utf-8"?>
-<p:sld xmlns:a="http://schemas.openxmlformats.org/drawingml/2006/main" xmlns:r="http://schemas.openxmlformats.org/officeDocument/2006/relationships" xmlns:p="http://schemas.openxmlformats.org/presentationml/2006/main">
-  <p:cSld>
-    <p:spTree>
-      <p:nvGrpSpPr>
-        <p:cNvPr id="1" name=""/>
-        <p:cNvGrpSpPr/>
-        <p:nvPr/>
-      </p:nvGrpSpPr>
-      <p:grpSpPr>
-        <a:xfrm>
-          <a:off x="0" y="0"/>
-          <a:ext cx="0" cy="0"/>
-          <a:chOff x="0" y="0"/>
-          <a:chExt cx="0" cy="0"/>
-        </a:xfrm>
-      </p:grpSpPr>
-      <p:sp>
-        <p:nvSpPr>
-          <p:cNvPr id="2" name="Title 1"/>
-          <p:cNvSpPr>
-            <a:spLocks noGrp="1"/>
-          </p:cNvSpPr>
-          <p:nvPr>
-            <p:ph type="title"/>
-          </p:nvPr>
-        </p:nvSpPr>
-        <p:spPr>
-          <a:xfrm>
-            <a:off x="457200" y="0"/>
-            <a:ext cx="8229600" cy="857250"/>
-          </a:xfrm>
-        </p:spPr>
-        <p:txBody>
-          <a:bodyPr/>
-          <a:lstStyle/>
-          <a:p>
-            <a:r>
-              <a:rPr lang="en-US" sz="3600" dirty="0">
-                <a:solidFill>
-                  <a:srgbClr val="0070C0"/>
-                </a:solidFill>
-                <a:latin typeface="Calibri Light" panose="020F0302020204030204" pitchFamily="34" charset="0"/>
-                <a:cs typeface="Calibri Light" panose="020F0302020204030204" pitchFamily="34" charset="0"/>
-              </a:rPr>
-              <a:t>Next Steps</a:t>
-            </a:r>
-          </a:p>
-        </p:txBody>
-      </p:sp>
-      <p:sp>
-        <p:nvSpPr>
-          <p:cNvPr id="3" name="Content Placeholder 2"/>
-          <p:cNvSpPr>
-            <a:spLocks noGrp="1"/>
-          </p:cNvSpPr>
-          <p:nvPr>
-            <p:ph idx="1"/>
-          </p:nvPr>
-        </p:nvSpPr>
-        <p:spPr>
-          <a:xfrm>
-            <a:off x="685800" y="1123950"/>
-            <a:ext cx="8001000" cy="2514599"/>
-          </a:xfrm>
-        </p:spPr>
-        <p:txBody>
-          <a:bodyPr/>
-          <a:lstStyle/>
-          <a:p>
-            <a:pPr lvl="0"/>
-            <a:r>
-              <a:rPr lang="en-US" sz="2400" dirty="0">
-                <a:latin typeface="Calibri" charset="0"/>
-                <a:ea typeface="Calibri" charset="0"/>
-                <a:cs typeface="Calibri" charset="0"/>
-              </a:rPr>
-              <a:t>Welcome your comments and suggestions</a:t>
-            </a:r>
-          </a:p>
-          <a:p>
-            <a:r>
-              <a:rPr lang="en-US" sz="2400" dirty="0"/>
-              <a:t>Implementation exists</a:t>
-            </a:r>
-          </a:p>
-          <a:p>
-            <a:r>
-              <a:rPr lang="en-US" sz="2400" dirty="0">
-                <a:latin typeface="Calibri" charset="0"/>
-                <a:ea typeface="Calibri" charset="0"/>
-                <a:cs typeface="Calibri" charset="0"/>
-              </a:rPr>
-              <a:t>Requesting WG adoption</a:t>
-            </a:r>
-          </a:p>
-        </p:txBody>
-      </p:sp>
-      <p:sp>
-        <p:nvSpPr>
-          <p:cNvPr id="4" name="Footer Placeholder 3"/>
-          <p:cNvSpPr>
-            <a:spLocks noGrp="1"/>
-          </p:cNvSpPr>
-          <p:nvPr>
-            <p:ph type="ftr" sz="quarter" idx="11"/>
-          </p:nvPr>
-        </p:nvSpPr>
-        <p:spPr>
-          <a:xfrm>
-            <a:off x="3124200" y="4786312"/>
-            <a:ext cx="2895600" cy="357188"/>
-          </a:xfrm>
-        </p:spPr>
-        <p:txBody>
-          <a:bodyPr/>
-          <a:lstStyle/>
-          <a:p>
-            <a:pPr>
-              <a:defRPr/>
-            </a:pPr>
-            <a:r>
-              <a:rPr lang="en-US" altLang="zh-CN" dirty="0"/>
-              <a:t>107</a:t>
-            </a:r>
-            <a:r>
-              <a:rPr lang="en-US" altLang="zh-CN" baseline="30000" dirty="0"/>
-              <a:t>th</a:t>
-            </a:r>
-            <a:r>
-              <a:rPr lang="en-US" altLang="zh-CN" dirty="0"/>
-              <a:t> IETF @ Vancouver</a:t>
-            </a:r>
-          </a:p>
-        </p:txBody>
-      </p:sp>
-      <p:sp>
-        <p:nvSpPr>
-          <p:cNvPr id="5" name="Slide Number Placeholder 4"/>
-          <p:cNvSpPr>
-            <a:spLocks noGrp="1"/>
-          </p:cNvSpPr>
-          <p:nvPr>
-            <p:ph type="sldNum" sz="quarter" idx="12"/>
-          </p:nvPr>
-        </p:nvSpPr>
-        <p:spPr/>
-        <p:txBody>
-          <a:bodyPr/>
-          <a:lstStyle/>
-          <a:p>
-            <a:pPr>
-              <a:defRPr/>
-            </a:pPr>
-            <a:fld id="{BD6E0F59-1DD8-40FC-9C92-B6295CBA6CCA}" type="slidenum">
-              <a:rPr lang="en-US" altLang="zh-CN" smtClean="0"/>
-              <a:pPr>
-                <a:defRPr/>
-              </a:pPr>
-              <a:t>7</a:t>
-            </a:fld>
-            <a:endParaRPr lang="en-US" altLang="zh-CN"/>
-          </a:p>
-        </p:txBody>
-      </p:sp>
-    </p:spTree>
-    <p:extLst>
-      <p:ext uri="{BB962C8B-B14F-4D97-AF65-F5344CB8AC3E}">
-        <p14:creationId xmlns:p14="http://schemas.microsoft.com/office/powerpoint/2010/main" val="2309160477"/>
-      </p:ext>
-    </p:extLst>
-  </p:cSld>
-  <p:clrMapOvr>
-    <a:masterClrMapping/>
-  </p:clrMapOvr>
-</p:sld>
-</file>
-
-<file path=ppt/slides/slide8.xml><?xml version="1.0" encoding="utf-8"?>
+<file path=ppt/slides/slide13.xml><?xml version="1.0" encoding="utf-8"?>
 <p:sld xmlns:a="http://schemas.openxmlformats.org/drawingml/2006/main" xmlns:r="http://schemas.openxmlformats.org/officeDocument/2006/relationships" xmlns:p="http://schemas.openxmlformats.org/presentationml/2006/main">
   <p:cSld>
     <p:spTree>
@@ -8933,6 +6432,2252 @@
               <a:pPr>
                 <a:defRPr/>
               </a:pPr>
+              <a:t>13</a:t>
+            </a:fld>
+            <a:endParaRPr lang="en-US" altLang="zh-CN" dirty="0"/>
+          </a:p>
+        </p:txBody>
+      </p:sp>
+    </p:spTree>
+    <p:extLst>
+      <p:ext uri="{BB962C8B-B14F-4D97-AF65-F5344CB8AC3E}">
+        <p14:creationId xmlns:p14="http://schemas.microsoft.com/office/powerpoint/2010/main" val="668811118"/>
+      </p:ext>
+    </p:extLst>
+  </p:cSld>
+  <p:clrMapOvr>
+    <a:masterClrMapping/>
+  </p:clrMapOvr>
+</p:sld>
+</file>
+
+<file path=ppt/slides/slide2.xml><?xml version="1.0" encoding="utf-8"?>
+<p:sld xmlns:a="http://schemas.openxmlformats.org/drawingml/2006/main" xmlns:r="http://schemas.openxmlformats.org/officeDocument/2006/relationships" xmlns:p="http://schemas.openxmlformats.org/presentationml/2006/main">
+  <p:cSld>
+    <p:spTree>
+      <p:nvGrpSpPr>
+        <p:cNvPr id="1" name=""/>
+        <p:cNvGrpSpPr/>
+        <p:nvPr/>
+      </p:nvGrpSpPr>
+      <p:grpSpPr>
+        <a:xfrm>
+          <a:off x="0" y="0"/>
+          <a:ext cx="0" cy="0"/>
+          <a:chOff x="0" y="0"/>
+          <a:chExt cx="0" cy="0"/>
+        </a:xfrm>
+      </p:grpSpPr>
+      <p:sp>
+        <p:nvSpPr>
+          <p:cNvPr id="2" name="Title 1"/>
+          <p:cNvSpPr>
+            <a:spLocks noGrp="1"/>
+          </p:cNvSpPr>
+          <p:nvPr>
+            <p:ph type="title"/>
+          </p:nvPr>
+        </p:nvSpPr>
+        <p:spPr>
+          <a:xfrm>
+            <a:off x="457200" y="0"/>
+            <a:ext cx="8229600" cy="857250"/>
+          </a:xfrm>
+        </p:spPr>
+        <p:txBody>
+          <a:bodyPr/>
+          <a:lstStyle/>
+          <a:p>
+            <a:r>
+              <a:rPr lang="en-US" sz="3600" dirty="0">
+                <a:solidFill>
+                  <a:srgbClr val="0070C0"/>
+                </a:solidFill>
+                <a:latin typeface="Calibri Light" panose="020F0302020204030204" pitchFamily="34" charset="0"/>
+                <a:cs typeface="Calibri Light" panose="020F0302020204030204" pitchFamily="34" charset="0"/>
+              </a:rPr>
+              <a:t>Agenda</a:t>
+            </a:r>
+          </a:p>
+        </p:txBody>
+      </p:sp>
+      <p:sp>
+        <p:nvSpPr>
+          <p:cNvPr id="3" name="Content Placeholder 2"/>
+          <p:cNvSpPr>
+            <a:spLocks noGrp="1"/>
+          </p:cNvSpPr>
+          <p:nvPr>
+            <p:ph idx="1"/>
+          </p:nvPr>
+        </p:nvSpPr>
+        <p:spPr>
+          <a:xfrm>
+            <a:off x="609600" y="1009650"/>
+            <a:ext cx="8113059" cy="3124200"/>
+          </a:xfrm>
+        </p:spPr>
+        <p:txBody>
+          <a:bodyPr/>
+          <a:lstStyle/>
+          <a:p>
+            <a:r>
+              <a:rPr lang="en-US" sz="2400" dirty="0"/>
+              <a:t>Requirements and Scope</a:t>
+            </a:r>
+          </a:p>
+          <a:p>
+            <a:r>
+              <a:rPr lang="en-US" sz="2400" dirty="0"/>
+              <a:t>Summary</a:t>
+            </a:r>
+          </a:p>
+          <a:p>
+            <a:r>
+              <a:rPr lang="en-US" sz="2400" dirty="0"/>
+              <a:t>Next Steps</a:t>
+            </a:r>
+          </a:p>
+        </p:txBody>
+      </p:sp>
+      <p:sp>
+        <p:nvSpPr>
+          <p:cNvPr id="4" name="Footer Placeholder 3"/>
+          <p:cNvSpPr>
+            <a:spLocks noGrp="1"/>
+          </p:cNvSpPr>
+          <p:nvPr>
+            <p:ph type="ftr" sz="quarter" idx="11"/>
+          </p:nvPr>
+        </p:nvSpPr>
+        <p:spPr>
+          <a:xfrm>
+            <a:off x="3124200" y="4786312"/>
+            <a:ext cx="2895600" cy="357188"/>
+          </a:xfrm>
+        </p:spPr>
+        <p:txBody>
+          <a:bodyPr/>
+          <a:lstStyle/>
+          <a:p>
+            <a:pPr>
+              <a:defRPr/>
+            </a:pPr>
+            <a:r>
+              <a:rPr lang="en-US" altLang="zh-CN" dirty="0"/>
+              <a:t>107</a:t>
+            </a:r>
+            <a:r>
+              <a:rPr lang="en-US" altLang="zh-CN" baseline="30000" dirty="0"/>
+              <a:t>th</a:t>
+            </a:r>
+            <a:r>
+              <a:rPr lang="en-US" altLang="zh-CN" dirty="0"/>
+              <a:t> IETF @ Vancouver</a:t>
+            </a:r>
+          </a:p>
+        </p:txBody>
+      </p:sp>
+      <p:sp>
+        <p:nvSpPr>
+          <p:cNvPr id="5" name="Slide Number Placeholder 4"/>
+          <p:cNvSpPr>
+            <a:spLocks noGrp="1"/>
+          </p:cNvSpPr>
+          <p:nvPr>
+            <p:ph type="sldNum" sz="quarter" idx="12"/>
+          </p:nvPr>
+        </p:nvSpPr>
+        <p:spPr/>
+        <p:txBody>
+          <a:bodyPr/>
+          <a:lstStyle/>
+          <a:p>
+            <a:pPr>
+              <a:defRPr/>
+            </a:pPr>
+            <a:fld id="{BD6E0F59-1DD8-40FC-9C92-B6295CBA6CCA}" type="slidenum">
+              <a:rPr lang="en-US" altLang="zh-CN" smtClean="0"/>
+              <a:pPr>
+                <a:defRPr/>
+              </a:pPr>
+              <a:t>2</a:t>
+            </a:fld>
+            <a:endParaRPr lang="en-US" altLang="zh-CN"/>
+          </a:p>
+        </p:txBody>
+      </p:sp>
+    </p:spTree>
+    <p:extLst>
+      <p:ext uri="{BB962C8B-B14F-4D97-AF65-F5344CB8AC3E}">
+        <p14:creationId xmlns:p14="http://schemas.microsoft.com/office/powerpoint/2010/main" val="1157046242"/>
+      </p:ext>
+    </p:extLst>
+  </p:cSld>
+  <p:clrMapOvr>
+    <a:masterClrMapping/>
+  </p:clrMapOvr>
+</p:sld>
+</file>
+
+<file path=ppt/slides/slide3.xml><?xml version="1.0" encoding="utf-8"?>
+<p:sld xmlns:a="http://schemas.openxmlformats.org/drawingml/2006/main" xmlns:r="http://schemas.openxmlformats.org/officeDocument/2006/relationships" xmlns:p="http://schemas.openxmlformats.org/presentationml/2006/main">
+  <p:cSld>
+    <p:spTree>
+      <p:nvGrpSpPr>
+        <p:cNvPr id="1" name=""/>
+        <p:cNvGrpSpPr/>
+        <p:nvPr/>
+      </p:nvGrpSpPr>
+      <p:grpSpPr>
+        <a:xfrm>
+          <a:off x="0" y="0"/>
+          <a:ext cx="0" cy="0"/>
+          <a:chOff x="0" y="0"/>
+          <a:chExt cx="0" cy="0"/>
+        </a:xfrm>
+      </p:grpSpPr>
+      <p:sp>
+        <p:nvSpPr>
+          <p:cNvPr id="2" name="Title 1"/>
+          <p:cNvSpPr>
+            <a:spLocks noGrp="1"/>
+          </p:cNvSpPr>
+          <p:nvPr>
+            <p:ph type="title"/>
+          </p:nvPr>
+        </p:nvSpPr>
+        <p:spPr>
+          <a:xfrm>
+            <a:off x="457200" y="0"/>
+            <a:ext cx="8229600" cy="857250"/>
+          </a:xfrm>
+        </p:spPr>
+        <p:txBody>
+          <a:bodyPr/>
+          <a:lstStyle/>
+          <a:p>
+            <a:r>
+              <a:rPr lang="en-US" sz="3600" dirty="0">
+                <a:solidFill>
+                  <a:srgbClr val="0070C0"/>
+                </a:solidFill>
+                <a:latin typeface="Calibri Light" panose="020F0302020204030204" pitchFamily="34" charset="0"/>
+                <a:cs typeface="Calibri Light" panose="020F0302020204030204" pitchFamily="34" charset="0"/>
+              </a:rPr>
+              <a:t>Requirements and Scope</a:t>
+            </a:r>
+          </a:p>
+        </p:txBody>
+      </p:sp>
+      <p:sp>
+        <p:nvSpPr>
+          <p:cNvPr id="3" name="Content Placeholder 2"/>
+          <p:cNvSpPr>
+            <a:spLocks noGrp="1"/>
+          </p:cNvSpPr>
+          <p:nvPr>
+            <p:ph idx="1"/>
+          </p:nvPr>
+        </p:nvSpPr>
+        <p:spPr>
+          <a:xfrm>
+            <a:off x="685800" y="979884"/>
+            <a:ext cx="7772400" cy="3192066"/>
+          </a:xfrm>
+        </p:spPr>
+        <p:txBody>
+          <a:bodyPr/>
+          <a:lstStyle/>
+          <a:p>
+            <a:pPr marL="0" indent="0">
+              <a:buNone/>
+            </a:pPr>
+            <a:r>
+              <a:rPr lang="en-US" sz="1600" dirty="0"/>
+              <a:t>Requirements:</a:t>
+            </a:r>
+          </a:p>
+          <a:p>
+            <a:pPr lvl="1">
+              <a:buFont typeface="Wingdings" charset="2"/>
+              <a:buChar char="§"/>
+            </a:pPr>
+            <a:r>
+              <a:rPr lang="en-US" sz="1600" dirty="0"/>
+              <a:t>Performance Delay and Loss Measurement &amp; Liveness Monitoring</a:t>
+            </a:r>
+          </a:p>
+          <a:p>
+            <a:pPr lvl="2">
+              <a:buFont typeface="Wingdings" pitchFamily="2" charset="2"/>
+              <a:buChar char="ü"/>
+            </a:pPr>
+            <a:r>
+              <a:rPr lang="en-US" sz="1600" dirty="0"/>
+              <a:t>End-to-end P2P/P2MP SR Policies</a:t>
+            </a:r>
+          </a:p>
+          <a:p>
+            <a:pPr lvl="2">
+              <a:buFont typeface="Wingdings" charset="2"/>
+              <a:buChar char="ü"/>
+            </a:pPr>
+            <a:r>
+              <a:rPr lang="en-US" sz="1600" dirty="0"/>
+              <a:t>Applicable to SR-MPLS/SRv6 data planes</a:t>
+            </a:r>
+          </a:p>
+          <a:p>
+            <a:pPr marL="0" lvl="1" indent="0">
+              <a:buNone/>
+            </a:pPr>
+            <a:r>
+              <a:rPr lang="en-US" sz="1600" dirty="0"/>
+              <a:t>Scope:</a:t>
+            </a:r>
+          </a:p>
+          <a:p>
+            <a:pPr lvl="1">
+              <a:buFont typeface="Wingdings" charset="2"/>
+              <a:buChar char="§"/>
+            </a:pPr>
+            <a:r>
+              <a:rPr lang="en-US" sz="1600" dirty="0"/>
+              <a:t>RFC 5357 (TWAMP) defined probe messages - TWAMP Light</a:t>
+            </a:r>
+          </a:p>
+          <a:p>
+            <a:pPr lvl="1">
+              <a:buFont typeface="Wingdings" charset="2"/>
+              <a:buChar char="§"/>
+            </a:pPr>
+            <a:r>
+              <a:rPr lang="en-US" sz="1600" dirty="0"/>
+              <a:t>STAMP [</a:t>
+            </a:r>
+            <a:r>
+              <a:rPr lang="en-CA" sz="1600" dirty="0"/>
+              <a:t>draft-</a:t>
+            </a:r>
+            <a:r>
+              <a:rPr lang="en-CA" sz="1600" dirty="0" err="1"/>
+              <a:t>ietf</a:t>
+            </a:r>
+            <a:r>
+              <a:rPr lang="en-CA" sz="1600" dirty="0"/>
+              <a:t>-</a:t>
+            </a:r>
+            <a:r>
+              <a:rPr lang="en-CA" sz="1600" dirty="0" err="1"/>
+              <a:t>ippm</a:t>
+            </a:r>
+            <a:r>
+              <a:rPr lang="en-CA" sz="1600" dirty="0"/>
+              <a:t>-stamp</a:t>
+            </a:r>
+            <a:r>
+              <a:rPr lang="en-US" sz="1600" dirty="0"/>
+              <a:t>] defined probe messages</a:t>
+            </a:r>
+          </a:p>
+          <a:p>
+            <a:pPr lvl="1">
+              <a:buFont typeface="Wingdings" charset="2"/>
+              <a:buChar char="§"/>
+            </a:pPr>
+            <a:r>
+              <a:rPr lang="en-US" sz="1600" dirty="0"/>
+              <a:t>STAMP TLVs [</a:t>
+            </a:r>
+            <a:r>
+              <a:rPr lang="en-CA" sz="1600" dirty="0"/>
+              <a:t>draft-</a:t>
+            </a:r>
+            <a:r>
+              <a:rPr lang="en-CA" sz="1600" dirty="0" err="1"/>
+              <a:t>ietf</a:t>
+            </a:r>
+            <a:r>
+              <a:rPr lang="en-CA" sz="1600" dirty="0"/>
+              <a:t>-</a:t>
+            </a:r>
+            <a:r>
+              <a:rPr lang="en-CA" sz="1600" dirty="0" err="1"/>
+              <a:t>ippm</a:t>
+            </a:r>
+            <a:r>
+              <a:rPr lang="en-CA" sz="1600" dirty="0"/>
+              <a:t>-stamp-option-</a:t>
+            </a:r>
+            <a:r>
+              <a:rPr lang="en-CA" sz="1600" dirty="0" err="1"/>
+              <a:t>tlv</a:t>
+            </a:r>
+            <a:r>
+              <a:rPr lang="en-CA" sz="1600" dirty="0"/>
+              <a:t>]</a:t>
+            </a:r>
+            <a:endParaRPr lang="en-US" sz="1600" dirty="0"/>
+          </a:p>
+          <a:p>
+            <a:pPr lvl="1">
+              <a:buFont typeface="Wingdings" charset="2"/>
+              <a:buChar char="§"/>
+            </a:pPr>
+            <a:r>
+              <a:rPr lang="en-US" sz="1600" dirty="0"/>
+              <a:t>User-configured IP/UDP path for probe messages</a:t>
+            </a:r>
+          </a:p>
+          <a:p>
+            <a:pPr lvl="1">
+              <a:buFont typeface="Wingdings" charset="2"/>
+              <a:buChar char="§"/>
+            </a:pPr>
+            <a:endParaRPr lang="en-US" sz="1600" dirty="0"/>
+          </a:p>
+        </p:txBody>
+      </p:sp>
+      <p:sp>
+        <p:nvSpPr>
+          <p:cNvPr id="4" name="Footer Placeholder 3"/>
+          <p:cNvSpPr>
+            <a:spLocks noGrp="1"/>
+          </p:cNvSpPr>
+          <p:nvPr>
+            <p:ph type="ftr" sz="quarter" idx="11"/>
+          </p:nvPr>
+        </p:nvSpPr>
+        <p:spPr>
+          <a:xfrm>
+            <a:off x="3124200" y="4786312"/>
+            <a:ext cx="2895600" cy="357188"/>
+          </a:xfrm>
+        </p:spPr>
+        <p:txBody>
+          <a:bodyPr/>
+          <a:lstStyle/>
+          <a:p>
+            <a:pPr>
+              <a:defRPr/>
+            </a:pPr>
+            <a:r>
+              <a:rPr lang="en-US" altLang="zh-CN" dirty="0"/>
+              <a:t>107</a:t>
+            </a:r>
+            <a:r>
+              <a:rPr lang="en-US" altLang="zh-CN" baseline="30000" dirty="0"/>
+              <a:t>th</a:t>
+            </a:r>
+            <a:r>
+              <a:rPr lang="en-US" altLang="zh-CN" dirty="0"/>
+              <a:t> IETF @ Vancouver</a:t>
+            </a:r>
+          </a:p>
+        </p:txBody>
+      </p:sp>
+      <p:sp>
+        <p:nvSpPr>
+          <p:cNvPr id="5" name="Slide Number Placeholder 4"/>
+          <p:cNvSpPr>
+            <a:spLocks noGrp="1"/>
+          </p:cNvSpPr>
+          <p:nvPr>
+            <p:ph type="sldNum" sz="quarter" idx="12"/>
+          </p:nvPr>
+        </p:nvSpPr>
+        <p:spPr/>
+        <p:txBody>
+          <a:bodyPr/>
+          <a:lstStyle/>
+          <a:p>
+            <a:pPr>
+              <a:defRPr/>
+            </a:pPr>
+            <a:fld id="{BD6E0F59-1DD8-40FC-9C92-B6295CBA6CCA}" type="slidenum">
+              <a:rPr lang="en-US" altLang="zh-CN" smtClean="0"/>
+              <a:pPr>
+                <a:defRPr/>
+              </a:pPr>
+              <a:t>3</a:t>
+            </a:fld>
+            <a:endParaRPr lang="en-US" altLang="zh-CN" dirty="0"/>
+          </a:p>
+        </p:txBody>
+      </p:sp>
+    </p:spTree>
+    <p:extLst>
+      <p:ext uri="{BB962C8B-B14F-4D97-AF65-F5344CB8AC3E}">
+        <p14:creationId xmlns:p14="http://schemas.microsoft.com/office/powerpoint/2010/main" val="2099784755"/>
+      </p:ext>
+    </p:extLst>
+  </p:cSld>
+  <p:clrMapOvr>
+    <a:masterClrMapping/>
+  </p:clrMapOvr>
+</p:sld>
+</file>
+
+<file path=ppt/slides/slide4.xml><?xml version="1.0" encoding="utf-8"?>
+<p:sld xmlns:a="http://schemas.openxmlformats.org/drawingml/2006/main" xmlns:r="http://schemas.openxmlformats.org/officeDocument/2006/relationships" xmlns:p="http://schemas.openxmlformats.org/presentationml/2006/main">
+  <p:cSld>
+    <p:spTree>
+      <p:nvGrpSpPr>
+        <p:cNvPr id="1" name=""/>
+        <p:cNvGrpSpPr/>
+        <p:nvPr/>
+      </p:nvGrpSpPr>
+      <p:grpSpPr>
+        <a:xfrm>
+          <a:off x="0" y="0"/>
+          <a:ext cx="0" cy="0"/>
+          <a:chOff x="0" y="0"/>
+          <a:chExt cx="0" cy="0"/>
+        </a:xfrm>
+      </p:grpSpPr>
+      <p:sp>
+        <p:nvSpPr>
+          <p:cNvPr id="2" name="Title 1"/>
+          <p:cNvSpPr>
+            <a:spLocks noGrp="1"/>
+          </p:cNvSpPr>
+          <p:nvPr>
+            <p:ph type="title"/>
+          </p:nvPr>
+        </p:nvSpPr>
+        <p:spPr>
+          <a:xfrm>
+            <a:off x="457200" y="0"/>
+            <a:ext cx="8229600" cy="857250"/>
+          </a:xfrm>
+        </p:spPr>
+        <p:txBody>
+          <a:bodyPr/>
+          <a:lstStyle/>
+          <a:p>
+            <a:r>
+              <a:rPr lang="en-US" sz="3600" dirty="0">
+                <a:solidFill>
+                  <a:srgbClr val="0070C0"/>
+                </a:solidFill>
+                <a:latin typeface="Calibri Light" panose="020F0302020204030204" pitchFamily="34" charset="0"/>
+                <a:cs typeface="Calibri Light" panose="020F0302020204030204" pitchFamily="34" charset="0"/>
+              </a:rPr>
+              <a:t>Liveness Monitoring of SR Policy</a:t>
+            </a:r>
+          </a:p>
+        </p:txBody>
+      </p:sp>
+      <p:sp>
+        <p:nvSpPr>
+          <p:cNvPr id="4" name="Footer Placeholder 3"/>
+          <p:cNvSpPr>
+            <a:spLocks noGrp="1"/>
+          </p:cNvSpPr>
+          <p:nvPr>
+            <p:ph type="ftr" sz="quarter" idx="11"/>
+          </p:nvPr>
+        </p:nvSpPr>
+        <p:spPr>
+          <a:xfrm>
+            <a:off x="3124200" y="4800151"/>
+            <a:ext cx="2895600" cy="357188"/>
+          </a:xfrm>
+        </p:spPr>
+        <p:txBody>
+          <a:bodyPr/>
+          <a:lstStyle/>
+          <a:p>
+            <a:pPr>
+              <a:defRPr/>
+            </a:pPr>
+            <a:r>
+              <a:rPr lang="en-US" altLang="zh-CN" dirty="0"/>
+              <a:t>107</a:t>
+            </a:r>
+            <a:r>
+              <a:rPr lang="en-US" altLang="zh-CN" baseline="30000" dirty="0"/>
+              <a:t>th</a:t>
+            </a:r>
+            <a:r>
+              <a:rPr lang="en-US" altLang="zh-CN" dirty="0"/>
+              <a:t> IETF @ Vancouver</a:t>
+            </a:r>
+          </a:p>
+        </p:txBody>
+      </p:sp>
+      <p:sp>
+        <p:nvSpPr>
+          <p:cNvPr id="6" name="Content Placeholder 2"/>
+          <p:cNvSpPr>
+            <a:spLocks noGrp="1"/>
+          </p:cNvSpPr>
+          <p:nvPr>
+            <p:ph idx="1"/>
+          </p:nvPr>
+        </p:nvSpPr>
+        <p:spPr>
+          <a:xfrm>
+            <a:off x="533400" y="2794880"/>
+            <a:ext cx="8319052" cy="1941044"/>
+          </a:xfrm>
+        </p:spPr>
+        <p:txBody>
+          <a:bodyPr/>
+          <a:lstStyle/>
+          <a:p>
+            <a:pPr>
+              <a:lnSpc>
+                <a:spcPts val="1960"/>
+              </a:lnSpc>
+              <a:spcBef>
+                <a:spcPts val="600"/>
+              </a:spcBef>
+            </a:pPr>
+            <a:r>
+              <a:rPr lang="en-US" sz="1600" dirty="0"/>
+              <a:t>Liveness monitoring for SR Policy uses PM probes (TWAMP Light/STAMP delay measurement messages) in Loopback Mode</a:t>
+            </a:r>
+          </a:p>
+          <a:p>
+            <a:pPr>
+              <a:lnSpc>
+                <a:spcPts val="1960"/>
+              </a:lnSpc>
+              <a:spcBef>
+                <a:spcPts val="600"/>
+              </a:spcBef>
+            </a:pPr>
+            <a:r>
+              <a:rPr lang="en-US" sz="1600" dirty="0"/>
+              <a:t>Probe messages sent using Segment List(s) of the SR Policy Candidate Paths</a:t>
+            </a:r>
+          </a:p>
+          <a:p>
+            <a:pPr>
+              <a:lnSpc>
+                <a:spcPts val="1960"/>
+              </a:lnSpc>
+              <a:spcBef>
+                <a:spcPts val="600"/>
+              </a:spcBef>
+            </a:pPr>
+            <a:r>
+              <a:rPr lang="en-US" sz="1600" dirty="0"/>
+              <a:t>Probe messages are not punted on the remote/endpoint/reflector node</a:t>
+            </a:r>
+          </a:p>
+          <a:p>
+            <a:pPr>
+              <a:lnSpc>
+                <a:spcPts val="1960"/>
+              </a:lnSpc>
+              <a:spcBef>
+                <a:spcPts val="600"/>
+              </a:spcBef>
+            </a:pPr>
+            <a:r>
+              <a:rPr lang="en-US" sz="1600" dirty="0"/>
+              <a:t>Liveness failure is notified when consecutive N number of probe messages are not received back at the sender</a:t>
+            </a:r>
+          </a:p>
+        </p:txBody>
+      </p:sp>
+      <p:sp>
+        <p:nvSpPr>
+          <p:cNvPr id="3" name="Rectangle 2">
+            <a:extLst>
+              <a:ext uri="{FF2B5EF4-FFF2-40B4-BE49-F238E27FC236}">
+                <a16:creationId xmlns:a16="http://schemas.microsoft.com/office/drawing/2014/main" id="{31B17E9C-96E0-344B-B58B-37B6A946A9B7}"/>
+              </a:ext>
+            </a:extLst>
+          </p:cNvPr>
+          <p:cNvSpPr/>
+          <p:nvPr/>
+        </p:nvSpPr>
+        <p:spPr>
+          <a:xfrm>
+            <a:off x="2209800" y="893624"/>
+            <a:ext cx="4648200" cy="1754326"/>
+          </a:xfrm>
+          <a:prstGeom prst="rect">
+            <a:avLst/>
+          </a:prstGeom>
+          <a:solidFill>
+            <a:schemeClr val="accent6">
+              <a:lumMod val="20000"/>
+              <a:lumOff val="80000"/>
+            </a:schemeClr>
+          </a:solidFill>
+          <a:ln>
+            <a:solidFill>
+              <a:srgbClr val="002060"/>
+            </a:solidFill>
+          </a:ln>
+        </p:spPr>
+        <p:txBody>
+          <a:bodyPr wrap="square">
+            <a:spAutoFit/>
+          </a:bodyPr>
+          <a:lstStyle/>
+          <a:p>
+            <a:pPr>
+              <a:spcAft>
+                <a:spcPts val="0"/>
+              </a:spcAft>
+            </a:pPr>
+            <a:r>
+              <a:rPr lang="en-CA" sz="1200" dirty="0">
+                <a:latin typeface="Courier" pitchFamily="2" charset="0"/>
+                <a:ea typeface="Calibri" panose="020F0502020204030204" pitchFamily="34" charset="0"/>
+                <a:cs typeface="Times New Roman" panose="02020603050405020304" pitchFamily="18" charset="0"/>
+              </a:rPr>
+              <a:t> +-------+ t1     Probe        +-------+</a:t>
+            </a:r>
+          </a:p>
+          <a:p>
+            <a:pPr>
+              <a:spcAft>
+                <a:spcPts val="0"/>
+              </a:spcAft>
+            </a:pPr>
+            <a:r>
+              <a:rPr lang="en-CA" sz="1200" dirty="0">
+                <a:latin typeface="Courier" pitchFamily="2" charset="0"/>
+                <a:ea typeface="Calibri" panose="020F0502020204030204" pitchFamily="34" charset="0"/>
+                <a:cs typeface="Times New Roman" panose="02020603050405020304" pitchFamily="18" charset="0"/>
+              </a:rPr>
+              <a:t> |       | - - - - - - - - - - |       |</a:t>
+            </a:r>
+          </a:p>
+          <a:p>
+            <a:pPr>
+              <a:spcAft>
+                <a:spcPts val="0"/>
+              </a:spcAft>
+            </a:pPr>
+            <a:r>
+              <a:rPr lang="en-CA" sz="1200" dirty="0">
+                <a:latin typeface="Courier" pitchFamily="2" charset="0"/>
+                <a:ea typeface="Calibri" panose="020F0502020204030204" pitchFamily="34" charset="0"/>
+                <a:cs typeface="Times New Roman" panose="02020603050405020304" pitchFamily="18" charset="0"/>
+              </a:rPr>
+              <a:t> |   R1  |--------------------||  R5   |</a:t>
+            </a:r>
+          </a:p>
+          <a:p>
+            <a:pPr>
+              <a:spcAft>
+                <a:spcPts val="0"/>
+              </a:spcAft>
+            </a:pPr>
+            <a:r>
+              <a:rPr lang="en-CA" sz="1200" dirty="0">
+                <a:latin typeface="Courier" pitchFamily="2" charset="0"/>
+                <a:ea typeface="Calibri" panose="020F0502020204030204" pitchFamily="34" charset="0"/>
+                <a:cs typeface="Times New Roman" panose="02020603050405020304" pitchFamily="18" charset="0"/>
+              </a:rPr>
+              <a:t> |       |&lt;- - - - - - - - - - |       |</a:t>
+            </a:r>
+          </a:p>
+          <a:p>
+            <a:pPr>
+              <a:spcAft>
+                <a:spcPts val="0"/>
+              </a:spcAft>
+            </a:pPr>
+            <a:r>
+              <a:rPr lang="en-CA" sz="1200" dirty="0">
+                <a:latin typeface="Courier" pitchFamily="2" charset="0"/>
+                <a:ea typeface="Calibri" panose="020F0502020204030204" pitchFamily="34" charset="0"/>
+                <a:cs typeface="Times New Roman" panose="02020603050405020304" pitchFamily="18" charset="0"/>
+              </a:rPr>
+              <a:t> +-------+ t4   Return Probe   +-------+</a:t>
+            </a:r>
+          </a:p>
+          <a:p>
+            <a:pPr>
+              <a:spcAft>
+                <a:spcPts val="0"/>
+              </a:spcAft>
+            </a:pPr>
+            <a:r>
+              <a:rPr lang="en-CA" sz="1200" dirty="0">
+                <a:latin typeface="Courier" pitchFamily="2" charset="0"/>
+                <a:ea typeface="Calibri" panose="020F0502020204030204" pitchFamily="34" charset="0"/>
+                <a:cs typeface="Times New Roman" panose="02020603050405020304" pitchFamily="18" charset="0"/>
+              </a:rPr>
+              <a:t>  Sender                      Reflector Endpoint</a:t>
+            </a:r>
+          </a:p>
+          <a:p>
+            <a:pPr>
+              <a:spcAft>
+                <a:spcPts val="0"/>
+              </a:spcAft>
+            </a:pPr>
+            <a:r>
+              <a:rPr lang="en-CA" sz="1200" dirty="0">
+                <a:latin typeface="Courier" pitchFamily="2" charset="0"/>
+                <a:ea typeface="Calibri" panose="020F0502020204030204" pitchFamily="34" charset="0"/>
+                <a:cs typeface="Times New Roman" panose="02020603050405020304" pitchFamily="18" charset="0"/>
+              </a:rPr>
+              <a:t>                              (Simply Forward)</a:t>
+            </a:r>
+          </a:p>
+          <a:p>
+            <a:pPr>
+              <a:spcAft>
+                <a:spcPts val="0"/>
+              </a:spcAft>
+            </a:pPr>
+            <a:r>
+              <a:rPr lang="en-CA" sz="1200" dirty="0">
+                <a:latin typeface="Courier" pitchFamily="2" charset="0"/>
+                <a:ea typeface="Calibri" panose="020F0502020204030204" pitchFamily="34" charset="0"/>
+                <a:cs typeface="Times New Roman" panose="02020603050405020304" pitchFamily="18" charset="0"/>
+              </a:rPr>
+              <a:t> </a:t>
+            </a:r>
+          </a:p>
+          <a:p>
+            <a:pPr>
+              <a:spcAft>
+                <a:spcPts val="0"/>
+              </a:spcAft>
+            </a:pPr>
+            <a:r>
+              <a:rPr lang="en-CA" sz="1200" dirty="0">
+                <a:latin typeface="Courier" pitchFamily="2" charset="0"/>
+                <a:ea typeface="Calibri" panose="020F0502020204030204" pitchFamily="34" charset="0"/>
+                <a:cs typeface="Times New Roman" panose="02020603050405020304" pitchFamily="18" charset="0"/>
+              </a:rPr>
+              <a:t>           Figure 1: Loopback Mode</a:t>
+            </a:r>
+            <a:endParaRPr lang="en-CA" sz="1200" dirty="0">
+              <a:effectLst/>
+              <a:latin typeface="Courier" pitchFamily="2" charset="0"/>
+              <a:ea typeface="Calibri" panose="020F0502020204030204" pitchFamily="34" charset="0"/>
+              <a:cs typeface="Times New Roman" panose="02020603050405020304" pitchFamily="18" charset="0"/>
+            </a:endParaRPr>
+          </a:p>
+        </p:txBody>
+      </p:sp>
+    </p:spTree>
+    <p:extLst>
+      <p:ext uri="{BB962C8B-B14F-4D97-AF65-F5344CB8AC3E}">
+        <p14:creationId xmlns:p14="http://schemas.microsoft.com/office/powerpoint/2010/main" val="2835041583"/>
+      </p:ext>
+    </p:extLst>
+  </p:cSld>
+  <p:clrMapOvr>
+    <a:masterClrMapping/>
+  </p:clrMapOvr>
+</p:sld>
+</file>
+
+<file path=ppt/slides/slide5.xml><?xml version="1.0" encoding="utf-8"?>
+<p:sld xmlns:a="http://schemas.openxmlformats.org/drawingml/2006/main" xmlns:r="http://schemas.openxmlformats.org/officeDocument/2006/relationships" xmlns:p="http://schemas.openxmlformats.org/presentationml/2006/main">
+  <p:cSld>
+    <p:spTree>
+      <p:nvGrpSpPr>
+        <p:cNvPr id="1" name=""/>
+        <p:cNvGrpSpPr/>
+        <p:nvPr/>
+      </p:nvGrpSpPr>
+      <p:grpSpPr>
+        <a:xfrm>
+          <a:off x="0" y="0"/>
+          <a:ext cx="0" cy="0"/>
+          <a:chOff x="0" y="0"/>
+          <a:chExt cx="0" cy="0"/>
+        </a:xfrm>
+      </p:grpSpPr>
+      <p:sp>
+        <p:nvSpPr>
+          <p:cNvPr id="2" name="Title 1"/>
+          <p:cNvSpPr>
+            <a:spLocks noGrp="1"/>
+          </p:cNvSpPr>
+          <p:nvPr>
+            <p:ph type="title"/>
+          </p:nvPr>
+        </p:nvSpPr>
+        <p:spPr>
+          <a:xfrm>
+            <a:off x="457200" y="0"/>
+            <a:ext cx="8229600" cy="857250"/>
+          </a:xfrm>
+        </p:spPr>
+        <p:txBody>
+          <a:bodyPr/>
+          <a:lstStyle/>
+          <a:p>
+            <a:r>
+              <a:rPr lang="en-US" sz="3600" dirty="0">
+                <a:solidFill>
+                  <a:srgbClr val="0070C0"/>
+                </a:solidFill>
+                <a:latin typeface="Calibri Light" panose="020F0302020204030204" pitchFamily="34" charset="0"/>
+                <a:cs typeface="Calibri Light" panose="020F0302020204030204" pitchFamily="34" charset="0"/>
+              </a:rPr>
+              <a:t>Enhanced Liveness Monitoring of SR Policy</a:t>
+            </a:r>
+          </a:p>
+        </p:txBody>
+      </p:sp>
+      <p:sp>
+        <p:nvSpPr>
+          <p:cNvPr id="4" name="Footer Placeholder 3"/>
+          <p:cNvSpPr>
+            <a:spLocks noGrp="1"/>
+          </p:cNvSpPr>
+          <p:nvPr>
+            <p:ph type="ftr" sz="quarter" idx="11"/>
+          </p:nvPr>
+        </p:nvSpPr>
+        <p:spPr>
+          <a:xfrm>
+            <a:off x="3124200" y="4800151"/>
+            <a:ext cx="2895600" cy="357188"/>
+          </a:xfrm>
+        </p:spPr>
+        <p:txBody>
+          <a:bodyPr/>
+          <a:lstStyle/>
+          <a:p>
+            <a:pPr>
+              <a:defRPr/>
+            </a:pPr>
+            <a:r>
+              <a:rPr lang="en-US" altLang="zh-CN" dirty="0"/>
+              <a:t>107</a:t>
+            </a:r>
+            <a:r>
+              <a:rPr lang="en-US" altLang="zh-CN" baseline="30000" dirty="0"/>
+              <a:t>th</a:t>
+            </a:r>
+            <a:r>
+              <a:rPr lang="en-US" altLang="zh-CN" dirty="0"/>
+              <a:t> IETF @ Vancouver</a:t>
+            </a:r>
+          </a:p>
+        </p:txBody>
+      </p:sp>
+      <p:sp>
+        <p:nvSpPr>
+          <p:cNvPr id="6" name="Content Placeholder 2"/>
+          <p:cNvSpPr>
+            <a:spLocks noGrp="1"/>
+          </p:cNvSpPr>
+          <p:nvPr>
+            <p:ph idx="1"/>
+          </p:nvPr>
+        </p:nvSpPr>
+        <p:spPr>
+          <a:xfrm>
+            <a:off x="367748" y="2794879"/>
+            <a:ext cx="8395252" cy="2005271"/>
+          </a:xfrm>
+        </p:spPr>
+        <p:txBody>
+          <a:bodyPr/>
+          <a:lstStyle/>
+          <a:p>
+            <a:pPr lvl="0">
+              <a:lnSpc>
+                <a:spcPts val="1680"/>
+              </a:lnSpc>
+              <a:spcBef>
+                <a:spcPts val="600"/>
+              </a:spcBef>
+            </a:pPr>
+            <a:r>
+              <a:rPr lang="en-CA" sz="1400" dirty="0"/>
+              <a:t>Use the loopback mode enabled with network programming function.</a:t>
+            </a:r>
+          </a:p>
+          <a:p>
+            <a:pPr lvl="1">
+              <a:lnSpc>
+                <a:spcPts val="1680"/>
+              </a:lnSpc>
+              <a:spcBef>
+                <a:spcPts val="600"/>
+              </a:spcBef>
+            </a:pPr>
+            <a:r>
+              <a:rPr lang="en-CA" sz="1400" dirty="0"/>
+              <a:t>The network programming function optimizes the "operations of punt, add receive timestamp and inject the probe packet" on the reflector node.  </a:t>
+            </a:r>
+          </a:p>
+          <a:p>
+            <a:pPr lvl="0">
+              <a:lnSpc>
+                <a:spcPts val="1680"/>
+              </a:lnSpc>
+              <a:spcBef>
+                <a:spcPts val="600"/>
+              </a:spcBef>
+            </a:pPr>
+            <a:r>
+              <a:rPr lang="en-CA" sz="1400" dirty="0"/>
+              <a:t>The endpoint node adds the receive timestamp (at the fixed location locally provisioned consistently in the network) in the payload of the received TWAMP Light or STAMP probe message without punting the probe message in control-plane.  </a:t>
+            </a:r>
+          </a:p>
+          <a:p>
+            <a:pPr lvl="1">
+              <a:lnSpc>
+                <a:spcPts val="1680"/>
+              </a:lnSpc>
+              <a:spcBef>
+                <a:spcPts val="600"/>
+              </a:spcBef>
+            </a:pPr>
+            <a:r>
+              <a:rPr lang="en-CA" sz="1400" dirty="0"/>
+              <a:t>Only add the receive timestamp if the source address in the probe message matches the local node address</a:t>
+            </a:r>
+          </a:p>
+        </p:txBody>
+      </p:sp>
+      <p:sp>
+        <p:nvSpPr>
+          <p:cNvPr id="3" name="Rectangle 2">
+            <a:extLst>
+              <a:ext uri="{FF2B5EF4-FFF2-40B4-BE49-F238E27FC236}">
+                <a16:creationId xmlns:a16="http://schemas.microsoft.com/office/drawing/2014/main" id="{31B17E9C-96E0-344B-B58B-37B6A946A9B7}"/>
+              </a:ext>
+            </a:extLst>
+          </p:cNvPr>
+          <p:cNvSpPr/>
+          <p:nvPr/>
+        </p:nvSpPr>
+        <p:spPr>
+          <a:xfrm>
+            <a:off x="1905000" y="855876"/>
+            <a:ext cx="4800600" cy="1785104"/>
+          </a:xfrm>
+          <a:prstGeom prst="rect">
+            <a:avLst/>
+          </a:prstGeom>
+          <a:solidFill>
+            <a:schemeClr val="accent6">
+              <a:lumMod val="20000"/>
+              <a:lumOff val="80000"/>
+            </a:schemeClr>
+          </a:solidFill>
+          <a:ln>
+            <a:solidFill>
+              <a:srgbClr val="002060"/>
+            </a:solidFill>
+          </a:ln>
+        </p:spPr>
+        <p:txBody>
+          <a:bodyPr wrap="square">
+            <a:spAutoFit/>
+          </a:bodyPr>
+          <a:lstStyle/>
+          <a:p>
+            <a:r>
+              <a:rPr lang="en-CA" sz="1100" dirty="0">
+                <a:latin typeface="Courier" pitchFamily="2" charset="0"/>
+              </a:rPr>
+              <a:t>   +-------+ t1    Probe      t2 +-------+</a:t>
+            </a:r>
+          </a:p>
+          <a:p>
+            <a:r>
+              <a:rPr lang="en-CA" sz="1100" dirty="0">
+                <a:latin typeface="Courier" pitchFamily="2" charset="0"/>
+              </a:rPr>
+              <a:t>   |       | - - - - - - - - - - |       |</a:t>
+            </a:r>
+          </a:p>
+          <a:p>
+            <a:r>
+              <a:rPr lang="en-CA" sz="1100" dirty="0">
+                <a:latin typeface="Courier" pitchFamily="2" charset="0"/>
+              </a:rPr>
+              <a:t>   |   R1  |--------------------||  R5   |</a:t>
+            </a:r>
+          </a:p>
+          <a:p>
+            <a:r>
+              <a:rPr lang="en-CA" sz="1100" dirty="0">
+                <a:latin typeface="Courier" pitchFamily="2" charset="0"/>
+              </a:rPr>
+              <a:t>   |       |&lt;- - - - - - - - - - |       |</a:t>
+            </a:r>
+          </a:p>
+          <a:p>
+            <a:r>
+              <a:rPr lang="en-CA" sz="1100" dirty="0">
+                <a:latin typeface="Courier" pitchFamily="2" charset="0"/>
+              </a:rPr>
+              <a:t>   +-------+     Return Probe    +-------+</a:t>
+            </a:r>
+          </a:p>
+          <a:p>
+            <a:r>
+              <a:rPr lang="en-CA" sz="1100" dirty="0">
+                <a:latin typeface="Courier" pitchFamily="2" charset="0"/>
+              </a:rPr>
+              <a:t>    Sender                       Reflector Endpoint</a:t>
+            </a:r>
+          </a:p>
+          <a:p>
+            <a:r>
+              <a:rPr lang="en-CA" sz="1100" dirty="0">
+                <a:latin typeface="Courier" pitchFamily="2" charset="0"/>
+              </a:rPr>
+              <a:t>                                 (Timestamp,</a:t>
+            </a:r>
+          </a:p>
+          <a:p>
+            <a:r>
+              <a:rPr lang="en-CA" sz="1100" dirty="0">
+                <a:latin typeface="Courier" pitchFamily="2" charset="0"/>
+              </a:rPr>
+              <a:t>                                  Pop and Forward)</a:t>
+            </a:r>
+          </a:p>
+          <a:p>
+            <a:r>
+              <a:rPr lang="en-CA" sz="1100" dirty="0">
+                <a:latin typeface="Courier" pitchFamily="2" charset="0"/>
+              </a:rPr>
+              <a:t> </a:t>
+            </a:r>
+          </a:p>
+          <a:p>
+            <a:r>
+              <a:rPr lang="en-CA" sz="1100" dirty="0">
+                <a:latin typeface="Courier" pitchFamily="2" charset="0"/>
+              </a:rPr>
+              <a:t>Figure: Loopback Mode Enabled with Network Programming </a:t>
+            </a:r>
+          </a:p>
+        </p:txBody>
+      </p:sp>
+    </p:spTree>
+    <p:extLst>
+      <p:ext uri="{BB962C8B-B14F-4D97-AF65-F5344CB8AC3E}">
+        <p14:creationId xmlns:p14="http://schemas.microsoft.com/office/powerpoint/2010/main" val="3722295587"/>
+      </p:ext>
+    </p:extLst>
+  </p:cSld>
+  <p:clrMapOvr>
+    <a:masterClrMapping/>
+  </p:clrMapOvr>
+</p:sld>
+</file>
+
+<file path=ppt/slides/slide6.xml><?xml version="1.0" encoding="utf-8"?>
+<p:sld xmlns:a="http://schemas.openxmlformats.org/drawingml/2006/main" xmlns:r="http://schemas.openxmlformats.org/officeDocument/2006/relationships" xmlns:p="http://schemas.openxmlformats.org/presentationml/2006/main">
+  <p:cSld>
+    <p:spTree>
+      <p:nvGrpSpPr>
+        <p:cNvPr id="1" name=""/>
+        <p:cNvGrpSpPr/>
+        <p:nvPr/>
+      </p:nvGrpSpPr>
+      <p:grpSpPr>
+        <a:xfrm>
+          <a:off x="0" y="0"/>
+          <a:ext cx="0" cy="0"/>
+          <a:chOff x="0" y="0"/>
+          <a:chExt cx="0" cy="0"/>
+        </a:xfrm>
+      </p:grpSpPr>
+      <p:sp>
+        <p:nvSpPr>
+          <p:cNvPr id="2" name="Title 1"/>
+          <p:cNvSpPr>
+            <a:spLocks noGrp="1"/>
+          </p:cNvSpPr>
+          <p:nvPr>
+            <p:ph type="title"/>
+          </p:nvPr>
+        </p:nvSpPr>
+        <p:spPr>
+          <a:xfrm>
+            <a:off x="457200" y="-95250"/>
+            <a:ext cx="8229600" cy="857250"/>
+          </a:xfrm>
+        </p:spPr>
+        <p:txBody>
+          <a:bodyPr/>
+          <a:lstStyle/>
+          <a:p>
+            <a:r>
+              <a:rPr lang="en-US" sz="3600" dirty="0">
+                <a:solidFill>
+                  <a:srgbClr val="0070C0"/>
+                </a:solidFill>
+                <a:latin typeface="Calibri Light" panose="020F0302020204030204" pitchFamily="34" charset="0"/>
+                <a:cs typeface="Calibri Light" panose="020F0302020204030204" pitchFamily="34" charset="0"/>
+              </a:rPr>
+              <a:t>SR-MPLS with Timestamp Label</a:t>
+            </a:r>
+          </a:p>
+        </p:txBody>
+      </p:sp>
+      <p:sp>
+        <p:nvSpPr>
+          <p:cNvPr id="4" name="Footer Placeholder 3"/>
+          <p:cNvSpPr>
+            <a:spLocks noGrp="1"/>
+          </p:cNvSpPr>
+          <p:nvPr>
+            <p:ph type="ftr" sz="quarter" idx="11"/>
+          </p:nvPr>
+        </p:nvSpPr>
+        <p:spPr>
+          <a:xfrm>
+            <a:off x="3124200" y="4786312"/>
+            <a:ext cx="2895600" cy="357188"/>
+          </a:xfrm>
+        </p:spPr>
+        <p:txBody>
+          <a:bodyPr/>
+          <a:lstStyle/>
+          <a:p>
+            <a:pPr>
+              <a:defRPr/>
+            </a:pPr>
+            <a:r>
+              <a:rPr lang="en-US" altLang="zh-CN" dirty="0"/>
+              <a:t>107</a:t>
+            </a:r>
+            <a:r>
+              <a:rPr lang="en-US" altLang="zh-CN" baseline="30000" dirty="0"/>
+              <a:t>th</a:t>
+            </a:r>
+            <a:r>
+              <a:rPr lang="en-US" altLang="zh-CN" dirty="0"/>
+              <a:t> IETF @ Vancouver</a:t>
+            </a:r>
+          </a:p>
+        </p:txBody>
+      </p:sp>
+      <p:sp>
+        <p:nvSpPr>
+          <p:cNvPr id="5" name="Slide Number Placeholder 4"/>
+          <p:cNvSpPr>
+            <a:spLocks noGrp="1"/>
+          </p:cNvSpPr>
+          <p:nvPr>
+            <p:ph type="sldNum" sz="quarter" idx="12"/>
+          </p:nvPr>
+        </p:nvSpPr>
+        <p:spPr/>
+        <p:txBody>
+          <a:bodyPr/>
+          <a:lstStyle/>
+          <a:p>
+            <a:pPr>
+              <a:defRPr/>
+            </a:pPr>
+            <a:fld id="{BD6E0F59-1DD8-40FC-9C92-B6295CBA6CCA}" type="slidenum">
+              <a:rPr lang="en-US" altLang="zh-CN" smtClean="0"/>
+              <a:pPr>
+                <a:defRPr/>
+              </a:pPr>
+              <a:t>6</a:t>
+            </a:fld>
+            <a:endParaRPr lang="en-US" altLang="zh-CN"/>
+          </a:p>
+        </p:txBody>
+      </p:sp>
+      <p:sp>
+        <p:nvSpPr>
+          <p:cNvPr id="6" name="Rectangle 5">
+            <a:extLst>
+              <a:ext uri="{FF2B5EF4-FFF2-40B4-BE49-F238E27FC236}">
+                <a16:creationId xmlns:a16="http://schemas.microsoft.com/office/drawing/2014/main" id="{4C15A4CE-6545-5142-97A8-EDA8B07CB60B}"/>
+              </a:ext>
+            </a:extLst>
+          </p:cNvPr>
+          <p:cNvSpPr/>
+          <p:nvPr/>
+        </p:nvSpPr>
+        <p:spPr>
+          <a:xfrm>
+            <a:off x="228600" y="709106"/>
+            <a:ext cx="4876800" cy="4108817"/>
+          </a:xfrm>
+          <a:prstGeom prst="rect">
+            <a:avLst/>
+          </a:prstGeom>
+          <a:solidFill>
+            <a:schemeClr val="accent6">
+              <a:lumMod val="20000"/>
+              <a:lumOff val="80000"/>
+            </a:schemeClr>
+          </a:solidFill>
+        </p:spPr>
+        <p:txBody>
+          <a:bodyPr wrap="square">
+            <a:spAutoFit/>
+          </a:bodyPr>
+          <a:lstStyle/>
+          <a:p>
+            <a:r>
+              <a:rPr lang="en-CA" sz="900" dirty="0">
+                <a:latin typeface="Courier" pitchFamily="2" charset="0"/>
+              </a:rPr>
+              <a:t>  0 1 2 3 4 5 6 7 8 9 0 1 2 3 4 5 6 7 8 9 0 1 2 3 4 5 6 7 8 9 0 1</a:t>
+            </a:r>
+          </a:p>
+          <a:p>
+            <a:r>
+              <a:rPr lang="en-CA" sz="900" dirty="0">
+                <a:latin typeface="Courier" pitchFamily="2" charset="0"/>
+              </a:rPr>
+              <a:t>  +-+-+-+-+-+-+-+-+-+-+-+-+-+-+-+-+-+-+-+-+-+-+-+-+-+-+-+-+-+-+-+-+</a:t>
+            </a:r>
+          </a:p>
+          <a:p>
+            <a:r>
+              <a:rPr lang="en-CA" sz="900" dirty="0">
+                <a:latin typeface="Courier" pitchFamily="2" charset="0"/>
+              </a:rPr>
+              <a:t>  |            Label(1)                   | TC  |S|      TTL      |</a:t>
+            </a:r>
+          </a:p>
+          <a:p>
+            <a:r>
+              <a:rPr lang="en-CA" sz="900" dirty="0">
+                <a:latin typeface="Courier" pitchFamily="2" charset="0"/>
+              </a:rPr>
+              <a:t>  +-+-+-+-+-+-+-+-+-+-+-+-+-+-+-+-+-+-+-+-+-+-+-+-+-+-+-+-+-+-+-+-+</a:t>
+            </a:r>
+          </a:p>
+          <a:p>
+            <a:r>
+              <a:rPr lang="en-CA" sz="900" dirty="0">
+                <a:latin typeface="Courier" pitchFamily="2" charset="0"/>
+              </a:rPr>
+              <a:t>  .                                                               .</a:t>
+            </a:r>
+          </a:p>
+          <a:p>
+            <a:r>
+              <a:rPr lang="en-CA" sz="900" dirty="0">
+                <a:latin typeface="Courier" pitchFamily="2" charset="0"/>
+              </a:rPr>
+              <a:t>  .                                                               .</a:t>
+            </a:r>
+          </a:p>
+          <a:p>
+            <a:r>
+              <a:rPr lang="en-CA" sz="900" dirty="0">
+                <a:latin typeface="Courier" pitchFamily="2" charset="0"/>
+              </a:rPr>
+              <a:t>  .                                                               .</a:t>
+            </a:r>
+          </a:p>
+          <a:p>
+            <a:r>
+              <a:rPr lang="en-CA" sz="900" dirty="0">
+                <a:latin typeface="Courier" pitchFamily="2" charset="0"/>
+              </a:rPr>
+              <a:t>  +-+-+-+-+-+-+-+-+-+-+-+-+-+-+-+-+-+-+-+-+-+-+-+-+-+-+-+-+-+-+-+-+</a:t>
+            </a:r>
+          </a:p>
+          <a:p>
+            <a:r>
+              <a:rPr lang="en-CA" sz="900" dirty="0">
+                <a:latin typeface="Courier" pitchFamily="2" charset="0"/>
+              </a:rPr>
+              <a:t>  |            Label(n)                   | TC  |S|      TTL      |</a:t>
+            </a:r>
+          </a:p>
+          <a:p>
+            <a:r>
+              <a:rPr lang="en-CA" sz="900" dirty="0">
+                <a:latin typeface="Courier" pitchFamily="2" charset="0"/>
+              </a:rPr>
+              <a:t>  +-+-+-+-+-+-+-+-+-+-+-+-+-+-+-+-+-+-+-+-+-+-+-+-+-+-+-+-+-+-+-+-+</a:t>
+            </a:r>
+          </a:p>
+          <a:p>
+            <a:r>
+              <a:rPr lang="en-CA" sz="900" dirty="0">
+                <a:latin typeface="Courier" pitchFamily="2" charset="0"/>
+              </a:rPr>
+              <a:t>  </a:t>
+            </a:r>
+            <a:r>
+              <a:rPr lang="en-CA" sz="900" b="1" dirty="0">
+                <a:latin typeface="Courier" pitchFamily="2" charset="0"/>
+              </a:rPr>
+              <a:t>|            Timestamp Label (TBA1)     | TC  |S|      TTL      |</a:t>
+            </a:r>
+          </a:p>
+          <a:p>
+            <a:r>
+              <a:rPr lang="en-CA" sz="900" dirty="0">
+                <a:latin typeface="Courier" pitchFamily="2" charset="0"/>
+              </a:rPr>
+              <a:t>  +---------------------------------------------------------------+</a:t>
+            </a:r>
+          </a:p>
+          <a:p>
+            <a:r>
+              <a:rPr lang="en-CA" sz="900" dirty="0">
+                <a:latin typeface="Courier" pitchFamily="2" charset="0"/>
+              </a:rPr>
+              <a:t>  | IP Header                                                     |</a:t>
+            </a:r>
+          </a:p>
+          <a:p>
+            <a:r>
+              <a:rPr lang="en-CA" sz="900" dirty="0">
+                <a:latin typeface="Courier" pitchFamily="2" charset="0"/>
+              </a:rPr>
+              <a:t>  .  Source IP Address = </a:t>
+            </a:r>
+            <a:r>
+              <a:rPr lang="en-CA" sz="900" b="1" dirty="0">
+                <a:latin typeface="Courier" pitchFamily="2" charset="0"/>
+              </a:rPr>
+              <a:t>Endpoint</a:t>
+            </a:r>
+            <a:r>
+              <a:rPr lang="en-CA" sz="900" dirty="0">
+                <a:latin typeface="Courier" pitchFamily="2" charset="0"/>
+              </a:rPr>
+              <a:t> IPv4 or IPv6 Address            .</a:t>
+            </a:r>
+          </a:p>
+          <a:p>
+            <a:r>
+              <a:rPr lang="en-CA" sz="900" dirty="0">
+                <a:latin typeface="Courier" pitchFamily="2" charset="0"/>
+              </a:rPr>
+              <a:t>  .  Destination IP Address = </a:t>
+            </a:r>
+            <a:r>
+              <a:rPr lang="en-CA" sz="900" b="1" dirty="0">
+                <a:latin typeface="Courier" pitchFamily="2" charset="0"/>
+              </a:rPr>
+              <a:t>Sender</a:t>
+            </a:r>
+            <a:r>
+              <a:rPr lang="en-CA" sz="900" dirty="0">
+                <a:latin typeface="Courier" pitchFamily="2" charset="0"/>
+              </a:rPr>
+              <a:t> IPv4 or IPv6 Address         .</a:t>
+            </a:r>
+          </a:p>
+          <a:p>
+            <a:r>
+              <a:rPr lang="en-CA" sz="900" dirty="0">
+                <a:latin typeface="Courier" pitchFamily="2" charset="0"/>
+              </a:rPr>
+              <a:t>  .  Protocol = UDP                                               .</a:t>
+            </a:r>
+          </a:p>
+          <a:p>
+            <a:r>
+              <a:rPr lang="en-CA" sz="900" dirty="0">
+                <a:latin typeface="Courier" pitchFamily="2" charset="0"/>
+              </a:rPr>
+              <a:t>  .                                                               .</a:t>
+            </a:r>
+          </a:p>
+          <a:p>
+            <a:r>
+              <a:rPr lang="en-CA" sz="900" dirty="0">
+                <a:latin typeface="Courier" pitchFamily="2" charset="0"/>
+              </a:rPr>
+              <a:t>  +---------------------------------------------------------------+</a:t>
+            </a:r>
+          </a:p>
+          <a:p>
+            <a:r>
+              <a:rPr lang="en-CA" sz="900" dirty="0">
+                <a:latin typeface="Courier" pitchFamily="2" charset="0"/>
+              </a:rPr>
+              <a:t>  | UDP Header                                                    |</a:t>
+            </a:r>
+          </a:p>
+          <a:p>
+            <a:r>
+              <a:rPr lang="en-CA" sz="900" dirty="0">
+                <a:latin typeface="Courier" pitchFamily="2" charset="0"/>
+              </a:rPr>
+              <a:t>  .  Source Port = As chosen by Sender                            .</a:t>
+            </a:r>
+          </a:p>
+          <a:p>
+            <a:r>
+              <a:rPr lang="en-CA" sz="900" dirty="0">
+                <a:latin typeface="Courier" pitchFamily="2" charset="0"/>
+              </a:rPr>
+              <a:t>  .  Destination Port = User-configured Port                      .</a:t>
+            </a:r>
+          </a:p>
+          <a:p>
+            <a:r>
+              <a:rPr lang="en-CA" sz="900" dirty="0">
+                <a:latin typeface="Courier" pitchFamily="2" charset="0"/>
+              </a:rPr>
+              <a:t>  .                                                               .</a:t>
+            </a:r>
+          </a:p>
+          <a:p>
+            <a:r>
+              <a:rPr lang="en-CA" sz="900" dirty="0">
+                <a:latin typeface="Courier" pitchFamily="2" charset="0"/>
+              </a:rPr>
+              <a:t>  +-+-+-+-+-+-+-+-+-+-+-+-+-+-+-+-+-+-+-+-+-+-+-+-+-+-+-+-+-+-+-+-+</a:t>
+            </a:r>
+          </a:p>
+          <a:p>
+            <a:r>
+              <a:rPr lang="en-CA" sz="900" dirty="0">
+                <a:latin typeface="Courier" pitchFamily="2" charset="0"/>
+              </a:rPr>
+              <a:t>  |  Payload as defined in Section 4.2.1 of RFC 5357              |</a:t>
+            </a:r>
+          </a:p>
+          <a:p>
+            <a:r>
+              <a:rPr lang="en-CA" sz="900" dirty="0">
+                <a:latin typeface="Courier" pitchFamily="2" charset="0"/>
+              </a:rPr>
+              <a:t>  |  Payload as defined in Section 4.2 of STAMP                   |</a:t>
+            </a:r>
+          </a:p>
+          <a:p>
+            <a:r>
+              <a:rPr lang="en-CA" sz="900" dirty="0">
+                <a:latin typeface="Courier" pitchFamily="2" charset="0"/>
+              </a:rPr>
+              <a:t>  .                                                               .</a:t>
+            </a:r>
+          </a:p>
+          <a:p>
+            <a:r>
+              <a:rPr lang="en-CA" sz="900" dirty="0">
+                <a:latin typeface="Courier" pitchFamily="2" charset="0"/>
+              </a:rPr>
+              <a:t>  +---------------------------------------------------------------+</a:t>
+            </a:r>
+          </a:p>
+          <a:p>
+            <a:r>
+              <a:rPr lang="en-CA" sz="900" dirty="0">
+                <a:latin typeface="Courier" pitchFamily="2" charset="0"/>
+              </a:rPr>
+              <a:t> </a:t>
+            </a:r>
+          </a:p>
+          <a:p>
+            <a:r>
+              <a:rPr lang="en-CA" sz="900" dirty="0">
+                <a:latin typeface="Courier" pitchFamily="2" charset="0"/>
+              </a:rPr>
+              <a:t>  Figure 5: Probe Message Header for SR-MPLS with Timestamp Label</a:t>
+            </a:r>
+            <a:endParaRPr lang="en-US" sz="900" dirty="0">
+              <a:latin typeface="Courier" pitchFamily="2" charset="0"/>
+            </a:endParaRPr>
+          </a:p>
+        </p:txBody>
+      </p:sp>
+      <p:sp>
+        <p:nvSpPr>
+          <p:cNvPr id="8" name="Content Placeholder 7">
+            <a:extLst>
+              <a:ext uri="{FF2B5EF4-FFF2-40B4-BE49-F238E27FC236}">
+                <a16:creationId xmlns:a16="http://schemas.microsoft.com/office/drawing/2014/main" id="{FC6E1890-536D-9D49-8207-C42BBF301FF3}"/>
+              </a:ext>
+            </a:extLst>
+          </p:cNvPr>
+          <p:cNvSpPr>
+            <a:spLocks noGrp="1"/>
+          </p:cNvSpPr>
+          <p:nvPr>
+            <p:ph idx="1"/>
+          </p:nvPr>
+        </p:nvSpPr>
+        <p:spPr>
+          <a:xfrm>
+            <a:off x="5360020" y="807832"/>
+            <a:ext cx="3250580" cy="3911363"/>
+          </a:xfrm>
+        </p:spPr>
+        <p:txBody>
+          <a:bodyPr/>
+          <a:lstStyle/>
+          <a:p>
+            <a:r>
+              <a:rPr lang="en-US" sz="1600" dirty="0"/>
+              <a:t>Timestamp Label (TBA1) allocated by IANA from Extended Special-Purpose MPLS Label Values </a:t>
+            </a:r>
+          </a:p>
+          <a:p>
+            <a:r>
+              <a:rPr lang="en-US" sz="1600" dirty="0"/>
+              <a:t>Used for Timestamp, Pop and Forward network programing function</a:t>
+            </a:r>
+          </a:p>
+          <a:p>
+            <a:endParaRPr lang="en-US" sz="1600" dirty="0"/>
+          </a:p>
+        </p:txBody>
+      </p:sp>
+    </p:spTree>
+    <p:extLst>
+      <p:ext uri="{BB962C8B-B14F-4D97-AF65-F5344CB8AC3E}">
+        <p14:creationId xmlns:p14="http://schemas.microsoft.com/office/powerpoint/2010/main" val="3880543124"/>
+      </p:ext>
+    </p:extLst>
+  </p:cSld>
+  <p:clrMapOvr>
+    <a:masterClrMapping/>
+  </p:clrMapOvr>
+</p:sld>
+</file>
+
+<file path=ppt/slides/slide7.xml><?xml version="1.0" encoding="utf-8"?>
+<p:sld xmlns:a="http://schemas.openxmlformats.org/drawingml/2006/main" xmlns:r="http://schemas.openxmlformats.org/officeDocument/2006/relationships" xmlns:p="http://schemas.openxmlformats.org/presentationml/2006/main">
+  <p:cSld>
+    <p:spTree>
+      <p:nvGrpSpPr>
+        <p:cNvPr id="1" name=""/>
+        <p:cNvGrpSpPr/>
+        <p:nvPr/>
+      </p:nvGrpSpPr>
+      <p:grpSpPr>
+        <a:xfrm>
+          <a:off x="0" y="0"/>
+          <a:ext cx="0" cy="0"/>
+          <a:chOff x="0" y="0"/>
+          <a:chExt cx="0" cy="0"/>
+        </a:xfrm>
+      </p:grpSpPr>
+      <p:sp>
+        <p:nvSpPr>
+          <p:cNvPr id="2" name="Title 1"/>
+          <p:cNvSpPr>
+            <a:spLocks noGrp="1"/>
+          </p:cNvSpPr>
+          <p:nvPr>
+            <p:ph type="title"/>
+          </p:nvPr>
+        </p:nvSpPr>
+        <p:spPr>
+          <a:xfrm>
+            <a:off x="457200" y="0"/>
+            <a:ext cx="8458200" cy="857250"/>
+          </a:xfrm>
+        </p:spPr>
+        <p:txBody>
+          <a:bodyPr/>
+          <a:lstStyle/>
+          <a:p>
+            <a:r>
+              <a:rPr lang="en-US" sz="3600" dirty="0">
+                <a:solidFill>
+                  <a:srgbClr val="0070C0"/>
+                </a:solidFill>
+                <a:latin typeface="Calibri Light" panose="020F0302020204030204" pitchFamily="34" charset="0"/>
+                <a:cs typeface="Calibri Light" panose="020F0302020204030204" pitchFamily="34" charset="0"/>
+              </a:rPr>
+              <a:t>SRv6 with Timestamp and Forward Function</a:t>
+            </a:r>
+          </a:p>
+        </p:txBody>
+      </p:sp>
+      <p:sp>
+        <p:nvSpPr>
+          <p:cNvPr id="4" name="Footer Placeholder 3"/>
+          <p:cNvSpPr>
+            <a:spLocks noGrp="1"/>
+          </p:cNvSpPr>
+          <p:nvPr>
+            <p:ph type="ftr" sz="quarter" idx="11"/>
+          </p:nvPr>
+        </p:nvSpPr>
+        <p:spPr>
+          <a:xfrm>
+            <a:off x="3124200" y="4786312"/>
+            <a:ext cx="2895600" cy="357188"/>
+          </a:xfrm>
+        </p:spPr>
+        <p:txBody>
+          <a:bodyPr/>
+          <a:lstStyle/>
+          <a:p>
+            <a:pPr>
+              <a:defRPr/>
+            </a:pPr>
+            <a:r>
+              <a:rPr lang="en-US" altLang="zh-CN" dirty="0"/>
+              <a:t>107</a:t>
+            </a:r>
+            <a:r>
+              <a:rPr lang="en-US" altLang="zh-CN" baseline="30000" dirty="0"/>
+              <a:t>th</a:t>
+            </a:r>
+            <a:r>
+              <a:rPr lang="en-US" altLang="zh-CN" dirty="0"/>
+              <a:t> IETF @ Vancouver</a:t>
+            </a:r>
+          </a:p>
+        </p:txBody>
+      </p:sp>
+      <p:sp>
+        <p:nvSpPr>
+          <p:cNvPr id="5" name="Slide Number Placeholder 4"/>
+          <p:cNvSpPr>
+            <a:spLocks noGrp="1"/>
+          </p:cNvSpPr>
+          <p:nvPr>
+            <p:ph type="sldNum" sz="quarter" idx="12"/>
+          </p:nvPr>
+        </p:nvSpPr>
+        <p:spPr/>
+        <p:txBody>
+          <a:bodyPr/>
+          <a:lstStyle/>
+          <a:p>
+            <a:pPr>
+              <a:defRPr/>
+            </a:pPr>
+            <a:fld id="{BD6E0F59-1DD8-40FC-9C92-B6295CBA6CCA}" type="slidenum">
+              <a:rPr lang="en-US" altLang="zh-CN" smtClean="0"/>
+              <a:pPr>
+                <a:defRPr/>
+              </a:pPr>
+              <a:t>7</a:t>
+            </a:fld>
+            <a:endParaRPr lang="en-US" altLang="zh-CN"/>
+          </a:p>
+        </p:txBody>
+      </p:sp>
+      <p:sp>
+        <p:nvSpPr>
+          <p:cNvPr id="6" name="Rectangle 5">
+            <a:extLst>
+              <a:ext uri="{FF2B5EF4-FFF2-40B4-BE49-F238E27FC236}">
+                <a16:creationId xmlns:a16="http://schemas.microsoft.com/office/drawing/2014/main" id="{4C15A4CE-6545-5142-97A8-EDA8B07CB60B}"/>
+              </a:ext>
+            </a:extLst>
+          </p:cNvPr>
+          <p:cNvSpPr/>
+          <p:nvPr/>
+        </p:nvSpPr>
+        <p:spPr>
+          <a:xfrm>
+            <a:off x="262054" y="886522"/>
+            <a:ext cx="5410200" cy="3477875"/>
+          </a:xfrm>
+          <a:prstGeom prst="rect">
+            <a:avLst/>
+          </a:prstGeom>
+          <a:solidFill>
+            <a:schemeClr val="accent6">
+              <a:lumMod val="20000"/>
+              <a:lumOff val="80000"/>
+            </a:schemeClr>
+          </a:solidFill>
+        </p:spPr>
+        <p:txBody>
+          <a:bodyPr wrap="square">
+            <a:spAutoFit/>
+          </a:bodyPr>
+          <a:lstStyle/>
+          <a:p>
+            <a:r>
+              <a:rPr lang="en-CA" sz="1000" dirty="0">
+                <a:latin typeface="Courier" pitchFamily="2" charset="0"/>
+              </a:rPr>
+              <a:t>  +---------------------------------------------------------------+</a:t>
+            </a:r>
+          </a:p>
+          <a:p>
+            <a:r>
+              <a:rPr lang="en-CA" sz="1000" dirty="0">
+                <a:latin typeface="Courier" pitchFamily="2" charset="0"/>
+              </a:rPr>
+              <a:t>  |                       SRH                                     |</a:t>
+            </a:r>
+          </a:p>
+          <a:p>
+            <a:r>
+              <a:rPr lang="en-CA" sz="1000" dirty="0">
+                <a:latin typeface="Courier" pitchFamily="2" charset="0"/>
+              </a:rPr>
+              <a:t>  .                       &lt;Segment List&gt;                          .</a:t>
+            </a:r>
+          </a:p>
+          <a:p>
+            <a:r>
+              <a:rPr lang="en-CA" sz="1000" dirty="0">
+                <a:latin typeface="Courier" pitchFamily="2" charset="0"/>
+              </a:rPr>
+              <a:t>  .                       END.TSF with Target SID                 .</a:t>
+            </a:r>
+          </a:p>
+          <a:p>
+            <a:r>
+              <a:rPr lang="en-CA" sz="1000" dirty="0">
+                <a:latin typeface="Courier" pitchFamily="2" charset="0"/>
+              </a:rPr>
+              <a:t>  +---------------------------------------------------------------+</a:t>
+            </a:r>
+          </a:p>
+          <a:p>
+            <a:r>
+              <a:rPr lang="en-CA" sz="1000" dirty="0">
+                <a:latin typeface="Courier" pitchFamily="2" charset="0"/>
+              </a:rPr>
+              <a:t>  | IP Header                                                     |</a:t>
+            </a:r>
+          </a:p>
+          <a:p>
+            <a:r>
+              <a:rPr lang="en-CA" sz="1000" dirty="0">
+                <a:latin typeface="Courier" pitchFamily="2" charset="0"/>
+              </a:rPr>
+              <a:t>  .  Source IP Address = </a:t>
+            </a:r>
+            <a:r>
+              <a:rPr lang="en-CA" sz="1000" b="1" dirty="0">
+                <a:latin typeface="Courier" pitchFamily="2" charset="0"/>
+              </a:rPr>
+              <a:t>Endpoint</a:t>
+            </a:r>
+            <a:r>
+              <a:rPr lang="en-CA" sz="1000" dirty="0">
+                <a:latin typeface="Courier" pitchFamily="2" charset="0"/>
+              </a:rPr>
+              <a:t> IPv6 Address                    .</a:t>
+            </a:r>
+          </a:p>
+          <a:p>
+            <a:r>
+              <a:rPr lang="en-CA" sz="1000" dirty="0">
+                <a:latin typeface="Courier" pitchFamily="2" charset="0"/>
+              </a:rPr>
+              <a:t>  .  Destination IP Address = </a:t>
+            </a:r>
+            <a:r>
+              <a:rPr lang="en-CA" sz="1000" b="1" dirty="0">
+                <a:latin typeface="Courier" pitchFamily="2" charset="0"/>
+              </a:rPr>
+              <a:t>Sender</a:t>
+            </a:r>
+            <a:r>
+              <a:rPr lang="en-CA" sz="1000" dirty="0">
+                <a:latin typeface="Courier" pitchFamily="2" charset="0"/>
+              </a:rPr>
+              <a:t> IPv6 Address                 .</a:t>
+            </a:r>
+          </a:p>
+          <a:p>
+            <a:r>
+              <a:rPr lang="en-CA" sz="1000" dirty="0">
+                <a:latin typeface="Courier" pitchFamily="2" charset="0"/>
+              </a:rPr>
+              <a:t>  .  Protocol = UDP                                               .</a:t>
+            </a:r>
+          </a:p>
+          <a:p>
+            <a:r>
+              <a:rPr lang="en-CA" sz="1000" dirty="0">
+                <a:latin typeface="Courier" pitchFamily="2" charset="0"/>
+              </a:rPr>
+              <a:t>  .                                                               .</a:t>
+            </a:r>
+          </a:p>
+          <a:p>
+            <a:r>
+              <a:rPr lang="en-CA" sz="1000" dirty="0">
+                <a:latin typeface="Courier" pitchFamily="2" charset="0"/>
+              </a:rPr>
+              <a:t>  +---------------------------------------------------------------+</a:t>
+            </a:r>
+          </a:p>
+          <a:p>
+            <a:r>
+              <a:rPr lang="en-CA" sz="1000" dirty="0">
+                <a:latin typeface="Courier" pitchFamily="2" charset="0"/>
+              </a:rPr>
+              <a:t>  | UDP Header                                                    |</a:t>
+            </a:r>
+          </a:p>
+          <a:p>
+            <a:r>
+              <a:rPr lang="en-CA" sz="1000" dirty="0">
+                <a:latin typeface="Courier" pitchFamily="2" charset="0"/>
+              </a:rPr>
+              <a:t>  .  Source Port = As chosen by Sender                            .</a:t>
+            </a:r>
+          </a:p>
+          <a:p>
+            <a:r>
+              <a:rPr lang="en-CA" sz="1000" dirty="0">
+                <a:latin typeface="Courier" pitchFamily="2" charset="0"/>
+              </a:rPr>
+              <a:t>  .  Destination Port = User-configured Port                      .</a:t>
+            </a:r>
+          </a:p>
+          <a:p>
+            <a:r>
+              <a:rPr lang="en-CA" sz="1000" dirty="0">
+                <a:latin typeface="Courier" pitchFamily="2" charset="0"/>
+              </a:rPr>
+              <a:t>  .                                                               .</a:t>
+            </a:r>
+          </a:p>
+          <a:p>
+            <a:r>
+              <a:rPr lang="en-CA" sz="1000" dirty="0">
+                <a:latin typeface="Courier" pitchFamily="2" charset="0"/>
+              </a:rPr>
+              <a:t>  +-+-+-+-+-+-+-+-+-+-+-+-+-+-+-+-+-+-+-+-+-+-+-+-+-+-+-+-+-+-+-+-+</a:t>
+            </a:r>
+          </a:p>
+          <a:p>
+            <a:r>
+              <a:rPr lang="en-CA" sz="1000" dirty="0">
+                <a:latin typeface="Courier" pitchFamily="2" charset="0"/>
+              </a:rPr>
+              <a:t>  |  Payload as defined in Section 4.2.1 of RFC 5357              |</a:t>
+            </a:r>
+          </a:p>
+          <a:p>
+            <a:r>
+              <a:rPr lang="en-CA" sz="1000" dirty="0">
+                <a:latin typeface="Courier" pitchFamily="2" charset="0"/>
+              </a:rPr>
+              <a:t>  |  Payload as defined in Section 4.2 of STAMP                   |</a:t>
+            </a:r>
+          </a:p>
+          <a:p>
+            <a:r>
+              <a:rPr lang="en-CA" sz="1000" dirty="0">
+                <a:latin typeface="Courier" pitchFamily="2" charset="0"/>
+              </a:rPr>
+              <a:t>  .                                                               .</a:t>
+            </a:r>
+          </a:p>
+          <a:p>
+            <a:r>
+              <a:rPr lang="en-CA" sz="1000" dirty="0">
+                <a:latin typeface="Courier" pitchFamily="2" charset="0"/>
+              </a:rPr>
+              <a:t>  +---------------------------------------------------------------+</a:t>
+            </a:r>
+          </a:p>
+          <a:p>
+            <a:r>
+              <a:rPr lang="en-CA" sz="1000" dirty="0">
+                <a:latin typeface="Courier" pitchFamily="2" charset="0"/>
+              </a:rPr>
+              <a:t> </a:t>
+            </a:r>
+          </a:p>
+          <a:p>
+            <a:r>
+              <a:rPr lang="en-CA" sz="1000" dirty="0">
+                <a:latin typeface="Courier" pitchFamily="2" charset="0"/>
+              </a:rPr>
+              <a:t>  Figure 6: Probe Message Header for SRv6 with Endpoint Function</a:t>
+            </a:r>
+            <a:endParaRPr lang="en-US" sz="1000" dirty="0">
+              <a:latin typeface="Courier" pitchFamily="2" charset="0"/>
+            </a:endParaRPr>
+          </a:p>
+        </p:txBody>
+      </p:sp>
+      <p:sp>
+        <p:nvSpPr>
+          <p:cNvPr id="8" name="Content Placeholder 7">
+            <a:extLst>
+              <a:ext uri="{FF2B5EF4-FFF2-40B4-BE49-F238E27FC236}">
+                <a16:creationId xmlns:a16="http://schemas.microsoft.com/office/drawing/2014/main" id="{FC6E1890-536D-9D49-8207-C42BBF301FF3}"/>
+              </a:ext>
+            </a:extLst>
+          </p:cNvPr>
+          <p:cNvSpPr>
+            <a:spLocks noGrp="1"/>
+          </p:cNvSpPr>
+          <p:nvPr>
+            <p:ph idx="1"/>
+          </p:nvPr>
+        </p:nvSpPr>
+        <p:spPr>
+          <a:xfrm>
+            <a:off x="5802351" y="1031647"/>
+            <a:ext cx="3048000" cy="3477875"/>
+          </a:xfrm>
+        </p:spPr>
+        <p:txBody>
+          <a:bodyPr/>
+          <a:lstStyle/>
+          <a:p>
+            <a:r>
+              <a:rPr lang="en-US" sz="1600" dirty="0"/>
+              <a:t>Endpoint Function END.TSF is defined for Timestamp and Forward</a:t>
+            </a:r>
+          </a:p>
+          <a:p>
+            <a:endParaRPr lang="en-US" sz="1600" dirty="0"/>
+          </a:p>
+        </p:txBody>
+      </p:sp>
+    </p:spTree>
+    <p:extLst>
+      <p:ext uri="{BB962C8B-B14F-4D97-AF65-F5344CB8AC3E}">
+        <p14:creationId xmlns:p14="http://schemas.microsoft.com/office/powerpoint/2010/main" val="2794794225"/>
+      </p:ext>
+    </p:extLst>
+  </p:cSld>
+  <p:clrMapOvr>
+    <a:masterClrMapping/>
+  </p:clrMapOvr>
+</p:sld>
+</file>
+
+<file path=ppt/slides/slide8.xml><?xml version="1.0" encoding="utf-8"?>
+<p:sld xmlns:a="http://schemas.openxmlformats.org/drawingml/2006/main" xmlns:r="http://schemas.openxmlformats.org/officeDocument/2006/relationships" xmlns:p="http://schemas.openxmlformats.org/presentationml/2006/main">
+  <p:cSld>
+    <p:spTree>
+      <p:nvGrpSpPr>
+        <p:cNvPr id="1" name=""/>
+        <p:cNvGrpSpPr/>
+        <p:nvPr/>
+      </p:nvGrpSpPr>
+      <p:grpSpPr>
+        <a:xfrm>
+          <a:off x="0" y="0"/>
+          <a:ext cx="0" cy="0"/>
+          <a:chOff x="0" y="0"/>
+          <a:chExt cx="0" cy="0"/>
+        </a:xfrm>
+      </p:grpSpPr>
+      <p:sp>
+        <p:nvSpPr>
+          <p:cNvPr id="2" name="Title 1"/>
+          <p:cNvSpPr>
+            <a:spLocks noGrp="1"/>
+          </p:cNvSpPr>
+          <p:nvPr>
+            <p:ph type="title"/>
+          </p:nvPr>
+        </p:nvSpPr>
+        <p:spPr>
+          <a:xfrm>
+            <a:off x="457200" y="0"/>
+            <a:ext cx="8229600" cy="857250"/>
+          </a:xfrm>
+        </p:spPr>
+        <p:txBody>
+          <a:bodyPr/>
+          <a:lstStyle/>
+          <a:p>
+            <a:r>
+              <a:rPr lang="en-US" sz="3600" dirty="0">
+                <a:solidFill>
+                  <a:srgbClr val="0070C0"/>
+                </a:solidFill>
+                <a:latin typeface="Calibri Light" panose="020F0302020204030204" pitchFamily="34" charset="0"/>
+                <a:cs typeface="Calibri Light" panose="020F0302020204030204" pitchFamily="34" charset="0"/>
+              </a:rPr>
+              <a:t>ECMP Support for SR Policy</a:t>
+            </a:r>
+          </a:p>
+        </p:txBody>
+      </p:sp>
+      <p:sp>
+        <p:nvSpPr>
+          <p:cNvPr id="3" name="Content Placeholder 2"/>
+          <p:cNvSpPr>
+            <a:spLocks noGrp="1"/>
+          </p:cNvSpPr>
+          <p:nvPr>
+            <p:ph idx="1"/>
+          </p:nvPr>
+        </p:nvSpPr>
+        <p:spPr>
+          <a:xfrm>
+            <a:off x="419100" y="912201"/>
+            <a:ext cx="8305800" cy="3259750"/>
+          </a:xfrm>
+        </p:spPr>
+        <p:txBody>
+          <a:bodyPr/>
+          <a:lstStyle/>
+          <a:p>
+            <a:pPr>
+              <a:lnSpc>
+                <a:spcPts val="2280"/>
+              </a:lnSpc>
+              <a:spcBef>
+                <a:spcPts val="0"/>
+              </a:spcBef>
+            </a:pPr>
+            <a:r>
+              <a:rPr lang="en-US" sz="1800" dirty="0"/>
+              <a:t>SR Policy can have ECMP between the ingress and transit nodes, between transit nodes and between transit and egress nodes.</a:t>
+            </a:r>
+          </a:p>
+          <a:p>
+            <a:pPr>
+              <a:lnSpc>
+                <a:spcPts val="2280"/>
+              </a:lnSpc>
+              <a:spcBef>
+                <a:spcPts val="0"/>
+              </a:spcBef>
+            </a:pPr>
+            <a:r>
+              <a:rPr lang="en-US" sz="1800" dirty="0"/>
+              <a:t>Sending PM probe queries that can take advantage of the hashing function in forwarding plane.</a:t>
+            </a:r>
+          </a:p>
+          <a:p>
+            <a:pPr>
+              <a:lnSpc>
+                <a:spcPts val="2280"/>
+              </a:lnSpc>
+              <a:spcBef>
+                <a:spcPts val="0"/>
+              </a:spcBef>
+            </a:pPr>
+            <a:r>
+              <a:rPr lang="en-US" sz="1800" dirty="0"/>
+              <a:t>Existing forwarding mechanisms are applicable to PM probe messages:</a:t>
+            </a:r>
+          </a:p>
+          <a:p>
+            <a:pPr lvl="1">
+              <a:lnSpc>
+                <a:spcPts val="2280"/>
+              </a:lnSpc>
+              <a:spcBef>
+                <a:spcPts val="0"/>
+              </a:spcBef>
+            </a:pPr>
+            <a:r>
+              <a:rPr lang="en-US" sz="1800" dirty="0"/>
+              <a:t>For IPv4 and IPv6</a:t>
+            </a:r>
+          </a:p>
+          <a:p>
+            <a:pPr lvl="2">
+              <a:lnSpc>
+                <a:spcPts val="2280"/>
+              </a:lnSpc>
+              <a:spcBef>
+                <a:spcPts val="0"/>
+              </a:spcBef>
+            </a:pPr>
+            <a:r>
+              <a:rPr lang="en-US" sz="1800" dirty="0"/>
+              <a:t>Destination addresses in IP header (e.g. 127/8 for IPv4 and FFFF:7F00/104 for IPv6)</a:t>
+            </a:r>
+          </a:p>
+          <a:p>
+            <a:pPr lvl="2">
+              <a:lnSpc>
+                <a:spcPts val="2280"/>
+              </a:lnSpc>
+              <a:spcBef>
+                <a:spcPts val="0"/>
+              </a:spcBef>
+            </a:pPr>
+            <a:r>
+              <a:rPr lang="en-US" sz="1800" dirty="0"/>
+              <a:t>Flow label in IPv6 header</a:t>
+            </a:r>
+          </a:p>
+          <a:p>
+            <a:pPr lvl="1">
+              <a:lnSpc>
+                <a:spcPts val="2280"/>
+              </a:lnSpc>
+              <a:spcBef>
+                <a:spcPts val="0"/>
+              </a:spcBef>
+            </a:pPr>
+            <a:r>
+              <a:rPr lang="en-US" sz="1800" b="1" dirty="0"/>
+              <a:t>Used only when return path is also SR</a:t>
+            </a:r>
+          </a:p>
+        </p:txBody>
+      </p:sp>
+      <p:sp>
+        <p:nvSpPr>
+          <p:cNvPr id="4" name="Footer Placeholder 3"/>
+          <p:cNvSpPr>
+            <a:spLocks noGrp="1"/>
+          </p:cNvSpPr>
+          <p:nvPr>
+            <p:ph type="ftr" sz="quarter" idx="11"/>
+          </p:nvPr>
+        </p:nvSpPr>
+        <p:spPr>
+          <a:xfrm>
+            <a:off x="3124200" y="4781550"/>
+            <a:ext cx="2895600" cy="357188"/>
+          </a:xfrm>
+        </p:spPr>
+        <p:txBody>
+          <a:bodyPr/>
+          <a:lstStyle/>
+          <a:p>
+            <a:pPr>
+              <a:defRPr/>
+            </a:pPr>
+            <a:r>
+              <a:rPr lang="en-US" altLang="zh-CN" dirty="0"/>
+              <a:t>107</a:t>
+            </a:r>
+            <a:r>
+              <a:rPr lang="en-US" altLang="zh-CN" baseline="30000" dirty="0"/>
+              <a:t>th</a:t>
+            </a:r>
+            <a:r>
+              <a:rPr lang="en-US" altLang="zh-CN" dirty="0"/>
+              <a:t> IETF @ Vancouver</a:t>
+            </a:r>
+          </a:p>
+        </p:txBody>
+      </p:sp>
+      <p:sp>
+        <p:nvSpPr>
+          <p:cNvPr id="5" name="Slide Number Placeholder 4"/>
+          <p:cNvSpPr>
+            <a:spLocks noGrp="1"/>
+          </p:cNvSpPr>
+          <p:nvPr>
+            <p:ph type="sldNum" sz="quarter" idx="12"/>
+          </p:nvPr>
+        </p:nvSpPr>
+        <p:spPr/>
+        <p:txBody>
+          <a:bodyPr/>
+          <a:lstStyle/>
+          <a:p>
+            <a:pPr>
+              <a:defRPr/>
+            </a:pPr>
+            <a:fld id="{BD6E0F59-1DD8-40FC-9C92-B6295CBA6CCA}" type="slidenum">
+              <a:rPr lang="en-US" altLang="zh-CN" smtClean="0"/>
+              <a:pPr>
+                <a:defRPr/>
+              </a:pPr>
               <a:t>8</a:t>
             </a:fld>
             <a:endParaRPr lang="en-US" altLang="zh-CN"/>
@@ -8942,7 +8687,7 @@
     </p:spTree>
     <p:extLst>
       <p:ext uri="{BB962C8B-B14F-4D97-AF65-F5344CB8AC3E}">
-        <p14:creationId xmlns:p14="http://schemas.microsoft.com/office/powerpoint/2010/main" val="15840811"/>
+        <p14:creationId xmlns:p14="http://schemas.microsoft.com/office/powerpoint/2010/main" val="3637512675"/>
       </p:ext>
     </p:extLst>
   </p:cSld>
@@ -8971,7 +8716,88 @@
       </p:grpSpPr>
       <p:sp>
         <p:nvSpPr>
-          <p:cNvPr id="6" name="Footer Placeholder 3"/>
+          <p:cNvPr id="2" name="Title 1"/>
+          <p:cNvSpPr>
+            <a:spLocks noGrp="1"/>
+          </p:cNvSpPr>
+          <p:nvPr>
+            <p:ph type="title"/>
+          </p:nvPr>
+        </p:nvSpPr>
+        <p:spPr>
+          <a:xfrm>
+            <a:off x="457200" y="0"/>
+            <a:ext cx="8229600" cy="857250"/>
+          </a:xfrm>
+        </p:spPr>
+        <p:txBody>
+          <a:bodyPr/>
+          <a:lstStyle/>
+          <a:p>
+            <a:r>
+              <a:rPr lang="en-US" sz="3600" dirty="0">
+                <a:solidFill>
+                  <a:srgbClr val="0070C0"/>
+                </a:solidFill>
+                <a:latin typeface="Calibri Light" panose="020F0302020204030204" pitchFamily="34" charset="0"/>
+                <a:cs typeface="Calibri Light" panose="020F0302020204030204" pitchFamily="34" charset="0"/>
+              </a:rPr>
+              <a:t>Next Steps</a:t>
+            </a:r>
+          </a:p>
+        </p:txBody>
+      </p:sp>
+      <p:sp>
+        <p:nvSpPr>
+          <p:cNvPr id="3" name="Content Placeholder 2"/>
+          <p:cNvSpPr>
+            <a:spLocks noGrp="1"/>
+          </p:cNvSpPr>
+          <p:nvPr>
+            <p:ph idx="1"/>
+          </p:nvPr>
+        </p:nvSpPr>
+        <p:spPr>
+          <a:xfrm>
+            <a:off x="685800" y="1123950"/>
+            <a:ext cx="8001000" cy="2514599"/>
+          </a:xfrm>
+        </p:spPr>
+        <p:txBody>
+          <a:bodyPr/>
+          <a:lstStyle/>
+          <a:p>
+            <a:pPr lvl="0"/>
+            <a:r>
+              <a:rPr lang="en-US" sz="2400" dirty="0">
+                <a:latin typeface="Calibri" charset="0"/>
+                <a:ea typeface="Calibri" charset="0"/>
+                <a:cs typeface="Calibri" charset="0"/>
+              </a:rPr>
+              <a:t>Welcome your comments and suggestions</a:t>
+            </a:r>
+          </a:p>
+          <a:p>
+            <a:r>
+              <a:rPr lang="en-US" sz="2400" dirty="0"/>
+              <a:t>Implementation exists</a:t>
+            </a:r>
+          </a:p>
+          <a:p>
+            <a:r>
+              <a:rPr lang="en-US" sz="2400" dirty="0">
+                <a:latin typeface="Calibri" charset="0"/>
+                <a:ea typeface="Calibri" charset="0"/>
+                <a:cs typeface="Calibri" charset="0"/>
+              </a:rPr>
+              <a:t>Requesting WG adoption</a:t>
+            </a:r>
+          </a:p>
+        </p:txBody>
+      </p:sp>
+      <p:sp>
+        <p:nvSpPr>
+          <p:cNvPr id="4" name="Footer Placeholder 3"/>
           <p:cNvSpPr>
             <a:spLocks noGrp="1"/>
           </p:cNvSpPr>
@@ -9009,7 +8835,7 @@
       </p:sp>
       <p:sp>
         <p:nvSpPr>
-          <p:cNvPr id="3" name="Slide Number Placeholder 2"/>
+          <p:cNvPr id="5" name="Slide Number Placeholder 4"/>
           <p:cNvSpPr>
             <a:spLocks noGrp="1"/>
           </p:cNvSpPr>
@@ -9025,7 +8851,7 @@
             <a:pPr>
               <a:defRPr/>
             </a:pPr>
-            <a:fld id="{D5EE1D1A-EEC2-4D53-94A7-85D62C853479}" type="slidenum">
+            <a:fld id="{BD6E0F59-1DD8-40FC-9C92-B6295CBA6CCA}" type="slidenum">
               <a:rPr lang="en-US" altLang="zh-CN" smtClean="0"/>
               <a:pPr>
                 <a:defRPr/>
@@ -9036,38 +8862,10 @@
           </a:p>
         </p:txBody>
       </p:sp>
-      <p:sp>
-        <p:nvSpPr>
-          <p:cNvPr id="8" name="Title 7">
-            <a:extLst>
-              <a:ext uri="{FF2B5EF4-FFF2-40B4-BE49-F238E27FC236}">
-                <a16:creationId xmlns:a16="http://schemas.microsoft.com/office/drawing/2014/main" id="{EAE0D9DC-8575-A84F-A04B-3BD8C30794A3}"/>
-              </a:ext>
-            </a:extLst>
-          </p:cNvPr>
-          <p:cNvSpPr>
-            <a:spLocks noGrp="1"/>
-          </p:cNvSpPr>
-          <p:nvPr>
-            <p:ph type="ctrTitle"/>
-          </p:nvPr>
-        </p:nvSpPr>
-        <p:spPr/>
-        <p:txBody>
-          <a:bodyPr/>
-          <a:lstStyle/>
-          <a:p>
-            <a:r>
-              <a:rPr lang="en-US" dirty="0"/>
-              <a:t>Backup</a:t>
-            </a:r>
-          </a:p>
-        </p:txBody>
-      </p:sp>
     </p:spTree>
     <p:extLst>
       <p:ext uri="{BB962C8B-B14F-4D97-AF65-F5344CB8AC3E}">
-        <p14:creationId xmlns:p14="http://schemas.microsoft.com/office/powerpoint/2010/main" val="1607707434"/>
+        <p14:creationId xmlns:p14="http://schemas.microsoft.com/office/powerpoint/2010/main" val="2309160477"/>
       </p:ext>
     </p:extLst>
   </p:cSld>

--- a/draft-gandhi-spring-sr-enhanced-plm-00.pptx
+++ b/draft-gandhi-spring-sr-enhanced-plm-00.pptx
@@ -5,10 +5,10 @@
     <p:sldMasterId id="2147483648" r:id="rId1"/>
   </p:sldMasterIdLst>
   <p:notesMasterIdLst>
-    <p:notesMasterId r:id="rId15"/>
+    <p:notesMasterId r:id="rId16"/>
   </p:notesMasterIdLst>
   <p:handoutMasterIdLst>
-    <p:handoutMasterId r:id="rId16"/>
+    <p:handoutMasterId r:id="rId17"/>
   </p:handoutMasterIdLst>
   <p:sldIdLst>
     <p:sldId id="256" r:id="rId2"/>
@@ -18,12 +18,13 @@
     <p:sldId id="1659" r:id="rId6"/>
     <p:sldId id="1660" r:id="rId7"/>
     <p:sldId id="1661" r:id="rId8"/>
-    <p:sldId id="1658" r:id="rId9"/>
-    <p:sldId id="318" r:id="rId10"/>
-    <p:sldId id="303" r:id="rId11"/>
-    <p:sldId id="1655" r:id="rId12"/>
-    <p:sldId id="1652" r:id="rId13"/>
-    <p:sldId id="1654" r:id="rId14"/>
+    <p:sldId id="1662" r:id="rId9"/>
+    <p:sldId id="1658" r:id="rId10"/>
+    <p:sldId id="318" r:id="rId11"/>
+    <p:sldId id="303" r:id="rId12"/>
+    <p:sldId id="1655" r:id="rId13"/>
+    <p:sldId id="1652" r:id="rId14"/>
+    <p:sldId id="1654" r:id="rId15"/>
   </p:sldIdLst>
   <p:sldSz cx="9144000" cy="5143500" type="screen16x9"/>
   <p:notesSz cx="6858000" cy="9144000"/>
@@ -256,7 +257,7 @@
           <a:p>
             <a:fld id="{E8FA3DB5-7722-3F4F-947D-12B203669AD7}" type="datetimeFigureOut">
               <a:rPr lang="en-US" smtClean="0"/>
-              <a:t>3/9/20</a:t>
+              <a:t>3/10/20</a:t>
             </a:fld>
             <a:endParaRPr lang="en-US"/>
           </a:p>
@@ -917,7 +918,7 @@
           <a:bodyPr/>
           <a:lstStyle/>
           <a:p>
-            <a:endParaRPr lang="en-US" dirty="0"/>
+            <a:endParaRPr lang="en-CA" dirty="0"/>
           </a:p>
         </p:txBody>
       </p:sp>
@@ -953,7 +954,7 @@
     </p:spTree>
     <p:extLst>
       <p:ext uri="{BB962C8B-B14F-4D97-AF65-F5344CB8AC3E}">
-        <p14:creationId xmlns:p14="http://schemas.microsoft.com/office/powerpoint/2010/main" val="383772479"/>
+        <p14:creationId xmlns:p14="http://schemas.microsoft.com/office/powerpoint/2010/main" val="1422079827"/>
       </p:ext>
     </p:extLst>
   </p:cSld>
@@ -1007,7 +1008,7 @@
           <a:bodyPr/>
           <a:lstStyle/>
           <a:p>
-            <a:endParaRPr lang="en-CA" dirty="0"/>
+            <a:endParaRPr lang="en-US" dirty="0"/>
           </a:p>
         </p:txBody>
       </p:sp>
@@ -1043,7 +1044,7 @@
     </p:spTree>
     <p:extLst>
       <p:ext uri="{BB962C8B-B14F-4D97-AF65-F5344CB8AC3E}">
-        <p14:creationId xmlns:p14="http://schemas.microsoft.com/office/powerpoint/2010/main" val="127127535"/>
+        <p14:creationId xmlns:p14="http://schemas.microsoft.com/office/powerpoint/2010/main" val="383772479"/>
       </p:ext>
     </p:extLst>
   </p:cSld>
@@ -1097,7 +1098,7 @@
           <a:bodyPr/>
           <a:lstStyle/>
           <a:p>
-            <a:endParaRPr lang="en-US" dirty="0"/>
+            <a:endParaRPr lang="en-CA" dirty="0"/>
           </a:p>
         </p:txBody>
       </p:sp>
@@ -1124,7 +1125,97 @@
               <a:pPr>
                 <a:defRPr/>
               </a:pPr>
-              <a:t>13</a:t>
+              <a:t>12</a:t>
+            </a:fld>
+            <a:endParaRPr lang="en-US" altLang="zh-CN"/>
+          </a:p>
+        </p:txBody>
+      </p:sp>
+    </p:spTree>
+    <p:extLst>
+      <p:ext uri="{BB962C8B-B14F-4D97-AF65-F5344CB8AC3E}">
+        <p14:creationId xmlns:p14="http://schemas.microsoft.com/office/powerpoint/2010/main" val="127127535"/>
+      </p:ext>
+    </p:extLst>
+  </p:cSld>
+  <p:clrMapOvr>
+    <a:masterClrMapping/>
+  </p:clrMapOvr>
+</p:notes>
+</file>
+
+<file path=ppt/notesSlides/notesSlide13.xml><?xml version="1.0" encoding="utf-8"?>
+<p:notes xmlns:a="http://schemas.openxmlformats.org/drawingml/2006/main" xmlns:r="http://schemas.openxmlformats.org/officeDocument/2006/relationships" xmlns:p="http://schemas.openxmlformats.org/presentationml/2006/main">
+  <p:cSld>
+    <p:spTree>
+      <p:nvGrpSpPr>
+        <p:cNvPr id="1" name=""/>
+        <p:cNvGrpSpPr/>
+        <p:nvPr/>
+      </p:nvGrpSpPr>
+      <p:grpSpPr>
+        <a:xfrm>
+          <a:off x="0" y="0"/>
+          <a:ext cx="0" cy="0"/>
+          <a:chOff x="0" y="0"/>
+          <a:chExt cx="0" cy="0"/>
+        </a:xfrm>
+      </p:grpSpPr>
+      <p:sp>
+        <p:nvSpPr>
+          <p:cNvPr id="2" name="Slide Image Placeholder 1"/>
+          <p:cNvSpPr>
+            <a:spLocks noGrp="1" noRot="1" noChangeAspect="1"/>
+          </p:cNvSpPr>
+          <p:nvPr>
+            <p:ph type="sldImg"/>
+          </p:nvPr>
+        </p:nvSpPr>
+        <p:spPr/>
+      </p:sp>
+      <p:sp>
+        <p:nvSpPr>
+          <p:cNvPr id="3" name="Notes Placeholder 2"/>
+          <p:cNvSpPr>
+            <a:spLocks noGrp="1"/>
+          </p:cNvSpPr>
+          <p:nvPr>
+            <p:ph type="body" idx="1"/>
+          </p:nvPr>
+        </p:nvSpPr>
+        <p:spPr/>
+        <p:txBody>
+          <a:bodyPr/>
+          <a:lstStyle/>
+          <a:p>
+            <a:endParaRPr lang="en-US" dirty="0"/>
+          </a:p>
+        </p:txBody>
+      </p:sp>
+      <p:sp>
+        <p:nvSpPr>
+          <p:cNvPr id="4" name="Slide Number Placeholder 3"/>
+          <p:cNvSpPr>
+            <a:spLocks noGrp="1"/>
+          </p:cNvSpPr>
+          <p:nvPr>
+            <p:ph type="sldNum" sz="quarter" idx="10"/>
+          </p:nvPr>
+        </p:nvSpPr>
+        <p:spPr/>
+        <p:txBody>
+          <a:bodyPr/>
+          <a:lstStyle/>
+          <a:p>
+            <a:pPr>
+              <a:defRPr/>
+            </a:pPr>
+            <a:fld id="{100938BD-FD70-4535-B0C2-13FC38CDF1BE}" type="slidenum">
+              <a:rPr lang="en-US" altLang="zh-CN" smtClean="0"/>
+              <a:pPr>
+                <a:defRPr/>
+              </a:pPr>
+              <a:t>14</a:t>
             </a:fld>
             <a:endParaRPr lang="en-US" altLang="zh-CN"/>
           </a:p>
@@ -1727,7 +1818,7 @@
           <a:bodyPr/>
           <a:lstStyle/>
           <a:p>
-            <a:endParaRPr lang="en-US" dirty="0"/>
+            <a:endParaRPr lang="en-CA" dirty="0"/>
           </a:p>
         </p:txBody>
       </p:sp>
@@ -1763,7 +1854,7 @@
     </p:spTree>
     <p:extLst>
       <p:ext uri="{BB962C8B-B14F-4D97-AF65-F5344CB8AC3E}">
-        <p14:creationId xmlns:p14="http://schemas.microsoft.com/office/powerpoint/2010/main" val="939525286"/>
+        <p14:creationId xmlns:p14="http://schemas.microsoft.com/office/powerpoint/2010/main" val="3363797125"/>
       </p:ext>
     </p:extLst>
   </p:cSld>
@@ -1817,7 +1908,7 @@
           <a:bodyPr/>
           <a:lstStyle/>
           <a:p>
-            <a:endParaRPr lang="en-CA" dirty="0"/>
+            <a:endParaRPr lang="en-US" dirty="0"/>
           </a:p>
         </p:txBody>
       </p:sp>
@@ -1853,7 +1944,7 @@
     </p:spTree>
     <p:extLst>
       <p:ext uri="{BB962C8B-B14F-4D97-AF65-F5344CB8AC3E}">
-        <p14:creationId xmlns:p14="http://schemas.microsoft.com/office/powerpoint/2010/main" val="1422079827"/>
+        <p14:creationId xmlns:p14="http://schemas.microsoft.com/office/powerpoint/2010/main" val="939525286"/>
       </p:ext>
     </p:extLst>
   </p:cSld>
@@ -5439,6 +5530,184 @@
       </p:grpSpPr>
       <p:sp>
         <p:nvSpPr>
+          <p:cNvPr id="2" name="Title 1"/>
+          <p:cNvSpPr>
+            <a:spLocks noGrp="1"/>
+          </p:cNvSpPr>
+          <p:nvPr>
+            <p:ph type="title"/>
+          </p:nvPr>
+        </p:nvSpPr>
+        <p:spPr>
+          <a:xfrm>
+            <a:off x="457200" y="0"/>
+            <a:ext cx="8229600" cy="857250"/>
+          </a:xfrm>
+        </p:spPr>
+        <p:txBody>
+          <a:bodyPr/>
+          <a:lstStyle/>
+          <a:p>
+            <a:r>
+              <a:rPr lang="en-US" sz="3600" dirty="0">
+                <a:solidFill>
+                  <a:srgbClr val="0070C0"/>
+                </a:solidFill>
+                <a:latin typeface="Calibri Light" panose="020F0302020204030204" pitchFamily="34" charset="0"/>
+                <a:cs typeface="Calibri Light" panose="020F0302020204030204" pitchFamily="34" charset="0"/>
+              </a:rPr>
+              <a:t>Next Steps</a:t>
+            </a:r>
+          </a:p>
+        </p:txBody>
+      </p:sp>
+      <p:sp>
+        <p:nvSpPr>
+          <p:cNvPr id="3" name="Content Placeholder 2"/>
+          <p:cNvSpPr>
+            <a:spLocks noGrp="1"/>
+          </p:cNvSpPr>
+          <p:nvPr>
+            <p:ph idx="1"/>
+          </p:nvPr>
+        </p:nvSpPr>
+        <p:spPr>
+          <a:xfrm>
+            <a:off x="685800" y="1123950"/>
+            <a:ext cx="8001000" cy="2514599"/>
+          </a:xfrm>
+        </p:spPr>
+        <p:txBody>
+          <a:bodyPr/>
+          <a:lstStyle/>
+          <a:p>
+            <a:pPr lvl="0"/>
+            <a:r>
+              <a:rPr lang="en-US" sz="2400" dirty="0">
+                <a:latin typeface="Calibri" charset="0"/>
+                <a:ea typeface="Calibri" charset="0"/>
+                <a:cs typeface="Calibri" charset="0"/>
+              </a:rPr>
+              <a:t>Welcome your comments and suggestions</a:t>
+            </a:r>
+          </a:p>
+          <a:p>
+            <a:r>
+              <a:rPr lang="en-US" sz="2400" dirty="0"/>
+              <a:t>Implementation exists</a:t>
+            </a:r>
+          </a:p>
+          <a:p>
+            <a:r>
+              <a:rPr lang="en-US" sz="2400" dirty="0">
+                <a:latin typeface="Calibri" charset="0"/>
+                <a:ea typeface="Calibri" charset="0"/>
+                <a:cs typeface="Calibri" charset="0"/>
+              </a:rPr>
+              <a:t>Requesting WG adoption</a:t>
+            </a:r>
+          </a:p>
+        </p:txBody>
+      </p:sp>
+      <p:sp>
+        <p:nvSpPr>
+          <p:cNvPr id="4" name="Footer Placeholder 3"/>
+          <p:cNvSpPr>
+            <a:spLocks noGrp="1"/>
+          </p:cNvSpPr>
+          <p:nvPr>
+            <p:ph type="ftr" sz="quarter" idx="11"/>
+          </p:nvPr>
+        </p:nvSpPr>
+        <p:spPr>
+          <a:xfrm>
+            <a:off x="3124200" y="4786312"/>
+            <a:ext cx="2895600" cy="357188"/>
+          </a:xfrm>
+        </p:spPr>
+        <p:txBody>
+          <a:bodyPr/>
+          <a:lstStyle/>
+          <a:p>
+            <a:pPr>
+              <a:defRPr/>
+            </a:pPr>
+            <a:r>
+              <a:rPr lang="en-US" altLang="zh-CN" dirty="0"/>
+              <a:t>107</a:t>
+            </a:r>
+            <a:r>
+              <a:rPr lang="en-US" altLang="zh-CN" baseline="30000" dirty="0"/>
+              <a:t>th</a:t>
+            </a:r>
+            <a:r>
+              <a:rPr lang="en-US" altLang="zh-CN" dirty="0"/>
+              <a:t> IETF @ Vancouver</a:t>
+            </a:r>
+          </a:p>
+        </p:txBody>
+      </p:sp>
+      <p:sp>
+        <p:nvSpPr>
+          <p:cNvPr id="5" name="Slide Number Placeholder 4"/>
+          <p:cNvSpPr>
+            <a:spLocks noGrp="1"/>
+          </p:cNvSpPr>
+          <p:nvPr>
+            <p:ph type="sldNum" sz="quarter" idx="12"/>
+          </p:nvPr>
+        </p:nvSpPr>
+        <p:spPr/>
+        <p:txBody>
+          <a:bodyPr/>
+          <a:lstStyle/>
+          <a:p>
+            <a:pPr>
+              <a:defRPr/>
+            </a:pPr>
+            <a:fld id="{BD6E0F59-1DD8-40FC-9C92-B6295CBA6CCA}" type="slidenum">
+              <a:rPr lang="en-US" altLang="zh-CN" smtClean="0"/>
+              <a:pPr>
+                <a:defRPr/>
+              </a:pPr>
+              <a:t>10</a:t>
+            </a:fld>
+            <a:endParaRPr lang="en-US" altLang="zh-CN"/>
+          </a:p>
+        </p:txBody>
+      </p:sp>
+    </p:spTree>
+    <p:extLst>
+      <p:ext uri="{BB962C8B-B14F-4D97-AF65-F5344CB8AC3E}">
+        <p14:creationId xmlns:p14="http://schemas.microsoft.com/office/powerpoint/2010/main" val="2309160477"/>
+      </p:ext>
+    </p:extLst>
+  </p:cSld>
+  <p:clrMapOvr>
+    <a:masterClrMapping/>
+  </p:clrMapOvr>
+</p:sld>
+</file>
+
+<file path=ppt/slides/slide11.xml><?xml version="1.0" encoding="utf-8"?>
+<p:sld xmlns:a="http://schemas.openxmlformats.org/drawingml/2006/main" xmlns:r="http://schemas.openxmlformats.org/officeDocument/2006/relationships" xmlns:p="http://schemas.openxmlformats.org/presentationml/2006/main">
+  <p:cSld>
+    <p:spTree>
+      <p:nvGrpSpPr>
+        <p:cNvPr id="1" name=""/>
+        <p:cNvGrpSpPr/>
+        <p:nvPr/>
+      </p:nvGrpSpPr>
+      <p:grpSpPr>
+        <a:xfrm>
+          <a:off x="0" y="0"/>
+          <a:ext cx="0" cy="0"/>
+          <a:chOff x="0" y="0"/>
+          <a:chExt cx="0" cy="0"/>
+        </a:xfrm>
+      </p:grpSpPr>
+      <p:sp>
+        <p:nvSpPr>
           <p:cNvPr id="4" name="Footer Placeholder 3"/>
           <p:cNvSpPr>
             <a:spLocks noGrp="1"/>
@@ -5687,7 +5956,7 @@
               <a:pPr>
                 <a:defRPr/>
               </a:pPr>
-              <a:t>10</a:t>
+              <a:t>11</a:t>
             </a:fld>
             <a:endParaRPr lang="en-US" altLang="zh-CN"/>
           </a:p>
@@ -5697,131 +5966,6 @@
     <p:extLst>
       <p:ext uri="{BB962C8B-B14F-4D97-AF65-F5344CB8AC3E}">
         <p14:creationId xmlns:p14="http://schemas.microsoft.com/office/powerpoint/2010/main" val="15840811"/>
-      </p:ext>
-    </p:extLst>
-  </p:cSld>
-  <p:clrMapOvr>
-    <a:masterClrMapping/>
-  </p:clrMapOvr>
-</p:sld>
-</file>
-
-<file path=ppt/slides/slide11.xml><?xml version="1.0" encoding="utf-8"?>
-<p:sld xmlns:a="http://schemas.openxmlformats.org/drawingml/2006/main" xmlns:r="http://schemas.openxmlformats.org/officeDocument/2006/relationships" xmlns:p="http://schemas.openxmlformats.org/presentationml/2006/main">
-  <p:cSld>
-    <p:spTree>
-      <p:nvGrpSpPr>
-        <p:cNvPr id="1" name=""/>
-        <p:cNvGrpSpPr/>
-        <p:nvPr/>
-      </p:nvGrpSpPr>
-      <p:grpSpPr>
-        <a:xfrm>
-          <a:off x="0" y="0"/>
-          <a:ext cx="0" cy="0"/>
-          <a:chOff x="0" y="0"/>
-          <a:chExt cx="0" cy="0"/>
-        </a:xfrm>
-      </p:grpSpPr>
-      <p:sp>
-        <p:nvSpPr>
-          <p:cNvPr id="6" name="Footer Placeholder 3"/>
-          <p:cNvSpPr>
-            <a:spLocks noGrp="1"/>
-          </p:cNvSpPr>
-          <p:nvPr>
-            <p:ph type="ftr" sz="quarter" idx="11"/>
-          </p:nvPr>
-        </p:nvSpPr>
-        <p:spPr>
-          <a:xfrm>
-            <a:off x="3124200" y="4786312"/>
-            <a:ext cx="2895600" cy="357188"/>
-          </a:xfrm>
-        </p:spPr>
-        <p:txBody>
-          <a:bodyPr/>
-          <a:lstStyle/>
-          <a:p>
-            <a:pPr>
-              <a:defRPr/>
-            </a:pPr>
-            <a:r>
-              <a:rPr lang="en-US" altLang="zh-CN" dirty="0"/>
-              <a:t>107</a:t>
-            </a:r>
-            <a:r>
-              <a:rPr lang="en-US" altLang="zh-CN" baseline="30000" dirty="0"/>
-              <a:t>th</a:t>
-            </a:r>
-            <a:r>
-              <a:rPr lang="en-US" altLang="zh-CN" dirty="0"/>
-              <a:t> IETF @ Vancouver</a:t>
-            </a:r>
-          </a:p>
-        </p:txBody>
-      </p:sp>
-      <p:sp>
-        <p:nvSpPr>
-          <p:cNvPr id="3" name="Slide Number Placeholder 2"/>
-          <p:cNvSpPr>
-            <a:spLocks noGrp="1"/>
-          </p:cNvSpPr>
-          <p:nvPr>
-            <p:ph type="sldNum" sz="quarter" idx="12"/>
-          </p:nvPr>
-        </p:nvSpPr>
-        <p:spPr/>
-        <p:txBody>
-          <a:bodyPr/>
-          <a:lstStyle/>
-          <a:p>
-            <a:pPr>
-              <a:defRPr/>
-            </a:pPr>
-            <a:fld id="{D5EE1D1A-EEC2-4D53-94A7-85D62C853479}" type="slidenum">
-              <a:rPr lang="en-US" altLang="zh-CN" smtClean="0"/>
-              <a:pPr>
-                <a:defRPr/>
-              </a:pPr>
-              <a:t>11</a:t>
-            </a:fld>
-            <a:endParaRPr lang="en-US" altLang="zh-CN"/>
-          </a:p>
-        </p:txBody>
-      </p:sp>
-      <p:sp>
-        <p:nvSpPr>
-          <p:cNvPr id="8" name="Title 7">
-            <a:extLst>
-              <a:ext uri="{FF2B5EF4-FFF2-40B4-BE49-F238E27FC236}">
-                <a16:creationId xmlns:a16="http://schemas.microsoft.com/office/drawing/2014/main" id="{EAE0D9DC-8575-A84F-A04B-3BD8C30794A3}"/>
-              </a:ext>
-            </a:extLst>
-          </p:cNvPr>
-          <p:cNvSpPr>
-            <a:spLocks noGrp="1"/>
-          </p:cNvSpPr>
-          <p:nvPr>
-            <p:ph type="ctrTitle"/>
-          </p:nvPr>
-        </p:nvSpPr>
-        <p:spPr/>
-        <p:txBody>
-          <a:bodyPr/>
-          <a:lstStyle/>
-          <a:p>
-            <a:r>
-              <a:rPr lang="en-US" dirty="0"/>
-              <a:t>Backup</a:t>
-            </a:r>
-          </a:p>
-        </p:txBody>
-      </p:sp>
-    </p:spTree>
-    <p:extLst>
-      <p:ext uri="{BB962C8B-B14F-4D97-AF65-F5344CB8AC3E}">
-        <p14:creationId xmlns:p14="http://schemas.microsoft.com/office/powerpoint/2010/main" val="1607707434"/>
       </p:ext>
     </p:extLst>
   </p:cSld>
@@ -5850,6 +5994,131 @@
       </p:grpSpPr>
       <p:sp>
         <p:nvSpPr>
+          <p:cNvPr id="6" name="Footer Placeholder 3"/>
+          <p:cNvSpPr>
+            <a:spLocks noGrp="1"/>
+          </p:cNvSpPr>
+          <p:nvPr>
+            <p:ph type="ftr" sz="quarter" idx="11"/>
+          </p:nvPr>
+        </p:nvSpPr>
+        <p:spPr>
+          <a:xfrm>
+            <a:off x="3124200" y="4786312"/>
+            <a:ext cx="2895600" cy="357188"/>
+          </a:xfrm>
+        </p:spPr>
+        <p:txBody>
+          <a:bodyPr/>
+          <a:lstStyle/>
+          <a:p>
+            <a:pPr>
+              <a:defRPr/>
+            </a:pPr>
+            <a:r>
+              <a:rPr lang="en-US" altLang="zh-CN" dirty="0"/>
+              <a:t>107</a:t>
+            </a:r>
+            <a:r>
+              <a:rPr lang="en-US" altLang="zh-CN" baseline="30000" dirty="0"/>
+              <a:t>th</a:t>
+            </a:r>
+            <a:r>
+              <a:rPr lang="en-US" altLang="zh-CN" dirty="0"/>
+              <a:t> IETF @ Vancouver</a:t>
+            </a:r>
+          </a:p>
+        </p:txBody>
+      </p:sp>
+      <p:sp>
+        <p:nvSpPr>
+          <p:cNvPr id="3" name="Slide Number Placeholder 2"/>
+          <p:cNvSpPr>
+            <a:spLocks noGrp="1"/>
+          </p:cNvSpPr>
+          <p:nvPr>
+            <p:ph type="sldNum" sz="quarter" idx="12"/>
+          </p:nvPr>
+        </p:nvSpPr>
+        <p:spPr/>
+        <p:txBody>
+          <a:bodyPr/>
+          <a:lstStyle/>
+          <a:p>
+            <a:pPr>
+              <a:defRPr/>
+            </a:pPr>
+            <a:fld id="{D5EE1D1A-EEC2-4D53-94A7-85D62C853479}" type="slidenum">
+              <a:rPr lang="en-US" altLang="zh-CN" smtClean="0"/>
+              <a:pPr>
+                <a:defRPr/>
+              </a:pPr>
+              <a:t>12</a:t>
+            </a:fld>
+            <a:endParaRPr lang="en-US" altLang="zh-CN"/>
+          </a:p>
+        </p:txBody>
+      </p:sp>
+      <p:sp>
+        <p:nvSpPr>
+          <p:cNvPr id="8" name="Title 7">
+            <a:extLst>
+              <a:ext uri="{FF2B5EF4-FFF2-40B4-BE49-F238E27FC236}">
+                <a16:creationId xmlns:a16="http://schemas.microsoft.com/office/drawing/2014/main" id="{EAE0D9DC-8575-A84F-A04B-3BD8C30794A3}"/>
+              </a:ext>
+            </a:extLst>
+          </p:cNvPr>
+          <p:cNvSpPr>
+            <a:spLocks noGrp="1"/>
+          </p:cNvSpPr>
+          <p:nvPr>
+            <p:ph type="ctrTitle"/>
+          </p:nvPr>
+        </p:nvSpPr>
+        <p:spPr/>
+        <p:txBody>
+          <a:bodyPr/>
+          <a:lstStyle/>
+          <a:p>
+            <a:r>
+              <a:rPr lang="en-US" dirty="0"/>
+              <a:t>Backup</a:t>
+            </a:r>
+          </a:p>
+        </p:txBody>
+      </p:sp>
+    </p:spTree>
+    <p:extLst>
+      <p:ext uri="{BB962C8B-B14F-4D97-AF65-F5344CB8AC3E}">
+        <p14:creationId xmlns:p14="http://schemas.microsoft.com/office/powerpoint/2010/main" val="1607707434"/>
+      </p:ext>
+    </p:extLst>
+  </p:cSld>
+  <p:clrMapOvr>
+    <a:masterClrMapping/>
+  </p:clrMapOvr>
+</p:sld>
+</file>
+
+<file path=ppt/slides/slide13.xml><?xml version="1.0" encoding="utf-8"?>
+<p:sld xmlns:a="http://schemas.openxmlformats.org/drawingml/2006/main" xmlns:r="http://schemas.openxmlformats.org/officeDocument/2006/relationships" xmlns:p="http://schemas.openxmlformats.org/presentationml/2006/main">
+  <p:cSld>
+    <p:spTree>
+      <p:nvGrpSpPr>
+        <p:cNvPr id="1" name=""/>
+        <p:cNvGrpSpPr/>
+        <p:nvPr/>
+      </p:nvGrpSpPr>
+      <p:grpSpPr>
+        <a:xfrm>
+          <a:off x="0" y="0"/>
+          <a:ext cx="0" cy="0"/>
+          <a:chOff x="0" y="0"/>
+          <a:chExt cx="0" cy="0"/>
+        </a:xfrm>
+      </p:grpSpPr>
+      <p:sp>
+        <p:nvSpPr>
           <p:cNvPr id="2" name="Title 1">
             <a:extLst>
               <a:ext uri="{FF2B5EF4-FFF2-40B4-BE49-F238E27FC236}">
@@ -5960,7 +6229,7 @@
               <a:pPr>
                 <a:defRPr/>
               </a:pPr>
-              <a:t>12</a:t>
+              <a:t>13</a:t>
             </a:fld>
             <a:endParaRPr lang="en-US" altLang="zh-CN"/>
           </a:p>
@@ -6165,7 +6434,7 @@
 </p:sld>
 </file>
 
-<file path=ppt/slides/slide13.xml><?xml version="1.0" encoding="utf-8"?>
+<file path=ppt/slides/slide14.xml><?xml version="1.0" encoding="utf-8"?>
 <p:sld xmlns:a="http://schemas.openxmlformats.org/drawingml/2006/main" xmlns:r="http://schemas.openxmlformats.org/officeDocument/2006/relationships" xmlns:p="http://schemas.openxmlformats.org/presentationml/2006/main">
   <p:cSld>
     <p:spTree>
@@ -6432,7 +6701,7 @@
               <a:pPr>
                 <a:defRPr/>
               </a:pPr>
-              <a:t>13</a:t>
+              <a:t>14</a:t>
             </a:fld>
             <a:endParaRPr lang="en-US" altLang="zh-CN" dirty="0"/>
           </a:p>
@@ -6720,6 +6989,16 @@
           </a:p>
           <a:p>
             <a:pPr lvl="2">
+              <a:buFont typeface="Wingdings" pitchFamily="2" charset="2"/>
+              <a:buChar char="ü"/>
+            </a:pPr>
+            <a:r>
+              <a:rPr lang="en-US" sz="1600" dirty="0"/>
+              <a:t>Links (Future)</a:t>
+            </a:r>
+          </a:p>
+          <a:p>
+            <a:pPr lvl="2">
               <a:buFont typeface="Wingdings" charset="2"/>
               <a:buChar char="ü"/>
             </a:pPr>
@@ -7019,7 +7298,7 @@
         </p:nvSpPr>
         <p:spPr>
           <a:xfrm>
-            <a:off x="533400" y="2794880"/>
+            <a:off x="393768" y="2859107"/>
             <a:ext cx="8319052" cy="1941044"/>
           </a:xfrm>
         </p:spPr>
@@ -7032,7 +7311,7 @@
                 <a:spcPts val="1960"/>
               </a:lnSpc>
               <a:spcBef>
-                <a:spcPts val="600"/>
+                <a:spcPts val="0"/>
               </a:spcBef>
             </a:pPr>
             <a:r>
@@ -7046,12 +7325,12 @@
                 <a:spcPts val="1960"/>
               </a:lnSpc>
               <a:spcBef>
-                <a:spcPts val="600"/>
+                <a:spcPts val="0"/>
               </a:spcBef>
             </a:pPr>
             <a:r>
               <a:rPr lang="en-US" sz="1600" dirty="0"/>
-              <a:t>Probe messages sent using Segment List(s) of the SR Policy Candidate Paths</a:t>
+              <a:t>Probe messages sent using Segment List(s) of the SR Policy Candidate Path(s)</a:t>
             </a:r>
           </a:p>
           <a:p>
@@ -7060,12 +7339,12 @@
                 <a:spcPts val="1960"/>
               </a:lnSpc>
               <a:spcBef>
-                <a:spcPts val="600"/>
+                <a:spcPts val="0"/>
               </a:spcBef>
             </a:pPr>
             <a:r>
               <a:rPr lang="en-US" sz="1600" dirty="0"/>
-              <a:t>Probe messages are not punted on the remote/endpoint/reflector node</a:t>
+              <a:t>Probe messages are not punted on the remote node (endpoint/reflector)</a:t>
             </a:r>
           </a:p>
           <a:p>
@@ -7074,7 +7353,21 @@
                 <a:spcPts val="1960"/>
               </a:lnSpc>
               <a:spcBef>
-                <a:spcPts val="600"/>
+                <a:spcPts val="0"/>
+              </a:spcBef>
+            </a:pPr>
+            <a:r>
+              <a:rPr lang="en-US" sz="1600" dirty="0"/>
+              <a:t>Return path can be IP by default or SR path</a:t>
+            </a:r>
+          </a:p>
+          <a:p>
+            <a:pPr>
+              <a:lnSpc>
+                <a:spcPts val="1960"/>
+              </a:lnSpc>
+              <a:spcBef>
+                <a:spcPts val="0"/>
               </a:spcBef>
             </a:pPr>
             <a:r>
@@ -7395,7 +7688,7 @@
             </a:pPr>
             <a:r>
               <a:rPr lang="en-CA" sz="1400" dirty="0"/>
-              <a:t>Use the loopback mode enabled with network programming function.</a:t>
+              <a:t>Use PM probes in loopback mode enabled with network programming function.</a:t>
             </a:r>
           </a:p>
           <a:p>
@@ -7423,7 +7716,7 @@
             </a:pPr>
             <a:r>
               <a:rPr lang="en-CA" sz="1400" dirty="0"/>
-              <a:t>The endpoint node adds the receive timestamp (at the fixed location locally provisioned consistently in the network) in the payload of the received TWAMP Light or STAMP probe message without punting the probe message in control-plane.  </a:t>
+              <a:t>The endpoint node adds the receive timestamp (at the fixed location locally provisioned consistently in the network) in the payload of the received TWAMP Light or STAMP probe message without punting the probe message.  </a:t>
             </a:r>
           </a:p>
           <a:p>
@@ -7705,7 +7998,7 @@
         </p:nvSpPr>
         <p:spPr>
           <a:xfrm>
-            <a:off x="228600" y="709106"/>
+            <a:off x="228600" y="666750"/>
             <a:ext cx="4876800" cy="4108817"/>
           </a:xfrm>
           <a:prstGeom prst="rect">
@@ -7942,7 +8235,7 @@
               <a:rPr lang="en-CA" sz="900" dirty="0">
                 <a:latin typeface="Courier" pitchFamily="2" charset="0"/>
               </a:rPr>
-              <a:t>  |  Payload as defined in Section 4.2.1 of RFC 5357              |</a:t>
+              <a:t>  |  Payload as defined in Section 4.2.1 of RFC 5357 |            |</a:t>
             </a:r>
           </a:p>
           <a:p>
@@ -8008,8 +8301,8 @@
         </p:nvSpPr>
         <p:spPr>
           <a:xfrm>
-            <a:off x="5360020" y="807832"/>
-            <a:ext cx="3250580" cy="3911363"/>
+            <a:off x="5181600" y="1247094"/>
+            <a:ext cx="3733800" cy="3001056"/>
           </a:xfrm>
         </p:spPr>
         <p:txBody>
@@ -8022,9 +8315,22 @@
             </a:r>
           </a:p>
           <a:p>
+            <a:pPr lvl="1"/>
             <a:r>
               <a:rPr lang="en-US" sz="1600" dirty="0"/>
               <a:t>Used for Timestamp, Pop and Forward network programing function</a:t>
+            </a:r>
+          </a:p>
+          <a:p>
+            <a:r>
+              <a:rPr lang="en-US" sz="1600" dirty="0"/>
+              <a:t>Source and Destination Addresses for the Reverse direction path</a:t>
+            </a:r>
+          </a:p>
+          <a:p>
+            <a:r>
+              <a:rPr lang="en-US" sz="1600" dirty="0"/>
+              <a:t>Optionally, Reverse direction SR path label stack can follow the Timestamp Label </a:t>
             </a:r>
           </a:p>
           <a:p>
@@ -8351,7 +8657,7 @@
               <a:rPr lang="en-CA" sz="1000" dirty="0">
                 <a:latin typeface="Courier" pitchFamily="2" charset="0"/>
               </a:rPr>
-              <a:t>  |  Payload as defined in Section 4.2.1 of RFC 5357              |</a:t>
+              <a:t>  |  Payload as defined in Section 4.2.1 of RFC 5357 |            |</a:t>
             </a:r>
           </a:p>
           <a:p>
@@ -8418,7 +8724,7 @@
         <p:spPr>
           <a:xfrm>
             <a:off x="5802351" y="1031647"/>
-            <a:ext cx="3048000" cy="3477875"/>
+            <a:ext cx="3048000" cy="3140303"/>
           </a:xfrm>
         </p:spPr>
         <p:txBody>
@@ -8429,6 +8735,21 @@
               <a:rPr lang="en-US" sz="1600" dirty="0"/>
               <a:t>Endpoint Function END.TSF is defined for Timestamp and Forward</a:t>
             </a:r>
+          </a:p>
+          <a:p>
+            <a:r>
+              <a:rPr lang="en-US" sz="1600" dirty="0"/>
+              <a:t>Source and Destination Addresses for the Reverse direction path in the inner IPv6 header</a:t>
+            </a:r>
+          </a:p>
+          <a:p>
+            <a:r>
+              <a:rPr lang="en-US" sz="1600" dirty="0"/>
+              <a:t>Optionally, Reverse direction SR path can be in the SRH</a:t>
+            </a:r>
+          </a:p>
+          <a:p>
+            <a:endParaRPr lang="en-US" sz="1600" dirty="0"/>
           </a:p>
           <a:p>
             <a:endParaRPr lang="en-US" sz="1600" dirty="0"/>
@@ -8477,8 +8798,8 @@
         </p:nvSpPr>
         <p:spPr>
           <a:xfrm>
-            <a:off x="457200" y="0"/>
-            <a:ext cx="8229600" cy="857250"/>
+            <a:off x="443261" y="-132784"/>
+            <a:ext cx="8458200" cy="857250"/>
           </a:xfrm>
         </p:spPr>
         <p:txBody>
@@ -8493,164 +8814,7 @@
                 <a:latin typeface="Calibri Light" panose="020F0302020204030204" pitchFamily="34" charset="0"/>
                 <a:cs typeface="Calibri Light" panose="020F0302020204030204" pitchFamily="34" charset="0"/>
               </a:rPr>
-              <a:t>ECMP Support for SR Policy</a:t>
-            </a:r>
-          </a:p>
-        </p:txBody>
-      </p:sp>
-      <p:sp>
-        <p:nvSpPr>
-          <p:cNvPr id="3" name="Content Placeholder 2"/>
-          <p:cNvSpPr>
-            <a:spLocks noGrp="1"/>
-          </p:cNvSpPr>
-          <p:nvPr>
-            <p:ph idx="1"/>
-          </p:nvPr>
-        </p:nvSpPr>
-        <p:spPr>
-          <a:xfrm>
-            <a:off x="419100" y="912201"/>
-            <a:ext cx="8305800" cy="3259750"/>
-          </a:xfrm>
-        </p:spPr>
-        <p:txBody>
-          <a:bodyPr/>
-          <a:lstStyle/>
-          <a:p>
-            <a:pPr>
-              <a:lnSpc>
-                <a:spcPts val="2280"/>
-              </a:lnSpc>
-              <a:spcBef>
-                <a:spcPts val="0"/>
-              </a:spcBef>
-            </a:pPr>
-            <a:r>
-              <a:rPr lang="en-US" sz="1800" dirty="0"/>
-              <a:t>SR Policy can have ECMP between the ingress and transit nodes, between transit nodes and between transit and egress nodes.</a:t>
-            </a:r>
-          </a:p>
-          <a:p>
-            <a:pPr>
-              <a:lnSpc>
-                <a:spcPts val="2280"/>
-              </a:lnSpc>
-              <a:spcBef>
-                <a:spcPts val="0"/>
-              </a:spcBef>
-            </a:pPr>
-            <a:r>
-              <a:rPr lang="en-US" sz="1800" dirty="0"/>
-              <a:t>Sending PM probe queries that can take advantage of the hashing function in forwarding plane.</a:t>
-            </a:r>
-          </a:p>
-          <a:p>
-            <a:pPr>
-              <a:lnSpc>
-                <a:spcPts val="2280"/>
-              </a:lnSpc>
-              <a:spcBef>
-                <a:spcPts val="0"/>
-              </a:spcBef>
-            </a:pPr>
-            <a:r>
-              <a:rPr lang="en-US" sz="1800" dirty="0"/>
-              <a:t>Existing forwarding mechanisms are applicable to PM probe messages:</a:t>
-            </a:r>
-          </a:p>
-          <a:p>
-            <a:pPr lvl="1">
-              <a:lnSpc>
-                <a:spcPts val="2280"/>
-              </a:lnSpc>
-              <a:spcBef>
-                <a:spcPts val="0"/>
-              </a:spcBef>
-            </a:pPr>
-            <a:r>
-              <a:rPr lang="en-US" sz="1800" dirty="0"/>
-              <a:t>For IPv4 and IPv6</a:t>
-            </a:r>
-          </a:p>
-          <a:p>
-            <a:pPr lvl="2">
-              <a:lnSpc>
-                <a:spcPts val="2280"/>
-              </a:lnSpc>
-              <a:spcBef>
-                <a:spcPts val="0"/>
-              </a:spcBef>
-            </a:pPr>
-            <a:r>
-              <a:rPr lang="en-US" sz="1800" dirty="0"/>
-              <a:t>Destination addresses in IP header (e.g. 127/8 for IPv4 and FFFF:7F00/104 for IPv6)</a:t>
-            </a:r>
-          </a:p>
-          <a:p>
-            <a:pPr lvl="2">
-              <a:lnSpc>
-                <a:spcPts val="2280"/>
-              </a:lnSpc>
-              <a:spcBef>
-                <a:spcPts val="0"/>
-              </a:spcBef>
-            </a:pPr>
-            <a:r>
-              <a:rPr lang="en-US" sz="1800" dirty="0"/>
-              <a:t>Flow label in IPv6 header</a:t>
-            </a:r>
-          </a:p>
-          <a:p>
-            <a:pPr lvl="1">
-              <a:lnSpc>
-                <a:spcPts val="2280"/>
-              </a:lnSpc>
-              <a:spcBef>
-                <a:spcPts val="0"/>
-              </a:spcBef>
-            </a:pPr>
-            <a:r>
-              <a:rPr lang="en-US" sz="1800" b="1" dirty="0"/>
-              <a:t>Used only when return path is also SR</a:t>
-            </a:r>
-          </a:p>
-        </p:txBody>
-      </p:sp>
-      <p:sp>
-        <p:nvSpPr>
-          <p:cNvPr id="4" name="Footer Placeholder 3"/>
-          <p:cNvSpPr>
-            <a:spLocks noGrp="1"/>
-          </p:cNvSpPr>
-          <p:nvPr>
-            <p:ph type="ftr" sz="quarter" idx="11"/>
-          </p:nvPr>
-        </p:nvSpPr>
-        <p:spPr>
-          <a:xfrm>
-            <a:off x="3124200" y="4781550"/>
-            <a:ext cx="2895600" cy="357188"/>
-          </a:xfrm>
-        </p:spPr>
-        <p:txBody>
-          <a:bodyPr/>
-          <a:lstStyle/>
-          <a:p>
-            <a:pPr>
-              <a:defRPr/>
-            </a:pPr>
-            <a:r>
-              <a:rPr lang="en-US" altLang="zh-CN" dirty="0"/>
-              <a:t>107</a:t>
-            </a:r>
-            <a:r>
-              <a:rPr lang="en-US" altLang="zh-CN" baseline="30000" dirty="0"/>
-              <a:t>th</a:t>
-            </a:r>
-            <a:r>
-              <a:rPr lang="en-US" altLang="zh-CN" dirty="0"/>
-              <a:t> IETF @ Vancouver</a:t>
+              <a:t>TWAMP Light/STAMP Message Format</a:t>
             </a:r>
           </a:p>
         </p:txBody>
@@ -8684,10 +8848,617 @@
           </a:p>
         </p:txBody>
       </p:sp>
+      <p:sp>
+        <p:nvSpPr>
+          <p:cNvPr id="6" name="Rectangle 5">
+            <a:extLst>
+              <a:ext uri="{FF2B5EF4-FFF2-40B4-BE49-F238E27FC236}">
+                <a16:creationId xmlns:a16="http://schemas.microsoft.com/office/drawing/2014/main" id="{4C15A4CE-6545-5142-97A8-EDA8B07CB60B}"/>
+              </a:ext>
+            </a:extLst>
+          </p:cNvPr>
+          <p:cNvSpPr/>
+          <p:nvPr/>
+        </p:nvSpPr>
+        <p:spPr>
+          <a:xfrm>
+            <a:off x="179813" y="583420"/>
+            <a:ext cx="4696987" cy="4408899"/>
+          </a:xfrm>
+          <a:prstGeom prst="rect">
+            <a:avLst/>
+          </a:prstGeom>
+          <a:solidFill>
+            <a:schemeClr val="accent6">
+              <a:lumMod val="20000"/>
+              <a:lumOff val="80000"/>
+            </a:schemeClr>
+          </a:solidFill>
+        </p:spPr>
+        <p:txBody>
+          <a:bodyPr wrap="square">
+            <a:spAutoFit/>
+          </a:bodyPr>
+          <a:lstStyle/>
+          <a:p>
+            <a:r>
+              <a:rPr lang="en-CA" sz="850" dirty="0">
+                <a:latin typeface="Courier" pitchFamily="2" charset="0"/>
+              </a:rPr>
+              <a:t>  +---------------------------------------------------------------+</a:t>
+            </a:r>
+          </a:p>
+          <a:p>
+            <a:r>
+              <a:rPr lang="en-CA" sz="850" dirty="0">
+                <a:latin typeface="Courier" pitchFamily="2" charset="0"/>
+              </a:rPr>
+              <a:t>  | IP Header                                                     |</a:t>
+            </a:r>
+          </a:p>
+          <a:p>
+            <a:r>
+              <a:rPr lang="en-CA" sz="850" dirty="0">
+                <a:latin typeface="Courier" pitchFamily="2" charset="0"/>
+              </a:rPr>
+              <a:t>  .  Source IP Address = Endpoint IP Address                      .</a:t>
+            </a:r>
+          </a:p>
+          <a:p>
+            <a:r>
+              <a:rPr lang="en-CA" sz="850" dirty="0">
+                <a:latin typeface="Courier" pitchFamily="2" charset="0"/>
+              </a:rPr>
+              <a:t>  .  Destination IP Address = Sender IP Address                   .</a:t>
+            </a:r>
+          </a:p>
+          <a:p>
+            <a:r>
+              <a:rPr lang="en-CA" sz="850" dirty="0">
+                <a:latin typeface="Courier" pitchFamily="2" charset="0"/>
+              </a:rPr>
+              <a:t>  .  Protocol = UDP                                               .</a:t>
+            </a:r>
+          </a:p>
+          <a:p>
+            <a:r>
+              <a:rPr lang="en-CA" sz="850" dirty="0">
+                <a:latin typeface="Courier" pitchFamily="2" charset="0"/>
+              </a:rPr>
+              <a:t>  .                                                               .</a:t>
+            </a:r>
+          </a:p>
+          <a:p>
+            <a:r>
+              <a:rPr lang="en-CA" sz="850" dirty="0">
+                <a:latin typeface="Courier" pitchFamily="2" charset="0"/>
+              </a:rPr>
+              <a:t>  +---------------------------------------------------------------+</a:t>
+            </a:r>
+          </a:p>
+          <a:p>
+            <a:r>
+              <a:rPr lang="en-CA" sz="850" dirty="0">
+                <a:latin typeface="Courier" pitchFamily="2" charset="0"/>
+              </a:rPr>
+              <a:t>  | UDP Header                                                    |</a:t>
+            </a:r>
+          </a:p>
+          <a:p>
+            <a:r>
+              <a:rPr lang="en-CA" sz="850" dirty="0">
+                <a:latin typeface="Courier" pitchFamily="2" charset="0"/>
+              </a:rPr>
+              <a:t>  .  Source Port = As chosen by Sender                            .</a:t>
+            </a:r>
+          </a:p>
+          <a:p>
+            <a:r>
+              <a:rPr lang="en-CA" sz="850" dirty="0">
+                <a:latin typeface="Courier" pitchFamily="2" charset="0"/>
+              </a:rPr>
+              <a:t>  .  Destination Port = User-configured Port                      .</a:t>
+            </a:r>
+          </a:p>
+          <a:p>
+            <a:r>
+              <a:rPr lang="en-CA" sz="850" dirty="0">
+                <a:latin typeface="Courier" pitchFamily="2" charset="0"/>
+              </a:rPr>
+              <a:t>  .                                                               .</a:t>
+            </a:r>
+          </a:p>
+          <a:p>
+            <a:r>
+              <a:rPr lang="en-CA" sz="850" dirty="0">
+                <a:latin typeface="Courier" pitchFamily="2" charset="0"/>
+              </a:rPr>
+              <a:t>  +-+-+-+-+-+-+-+-+-+-+-+-+-+-+-+-+-+-+-+-+-+-+-+-+-+-+-+-+-+-+-+-+</a:t>
+            </a:r>
+          </a:p>
+          <a:p>
+            <a:pPr>
+              <a:spcAft>
+                <a:spcPts val="0"/>
+              </a:spcAft>
+            </a:pPr>
+            <a:r>
+              <a:rPr lang="en-US" sz="850" dirty="0">
+                <a:latin typeface="Courier" pitchFamily="2" charset="0"/>
+                <a:ea typeface="Courier" charset="0"/>
+                <a:cs typeface="Courier" charset="0"/>
+              </a:rPr>
+              <a:t>  |         Sequence Number                                       |</a:t>
+            </a:r>
+          </a:p>
+          <a:p>
+            <a:pPr>
+              <a:spcAft>
+                <a:spcPts val="0"/>
+              </a:spcAft>
+            </a:pPr>
+            <a:r>
+              <a:rPr lang="en-US" sz="850" dirty="0">
+                <a:latin typeface="Courier" pitchFamily="2" charset="0"/>
+                <a:ea typeface="Courier" charset="0"/>
+                <a:cs typeface="Courier" charset="0"/>
+              </a:rPr>
+              <a:t>  +-+-+-+-+-+-+-+-+-+-+-+-+-+-+-+-+-+-+-+-+-+-+-+-+-+-+-+-+-+-+-+-+</a:t>
+            </a:r>
+          </a:p>
+          <a:p>
+            <a:pPr>
+              <a:spcAft>
+                <a:spcPts val="0"/>
+              </a:spcAft>
+            </a:pPr>
+            <a:r>
+              <a:rPr lang="en-US" sz="850" dirty="0">
+                <a:latin typeface="Courier" pitchFamily="2" charset="0"/>
+                <a:ea typeface="Courier" charset="0"/>
+                <a:cs typeface="Courier" charset="0"/>
+              </a:rPr>
+              <a:t>  |                      Transmit Timestamp                       |</a:t>
+            </a:r>
+          </a:p>
+          <a:p>
+            <a:pPr>
+              <a:spcAft>
+                <a:spcPts val="0"/>
+              </a:spcAft>
+            </a:pPr>
+            <a:r>
+              <a:rPr lang="en-US" sz="850" dirty="0">
+                <a:latin typeface="Courier" pitchFamily="2" charset="0"/>
+                <a:ea typeface="Courier" charset="0"/>
+                <a:cs typeface="Courier" charset="0"/>
+              </a:rPr>
+              <a:t>  |                                                               |</a:t>
+            </a:r>
+          </a:p>
+          <a:p>
+            <a:pPr>
+              <a:spcAft>
+                <a:spcPts val="0"/>
+              </a:spcAft>
+            </a:pPr>
+            <a:r>
+              <a:rPr lang="en-US" sz="850" dirty="0">
+                <a:latin typeface="Courier" pitchFamily="2" charset="0"/>
+                <a:ea typeface="Courier" charset="0"/>
+                <a:cs typeface="Courier" charset="0"/>
+              </a:rPr>
+              <a:t>  +-+-+-+-+-+-+-+-+-+-+-+-+-+-+-+-+-+-+-+-+-+-+-+-+-+-+-+-+-+-+-+-+</a:t>
+            </a:r>
+          </a:p>
+          <a:p>
+            <a:pPr>
+              <a:spcAft>
+                <a:spcPts val="0"/>
+              </a:spcAft>
+            </a:pPr>
+            <a:r>
+              <a:rPr lang="en-US" sz="850" dirty="0">
+                <a:latin typeface="Courier" pitchFamily="2" charset="0"/>
+                <a:ea typeface="Courier" charset="0"/>
+                <a:cs typeface="Courier" charset="0"/>
+              </a:rPr>
+              <a:t>  |         Error Estimate        |           MBZ                 |</a:t>
+            </a:r>
+          </a:p>
+          <a:p>
+            <a:pPr>
+              <a:spcAft>
+                <a:spcPts val="0"/>
+              </a:spcAft>
+            </a:pPr>
+            <a:r>
+              <a:rPr lang="en-US" sz="850" dirty="0">
+                <a:latin typeface="Courier" pitchFamily="2" charset="0"/>
+                <a:ea typeface="Courier" charset="0"/>
+                <a:cs typeface="Courier" charset="0"/>
+              </a:rPr>
+              <a:t>  +-+-+-+-+-+-+-+-+-+-+-+-+-+-+-+-+-+-+-+-+-+-+-+-+-+-+-+-+-+-+-+-+</a:t>
+            </a:r>
+          </a:p>
+          <a:p>
+            <a:pPr>
+              <a:spcAft>
+                <a:spcPts val="0"/>
+              </a:spcAft>
+            </a:pPr>
+            <a:r>
+              <a:rPr lang="en-US" sz="850" dirty="0">
+                <a:solidFill>
+                  <a:schemeClr val="tx2"/>
+                </a:solidFill>
+                <a:latin typeface="Courier" pitchFamily="2" charset="0"/>
+                <a:ea typeface="Courier" charset="0"/>
+                <a:cs typeface="Courier" charset="0"/>
+              </a:rPr>
+              <a:t>  |                      </a:t>
+            </a:r>
+            <a:r>
+              <a:rPr lang="en-US" sz="850" dirty="0">
+                <a:solidFill>
+                  <a:srgbClr val="0070C0"/>
+                </a:solidFill>
+                <a:latin typeface="Courier" pitchFamily="2" charset="0"/>
+                <a:ea typeface="Courier" charset="0"/>
+                <a:cs typeface="Courier" charset="0"/>
+              </a:rPr>
+              <a:t>Receive Timestamp                        </a:t>
+            </a:r>
+            <a:r>
+              <a:rPr lang="en-US" sz="850" dirty="0">
+                <a:solidFill>
+                  <a:schemeClr val="tx2"/>
+                </a:solidFill>
+                <a:latin typeface="Courier" pitchFamily="2" charset="0"/>
+                <a:ea typeface="Courier" charset="0"/>
+                <a:cs typeface="Courier" charset="0"/>
+              </a:rPr>
+              <a:t>|</a:t>
+            </a:r>
+          </a:p>
+          <a:p>
+            <a:pPr>
+              <a:spcAft>
+                <a:spcPts val="0"/>
+              </a:spcAft>
+            </a:pPr>
+            <a:r>
+              <a:rPr lang="en-US" sz="850" dirty="0">
+                <a:latin typeface="Courier" pitchFamily="2" charset="0"/>
+                <a:ea typeface="Courier" charset="0"/>
+                <a:cs typeface="Courier" charset="0"/>
+              </a:rPr>
+              <a:t>  |                                                               |</a:t>
+            </a:r>
+          </a:p>
+          <a:p>
+            <a:pPr>
+              <a:spcAft>
+                <a:spcPts val="0"/>
+              </a:spcAft>
+            </a:pPr>
+            <a:r>
+              <a:rPr lang="en-US" sz="850" dirty="0">
+                <a:latin typeface="Courier" pitchFamily="2" charset="0"/>
+                <a:ea typeface="Courier" charset="0"/>
+                <a:cs typeface="Courier" charset="0"/>
+              </a:rPr>
+              <a:t>  +-+-+-+-+-+-+-+-+-+-+-+-+-+-+-+-+-+-+-+-+-+-+-+-+-+-+-+-+-+-+-+-+</a:t>
+            </a:r>
+          </a:p>
+          <a:p>
+            <a:pPr>
+              <a:spcAft>
+                <a:spcPts val="0"/>
+              </a:spcAft>
+            </a:pPr>
+            <a:r>
+              <a:rPr lang="en-US" sz="850" dirty="0">
+                <a:solidFill>
+                  <a:schemeClr val="tx2">
+                    <a:lumMod val="60000"/>
+                    <a:lumOff val="40000"/>
+                  </a:schemeClr>
+                </a:solidFill>
+                <a:latin typeface="Courier" pitchFamily="2" charset="0"/>
+                <a:ea typeface="Courier" charset="0"/>
+                <a:cs typeface="Courier" charset="0"/>
+              </a:rPr>
+              <a:t>  |                      Sender Sequence Number                   |</a:t>
+            </a:r>
+          </a:p>
+          <a:p>
+            <a:pPr>
+              <a:spcAft>
+                <a:spcPts val="0"/>
+              </a:spcAft>
+            </a:pPr>
+            <a:r>
+              <a:rPr lang="en-US" sz="850" dirty="0">
+                <a:solidFill>
+                  <a:schemeClr val="tx2">
+                    <a:lumMod val="60000"/>
+                    <a:lumOff val="40000"/>
+                  </a:schemeClr>
+                </a:solidFill>
+                <a:latin typeface="Courier" pitchFamily="2" charset="0"/>
+                <a:ea typeface="Courier" charset="0"/>
+                <a:cs typeface="Courier" charset="0"/>
+              </a:rPr>
+              <a:t>  +-+-+-+-+-+-+-+-+-+-+-+-+-+-+-+-+-+-+-+-+-+-+-+-+-+-+-+-+-+-+-+-+</a:t>
+            </a:r>
+          </a:p>
+          <a:p>
+            <a:pPr>
+              <a:spcAft>
+                <a:spcPts val="0"/>
+              </a:spcAft>
+            </a:pPr>
+            <a:r>
+              <a:rPr lang="en-US" sz="850" dirty="0">
+                <a:solidFill>
+                  <a:schemeClr val="tx2">
+                    <a:lumMod val="60000"/>
+                    <a:lumOff val="40000"/>
+                  </a:schemeClr>
+                </a:solidFill>
+                <a:latin typeface="Courier" pitchFamily="2" charset="0"/>
+                <a:ea typeface="Courier" charset="0"/>
+                <a:cs typeface="Courier" charset="0"/>
+              </a:rPr>
+              <a:t>  |                      Sender Timestamp                         |</a:t>
+            </a:r>
+          </a:p>
+          <a:p>
+            <a:pPr>
+              <a:spcAft>
+                <a:spcPts val="0"/>
+              </a:spcAft>
+            </a:pPr>
+            <a:r>
+              <a:rPr lang="en-US" sz="850" dirty="0">
+                <a:solidFill>
+                  <a:schemeClr val="tx2">
+                    <a:lumMod val="60000"/>
+                    <a:lumOff val="40000"/>
+                  </a:schemeClr>
+                </a:solidFill>
+                <a:latin typeface="Courier" pitchFamily="2" charset="0"/>
+                <a:ea typeface="Courier" charset="0"/>
+                <a:cs typeface="Courier" charset="0"/>
+              </a:rPr>
+              <a:t>  |                                                               |</a:t>
+            </a:r>
+          </a:p>
+          <a:p>
+            <a:pPr>
+              <a:spcAft>
+                <a:spcPts val="0"/>
+              </a:spcAft>
+            </a:pPr>
+            <a:r>
+              <a:rPr lang="en-US" sz="850" dirty="0">
+                <a:solidFill>
+                  <a:schemeClr val="tx2">
+                    <a:lumMod val="60000"/>
+                    <a:lumOff val="40000"/>
+                  </a:schemeClr>
+                </a:solidFill>
+                <a:latin typeface="Courier" pitchFamily="2" charset="0"/>
+                <a:ea typeface="Courier" charset="0"/>
+                <a:cs typeface="Courier" charset="0"/>
+              </a:rPr>
+              <a:t>  +-+-+-+-+-+-+-+-+-+-+-+-+-+-+-+-+-+-+-+-+-+-+-+-+-+-+-+-+-+-+-+-+</a:t>
+            </a:r>
+          </a:p>
+          <a:p>
+            <a:pPr>
+              <a:spcAft>
+                <a:spcPts val="0"/>
+              </a:spcAft>
+            </a:pPr>
+            <a:r>
+              <a:rPr lang="en-US" sz="850" dirty="0">
+                <a:solidFill>
+                  <a:schemeClr val="tx2">
+                    <a:lumMod val="60000"/>
+                    <a:lumOff val="40000"/>
+                  </a:schemeClr>
+                </a:solidFill>
+                <a:latin typeface="Courier" pitchFamily="2" charset="0"/>
+                <a:ea typeface="Courier" charset="0"/>
+                <a:cs typeface="Courier" charset="0"/>
+              </a:rPr>
+              <a:t>  |      Sender Error Estimate    |           MBZ                 |</a:t>
+            </a:r>
+          </a:p>
+          <a:p>
+            <a:pPr>
+              <a:spcAft>
+                <a:spcPts val="0"/>
+              </a:spcAft>
+            </a:pPr>
+            <a:r>
+              <a:rPr lang="en-US" sz="850" dirty="0">
+                <a:solidFill>
+                  <a:schemeClr val="tx2">
+                    <a:lumMod val="60000"/>
+                    <a:lumOff val="40000"/>
+                  </a:schemeClr>
+                </a:solidFill>
+                <a:latin typeface="Courier" pitchFamily="2" charset="0"/>
+                <a:ea typeface="Courier" charset="0"/>
+                <a:cs typeface="Courier" charset="0"/>
+              </a:rPr>
+              <a:t>  +-+-+-+-+-+-+-+-+-+-+-+-+-+-+-+-+-+-+-+-+-+-+-+-+-+-+-+-+-+-+-+-+</a:t>
+            </a:r>
+          </a:p>
+          <a:p>
+            <a:pPr>
+              <a:spcAft>
+                <a:spcPts val="0"/>
+              </a:spcAft>
+            </a:pPr>
+            <a:r>
+              <a:rPr lang="en-US" sz="850" dirty="0">
+                <a:solidFill>
+                  <a:schemeClr val="tx2">
+                    <a:lumMod val="60000"/>
+                    <a:lumOff val="40000"/>
+                  </a:schemeClr>
+                </a:solidFill>
+                <a:latin typeface="Courier" pitchFamily="2" charset="0"/>
+                <a:ea typeface="Courier" charset="0"/>
+                <a:cs typeface="Courier" charset="0"/>
+              </a:rPr>
+              <a:t>  |  Sender TTL   |      Padding                                  |</a:t>
+            </a:r>
+          </a:p>
+          <a:p>
+            <a:pPr>
+              <a:spcAft>
+                <a:spcPts val="0"/>
+              </a:spcAft>
+            </a:pPr>
+            <a:r>
+              <a:rPr lang="en-US" sz="850" dirty="0">
+                <a:solidFill>
+                  <a:schemeClr val="tx2">
+                    <a:lumMod val="60000"/>
+                    <a:lumOff val="40000"/>
+                  </a:schemeClr>
+                </a:solidFill>
+                <a:latin typeface="Courier" pitchFamily="2" charset="0"/>
+                <a:ea typeface="Courier" charset="0"/>
+                <a:cs typeface="Courier" charset="0"/>
+              </a:rPr>
+              <a:t>  +-+-+-+-+-+-+-+-+-+-+-+-+-+-+-+-+-+-+-+-+-+-+-+-+-+-+-+-+-+-+-+-+</a:t>
+            </a:r>
+          </a:p>
+          <a:p>
+            <a:pPr>
+              <a:spcAft>
+                <a:spcPts val="0"/>
+              </a:spcAft>
+            </a:pPr>
+            <a:endParaRPr lang="en-CA" sz="850" dirty="0">
+              <a:latin typeface="Courier" pitchFamily="2" charset="0"/>
+            </a:endParaRPr>
+          </a:p>
+          <a:p>
+            <a:r>
+              <a:rPr lang="en-CA" sz="850" dirty="0">
+                <a:latin typeface="Courier" pitchFamily="2" charset="0"/>
+              </a:rPr>
+              <a:t>               Figure: TWAMP Light Message Format</a:t>
+            </a:r>
+            <a:endParaRPr lang="en-US" sz="850" dirty="0">
+              <a:latin typeface="Courier" pitchFamily="2" charset="0"/>
+            </a:endParaRPr>
+          </a:p>
+        </p:txBody>
+      </p:sp>
+      <p:sp>
+        <p:nvSpPr>
+          <p:cNvPr id="8" name="Content Placeholder 7">
+            <a:extLst>
+              <a:ext uri="{FF2B5EF4-FFF2-40B4-BE49-F238E27FC236}">
+                <a16:creationId xmlns:a16="http://schemas.microsoft.com/office/drawing/2014/main" id="{FC6E1890-536D-9D49-8207-C42BBF301FF3}"/>
+              </a:ext>
+            </a:extLst>
+          </p:cNvPr>
+          <p:cNvSpPr>
+            <a:spLocks noGrp="1"/>
+          </p:cNvSpPr>
+          <p:nvPr>
+            <p:ph idx="1"/>
+          </p:nvPr>
+        </p:nvSpPr>
+        <p:spPr>
+          <a:xfrm>
+            <a:off x="5257800" y="1001598"/>
+            <a:ext cx="3505200" cy="3246552"/>
+          </a:xfrm>
+        </p:spPr>
+        <p:txBody>
+          <a:bodyPr/>
+          <a:lstStyle/>
+          <a:p>
+            <a:pPr marL="0" indent="0">
+              <a:buNone/>
+            </a:pPr>
+            <a:r>
+              <a:rPr lang="en-US" sz="1600" b="1" dirty="0"/>
+              <a:t>Enhanced Loopback Mode</a:t>
+            </a:r>
+          </a:p>
+          <a:p>
+            <a:r>
+              <a:rPr lang="en-US" sz="1600" dirty="0"/>
+              <a:t>Sender adds the Transmit Timestamp</a:t>
+            </a:r>
+          </a:p>
+          <a:p>
+            <a:r>
+              <a:rPr lang="en-US" sz="1600" dirty="0"/>
+              <a:t>Reflector adds the Receive Timestamp at fixed location locally provisioned</a:t>
+            </a:r>
+          </a:p>
+          <a:p>
+            <a:endParaRPr lang="en-US" sz="1600" dirty="0"/>
+          </a:p>
+          <a:p>
+            <a:endParaRPr lang="en-US" sz="1600" dirty="0"/>
+          </a:p>
+        </p:txBody>
+      </p:sp>
+      <p:sp>
+        <p:nvSpPr>
+          <p:cNvPr id="4" name="Footer Placeholder 3"/>
+          <p:cNvSpPr>
+            <a:spLocks noGrp="1"/>
+          </p:cNvSpPr>
+          <p:nvPr>
+            <p:ph type="ftr" sz="quarter" idx="11"/>
+          </p:nvPr>
+        </p:nvSpPr>
+        <p:spPr>
+          <a:xfrm>
+            <a:off x="3124200" y="4786312"/>
+            <a:ext cx="2895600" cy="357188"/>
+          </a:xfrm>
+        </p:spPr>
+        <p:txBody>
+          <a:bodyPr/>
+          <a:lstStyle/>
+          <a:p>
+            <a:pPr>
+              <a:defRPr/>
+            </a:pPr>
+            <a:r>
+              <a:rPr lang="en-US" altLang="zh-CN" dirty="0"/>
+              <a:t>107</a:t>
+            </a:r>
+            <a:r>
+              <a:rPr lang="en-US" altLang="zh-CN" baseline="30000" dirty="0"/>
+              <a:t>th</a:t>
+            </a:r>
+            <a:r>
+              <a:rPr lang="en-US" altLang="zh-CN" dirty="0"/>
+              <a:t> IETF @ Vancouver</a:t>
+            </a:r>
+          </a:p>
+        </p:txBody>
+      </p:sp>
     </p:spTree>
     <p:extLst>
       <p:ext uri="{BB962C8B-B14F-4D97-AF65-F5344CB8AC3E}">
-        <p14:creationId xmlns:p14="http://schemas.microsoft.com/office/powerpoint/2010/main" val="3637512675"/>
+        <p14:creationId xmlns:p14="http://schemas.microsoft.com/office/powerpoint/2010/main" val="3909069486"/>
       </p:ext>
     </p:extLst>
   </p:cSld>
@@ -8742,7 +9513,7 @@
                 <a:latin typeface="Calibri Light" panose="020F0302020204030204" pitchFamily="34" charset="0"/>
                 <a:cs typeface="Calibri Light" panose="020F0302020204030204" pitchFamily="34" charset="0"/>
               </a:rPr>
-              <a:t>Next Steps</a:t>
+              <a:t>ECMP Support for SR Policy</a:t>
             </a:r>
           </a:p>
         </p:txBody>
@@ -8759,38 +9530,109 @@
         </p:nvSpPr>
         <p:spPr>
           <a:xfrm>
-            <a:off x="685800" y="1123950"/>
-            <a:ext cx="8001000" cy="2514599"/>
+            <a:off x="419100" y="912201"/>
+            <a:ext cx="8305800" cy="3259750"/>
           </a:xfrm>
         </p:spPr>
         <p:txBody>
           <a:bodyPr/>
           <a:lstStyle/>
           <a:p>
-            <a:pPr lvl="0"/>
-            <a:r>
-              <a:rPr lang="en-US" sz="2400" dirty="0">
-                <a:latin typeface="Calibri" charset="0"/>
-                <a:ea typeface="Calibri" charset="0"/>
-                <a:cs typeface="Calibri" charset="0"/>
-              </a:rPr>
-              <a:t>Welcome your comments and suggestions</a:t>
-            </a:r>
-          </a:p>
-          <a:p>
-            <a:r>
-              <a:rPr lang="en-US" sz="2400" dirty="0"/>
-              <a:t>Implementation exists</a:t>
-            </a:r>
-          </a:p>
-          <a:p>
-            <a:r>
-              <a:rPr lang="en-US" sz="2400" dirty="0">
-                <a:latin typeface="Calibri" charset="0"/>
-                <a:ea typeface="Calibri" charset="0"/>
-                <a:cs typeface="Calibri" charset="0"/>
-              </a:rPr>
-              <a:t>Requesting WG adoption</a:t>
+            <a:pPr>
+              <a:lnSpc>
+                <a:spcPts val="2280"/>
+              </a:lnSpc>
+              <a:spcBef>
+                <a:spcPts val="0"/>
+              </a:spcBef>
+            </a:pPr>
+            <a:r>
+              <a:rPr lang="en-US" sz="1800" dirty="0"/>
+              <a:t>SR Policy can have ECMP between the ingress and transit nodes, between transit nodes and between transit and egress nodes.</a:t>
+            </a:r>
+          </a:p>
+          <a:p>
+            <a:pPr>
+              <a:lnSpc>
+                <a:spcPts val="2280"/>
+              </a:lnSpc>
+              <a:spcBef>
+                <a:spcPts val="0"/>
+              </a:spcBef>
+            </a:pPr>
+            <a:r>
+              <a:rPr lang="en-US" sz="1800" dirty="0"/>
+              <a:t>Sending PM probe queries that can take advantage of the hashing function in forwarding plane.</a:t>
+            </a:r>
+          </a:p>
+          <a:p>
+            <a:pPr>
+              <a:lnSpc>
+                <a:spcPts val="2280"/>
+              </a:lnSpc>
+              <a:spcBef>
+                <a:spcPts val="0"/>
+              </a:spcBef>
+            </a:pPr>
+            <a:r>
+              <a:rPr lang="en-US" sz="1800" dirty="0"/>
+              <a:t>Existing forwarding mechanisms are applicable to PM probe messages:</a:t>
+            </a:r>
+          </a:p>
+          <a:p>
+            <a:pPr lvl="1">
+              <a:lnSpc>
+                <a:spcPts val="2280"/>
+              </a:lnSpc>
+              <a:spcBef>
+                <a:spcPts val="0"/>
+              </a:spcBef>
+            </a:pPr>
+            <a:r>
+              <a:rPr lang="en-US" sz="1800" dirty="0"/>
+              <a:t>For IPv4 and IPv6</a:t>
+            </a:r>
+          </a:p>
+          <a:p>
+            <a:pPr lvl="2">
+              <a:lnSpc>
+                <a:spcPts val="2280"/>
+              </a:lnSpc>
+              <a:spcBef>
+                <a:spcPts val="0"/>
+              </a:spcBef>
+            </a:pPr>
+            <a:r>
+              <a:rPr lang="en-US" sz="1800" dirty="0"/>
+              <a:t>Destination addresses in IP header (e.g. 127/8 for IPv4 and FFFF:7F00/104 for IPv6)</a:t>
+            </a:r>
+          </a:p>
+          <a:p>
+            <a:pPr lvl="2">
+              <a:lnSpc>
+                <a:spcPts val="2280"/>
+              </a:lnSpc>
+              <a:spcBef>
+                <a:spcPts val="0"/>
+              </a:spcBef>
+            </a:pPr>
+            <a:r>
+              <a:rPr lang="en-US" sz="1800" dirty="0"/>
+              <a:t>Flow label in IPv6 header</a:t>
+            </a:r>
+          </a:p>
+          <a:p>
+            <a:pPr lvl="1">
+              <a:lnSpc>
+                <a:spcPts val="2280"/>
+              </a:lnSpc>
+              <a:spcBef>
+                <a:spcPts val="0"/>
+              </a:spcBef>
+            </a:pPr>
+            <a:r>
+              <a:rPr lang="en-US" sz="1800" b="1" dirty="0"/>
+              <a:t>Used only when return path is also SR</a:t>
             </a:r>
           </a:p>
         </p:txBody>
@@ -8807,7 +9649,7 @@
         </p:nvSpPr>
         <p:spPr>
           <a:xfrm>
-            <a:off x="3124200" y="4786312"/>
+            <a:off x="3124200" y="4781550"/>
             <a:ext cx="2895600" cy="357188"/>
           </a:xfrm>
         </p:spPr>
@@ -8865,7 +9707,7 @@
     </p:spTree>
     <p:extLst>
       <p:ext uri="{BB962C8B-B14F-4D97-AF65-F5344CB8AC3E}">
-        <p14:creationId xmlns:p14="http://schemas.microsoft.com/office/powerpoint/2010/main" val="2309160477"/>
+        <p14:creationId xmlns:p14="http://schemas.microsoft.com/office/powerpoint/2010/main" val="3637512675"/>
       </p:ext>
     </p:extLst>
   </p:cSld>

--- a/draft-gandhi-spring-sr-enhanced-plm-00.pptx
+++ b/draft-gandhi-spring-sr-enhanced-plm-00.pptx
@@ -9381,8 +9381,8 @@
         </p:nvSpPr>
         <p:spPr>
           <a:xfrm>
-            <a:off x="5257800" y="1001598"/>
-            <a:ext cx="3505200" cy="3246552"/>
+            <a:off x="5029200" y="948474"/>
+            <a:ext cx="3657600" cy="3246552"/>
           </a:xfrm>
         </p:spPr>
         <p:txBody>
@@ -9406,7 +9406,14 @@
           <a:p>
             <a:r>
               <a:rPr lang="en-US" sz="1600" dirty="0"/>
-              <a:t>Reflector adds the Receive Timestamp at fixed location locally provisioned</a:t>
+              <a:t>Reflector adds the Receive Timestamp at fixed offset locally provisioned</a:t>
+            </a:r>
+          </a:p>
+          <a:p>
+            <a:pPr lvl="1"/>
+            <a:r>
+              <a:rPr lang="en-US" sz="1600" dirty="0"/>
+              <a:t>For TWAMP Light packet, it is at offset-byte 16 from the start of the payload</a:t>
             </a:r>
           </a:p>
           <a:p>

--- a/draft-gandhi-spring-sr-enhanced-plm-00.pptx
+++ b/draft-gandhi-spring-sr-enhanced-plm-00.pptx
@@ -17,13 +17,13 @@
     <p:sldId id="326" r:id="rId5"/>
     <p:sldId id="1659" r:id="rId6"/>
     <p:sldId id="1660" r:id="rId7"/>
-    <p:sldId id="1661" r:id="rId8"/>
-    <p:sldId id="1662" r:id="rId9"/>
-    <p:sldId id="1658" r:id="rId10"/>
+    <p:sldId id="1662" r:id="rId8"/>
+    <p:sldId id="1658" r:id="rId9"/>
+    <p:sldId id="1663" r:id="rId10"/>
     <p:sldId id="318" r:id="rId11"/>
     <p:sldId id="303" r:id="rId12"/>
     <p:sldId id="1655" r:id="rId13"/>
-    <p:sldId id="1652" r:id="rId14"/>
+    <p:sldId id="1661" r:id="rId14"/>
     <p:sldId id="1654" r:id="rId15"/>
   </p:sldIdLst>
   <p:sldSz cx="9144000" cy="5143500" type="screen16x9"/>
@@ -257,7 +257,7 @@
           <a:p>
             <a:fld id="{E8FA3DB5-7722-3F4F-947D-12B203669AD7}" type="datetimeFigureOut">
               <a:rPr lang="en-US" smtClean="0"/>
-              <a:t>3/10/20</a:t>
+              <a:t>4/2/20</a:t>
             </a:fld>
             <a:endParaRPr lang="en-US"/>
           </a:p>
@@ -918,7 +918,7 @@
           <a:bodyPr/>
           <a:lstStyle/>
           <a:p>
-            <a:endParaRPr lang="en-CA" dirty="0"/>
+            <a:endParaRPr lang="en-US" dirty="0"/>
           </a:p>
         </p:txBody>
       </p:sp>
@@ -945,7 +945,7 @@
               <a:pPr>
                 <a:defRPr/>
               </a:pPr>
-              <a:t>10</a:t>
+              <a:t>11</a:t>
             </a:fld>
             <a:endParaRPr lang="en-US" altLang="zh-CN"/>
           </a:p>
@@ -954,7 +954,7 @@
     </p:spTree>
     <p:extLst>
       <p:ext uri="{BB962C8B-B14F-4D97-AF65-F5344CB8AC3E}">
-        <p14:creationId xmlns:p14="http://schemas.microsoft.com/office/powerpoint/2010/main" val="1422079827"/>
+        <p14:creationId xmlns:p14="http://schemas.microsoft.com/office/powerpoint/2010/main" val="383772479"/>
       </p:ext>
     </p:extLst>
   </p:cSld>
@@ -1008,7 +1008,7 @@
           <a:bodyPr/>
           <a:lstStyle/>
           <a:p>
-            <a:endParaRPr lang="en-US" dirty="0"/>
+            <a:endParaRPr lang="en-CA" dirty="0"/>
           </a:p>
         </p:txBody>
       </p:sp>
@@ -1035,7 +1035,7 @@
               <a:pPr>
                 <a:defRPr/>
               </a:pPr>
-              <a:t>11</a:t>
+              <a:t>12</a:t>
             </a:fld>
             <a:endParaRPr lang="en-US" altLang="zh-CN"/>
           </a:p>
@@ -1044,7 +1044,7 @@
     </p:spTree>
     <p:extLst>
       <p:ext uri="{BB962C8B-B14F-4D97-AF65-F5344CB8AC3E}">
-        <p14:creationId xmlns:p14="http://schemas.microsoft.com/office/powerpoint/2010/main" val="383772479"/>
+        <p14:creationId xmlns:p14="http://schemas.microsoft.com/office/powerpoint/2010/main" val="127127535"/>
       </p:ext>
     </p:extLst>
   </p:cSld>
@@ -1125,7 +1125,7 @@
               <a:pPr>
                 <a:defRPr/>
               </a:pPr>
-              <a:t>12</a:t>
+              <a:t>13</a:t>
             </a:fld>
             <a:endParaRPr lang="en-US" altLang="zh-CN"/>
           </a:p>
@@ -1134,7 +1134,7 @@
     </p:spTree>
     <p:extLst>
       <p:ext uri="{BB962C8B-B14F-4D97-AF65-F5344CB8AC3E}">
-        <p14:creationId xmlns:p14="http://schemas.microsoft.com/office/powerpoint/2010/main" val="127127535"/>
+        <p14:creationId xmlns:p14="http://schemas.microsoft.com/office/powerpoint/2010/main" val="3523175849"/>
       </p:ext>
     </p:extLst>
   </p:cSld>
@@ -1764,7 +1764,7 @@
     </p:spTree>
     <p:extLst>
       <p:ext uri="{BB962C8B-B14F-4D97-AF65-F5344CB8AC3E}">
-        <p14:creationId xmlns:p14="http://schemas.microsoft.com/office/powerpoint/2010/main" val="3523175849"/>
+        <p14:creationId xmlns:p14="http://schemas.microsoft.com/office/powerpoint/2010/main" val="3363797125"/>
       </p:ext>
     </p:extLst>
   </p:cSld>
@@ -1818,7 +1818,7 @@
           <a:bodyPr/>
           <a:lstStyle/>
           <a:p>
-            <a:endParaRPr lang="en-CA" dirty="0"/>
+            <a:endParaRPr lang="en-US" dirty="0"/>
           </a:p>
         </p:txBody>
       </p:sp>
@@ -1854,7 +1854,7 @@
     </p:spTree>
     <p:extLst>
       <p:ext uri="{BB962C8B-B14F-4D97-AF65-F5344CB8AC3E}">
-        <p14:creationId xmlns:p14="http://schemas.microsoft.com/office/powerpoint/2010/main" val="3363797125"/>
+        <p14:creationId xmlns:p14="http://schemas.microsoft.com/office/powerpoint/2010/main" val="939525286"/>
       </p:ext>
     </p:extLst>
   </p:cSld>
@@ -1908,7 +1908,7 @@
           <a:bodyPr/>
           <a:lstStyle/>
           <a:p>
-            <a:endParaRPr lang="en-US" dirty="0"/>
+            <a:endParaRPr lang="en-CA" dirty="0"/>
           </a:p>
         </p:txBody>
       </p:sp>
@@ -1935,7 +1935,7 @@
               <a:pPr>
                 <a:defRPr/>
               </a:pPr>
-              <a:t>9</a:t>
+              <a:t>10</a:t>
             </a:fld>
             <a:endParaRPr lang="en-US" altLang="zh-CN"/>
           </a:p>
@@ -1944,7 +1944,7 @@
     </p:spTree>
     <p:extLst>
       <p:ext uri="{BB962C8B-B14F-4D97-AF65-F5344CB8AC3E}">
-        <p14:creationId xmlns:p14="http://schemas.microsoft.com/office/powerpoint/2010/main" val="939525286"/>
+        <p14:creationId xmlns:p14="http://schemas.microsoft.com/office/powerpoint/2010/main" val="1422079827"/>
       </p:ext>
     </p:extLst>
   </p:cSld>
@@ -5456,20 +5456,9 @@
           <a:bodyPr/>
           <a:lstStyle/>
           <a:p>
-            <a:pPr>
-              <a:defRPr/>
-            </a:pPr>
-            <a:r>
-              <a:rPr lang="en-US" altLang="zh-CN" dirty="0"/>
-              <a:t>107</a:t>
-            </a:r>
-            <a:r>
-              <a:rPr lang="en-US" altLang="zh-CN" baseline="30000" dirty="0"/>
-              <a:t>th</a:t>
-            </a:r>
-            <a:r>
-              <a:rPr lang="en-US" altLang="zh-CN" dirty="0"/>
-              <a:t> IETF @ Vancouver</a:t>
+            <a:r>
+              <a:rPr lang="en-CA" dirty="0"/>
+              <a:t>IETF MPLS WG Interim – April 2020 </a:t>
             </a:r>
           </a:p>
         </p:txBody>
@@ -5629,20 +5618,9 @@
           <a:bodyPr/>
           <a:lstStyle/>
           <a:p>
-            <a:pPr>
-              <a:defRPr/>
-            </a:pPr>
-            <a:r>
-              <a:rPr lang="en-US" altLang="zh-CN" dirty="0"/>
-              <a:t>107</a:t>
-            </a:r>
-            <a:r>
-              <a:rPr lang="en-US" altLang="zh-CN" baseline="30000" dirty="0"/>
-              <a:t>th</a:t>
-            </a:r>
-            <a:r>
-              <a:rPr lang="en-US" altLang="zh-CN" dirty="0"/>
-              <a:t> IETF @ Vancouver</a:t>
+            <a:r>
+              <a:rPr lang="en-CA" dirty="0"/>
+              <a:t>IETF MPLS WG Interim – April 2020 </a:t>
             </a:r>
           </a:p>
         </p:txBody>
@@ -5726,20 +5704,9 @@
           <a:bodyPr/>
           <a:lstStyle/>
           <a:p>
-            <a:pPr>
-              <a:defRPr/>
-            </a:pPr>
-            <a:r>
-              <a:rPr lang="en-US" altLang="zh-CN" dirty="0"/>
-              <a:t>107</a:t>
-            </a:r>
-            <a:r>
-              <a:rPr lang="en-US" altLang="zh-CN" baseline="30000" dirty="0"/>
-              <a:t>th</a:t>
-            </a:r>
-            <a:r>
-              <a:rPr lang="en-US" altLang="zh-CN" dirty="0"/>
-              <a:t> IETF @ Vancouver</a:t>
+            <a:r>
+              <a:rPr lang="en-CA" dirty="0"/>
+              <a:t>IETF MPLS WG Interim – April 2020 </a:t>
             </a:r>
           </a:p>
         </p:txBody>
@@ -6012,20 +5979,9 @@
           <a:bodyPr/>
           <a:lstStyle/>
           <a:p>
-            <a:pPr>
-              <a:defRPr/>
-            </a:pPr>
-            <a:r>
-              <a:rPr lang="en-US" altLang="zh-CN" dirty="0"/>
-              <a:t>107</a:t>
-            </a:r>
-            <a:r>
-              <a:rPr lang="en-US" altLang="zh-CN" baseline="30000" dirty="0"/>
-              <a:t>th</a:t>
-            </a:r>
-            <a:r>
-              <a:rPr lang="en-US" altLang="zh-CN" dirty="0"/>
-              <a:t> IETF @ Vancouver</a:t>
+            <a:r>
+              <a:rPr lang="en-CA" dirty="0"/>
+              <a:t>IETF MPLS WG Interim – April 2020 </a:t>
             </a:r>
           </a:p>
         </p:txBody>
@@ -6119,13 +6075,7 @@
       </p:grpSpPr>
       <p:sp>
         <p:nvSpPr>
-          <p:cNvPr id="2" name="Title 1">
-            <a:extLst>
-              <a:ext uri="{FF2B5EF4-FFF2-40B4-BE49-F238E27FC236}">
-                <a16:creationId xmlns:a16="http://schemas.microsoft.com/office/drawing/2014/main" id="{9A6F4236-AC14-394A-A36C-F2BD8CED3237}"/>
-              </a:ext>
-            </a:extLst>
-          </p:cNvPr>
+          <p:cNvPr id="2" name="Title 1"/>
           <p:cNvSpPr>
             <a:spLocks noGrp="1"/>
           </p:cNvSpPr>
@@ -6135,8 +6085,8 @@
         </p:nvSpPr>
         <p:spPr>
           <a:xfrm>
-            <a:off x="457200" y="-19050"/>
-            <a:ext cx="8229600" cy="857250"/>
+            <a:off x="457200" y="0"/>
+            <a:ext cx="8458200" cy="857250"/>
           </a:xfrm>
         </p:spPr>
         <p:txBody>
@@ -6151,20 +6101,14 @@
                 <a:latin typeface="Calibri Light" panose="020F0302020204030204" pitchFamily="34" charset="0"/>
                 <a:cs typeface="Calibri Light" panose="020F0302020204030204" pitchFamily="34" charset="0"/>
               </a:rPr>
-              <a:t>Example Provisioning Model</a:t>
-            </a:r>
-          </a:p>
-        </p:txBody>
-      </p:sp>
-      <p:sp>
-        <p:nvSpPr>
-          <p:cNvPr id="4" name="Footer Placeholder 3">
-            <a:extLst>
-              <a:ext uri="{FF2B5EF4-FFF2-40B4-BE49-F238E27FC236}">
-                <a16:creationId xmlns:a16="http://schemas.microsoft.com/office/drawing/2014/main" id="{643D160E-CC3C-EB46-A6F1-43B8E2996F46}"/>
-              </a:ext>
-            </a:extLst>
-          </p:cNvPr>
+              <a:t>SRv6 with Timestamp and Forward Function</a:t>
+            </a:r>
+          </a:p>
+        </p:txBody>
+      </p:sp>
+      <p:sp>
+        <p:nvSpPr>
+          <p:cNvPr id="4" name="Footer Placeholder 3"/>
           <p:cNvSpPr>
             <a:spLocks noGrp="1"/>
           </p:cNvSpPr>
@@ -6174,7 +6118,7 @@
         </p:nvSpPr>
         <p:spPr>
           <a:xfrm>
-            <a:off x="3124200" y="4805362"/>
+            <a:off x="3124200" y="4786312"/>
             <a:ext cx="2895600" cy="357188"/>
           </a:xfrm>
         </p:spPr>
@@ -6182,33 +6126,16 @@
           <a:bodyPr/>
           <a:lstStyle/>
           <a:p>
-            <a:pPr>
-              <a:defRPr/>
-            </a:pPr>
-            <a:r>
-              <a:rPr lang="en-US" altLang="zh-CN" dirty="0"/>
-              <a:t>107</a:t>
-            </a:r>
-            <a:r>
-              <a:rPr lang="en-US" altLang="zh-CN" baseline="30000" dirty="0"/>
-              <a:t>th</a:t>
-            </a:r>
-            <a:r>
-              <a:rPr lang="en-US" altLang="zh-CN" dirty="0"/>
-              <a:t> IETF @ Vancouver</a:t>
-            </a:r>
-          </a:p>
-        </p:txBody>
-      </p:sp>
-      <p:sp>
-        <p:nvSpPr>
-          <p:cNvPr id="5" name="Slide Number Placeholder 4">
-            <a:extLst>
-              <a:ext uri="{FF2B5EF4-FFF2-40B4-BE49-F238E27FC236}">
-                <a16:creationId xmlns:a16="http://schemas.microsoft.com/office/drawing/2014/main" id="{A8B868AE-B105-7547-A646-14FCDF91C2DD}"/>
-              </a:ext>
-            </a:extLst>
-          </p:cNvPr>
+            <a:r>
+              <a:rPr lang="en-CA" dirty="0"/>
+              <a:t>IETF MPLS WG Interim – April 2020 </a:t>
+            </a:r>
+          </a:p>
+        </p:txBody>
+      </p:sp>
+      <p:sp>
+        <p:nvSpPr>
+          <p:cNvPr id="5" name="Slide Number Placeholder 4"/>
           <p:cNvSpPr>
             <a:spLocks noGrp="1"/>
           </p:cNvSpPr>
@@ -6237,10 +6164,10 @@
       </p:sp>
       <p:sp>
         <p:nvSpPr>
-          <p:cNvPr id="7" name="Rectangle 6">
+          <p:cNvPr id="6" name="Rectangle 5">
             <a:extLst>
               <a:ext uri="{FF2B5EF4-FFF2-40B4-BE49-F238E27FC236}">
-                <a16:creationId xmlns:a16="http://schemas.microsoft.com/office/drawing/2014/main" id="{AA6E66CA-28BC-2C4A-BC04-4600D8FEBF3B}"/>
+                <a16:creationId xmlns:a16="http://schemas.microsoft.com/office/drawing/2014/main" id="{4C15A4CE-6545-5142-97A8-EDA8B07CB60B}"/>
               </a:ext>
             </a:extLst>
           </p:cNvPr>
@@ -6249,8 +6176,8 @@
         </p:nvSpPr>
         <p:spPr>
           <a:xfrm>
-            <a:off x="1066800" y="843776"/>
-            <a:ext cx="7010400" cy="3600986"/>
+            <a:off x="262054" y="886522"/>
+            <a:ext cx="5410200" cy="3477875"/>
           </a:xfrm>
           <a:prstGeom prst="rect">
             <a:avLst/>
@@ -6269,162 +6196,264 @@
           <a:lstStyle/>
           <a:p>
             <a:r>
-              <a:rPr lang="en-CA" sz="1200" b="1" dirty="0">
-                <a:latin typeface="Courier" pitchFamily="2" charset="0"/>
-              </a:rPr>
-              <a:t>                             +------------+</a:t>
-            </a:r>
-          </a:p>
-          <a:p>
-            <a:r>
-              <a:rPr lang="en-CA" sz="1200" b="1" dirty="0">
-                <a:latin typeface="Courier" pitchFamily="2" charset="0"/>
-              </a:rPr>
-              <a:t>                             | Controller |</a:t>
-            </a:r>
-          </a:p>
-          <a:p>
-            <a:r>
-              <a:rPr lang="en-CA" sz="1200" b="1" dirty="0">
-                <a:latin typeface="Courier" pitchFamily="2" charset="0"/>
-              </a:rPr>
-              <a:t>                             +------------+</a:t>
-            </a:r>
-          </a:p>
-          <a:p>
-            <a:r>
-              <a:rPr lang="en-CA" sz="1200" b="1" dirty="0">
-                <a:latin typeface="Courier" pitchFamily="2" charset="0"/>
-              </a:rPr>
-              <a:t>   Destination UDP Port           /  \         Destination UDP port</a:t>
-            </a:r>
-          </a:p>
-          <a:p>
-            <a:r>
-              <a:rPr lang="en-CA" sz="1200" b="1" dirty="0">
-                <a:latin typeface="Courier" pitchFamily="2" charset="0"/>
-              </a:rPr>
-              <a:t>   Measurement Protocol          /    \        Measurement Protocol</a:t>
-            </a:r>
-          </a:p>
-          <a:p>
-            <a:r>
-              <a:rPr lang="en-CA" sz="1200" b="1" dirty="0">
-                <a:latin typeface="Courier" pitchFamily="2" charset="0"/>
-              </a:rPr>
-              <a:t>   Measurement Type             /      \       Measurement Type</a:t>
-            </a:r>
-          </a:p>
-          <a:p>
-            <a:r>
-              <a:rPr lang="en-CA" sz="1200" b="1" dirty="0">
-                <a:latin typeface="Courier" pitchFamily="2" charset="0"/>
-              </a:rPr>
-              <a:t>     Delay/Loss                /        \        Delay/Loss</a:t>
-            </a:r>
-          </a:p>
-          <a:p>
-            <a:r>
-              <a:rPr lang="en-CA" sz="1200" b="1" dirty="0">
-                <a:latin typeface="Courier" pitchFamily="2" charset="0"/>
-              </a:rPr>
-              <a:t>   Authentication Mode &amp; Key  /          \     Authentication Mode &amp; Key</a:t>
-            </a:r>
-          </a:p>
-          <a:p>
-            <a:r>
-              <a:rPr lang="en-CA" sz="1200" b="1" dirty="0">
-                <a:latin typeface="Courier" pitchFamily="2" charset="0"/>
-              </a:rPr>
-              <a:t>   Timestamp Format          /            \    Loss Measurement Mode</a:t>
-            </a:r>
-          </a:p>
-          <a:p>
-            <a:r>
-              <a:rPr lang="en-CA" sz="1200" b="1" dirty="0">
-                <a:latin typeface="Courier" pitchFamily="2" charset="0"/>
-              </a:rPr>
-              <a:t>   Delay Measurement Mode   /              \ </a:t>
-            </a:r>
-          </a:p>
-          <a:p>
-            <a:r>
-              <a:rPr lang="en-CA" sz="1200" b="1" dirty="0">
-                <a:latin typeface="Courier" pitchFamily="2" charset="0"/>
-              </a:rPr>
-              <a:t>   Padding/Packet Size     /                \ </a:t>
-            </a:r>
-          </a:p>
-          <a:p>
-            <a:r>
-              <a:rPr lang="en-CA" sz="1200" b="1" dirty="0">
-                <a:latin typeface="Courier" pitchFamily="2" charset="0"/>
-              </a:rPr>
-              <a:t>   Loss Measurement Mode  /                  \</a:t>
-            </a:r>
-          </a:p>
-          <a:p>
-            <a:r>
-              <a:rPr lang="en-CA" sz="1200" b="1" dirty="0">
-                <a:latin typeface="Courier" pitchFamily="2" charset="0"/>
-              </a:rPr>
-              <a:t>                         v                    v</a:t>
-            </a:r>
-          </a:p>
-          <a:p>
-            <a:r>
-              <a:rPr lang="en-CA" sz="1200" b="1" dirty="0">
-                <a:latin typeface="Courier" pitchFamily="2" charset="0"/>
-              </a:rPr>
-              <a:t>                     +-------+            +-------+</a:t>
-            </a:r>
-          </a:p>
-          <a:p>
-            <a:r>
-              <a:rPr lang="en-CA" sz="1200" b="1" dirty="0">
-                <a:latin typeface="Courier" pitchFamily="2" charset="0"/>
-              </a:rPr>
-              <a:t>                     |       |            |       |</a:t>
-            </a:r>
-          </a:p>
-          <a:p>
-            <a:r>
-              <a:rPr lang="en-CA" sz="1200" b="1" dirty="0">
-                <a:latin typeface="Courier" pitchFamily="2" charset="0"/>
-              </a:rPr>
-              <a:t>                     |   R1  |------------|   R5  |</a:t>
-            </a:r>
-          </a:p>
-          <a:p>
-            <a:r>
-              <a:rPr lang="en-CA" sz="1200" b="1" dirty="0">
-                <a:latin typeface="Courier" pitchFamily="2" charset="0"/>
-              </a:rPr>
-              <a:t>                     |       |            |       |</a:t>
-            </a:r>
-          </a:p>
-          <a:p>
-            <a:r>
-              <a:rPr lang="en-CA" sz="1200" b="1" dirty="0">
-                <a:latin typeface="Courier" pitchFamily="2" charset="0"/>
-              </a:rPr>
-              <a:t>                     +-------+            +-------+</a:t>
-            </a:r>
-          </a:p>
-          <a:p>
-            <a:r>
-              <a:rPr lang="en-CA" sz="1200" b="1" dirty="0">
-                <a:latin typeface="Courier" pitchFamily="2" charset="0"/>
-              </a:rPr>
-              <a:t>                      Sender              Reflector</a:t>
-            </a:r>
+              <a:rPr lang="en-CA" sz="1000" dirty="0">
+                <a:latin typeface="Courier" pitchFamily="2" charset="0"/>
+              </a:rPr>
+              <a:t>  +---------------------------------------------------------------+</a:t>
+            </a:r>
+          </a:p>
+          <a:p>
+            <a:r>
+              <a:rPr lang="en-CA" sz="1000" dirty="0">
+                <a:latin typeface="Courier" pitchFamily="2" charset="0"/>
+              </a:rPr>
+              <a:t>  |                       SRH                                     |</a:t>
+            </a:r>
+          </a:p>
+          <a:p>
+            <a:r>
+              <a:rPr lang="en-CA" sz="1000" dirty="0">
+                <a:latin typeface="Courier" pitchFamily="2" charset="0"/>
+              </a:rPr>
+              <a:t>  .                       &lt;Segment List&gt;                          .</a:t>
+            </a:r>
+          </a:p>
+          <a:p>
+            <a:r>
+              <a:rPr lang="en-CA" sz="1000" dirty="0">
+                <a:latin typeface="Courier" pitchFamily="2" charset="0"/>
+              </a:rPr>
+              <a:t>  .                       END.TSF with Target SID                 .</a:t>
+            </a:r>
+          </a:p>
+          <a:p>
+            <a:r>
+              <a:rPr lang="en-CA" sz="1000" dirty="0">
+                <a:latin typeface="Courier" pitchFamily="2" charset="0"/>
+              </a:rPr>
+              <a:t>  +---------------------------------------------------------------+</a:t>
+            </a:r>
+          </a:p>
+          <a:p>
+            <a:r>
+              <a:rPr lang="en-CA" sz="1000" dirty="0">
+                <a:latin typeface="Courier" pitchFamily="2" charset="0"/>
+              </a:rPr>
+              <a:t>  | IP Header                                                     |</a:t>
+            </a:r>
+          </a:p>
+          <a:p>
+            <a:r>
+              <a:rPr lang="en-CA" sz="1000" dirty="0">
+                <a:latin typeface="Courier" pitchFamily="2" charset="0"/>
+              </a:rPr>
+              <a:t>  .  Source IP Address = </a:t>
+            </a:r>
+            <a:r>
+              <a:rPr lang="en-CA" sz="1000" b="1" dirty="0">
+                <a:latin typeface="Courier" pitchFamily="2" charset="0"/>
+              </a:rPr>
+              <a:t>Endpoint</a:t>
+            </a:r>
+            <a:r>
+              <a:rPr lang="en-CA" sz="1000" dirty="0">
+                <a:latin typeface="Courier" pitchFamily="2" charset="0"/>
+              </a:rPr>
+              <a:t> IPv6 Address                    .</a:t>
+            </a:r>
+          </a:p>
+          <a:p>
+            <a:r>
+              <a:rPr lang="en-CA" sz="1000" dirty="0">
+                <a:latin typeface="Courier" pitchFamily="2" charset="0"/>
+              </a:rPr>
+              <a:t>  .  Destination IP Address = </a:t>
+            </a:r>
+            <a:r>
+              <a:rPr lang="en-CA" sz="1000" b="1" dirty="0">
+                <a:latin typeface="Courier" pitchFamily="2" charset="0"/>
+              </a:rPr>
+              <a:t>Sender</a:t>
+            </a:r>
+            <a:r>
+              <a:rPr lang="en-CA" sz="1000" dirty="0">
+                <a:latin typeface="Courier" pitchFamily="2" charset="0"/>
+              </a:rPr>
+              <a:t> IPv6 Address                 .</a:t>
+            </a:r>
+          </a:p>
+          <a:p>
+            <a:r>
+              <a:rPr lang="en-CA" sz="1000" dirty="0">
+                <a:latin typeface="Courier" pitchFamily="2" charset="0"/>
+              </a:rPr>
+              <a:t>  .  Protocol = UDP                                               .</a:t>
+            </a:r>
+          </a:p>
+          <a:p>
+            <a:r>
+              <a:rPr lang="en-CA" sz="1000" dirty="0">
+                <a:latin typeface="Courier" pitchFamily="2" charset="0"/>
+              </a:rPr>
+              <a:t>  .                                                               .</a:t>
+            </a:r>
+          </a:p>
+          <a:p>
+            <a:r>
+              <a:rPr lang="en-CA" sz="1000" dirty="0">
+                <a:latin typeface="Courier" pitchFamily="2" charset="0"/>
+              </a:rPr>
+              <a:t>  +---------------------------------------------------------------+</a:t>
+            </a:r>
+          </a:p>
+          <a:p>
+            <a:r>
+              <a:rPr lang="en-CA" sz="1000" dirty="0">
+                <a:latin typeface="Courier" pitchFamily="2" charset="0"/>
+              </a:rPr>
+              <a:t>  | UDP Header                                                    |</a:t>
+            </a:r>
+          </a:p>
+          <a:p>
+            <a:r>
+              <a:rPr lang="en-CA" sz="1000" dirty="0">
+                <a:latin typeface="Courier" pitchFamily="2" charset="0"/>
+              </a:rPr>
+              <a:t>  .  Source Port = As chosen by Sender                            .</a:t>
+            </a:r>
+          </a:p>
+          <a:p>
+            <a:r>
+              <a:rPr lang="en-CA" sz="1000" dirty="0">
+                <a:latin typeface="Courier" pitchFamily="2" charset="0"/>
+              </a:rPr>
+              <a:t>  .  Destination Port = User-configured Port                      .</a:t>
+            </a:r>
+          </a:p>
+          <a:p>
+            <a:r>
+              <a:rPr lang="en-CA" sz="1000" dirty="0">
+                <a:latin typeface="Courier" pitchFamily="2" charset="0"/>
+              </a:rPr>
+              <a:t>  .                                                               .</a:t>
+            </a:r>
+          </a:p>
+          <a:p>
+            <a:r>
+              <a:rPr lang="en-CA" sz="1000" dirty="0">
+                <a:latin typeface="Courier" pitchFamily="2" charset="0"/>
+              </a:rPr>
+              <a:t>  +-+-+-+-+-+-+-+-+-+-+-+-+-+-+-+-+-+-+-+-+-+-+-+-+-+-+-+-+-+-+-+-+</a:t>
+            </a:r>
+          </a:p>
+          <a:p>
+            <a:r>
+              <a:rPr lang="en-CA" sz="1000" dirty="0">
+                <a:latin typeface="Courier" pitchFamily="2" charset="0"/>
+              </a:rPr>
+              <a:t>  |  Payload as defined in Section 4.2.1 of RFC 5357 |            |</a:t>
+            </a:r>
+          </a:p>
+          <a:p>
+            <a:r>
+              <a:rPr lang="en-CA" sz="1000" dirty="0">
+                <a:latin typeface="Courier" pitchFamily="2" charset="0"/>
+              </a:rPr>
+              <a:t>  |  Payload as defined in Section 4.2 of RFC 8762                |</a:t>
+            </a:r>
+          </a:p>
+          <a:p>
+            <a:r>
+              <a:rPr lang="en-CA" sz="1000" dirty="0">
+                <a:latin typeface="Courier" pitchFamily="2" charset="0"/>
+              </a:rPr>
+              <a:t>  .                                                               .</a:t>
+            </a:r>
+          </a:p>
+          <a:p>
+            <a:r>
+              <a:rPr lang="en-CA" sz="1000" dirty="0">
+                <a:latin typeface="Courier" pitchFamily="2" charset="0"/>
+              </a:rPr>
+              <a:t>  +---------------------------------------------------------------+</a:t>
+            </a:r>
+          </a:p>
+          <a:p>
+            <a:r>
+              <a:rPr lang="en-CA" sz="1000" dirty="0">
+                <a:latin typeface="Courier" pitchFamily="2" charset="0"/>
+              </a:rPr>
+              <a:t> </a:t>
+            </a:r>
+          </a:p>
+          <a:p>
+            <a:r>
+              <a:rPr lang="en-CA" sz="1000" dirty="0">
+                <a:latin typeface="Courier" pitchFamily="2" charset="0"/>
+              </a:rPr>
+              <a:t>  Figure 6: Probe Message Header for SRv6 with Endpoint Function</a:t>
+            </a:r>
+            <a:endParaRPr lang="en-US" sz="1000" dirty="0">
+              <a:latin typeface="Courier" pitchFamily="2" charset="0"/>
+            </a:endParaRPr>
+          </a:p>
+        </p:txBody>
+      </p:sp>
+      <p:sp>
+        <p:nvSpPr>
+          <p:cNvPr id="8" name="Content Placeholder 7">
+            <a:extLst>
+              <a:ext uri="{FF2B5EF4-FFF2-40B4-BE49-F238E27FC236}">
+                <a16:creationId xmlns:a16="http://schemas.microsoft.com/office/drawing/2014/main" id="{FC6E1890-536D-9D49-8207-C42BBF301FF3}"/>
+              </a:ext>
+            </a:extLst>
+          </p:cNvPr>
+          <p:cNvSpPr>
+            <a:spLocks noGrp="1"/>
+          </p:cNvSpPr>
+          <p:nvPr>
+            <p:ph idx="1"/>
+          </p:nvPr>
+        </p:nvSpPr>
+        <p:spPr>
+          <a:xfrm>
+            <a:off x="5802351" y="1031647"/>
+            <a:ext cx="3048000" cy="3140303"/>
+          </a:xfrm>
+        </p:spPr>
+        <p:txBody>
+          <a:bodyPr/>
+          <a:lstStyle/>
+          <a:p>
+            <a:r>
+              <a:rPr lang="en-US" sz="1600" dirty="0"/>
+              <a:t>Endpoint Function END.TSF is defined for Timestamp and Forward</a:t>
+            </a:r>
+          </a:p>
+          <a:p>
+            <a:r>
+              <a:rPr lang="en-US" sz="1600" dirty="0"/>
+              <a:t>Source and Destination Addresses for the Reverse direction path in the inner IPv6 header</a:t>
+            </a:r>
+          </a:p>
+          <a:p>
+            <a:r>
+              <a:rPr lang="en-US" sz="1600" dirty="0"/>
+              <a:t>Optionally, Reverse direction SR path can be in the SRH</a:t>
+            </a:r>
+          </a:p>
+          <a:p>
+            <a:endParaRPr lang="en-US" sz="1600" dirty="0"/>
+          </a:p>
+          <a:p>
+            <a:endParaRPr lang="en-US" sz="1600" dirty="0"/>
           </a:p>
         </p:txBody>
       </p:sp>
     </p:spTree>
     <p:extLst>
       <p:ext uri="{BB962C8B-B14F-4D97-AF65-F5344CB8AC3E}">
-        <p14:creationId xmlns:p14="http://schemas.microsoft.com/office/powerpoint/2010/main" val="1805408624"/>
+        <p14:creationId xmlns:p14="http://schemas.microsoft.com/office/powerpoint/2010/main" val="2794794225"/>
       </p:ext>
     </p:extLst>
   </p:cSld>
@@ -6471,20 +6500,9 @@
           <a:bodyPr/>
           <a:lstStyle/>
           <a:p>
-            <a:pPr>
-              <a:defRPr/>
-            </a:pPr>
-            <a:r>
-              <a:rPr lang="en-US" altLang="zh-CN" dirty="0"/>
-              <a:t>107</a:t>
-            </a:r>
-            <a:r>
-              <a:rPr lang="en-US" altLang="zh-CN" baseline="30000" dirty="0"/>
-              <a:t>th</a:t>
-            </a:r>
-            <a:r>
-              <a:rPr lang="en-US" altLang="zh-CN" dirty="0"/>
-              <a:t> IETF @ Vancouver</a:t>
+            <a:r>
+              <a:rPr lang="en-CA" dirty="0"/>
+              <a:t>IETF MPLS WG Interim – April 2020 </a:t>
             </a:r>
           </a:p>
         </p:txBody>
@@ -6829,20 +6847,9 @@
           <a:bodyPr/>
           <a:lstStyle/>
           <a:p>
-            <a:pPr>
-              <a:defRPr/>
-            </a:pPr>
-            <a:r>
-              <a:rPr lang="en-US" altLang="zh-CN" dirty="0"/>
-              <a:t>107</a:t>
-            </a:r>
-            <a:r>
-              <a:rPr lang="en-US" altLang="zh-CN" baseline="30000" dirty="0"/>
-              <a:t>th</a:t>
-            </a:r>
-            <a:r>
-              <a:rPr lang="en-US" altLang="zh-CN" dirty="0"/>
-              <a:t> IETF @ Vancouver</a:t>
+            <a:r>
+              <a:rPr lang="en-CA" dirty="0"/>
+              <a:t>IETF MPLS WG Interim – April 2020 </a:t>
             </a:r>
           </a:p>
         </p:txBody>
@@ -7033,71 +7040,8 @@
             </a:pPr>
             <a:r>
               <a:rPr lang="en-US" sz="1600" dirty="0"/>
-              <a:t>STAMP [</a:t>
-            </a:r>
-            <a:r>
-              <a:rPr lang="en-CA" sz="1600" dirty="0"/>
-              <a:t>draft-</a:t>
-            </a:r>
-            <a:r>
-              <a:rPr lang="en-CA" sz="1600" dirty="0" err="1"/>
-              <a:t>ietf</a:t>
-            </a:r>
-            <a:r>
-              <a:rPr lang="en-CA" sz="1600" dirty="0"/>
-              <a:t>-</a:t>
-            </a:r>
-            <a:r>
-              <a:rPr lang="en-CA" sz="1600" dirty="0" err="1"/>
-              <a:t>ippm</a:t>
-            </a:r>
-            <a:r>
-              <a:rPr lang="en-CA" sz="1600" dirty="0"/>
-              <a:t>-stamp</a:t>
-            </a:r>
-            <a:r>
-              <a:rPr lang="en-US" sz="1600" dirty="0"/>
-              <a:t>] defined probe messages</a:t>
-            </a:r>
-          </a:p>
-          <a:p>
-            <a:pPr lvl="1">
-              <a:buFont typeface="Wingdings" charset="2"/>
-              <a:buChar char="§"/>
-            </a:pPr>
-            <a:r>
-              <a:rPr lang="en-US" sz="1600" dirty="0"/>
-              <a:t>STAMP TLVs [</a:t>
-            </a:r>
-            <a:r>
-              <a:rPr lang="en-CA" sz="1600" dirty="0"/>
-              <a:t>draft-</a:t>
-            </a:r>
-            <a:r>
-              <a:rPr lang="en-CA" sz="1600" dirty="0" err="1"/>
-              <a:t>ietf</a:t>
-            </a:r>
-            <a:r>
-              <a:rPr lang="en-CA" sz="1600" dirty="0"/>
-              <a:t>-</a:t>
-            </a:r>
-            <a:r>
-              <a:rPr lang="en-CA" sz="1600" dirty="0" err="1"/>
-              <a:t>ippm</a:t>
-            </a:r>
-            <a:r>
-              <a:rPr lang="en-CA" sz="1600" dirty="0"/>
-              <a:t>-stamp-option-</a:t>
-            </a:r>
-            <a:r>
-              <a:rPr lang="en-CA" sz="1600" dirty="0" err="1"/>
-              <a:t>tlv</a:t>
-            </a:r>
-            <a:r>
-              <a:rPr lang="en-CA" sz="1600" dirty="0"/>
-              <a:t>]</a:t>
-            </a:r>
-            <a:endParaRPr lang="en-US" sz="1600" dirty="0"/>
+              <a:t>RFC 8762 (STAMP) defined probe messages</a:t>
+            </a:r>
           </a:p>
           <a:p>
             <a:pPr lvl="1">
@@ -7138,20 +7082,9 @@
           <a:bodyPr/>
           <a:lstStyle/>
           <a:p>
-            <a:pPr>
-              <a:defRPr/>
-            </a:pPr>
-            <a:r>
-              <a:rPr lang="en-US" altLang="zh-CN" dirty="0"/>
-              <a:t>107</a:t>
-            </a:r>
-            <a:r>
-              <a:rPr lang="en-US" altLang="zh-CN" baseline="30000" dirty="0"/>
-              <a:t>th</a:t>
-            </a:r>
-            <a:r>
-              <a:rPr lang="en-US" altLang="zh-CN" dirty="0"/>
-              <a:t> IETF @ Vancouver</a:t>
+            <a:r>
+              <a:rPr lang="en-CA" dirty="0"/>
+              <a:t>IETF MPLS WG Interim – April 2020 </a:t>
             </a:r>
           </a:p>
         </p:txBody>
@@ -7268,20 +7201,9 @@
           <a:bodyPr/>
           <a:lstStyle/>
           <a:p>
-            <a:pPr>
-              <a:defRPr/>
-            </a:pPr>
-            <a:r>
-              <a:rPr lang="en-US" altLang="zh-CN" dirty="0"/>
-              <a:t>107</a:t>
-            </a:r>
-            <a:r>
-              <a:rPr lang="en-US" altLang="zh-CN" baseline="30000" dirty="0"/>
-              <a:t>th</a:t>
-            </a:r>
-            <a:r>
-              <a:rPr lang="en-US" altLang="zh-CN" dirty="0"/>
-              <a:t> IETF @ Vancouver</a:t>
+            <a:r>
+              <a:rPr lang="en-CA" dirty="0"/>
+              <a:t>IETF MPLS WG Interim – April 2020 </a:t>
             </a:r>
           </a:p>
         </p:txBody>
@@ -7640,20 +7562,9 @@
           <a:bodyPr/>
           <a:lstStyle/>
           <a:p>
-            <a:pPr>
-              <a:defRPr/>
-            </a:pPr>
-            <a:r>
-              <a:rPr lang="en-US" altLang="zh-CN" dirty="0"/>
-              <a:t>107</a:t>
-            </a:r>
-            <a:r>
-              <a:rPr lang="en-US" altLang="zh-CN" baseline="30000" dirty="0"/>
-              <a:t>th</a:t>
-            </a:r>
-            <a:r>
-              <a:rPr lang="en-US" altLang="zh-CN" dirty="0"/>
-              <a:t> IETF @ Vancouver</a:t>
+            <a:r>
+              <a:rPr lang="en-CA" dirty="0"/>
+              <a:t>IETF MPLS WG Interim – April 2020 </a:t>
             </a:r>
           </a:p>
         </p:txBody>
@@ -7937,20 +7848,9 @@
           <a:bodyPr/>
           <a:lstStyle/>
           <a:p>
-            <a:pPr>
-              <a:defRPr/>
-            </a:pPr>
-            <a:r>
-              <a:rPr lang="en-US" altLang="zh-CN" dirty="0"/>
-              <a:t>107</a:t>
-            </a:r>
-            <a:r>
-              <a:rPr lang="en-US" altLang="zh-CN" baseline="30000" dirty="0"/>
-              <a:t>th</a:t>
-            </a:r>
-            <a:r>
-              <a:rPr lang="en-US" altLang="zh-CN" dirty="0"/>
-              <a:t> IETF @ Vancouver</a:t>
+            <a:r>
+              <a:rPr lang="en-CA" dirty="0"/>
+              <a:t>IETF MPLS WG Interim – April 2020 </a:t>
             </a:r>
           </a:p>
         </p:txBody>
@@ -7999,7 +7899,7 @@
         <p:spPr>
           <a:xfrm>
             <a:off x="228600" y="666750"/>
-            <a:ext cx="4876800" cy="4108817"/>
+            <a:ext cx="4876800" cy="4247317"/>
           </a:xfrm>
           <a:prstGeom prst="rect">
             <a:avLst/>
@@ -8243,7 +8143,7 @@
               <a:rPr lang="en-CA" sz="900" dirty="0">
                 <a:latin typeface="Courier" pitchFamily="2" charset="0"/>
               </a:rPr>
-              <a:t>  |  Payload as defined in Section 4.2 of STAMP                   |</a:t>
+              <a:t>  |  Payload as defined in Section 4.2 of RFC 8762                |</a:t>
             </a:r>
           </a:p>
           <a:p>
@@ -8380,7 +8280,7 @@
         </p:nvSpPr>
         <p:spPr>
           <a:xfrm>
-            <a:off x="457200" y="0"/>
+            <a:off x="443261" y="-132784"/>
             <a:ext cx="8458200" cy="857250"/>
           </a:xfrm>
         </p:spPr>
@@ -8396,45 +8296,7 @@
                 <a:latin typeface="Calibri Light" panose="020F0302020204030204" pitchFamily="34" charset="0"/>
                 <a:cs typeface="Calibri Light" panose="020F0302020204030204" pitchFamily="34" charset="0"/>
               </a:rPr>
-              <a:t>SRv6 with Timestamp and Forward Function</a:t>
-            </a:r>
-          </a:p>
-        </p:txBody>
-      </p:sp>
-      <p:sp>
-        <p:nvSpPr>
-          <p:cNvPr id="4" name="Footer Placeholder 3"/>
-          <p:cNvSpPr>
-            <a:spLocks noGrp="1"/>
-          </p:cNvSpPr>
-          <p:nvPr>
-            <p:ph type="ftr" sz="quarter" idx="11"/>
-          </p:nvPr>
-        </p:nvSpPr>
-        <p:spPr>
-          <a:xfrm>
-            <a:off x="3124200" y="4786312"/>
-            <a:ext cx="2895600" cy="357188"/>
-          </a:xfrm>
-        </p:spPr>
-        <p:txBody>
-          <a:bodyPr/>
-          <a:lstStyle/>
-          <a:p>
-            <a:pPr>
-              <a:defRPr/>
-            </a:pPr>
-            <a:r>
-              <a:rPr lang="en-US" altLang="zh-CN" dirty="0"/>
-              <a:t>107</a:t>
-            </a:r>
-            <a:r>
-              <a:rPr lang="en-US" altLang="zh-CN" baseline="30000" dirty="0"/>
-              <a:t>th</a:t>
-            </a:r>
-            <a:r>
-              <a:rPr lang="en-US" altLang="zh-CN" dirty="0"/>
-              <a:t> IETF @ Vancouver</a:t>
+              <a:t>TWAMP Light/STAMP Message Format</a:t>
             </a:r>
           </a:p>
         </p:txBody>
@@ -8482,8 +8344,8 @@
         </p:nvSpPr>
         <p:spPr>
           <a:xfrm>
-            <a:off x="262054" y="886522"/>
-            <a:ext cx="5410200" cy="3477875"/>
+            <a:off x="179813" y="583420"/>
+            <a:ext cx="4392187" cy="4278094"/>
           </a:xfrm>
           <a:prstGeom prst="rect">
             <a:avLst/>
@@ -8502,7 +8364,7 @@
           <a:lstStyle/>
           <a:p>
             <a:r>
-              <a:rPr lang="en-CA" sz="1000" dirty="0">
+              <a:rPr lang="en-CA" sz="800" dirty="0">
                 <a:latin typeface="Courier" pitchFamily="2" charset="0"/>
               </a:rPr>
               <a:t>  +---------------------------------------------------------------+</a:t>
@@ -8510,31 +8372,71 @@
           </a:p>
           <a:p>
             <a:r>
-              <a:rPr lang="en-CA" sz="1000" dirty="0">
-                <a:latin typeface="Courier" pitchFamily="2" charset="0"/>
-              </a:rPr>
-              <a:t>  |                       SRH                                     |</a:t>
-            </a:r>
-          </a:p>
-          <a:p>
-            <a:r>
-              <a:rPr lang="en-CA" sz="1000" dirty="0">
-                <a:latin typeface="Courier" pitchFamily="2" charset="0"/>
-              </a:rPr>
-              <a:t>  .                       &lt;Segment List&gt;                          .</a:t>
-            </a:r>
-          </a:p>
-          <a:p>
-            <a:r>
-              <a:rPr lang="en-CA" sz="1000" dirty="0">
-                <a:latin typeface="Courier" pitchFamily="2" charset="0"/>
-              </a:rPr>
-              <a:t>  .                       END.TSF with Target SID                 .</a:t>
-            </a:r>
-          </a:p>
-          <a:p>
-            <a:r>
-              <a:rPr lang="en-CA" sz="1000" dirty="0">
+              <a:rPr lang="en-CA" sz="800" dirty="0">
+                <a:latin typeface="Courier" pitchFamily="2" charset="0"/>
+              </a:rPr>
+              <a:t>  | IP Header                                                     |</a:t>
+            </a:r>
+          </a:p>
+          <a:p>
+            <a:r>
+              <a:rPr lang="en-CA" sz="800" dirty="0">
+                <a:latin typeface="Courier" pitchFamily="2" charset="0"/>
+              </a:rPr>
+              <a:t>  .  Source IP Address = </a:t>
+            </a:r>
+            <a:r>
+              <a:rPr lang="en-CA" sz="800" b="1" dirty="0">
+                <a:latin typeface="Courier" pitchFamily="2" charset="0"/>
+              </a:rPr>
+              <a:t>Endpoint</a:t>
+            </a:r>
+            <a:r>
+              <a:rPr lang="en-CA" sz="800" dirty="0">
+                <a:latin typeface="Courier" pitchFamily="2" charset="0"/>
+              </a:rPr>
+              <a:t> IP Address                      .</a:t>
+            </a:r>
+          </a:p>
+          <a:p>
+            <a:r>
+              <a:rPr lang="en-CA" sz="800" dirty="0">
+                <a:latin typeface="Courier" pitchFamily="2" charset="0"/>
+              </a:rPr>
+              <a:t>  .  Destination IP Address = </a:t>
+            </a:r>
+            <a:r>
+              <a:rPr lang="en-CA" sz="800" b="1" dirty="0">
+                <a:latin typeface="Courier" pitchFamily="2" charset="0"/>
+              </a:rPr>
+              <a:t>Sender</a:t>
+            </a:r>
+            <a:r>
+              <a:rPr lang="en-CA" sz="800" dirty="0">
+                <a:latin typeface="Courier" pitchFamily="2" charset="0"/>
+              </a:rPr>
+              <a:t> IP Address                   .</a:t>
+            </a:r>
+          </a:p>
+          <a:p>
+            <a:r>
+              <a:rPr lang="en-CA" sz="800" dirty="0">
+                <a:latin typeface="Courier" pitchFamily="2" charset="0"/>
+              </a:rPr>
+              <a:t>  .  Protocol = UDP                                               .</a:t>
+            </a:r>
+          </a:p>
+          <a:p>
+            <a:r>
+              <a:rPr lang="en-CA" sz="800" dirty="0">
+                <a:latin typeface="Courier" pitchFamily="2" charset="0"/>
+              </a:rPr>
+              <a:t>  .                                                               .</a:t>
+            </a:r>
+          </a:p>
+          <a:p>
+            <a:r>
+              <a:rPr lang="en-CA" sz="800" dirty="0">
                 <a:latin typeface="Courier" pitchFamily="2" charset="0"/>
               </a:rPr>
               <a:t>  +---------------------------------------------------------------+</a:t>
@@ -8542,63 +8444,31 @@
           </a:p>
           <a:p>
             <a:r>
-              <a:rPr lang="en-CA" sz="1000" dirty="0">
-                <a:latin typeface="Courier" pitchFamily="2" charset="0"/>
-              </a:rPr>
-              <a:t>  | IP Header                                                     |</a:t>
-            </a:r>
-          </a:p>
-          <a:p>
-            <a:r>
-              <a:rPr lang="en-CA" sz="1000" dirty="0">
-                <a:latin typeface="Courier" pitchFamily="2" charset="0"/>
-              </a:rPr>
-              <a:t>  .  Source IP Address = </a:t>
-            </a:r>
-            <a:r>
-              <a:rPr lang="en-CA" sz="1000" b="1" dirty="0">
-                <a:latin typeface="Courier" pitchFamily="2" charset="0"/>
-              </a:rPr>
-              <a:t>Endpoint</a:t>
-            </a:r>
-            <a:r>
-              <a:rPr lang="en-CA" sz="1000" dirty="0">
-                <a:latin typeface="Courier" pitchFamily="2" charset="0"/>
-              </a:rPr>
-              <a:t> IPv6 Address                    .</a:t>
-            </a:r>
-          </a:p>
-          <a:p>
-            <a:r>
-              <a:rPr lang="en-CA" sz="1000" dirty="0">
-                <a:latin typeface="Courier" pitchFamily="2" charset="0"/>
-              </a:rPr>
-              <a:t>  .  Destination IP Address = </a:t>
-            </a:r>
-            <a:r>
-              <a:rPr lang="en-CA" sz="1000" b="1" dirty="0">
-                <a:latin typeface="Courier" pitchFamily="2" charset="0"/>
-              </a:rPr>
-              <a:t>Sender</a:t>
-            </a:r>
-            <a:r>
-              <a:rPr lang="en-CA" sz="1000" dirty="0">
-                <a:latin typeface="Courier" pitchFamily="2" charset="0"/>
-              </a:rPr>
-              <a:t> IPv6 Address                 .</a:t>
-            </a:r>
-          </a:p>
-          <a:p>
-            <a:r>
-              <a:rPr lang="en-CA" sz="1000" dirty="0">
-                <a:latin typeface="Courier" pitchFamily="2" charset="0"/>
-              </a:rPr>
-              <a:t>  .  Protocol = UDP                                               .</a:t>
-            </a:r>
-          </a:p>
-          <a:p>
-            <a:r>
-              <a:rPr lang="en-CA" sz="1000" dirty="0">
+              <a:rPr lang="en-CA" sz="800" dirty="0">
+                <a:latin typeface="Courier" pitchFamily="2" charset="0"/>
+              </a:rPr>
+              <a:t>  | UDP Header                                                    |</a:t>
+            </a:r>
+          </a:p>
+          <a:p>
+            <a:r>
+              <a:rPr lang="en-CA" sz="800" dirty="0">
+                <a:latin typeface="Courier" pitchFamily="2" charset="0"/>
+              </a:rPr>
+              <a:t>  .  Source Port = As chosen by Sender                            .</a:t>
+            </a:r>
+          </a:p>
+          <a:p>
+            <a:r>
+              <a:rPr lang="en-CA" sz="800" dirty="0">
+                <a:latin typeface="Courier" pitchFamily="2" charset="0"/>
+              </a:rPr>
+              <a:t>  .  Destination Port = User-configured Port                      .</a:t>
+            </a:r>
+          </a:p>
+          <a:p>
+            <a:r>
+              <a:rPr lang="en-CA" sz="800" dirty="0">
                 <a:latin typeface="Courier" pitchFamily="2" charset="0"/>
               </a:rPr>
               <a:t>  .                                                               .</a:t>
@@ -8606,100 +8476,403 @@
           </a:p>
           <a:p>
             <a:r>
-              <a:rPr lang="en-CA" sz="1000" dirty="0">
-                <a:latin typeface="Courier" pitchFamily="2" charset="0"/>
-              </a:rPr>
-              <a:t>  +---------------------------------------------------------------+</a:t>
-            </a:r>
-          </a:p>
-          <a:p>
-            <a:r>
-              <a:rPr lang="en-CA" sz="1000" dirty="0">
-                <a:latin typeface="Courier" pitchFamily="2" charset="0"/>
-              </a:rPr>
-              <a:t>  | UDP Header                                                    |</a:t>
-            </a:r>
-          </a:p>
-          <a:p>
-            <a:r>
-              <a:rPr lang="en-CA" sz="1000" dirty="0">
-                <a:latin typeface="Courier" pitchFamily="2" charset="0"/>
-              </a:rPr>
-              <a:t>  .  Source Port = As chosen by Sender                            .</a:t>
-            </a:r>
-          </a:p>
-          <a:p>
-            <a:r>
-              <a:rPr lang="en-CA" sz="1000" dirty="0">
-                <a:latin typeface="Courier" pitchFamily="2" charset="0"/>
-              </a:rPr>
-              <a:t>  .  Destination Port = User-configured Port                      .</a:t>
-            </a:r>
-          </a:p>
-          <a:p>
-            <a:r>
-              <a:rPr lang="en-CA" sz="1000" dirty="0">
-                <a:latin typeface="Courier" pitchFamily="2" charset="0"/>
-              </a:rPr>
-              <a:t>  .                                                               .</a:t>
-            </a:r>
-          </a:p>
-          <a:p>
-            <a:r>
-              <a:rPr lang="en-CA" sz="1000" dirty="0">
+              <a:rPr lang="en-CA" sz="800" dirty="0">
                 <a:latin typeface="Courier" pitchFamily="2" charset="0"/>
               </a:rPr>
               <a:t>  +-+-+-+-+-+-+-+-+-+-+-+-+-+-+-+-+-+-+-+-+-+-+-+-+-+-+-+-+-+-+-+-+</a:t>
             </a:r>
           </a:p>
           <a:p>
-            <a:r>
-              <a:rPr lang="en-CA" sz="1000" dirty="0">
-                <a:latin typeface="Courier" pitchFamily="2" charset="0"/>
-              </a:rPr>
-              <a:t>  |  Payload as defined in Section 4.2.1 of RFC 5357 |            |</a:t>
-            </a:r>
-          </a:p>
-          <a:p>
-            <a:r>
-              <a:rPr lang="en-CA" sz="1000" dirty="0">
-                <a:latin typeface="Courier" pitchFamily="2" charset="0"/>
-              </a:rPr>
-              <a:t>  |  Payload as defined in Section 4.2 of STAMP                   |</a:t>
-            </a:r>
-          </a:p>
-          <a:p>
-            <a:r>
-              <a:rPr lang="en-CA" sz="1000" dirty="0">
-                <a:latin typeface="Courier" pitchFamily="2" charset="0"/>
-              </a:rPr>
-              <a:t>  .                                                               .</a:t>
-            </a:r>
-          </a:p>
-          <a:p>
-            <a:r>
-              <a:rPr lang="en-CA" sz="1000" dirty="0">
-                <a:latin typeface="Courier" pitchFamily="2" charset="0"/>
-              </a:rPr>
-              <a:t>  +---------------------------------------------------------------+</a:t>
-            </a:r>
-          </a:p>
-          <a:p>
-            <a:r>
-              <a:rPr lang="en-CA" sz="1000" dirty="0">
-                <a:latin typeface="Courier" pitchFamily="2" charset="0"/>
-              </a:rPr>
-              <a:t> </a:t>
-            </a:r>
-          </a:p>
-          <a:p>
-            <a:r>
-              <a:rPr lang="en-CA" sz="1000" dirty="0">
-                <a:latin typeface="Courier" pitchFamily="2" charset="0"/>
-              </a:rPr>
-              <a:t>  Figure 6: Probe Message Header for SRv6 with Endpoint Function</a:t>
-            </a:r>
-            <a:endParaRPr lang="en-US" sz="1000" dirty="0">
+            <a:pPr>
+              <a:spcAft>
+                <a:spcPts val="0"/>
+              </a:spcAft>
+            </a:pPr>
+            <a:r>
+              <a:rPr lang="en-US" sz="800" dirty="0">
+                <a:latin typeface="Courier" pitchFamily="2" charset="0"/>
+                <a:ea typeface="Courier" charset="0"/>
+                <a:cs typeface="Courier" charset="0"/>
+              </a:rPr>
+              <a:t>  |         Sequence Number                                       |</a:t>
+            </a:r>
+          </a:p>
+          <a:p>
+            <a:pPr>
+              <a:spcAft>
+                <a:spcPts val="0"/>
+              </a:spcAft>
+            </a:pPr>
+            <a:r>
+              <a:rPr lang="en-US" sz="800" dirty="0">
+                <a:latin typeface="Courier" pitchFamily="2" charset="0"/>
+                <a:ea typeface="Courier" charset="0"/>
+                <a:cs typeface="Courier" charset="0"/>
+              </a:rPr>
+              <a:t>  +-+-+-+-+-+-+-+-+-+-+-+-+-+-+-+-+-+-+-+-+-+-+-+-+-+-+-+-+-+-+-+-+</a:t>
+            </a:r>
+          </a:p>
+          <a:p>
+            <a:pPr>
+              <a:spcAft>
+                <a:spcPts val="0"/>
+              </a:spcAft>
+            </a:pPr>
+            <a:r>
+              <a:rPr lang="en-US" sz="800" dirty="0">
+                <a:latin typeface="Courier" pitchFamily="2" charset="0"/>
+                <a:ea typeface="Courier" charset="0"/>
+                <a:cs typeface="Courier" charset="0"/>
+              </a:rPr>
+              <a:t>  |                      Transmit Timestamp                       |</a:t>
+            </a:r>
+          </a:p>
+          <a:p>
+            <a:pPr>
+              <a:spcAft>
+                <a:spcPts val="0"/>
+              </a:spcAft>
+            </a:pPr>
+            <a:r>
+              <a:rPr lang="en-US" sz="800" dirty="0">
+                <a:latin typeface="Courier" pitchFamily="2" charset="0"/>
+                <a:ea typeface="Courier" charset="0"/>
+                <a:cs typeface="Courier" charset="0"/>
+              </a:rPr>
+              <a:t>  |                                                               |</a:t>
+            </a:r>
+          </a:p>
+          <a:p>
+            <a:pPr>
+              <a:spcAft>
+                <a:spcPts val="0"/>
+              </a:spcAft>
+            </a:pPr>
+            <a:r>
+              <a:rPr lang="en-US" sz="800" dirty="0">
+                <a:latin typeface="Courier" pitchFamily="2" charset="0"/>
+                <a:ea typeface="Courier" charset="0"/>
+                <a:cs typeface="Courier" charset="0"/>
+              </a:rPr>
+              <a:t>  +-+-+-+-+-+-+-+-+-+-+-+-+-+-+-+-+-+-+-+-+-+-+-+-+-+-+-+-+-+-+-+-+</a:t>
+            </a:r>
+          </a:p>
+          <a:p>
+            <a:pPr>
+              <a:spcAft>
+                <a:spcPts val="0"/>
+              </a:spcAft>
+            </a:pPr>
+            <a:r>
+              <a:rPr lang="en-US" sz="800" dirty="0">
+                <a:latin typeface="Courier" pitchFamily="2" charset="0"/>
+                <a:ea typeface="Courier" charset="0"/>
+                <a:cs typeface="Courier" charset="0"/>
+              </a:rPr>
+              <a:t>  |         Error Estimate        |    SSID Or MBZ                |</a:t>
+            </a:r>
+          </a:p>
+          <a:p>
+            <a:pPr>
+              <a:spcAft>
+                <a:spcPts val="0"/>
+              </a:spcAft>
+            </a:pPr>
+            <a:r>
+              <a:rPr lang="en-US" sz="800" dirty="0">
+                <a:latin typeface="Courier" pitchFamily="2" charset="0"/>
+                <a:ea typeface="Courier" charset="0"/>
+                <a:cs typeface="Courier" charset="0"/>
+              </a:rPr>
+              <a:t>  +-+-+-+-+-+-+-+-+-+-+-+-+-+-+-+-+-+-+-+-+-+-+-+-+-+-+-+-+-+-+-+-+</a:t>
+            </a:r>
+          </a:p>
+          <a:p>
+            <a:pPr>
+              <a:spcAft>
+                <a:spcPts val="0"/>
+              </a:spcAft>
+            </a:pPr>
+            <a:r>
+              <a:rPr lang="en-US" sz="800" dirty="0">
+                <a:solidFill>
+                  <a:schemeClr val="tx2"/>
+                </a:solidFill>
+                <a:latin typeface="Courier" pitchFamily="2" charset="0"/>
+                <a:ea typeface="Courier" charset="0"/>
+                <a:cs typeface="Courier" charset="0"/>
+              </a:rPr>
+              <a:t>  |                      </a:t>
+            </a:r>
+            <a:r>
+              <a:rPr lang="en-US" sz="800" dirty="0">
+                <a:solidFill>
+                  <a:srgbClr val="0070C0"/>
+                </a:solidFill>
+                <a:latin typeface="Courier" pitchFamily="2" charset="0"/>
+                <a:ea typeface="Courier" charset="0"/>
+                <a:cs typeface="Courier" charset="0"/>
+              </a:rPr>
+              <a:t>Receive Timestamp                        </a:t>
+            </a:r>
+            <a:r>
+              <a:rPr lang="en-US" sz="800" dirty="0">
+                <a:solidFill>
+                  <a:schemeClr val="tx2"/>
+                </a:solidFill>
+                <a:latin typeface="Courier" pitchFamily="2" charset="0"/>
+                <a:ea typeface="Courier" charset="0"/>
+                <a:cs typeface="Courier" charset="0"/>
+              </a:rPr>
+              <a:t>|</a:t>
+            </a:r>
+          </a:p>
+          <a:p>
+            <a:pPr>
+              <a:spcAft>
+                <a:spcPts val="0"/>
+              </a:spcAft>
+            </a:pPr>
+            <a:r>
+              <a:rPr lang="en-US" sz="800" dirty="0">
+                <a:latin typeface="Courier" pitchFamily="2" charset="0"/>
+                <a:ea typeface="Courier" charset="0"/>
+                <a:cs typeface="Courier" charset="0"/>
+              </a:rPr>
+              <a:t>  |                                                               |</a:t>
+            </a:r>
+          </a:p>
+          <a:p>
+            <a:pPr>
+              <a:spcAft>
+                <a:spcPts val="0"/>
+              </a:spcAft>
+            </a:pPr>
+            <a:r>
+              <a:rPr lang="en-US" sz="800" dirty="0">
+                <a:latin typeface="Courier" pitchFamily="2" charset="0"/>
+                <a:ea typeface="Courier" charset="0"/>
+                <a:cs typeface="Courier" charset="0"/>
+              </a:rPr>
+              <a:t>  +-+-+-+-+-+-+-+-+-+-+-+-+-+-+-+-+-+-+-+-+-+-+-+-+-+-+-+-+-+-+-+-+</a:t>
+            </a:r>
+          </a:p>
+          <a:p>
+            <a:pPr>
+              <a:spcAft>
+                <a:spcPts val="0"/>
+              </a:spcAft>
+            </a:pPr>
+            <a:r>
+              <a:rPr lang="en-US" sz="800" dirty="0">
+                <a:solidFill>
+                  <a:schemeClr val="bg2">
+                    <a:lumMod val="50000"/>
+                  </a:schemeClr>
+                </a:solidFill>
+                <a:latin typeface="Courier" pitchFamily="2" charset="0"/>
+                <a:ea typeface="Courier" charset="0"/>
+                <a:cs typeface="Courier" charset="0"/>
+              </a:rPr>
+              <a:t>  </a:t>
+            </a:r>
+            <a:r>
+              <a:rPr lang="en-US" sz="800" dirty="0">
+                <a:solidFill>
+                  <a:schemeClr val="bg1">
+                    <a:lumMod val="50000"/>
+                  </a:schemeClr>
+                </a:solidFill>
+                <a:latin typeface="Courier" pitchFamily="2" charset="0"/>
+                <a:ea typeface="Courier" charset="0"/>
+                <a:cs typeface="Courier" charset="0"/>
+              </a:rPr>
+              <a:t>|                      Sender Sequence Number                   |</a:t>
+            </a:r>
+          </a:p>
+          <a:p>
+            <a:pPr>
+              <a:spcAft>
+                <a:spcPts val="0"/>
+              </a:spcAft>
+            </a:pPr>
+            <a:r>
+              <a:rPr lang="en-US" sz="800" dirty="0">
+                <a:solidFill>
+                  <a:schemeClr val="bg1">
+                    <a:lumMod val="50000"/>
+                  </a:schemeClr>
+                </a:solidFill>
+                <a:latin typeface="Courier" pitchFamily="2" charset="0"/>
+                <a:ea typeface="Courier" charset="0"/>
+                <a:cs typeface="Courier" charset="0"/>
+              </a:rPr>
+              <a:t>  +-+-+-+-+-+-+-+-+-+-+-+-+-+-+-+-+-+-+-+-+-+-+-+-+-+-+-+-+-+-+-+-+</a:t>
+            </a:r>
+          </a:p>
+          <a:p>
+            <a:pPr>
+              <a:spcAft>
+                <a:spcPts val="0"/>
+              </a:spcAft>
+            </a:pPr>
+            <a:r>
+              <a:rPr lang="en-US" sz="800" dirty="0">
+                <a:solidFill>
+                  <a:schemeClr val="bg1">
+                    <a:lumMod val="50000"/>
+                  </a:schemeClr>
+                </a:solidFill>
+                <a:latin typeface="Courier" pitchFamily="2" charset="0"/>
+                <a:ea typeface="Courier" charset="0"/>
+                <a:cs typeface="Courier" charset="0"/>
+              </a:rPr>
+              <a:t>  |                      Sender Timestamp                         |</a:t>
+            </a:r>
+          </a:p>
+          <a:p>
+            <a:pPr>
+              <a:spcAft>
+                <a:spcPts val="0"/>
+              </a:spcAft>
+            </a:pPr>
+            <a:r>
+              <a:rPr lang="en-US" sz="800" dirty="0">
+                <a:solidFill>
+                  <a:schemeClr val="bg1">
+                    <a:lumMod val="50000"/>
+                  </a:schemeClr>
+                </a:solidFill>
+                <a:latin typeface="Courier" pitchFamily="2" charset="0"/>
+                <a:ea typeface="Courier" charset="0"/>
+                <a:cs typeface="Courier" charset="0"/>
+              </a:rPr>
+              <a:t>  |                                                               |</a:t>
+            </a:r>
+          </a:p>
+          <a:p>
+            <a:pPr>
+              <a:spcAft>
+                <a:spcPts val="0"/>
+              </a:spcAft>
+            </a:pPr>
+            <a:r>
+              <a:rPr lang="en-US" sz="800" dirty="0">
+                <a:solidFill>
+                  <a:schemeClr val="bg1">
+                    <a:lumMod val="50000"/>
+                  </a:schemeClr>
+                </a:solidFill>
+                <a:latin typeface="Courier" pitchFamily="2" charset="0"/>
+                <a:ea typeface="Courier" charset="0"/>
+                <a:cs typeface="Courier" charset="0"/>
+              </a:rPr>
+              <a:t>  +-+-+-+-+-+-+-+-+-+-+-+-+-+-+-+-+-+-+-+-+-+-+-+-+-+-+-+-+-+-+-+-+</a:t>
+            </a:r>
+          </a:p>
+          <a:p>
+            <a:pPr>
+              <a:spcAft>
+                <a:spcPts val="0"/>
+              </a:spcAft>
+            </a:pPr>
+            <a:r>
+              <a:rPr lang="en-US" sz="800" dirty="0">
+                <a:solidFill>
+                  <a:schemeClr val="bg1">
+                    <a:lumMod val="50000"/>
+                  </a:schemeClr>
+                </a:solidFill>
+                <a:latin typeface="Courier" pitchFamily="2" charset="0"/>
+                <a:ea typeface="Courier" charset="0"/>
+                <a:cs typeface="Courier" charset="0"/>
+              </a:rPr>
+              <a:t>  |      Sender Error Estimate    |           MBZ                 |</a:t>
+            </a:r>
+          </a:p>
+          <a:p>
+            <a:pPr>
+              <a:spcAft>
+                <a:spcPts val="0"/>
+              </a:spcAft>
+            </a:pPr>
+            <a:r>
+              <a:rPr lang="en-US" sz="800" dirty="0">
+                <a:solidFill>
+                  <a:schemeClr val="bg1">
+                    <a:lumMod val="50000"/>
+                  </a:schemeClr>
+                </a:solidFill>
+                <a:latin typeface="Courier" pitchFamily="2" charset="0"/>
+                <a:ea typeface="Courier" charset="0"/>
+                <a:cs typeface="Courier" charset="0"/>
+              </a:rPr>
+              <a:t>  +-+-+-+-+-+-+-+-+-+-+-+-+-+-+-+-+-+-+-+-+-+-+-+-+-+-+-+-+-+-+-+-+</a:t>
+            </a:r>
+          </a:p>
+          <a:p>
+            <a:pPr>
+              <a:spcAft>
+                <a:spcPts val="0"/>
+              </a:spcAft>
+            </a:pPr>
+            <a:r>
+              <a:rPr lang="en-US" sz="800" dirty="0">
+                <a:solidFill>
+                  <a:schemeClr val="bg1">
+                    <a:lumMod val="50000"/>
+                  </a:schemeClr>
+                </a:solidFill>
+                <a:latin typeface="Courier" pitchFamily="2" charset="0"/>
+                <a:ea typeface="Courier" charset="0"/>
+                <a:cs typeface="Courier" charset="0"/>
+              </a:rPr>
+              <a:t>  |  Sender TTL   |      Padding                                  |</a:t>
+            </a:r>
+          </a:p>
+          <a:p>
+            <a:pPr>
+              <a:spcAft>
+                <a:spcPts val="0"/>
+              </a:spcAft>
+            </a:pPr>
+            <a:r>
+              <a:rPr lang="en-US" sz="800" dirty="0">
+                <a:solidFill>
+                  <a:schemeClr val="bg1">
+                    <a:lumMod val="50000"/>
+                  </a:schemeClr>
+                </a:solidFill>
+                <a:latin typeface="Courier" pitchFamily="2" charset="0"/>
+                <a:ea typeface="Courier" charset="0"/>
+                <a:cs typeface="Courier" charset="0"/>
+              </a:rPr>
+              <a:t>  +-+-+-+-+-+-+-+-+-+-+-+-+-+-+-+-+-+-+-+-+-+-+-+-+-+-+-+-+-+-+-+-+</a:t>
+            </a:r>
+          </a:p>
+          <a:p>
+            <a:pPr>
+              <a:spcAft>
+                <a:spcPts val="0"/>
+              </a:spcAft>
+            </a:pPr>
+            <a:endParaRPr lang="en-CA" sz="800" dirty="0">
+              <a:solidFill>
+                <a:schemeClr val="bg2">
+                  <a:lumMod val="50000"/>
+                </a:schemeClr>
+              </a:solidFill>
+              <a:latin typeface="Courier" pitchFamily="2" charset="0"/>
+            </a:endParaRPr>
+          </a:p>
+          <a:p>
+            <a:r>
+              <a:rPr lang="en-CA" sz="800" dirty="0">
+                <a:latin typeface="Courier" pitchFamily="2" charset="0"/>
+              </a:rPr>
+              <a:t>               Figure: TWAMP Light Message Format</a:t>
+            </a:r>
+            <a:endParaRPr lang="en-US" sz="800" dirty="0">
               <a:latin typeface="Courier" pitchFamily="2" charset="0"/>
             </a:endParaRPr>
           </a:p>
@@ -8723,29 +8896,39 @@
         </p:nvSpPr>
         <p:spPr>
           <a:xfrm>
-            <a:off x="5802351" y="1031647"/>
-            <a:ext cx="3048000" cy="3140303"/>
+            <a:off x="5029200" y="948474"/>
+            <a:ext cx="3657600" cy="3246552"/>
           </a:xfrm>
         </p:spPr>
         <p:txBody>
           <a:bodyPr/>
           <a:lstStyle/>
           <a:p>
+            <a:pPr marL="0" indent="0">
+              <a:buNone/>
+            </a:pPr>
+            <a:r>
+              <a:rPr lang="en-US" sz="1600" b="1" dirty="0"/>
+              <a:t>Enhanced Loopback Mode</a:t>
+            </a:r>
+          </a:p>
+          <a:p>
             <a:r>
               <a:rPr lang="en-US" sz="1600" dirty="0"/>
-              <a:t>Endpoint Function END.TSF is defined for Timestamp and Forward</a:t>
+              <a:t>Sender adds the Transmit Timestamp</a:t>
             </a:r>
           </a:p>
           <a:p>
             <a:r>
               <a:rPr lang="en-US" sz="1600" dirty="0"/>
-              <a:t>Source and Destination Addresses for the Reverse direction path in the inner IPv6 header</a:t>
-            </a:r>
-          </a:p>
-          <a:p>
+              <a:t>Reflector adds the Receive Timestamp at fixed offset locally provisioned</a:t>
+            </a:r>
+          </a:p>
+          <a:p>
+            <a:pPr lvl="1"/>
             <a:r>
               <a:rPr lang="en-US" sz="1600" dirty="0"/>
-              <a:t>Optionally, Reverse direction SR path can be in the SRH</a:t>
+              <a:t>For TWAMP Light and STAMP packets, it is at offset-byte 16 from the start of the payload</a:t>
             </a:r>
           </a:p>
           <a:p>
@@ -8753,13 +8936,40 @@
           </a:p>
           <a:p>
             <a:endParaRPr lang="en-US" sz="1600" dirty="0"/>
+          </a:p>
+        </p:txBody>
+      </p:sp>
+      <p:sp>
+        <p:nvSpPr>
+          <p:cNvPr id="4" name="Footer Placeholder 3"/>
+          <p:cNvSpPr>
+            <a:spLocks noGrp="1"/>
+          </p:cNvSpPr>
+          <p:nvPr>
+            <p:ph type="ftr" sz="quarter" idx="11"/>
+          </p:nvPr>
+        </p:nvSpPr>
+        <p:spPr>
+          <a:xfrm>
+            <a:off x="3124200" y="4855474"/>
+            <a:ext cx="2895600" cy="357188"/>
+          </a:xfrm>
+        </p:spPr>
+        <p:txBody>
+          <a:bodyPr/>
+          <a:lstStyle/>
+          <a:p>
+            <a:r>
+              <a:rPr lang="en-CA" dirty="0"/>
+              <a:t>IETF MPLS WG Interim – April 2020 </a:t>
+            </a:r>
           </a:p>
         </p:txBody>
       </p:sp>
     </p:spTree>
     <p:extLst>
       <p:ext uri="{BB962C8B-B14F-4D97-AF65-F5344CB8AC3E}">
-        <p14:creationId xmlns:p14="http://schemas.microsoft.com/office/powerpoint/2010/main" val="2794794225"/>
+        <p14:creationId xmlns:p14="http://schemas.microsoft.com/office/powerpoint/2010/main" val="3909069486"/>
       </p:ext>
     </p:extLst>
   </p:cSld>
@@ -8798,8 +9008,8 @@
         </p:nvSpPr>
         <p:spPr>
           <a:xfrm>
-            <a:off x="443261" y="-132784"/>
-            <a:ext cx="8458200" cy="857250"/>
+            <a:off x="457200" y="0"/>
+            <a:ext cx="8229600" cy="857250"/>
           </a:xfrm>
         </p:spPr>
         <p:txBody>
@@ -8814,7 +9024,167 @@
                 <a:latin typeface="Calibri Light" panose="020F0302020204030204" pitchFamily="34" charset="0"/>
                 <a:cs typeface="Calibri Light" panose="020F0302020204030204" pitchFamily="34" charset="0"/>
               </a:rPr>
-              <a:t>TWAMP Light/STAMP Message Format</a:t>
+              <a:t>ECMP Support for SR Policy</a:t>
+            </a:r>
+          </a:p>
+        </p:txBody>
+      </p:sp>
+      <p:sp>
+        <p:nvSpPr>
+          <p:cNvPr id="3" name="Content Placeholder 2"/>
+          <p:cNvSpPr>
+            <a:spLocks noGrp="1"/>
+          </p:cNvSpPr>
+          <p:nvPr>
+            <p:ph idx="1"/>
+          </p:nvPr>
+        </p:nvSpPr>
+        <p:spPr>
+          <a:xfrm>
+            <a:off x="419100" y="912201"/>
+            <a:ext cx="8305800" cy="3259750"/>
+          </a:xfrm>
+        </p:spPr>
+        <p:txBody>
+          <a:bodyPr/>
+          <a:lstStyle/>
+          <a:p>
+            <a:pPr>
+              <a:lnSpc>
+                <a:spcPts val="2280"/>
+              </a:lnSpc>
+              <a:spcBef>
+                <a:spcPts val="0"/>
+              </a:spcBef>
+            </a:pPr>
+            <a:r>
+              <a:rPr lang="en-US" sz="1800" dirty="0"/>
+              <a:t>SR Policy can have ECMP between the ingress and transit nodes, between transit nodes and between transit and egress nodes.</a:t>
+            </a:r>
+          </a:p>
+          <a:p>
+            <a:pPr>
+              <a:lnSpc>
+                <a:spcPts val="2280"/>
+              </a:lnSpc>
+              <a:spcBef>
+                <a:spcPts val="0"/>
+              </a:spcBef>
+            </a:pPr>
+            <a:r>
+              <a:rPr lang="en-US" sz="1800" dirty="0"/>
+              <a:t>Sending PM probe queries that can take advantage of the hashing function in forwarding plane.</a:t>
+            </a:r>
+          </a:p>
+          <a:p>
+            <a:pPr>
+              <a:lnSpc>
+                <a:spcPts val="2280"/>
+              </a:lnSpc>
+              <a:spcBef>
+                <a:spcPts val="0"/>
+              </a:spcBef>
+            </a:pPr>
+            <a:r>
+              <a:rPr lang="en-US" sz="1800" dirty="0"/>
+              <a:t>Existing forwarding mechanisms are applicable to PM probe messages:</a:t>
+            </a:r>
+          </a:p>
+          <a:p>
+            <a:pPr lvl="1">
+              <a:lnSpc>
+                <a:spcPts val="2280"/>
+              </a:lnSpc>
+              <a:spcBef>
+                <a:spcPts val="0"/>
+              </a:spcBef>
+            </a:pPr>
+            <a:r>
+              <a:rPr lang="en-US" sz="1800" dirty="0"/>
+              <a:t>For IPv4</a:t>
+            </a:r>
+          </a:p>
+          <a:p>
+            <a:pPr lvl="2">
+              <a:lnSpc>
+                <a:spcPts val="2280"/>
+              </a:lnSpc>
+              <a:spcBef>
+                <a:spcPts val="0"/>
+              </a:spcBef>
+            </a:pPr>
+            <a:r>
+              <a:rPr lang="en-US" sz="1800" dirty="0"/>
+              <a:t>Destination addresses in IPv4 header (e.g. 127/8) when return path is SR</a:t>
+            </a:r>
+          </a:p>
+          <a:p>
+            <a:pPr lvl="1">
+              <a:lnSpc>
+                <a:spcPts val="2280"/>
+              </a:lnSpc>
+              <a:spcBef>
+                <a:spcPts val="0"/>
+              </a:spcBef>
+            </a:pPr>
+            <a:r>
+              <a:rPr lang="en-US" sz="1800" dirty="0"/>
+              <a:t>For IPv6</a:t>
+            </a:r>
+          </a:p>
+          <a:p>
+            <a:pPr lvl="2">
+              <a:lnSpc>
+                <a:spcPts val="2280"/>
+              </a:lnSpc>
+              <a:spcBef>
+                <a:spcPts val="0"/>
+              </a:spcBef>
+            </a:pPr>
+            <a:r>
+              <a:rPr lang="en-US" sz="1800" dirty="0"/>
+              <a:t>Destination addresses in IPv6 header (e.g. FFFF:7F00/104) when return path is SR</a:t>
+            </a:r>
+          </a:p>
+          <a:p>
+            <a:pPr lvl="2">
+              <a:lnSpc>
+                <a:spcPts val="2280"/>
+              </a:lnSpc>
+              <a:spcBef>
+                <a:spcPts val="0"/>
+              </a:spcBef>
+            </a:pPr>
+            <a:r>
+              <a:rPr lang="en-US" sz="1800" dirty="0"/>
+              <a:t>Flow label in IPv6 header</a:t>
+            </a:r>
+          </a:p>
+        </p:txBody>
+      </p:sp>
+      <p:sp>
+        <p:nvSpPr>
+          <p:cNvPr id="4" name="Footer Placeholder 3"/>
+          <p:cNvSpPr>
+            <a:spLocks noGrp="1"/>
+          </p:cNvSpPr>
+          <p:nvPr>
+            <p:ph type="ftr" sz="quarter" idx="11"/>
+          </p:nvPr>
+        </p:nvSpPr>
+        <p:spPr>
+          <a:xfrm>
+            <a:off x="3124200" y="4781550"/>
+            <a:ext cx="2895600" cy="357188"/>
+          </a:xfrm>
+        </p:spPr>
+        <p:txBody>
+          <a:bodyPr/>
+          <a:lstStyle/>
+          <a:p>
+            <a:r>
+              <a:rPr lang="en-CA" dirty="0"/>
+              <a:t>IETF MPLS WG Interim – April 2020 </a:t>
             </a:r>
           </a:p>
         </p:txBody>
@@ -8848,624 +9218,10 @@
           </a:p>
         </p:txBody>
       </p:sp>
-      <p:sp>
-        <p:nvSpPr>
-          <p:cNvPr id="6" name="Rectangle 5">
-            <a:extLst>
-              <a:ext uri="{FF2B5EF4-FFF2-40B4-BE49-F238E27FC236}">
-                <a16:creationId xmlns:a16="http://schemas.microsoft.com/office/drawing/2014/main" id="{4C15A4CE-6545-5142-97A8-EDA8B07CB60B}"/>
-              </a:ext>
-            </a:extLst>
-          </p:cNvPr>
-          <p:cNvSpPr/>
-          <p:nvPr/>
-        </p:nvSpPr>
-        <p:spPr>
-          <a:xfrm>
-            <a:off x="179813" y="583420"/>
-            <a:ext cx="4696987" cy="4408899"/>
-          </a:xfrm>
-          <a:prstGeom prst="rect">
-            <a:avLst/>
-          </a:prstGeom>
-          <a:solidFill>
-            <a:schemeClr val="accent6">
-              <a:lumMod val="20000"/>
-              <a:lumOff val="80000"/>
-            </a:schemeClr>
-          </a:solidFill>
-        </p:spPr>
-        <p:txBody>
-          <a:bodyPr wrap="square">
-            <a:spAutoFit/>
-          </a:bodyPr>
-          <a:lstStyle/>
-          <a:p>
-            <a:r>
-              <a:rPr lang="en-CA" sz="850" dirty="0">
-                <a:latin typeface="Courier" pitchFamily="2" charset="0"/>
-              </a:rPr>
-              <a:t>  +---------------------------------------------------------------+</a:t>
-            </a:r>
-          </a:p>
-          <a:p>
-            <a:r>
-              <a:rPr lang="en-CA" sz="850" dirty="0">
-                <a:latin typeface="Courier" pitchFamily="2" charset="0"/>
-              </a:rPr>
-              <a:t>  | IP Header                                                     |</a:t>
-            </a:r>
-          </a:p>
-          <a:p>
-            <a:r>
-              <a:rPr lang="en-CA" sz="850" dirty="0">
-                <a:latin typeface="Courier" pitchFamily="2" charset="0"/>
-              </a:rPr>
-              <a:t>  .  Source IP Address = Endpoint IP Address                      .</a:t>
-            </a:r>
-          </a:p>
-          <a:p>
-            <a:r>
-              <a:rPr lang="en-CA" sz="850" dirty="0">
-                <a:latin typeface="Courier" pitchFamily="2" charset="0"/>
-              </a:rPr>
-              <a:t>  .  Destination IP Address = Sender IP Address                   .</a:t>
-            </a:r>
-          </a:p>
-          <a:p>
-            <a:r>
-              <a:rPr lang="en-CA" sz="850" dirty="0">
-                <a:latin typeface="Courier" pitchFamily="2" charset="0"/>
-              </a:rPr>
-              <a:t>  .  Protocol = UDP                                               .</a:t>
-            </a:r>
-          </a:p>
-          <a:p>
-            <a:r>
-              <a:rPr lang="en-CA" sz="850" dirty="0">
-                <a:latin typeface="Courier" pitchFamily="2" charset="0"/>
-              </a:rPr>
-              <a:t>  .                                                               .</a:t>
-            </a:r>
-          </a:p>
-          <a:p>
-            <a:r>
-              <a:rPr lang="en-CA" sz="850" dirty="0">
-                <a:latin typeface="Courier" pitchFamily="2" charset="0"/>
-              </a:rPr>
-              <a:t>  +---------------------------------------------------------------+</a:t>
-            </a:r>
-          </a:p>
-          <a:p>
-            <a:r>
-              <a:rPr lang="en-CA" sz="850" dirty="0">
-                <a:latin typeface="Courier" pitchFamily="2" charset="0"/>
-              </a:rPr>
-              <a:t>  | UDP Header                                                    |</a:t>
-            </a:r>
-          </a:p>
-          <a:p>
-            <a:r>
-              <a:rPr lang="en-CA" sz="850" dirty="0">
-                <a:latin typeface="Courier" pitchFamily="2" charset="0"/>
-              </a:rPr>
-              <a:t>  .  Source Port = As chosen by Sender                            .</a:t>
-            </a:r>
-          </a:p>
-          <a:p>
-            <a:r>
-              <a:rPr lang="en-CA" sz="850" dirty="0">
-                <a:latin typeface="Courier" pitchFamily="2" charset="0"/>
-              </a:rPr>
-              <a:t>  .  Destination Port = User-configured Port                      .</a:t>
-            </a:r>
-          </a:p>
-          <a:p>
-            <a:r>
-              <a:rPr lang="en-CA" sz="850" dirty="0">
-                <a:latin typeface="Courier" pitchFamily="2" charset="0"/>
-              </a:rPr>
-              <a:t>  .                                                               .</a:t>
-            </a:r>
-          </a:p>
-          <a:p>
-            <a:r>
-              <a:rPr lang="en-CA" sz="850" dirty="0">
-                <a:latin typeface="Courier" pitchFamily="2" charset="0"/>
-              </a:rPr>
-              <a:t>  +-+-+-+-+-+-+-+-+-+-+-+-+-+-+-+-+-+-+-+-+-+-+-+-+-+-+-+-+-+-+-+-+</a:t>
-            </a:r>
-          </a:p>
-          <a:p>
-            <a:pPr>
-              <a:spcAft>
-                <a:spcPts val="0"/>
-              </a:spcAft>
-            </a:pPr>
-            <a:r>
-              <a:rPr lang="en-US" sz="850" dirty="0">
-                <a:latin typeface="Courier" pitchFamily="2" charset="0"/>
-                <a:ea typeface="Courier" charset="0"/>
-                <a:cs typeface="Courier" charset="0"/>
-              </a:rPr>
-              <a:t>  |         Sequence Number                                       |</a:t>
-            </a:r>
-          </a:p>
-          <a:p>
-            <a:pPr>
-              <a:spcAft>
-                <a:spcPts val="0"/>
-              </a:spcAft>
-            </a:pPr>
-            <a:r>
-              <a:rPr lang="en-US" sz="850" dirty="0">
-                <a:latin typeface="Courier" pitchFamily="2" charset="0"/>
-                <a:ea typeface="Courier" charset="0"/>
-                <a:cs typeface="Courier" charset="0"/>
-              </a:rPr>
-              <a:t>  +-+-+-+-+-+-+-+-+-+-+-+-+-+-+-+-+-+-+-+-+-+-+-+-+-+-+-+-+-+-+-+-+</a:t>
-            </a:r>
-          </a:p>
-          <a:p>
-            <a:pPr>
-              <a:spcAft>
-                <a:spcPts val="0"/>
-              </a:spcAft>
-            </a:pPr>
-            <a:r>
-              <a:rPr lang="en-US" sz="850" dirty="0">
-                <a:latin typeface="Courier" pitchFamily="2" charset="0"/>
-                <a:ea typeface="Courier" charset="0"/>
-                <a:cs typeface="Courier" charset="0"/>
-              </a:rPr>
-              <a:t>  |                      Transmit Timestamp                       |</a:t>
-            </a:r>
-          </a:p>
-          <a:p>
-            <a:pPr>
-              <a:spcAft>
-                <a:spcPts val="0"/>
-              </a:spcAft>
-            </a:pPr>
-            <a:r>
-              <a:rPr lang="en-US" sz="850" dirty="0">
-                <a:latin typeface="Courier" pitchFamily="2" charset="0"/>
-                <a:ea typeface="Courier" charset="0"/>
-                <a:cs typeface="Courier" charset="0"/>
-              </a:rPr>
-              <a:t>  |                                                               |</a:t>
-            </a:r>
-          </a:p>
-          <a:p>
-            <a:pPr>
-              <a:spcAft>
-                <a:spcPts val="0"/>
-              </a:spcAft>
-            </a:pPr>
-            <a:r>
-              <a:rPr lang="en-US" sz="850" dirty="0">
-                <a:latin typeface="Courier" pitchFamily="2" charset="0"/>
-                <a:ea typeface="Courier" charset="0"/>
-                <a:cs typeface="Courier" charset="0"/>
-              </a:rPr>
-              <a:t>  +-+-+-+-+-+-+-+-+-+-+-+-+-+-+-+-+-+-+-+-+-+-+-+-+-+-+-+-+-+-+-+-+</a:t>
-            </a:r>
-          </a:p>
-          <a:p>
-            <a:pPr>
-              <a:spcAft>
-                <a:spcPts val="0"/>
-              </a:spcAft>
-            </a:pPr>
-            <a:r>
-              <a:rPr lang="en-US" sz="850" dirty="0">
-                <a:latin typeface="Courier" pitchFamily="2" charset="0"/>
-                <a:ea typeface="Courier" charset="0"/>
-                <a:cs typeface="Courier" charset="0"/>
-              </a:rPr>
-              <a:t>  |         Error Estimate        |           MBZ                 |</a:t>
-            </a:r>
-          </a:p>
-          <a:p>
-            <a:pPr>
-              <a:spcAft>
-                <a:spcPts val="0"/>
-              </a:spcAft>
-            </a:pPr>
-            <a:r>
-              <a:rPr lang="en-US" sz="850" dirty="0">
-                <a:latin typeface="Courier" pitchFamily="2" charset="0"/>
-                <a:ea typeface="Courier" charset="0"/>
-                <a:cs typeface="Courier" charset="0"/>
-              </a:rPr>
-              <a:t>  +-+-+-+-+-+-+-+-+-+-+-+-+-+-+-+-+-+-+-+-+-+-+-+-+-+-+-+-+-+-+-+-+</a:t>
-            </a:r>
-          </a:p>
-          <a:p>
-            <a:pPr>
-              <a:spcAft>
-                <a:spcPts val="0"/>
-              </a:spcAft>
-            </a:pPr>
-            <a:r>
-              <a:rPr lang="en-US" sz="850" dirty="0">
-                <a:solidFill>
-                  <a:schemeClr val="tx2"/>
-                </a:solidFill>
-                <a:latin typeface="Courier" pitchFamily="2" charset="0"/>
-                <a:ea typeface="Courier" charset="0"/>
-                <a:cs typeface="Courier" charset="0"/>
-              </a:rPr>
-              <a:t>  |                      </a:t>
-            </a:r>
-            <a:r>
-              <a:rPr lang="en-US" sz="850" dirty="0">
-                <a:solidFill>
-                  <a:srgbClr val="0070C0"/>
-                </a:solidFill>
-                <a:latin typeface="Courier" pitchFamily="2" charset="0"/>
-                <a:ea typeface="Courier" charset="0"/>
-                <a:cs typeface="Courier" charset="0"/>
-              </a:rPr>
-              <a:t>Receive Timestamp                        </a:t>
-            </a:r>
-            <a:r>
-              <a:rPr lang="en-US" sz="850" dirty="0">
-                <a:solidFill>
-                  <a:schemeClr val="tx2"/>
-                </a:solidFill>
-                <a:latin typeface="Courier" pitchFamily="2" charset="0"/>
-                <a:ea typeface="Courier" charset="0"/>
-                <a:cs typeface="Courier" charset="0"/>
-              </a:rPr>
-              <a:t>|</a:t>
-            </a:r>
-          </a:p>
-          <a:p>
-            <a:pPr>
-              <a:spcAft>
-                <a:spcPts val="0"/>
-              </a:spcAft>
-            </a:pPr>
-            <a:r>
-              <a:rPr lang="en-US" sz="850" dirty="0">
-                <a:latin typeface="Courier" pitchFamily="2" charset="0"/>
-                <a:ea typeface="Courier" charset="0"/>
-                <a:cs typeface="Courier" charset="0"/>
-              </a:rPr>
-              <a:t>  |                                                               |</a:t>
-            </a:r>
-          </a:p>
-          <a:p>
-            <a:pPr>
-              <a:spcAft>
-                <a:spcPts val="0"/>
-              </a:spcAft>
-            </a:pPr>
-            <a:r>
-              <a:rPr lang="en-US" sz="850" dirty="0">
-                <a:latin typeface="Courier" pitchFamily="2" charset="0"/>
-                <a:ea typeface="Courier" charset="0"/>
-                <a:cs typeface="Courier" charset="0"/>
-              </a:rPr>
-              <a:t>  +-+-+-+-+-+-+-+-+-+-+-+-+-+-+-+-+-+-+-+-+-+-+-+-+-+-+-+-+-+-+-+-+</a:t>
-            </a:r>
-          </a:p>
-          <a:p>
-            <a:pPr>
-              <a:spcAft>
-                <a:spcPts val="0"/>
-              </a:spcAft>
-            </a:pPr>
-            <a:r>
-              <a:rPr lang="en-US" sz="850" dirty="0">
-                <a:solidFill>
-                  <a:schemeClr val="tx2">
-                    <a:lumMod val="60000"/>
-                    <a:lumOff val="40000"/>
-                  </a:schemeClr>
-                </a:solidFill>
-                <a:latin typeface="Courier" pitchFamily="2" charset="0"/>
-                <a:ea typeface="Courier" charset="0"/>
-                <a:cs typeface="Courier" charset="0"/>
-              </a:rPr>
-              <a:t>  |                      Sender Sequence Number                   |</a:t>
-            </a:r>
-          </a:p>
-          <a:p>
-            <a:pPr>
-              <a:spcAft>
-                <a:spcPts val="0"/>
-              </a:spcAft>
-            </a:pPr>
-            <a:r>
-              <a:rPr lang="en-US" sz="850" dirty="0">
-                <a:solidFill>
-                  <a:schemeClr val="tx2">
-                    <a:lumMod val="60000"/>
-                    <a:lumOff val="40000"/>
-                  </a:schemeClr>
-                </a:solidFill>
-                <a:latin typeface="Courier" pitchFamily="2" charset="0"/>
-                <a:ea typeface="Courier" charset="0"/>
-                <a:cs typeface="Courier" charset="0"/>
-              </a:rPr>
-              <a:t>  +-+-+-+-+-+-+-+-+-+-+-+-+-+-+-+-+-+-+-+-+-+-+-+-+-+-+-+-+-+-+-+-+</a:t>
-            </a:r>
-          </a:p>
-          <a:p>
-            <a:pPr>
-              <a:spcAft>
-                <a:spcPts val="0"/>
-              </a:spcAft>
-            </a:pPr>
-            <a:r>
-              <a:rPr lang="en-US" sz="850" dirty="0">
-                <a:solidFill>
-                  <a:schemeClr val="tx2">
-                    <a:lumMod val="60000"/>
-                    <a:lumOff val="40000"/>
-                  </a:schemeClr>
-                </a:solidFill>
-                <a:latin typeface="Courier" pitchFamily="2" charset="0"/>
-                <a:ea typeface="Courier" charset="0"/>
-                <a:cs typeface="Courier" charset="0"/>
-              </a:rPr>
-              <a:t>  |                      Sender Timestamp                         |</a:t>
-            </a:r>
-          </a:p>
-          <a:p>
-            <a:pPr>
-              <a:spcAft>
-                <a:spcPts val="0"/>
-              </a:spcAft>
-            </a:pPr>
-            <a:r>
-              <a:rPr lang="en-US" sz="850" dirty="0">
-                <a:solidFill>
-                  <a:schemeClr val="tx2">
-                    <a:lumMod val="60000"/>
-                    <a:lumOff val="40000"/>
-                  </a:schemeClr>
-                </a:solidFill>
-                <a:latin typeface="Courier" pitchFamily="2" charset="0"/>
-                <a:ea typeface="Courier" charset="0"/>
-                <a:cs typeface="Courier" charset="0"/>
-              </a:rPr>
-              <a:t>  |                                                               |</a:t>
-            </a:r>
-          </a:p>
-          <a:p>
-            <a:pPr>
-              <a:spcAft>
-                <a:spcPts val="0"/>
-              </a:spcAft>
-            </a:pPr>
-            <a:r>
-              <a:rPr lang="en-US" sz="850" dirty="0">
-                <a:solidFill>
-                  <a:schemeClr val="tx2">
-                    <a:lumMod val="60000"/>
-                    <a:lumOff val="40000"/>
-                  </a:schemeClr>
-                </a:solidFill>
-                <a:latin typeface="Courier" pitchFamily="2" charset="0"/>
-                <a:ea typeface="Courier" charset="0"/>
-                <a:cs typeface="Courier" charset="0"/>
-              </a:rPr>
-              <a:t>  +-+-+-+-+-+-+-+-+-+-+-+-+-+-+-+-+-+-+-+-+-+-+-+-+-+-+-+-+-+-+-+-+</a:t>
-            </a:r>
-          </a:p>
-          <a:p>
-            <a:pPr>
-              <a:spcAft>
-                <a:spcPts val="0"/>
-              </a:spcAft>
-            </a:pPr>
-            <a:r>
-              <a:rPr lang="en-US" sz="850" dirty="0">
-                <a:solidFill>
-                  <a:schemeClr val="tx2">
-                    <a:lumMod val="60000"/>
-                    <a:lumOff val="40000"/>
-                  </a:schemeClr>
-                </a:solidFill>
-                <a:latin typeface="Courier" pitchFamily="2" charset="0"/>
-                <a:ea typeface="Courier" charset="0"/>
-                <a:cs typeface="Courier" charset="0"/>
-              </a:rPr>
-              <a:t>  |      Sender Error Estimate    |           MBZ                 |</a:t>
-            </a:r>
-          </a:p>
-          <a:p>
-            <a:pPr>
-              <a:spcAft>
-                <a:spcPts val="0"/>
-              </a:spcAft>
-            </a:pPr>
-            <a:r>
-              <a:rPr lang="en-US" sz="850" dirty="0">
-                <a:solidFill>
-                  <a:schemeClr val="tx2">
-                    <a:lumMod val="60000"/>
-                    <a:lumOff val="40000"/>
-                  </a:schemeClr>
-                </a:solidFill>
-                <a:latin typeface="Courier" pitchFamily="2" charset="0"/>
-                <a:ea typeface="Courier" charset="0"/>
-                <a:cs typeface="Courier" charset="0"/>
-              </a:rPr>
-              <a:t>  +-+-+-+-+-+-+-+-+-+-+-+-+-+-+-+-+-+-+-+-+-+-+-+-+-+-+-+-+-+-+-+-+</a:t>
-            </a:r>
-          </a:p>
-          <a:p>
-            <a:pPr>
-              <a:spcAft>
-                <a:spcPts val="0"/>
-              </a:spcAft>
-            </a:pPr>
-            <a:r>
-              <a:rPr lang="en-US" sz="850" dirty="0">
-                <a:solidFill>
-                  <a:schemeClr val="tx2">
-                    <a:lumMod val="60000"/>
-                    <a:lumOff val="40000"/>
-                  </a:schemeClr>
-                </a:solidFill>
-                <a:latin typeface="Courier" pitchFamily="2" charset="0"/>
-                <a:ea typeface="Courier" charset="0"/>
-                <a:cs typeface="Courier" charset="0"/>
-              </a:rPr>
-              <a:t>  |  Sender TTL   |      Padding                                  |</a:t>
-            </a:r>
-          </a:p>
-          <a:p>
-            <a:pPr>
-              <a:spcAft>
-                <a:spcPts val="0"/>
-              </a:spcAft>
-            </a:pPr>
-            <a:r>
-              <a:rPr lang="en-US" sz="850" dirty="0">
-                <a:solidFill>
-                  <a:schemeClr val="tx2">
-                    <a:lumMod val="60000"/>
-                    <a:lumOff val="40000"/>
-                  </a:schemeClr>
-                </a:solidFill>
-                <a:latin typeface="Courier" pitchFamily="2" charset="0"/>
-                <a:ea typeface="Courier" charset="0"/>
-                <a:cs typeface="Courier" charset="0"/>
-              </a:rPr>
-              <a:t>  +-+-+-+-+-+-+-+-+-+-+-+-+-+-+-+-+-+-+-+-+-+-+-+-+-+-+-+-+-+-+-+-+</a:t>
-            </a:r>
-          </a:p>
-          <a:p>
-            <a:pPr>
-              <a:spcAft>
-                <a:spcPts val="0"/>
-              </a:spcAft>
-            </a:pPr>
-            <a:endParaRPr lang="en-CA" sz="850" dirty="0">
-              <a:latin typeface="Courier" pitchFamily="2" charset="0"/>
-            </a:endParaRPr>
-          </a:p>
-          <a:p>
-            <a:r>
-              <a:rPr lang="en-CA" sz="850" dirty="0">
-                <a:latin typeface="Courier" pitchFamily="2" charset="0"/>
-              </a:rPr>
-              <a:t>               Figure: TWAMP Light Message Format</a:t>
-            </a:r>
-            <a:endParaRPr lang="en-US" sz="850" dirty="0">
-              <a:latin typeface="Courier" pitchFamily="2" charset="0"/>
-            </a:endParaRPr>
-          </a:p>
-        </p:txBody>
-      </p:sp>
-      <p:sp>
-        <p:nvSpPr>
-          <p:cNvPr id="8" name="Content Placeholder 7">
-            <a:extLst>
-              <a:ext uri="{FF2B5EF4-FFF2-40B4-BE49-F238E27FC236}">
-                <a16:creationId xmlns:a16="http://schemas.microsoft.com/office/drawing/2014/main" id="{FC6E1890-536D-9D49-8207-C42BBF301FF3}"/>
-              </a:ext>
-            </a:extLst>
-          </p:cNvPr>
-          <p:cNvSpPr>
-            <a:spLocks noGrp="1"/>
-          </p:cNvSpPr>
-          <p:nvPr>
-            <p:ph idx="1"/>
-          </p:nvPr>
-        </p:nvSpPr>
-        <p:spPr>
-          <a:xfrm>
-            <a:off x="5029200" y="948474"/>
-            <a:ext cx="3657600" cy="3246552"/>
-          </a:xfrm>
-        </p:spPr>
-        <p:txBody>
-          <a:bodyPr/>
-          <a:lstStyle/>
-          <a:p>
-            <a:pPr marL="0" indent="0">
-              <a:buNone/>
-            </a:pPr>
-            <a:r>
-              <a:rPr lang="en-US" sz="1600" b="1" dirty="0"/>
-              <a:t>Enhanced Loopback Mode</a:t>
-            </a:r>
-          </a:p>
-          <a:p>
-            <a:r>
-              <a:rPr lang="en-US" sz="1600" dirty="0"/>
-              <a:t>Sender adds the Transmit Timestamp</a:t>
-            </a:r>
-          </a:p>
-          <a:p>
-            <a:r>
-              <a:rPr lang="en-US" sz="1600" dirty="0"/>
-              <a:t>Reflector adds the Receive Timestamp at fixed offset locally provisioned</a:t>
-            </a:r>
-          </a:p>
-          <a:p>
-            <a:pPr lvl="1"/>
-            <a:r>
-              <a:rPr lang="en-US" sz="1600" dirty="0"/>
-              <a:t>For TWAMP Light packet, it is at offset-byte 16 from the start of the payload</a:t>
-            </a:r>
-          </a:p>
-          <a:p>
-            <a:endParaRPr lang="en-US" sz="1600" dirty="0"/>
-          </a:p>
-          <a:p>
-            <a:endParaRPr lang="en-US" sz="1600" dirty="0"/>
-          </a:p>
-        </p:txBody>
-      </p:sp>
-      <p:sp>
-        <p:nvSpPr>
-          <p:cNvPr id="4" name="Footer Placeholder 3"/>
-          <p:cNvSpPr>
-            <a:spLocks noGrp="1"/>
-          </p:cNvSpPr>
-          <p:nvPr>
-            <p:ph type="ftr" sz="quarter" idx="11"/>
-          </p:nvPr>
-        </p:nvSpPr>
-        <p:spPr>
-          <a:xfrm>
-            <a:off x="3124200" y="4786312"/>
-            <a:ext cx="2895600" cy="357188"/>
-          </a:xfrm>
-        </p:spPr>
-        <p:txBody>
-          <a:bodyPr/>
-          <a:lstStyle/>
-          <a:p>
-            <a:pPr>
-              <a:defRPr/>
-            </a:pPr>
-            <a:r>
-              <a:rPr lang="en-US" altLang="zh-CN" dirty="0"/>
-              <a:t>107</a:t>
-            </a:r>
-            <a:r>
-              <a:rPr lang="en-US" altLang="zh-CN" baseline="30000" dirty="0"/>
-              <a:t>th</a:t>
-            </a:r>
-            <a:r>
-              <a:rPr lang="en-US" altLang="zh-CN" dirty="0"/>
-              <a:t> IETF @ Vancouver</a:t>
-            </a:r>
-          </a:p>
-        </p:txBody>
-      </p:sp>
     </p:spTree>
     <p:extLst>
       <p:ext uri="{BB962C8B-B14F-4D97-AF65-F5344CB8AC3E}">
-        <p14:creationId xmlns:p14="http://schemas.microsoft.com/office/powerpoint/2010/main" val="3909069486"/>
+        <p14:creationId xmlns:p14="http://schemas.microsoft.com/office/powerpoint/2010/main" val="3637512675"/>
       </p:ext>
     </p:extLst>
   </p:cSld>
@@ -9494,7 +9250,13 @@
       </p:grpSpPr>
       <p:sp>
         <p:nvSpPr>
-          <p:cNvPr id="2" name="Title 1"/>
+          <p:cNvPr id="2" name="Title 1">
+            <a:extLst>
+              <a:ext uri="{FF2B5EF4-FFF2-40B4-BE49-F238E27FC236}">
+                <a16:creationId xmlns:a16="http://schemas.microsoft.com/office/drawing/2014/main" id="{9A6F4236-AC14-394A-A36C-F2BD8CED3237}"/>
+              </a:ext>
+            </a:extLst>
+          </p:cNvPr>
           <p:cNvSpPr>
             <a:spLocks noGrp="1"/>
           </p:cNvSpPr>
@@ -9504,7 +9266,7 @@
         </p:nvSpPr>
         <p:spPr>
           <a:xfrm>
-            <a:off x="457200" y="0"/>
+            <a:off x="457200" y="-19050"/>
             <a:ext cx="8229600" cy="857250"/>
           </a:xfrm>
         </p:spPr>
@@ -9520,143 +9282,30 @@
                 <a:latin typeface="Calibri Light" panose="020F0302020204030204" pitchFamily="34" charset="0"/>
                 <a:cs typeface="Calibri Light" panose="020F0302020204030204" pitchFamily="34" charset="0"/>
               </a:rPr>
-              <a:t>ECMP Support for SR Policy</a:t>
-            </a:r>
-          </a:p>
-        </p:txBody>
-      </p:sp>
-      <p:sp>
-        <p:nvSpPr>
-          <p:cNvPr id="3" name="Content Placeholder 2"/>
+              <a:t>Example Provisioning Model</a:t>
+            </a:r>
+          </a:p>
+        </p:txBody>
+      </p:sp>
+      <p:sp>
+        <p:nvSpPr>
+          <p:cNvPr id="4" name="Footer Placeholder 3">
+            <a:extLst>
+              <a:ext uri="{FF2B5EF4-FFF2-40B4-BE49-F238E27FC236}">
+                <a16:creationId xmlns:a16="http://schemas.microsoft.com/office/drawing/2014/main" id="{643D160E-CC3C-EB46-A6F1-43B8E2996F46}"/>
+              </a:ext>
+            </a:extLst>
+          </p:cNvPr>
           <p:cNvSpPr>
             <a:spLocks noGrp="1"/>
           </p:cNvSpPr>
           <p:nvPr>
-            <p:ph idx="1"/>
+            <p:ph type="ftr" sz="quarter" idx="11"/>
           </p:nvPr>
         </p:nvSpPr>
         <p:spPr>
           <a:xfrm>
-            <a:off x="419100" y="912201"/>
-            <a:ext cx="8305800" cy="3259750"/>
-          </a:xfrm>
-        </p:spPr>
-        <p:txBody>
-          <a:bodyPr/>
-          <a:lstStyle/>
-          <a:p>
-            <a:pPr>
-              <a:lnSpc>
-                <a:spcPts val="2280"/>
-              </a:lnSpc>
-              <a:spcBef>
-                <a:spcPts val="0"/>
-              </a:spcBef>
-            </a:pPr>
-            <a:r>
-              <a:rPr lang="en-US" sz="1800" dirty="0"/>
-              <a:t>SR Policy can have ECMP between the ingress and transit nodes, between transit nodes and between transit and egress nodes.</a:t>
-            </a:r>
-          </a:p>
-          <a:p>
-            <a:pPr>
-              <a:lnSpc>
-                <a:spcPts val="2280"/>
-              </a:lnSpc>
-              <a:spcBef>
-                <a:spcPts val="0"/>
-              </a:spcBef>
-            </a:pPr>
-            <a:r>
-              <a:rPr lang="en-US" sz="1800" dirty="0"/>
-              <a:t>Sending PM probe queries that can take advantage of the hashing function in forwarding plane.</a:t>
-            </a:r>
-          </a:p>
-          <a:p>
-            <a:pPr>
-              <a:lnSpc>
-                <a:spcPts val="2280"/>
-              </a:lnSpc>
-              <a:spcBef>
-                <a:spcPts val="0"/>
-              </a:spcBef>
-            </a:pPr>
-            <a:r>
-              <a:rPr lang="en-US" sz="1800" dirty="0"/>
-              <a:t>Existing forwarding mechanisms are applicable to PM probe messages:</a:t>
-            </a:r>
-          </a:p>
-          <a:p>
-            <a:pPr lvl="1">
-              <a:lnSpc>
-                <a:spcPts val="2280"/>
-              </a:lnSpc>
-              <a:spcBef>
-                <a:spcPts val="0"/>
-              </a:spcBef>
-            </a:pPr>
-            <a:r>
-              <a:rPr lang="en-US" sz="1800" dirty="0"/>
-              <a:t>For IPv4 and IPv6</a:t>
-            </a:r>
-          </a:p>
-          <a:p>
-            <a:pPr lvl="2">
-              <a:lnSpc>
-                <a:spcPts val="2280"/>
-              </a:lnSpc>
-              <a:spcBef>
-                <a:spcPts val="0"/>
-              </a:spcBef>
-            </a:pPr>
-            <a:r>
-              <a:rPr lang="en-US" sz="1800" dirty="0"/>
-              <a:t>Destination addresses in IP header (e.g. 127/8 for IPv4 and FFFF:7F00/104 for IPv6)</a:t>
-            </a:r>
-          </a:p>
-          <a:p>
-            <a:pPr lvl="2">
-              <a:lnSpc>
-                <a:spcPts val="2280"/>
-              </a:lnSpc>
-              <a:spcBef>
-                <a:spcPts val="0"/>
-              </a:spcBef>
-            </a:pPr>
-            <a:r>
-              <a:rPr lang="en-US" sz="1800" dirty="0"/>
-              <a:t>Flow label in IPv6 header</a:t>
-            </a:r>
-          </a:p>
-          <a:p>
-            <a:pPr lvl="1">
-              <a:lnSpc>
-                <a:spcPts val="2280"/>
-              </a:lnSpc>
-              <a:spcBef>
-                <a:spcPts val="0"/>
-              </a:spcBef>
-            </a:pPr>
-            <a:r>
-              <a:rPr lang="en-US" sz="1800" b="1" dirty="0"/>
-              <a:t>Used only when return path is also SR</a:t>
-            </a:r>
-          </a:p>
-        </p:txBody>
-      </p:sp>
-      <p:sp>
-        <p:nvSpPr>
-          <p:cNvPr id="4" name="Footer Placeholder 3"/>
-          <p:cNvSpPr>
-            <a:spLocks noGrp="1"/>
-          </p:cNvSpPr>
-          <p:nvPr>
-            <p:ph type="ftr" sz="quarter" idx="11"/>
-          </p:nvPr>
-        </p:nvSpPr>
-        <p:spPr>
-          <a:xfrm>
-            <a:off x="3124200" y="4781550"/>
+            <a:off x="3124200" y="4805362"/>
             <a:ext cx="2895600" cy="357188"/>
           </a:xfrm>
         </p:spPr>
@@ -9664,27 +9313,22 @@
           <a:bodyPr/>
           <a:lstStyle/>
           <a:p>
-            <a:pPr>
-              <a:defRPr/>
-            </a:pPr>
-            <a:r>
-              <a:rPr lang="en-US" altLang="zh-CN" dirty="0"/>
-              <a:t>107</a:t>
-            </a:r>
-            <a:r>
-              <a:rPr lang="en-US" altLang="zh-CN" baseline="30000" dirty="0"/>
-              <a:t>th</a:t>
-            </a:r>
-            <a:r>
-              <a:rPr lang="en-US" altLang="zh-CN" dirty="0"/>
-              <a:t> IETF @ Vancouver</a:t>
-            </a:r>
-          </a:p>
-        </p:txBody>
-      </p:sp>
-      <p:sp>
-        <p:nvSpPr>
-          <p:cNvPr id="5" name="Slide Number Placeholder 4"/>
+            <a:r>
+              <a:rPr lang="en-CA" dirty="0"/>
+              <a:t>IETF MPLS WG Interim – April 2020 </a:t>
+            </a:r>
+          </a:p>
+        </p:txBody>
+      </p:sp>
+      <p:sp>
+        <p:nvSpPr>
+          <p:cNvPr id="5" name="Slide Number Placeholder 4">
+            <a:extLst>
+              <a:ext uri="{FF2B5EF4-FFF2-40B4-BE49-F238E27FC236}">
+                <a16:creationId xmlns:a16="http://schemas.microsoft.com/office/drawing/2014/main" id="{A8B868AE-B105-7547-A646-14FCDF91C2DD}"/>
+              </a:ext>
+            </a:extLst>
+          </p:cNvPr>
           <p:cNvSpPr>
             <a:spLocks noGrp="1"/>
           </p:cNvSpPr>
@@ -9711,10 +9355,196 @@
           </a:p>
         </p:txBody>
       </p:sp>
+      <p:sp>
+        <p:nvSpPr>
+          <p:cNvPr id="7" name="Rectangle 6">
+            <a:extLst>
+              <a:ext uri="{FF2B5EF4-FFF2-40B4-BE49-F238E27FC236}">
+                <a16:creationId xmlns:a16="http://schemas.microsoft.com/office/drawing/2014/main" id="{AA6E66CA-28BC-2C4A-BC04-4600D8FEBF3B}"/>
+              </a:ext>
+            </a:extLst>
+          </p:cNvPr>
+          <p:cNvSpPr/>
+          <p:nvPr/>
+        </p:nvSpPr>
+        <p:spPr>
+          <a:xfrm>
+            <a:off x="1066800" y="843776"/>
+            <a:ext cx="7010400" cy="3600986"/>
+          </a:xfrm>
+          <a:prstGeom prst="rect">
+            <a:avLst/>
+          </a:prstGeom>
+          <a:solidFill>
+            <a:schemeClr val="accent6">
+              <a:lumMod val="20000"/>
+              <a:lumOff val="80000"/>
+            </a:schemeClr>
+          </a:solidFill>
+        </p:spPr>
+        <p:txBody>
+          <a:bodyPr wrap="square">
+            <a:spAutoFit/>
+          </a:bodyPr>
+          <a:lstStyle/>
+          <a:p>
+            <a:r>
+              <a:rPr lang="en-CA" sz="1200" b="1" dirty="0">
+                <a:latin typeface="Courier" pitchFamily="2" charset="0"/>
+              </a:rPr>
+              <a:t>                             +------------+</a:t>
+            </a:r>
+          </a:p>
+          <a:p>
+            <a:r>
+              <a:rPr lang="en-CA" sz="1200" b="1" dirty="0">
+                <a:latin typeface="Courier" pitchFamily="2" charset="0"/>
+              </a:rPr>
+              <a:t>                             | Controller |</a:t>
+            </a:r>
+          </a:p>
+          <a:p>
+            <a:r>
+              <a:rPr lang="en-CA" sz="1200" b="1" dirty="0">
+                <a:latin typeface="Courier" pitchFamily="2" charset="0"/>
+              </a:rPr>
+              <a:t>                             +------------+</a:t>
+            </a:r>
+          </a:p>
+          <a:p>
+            <a:r>
+              <a:rPr lang="en-CA" sz="1200" b="1" dirty="0">
+                <a:latin typeface="Courier" pitchFamily="2" charset="0"/>
+              </a:rPr>
+              <a:t>   Destination UDP Port           /  \       Network Programming Function</a:t>
+            </a:r>
+          </a:p>
+          <a:p>
+            <a:r>
+              <a:rPr lang="en-CA" sz="1200" b="1" dirty="0">
+                <a:latin typeface="Courier" pitchFamily="2" charset="0"/>
+              </a:rPr>
+              <a:t>   Measurement Protocol          /    \</a:t>
+            </a:r>
+          </a:p>
+          <a:p>
+            <a:r>
+              <a:rPr lang="en-CA" sz="1200" b="1" dirty="0">
+                <a:latin typeface="Courier" pitchFamily="2" charset="0"/>
+              </a:rPr>
+              <a:t>   Measurement Type             /      \</a:t>
+            </a:r>
+          </a:p>
+          <a:p>
+            <a:r>
+              <a:rPr lang="en-CA" sz="1200" b="1" dirty="0">
+                <a:latin typeface="Courier" pitchFamily="2" charset="0"/>
+              </a:rPr>
+              <a:t>     Delay/Loss                /        \</a:t>
+            </a:r>
+          </a:p>
+          <a:p>
+            <a:r>
+              <a:rPr lang="en-CA" sz="1200" b="1" dirty="0">
+                <a:latin typeface="Courier" pitchFamily="2" charset="0"/>
+              </a:rPr>
+              <a:t>   Authentication Mode &amp; Key  /          \     </a:t>
+            </a:r>
+          </a:p>
+          <a:p>
+            <a:r>
+              <a:rPr lang="en-CA" sz="1200" b="1" dirty="0">
+                <a:latin typeface="Courier" pitchFamily="2" charset="0"/>
+              </a:rPr>
+              <a:t>   Timestamp Format          /            \</a:t>
+            </a:r>
+          </a:p>
+          <a:p>
+            <a:r>
+              <a:rPr lang="en-CA" sz="1200" b="1" dirty="0">
+                <a:latin typeface="Courier" pitchFamily="2" charset="0"/>
+              </a:rPr>
+              <a:t>   Delay Measurement Mode   /              \ </a:t>
+            </a:r>
+          </a:p>
+          <a:p>
+            <a:r>
+              <a:rPr lang="en-CA" sz="1200" b="1" dirty="0">
+                <a:latin typeface="Courier" pitchFamily="2" charset="0"/>
+              </a:rPr>
+              <a:t>   Loss Measurement Mode   /                \ </a:t>
+            </a:r>
+          </a:p>
+          <a:p>
+            <a:r>
+              <a:rPr lang="en-CA" sz="1200" b="1" dirty="0">
+                <a:latin typeface="Courier" pitchFamily="2" charset="0"/>
+              </a:rPr>
+              <a:t>                          /                  \</a:t>
+            </a:r>
+          </a:p>
+          <a:p>
+            <a:r>
+              <a:rPr lang="en-CA" sz="1200" b="1" dirty="0">
+                <a:latin typeface="Courier" pitchFamily="2" charset="0"/>
+              </a:rPr>
+              <a:t>                         v                    v</a:t>
+            </a:r>
+          </a:p>
+          <a:p>
+            <a:r>
+              <a:rPr lang="en-CA" sz="1200" b="1" dirty="0">
+                <a:latin typeface="Courier" pitchFamily="2" charset="0"/>
+              </a:rPr>
+              <a:t>                     +-------+            +-------+</a:t>
+            </a:r>
+          </a:p>
+          <a:p>
+            <a:r>
+              <a:rPr lang="en-CA" sz="1200" b="1" dirty="0">
+                <a:latin typeface="Courier" pitchFamily="2" charset="0"/>
+              </a:rPr>
+              <a:t>                     |       |            |       |</a:t>
+            </a:r>
+          </a:p>
+          <a:p>
+            <a:r>
+              <a:rPr lang="en-CA" sz="1200" b="1" dirty="0">
+                <a:latin typeface="Courier" pitchFamily="2" charset="0"/>
+              </a:rPr>
+              <a:t>                     |   R1  |------------|   R5  |</a:t>
+            </a:r>
+          </a:p>
+          <a:p>
+            <a:r>
+              <a:rPr lang="en-CA" sz="1200" b="1" dirty="0">
+                <a:latin typeface="Courier" pitchFamily="2" charset="0"/>
+              </a:rPr>
+              <a:t>                     |       |            |       |</a:t>
+            </a:r>
+          </a:p>
+          <a:p>
+            <a:r>
+              <a:rPr lang="en-CA" sz="1200" b="1" dirty="0">
+                <a:latin typeface="Courier" pitchFamily="2" charset="0"/>
+              </a:rPr>
+              <a:t>                     +-------+            +-------+</a:t>
+            </a:r>
+          </a:p>
+          <a:p>
+            <a:r>
+              <a:rPr lang="en-CA" sz="1200" b="1" dirty="0">
+                <a:latin typeface="Courier" pitchFamily="2" charset="0"/>
+              </a:rPr>
+              <a:t>                      Sender              Reflector</a:t>
+            </a:r>
+          </a:p>
+        </p:txBody>
+      </p:sp>
     </p:spTree>
     <p:extLst>
       <p:ext uri="{BB962C8B-B14F-4D97-AF65-F5344CB8AC3E}">
-        <p14:creationId xmlns:p14="http://schemas.microsoft.com/office/powerpoint/2010/main" val="3637512675"/>
+        <p14:creationId xmlns:p14="http://schemas.microsoft.com/office/powerpoint/2010/main" val="21907870"/>
       </p:ext>
     </p:extLst>
   </p:cSld>

--- a/draft-gandhi-spring-sr-enhanced-plm-00.pptx
+++ b/draft-gandhi-spring-sr-enhanced-plm-00.pptx
@@ -16,8 +16,8 @@
     <p:sldId id="315" r:id="rId4"/>
     <p:sldId id="326" r:id="rId5"/>
     <p:sldId id="1659" r:id="rId6"/>
-    <p:sldId id="1660" r:id="rId7"/>
-    <p:sldId id="1662" r:id="rId8"/>
+    <p:sldId id="1662" r:id="rId7"/>
+    <p:sldId id="1660" r:id="rId8"/>
     <p:sldId id="1658" r:id="rId9"/>
     <p:sldId id="1663" r:id="rId10"/>
     <p:sldId id="318" r:id="rId11"/>
@@ -257,7 +257,7 @@
           <a:p>
             <a:fld id="{E8FA3DB5-7722-3F4F-947D-12B203669AD7}" type="datetimeFigureOut">
               <a:rPr lang="en-US" smtClean="0"/>
-              <a:t>4/2/20</a:t>
+              <a:t>4/3/20</a:t>
             </a:fld>
             <a:endParaRPr lang="en-US"/>
           </a:p>
@@ -1674,7 +1674,7 @@
     </p:spTree>
     <p:extLst>
       <p:ext uri="{BB962C8B-B14F-4D97-AF65-F5344CB8AC3E}">
-        <p14:creationId xmlns:p14="http://schemas.microsoft.com/office/powerpoint/2010/main" val="675579335"/>
+        <p14:creationId xmlns:p14="http://schemas.microsoft.com/office/powerpoint/2010/main" val="3363797125"/>
       </p:ext>
     </p:extLst>
   </p:cSld>
@@ -1764,7 +1764,7 @@
     </p:spTree>
     <p:extLst>
       <p:ext uri="{BB962C8B-B14F-4D97-AF65-F5344CB8AC3E}">
-        <p14:creationId xmlns:p14="http://schemas.microsoft.com/office/powerpoint/2010/main" val="3363797125"/>
+        <p14:creationId xmlns:p14="http://schemas.microsoft.com/office/powerpoint/2010/main" val="675579335"/>
       </p:ext>
     </p:extLst>
   </p:cSld>
@@ -5582,12 +5582,6 @@
           </a:p>
           <a:p>
             <a:r>
-              <a:rPr lang="en-US" sz="2400" dirty="0"/>
-              <a:t>Implementation exists</a:t>
-            </a:r>
-          </a:p>
-          <a:p>
-            <a:r>
               <a:rPr lang="en-US" sz="2400" dirty="0">
                 <a:latin typeface="Calibri" charset="0"/>
                 <a:ea typeface="Calibri" charset="0"/>
@@ -6433,13 +6427,13 @@
           <a:p>
             <a:r>
               <a:rPr lang="en-US" sz="1600" dirty="0"/>
-              <a:t>Source and Destination Addresses for the Reverse direction path in the inner IPv6 header</a:t>
+              <a:t>Source and Destination Addresses swapped for the Reverse direction path in the inner IPv6 header</a:t>
             </a:r>
           </a:p>
           <a:p>
             <a:r>
               <a:rPr lang="en-US" sz="1600" dirty="0"/>
-              <a:t>Optionally, Reverse direction SR path can be in the SRH</a:t>
+              <a:t>Optionally, Reverse direction SR path can be added in SRH</a:t>
             </a:r>
           </a:p>
           <a:p>
@@ -6981,7 +6975,7 @@
             </a:pPr>
             <a:r>
               <a:rPr lang="en-US" sz="1600" dirty="0"/>
-              <a:t>Performance Delay and Loss Measurement &amp; Liveness Monitoring</a:t>
+              <a:t>Performance Measurement &amp; Liveness Monitoring</a:t>
             </a:r>
           </a:p>
           <a:p>
@@ -6991,17 +6985,7 @@
             </a:pPr>
             <a:r>
               <a:rPr lang="en-US" sz="1600" dirty="0"/>
-              <a:t>End-to-end P2P/P2MP SR Policies</a:t>
-            </a:r>
-          </a:p>
-          <a:p>
-            <a:pPr lvl="2">
-              <a:buFont typeface="Wingdings" pitchFamily="2" charset="2"/>
-              <a:buChar char="ü"/>
-            </a:pPr>
-            <a:r>
-              <a:rPr lang="en-US" sz="1600" dirty="0"/>
-              <a:t>Links (Future)</a:t>
+              <a:t>End-to-end P2P/P2MP SR Paths</a:t>
             </a:r>
           </a:p>
           <a:p>
@@ -7280,7 +7264,7 @@
             </a:pPr>
             <a:r>
               <a:rPr lang="en-US" sz="1600" dirty="0"/>
-              <a:t>Return path can be IP by default or SR path</a:t>
+              <a:t>Return path can be IP or SR</a:t>
             </a:r>
           </a:p>
           <a:p>
@@ -7581,7 +7565,7 @@
         </p:nvSpPr>
         <p:spPr>
           <a:xfrm>
-            <a:off x="367748" y="2794879"/>
+            <a:off x="374374" y="2688426"/>
             <a:ext cx="8395252" cy="2005271"/>
           </a:xfrm>
         </p:spPr>
@@ -7627,7 +7611,21 @@
             </a:pPr>
             <a:r>
               <a:rPr lang="en-CA" sz="1400" dirty="0"/>
-              <a:t>The endpoint node adds the receive timestamp (at the fixed location locally provisioned consistently in the network) in the payload of the received TWAMP Light or STAMP probe message without punting the probe message.  </a:t>
+              <a:t>The endpoint node adds the receive timestamp in the payload of the received TWAMP Light or STAMP probe message without punting the probe message.  </a:t>
+            </a:r>
+          </a:p>
+          <a:p>
+            <a:pPr lvl="1">
+              <a:lnSpc>
+                <a:spcPts val="1680"/>
+              </a:lnSpc>
+              <a:spcBef>
+                <a:spcPts val="600"/>
+              </a:spcBef>
+            </a:pPr>
+            <a:r>
+              <a:rPr lang="en-CA" sz="1400" dirty="0"/>
+              <a:t>Timestamp at the fixed location locally provisioned consistently in the network</a:t>
             </a:r>
           </a:p>
           <a:p>
@@ -7660,7 +7658,7 @@
         </p:nvSpPr>
         <p:spPr>
           <a:xfrm>
-            <a:off x="1905000" y="855876"/>
+            <a:off x="1905000" y="786646"/>
             <a:ext cx="4800600" cy="1785104"/>
           </a:xfrm>
           <a:prstGeom prst="rect">
@@ -7807,8 +7805,8 @@
         </p:nvSpPr>
         <p:spPr>
           <a:xfrm>
-            <a:off x="457200" y="-95250"/>
-            <a:ext cx="8229600" cy="857250"/>
+            <a:off x="443261" y="-132784"/>
+            <a:ext cx="8458200" cy="857250"/>
           </a:xfrm>
         </p:spPr>
         <p:txBody>
@@ -7823,34 +7821,7 @@
                 <a:latin typeface="Calibri Light" panose="020F0302020204030204" pitchFamily="34" charset="0"/>
                 <a:cs typeface="Calibri Light" panose="020F0302020204030204" pitchFamily="34" charset="0"/>
               </a:rPr>
-              <a:t>SR-MPLS with Timestamp Label</a:t>
-            </a:r>
-          </a:p>
-        </p:txBody>
-      </p:sp>
-      <p:sp>
-        <p:nvSpPr>
-          <p:cNvPr id="4" name="Footer Placeholder 3"/>
-          <p:cNvSpPr>
-            <a:spLocks noGrp="1"/>
-          </p:cNvSpPr>
-          <p:nvPr>
-            <p:ph type="ftr" sz="quarter" idx="11"/>
-          </p:nvPr>
-        </p:nvSpPr>
-        <p:spPr>
-          <a:xfrm>
-            <a:off x="3124200" y="4786312"/>
-            <a:ext cx="2895600" cy="357188"/>
-          </a:xfrm>
-        </p:spPr>
-        <p:txBody>
-          <a:bodyPr/>
-          <a:lstStyle/>
-          <a:p>
-            <a:r>
-              <a:rPr lang="en-CA" dirty="0"/>
-              <a:t>IETF MPLS WG Interim – April 2020 </a:t>
+              <a:t>TWAMP Light/STAMP Probe Message</a:t>
             </a:r>
           </a:p>
         </p:txBody>
@@ -7898,8 +7869,8 @@
         </p:nvSpPr>
         <p:spPr>
           <a:xfrm>
-            <a:off x="228600" y="666750"/>
-            <a:ext cx="4876800" cy="4247317"/>
+            <a:off x="152400" y="893697"/>
+            <a:ext cx="4800600" cy="3139321"/>
           </a:xfrm>
           <a:prstGeom prst="rect">
             <a:avLst/>
@@ -7921,261 +7892,398 @@
               <a:rPr lang="en-CA" sz="900" dirty="0">
                 <a:latin typeface="Courier" pitchFamily="2" charset="0"/>
               </a:rPr>
-              <a:t>  0 1 2 3 4 5 6 7 8 9 0 1 2 3 4 5 6 7 8 9 0 1 2 3 4 5 6 7 8 9 0 1</a:t>
-            </a:r>
+              <a:t>  +-+-+-+-+-+-+-+-+-+-+-+-+-+-+-+-+-+-+-+-+-+-+-+-+-+-+-+-+-+-+-+-+</a:t>
+            </a:r>
+          </a:p>
+          <a:p>
+            <a:pPr>
+              <a:spcAft>
+                <a:spcPts val="0"/>
+              </a:spcAft>
+            </a:pPr>
+            <a:r>
+              <a:rPr lang="en-US" sz="900" dirty="0">
+                <a:latin typeface="Courier" pitchFamily="2" charset="0"/>
+                <a:ea typeface="Courier" charset="0"/>
+                <a:cs typeface="Courier" charset="0"/>
+              </a:rPr>
+              <a:t>  |         Sequence Number                                       |</a:t>
+            </a:r>
+          </a:p>
+          <a:p>
+            <a:pPr>
+              <a:spcAft>
+                <a:spcPts val="0"/>
+              </a:spcAft>
+            </a:pPr>
+            <a:r>
+              <a:rPr lang="en-US" sz="900" dirty="0">
+                <a:latin typeface="Courier" pitchFamily="2" charset="0"/>
+                <a:ea typeface="Courier" charset="0"/>
+                <a:cs typeface="Courier" charset="0"/>
+              </a:rPr>
+              <a:t>  +-+-+-+-+-+-+-+-+-+-+-+-+-+-+-+-+-+-+-+-+-+-+-+-+-+-+-+-+-+-+-+-+</a:t>
+            </a:r>
+          </a:p>
+          <a:p>
+            <a:pPr>
+              <a:spcAft>
+                <a:spcPts val="0"/>
+              </a:spcAft>
+            </a:pPr>
+            <a:r>
+              <a:rPr lang="en-US" sz="900" dirty="0">
+                <a:latin typeface="Courier" pitchFamily="2" charset="0"/>
+                <a:ea typeface="Courier" charset="0"/>
+                <a:cs typeface="Courier" charset="0"/>
+              </a:rPr>
+              <a:t>  |         Transmit Timestamp                                    |</a:t>
+            </a:r>
+          </a:p>
+          <a:p>
+            <a:pPr>
+              <a:spcAft>
+                <a:spcPts val="0"/>
+              </a:spcAft>
+            </a:pPr>
+            <a:r>
+              <a:rPr lang="en-US" sz="900" dirty="0">
+                <a:latin typeface="Courier" pitchFamily="2" charset="0"/>
+                <a:ea typeface="Courier" charset="0"/>
+                <a:cs typeface="Courier" charset="0"/>
+              </a:rPr>
+              <a:t>  |                                                               |</a:t>
+            </a:r>
+          </a:p>
+          <a:p>
+            <a:pPr>
+              <a:spcAft>
+                <a:spcPts val="0"/>
+              </a:spcAft>
+            </a:pPr>
+            <a:r>
+              <a:rPr lang="en-US" sz="900" dirty="0">
+                <a:latin typeface="Courier" pitchFamily="2" charset="0"/>
+                <a:ea typeface="Courier" charset="0"/>
+                <a:cs typeface="Courier" charset="0"/>
+              </a:rPr>
+              <a:t>  +-+-+-+-+-+-+-+-+-+-+-+-+-+-+-+-+-+-+-+-+-+-+-+-+-+-+-+-+-+-+-+-+</a:t>
+            </a:r>
+          </a:p>
+          <a:p>
+            <a:pPr>
+              <a:spcAft>
+                <a:spcPts val="0"/>
+              </a:spcAft>
+            </a:pPr>
+            <a:r>
+              <a:rPr lang="en-US" sz="900" dirty="0">
+                <a:latin typeface="Courier" pitchFamily="2" charset="0"/>
+                <a:ea typeface="Courier" charset="0"/>
+                <a:cs typeface="Courier" charset="0"/>
+              </a:rPr>
+              <a:t>  |         Error Estimate        |    SSID Or MBZ                |</a:t>
+            </a:r>
+          </a:p>
+          <a:p>
+            <a:pPr>
+              <a:spcAft>
+                <a:spcPts val="0"/>
+              </a:spcAft>
+            </a:pPr>
+            <a:r>
+              <a:rPr lang="en-US" sz="900" dirty="0">
+                <a:latin typeface="Courier" pitchFamily="2" charset="0"/>
+                <a:ea typeface="Courier" charset="0"/>
+                <a:cs typeface="Courier" charset="0"/>
+              </a:rPr>
+              <a:t>  +-+-+-+-+-+-+-+-+-+-+-+-+-+-+-+-+-+-+-+-+-+-+-+-+-+-+-+-+-+-+-+-+</a:t>
+            </a:r>
+          </a:p>
+          <a:p>
+            <a:pPr>
+              <a:spcAft>
+                <a:spcPts val="0"/>
+              </a:spcAft>
+            </a:pPr>
+            <a:r>
+              <a:rPr lang="en-US" sz="900" dirty="0">
+                <a:solidFill>
+                  <a:schemeClr val="tx2"/>
+                </a:solidFill>
+                <a:latin typeface="Courier" pitchFamily="2" charset="0"/>
+                <a:ea typeface="Courier" charset="0"/>
+                <a:cs typeface="Courier" charset="0"/>
+              </a:rPr>
+              <a:t>  |                      </a:t>
+            </a:r>
+            <a:r>
+              <a:rPr lang="en-US" sz="900" dirty="0">
+                <a:solidFill>
+                  <a:srgbClr val="0070C0"/>
+                </a:solidFill>
+                <a:latin typeface="Courier" pitchFamily="2" charset="0"/>
+                <a:ea typeface="Courier" charset="0"/>
+                <a:cs typeface="Courier" charset="0"/>
+              </a:rPr>
+              <a:t>Receive Timestamp                        </a:t>
+            </a:r>
+            <a:r>
+              <a:rPr lang="en-US" sz="900" dirty="0">
+                <a:solidFill>
+                  <a:schemeClr val="tx2"/>
+                </a:solidFill>
+                <a:latin typeface="Courier" pitchFamily="2" charset="0"/>
+                <a:ea typeface="Courier" charset="0"/>
+                <a:cs typeface="Courier" charset="0"/>
+              </a:rPr>
+              <a:t>|</a:t>
+            </a:r>
+          </a:p>
+          <a:p>
+            <a:pPr>
+              <a:spcAft>
+                <a:spcPts val="0"/>
+              </a:spcAft>
+            </a:pPr>
+            <a:r>
+              <a:rPr lang="en-US" sz="900" dirty="0">
+                <a:latin typeface="Courier" pitchFamily="2" charset="0"/>
+                <a:ea typeface="Courier" charset="0"/>
+                <a:cs typeface="Courier" charset="0"/>
+              </a:rPr>
+              <a:t>  |                                                               |</a:t>
+            </a:r>
+          </a:p>
+          <a:p>
+            <a:pPr>
+              <a:spcAft>
+                <a:spcPts val="0"/>
+              </a:spcAft>
+            </a:pPr>
+            <a:r>
+              <a:rPr lang="en-US" sz="900" dirty="0">
+                <a:latin typeface="Courier" pitchFamily="2" charset="0"/>
+                <a:ea typeface="Courier" charset="0"/>
+                <a:cs typeface="Courier" charset="0"/>
+              </a:rPr>
+              <a:t>  +-+-+-+-+-+-+-+-+-+-+-+-+-+-+-+-+-+-+-+-+-+-+-+-+-+-+-+-+-+-+-+-+</a:t>
+            </a:r>
+          </a:p>
+          <a:p>
+            <a:pPr>
+              <a:spcAft>
+                <a:spcPts val="0"/>
+              </a:spcAft>
+            </a:pPr>
+            <a:r>
+              <a:rPr lang="en-US" sz="900" dirty="0">
+                <a:solidFill>
+                  <a:schemeClr val="bg2">
+                    <a:lumMod val="50000"/>
+                  </a:schemeClr>
+                </a:solidFill>
+                <a:latin typeface="Courier" pitchFamily="2" charset="0"/>
+                <a:ea typeface="Courier" charset="0"/>
+                <a:cs typeface="Courier" charset="0"/>
+              </a:rPr>
+              <a:t>  </a:t>
+            </a:r>
+            <a:r>
+              <a:rPr lang="en-US" sz="900" dirty="0">
+                <a:solidFill>
+                  <a:schemeClr val="bg1">
+                    <a:lumMod val="50000"/>
+                  </a:schemeClr>
+                </a:solidFill>
+                <a:latin typeface="Courier" pitchFamily="2" charset="0"/>
+                <a:ea typeface="Courier" charset="0"/>
+                <a:cs typeface="Courier" charset="0"/>
+              </a:rPr>
+              <a:t>|                      Sender Sequence Number                   |</a:t>
+            </a:r>
+          </a:p>
+          <a:p>
+            <a:pPr>
+              <a:spcAft>
+                <a:spcPts val="0"/>
+              </a:spcAft>
+            </a:pPr>
+            <a:r>
+              <a:rPr lang="en-US" sz="900" dirty="0">
+                <a:solidFill>
+                  <a:schemeClr val="bg1">
+                    <a:lumMod val="50000"/>
+                  </a:schemeClr>
+                </a:solidFill>
+                <a:latin typeface="Courier" pitchFamily="2" charset="0"/>
+                <a:ea typeface="Courier" charset="0"/>
+                <a:cs typeface="Courier" charset="0"/>
+              </a:rPr>
+              <a:t>  +-+-+-+-+-+-+-+-+-+-+-+-+-+-+-+-+-+-+-+-+-+-+-+-+-+-+-+-+-+-+-+-+</a:t>
+            </a:r>
+          </a:p>
+          <a:p>
+            <a:pPr>
+              <a:spcAft>
+                <a:spcPts val="0"/>
+              </a:spcAft>
+            </a:pPr>
+            <a:r>
+              <a:rPr lang="en-US" sz="900" dirty="0">
+                <a:solidFill>
+                  <a:schemeClr val="bg1">
+                    <a:lumMod val="50000"/>
+                  </a:schemeClr>
+                </a:solidFill>
+                <a:latin typeface="Courier" pitchFamily="2" charset="0"/>
+                <a:ea typeface="Courier" charset="0"/>
+                <a:cs typeface="Courier" charset="0"/>
+              </a:rPr>
+              <a:t>  |                      Sender Timestamp                         |</a:t>
+            </a:r>
+          </a:p>
+          <a:p>
+            <a:pPr>
+              <a:spcAft>
+                <a:spcPts val="0"/>
+              </a:spcAft>
+            </a:pPr>
+            <a:r>
+              <a:rPr lang="en-US" sz="900" dirty="0">
+                <a:solidFill>
+                  <a:schemeClr val="bg1">
+                    <a:lumMod val="50000"/>
+                  </a:schemeClr>
+                </a:solidFill>
+                <a:latin typeface="Courier" pitchFamily="2" charset="0"/>
+                <a:ea typeface="Courier" charset="0"/>
+                <a:cs typeface="Courier" charset="0"/>
+              </a:rPr>
+              <a:t>  |                                                               |</a:t>
+            </a:r>
+          </a:p>
+          <a:p>
+            <a:pPr>
+              <a:spcAft>
+                <a:spcPts val="0"/>
+              </a:spcAft>
+            </a:pPr>
+            <a:r>
+              <a:rPr lang="en-US" sz="900" dirty="0">
+                <a:solidFill>
+                  <a:schemeClr val="bg1">
+                    <a:lumMod val="50000"/>
+                  </a:schemeClr>
+                </a:solidFill>
+                <a:latin typeface="Courier" pitchFamily="2" charset="0"/>
+                <a:ea typeface="Courier" charset="0"/>
+                <a:cs typeface="Courier" charset="0"/>
+              </a:rPr>
+              <a:t>  +-+-+-+-+-+-+-+-+-+-+-+-+-+-+-+-+-+-+-+-+-+-+-+-+-+-+-+-+-+-+-+-+</a:t>
+            </a:r>
+          </a:p>
+          <a:p>
+            <a:pPr>
+              <a:spcAft>
+                <a:spcPts val="0"/>
+              </a:spcAft>
+            </a:pPr>
+            <a:r>
+              <a:rPr lang="en-US" sz="900" dirty="0">
+                <a:solidFill>
+                  <a:schemeClr val="bg1">
+                    <a:lumMod val="50000"/>
+                  </a:schemeClr>
+                </a:solidFill>
+                <a:latin typeface="Courier" pitchFamily="2" charset="0"/>
+                <a:ea typeface="Courier" charset="0"/>
+                <a:cs typeface="Courier" charset="0"/>
+              </a:rPr>
+              <a:t>  |      Sender Error Estimate    |           MBZ                 |</a:t>
+            </a:r>
+          </a:p>
+          <a:p>
+            <a:pPr>
+              <a:spcAft>
+                <a:spcPts val="0"/>
+              </a:spcAft>
+            </a:pPr>
+            <a:r>
+              <a:rPr lang="en-US" sz="900" dirty="0">
+                <a:solidFill>
+                  <a:schemeClr val="bg1">
+                    <a:lumMod val="50000"/>
+                  </a:schemeClr>
+                </a:solidFill>
+                <a:latin typeface="Courier" pitchFamily="2" charset="0"/>
+                <a:ea typeface="Courier" charset="0"/>
+                <a:cs typeface="Courier" charset="0"/>
+              </a:rPr>
+              <a:t>  +-+-+-+-+-+-+-+-+-+-+-+-+-+-+-+-+-+-+-+-+-+-+-+-+-+-+-+-+-+-+-+-+</a:t>
+            </a:r>
+          </a:p>
+          <a:p>
+            <a:pPr>
+              <a:spcAft>
+                <a:spcPts val="0"/>
+              </a:spcAft>
+            </a:pPr>
+            <a:r>
+              <a:rPr lang="en-US" sz="900" dirty="0">
+                <a:solidFill>
+                  <a:schemeClr val="bg1">
+                    <a:lumMod val="50000"/>
+                  </a:schemeClr>
+                </a:solidFill>
+                <a:latin typeface="Courier" pitchFamily="2" charset="0"/>
+                <a:ea typeface="Courier" charset="0"/>
+                <a:cs typeface="Courier" charset="0"/>
+              </a:rPr>
+              <a:t>  |  Sender TTL   |      Padding                                  |</a:t>
+            </a:r>
+          </a:p>
+          <a:p>
+            <a:pPr>
+              <a:spcAft>
+                <a:spcPts val="0"/>
+              </a:spcAft>
+            </a:pPr>
+            <a:r>
+              <a:rPr lang="en-US" sz="900" dirty="0">
+                <a:solidFill>
+                  <a:schemeClr val="bg1">
+                    <a:lumMod val="50000"/>
+                  </a:schemeClr>
+                </a:solidFill>
+                <a:latin typeface="Courier" pitchFamily="2" charset="0"/>
+                <a:ea typeface="Courier" charset="0"/>
+                <a:cs typeface="Courier" charset="0"/>
+              </a:rPr>
+              <a:t>  +-+-+-+-+-+-+-+-+-+-+-+-+-+-+-+-+-+-+-+-+-+-+-+-+-+-+-+-+-+-+-+-+</a:t>
+            </a:r>
+          </a:p>
+          <a:p>
+            <a:pPr>
+              <a:spcAft>
+                <a:spcPts val="0"/>
+              </a:spcAft>
+            </a:pPr>
+            <a:endParaRPr lang="en-CA" sz="900" dirty="0">
+              <a:solidFill>
+                <a:schemeClr val="bg2">
+                  <a:lumMod val="50000"/>
+                </a:schemeClr>
+              </a:solidFill>
+              <a:latin typeface="Courier" pitchFamily="2" charset="0"/>
+            </a:endParaRPr>
           </a:p>
           <a:p>
             <a:r>
               <a:rPr lang="en-CA" sz="900" dirty="0">
                 <a:latin typeface="Courier" pitchFamily="2" charset="0"/>
               </a:rPr>
-              <a:t>  +-+-+-+-+-+-+-+-+-+-+-+-+-+-+-+-+-+-+-+-+-+-+-+-+-+-+-+-+-+-+-+-+</a:t>
-            </a:r>
-          </a:p>
-          <a:p>
-            <a:r>
-              <a:rPr lang="en-CA" sz="900" dirty="0">
-                <a:latin typeface="Courier" pitchFamily="2" charset="0"/>
-              </a:rPr>
-              <a:t>  |            Label(1)                   | TC  |S|      TTL      |</a:t>
-            </a:r>
-          </a:p>
-          <a:p>
-            <a:r>
-              <a:rPr lang="en-CA" sz="900" dirty="0">
-                <a:latin typeface="Courier" pitchFamily="2" charset="0"/>
-              </a:rPr>
-              <a:t>  +-+-+-+-+-+-+-+-+-+-+-+-+-+-+-+-+-+-+-+-+-+-+-+-+-+-+-+-+-+-+-+-+</a:t>
-            </a:r>
-          </a:p>
-          <a:p>
-            <a:r>
-              <a:rPr lang="en-CA" sz="900" dirty="0">
-                <a:latin typeface="Courier" pitchFamily="2" charset="0"/>
-              </a:rPr>
-              <a:t>  .                                                               .</a:t>
-            </a:r>
-          </a:p>
-          <a:p>
-            <a:r>
-              <a:rPr lang="en-CA" sz="900" dirty="0">
-                <a:latin typeface="Courier" pitchFamily="2" charset="0"/>
-              </a:rPr>
-              <a:t>  .                                                               .</a:t>
-            </a:r>
-          </a:p>
-          <a:p>
-            <a:r>
-              <a:rPr lang="en-CA" sz="900" dirty="0">
-                <a:latin typeface="Courier" pitchFamily="2" charset="0"/>
-              </a:rPr>
-              <a:t>  .                                                               .</a:t>
-            </a:r>
-          </a:p>
-          <a:p>
-            <a:r>
-              <a:rPr lang="en-CA" sz="900" dirty="0">
-                <a:latin typeface="Courier" pitchFamily="2" charset="0"/>
-              </a:rPr>
-              <a:t>  +-+-+-+-+-+-+-+-+-+-+-+-+-+-+-+-+-+-+-+-+-+-+-+-+-+-+-+-+-+-+-+-+</a:t>
-            </a:r>
-          </a:p>
-          <a:p>
-            <a:r>
-              <a:rPr lang="en-CA" sz="900" dirty="0">
-                <a:latin typeface="Courier" pitchFamily="2" charset="0"/>
-              </a:rPr>
-              <a:t>  |            Label(n)                   | TC  |S|      TTL      |</a:t>
-            </a:r>
-          </a:p>
-          <a:p>
-            <a:r>
-              <a:rPr lang="en-CA" sz="900" dirty="0">
-                <a:latin typeface="Courier" pitchFamily="2" charset="0"/>
-              </a:rPr>
-              <a:t>  +-+-+-+-+-+-+-+-+-+-+-+-+-+-+-+-+-+-+-+-+-+-+-+-+-+-+-+-+-+-+-+-+</a:t>
-            </a:r>
-          </a:p>
-          <a:p>
-            <a:r>
-              <a:rPr lang="en-CA" sz="900" dirty="0">
-                <a:latin typeface="Courier" pitchFamily="2" charset="0"/>
-              </a:rPr>
-              <a:t>  </a:t>
-            </a:r>
-            <a:r>
-              <a:rPr lang="en-CA" sz="900" b="1" dirty="0">
-                <a:latin typeface="Courier" pitchFamily="2" charset="0"/>
-              </a:rPr>
-              <a:t>|            Timestamp Label (TBA1)     | TC  |S|      TTL      |</a:t>
-            </a:r>
-          </a:p>
-          <a:p>
-            <a:r>
-              <a:rPr lang="en-CA" sz="900" dirty="0">
-                <a:latin typeface="Courier" pitchFamily="2" charset="0"/>
-              </a:rPr>
-              <a:t>  +---------------------------------------------------------------+</a:t>
-            </a:r>
-          </a:p>
-          <a:p>
-            <a:r>
-              <a:rPr lang="en-CA" sz="900" dirty="0">
-                <a:latin typeface="Courier" pitchFamily="2" charset="0"/>
-              </a:rPr>
-              <a:t>  | IP Header                                                     |</a:t>
-            </a:r>
-          </a:p>
-          <a:p>
-            <a:r>
-              <a:rPr lang="en-CA" sz="900" dirty="0">
-                <a:latin typeface="Courier" pitchFamily="2" charset="0"/>
-              </a:rPr>
-              <a:t>  .  Source IP Address = </a:t>
-            </a:r>
-            <a:r>
-              <a:rPr lang="en-CA" sz="900" b="1" dirty="0">
-                <a:latin typeface="Courier" pitchFamily="2" charset="0"/>
-              </a:rPr>
-              <a:t>Endpoint</a:t>
-            </a:r>
-            <a:r>
-              <a:rPr lang="en-CA" sz="900" dirty="0">
-                <a:latin typeface="Courier" pitchFamily="2" charset="0"/>
-              </a:rPr>
-              <a:t> IPv4 or IPv6 Address            .</a:t>
-            </a:r>
-          </a:p>
-          <a:p>
-            <a:r>
-              <a:rPr lang="en-CA" sz="900" dirty="0">
-                <a:latin typeface="Courier" pitchFamily="2" charset="0"/>
-              </a:rPr>
-              <a:t>  .  Destination IP Address = </a:t>
-            </a:r>
-            <a:r>
-              <a:rPr lang="en-CA" sz="900" b="1" dirty="0">
-                <a:latin typeface="Courier" pitchFamily="2" charset="0"/>
-              </a:rPr>
-              <a:t>Sender</a:t>
-            </a:r>
-            <a:r>
-              <a:rPr lang="en-CA" sz="900" dirty="0">
-                <a:latin typeface="Courier" pitchFamily="2" charset="0"/>
-              </a:rPr>
-              <a:t> IPv4 or IPv6 Address         .</a:t>
-            </a:r>
-          </a:p>
-          <a:p>
-            <a:r>
-              <a:rPr lang="en-CA" sz="900" dirty="0">
-                <a:latin typeface="Courier" pitchFamily="2" charset="0"/>
-              </a:rPr>
-              <a:t>  .  Protocol = UDP                                               .</a:t>
-            </a:r>
-          </a:p>
-          <a:p>
-            <a:r>
-              <a:rPr lang="en-CA" sz="900" dirty="0">
-                <a:latin typeface="Courier" pitchFamily="2" charset="0"/>
-              </a:rPr>
-              <a:t>  .                                                               .</a:t>
-            </a:r>
-          </a:p>
-          <a:p>
-            <a:r>
-              <a:rPr lang="en-CA" sz="900" dirty="0">
-                <a:latin typeface="Courier" pitchFamily="2" charset="0"/>
-              </a:rPr>
-              <a:t>  +---------------------------------------------------------------+</a:t>
-            </a:r>
-          </a:p>
-          <a:p>
-            <a:r>
-              <a:rPr lang="en-CA" sz="900" dirty="0">
-                <a:latin typeface="Courier" pitchFamily="2" charset="0"/>
-              </a:rPr>
-              <a:t>  | UDP Header                                                    |</a:t>
-            </a:r>
-          </a:p>
-          <a:p>
-            <a:r>
-              <a:rPr lang="en-CA" sz="900" dirty="0">
-                <a:latin typeface="Courier" pitchFamily="2" charset="0"/>
-              </a:rPr>
-              <a:t>  .  Source Port = As chosen by Sender                            .</a:t>
-            </a:r>
-          </a:p>
-          <a:p>
-            <a:r>
-              <a:rPr lang="en-CA" sz="900" dirty="0">
-                <a:latin typeface="Courier" pitchFamily="2" charset="0"/>
-              </a:rPr>
-              <a:t>  .  Destination Port = User-configured Port                      .</a:t>
-            </a:r>
-          </a:p>
-          <a:p>
-            <a:r>
-              <a:rPr lang="en-CA" sz="900" dirty="0">
-                <a:latin typeface="Courier" pitchFamily="2" charset="0"/>
-              </a:rPr>
-              <a:t>  .                                                               .</a:t>
-            </a:r>
-          </a:p>
-          <a:p>
-            <a:r>
-              <a:rPr lang="en-CA" sz="900" dirty="0">
-                <a:latin typeface="Courier" pitchFamily="2" charset="0"/>
-              </a:rPr>
-              <a:t>  +-+-+-+-+-+-+-+-+-+-+-+-+-+-+-+-+-+-+-+-+-+-+-+-+-+-+-+-+-+-+-+-+</a:t>
-            </a:r>
-          </a:p>
-          <a:p>
-            <a:r>
-              <a:rPr lang="en-CA" sz="900" dirty="0">
-                <a:latin typeface="Courier" pitchFamily="2" charset="0"/>
-              </a:rPr>
-              <a:t>  |  Payload as defined in Section 4.2.1 of RFC 5357 |            |</a:t>
-            </a:r>
-          </a:p>
-          <a:p>
-            <a:r>
-              <a:rPr lang="en-CA" sz="900" dirty="0">
-                <a:latin typeface="Courier" pitchFamily="2" charset="0"/>
-              </a:rPr>
-              <a:t>  |  Payload as defined in Section 4.2 of RFC 8762                |</a:t>
-            </a:r>
-          </a:p>
-          <a:p>
-            <a:r>
-              <a:rPr lang="en-CA" sz="900" dirty="0">
-                <a:latin typeface="Courier" pitchFamily="2" charset="0"/>
-              </a:rPr>
-              <a:t>  .                                                               .</a:t>
-            </a:r>
-          </a:p>
-          <a:p>
-            <a:r>
-              <a:rPr lang="en-CA" sz="900" dirty="0">
-                <a:latin typeface="Courier" pitchFamily="2" charset="0"/>
-              </a:rPr>
-              <a:t>  +---------------------------------------------------------------+</a:t>
-            </a:r>
-          </a:p>
-          <a:p>
-            <a:r>
-              <a:rPr lang="en-CA" sz="900" dirty="0">
-                <a:latin typeface="Courier" pitchFamily="2" charset="0"/>
-              </a:rPr>
-              <a:t> </a:t>
-            </a:r>
-          </a:p>
-          <a:p>
-            <a:r>
-              <a:rPr lang="en-CA" sz="900" dirty="0">
-                <a:latin typeface="Courier" pitchFamily="2" charset="0"/>
-              </a:rPr>
-              <a:t>  Figure 5: Probe Message Header for SR-MPLS with Timestamp Label</a:t>
+              <a:t>               Figure: TWAMP Light Message Format</a:t>
             </a:r>
             <a:endParaRPr lang="en-US" sz="900" dirty="0">
               <a:latin typeface="Courier" pitchFamily="2" charset="0"/>
@@ -8201,47 +8309,86 @@
         </p:nvSpPr>
         <p:spPr>
           <a:xfrm>
-            <a:off x="5181600" y="1247094"/>
-            <a:ext cx="3733800" cy="3001056"/>
+            <a:off x="5029200" y="984613"/>
+            <a:ext cx="3962400" cy="3048406"/>
           </a:xfrm>
         </p:spPr>
         <p:txBody>
           <a:bodyPr/>
           <a:lstStyle/>
           <a:p>
-            <a:r>
-              <a:rPr lang="en-US" sz="1600" dirty="0"/>
-              <a:t>Timestamp Label (TBA1) allocated by IANA from Extended Special-Purpose MPLS Label Values </a:t>
+            <a:pPr marL="0" indent="0">
+              <a:buNone/>
+            </a:pPr>
+            <a:r>
+              <a:rPr lang="en-US" sz="1400" b="1" dirty="0"/>
+              <a:t>Enhanced Loopback Mode</a:t>
+            </a:r>
+          </a:p>
+          <a:p>
+            <a:r>
+              <a:rPr lang="en-US" sz="1400" dirty="0"/>
+              <a:t>Sender adds the Transmit Timestamp</a:t>
+            </a:r>
+          </a:p>
+          <a:p>
+            <a:r>
+              <a:rPr lang="en-US" sz="1400" dirty="0"/>
+              <a:t>Reflector adds the Receive Timestamp at fixed offset locally provisioned</a:t>
             </a:r>
           </a:p>
           <a:p>
             <a:pPr lvl="1"/>
             <a:r>
-              <a:rPr lang="en-US" sz="1600" dirty="0"/>
-              <a:t>Used for Timestamp, Pop and Forward network programing function</a:t>
-            </a:r>
-          </a:p>
-          <a:p>
-            <a:r>
-              <a:rPr lang="en-US" sz="1600" dirty="0"/>
-              <a:t>Source and Destination Addresses for the Reverse direction path</a:t>
-            </a:r>
-          </a:p>
-          <a:p>
-            <a:r>
-              <a:rPr lang="en-US" sz="1600" dirty="0"/>
-              <a:t>Optionally, Reverse direction SR path label stack can follow the Timestamp Label </a:t>
-            </a:r>
-          </a:p>
-          <a:p>
-            <a:endParaRPr lang="en-US" sz="1600" dirty="0"/>
+              <a:rPr lang="en-US" sz="1400" dirty="0"/>
+              <a:t>For TWAMP Light and STAMP packets, it is at offset-byte 16 from the start of the payload</a:t>
+            </a:r>
+          </a:p>
+          <a:p>
+            <a:r>
+              <a:rPr lang="en-US" sz="1400" dirty="0"/>
+              <a:t>Reflector does not copy Sender Sequence Number, Sender Timestamp, Sender Error Estimate and Sender TTL in response message</a:t>
+            </a:r>
+          </a:p>
+          <a:p>
+            <a:endParaRPr lang="en-US" sz="1400" dirty="0"/>
+          </a:p>
+          <a:p>
+            <a:endParaRPr lang="en-US" sz="1400" dirty="0"/>
+          </a:p>
+        </p:txBody>
+      </p:sp>
+      <p:sp>
+        <p:nvSpPr>
+          <p:cNvPr id="4" name="Footer Placeholder 3"/>
+          <p:cNvSpPr>
+            <a:spLocks noGrp="1"/>
+          </p:cNvSpPr>
+          <p:nvPr>
+            <p:ph type="ftr" sz="quarter" idx="11"/>
+          </p:nvPr>
+        </p:nvSpPr>
+        <p:spPr>
+          <a:xfrm>
+            <a:off x="3124200" y="4855474"/>
+            <a:ext cx="2895600" cy="357188"/>
+          </a:xfrm>
+        </p:spPr>
+        <p:txBody>
+          <a:bodyPr/>
+          <a:lstStyle/>
+          <a:p>
+            <a:r>
+              <a:rPr lang="en-CA" dirty="0"/>
+              <a:t>IETF MPLS WG Interim – April 2020 </a:t>
+            </a:r>
           </a:p>
         </p:txBody>
       </p:sp>
     </p:spTree>
     <p:extLst>
       <p:ext uri="{BB962C8B-B14F-4D97-AF65-F5344CB8AC3E}">
-        <p14:creationId xmlns:p14="http://schemas.microsoft.com/office/powerpoint/2010/main" val="3880543124"/>
+        <p14:creationId xmlns:p14="http://schemas.microsoft.com/office/powerpoint/2010/main" val="3909069486"/>
       </p:ext>
     </p:extLst>
   </p:cSld>
@@ -8280,8 +8427,8 @@
         </p:nvSpPr>
         <p:spPr>
           <a:xfrm>
-            <a:off x="443261" y="-132784"/>
-            <a:ext cx="8458200" cy="857250"/>
+            <a:off x="457200" y="-95250"/>
+            <a:ext cx="8229600" cy="857250"/>
           </a:xfrm>
         </p:spPr>
         <p:txBody>
@@ -8296,7 +8443,34 @@
                 <a:latin typeface="Calibri Light" panose="020F0302020204030204" pitchFamily="34" charset="0"/>
                 <a:cs typeface="Calibri Light" panose="020F0302020204030204" pitchFamily="34" charset="0"/>
               </a:rPr>
-              <a:t>TWAMP Light/STAMP Message Format</a:t>
+              <a:t>SR-MPLS with Timestamp Label</a:t>
+            </a:r>
+          </a:p>
+        </p:txBody>
+      </p:sp>
+      <p:sp>
+        <p:nvSpPr>
+          <p:cNvPr id="4" name="Footer Placeholder 3"/>
+          <p:cNvSpPr>
+            <a:spLocks noGrp="1"/>
+          </p:cNvSpPr>
+          <p:nvPr>
+            <p:ph type="ftr" sz="quarter" idx="11"/>
+          </p:nvPr>
+        </p:nvSpPr>
+        <p:spPr>
+          <a:xfrm>
+            <a:off x="3124200" y="4786312"/>
+            <a:ext cx="2895600" cy="357188"/>
+          </a:xfrm>
+        </p:spPr>
+        <p:txBody>
+          <a:bodyPr/>
+          <a:lstStyle/>
+          <a:p>
+            <a:r>
+              <a:rPr lang="en-CA" dirty="0"/>
+              <a:t>IETF MPLS WG Interim – April 2020 </a:t>
             </a:r>
           </a:p>
         </p:txBody>
@@ -8344,8 +8518,8 @@
         </p:nvSpPr>
         <p:spPr>
           <a:xfrm>
-            <a:off x="179813" y="583420"/>
-            <a:ext cx="4392187" cy="4278094"/>
+            <a:off x="228600" y="666751"/>
+            <a:ext cx="4800600" cy="4119562"/>
           </a:xfrm>
           <a:prstGeom prst="rect">
             <a:avLst/>
@@ -8364,7 +8538,101 @@
           <a:lstStyle/>
           <a:p>
             <a:r>
-              <a:rPr lang="en-CA" sz="800" dirty="0">
+              <a:rPr lang="en-CA" sz="900" dirty="0">
+                <a:latin typeface="Courier" pitchFamily="2" charset="0"/>
+              </a:rPr>
+              <a:t>  0 1 2 3 4 5 6 7 8 9 0 1 2 3 4 5 6 7 8 9 0 1 2 3 4 5 6 7 8 9 0 1</a:t>
+            </a:r>
+          </a:p>
+          <a:p>
+            <a:r>
+              <a:rPr lang="en-CA" sz="900" dirty="0">
+                <a:latin typeface="Courier" pitchFamily="2" charset="0"/>
+              </a:rPr>
+              <a:t>  +-+-+-+-+-+-+-+-+-+-+-+-+-+-+-+-+-+-+-+-+-+-+-+-+-+-+-+-+-+-+-+-+</a:t>
+            </a:r>
+          </a:p>
+          <a:p>
+            <a:r>
+              <a:rPr lang="en-CA" sz="900" dirty="0">
+                <a:latin typeface="Courier" pitchFamily="2" charset="0"/>
+              </a:rPr>
+              <a:t>  |            Label(1)                   | TC  |S|      TTL      |</a:t>
+            </a:r>
+          </a:p>
+          <a:p>
+            <a:r>
+              <a:rPr lang="en-CA" sz="900" dirty="0">
+                <a:latin typeface="Courier" pitchFamily="2" charset="0"/>
+              </a:rPr>
+              <a:t>  +-+-+-+-+-+-+-+-+-+-+-+-+-+-+-+-+-+-+-+-+-+-+-+-+-+-+-+-+-+-+-+-+</a:t>
+            </a:r>
+          </a:p>
+          <a:p>
+            <a:r>
+              <a:rPr lang="en-CA" sz="900" dirty="0">
+                <a:latin typeface="Courier" pitchFamily="2" charset="0"/>
+              </a:rPr>
+              <a:t>  .                                                               .</a:t>
+            </a:r>
+          </a:p>
+          <a:p>
+            <a:r>
+              <a:rPr lang="en-CA" sz="900" dirty="0">
+                <a:latin typeface="Courier" pitchFamily="2" charset="0"/>
+              </a:rPr>
+              <a:t>  .                                                               .</a:t>
+            </a:r>
+          </a:p>
+          <a:p>
+            <a:r>
+              <a:rPr lang="en-CA" sz="900" dirty="0">
+                <a:latin typeface="Courier" pitchFamily="2" charset="0"/>
+              </a:rPr>
+              <a:t>  .                                                               .</a:t>
+            </a:r>
+          </a:p>
+          <a:p>
+            <a:r>
+              <a:rPr lang="en-CA" sz="900" dirty="0">
+                <a:latin typeface="Courier" pitchFamily="2" charset="0"/>
+              </a:rPr>
+              <a:t>  +-+-+-+-+-+-+-+-+-+-+-+-+-+-+-+-+-+-+-+-+-+-+-+-+-+-+-+-+-+-+-+-+</a:t>
+            </a:r>
+          </a:p>
+          <a:p>
+            <a:r>
+              <a:rPr lang="en-CA" sz="900" dirty="0">
+                <a:latin typeface="Courier" pitchFamily="2" charset="0"/>
+              </a:rPr>
+              <a:t>  |            Label(n)                   | TC  |S|      TTL      |</a:t>
+            </a:r>
+          </a:p>
+          <a:p>
+            <a:r>
+              <a:rPr lang="en-CA" sz="900" dirty="0">
+                <a:latin typeface="Courier" pitchFamily="2" charset="0"/>
+              </a:rPr>
+              <a:t>  +-+-+-+-+-+-+-+-+-+-+-+-+-+-+-+-+-+-+-+-+-+-+-+-+-+-+-+-+-+-+-+-+</a:t>
+            </a:r>
+          </a:p>
+          <a:p>
+            <a:r>
+              <a:rPr lang="en-CA" sz="900" dirty="0">
+                <a:latin typeface="Courier" pitchFamily="2" charset="0"/>
+              </a:rPr>
+              <a:t>  </a:t>
+            </a:r>
+            <a:r>
+              <a:rPr lang="en-CA" sz="900" b="1" dirty="0">
+                <a:latin typeface="Courier" pitchFamily="2" charset="0"/>
+              </a:rPr>
+              <a:t>|            Timestamp Label (TBA1)     | TC  |S|      TTL      |</a:t>
+            </a:r>
+          </a:p>
+          <a:p>
+            <a:r>
+              <a:rPr lang="en-CA" sz="900" dirty="0">
                 <a:latin typeface="Courier" pitchFamily="2" charset="0"/>
               </a:rPr>
               <a:t>  +---------------------------------------------------------------+</a:t>
@@ -8372,7 +8640,7 @@
           </a:p>
           <a:p>
             <a:r>
-              <a:rPr lang="en-CA" sz="800" dirty="0">
+              <a:rPr lang="en-CA" sz="900" dirty="0">
                 <a:latin typeface="Courier" pitchFamily="2" charset="0"/>
               </a:rPr>
               <a:t>  | IP Header                                                     |</a:t>
@@ -8380,47 +8648,47 @@
           </a:p>
           <a:p>
             <a:r>
-              <a:rPr lang="en-CA" sz="800" dirty="0">
+              <a:rPr lang="en-CA" sz="900" dirty="0">
                 <a:latin typeface="Courier" pitchFamily="2" charset="0"/>
               </a:rPr>
               <a:t>  .  Source IP Address = </a:t>
             </a:r>
             <a:r>
-              <a:rPr lang="en-CA" sz="800" b="1" dirty="0">
+              <a:rPr lang="en-CA" sz="900" b="1" dirty="0">
                 <a:latin typeface="Courier" pitchFamily="2" charset="0"/>
               </a:rPr>
               <a:t>Endpoint</a:t>
             </a:r>
             <a:r>
-              <a:rPr lang="en-CA" sz="800" dirty="0">
-                <a:latin typeface="Courier" pitchFamily="2" charset="0"/>
-              </a:rPr>
-              <a:t> IP Address                      .</a:t>
-            </a:r>
-          </a:p>
-          <a:p>
-            <a:r>
-              <a:rPr lang="en-CA" sz="800" dirty="0">
+              <a:rPr lang="en-CA" sz="900" dirty="0">
+                <a:latin typeface="Courier" pitchFamily="2" charset="0"/>
+              </a:rPr>
+              <a:t> IPv4 or IPv6 Address            .</a:t>
+            </a:r>
+          </a:p>
+          <a:p>
+            <a:r>
+              <a:rPr lang="en-CA" sz="900" dirty="0">
                 <a:latin typeface="Courier" pitchFamily="2" charset="0"/>
               </a:rPr>
               <a:t>  .  Destination IP Address = </a:t>
             </a:r>
             <a:r>
-              <a:rPr lang="en-CA" sz="800" b="1" dirty="0">
+              <a:rPr lang="en-CA" sz="900" b="1" dirty="0">
                 <a:latin typeface="Courier" pitchFamily="2" charset="0"/>
               </a:rPr>
               <a:t>Sender</a:t>
             </a:r>
             <a:r>
-              <a:rPr lang="en-CA" sz="800" dirty="0">
-                <a:latin typeface="Courier" pitchFamily="2" charset="0"/>
-              </a:rPr>
-              <a:t> IP Address                   .</a:t>
-            </a:r>
-          </a:p>
-          <a:p>
-            <a:r>
-              <a:rPr lang="en-CA" sz="800" dirty="0">
+              <a:rPr lang="en-CA" sz="900" dirty="0">
+                <a:latin typeface="Courier" pitchFamily="2" charset="0"/>
+              </a:rPr>
+              <a:t> IPv4 or IPv6 Address         .</a:t>
+            </a:r>
+          </a:p>
+          <a:p>
+            <a:r>
+              <a:rPr lang="en-CA" sz="900" dirty="0">
                 <a:latin typeface="Courier" pitchFamily="2" charset="0"/>
               </a:rPr>
               <a:t>  .  Protocol = UDP                                               .</a:t>
@@ -8428,7 +8696,7 @@
           </a:p>
           <a:p>
             <a:r>
-              <a:rPr lang="en-CA" sz="800" dirty="0">
+              <a:rPr lang="en-CA" sz="900" dirty="0">
                 <a:latin typeface="Courier" pitchFamily="2" charset="0"/>
               </a:rPr>
               <a:t>  .                                                               .</a:t>
@@ -8436,7 +8704,7 @@
           </a:p>
           <a:p>
             <a:r>
-              <a:rPr lang="en-CA" sz="800" dirty="0">
+              <a:rPr lang="en-CA" sz="900" dirty="0">
                 <a:latin typeface="Courier" pitchFamily="2" charset="0"/>
               </a:rPr>
               <a:t>  +---------------------------------------------------------------+</a:t>
@@ -8444,7 +8712,7 @@
           </a:p>
           <a:p>
             <a:r>
-              <a:rPr lang="en-CA" sz="800" dirty="0">
+              <a:rPr lang="en-CA" sz="900" dirty="0">
                 <a:latin typeface="Courier" pitchFamily="2" charset="0"/>
               </a:rPr>
               <a:t>  | UDP Header                                                    |</a:t>
@@ -8452,7 +8720,7 @@
           </a:p>
           <a:p>
             <a:r>
-              <a:rPr lang="en-CA" sz="800" dirty="0">
+              <a:rPr lang="en-CA" sz="900" dirty="0">
                 <a:latin typeface="Courier" pitchFamily="2" charset="0"/>
               </a:rPr>
               <a:t>  .  Source Port = As chosen by Sender                            .</a:t>
@@ -8460,7 +8728,7 @@
           </a:p>
           <a:p>
             <a:r>
-              <a:rPr lang="en-CA" sz="800" dirty="0">
+              <a:rPr lang="en-CA" sz="900" dirty="0">
                 <a:latin typeface="Courier" pitchFamily="2" charset="0"/>
               </a:rPr>
               <a:t>  .  Destination Port = User-configured Port                      .</a:t>
@@ -8468,7 +8736,7 @@
           </a:p>
           <a:p>
             <a:r>
-              <a:rPr lang="en-CA" sz="800" dirty="0">
+              <a:rPr lang="en-CA" sz="900" dirty="0">
                 <a:latin typeface="Courier" pitchFamily="2" charset="0"/>
               </a:rPr>
               <a:t>  .                                                               .</a:t>
@@ -8476,403 +8744,60 @@
           </a:p>
           <a:p>
             <a:r>
-              <a:rPr lang="en-CA" sz="800" dirty="0">
+              <a:rPr lang="en-CA" sz="900" dirty="0">
                 <a:latin typeface="Courier" pitchFamily="2" charset="0"/>
               </a:rPr>
               <a:t>  +-+-+-+-+-+-+-+-+-+-+-+-+-+-+-+-+-+-+-+-+-+-+-+-+-+-+-+-+-+-+-+-+</a:t>
             </a:r>
           </a:p>
           <a:p>
-            <a:pPr>
-              <a:spcAft>
-                <a:spcPts val="0"/>
-              </a:spcAft>
-            </a:pPr>
-            <a:r>
-              <a:rPr lang="en-US" sz="800" dirty="0">
-                <a:latin typeface="Courier" pitchFamily="2" charset="0"/>
-                <a:ea typeface="Courier" charset="0"/>
-                <a:cs typeface="Courier" charset="0"/>
-              </a:rPr>
-              <a:t>  |         Sequence Number                                       |</a:t>
-            </a:r>
-          </a:p>
-          <a:p>
-            <a:pPr>
-              <a:spcAft>
-                <a:spcPts val="0"/>
-              </a:spcAft>
-            </a:pPr>
-            <a:r>
-              <a:rPr lang="en-US" sz="800" dirty="0">
-                <a:latin typeface="Courier" pitchFamily="2" charset="0"/>
-                <a:ea typeface="Courier" charset="0"/>
-                <a:cs typeface="Courier" charset="0"/>
-              </a:rPr>
-              <a:t>  +-+-+-+-+-+-+-+-+-+-+-+-+-+-+-+-+-+-+-+-+-+-+-+-+-+-+-+-+-+-+-+-+</a:t>
-            </a:r>
-          </a:p>
-          <a:p>
-            <a:pPr>
-              <a:spcAft>
-                <a:spcPts val="0"/>
-              </a:spcAft>
-            </a:pPr>
-            <a:r>
-              <a:rPr lang="en-US" sz="800" dirty="0">
-                <a:latin typeface="Courier" pitchFamily="2" charset="0"/>
-                <a:ea typeface="Courier" charset="0"/>
-                <a:cs typeface="Courier" charset="0"/>
-              </a:rPr>
-              <a:t>  |                      Transmit Timestamp                       |</a:t>
-            </a:r>
-          </a:p>
-          <a:p>
-            <a:pPr>
-              <a:spcAft>
-                <a:spcPts val="0"/>
-              </a:spcAft>
-            </a:pPr>
-            <a:r>
-              <a:rPr lang="en-US" sz="800" dirty="0">
-                <a:latin typeface="Courier" pitchFamily="2" charset="0"/>
-                <a:ea typeface="Courier" charset="0"/>
-                <a:cs typeface="Courier" charset="0"/>
-              </a:rPr>
-              <a:t>  |                                                               |</a:t>
-            </a:r>
-          </a:p>
-          <a:p>
-            <a:pPr>
-              <a:spcAft>
-                <a:spcPts val="0"/>
-              </a:spcAft>
-            </a:pPr>
-            <a:r>
-              <a:rPr lang="en-US" sz="800" dirty="0">
-                <a:latin typeface="Courier" pitchFamily="2" charset="0"/>
-                <a:ea typeface="Courier" charset="0"/>
-                <a:cs typeface="Courier" charset="0"/>
-              </a:rPr>
-              <a:t>  +-+-+-+-+-+-+-+-+-+-+-+-+-+-+-+-+-+-+-+-+-+-+-+-+-+-+-+-+-+-+-+-+</a:t>
-            </a:r>
-          </a:p>
-          <a:p>
-            <a:pPr>
-              <a:spcAft>
-                <a:spcPts val="0"/>
-              </a:spcAft>
-            </a:pPr>
-            <a:r>
-              <a:rPr lang="en-US" sz="800" dirty="0">
-                <a:latin typeface="Courier" pitchFamily="2" charset="0"/>
-                <a:ea typeface="Courier" charset="0"/>
-                <a:cs typeface="Courier" charset="0"/>
-              </a:rPr>
-              <a:t>  |         Error Estimate        |    SSID Or MBZ                |</a:t>
-            </a:r>
-          </a:p>
-          <a:p>
-            <a:pPr>
-              <a:spcAft>
-                <a:spcPts val="0"/>
-              </a:spcAft>
-            </a:pPr>
-            <a:r>
-              <a:rPr lang="en-US" sz="800" dirty="0">
-                <a:latin typeface="Courier" pitchFamily="2" charset="0"/>
-                <a:ea typeface="Courier" charset="0"/>
-                <a:cs typeface="Courier" charset="0"/>
-              </a:rPr>
-              <a:t>  +-+-+-+-+-+-+-+-+-+-+-+-+-+-+-+-+-+-+-+-+-+-+-+-+-+-+-+-+-+-+-+-+</a:t>
-            </a:r>
-          </a:p>
-          <a:p>
-            <a:pPr>
-              <a:spcAft>
-                <a:spcPts val="0"/>
-              </a:spcAft>
-            </a:pPr>
-            <a:r>
-              <a:rPr lang="en-US" sz="800" dirty="0">
-                <a:solidFill>
-                  <a:schemeClr val="tx2"/>
-                </a:solidFill>
-                <a:latin typeface="Courier" pitchFamily="2" charset="0"/>
-                <a:ea typeface="Courier" charset="0"/>
-                <a:cs typeface="Courier" charset="0"/>
-              </a:rPr>
-              <a:t>  |                      </a:t>
-            </a:r>
-            <a:r>
-              <a:rPr lang="en-US" sz="800" dirty="0">
-                <a:solidFill>
-                  <a:srgbClr val="0070C0"/>
-                </a:solidFill>
-                <a:latin typeface="Courier" pitchFamily="2" charset="0"/>
-                <a:ea typeface="Courier" charset="0"/>
-                <a:cs typeface="Courier" charset="0"/>
-              </a:rPr>
-              <a:t>Receive Timestamp                        </a:t>
-            </a:r>
-            <a:r>
-              <a:rPr lang="en-US" sz="800" dirty="0">
-                <a:solidFill>
-                  <a:schemeClr val="tx2"/>
-                </a:solidFill>
-                <a:latin typeface="Courier" pitchFamily="2" charset="0"/>
-                <a:ea typeface="Courier" charset="0"/>
-                <a:cs typeface="Courier" charset="0"/>
-              </a:rPr>
-              <a:t>|</a:t>
-            </a:r>
-          </a:p>
-          <a:p>
-            <a:pPr>
-              <a:spcAft>
-                <a:spcPts val="0"/>
-              </a:spcAft>
-            </a:pPr>
-            <a:r>
-              <a:rPr lang="en-US" sz="800" dirty="0">
-                <a:latin typeface="Courier" pitchFamily="2" charset="0"/>
-                <a:ea typeface="Courier" charset="0"/>
-                <a:cs typeface="Courier" charset="0"/>
-              </a:rPr>
-              <a:t>  |                                                               |</a:t>
-            </a:r>
-          </a:p>
-          <a:p>
-            <a:pPr>
-              <a:spcAft>
-                <a:spcPts val="0"/>
-              </a:spcAft>
-            </a:pPr>
-            <a:r>
-              <a:rPr lang="en-US" sz="800" dirty="0">
-                <a:latin typeface="Courier" pitchFamily="2" charset="0"/>
-                <a:ea typeface="Courier" charset="0"/>
-                <a:cs typeface="Courier" charset="0"/>
-              </a:rPr>
-              <a:t>  +-+-+-+-+-+-+-+-+-+-+-+-+-+-+-+-+-+-+-+-+-+-+-+-+-+-+-+-+-+-+-+-+</a:t>
-            </a:r>
-          </a:p>
-          <a:p>
-            <a:pPr>
-              <a:spcAft>
-                <a:spcPts val="0"/>
-              </a:spcAft>
-            </a:pPr>
-            <a:r>
-              <a:rPr lang="en-US" sz="800" dirty="0">
-                <a:solidFill>
-                  <a:schemeClr val="bg2">
-                    <a:lumMod val="50000"/>
-                  </a:schemeClr>
-                </a:solidFill>
-                <a:latin typeface="Courier" pitchFamily="2" charset="0"/>
-                <a:ea typeface="Courier" charset="0"/>
-                <a:cs typeface="Courier" charset="0"/>
-              </a:rPr>
-              <a:t>  </a:t>
-            </a:r>
-            <a:r>
-              <a:rPr lang="en-US" sz="800" dirty="0">
-                <a:solidFill>
-                  <a:schemeClr val="bg1">
-                    <a:lumMod val="50000"/>
-                  </a:schemeClr>
-                </a:solidFill>
-                <a:latin typeface="Courier" pitchFamily="2" charset="0"/>
-                <a:ea typeface="Courier" charset="0"/>
-                <a:cs typeface="Courier" charset="0"/>
-              </a:rPr>
-              <a:t>|                      Sender Sequence Number                   |</a:t>
-            </a:r>
-          </a:p>
-          <a:p>
-            <a:pPr>
-              <a:spcAft>
-                <a:spcPts val="0"/>
-              </a:spcAft>
-            </a:pPr>
-            <a:r>
-              <a:rPr lang="en-US" sz="800" dirty="0">
-                <a:solidFill>
-                  <a:schemeClr val="bg1">
-                    <a:lumMod val="50000"/>
-                  </a:schemeClr>
-                </a:solidFill>
-                <a:latin typeface="Courier" pitchFamily="2" charset="0"/>
-                <a:ea typeface="Courier" charset="0"/>
-                <a:cs typeface="Courier" charset="0"/>
-              </a:rPr>
-              <a:t>  +-+-+-+-+-+-+-+-+-+-+-+-+-+-+-+-+-+-+-+-+-+-+-+-+-+-+-+-+-+-+-+-+</a:t>
-            </a:r>
-          </a:p>
-          <a:p>
-            <a:pPr>
-              <a:spcAft>
-                <a:spcPts val="0"/>
-              </a:spcAft>
-            </a:pPr>
-            <a:r>
-              <a:rPr lang="en-US" sz="800" dirty="0">
-                <a:solidFill>
-                  <a:schemeClr val="bg1">
-                    <a:lumMod val="50000"/>
-                  </a:schemeClr>
-                </a:solidFill>
-                <a:latin typeface="Courier" pitchFamily="2" charset="0"/>
-                <a:ea typeface="Courier" charset="0"/>
-                <a:cs typeface="Courier" charset="0"/>
-              </a:rPr>
-              <a:t>  |                      Sender Timestamp                         |</a:t>
-            </a:r>
-          </a:p>
-          <a:p>
-            <a:pPr>
-              <a:spcAft>
-                <a:spcPts val="0"/>
-              </a:spcAft>
-            </a:pPr>
-            <a:r>
-              <a:rPr lang="en-US" sz="800" dirty="0">
-                <a:solidFill>
-                  <a:schemeClr val="bg1">
-                    <a:lumMod val="50000"/>
-                  </a:schemeClr>
-                </a:solidFill>
-                <a:latin typeface="Courier" pitchFamily="2" charset="0"/>
-                <a:ea typeface="Courier" charset="0"/>
-                <a:cs typeface="Courier" charset="0"/>
-              </a:rPr>
-              <a:t>  |                                                               |</a:t>
-            </a:r>
-          </a:p>
-          <a:p>
-            <a:pPr>
-              <a:spcAft>
-                <a:spcPts val="0"/>
-              </a:spcAft>
-            </a:pPr>
-            <a:r>
-              <a:rPr lang="en-US" sz="800" dirty="0">
-                <a:solidFill>
-                  <a:schemeClr val="bg1">
-                    <a:lumMod val="50000"/>
-                  </a:schemeClr>
-                </a:solidFill>
-                <a:latin typeface="Courier" pitchFamily="2" charset="0"/>
-                <a:ea typeface="Courier" charset="0"/>
-                <a:cs typeface="Courier" charset="0"/>
-              </a:rPr>
-              <a:t>  +-+-+-+-+-+-+-+-+-+-+-+-+-+-+-+-+-+-+-+-+-+-+-+-+-+-+-+-+-+-+-+-+</a:t>
-            </a:r>
-          </a:p>
-          <a:p>
-            <a:pPr>
-              <a:spcAft>
-                <a:spcPts val="0"/>
-              </a:spcAft>
-            </a:pPr>
-            <a:r>
-              <a:rPr lang="en-US" sz="800" dirty="0">
-                <a:solidFill>
-                  <a:schemeClr val="bg1">
-                    <a:lumMod val="50000"/>
-                  </a:schemeClr>
-                </a:solidFill>
-                <a:latin typeface="Courier" pitchFamily="2" charset="0"/>
-                <a:ea typeface="Courier" charset="0"/>
-                <a:cs typeface="Courier" charset="0"/>
-              </a:rPr>
-              <a:t>  |      Sender Error Estimate    |           MBZ                 |</a:t>
-            </a:r>
-          </a:p>
-          <a:p>
-            <a:pPr>
-              <a:spcAft>
-                <a:spcPts val="0"/>
-              </a:spcAft>
-            </a:pPr>
-            <a:r>
-              <a:rPr lang="en-US" sz="800" dirty="0">
-                <a:solidFill>
-                  <a:schemeClr val="bg1">
-                    <a:lumMod val="50000"/>
-                  </a:schemeClr>
-                </a:solidFill>
-                <a:latin typeface="Courier" pitchFamily="2" charset="0"/>
-                <a:ea typeface="Courier" charset="0"/>
-                <a:cs typeface="Courier" charset="0"/>
-              </a:rPr>
-              <a:t>  +-+-+-+-+-+-+-+-+-+-+-+-+-+-+-+-+-+-+-+-+-+-+-+-+-+-+-+-+-+-+-+-+</a:t>
-            </a:r>
-          </a:p>
-          <a:p>
-            <a:pPr>
-              <a:spcAft>
-                <a:spcPts val="0"/>
-              </a:spcAft>
-            </a:pPr>
-            <a:r>
-              <a:rPr lang="en-US" sz="800" dirty="0">
-                <a:solidFill>
-                  <a:schemeClr val="bg1">
-                    <a:lumMod val="50000"/>
-                  </a:schemeClr>
-                </a:solidFill>
-                <a:latin typeface="Courier" pitchFamily="2" charset="0"/>
-                <a:ea typeface="Courier" charset="0"/>
-                <a:cs typeface="Courier" charset="0"/>
-              </a:rPr>
-              <a:t>  |  Sender TTL   |      Padding                                  |</a:t>
-            </a:r>
-          </a:p>
-          <a:p>
-            <a:pPr>
-              <a:spcAft>
-                <a:spcPts val="0"/>
-              </a:spcAft>
-            </a:pPr>
-            <a:r>
-              <a:rPr lang="en-US" sz="800" dirty="0">
-                <a:solidFill>
-                  <a:schemeClr val="bg1">
-                    <a:lumMod val="50000"/>
-                  </a:schemeClr>
-                </a:solidFill>
-                <a:latin typeface="Courier" pitchFamily="2" charset="0"/>
-                <a:ea typeface="Courier" charset="0"/>
-                <a:cs typeface="Courier" charset="0"/>
-              </a:rPr>
-              <a:t>  +-+-+-+-+-+-+-+-+-+-+-+-+-+-+-+-+-+-+-+-+-+-+-+-+-+-+-+-+-+-+-+-+</a:t>
-            </a:r>
-          </a:p>
-          <a:p>
-            <a:pPr>
-              <a:spcAft>
-                <a:spcPts val="0"/>
-              </a:spcAft>
-            </a:pPr>
-            <a:endParaRPr lang="en-CA" sz="800" dirty="0">
-              <a:solidFill>
-                <a:schemeClr val="bg2">
-                  <a:lumMod val="50000"/>
-                </a:schemeClr>
-              </a:solidFill>
-              <a:latin typeface="Courier" pitchFamily="2" charset="0"/>
-            </a:endParaRPr>
-          </a:p>
-          <a:p>
-            <a:r>
-              <a:rPr lang="en-CA" sz="800" dirty="0">
-                <a:latin typeface="Courier" pitchFamily="2" charset="0"/>
-              </a:rPr>
-              <a:t>               Figure: TWAMP Light Message Format</a:t>
-            </a:r>
-            <a:endParaRPr lang="en-US" sz="800" dirty="0">
+            <a:r>
+              <a:rPr lang="en-CA" sz="900" dirty="0">
+                <a:latin typeface="Courier" pitchFamily="2" charset="0"/>
+              </a:rPr>
+              <a:t>  |  Payload as defined in Section 4.2.1 of RFC 5357 |            |</a:t>
+            </a:r>
+          </a:p>
+          <a:p>
+            <a:r>
+              <a:rPr lang="en-CA" sz="900" dirty="0">
+                <a:latin typeface="Courier" pitchFamily="2" charset="0"/>
+              </a:rPr>
+              <a:t>  |  Payload as defined in Section 4.2 of RFC 8762                |</a:t>
+            </a:r>
+          </a:p>
+          <a:p>
+            <a:r>
+              <a:rPr lang="en-CA" sz="900" dirty="0">
+                <a:latin typeface="Courier" pitchFamily="2" charset="0"/>
+              </a:rPr>
+              <a:t>  .                                                               .</a:t>
+            </a:r>
+          </a:p>
+          <a:p>
+            <a:r>
+              <a:rPr lang="en-CA" sz="900" dirty="0">
+                <a:latin typeface="Courier" pitchFamily="2" charset="0"/>
+              </a:rPr>
+              <a:t>  +---------------------------------------------------------------+</a:t>
+            </a:r>
+          </a:p>
+          <a:p>
+            <a:r>
+              <a:rPr lang="en-CA" sz="900" dirty="0">
+                <a:latin typeface="Courier" pitchFamily="2" charset="0"/>
+              </a:rPr>
+              <a:t> </a:t>
+            </a:r>
+          </a:p>
+          <a:p>
+            <a:r>
+              <a:rPr lang="en-CA" sz="900" dirty="0">
+                <a:latin typeface="Courier" pitchFamily="2" charset="0"/>
+              </a:rPr>
+              <a:t>  Figure 5: Probe Message Header for SR-MPLS with Timestamp Label</a:t>
+            </a:r>
+            <a:endParaRPr lang="en-US" sz="900" dirty="0">
               <a:latin typeface="Courier" pitchFamily="2" charset="0"/>
             </a:endParaRPr>
           </a:p>
@@ -8896,80 +8821,47 @@
         </p:nvSpPr>
         <p:spPr>
           <a:xfrm>
-            <a:off x="5029200" y="948474"/>
-            <a:ext cx="3657600" cy="3246552"/>
+            <a:off x="5105400" y="971550"/>
+            <a:ext cx="3962400" cy="3001056"/>
           </a:xfrm>
         </p:spPr>
         <p:txBody>
           <a:bodyPr/>
           <a:lstStyle/>
           <a:p>
-            <a:pPr marL="0" indent="0">
-              <a:buNone/>
-            </a:pPr>
-            <a:r>
-              <a:rPr lang="en-US" sz="1600" b="1" dirty="0"/>
-              <a:t>Enhanced Loopback Mode</a:t>
-            </a:r>
-          </a:p>
-          <a:p>
             <a:r>
               <a:rPr lang="en-US" sz="1600" dirty="0"/>
-              <a:t>Sender adds the Transmit Timestamp</a:t>
-            </a:r>
-          </a:p>
-          <a:p>
+              <a:t>Timestamp Label (TBA1) allocated by IANA from Extended Special-Purpose MPLS Label Values </a:t>
+            </a:r>
+          </a:p>
+          <a:p>
+            <a:pPr lvl="1"/>
             <a:r>
               <a:rPr lang="en-US" sz="1600" dirty="0"/>
-              <a:t>Reflector adds the Receive Timestamp at fixed offset locally provisioned</a:t>
-            </a:r>
-          </a:p>
-          <a:p>
-            <a:pPr lvl="1"/>
+              <a:t>Used for Timestamp, Pop and Forward network programing function</a:t>
+            </a:r>
+          </a:p>
+          <a:p>
             <a:r>
               <a:rPr lang="en-US" sz="1600" dirty="0"/>
-              <a:t>For TWAMP Light and STAMP packets, it is at offset-byte 16 from the start of the payload</a:t>
+              <a:t>Source and Destination Addresses swapped for the Reverse direction path</a:t>
+            </a:r>
+          </a:p>
+          <a:p>
+            <a:r>
+              <a:rPr lang="en-US" sz="1600" dirty="0"/>
+              <a:t>Optionally, Reverse direction SR path label stack can follow the Timestamp Label </a:t>
             </a:r>
           </a:p>
           <a:p>
             <a:endParaRPr lang="en-US" sz="1600" dirty="0"/>
-          </a:p>
-          <a:p>
-            <a:endParaRPr lang="en-US" sz="1600" dirty="0"/>
-          </a:p>
-        </p:txBody>
-      </p:sp>
-      <p:sp>
-        <p:nvSpPr>
-          <p:cNvPr id="4" name="Footer Placeholder 3"/>
-          <p:cNvSpPr>
-            <a:spLocks noGrp="1"/>
-          </p:cNvSpPr>
-          <p:nvPr>
-            <p:ph type="ftr" sz="quarter" idx="11"/>
-          </p:nvPr>
-        </p:nvSpPr>
-        <p:spPr>
-          <a:xfrm>
-            <a:off x="3124200" y="4855474"/>
-            <a:ext cx="2895600" cy="357188"/>
-          </a:xfrm>
-        </p:spPr>
-        <p:txBody>
-          <a:bodyPr/>
-          <a:lstStyle/>
-          <a:p>
-            <a:r>
-              <a:rPr lang="en-CA" dirty="0"/>
-              <a:t>IETF MPLS WG Interim – April 2020 </a:t>
-            </a:r>
           </a:p>
         </p:txBody>
       </p:sp>
     </p:spTree>
     <p:extLst>
       <p:ext uri="{BB962C8B-B14F-4D97-AF65-F5344CB8AC3E}">
-        <p14:creationId xmlns:p14="http://schemas.microsoft.com/office/powerpoint/2010/main" val="3909069486"/>
+        <p14:creationId xmlns:p14="http://schemas.microsoft.com/office/powerpoint/2010/main" val="3880543124"/>
       </p:ext>
     </p:extLst>
   </p:cSld>
@@ -9370,7 +9262,7 @@
         <p:spPr>
           <a:xfrm>
             <a:off x="1066800" y="843776"/>
-            <a:ext cx="7010400" cy="3600986"/>
+            <a:ext cx="7010400" cy="3416320"/>
           </a:xfrm>
           <a:prstGeom prst="rect">
             <a:avLst/>
@@ -9416,7 +9308,7 @@
               <a:rPr lang="en-CA" sz="1200" b="1" dirty="0">
                 <a:latin typeface="Courier" pitchFamily="2" charset="0"/>
               </a:rPr>
-              <a:t>   Destination UDP Port           /  \       Network Programming Function</a:t>
+              <a:t>  Destination UDP Port            /  \       Network Programming Label</a:t>
             </a:r>
           </a:p>
           <a:p>
@@ -9424,7 +9316,7 @@
               <a:rPr lang="en-CA" sz="1200" b="1" dirty="0">
                 <a:latin typeface="Courier" pitchFamily="2" charset="0"/>
               </a:rPr>
-              <a:t>   Measurement Protocol          /    \</a:t>
+              <a:t>  Measurement Protocol           /    \</a:t>
             </a:r>
           </a:p>
           <a:p>
@@ -9432,7 +9324,7 @@
               <a:rPr lang="en-CA" sz="1200" b="1" dirty="0">
                 <a:latin typeface="Courier" pitchFamily="2" charset="0"/>
               </a:rPr>
-              <a:t>   Measurement Type             /      \</a:t>
+              <a:t>  Measurement Type              /      \</a:t>
             </a:r>
           </a:p>
           <a:p>
@@ -9440,7 +9332,7 @@
               <a:rPr lang="en-CA" sz="1200" b="1" dirty="0">
                 <a:latin typeface="Courier" pitchFamily="2" charset="0"/>
               </a:rPr>
-              <a:t>     Delay/Loss                /        \</a:t>
+              <a:t>     PLM or Enhanced           /        \</a:t>
             </a:r>
           </a:p>
           <a:p>
@@ -9448,7 +9340,7 @@
               <a:rPr lang="en-CA" sz="1200" b="1" dirty="0">
                 <a:latin typeface="Courier" pitchFamily="2" charset="0"/>
               </a:rPr>
-              <a:t>   Authentication Mode &amp; Key  /          \     </a:t>
+              <a:t>  Authentication Mode &amp; Key   /          \     </a:t>
             </a:r>
           </a:p>
           <a:p>
@@ -9456,7 +9348,7 @@
               <a:rPr lang="en-CA" sz="1200" b="1" dirty="0">
                 <a:latin typeface="Courier" pitchFamily="2" charset="0"/>
               </a:rPr>
-              <a:t>   Timestamp Format          /            \</a:t>
+              <a:t>  Network Programming Label  /            \</a:t>
             </a:r>
           </a:p>
           <a:p>
@@ -9464,7 +9356,7 @@
               <a:rPr lang="en-CA" sz="1200" b="1" dirty="0">
                 <a:latin typeface="Courier" pitchFamily="2" charset="0"/>
               </a:rPr>
-              <a:t>   Delay Measurement Mode   /              \ </a:t>
+              <a:t>                            /              \ </a:t>
             </a:r>
           </a:p>
           <a:p>
@@ -9472,7 +9364,7 @@
               <a:rPr lang="en-CA" sz="1200" b="1" dirty="0">
                 <a:latin typeface="Courier" pitchFamily="2" charset="0"/>
               </a:rPr>
-              <a:t>   Loss Measurement Mode   /                \ </a:t>
+              <a:t>                           /                \</a:t>
             </a:r>
           </a:p>
           <a:p>
@@ -9480,15 +9372,7 @@
               <a:rPr lang="en-CA" sz="1200" b="1" dirty="0">
                 <a:latin typeface="Courier" pitchFamily="2" charset="0"/>
               </a:rPr>
-              <a:t>                          /                  \</a:t>
-            </a:r>
-          </a:p>
-          <a:p>
-            <a:r>
-              <a:rPr lang="en-CA" sz="1200" b="1" dirty="0">
-                <a:latin typeface="Courier" pitchFamily="2" charset="0"/>
-              </a:rPr>
-              <a:t>                         v                    v</a:t>
+              <a:t>                          v                  v</a:t>
             </a:r>
           </a:p>
           <a:p>

--- a/draft-gandhi-spring-sr-enhanced-plm-00.pptx
+++ b/draft-gandhi-spring-sr-enhanced-plm-00.pptx
@@ -5690,7 +5690,7 @@
         </p:nvSpPr>
         <p:spPr>
           <a:xfrm>
-            <a:off x="3048000" y="4786312"/>
+            <a:off x="3124200" y="4786312"/>
             <a:ext cx="2895600" cy="357188"/>
           </a:xfrm>
         </p:spPr>
@@ -6112,7 +6112,7 @@
         </p:nvSpPr>
         <p:spPr>
           <a:xfrm>
-            <a:off x="3124200" y="4786312"/>
+            <a:off x="3124200" y="4788339"/>
             <a:ext cx="2895600" cy="357188"/>
           </a:xfrm>
         </p:spPr>
@@ -6411,8 +6411,8 @@
         </p:nvSpPr>
         <p:spPr>
           <a:xfrm>
-            <a:off x="5802351" y="1031647"/>
-            <a:ext cx="3048000" cy="3140303"/>
+            <a:off x="5802350" y="1031647"/>
+            <a:ext cx="3113049" cy="3140303"/>
           </a:xfrm>
         </p:spPr>
         <p:txBody>
@@ -6433,7 +6433,7 @@
           <a:p>
             <a:r>
               <a:rPr lang="en-US" sz="1600" dirty="0"/>
-              <a:t>Optionally, Reverse direction SR path can be added in SRH</a:t>
+              <a:t>Optionally, Reverse direction SR path can be carried in SRH</a:t>
             </a:r>
           </a:p>
           <a:p>
@@ -6486,7 +6486,7 @@
         </p:nvSpPr>
         <p:spPr>
           <a:xfrm>
-            <a:off x="3048000" y="4786312"/>
+            <a:off x="3124200" y="4775368"/>
             <a:ext cx="2895600" cy="357188"/>
           </a:xfrm>
         </p:spPr>
@@ -7177,7 +7177,7 @@
         </p:nvSpPr>
         <p:spPr>
           <a:xfrm>
-            <a:off x="3124200" y="4800151"/>
+            <a:off x="3105494" y="4786312"/>
             <a:ext cx="2895600" cy="357188"/>
           </a:xfrm>
         </p:spPr>
@@ -7538,7 +7538,7 @@
         </p:nvSpPr>
         <p:spPr>
           <a:xfrm>
-            <a:off x="3124200" y="4800151"/>
+            <a:off x="3124200" y="4786312"/>
             <a:ext cx="2895600" cy="357188"/>
           </a:xfrm>
         </p:spPr>
@@ -7982,7 +7982,7 @@
                 <a:ea typeface="Courier" charset="0"/>
                 <a:cs typeface="Courier" charset="0"/>
               </a:rPr>
-              <a:t>  |         Error Estimate        |    SSID Or MBZ                |</a:t>
+              <a:t>  |         Error Estimate        |    SSID                       |</a:t>
             </a:r>
           </a:p>
           <a:p>
@@ -8015,7 +8015,7 @@
                 <a:ea typeface="Courier" charset="0"/>
                 <a:cs typeface="Courier" charset="0"/>
               </a:rPr>
-              <a:t>  |                      </a:t>
+              <a:t>  |         </a:t>
             </a:r>
             <a:r>
               <a:rPr lang="en-US" sz="900" dirty="0">
@@ -8026,7 +8026,7 @@
                 <a:ea typeface="Courier" charset="0"/>
                 <a:cs typeface="Courier" charset="0"/>
               </a:rPr>
-              <a:t>Receive Timestamp                        </a:t>
+              <a:t>Receive Timestamp                                     </a:t>
             </a:r>
             <a:r>
               <a:rPr lang="en-US" sz="900" dirty="0">
@@ -8283,7 +8283,7 @@
               <a:rPr lang="en-CA" sz="900" dirty="0">
                 <a:latin typeface="Courier" pitchFamily="2" charset="0"/>
               </a:rPr>
-              <a:t>               Figure: TWAMP Light Message Format</a:t>
+              <a:t>                    Figure: Probe Message Format</a:t>
             </a:r>
             <a:endParaRPr lang="en-US" sz="900" dirty="0">
               <a:latin typeface="Courier" pitchFamily="2" charset="0"/>
@@ -8309,8 +8309,8 @@
         </p:nvSpPr>
         <p:spPr>
           <a:xfrm>
-            <a:off x="5029200" y="984613"/>
-            <a:ext cx="3962400" cy="3048406"/>
+            <a:off x="5029200" y="898966"/>
+            <a:ext cx="3962400" cy="3263537"/>
           </a:xfrm>
         </p:spPr>
         <p:txBody>
@@ -8351,6 +8351,13 @@
             </a:r>
           </a:p>
           <a:p>
+            <a:pPr lvl="1"/>
+            <a:r>
+              <a:rPr lang="en-US" sz="1400" dirty="0"/>
+              <a:t>I.e. Sender Sequence Number, Sender Timestamp, Sender Error Estimate and Sender TTL in the TWAMP Light and STAMP messages are not used.</a:t>
+            </a:r>
+          </a:p>
+          <a:p>
             <a:endParaRPr lang="en-US" sz="1400" dirty="0"/>
           </a:p>
           <a:p>
@@ -8370,7 +8377,7 @@
         </p:nvSpPr>
         <p:spPr>
           <a:xfrm>
-            <a:off x="3124200" y="4855474"/>
+            <a:off x="3124200" y="4786312"/>
             <a:ext cx="2895600" cy="357188"/>
           </a:xfrm>
         </p:spPr>
@@ -8933,8 +8940,8 @@
         </p:nvSpPr>
         <p:spPr>
           <a:xfrm>
-            <a:off x="419100" y="912201"/>
-            <a:ext cx="8305800" cy="3259750"/>
+            <a:off x="419100" y="912200"/>
+            <a:ext cx="8305800" cy="3564549"/>
           </a:xfrm>
         </p:spPr>
         <p:txBody>
@@ -9007,7 +9014,7 @@
             </a:pPr>
             <a:r>
               <a:rPr lang="en-US" sz="1800" dirty="0"/>
-              <a:t>Destination addresses in IPv4 header (e.g. 127/8) when return path is SR</a:t>
+              <a:t>Destination addresses in IPv4 header (e.g. 127/8) when return path is SR-MPLS</a:t>
             </a:r>
           </a:p>
           <a:p>
@@ -9035,7 +9042,7 @@
             </a:pPr>
             <a:r>
               <a:rPr lang="en-US" sz="1800" dirty="0"/>
-              <a:t>Destination addresses in IPv6 header (e.g. FFFF:7F00/104) when return path is SR</a:t>
+              <a:t>Destination addresses in IPv6 header (e.g. FFFF:7F00/104) when return path is SRv6</a:t>
             </a:r>
           </a:p>
           <a:p>
@@ -9066,7 +9073,7 @@
         </p:nvSpPr>
         <p:spPr>
           <a:xfrm>
-            <a:off x="3124200" y="4781550"/>
+            <a:off x="3124200" y="4786312"/>
             <a:ext cx="2895600" cy="357188"/>
           </a:xfrm>
         </p:spPr>
@@ -9197,7 +9204,7 @@
         </p:nvSpPr>
         <p:spPr>
           <a:xfrm>
-            <a:off x="3124200" y="4805362"/>
+            <a:off x="3124200" y="4775368"/>
             <a:ext cx="2895600" cy="357188"/>
           </a:xfrm>
         </p:spPr>
@@ -9316,7 +9323,7 @@
               <a:rPr lang="en-CA" sz="1200" b="1" dirty="0">
                 <a:latin typeface="Courier" pitchFamily="2" charset="0"/>
               </a:rPr>
-              <a:t>  Measurement Protocol           /    \</a:t>
+              <a:t>  Measurement Protocol           /    \      Timestamp Offset</a:t>
             </a:r>
           </a:p>
           <a:p>
@@ -9324,7 +9331,7 @@
               <a:rPr lang="en-CA" sz="1200" b="1" dirty="0">
                 <a:latin typeface="Courier" pitchFamily="2" charset="0"/>
               </a:rPr>
-              <a:t>  Measurement Type              /      \</a:t>
+              <a:t>  PLM Type                      /      \     Timestamp Format</a:t>
             </a:r>
           </a:p>
           <a:p>
@@ -9332,7 +9339,7 @@
               <a:rPr lang="en-CA" sz="1200" b="1" dirty="0">
                 <a:latin typeface="Courier" pitchFamily="2" charset="0"/>
               </a:rPr>
-              <a:t>     PLM or Enhanced           /        \</a:t>
+              <a:t>     Simple or Enhanced        /        \</a:t>
             </a:r>
           </a:p>
           <a:p>
@@ -9356,7 +9363,7 @@
               <a:rPr lang="en-CA" sz="1200" b="1" dirty="0">
                 <a:latin typeface="Courier" pitchFamily="2" charset="0"/>
               </a:rPr>
-              <a:t>                            /              \ </a:t>
+              <a:t>  Timestamp Format          /              \</a:t>
             </a:r>
           </a:p>
           <a:p>
@@ -9364,7 +9371,7 @@
               <a:rPr lang="en-CA" sz="1200" b="1" dirty="0">
                 <a:latin typeface="Courier" pitchFamily="2" charset="0"/>
               </a:rPr>
-              <a:t>                           /                \</a:t>
+              <a:t>                           /                \ </a:t>
             </a:r>
           </a:p>
           <a:p>
@@ -9388,7 +9395,7 @@
               <a:rPr lang="en-CA" sz="1200" b="1" dirty="0">
                 <a:latin typeface="Courier" pitchFamily="2" charset="0"/>
               </a:rPr>
-              <a:t>                     |       |            |       |</a:t>
+              <a:t>                     |       |  SR Path   |       |</a:t>
             </a:r>
           </a:p>
           <a:p>

--- a/draft-gandhi-spring-sr-enhanced-plm-00.pptx
+++ b/draft-gandhi-spring-sr-enhanced-plm-00.pptx
@@ -5205,13 +5205,13 @@
         </p:spPr>
         <p:txBody>
           <a:bodyPr>
-            <a:normAutofit/>
+            <a:normAutofit fontScale="90000"/>
           </a:bodyPr>
           <a:lstStyle/>
           <a:p>
             <a:r>
               <a:rPr lang="en-US" sz="3600" dirty="0"/>
-              <a:t>Enhanced Performance and Liveness Monitoring in Segment Routing Networks</a:t>
+              <a:t>Enhanced Performance Measurement and Liveness Monitoring in Segment Routing Networks</a:t>
             </a:r>
           </a:p>
         </p:txBody>
@@ -7565,8 +7565,8 @@
         </p:nvSpPr>
         <p:spPr>
           <a:xfrm>
-            <a:off x="374374" y="2688426"/>
-            <a:ext cx="8395252" cy="2005271"/>
+            <a:off x="374374" y="2647950"/>
+            <a:ext cx="8395252" cy="2273362"/>
           </a:xfrm>
         </p:spPr>
         <p:txBody>
@@ -7575,72 +7575,97 @@
           <a:p>
             <a:pPr lvl="0">
               <a:lnSpc>
-                <a:spcPts val="1680"/>
+                <a:spcPts val="1580"/>
               </a:lnSpc>
               <a:spcBef>
                 <a:spcPts val="600"/>
               </a:spcBef>
             </a:pPr>
             <a:r>
-              <a:rPr lang="en-CA" sz="1400" dirty="0"/>
+              <a:rPr lang="en-CA" sz="1200" dirty="0"/>
               <a:t>Use PM probes in loopback mode enabled with network programming function.</a:t>
             </a:r>
           </a:p>
           <a:p>
             <a:pPr lvl="1">
               <a:lnSpc>
-                <a:spcPts val="1680"/>
+                <a:spcPts val="1580"/>
               </a:lnSpc>
               <a:spcBef>
                 <a:spcPts val="600"/>
               </a:spcBef>
             </a:pPr>
             <a:r>
-              <a:rPr lang="en-CA" sz="1400" dirty="0"/>
+              <a:rPr lang="en-CA" sz="1200" dirty="0"/>
               <a:t>The network programming function optimizes the "operations of punt, add receive timestamp and inject the probe packet" on the reflector node.  </a:t>
             </a:r>
           </a:p>
           <a:p>
             <a:pPr lvl="0">
               <a:lnSpc>
-                <a:spcPts val="1680"/>
+                <a:spcPts val="1580"/>
               </a:lnSpc>
               <a:spcBef>
                 <a:spcPts val="600"/>
               </a:spcBef>
             </a:pPr>
             <a:r>
-              <a:rPr lang="en-CA" sz="1400" dirty="0"/>
+              <a:rPr lang="en-CA" sz="1200" dirty="0"/>
               <a:t>The endpoint node adds the receive timestamp in the payload of the received TWAMP Light or STAMP probe message without punting the probe message.  </a:t>
             </a:r>
           </a:p>
           <a:p>
             <a:pPr lvl="1">
               <a:lnSpc>
-                <a:spcPts val="1680"/>
+                <a:spcPts val="1580"/>
               </a:lnSpc>
               <a:spcBef>
                 <a:spcPts val="600"/>
               </a:spcBef>
             </a:pPr>
             <a:r>
-              <a:rPr lang="en-CA" sz="1400" dirty="0"/>
-              <a:t>Timestamp at the fixed location locally provisioned consistently in the network</a:t>
-            </a:r>
-          </a:p>
-          <a:p>
-            <a:pPr lvl="1">
+              <a:rPr lang="en-CA" sz="1200" dirty="0"/>
+              <a:t>Only add the receive timestamp if the source address in the probe message matches the local node address</a:t>
+            </a:r>
+          </a:p>
+          <a:p>
+            <a:pPr>
               <a:lnSpc>
-                <a:spcPts val="1680"/>
+                <a:spcPts val="1580"/>
               </a:lnSpc>
               <a:spcBef>
                 <a:spcPts val="600"/>
               </a:spcBef>
             </a:pPr>
             <a:r>
-              <a:rPr lang="en-CA" sz="1400" dirty="0"/>
-              <a:t>Only add the receive timestamp if the source address in the probe message matches the local node address</a:t>
-            </a:r>
+              <a:rPr lang="en-US" sz="1200" dirty="0"/>
+              <a:t>Liveness failure is notified when consecutive N number of probe messages are not received back at the sender</a:t>
+            </a:r>
+          </a:p>
+          <a:p>
+            <a:pPr>
+              <a:lnSpc>
+                <a:spcPts val="1580"/>
+              </a:lnSpc>
+              <a:spcBef>
+                <a:spcPts val="600"/>
+              </a:spcBef>
+            </a:pPr>
+            <a:r>
+              <a:rPr lang="en-US" sz="1200" dirty="0"/>
+              <a:t>Delay metrics are notified when consecutive N number of probe messages have delay values exceed the configured thresholds</a:t>
+            </a:r>
+          </a:p>
+          <a:p>
+            <a:pPr lvl="1">
+              <a:lnSpc>
+                <a:spcPts val="1580"/>
+              </a:lnSpc>
+              <a:spcBef>
+                <a:spcPts val="600"/>
+              </a:spcBef>
+            </a:pPr>
+            <a:endParaRPr lang="en-CA" sz="1200" dirty="0"/>
           </a:p>
         </p:txBody>
       </p:sp>
@@ -8334,7 +8359,7 @@
           <a:p>
             <a:r>
               <a:rPr lang="en-US" sz="1400" dirty="0"/>
-              <a:t>Reflector adds the Receive Timestamp at fixed offset locally provisioned</a:t>
+              <a:t>Reflector adds the Receive Timestamp at fixed offset locally provisioned (consistently in the network)</a:t>
             </a:r>
           </a:p>
           <a:p>

--- a/draft-gandhi-spring-sr-enhanced-plm-00.pptx
+++ b/draft-gandhi-spring-sr-enhanced-plm-00.pptx
@@ -6411,8 +6411,8 @@
         </p:nvSpPr>
         <p:spPr>
           <a:xfrm>
-            <a:off x="5802350" y="1031647"/>
-            <a:ext cx="3113049" cy="3140303"/>
+            <a:off x="5768897" y="1200150"/>
+            <a:ext cx="3113049" cy="2484552"/>
           </a:xfrm>
         </p:spPr>
         <p:txBody>
@@ -6427,7 +6427,7 @@
           <a:p>
             <a:r>
               <a:rPr lang="en-US" sz="1600" dirty="0"/>
-              <a:t>Source and Destination Addresses swapped for the Reverse direction path in the inner IPv6 header</a:t>
+              <a:t>Source and Destination Addresses are swapped for the Reverse direction path in the inner IPv6 header</a:t>
             </a:r>
           </a:p>
           <a:p>
@@ -8334,7 +8334,7 @@
         </p:nvSpPr>
         <p:spPr>
           <a:xfrm>
-            <a:off x="5029200" y="898966"/>
+            <a:off x="5029200" y="872994"/>
             <a:ext cx="3962400" cy="3263537"/>
           </a:xfrm>
         </p:spPr>
@@ -8372,14 +8372,14 @@
           <a:p>
             <a:r>
               <a:rPr lang="en-US" sz="1400" dirty="0"/>
-              <a:t>Reflector does not copy Sender Sequence Number, Sender Timestamp, Sender Error Estimate and Sender TTL in response message</a:t>
+              <a:t>Sender Sequence Number, Sender Timestamp, Sender Error Estimate and Sender TTL in the TWAMP Light and STAMP messages are not used.</a:t>
             </a:r>
           </a:p>
           <a:p>
             <a:pPr lvl="1"/>
             <a:r>
               <a:rPr lang="en-US" sz="1400" dirty="0"/>
-              <a:t>I.e. Sender Sequence Number, Sender Timestamp, Sender Error Estimate and Sender TTL in the TWAMP Light and STAMP messages are not used.</a:t>
+              <a:t>Reflector does not copy them.</a:t>
             </a:r>
           </a:p>
           <a:p>
@@ -8876,7 +8876,7 @@
           <a:p>
             <a:r>
               <a:rPr lang="en-US" sz="1600" dirty="0"/>
-              <a:t>Source and Destination Addresses swapped for the Reverse direction path</a:t>
+              <a:t>Source and Destination Addresses are swapped for the Reverse direction path</a:t>
             </a:r>
           </a:p>
           <a:p>
@@ -9293,8 +9293,8 @@
         </p:nvSpPr>
         <p:spPr>
           <a:xfrm>
-            <a:off x="1066800" y="843776"/>
-            <a:ext cx="7010400" cy="3416320"/>
+            <a:off x="1066800" y="825427"/>
+            <a:ext cx="7010400" cy="3779817"/>
           </a:xfrm>
           <a:prstGeom prst="rect">
             <a:avLst/>
@@ -9312,144 +9312,234 @@
           </a:bodyPr>
           <a:lstStyle/>
           <a:p>
-            <a:r>
-              <a:rPr lang="en-CA" sz="1200" b="1" dirty="0">
+            <a:pPr>
+              <a:lnSpc>
+                <a:spcPts val="1640"/>
+              </a:lnSpc>
+            </a:pPr>
+            <a:r>
+              <a:rPr lang="en-CA" sz="1200" dirty="0">
                 <a:latin typeface="Courier" pitchFamily="2" charset="0"/>
               </a:rPr>
               <a:t>                             +------------+</a:t>
             </a:r>
           </a:p>
           <a:p>
-            <a:r>
-              <a:rPr lang="en-CA" sz="1200" b="1" dirty="0">
+            <a:pPr>
+              <a:lnSpc>
+                <a:spcPts val="1640"/>
+              </a:lnSpc>
+            </a:pPr>
+            <a:r>
+              <a:rPr lang="en-CA" sz="1200" dirty="0">
                 <a:latin typeface="Courier" pitchFamily="2" charset="0"/>
               </a:rPr>
               <a:t>                             | Controller |</a:t>
             </a:r>
           </a:p>
           <a:p>
-            <a:r>
-              <a:rPr lang="en-CA" sz="1200" b="1" dirty="0">
+            <a:pPr>
+              <a:lnSpc>
+                <a:spcPts val="1640"/>
+              </a:lnSpc>
+            </a:pPr>
+            <a:r>
+              <a:rPr lang="en-CA" sz="1200" dirty="0">
                 <a:latin typeface="Courier" pitchFamily="2" charset="0"/>
               </a:rPr>
               <a:t>                             +------------+</a:t>
             </a:r>
           </a:p>
           <a:p>
-            <a:r>
-              <a:rPr lang="en-CA" sz="1200" b="1" dirty="0">
+            <a:pPr>
+              <a:lnSpc>
+                <a:spcPts val="1640"/>
+              </a:lnSpc>
+            </a:pPr>
+            <a:r>
+              <a:rPr lang="en-CA" sz="1200" dirty="0">
                 <a:latin typeface="Courier" pitchFamily="2" charset="0"/>
               </a:rPr>
               <a:t>  Destination UDP Port            /  \       Network Programming Label</a:t>
             </a:r>
           </a:p>
           <a:p>
-            <a:r>
-              <a:rPr lang="en-CA" sz="1200" b="1" dirty="0">
+            <a:pPr>
+              <a:lnSpc>
+                <a:spcPts val="1640"/>
+              </a:lnSpc>
+            </a:pPr>
+            <a:r>
+              <a:rPr lang="en-CA" sz="1200" dirty="0">
                 <a:latin typeface="Courier" pitchFamily="2" charset="0"/>
               </a:rPr>
               <a:t>  Measurement Protocol           /    \      Timestamp Offset</a:t>
             </a:r>
           </a:p>
           <a:p>
-            <a:r>
-              <a:rPr lang="en-CA" sz="1200" b="1" dirty="0">
+            <a:pPr>
+              <a:lnSpc>
+                <a:spcPts val="1640"/>
+              </a:lnSpc>
+            </a:pPr>
+            <a:r>
+              <a:rPr lang="en-CA" sz="1200" dirty="0">
                 <a:latin typeface="Courier" pitchFamily="2" charset="0"/>
               </a:rPr>
               <a:t>  PLM Type                      /      \     Timestamp Format</a:t>
             </a:r>
           </a:p>
           <a:p>
-            <a:r>
-              <a:rPr lang="en-CA" sz="1200" b="1" dirty="0">
+            <a:pPr>
+              <a:lnSpc>
+                <a:spcPts val="1640"/>
+              </a:lnSpc>
+            </a:pPr>
+            <a:r>
+              <a:rPr lang="en-CA" sz="1200" dirty="0">
                 <a:latin typeface="Courier" pitchFamily="2" charset="0"/>
               </a:rPr>
               <a:t>     Simple or Enhanced        /        \</a:t>
             </a:r>
           </a:p>
           <a:p>
-            <a:r>
-              <a:rPr lang="en-CA" sz="1200" b="1" dirty="0">
+            <a:pPr>
+              <a:lnSpc>
+                <a:spcPts val="1640"/>
+              </a:lnSpc>
+            </a:pPr>
+            <a:r>
+              <a:rPr lang="en-CA" sz="1200" dirty="0">
                 <a:latin typeface="Courier" pitchFamily="2" charset="0"/>
               </a:rPr>
               <a:t>  Authentication Mode &amp; Key   /          \     </a:t>
             </a:r>
           </a:p>
           <a:p>
-            <a:r>
-              <a:rPr lang="en-CA" sz="1200" b="1" dirty="0">
+            <a:pPr>
+              <a:lnSpc>
+                <a:spcPts val="1640"/>
+              </a:lnSpc>
+            </a:pPr>
+            <a:r>
+              <a:rPr lang="en-CA" sz="1200" dirty="0">
                 <a:latin typeface="Courier" pitchFamily="2" charset="0"/>
               </a:rPr>
               <a:t>  Network Programming Label  /            \</a:t>
             </a:r>
           </a:p>
           <a:p>
-            <a:r>
-              <a:rPr lang="en-CA" sz="1200" b="1" dirty="0">
+            <a:pPr>
+              <a:lnSpc>
+                <a:spcPts val="1640"/>
+              </a:lnSpc>
+            </a:pPr>
+            <a:r>
+              <a:rPr lang="en-CA" sz="1200" dirty="0">
                 <a:latin typeface="Courier" pitchFamily="2" charset="0"/>
               </a:rPr>
               <a:t>  Timestamp Format          /              \</a:t>
             </a:r>
           </a:p>
           <a:p>
-            <a:r>
-              <a:rPr lang="en-CA" sz="1200" b="1" dirty="0">
+            <a:pPr>
+              <a:lnSpc>
+                <a:spcPts val="1640"/>
+              </a:lnSpc>
+            </a:pPr>
+            <a:r>
+              <a:rPr lang="en-CA" sz="1200" dirty="0">
                 <a:latin typeface="Courier" pitchFamily="2" charset="0"/>
               </a:rPr>
               <a:t>                           /                \ </a:t>
             </a:r>
           </a:p>
           <a:p>
-            <a:r>
-              <a:rPr lang="en-CA" sz="1200" b="1" dirty="0">
+            <a:pPr>
+              <a:lnSpc>
+                <a:spcPts val="1640"/>
+              </a:lnSpc>
+            </a:pPr>
+            <a:r>
+              <a:rPr lang="en-CA" sz="1200" dirty="0">
                 <a:latin typeface="Courier" pitchFamily="2" charset="0"/>
               </a:rPr>
               <a:t>                          v                  v</a:t>
             </a:r>
           </a:p>
           <a:p>
-            <a:r>
-              <a:rPr lang="en-CA" sz="1200" b="1" dirty="0">
+            <a:pPr>
+              <a:lnSpc>
+                <a:spcPts val="1640"/>
+              </a:lnSpc>
+            </a:pPr>
+            <a:r>
+              <a:rPr lang="en-CA" sz="1200" dirty="0">
                 <a:latin typeface="Courier" pitchFamily="2" charset="0"/>
               </a:rPr>
               <a:t>                     +-------+            +-------+</a:t>
             </a:r>
           </a:p>
           <a:p>
-            <a:r>
-              <a:rPr lang="en-CA" sz="1200" b="1" dirty="0">
+            <a:pPr>
+              <a:lnSpc>
+                <a:spcPts val="1640"/>
+              </a:lnSpc>
+            </a:pPr>
+            <a:r>
+              <a:rPr lang="en-CA" sz="1200" dirty="0">
                 <a:latin typeface="Courier" pitchFamily="2" charset="0"/>
               </a:rPr>
               <a:t>                     |       |  SR Path   |       |</a:t>
             </a:r>
           </a:p>
           <a:p>
-            <a:r>
-              <a:rPr lang="en-CA" sz="1200" b="1" dirty="0">
+            <a:pPr>
+              <a:lnSpc>
+                <a:spcPts val="1640"/>
+              </a:lnSpc>
+            </a:pPr>
+            <a:r>
+              <a:rPr lang="en-CA" sz="1200" dirty="0">
                 <a:latin typeface="Courier" pitchFamily="2" charset="0"/>
               </a:rPr>
               <a:t>                     |   R1  |------------|   R5  |</a:t>
             </a:r>
           </a:p>
           <a:p>
-            <a:r>
-              <a:rPr lang="en-CA" sz="1200" b="1" dirty="0">
+            <a:pPr>
+              <a:lnSpc>
+                <a:spcPts val="1640"/>
+              </a:lnSpc>
+            </a:pPr>
+            <a:r>
+              <a:rPr lang="en-CA" sz="1200" dirty="0">
                 <a:latin typeface="Courier" pitchFamily="2" charset="0"/>
               </a:rPr>
               <a:t>                     |       |            |       |</a:t>
             </a:r>
           </a:p>
           <a:p>
-            <a:r>
-              <a:rPr lang="en-CA" sz="1200" b="1" dirty="0">
+            <a:pPr>
+              <a:lnSpc>
+                <a:spcPts val="1640"/>
+              </a:lnSpc>
+            </a:pPr>
+            <a:r>
+              <a:rPr lang="en-CA" sz="1200" dirty="0">
                 <a:latin typeface="Courier" pitchFamily="2" charset="0"/>
               </a:rPr>
               <a:t>                     +-------+            +-------+</a:t>
             </a:r>
           </a:p>
           <a:p>
-            <a:r>
-              <a:rPr lang="en-CA" sz="1200" b="1" dirty="0">
+            <a:pPr>
+              <a:lnSpc>
+                <a:spcPts val="1640"/>
+              </a:lnSpc>
+            </a:pPr>
+            <a:r>
+              <a:rPr lang="en-CA" sz="1200" dirty="0">
                 <a:latin typeface="Courier" pitchFamily="2" charset="0"/>
               </a:rPr>
               <a:t>                      Sender              Reflector</a:t>

--- a/draft-gandhi-spring-sr-enhanced-plm-00.pptx
+++ b/draft-gandhi-spring-sr-enhanced-plm-00.pptx
@@ -5,10 +5,10 @@
     <p:sldMasterId id="2147483648" r:id="rId1"/>
   </p:sldMasterIdLst>
   <p:notesMasterIdLst>
-    <p:notesMasterId r:id="rId16"/>
+    <p:notesMasterId r:id="rId18"/>
   </p:notesMasterIdLst>
   <p:handoutMasterIdLst>
-    <p:handoutMasterId r:id="rId17"/>
+    <p:handoutMasterId r:id="rId19"/>
   </p:handoutMasterIdLst>
   <p:sldIdLst>
     <p:sldId id="256" r:id="rId2"/>
@@ -25,6 +25,8 @@
     <p:sldId id="1655" r:id="rId13"/>
     <p:sldId id="1661" r:id="rId14"/>
     <p:sldId id="1654" r:id="rId15"/>
+    <p:sldId id="1664" r:id="rId16"/>
+    <p:sldId id="1642" r:id="rId17"/>
   </p:sldIdLst>
   <p:sldSz cx="9144000" cy="5143500" type="screen16x9"/>
   <p:notesSz cx="6858000" cy="9144000"/>
@@ -1225,6 +1227,308 @@
     <p:extLst>
       <p:ext uri="{BB962C8B-B14F-4D97-AF65-F5344CB8AC3E}">
         <p14:creationId xmlns:p14="http://schemas.microsoft.com/office/powerpoint/2010/main" val="2642803163"/>
+      </p:ext>
+    </p:extLst>
+  </p:cSld>
+  <p:clrMapOvr>
+    <a:masterClrMapping/>
+  </p:clrMapOvr>
+</p:notes>
+</file>
+
+<file path=ppt/notesSlides/notesSlide14.xml><?xml version="1.0" encoding="utf-8"?>
+<p:notes xmlns:a="http://schemas.openxmlformats.org/drawingml/2006/main" xmlns:r="http://schemas.openxmlformats.org/officeDocument/2006/relationships" xmlns:p="http://schemas.openxmlformats.org/presentationml/2006/main">
+  <p:cSld>
+    <p:spTree>
+      <p:nvGrpSpPr>
+        <p:cNvPr id="1" name=""/>
+        <p:cNvGrpSpPr/>
+        <p:nvPr/>
+      </p:nvGrpSpPr>
+      <p:grpSpPr>
+        <a:xfrm>
+          <a:off x="0" y="0"/>
+          <a:ext cx="0" cy="0"/>
+          <a:chOff x="0" y="0"/>
+          <a:chExt cx="0" cy="0"/>
+        </a:xfrm>
+      </p:grpSpPr>
+      <p:sp>
+        <p:nvSpPr>
+          <p:cNvPr id="2" name="Slide Image Placeholder 1"/>
+          <p:cNvSpPr>
+            <a:spLocks noGrp="1" noRot="1" noChangeAspect="1"/>
+          </p:cNvSpPr>
+          <p:nvPr>
+            <p:ph type="sldImg"/>
+          </p:nvPr>
+        </p:nvSpPr>
+        <p:spPr/>
+      </p:sp>
+      <p:sp>
+        <p:nvSpPr>
+          <p:cNvPr id="3" name="Notes Placeholder 2"/>
+          <p:cNvSpPr>
+            <a:spLocks noGrp="1"/>
+          </p:cNvSpPr>
+          <p:nvPr>
+            <p:ph type="body" idx="1"/>
+          </p:nvPr>
+        </p:nvSpPr>
+        <p:spPr/>
+        <p:txBody>
+          <a:bodyPr/>
+          <a:lstStyle/>
+          <a:p>
+            <a:pPr marL="171450" marR="0" lvl="0" indent="-171450" algn="l" defTabSz="457200" rtl="0" eaLnBrk="0" fontAlgn="base" latinLnBrk="0" hangingPunct="0">
+              <a:lnSpc>
+                <a:spcPct val="100000"/>
+              </a:lnSpc>
+              <a:spcBef>
+                <a:spcPct val="30000"/>
+              </a:spcBef>
+              <a:spcAft>
+                <a:spcPct val="0"/>
+              </a:spcAft>
+              <a:buClrTx/>
+              <a:buSzTx/>
+              <a:buFont typeface="Arial" charset="0"/>
+              <a:buNone/>
+              <a:tabLst/>
+              <a:defRPr/>
+            </a:pPr>
+            <a:endParaRPr lang="en-US" dirty="0"/>
+          </a:p>
+        </p:txBody>
+      </p:sp>
+      <p:sp>
+        <p:nvSpPr>
+          <p:cNvPr id="4" name="Header Placeholder 3"/>
+          <p:cNvSpPr>
+            <a:spLocks noGrp="1"/>
+          </p:cNvSpPr>
+          <p:nvPr>
+            <p:ph type="hdr" sz="quarter" idx="10"/>
+          </p:nvPr>
+        </p:nvSpPr>
+        <p:spPr/>
+        <p:txBody>
+          <a:bodyPr/>
+          <a:lstStyle/>
+          <a:p>
+            <a:pPr>
+              <a:defRPr/>
+            </a:pPr>
+            <a:endParaRPr lang="en-US"/>
+          </a:p>
+        </p:txBody>
+      </p:sp>
+      <p:sp>
+        <p:nvSpPr>
+          <p:cNvPr id="5" name="Footer Placeholder 4"/>
+          <p:cNvSpPr>
+            <a:spLocks noGrp="1"/>
+          </p:cNvSpPr>
+          <p:nvPr>
+            <p:ph type="ftr" sz="quarter" idx="11"/>
+          </p:nvPr>
+        </p:nvSpPr>
+        <p:spPr/>
+        <p:txBody>
+          <a:bodyPr/>
+          <a:lstStyle/>
+          <a:p>
+            <a:pPr>
+              <a:defRPr/>
+            </a:pPr>
+            <a:endParaRPr lang="en-US"/>
+          </a:p>
+        </p:txBody>
+      </p:sp>
+      <p:sp>
+        <p:nvSpPr>
+          <p:cNvPr id="6" name="Slide Number Placeholder 5"/>
+          <p:cNvSpPr>
+            <a:spLocks noGrp="1"/>
+          </p:cNvSpPr>
+          <p:nvPr>
+            <p:ph type="sldNum" sz="quarter" idx="12"/>
+          </p:nvPr>
+        </p:nvSpPr>
+        <p:spPr/>
+        <p:txBody>
+          <a:bodyPr/>
+          <a:lstStyle/>
+          <a:p>
+            <a:pPr>
+              <a:defRPr/>
+            </a:pPr>
+            <a:fld id="{F97A1FA6-25DE-9E4E-A34D-CF67DE7DBDC7}" type="slidenum">
+              <a:rPr lang="en-US" smtClean="0"/>
+              <a:pPr>
+                <a:defRPr/>
+              </a:pPr>
+              <a:t>15</a:t>
+            </a:fld>
+            <a:endParaRPr lang="en-US"/>
+          </a:p>
+        </p:txBody>
+      </p:sp>
+    </p:spTree>
+    <p:extLst>
+      <p:ext uri="{BB962C8B-B14F-4D97-AF65-F5344CB8AC3E}">
+        <p14:creationId xmlns:p14="http://schemas.microsoft.com/office/powerpoint/2010/main" val="2106992105"/>
+      </p:ext>
+    </p:extLst>
+  </p:cSld>
+  <p:clrMapOvr>
+    <a:masterClrMapping/>
+  </p:clrMapOvr>
+</p:notes>
+</file>
+
+<file path=ppt/notesSlides/notesSlide15.xml><?xml version="1.0" encoding="utf-8"?>
+<p:notes xmlns:a="http://schemas.openxmlformats.org/drawingml/2006/main" xmlns:r="http://schemas.openxmlformats.org/officeDocument/2006/relationships" xmlns:p="http://schemas.openxmlformats.org/presentationml/2006/main">
+  <p:cSld>
+    <p:spTree>
+      <p:nvGrpSpPr>
+        <p:cNvPr id="1" name=""/>
+        <p:cNvGrpSpPr/>
+        <p:nvPr/>
+      </p:nvGrpSpPr>
+      <p:grpSpPr>
+        <a:xfrm>
+          <a:off x="0" y="0"/>
+          <a:ext cx="0" cy="0"/>
+          <a:chOff x="0" y="0"/>
+          <a:chExt cx="0" cy="0"/>
+        </a:xfrm>
+      </p:grpSpPr>
+      <p:sp>
+        <p:nvSpPr>
+          <p:cNvPr id="2" name="Slide Image Placeholder 1"/>
+          <p:cNvSpPr>
+            <a:spLocks noGrp="1" noRot="1" noChangeAspect="1"/>
+          </p:cNvSpPr>
+          <p:nvPr>
+            <p:ph type="sldImg"/>
+          </p:nvPr>
+        </p:nvSpPr>
+        <p:spPr/>
+      </p:sp>
+      <p:sp>
+        <p:nvSpPr>
+          <p:cNvPr id="3" name="Notes Placeholder 2"/>
+          <p:cNvSpPr>
+            <a:spLocks noGrp="1"/>
+          </p:cNvSpPr>
+          <p:nvPr>
+            <p:ph type="body" idx="1"/>
+          </p:nvPr>
+        </p:nvSpPr>
+        <p:spPr/>
+        <p:txBody>
+          <a:bodyPr/>
+          <a:lstStyle/>
+          <a:p>
+            <a:pPr marL="171450" marR="0" lvl="0" indent="-171450" algn="l" defTabSz="457200" rtl="0" eaLnBrk="0" fontAlgn="base" latinLnBrk="0" hangingPunct="0">
+              <a:lnSpc>
+                <a:spcPct val="100000"/>
+              </a:lnSpc>
+              <a:spcBef>
+                <a:spcPct val="30000"/>
+              </a:spcBef>
+              <a:spcAft>
+                <a:spcPct val="0"/>
+              </a:spcAft>
+              <a:buClrTx/>
+              <a:buSzTx/>
+              <a:buFont typeface="Arial" charset="0"/>
+              <a:buNone/>
+              <a:tabLst/>
+              <a:defRPr/>
+            </a:pPr>
+            <a:endParaRPr lang="en-US" dirty="0"/>
+          </a:p>
+        </p:txBody>
+      </p:sp>
+      <p:sp>
+        <p:nvSpPr>
+          <p:cNvPr id="4" name="Header Placeholder 3"/>
+          <p:cNvSpPr>
+            <a:spLocks noGrp="1"/>
+          </p:cNvSpPr>
+          <p:nvPr>
+            <p:ph type="hdr" sz="quarter" idx="10"/>
+          </p:nvPr>
+        </p:nvSpPr>
+        <p:spPr/>
+        <p:txBody>
+          <a:bodyPr/>
+          <a:lstStyle/>
+          <a:p>
+            <a:pPr>
+              <a:defRPr/>
+            </a:pPr>
+            <a:endParaRPr lang="en-US"/>
+          </a:p>
+        </p:txBody>
+      </p:sp>
+      <p:sp>
+        <p:nvSpPr>
+          <p:cNvPr id="5" name="Footer Placeholder 4"/>
+          <p:cNvSpPr>
+            <a:spLocks noGrp="1"/>
+          </p:cNvSpPr>
+          <p:nvPr>
+            <p:ph type="ftr" sz="quarter" idx="11"/>
+          </p:nvPr>
+        </p:nvSpPr>
+        <p:spPr/>
+        <p:txBody>
+          <a:bodyPr/>
+          <a:lstStyle/>
+          <a:p>
+            <a:pPr>
+              <a:defRPr/>
+            </a:pPr>
+            <a:endParaRPr lang="en-US"/>
+          </a:p>
+        </p:txBody>
+      </p:sp>
+      <p:sp>
+        <p:nvSpPr>
+          <p:cNvPr id="6" name="Slide Number Placeholder 5"/>
+          <p:cNvSpPr>
+            <a:spLocks noGrp="1"/>
+          </p:cNvSpPr>
+          <p:nvPr>
+            <p:ph type="sldNum" sz="quarter" idx="12"/>
+          </p:nvPr>
+        </p:nvSpPr>
+        <p:spPr/>
+        <p:txBody>
+          <a:bodyPr/>
+          <a:lstStyle/>
+          <a:p>
+            <a:pPr>
+              <a:defRPr/>
+            </a:pPr>
+            <a:fld id="{F97A1FA6-25DE-9E4E-A34D-CF67DE7DBDC7}" type="slidenum">
+              <a:rPr lang="en-US" smtClean="0"/>
+              <a:pPr>
+                <a:defRPr/>
+              </a:pPr>
+              <a:t>16</a:t>
+            </a:fld>
+            <a:endParaRPr lang="en-US"/>
+          </a:p>
+        </p:txBody>
+      </p:sp>
+    </p:spTree>
+    <p:extLst>
+      <p:ext uri="{BB962C8B-B14F-4D97-AF65-F5344CB8AC3E}">
+        <p14:creationId xmlns:p14="http://schemas.microsoft.com/office/powerpoint/2010/main" val="3881026240"/>
       </p:ext>
     </p:extLst>
   </p:cSld>
@@ -6723,6 +7027,2744 @@
     <p:extLst>
       <p:ext uri="{BB962C8B-B14F-4D97-AF65-F5344CB8AC3E}">
         <p14:creationId xmlns:p14="http://schemas.microsoft.com/office/powerpoint/2010/main" val="668811118"/>
+      </p:ext>
+    </p:extLst>
+  </p:cSld>
+  <p:clrMapOvr>
+    <a:masterClrMapping/>
+  </p:clrMapOvr>
+</p:sld>
+</file>
+
+<file path=ppt/slides/slide15.xml><?xml version="1.0" encoding="utf-8"?>
+<p:sld xmlns:a="http://schemas.openxmlformats.org/drawingml/2006/main" xmlns:r="http://schemas.openxmlformats.org/officeDocument/2006/relationships" xmlns:p="http://schemas.openxmlformats.org/presentationml/2006/main">
+  <p:cSld>
+    <p:spTree>
+      <p:nvGrpSpPr>
+        <p:cNvPr id="1" name=""/>
+        <p:cNvGrpSpPr/>
+        <p:nvPr/>
+      </p:nvGrpSpPr>
+      <p:grpSpPr>
+        <a:xfrm>
+          <a:off x="0" y="0"/>
+          <a:ext cx="0" cy="0"/>
+          <a:chOff x="0" y="0"/>
+          <a:chExt cx="0" cy="0"/>
+        </a:xfrm>
+      </p:grpSpPr>
+      <p:sp>
+        <p:nvSpPr>
+          <p:cNvPr id="2" name="Title 1"/>
+          <p:cNvSpPr>
+            <a:spLocks noGrp="1"/>
+          </p:cNvSpPr>
+          <p:nvPr>
+            <p:ph type="title"/>
+          </p:nvPr>
+        </p:nvSpPr>
+        <p:spPr>
+          <a:xfrm>
+            <a:off x="0" y="15021"/>
+            <a:ext cx="9087459" cy="764281"/>
+          </a:xfrm>
+        </p:spPr>
+        <p:txBody>
+          <a:bodyPr/>
+          <a:lstStyle/>
+          <a:p>
+            <a:r>
+              <a:rPr lang="en-US" sz="2600" dirty="0">
+                <a:solidFill>
+                  <a:srgbClr val="0070C0"/>
+                </a:solidFill>
+                <a:latin typeface="Calibri Light" panose="020F0302020204030204" pitchFamily="34" charset="0"/>
+                <a:cs typeface="Calibri Light" panose="020F0302020204030204" pitchFamily="34" charset="0"/>
+              </a:rPr>
+              <a:t>Enhanced Loopback Mode for SR-MPLS Policy - IP/UDP Return Path</a:t>
+            </a:r>
+            <a:endParaRPr lang="en-US" sz="2600" b="0" dirty="0">
+              <a:solidFill>
+                <a:srgbClr val="0070C0"/>
+              </a:solidFill>
+              <a:latin typeface="Calibri Light" panose="020F0302020204030204" pitchFamily="34" charset="0"/>
+              <a:cs typeface="Calibri Light" panose="020F0302020204030204" pitchFamily="34" charset="0"/>
+            </a:endParaRPr>
+          </a:p>
+        </p:txBody>
+      </p:sp>
+      <p:sp>
+        <p:nvSpPr>
+          <p:cNvPr id="50" name="Right Arrow 49"/>
+          <p:cNvSpPr/>
+          <p:nvPr/>
+        </p:nvSpPr>
+        <p:spPr>
+          <a:xfrm>
+            <a:off x="2988460" y="1321620"/>
+            <a:ext cx="466385" cy="127022"/>
+          </a:xfrm>
+          <a:prstGeom prst="rightArrow">
+            <a:avLst/>
+          </a:prstGeom>
+          <a:solidFill>
+            <a:srgbClr val="FA661C"/>
+          </a:solidFill>
+          <a:ln w="9525">
+            <a:solidFill>
+              <a:srgbClr val="FA661C"/>
+            </a:solidFill>
+            <a:headEnd type="none" w="med" len="med"/>
+            <a:tailEnd type="triangle" w="med" len="med"/>
+          </a:ln>
+          <a:effectLst/>
+        </p:spPr>
+        <p:style>
+          <a:lnRef idx="2">
+            <a:schemeClr val="accent1">
+              <a:shade val="50000"/>
+            </a:schemeClr>
+          </a:lnRef>
+          <a:fillRef idx="1">
+            <a:schemeClr val="accent1"/>
+          </a:fillRef>
+          <a:effectRef idx="0">
+            <a:schemeClr val="accent1"/>
+          </a:effectRef>
+          <a:fontRef idx="minor">
+            <a:schemeClr val="lt1"/>
+          </a:fontRef>
+        </p:style>
+        <p:txBody>
+          <a:bodyPr rtlCol="0" anchor="ctr"/>
+          <a:lstStyle/>
+          <a:p>
+            <a:pPr algn="ctr"/>
+            <a:endParaRPr lang="en-US" sz="900"/>
+          </a:p>
+        </p:txBody>
+      </p:sp>
+      <p:cxnSp>
+        <p:nvCxnSpPr>
+          <p:cNvPr id="23" name="Conector recto de flecha 27"/>
+          <p:cNvCxnSpPr>
+            <a:cxnSpLocks/>
+            <a:stCxn id="41" idx="3"/>
+            <a:endCxn id="58" idx="1"/>
+          </p:cNvCxnSpPr>
+          <p:nvPr/>
+        </p:nvCxnSpPr>
+        <p:spPr>
+          <a:xfrm>
+            <a:off x="1675031" y="2700140"/>
+            <a:ext cx="5546322" cy="17153"/>
+          </a:xfrm>
+          <a:prstGeom prst="straightConnector1">
+            <a:avLst/>
+          </a:prstGeom>
+          <a:ln w="31750">
+            <a:solidFill>
+              <a:srgbClr val="00B0F0"/>
+            </a:solidFill>
+            <a:prstDash val="solid"/>
+            <a:headEnd type="none"/>
+            <a:tailEnd type="none"/>
+          </a:ln>
+        </p:spPr>
+        <p:style>
+          <a:lnRef idx="1">
+            <a:schemeClr val="accent1"/>
+          </a:lnRef>
+          <a:fillRef idx="0">
+            <a:schemeClr val="accent1"/>
+          </a:fillRef>
+          <a:effectRef idx="0">
+            <a:schemeClr val="accent1"/>
+          </a:effectRef>
+          <a:fontRef idx="minor">
+            <a:schemeClr val="tx1"/>
+          </a:fontRef>
+        </p:style>
+      </p:cxnSp>
+      <p:sp>
+        <p:nvSpPr>
+          <p:cNvPr id="3" name="TextBox 2"/>
+          <p:cNvSpPr txBox="1"/>
+          <p:nvPr/>
+        </p:nvSpPr>
+        <p:spPr>
+          <a:xfrm>
+            <a:off x="2894264" y="1126706"/>
+            <a:ext cx="838691" cy="230832"/>
+          </a:xfrm>
+          <a:prstGeom prst="rect">
+            <a:avLst/>
+          </a:prstGeom>
+          <a:noFill/>
+        </p:spPr>
+        <p:txBody>
+          <a:bodyPr wrap="none" rtlCol="0">
+            <a:spAutoFit/>
+          </a:bodyPr>
+          <a:lstStyle/>
+          <a:p>
+            <a:r>
+              <a:rPr lang="en-US" sz="900" dirty="0"/>
+              <a:t>Probe Query</a:t>
+            </a:r>
+          </a:p>
+        </p:txBody>
+      </p:sp>
+      <p:sp>
+        <p:nvSpPr>
+          <p:cNvPr id="38" name="Right Arrow 37"/>
+          <p:cNvSpPr/>
+          <p:nvPr/>
+        </p:nvSpPr>
+        <p:spPr>
+          <a:xfrm rot="10800000">
+            <a:off x="5401347" y="3203001"/>
+            <a:ext cx="466385" cy="127022"/>
+          </a:xfrm>
+          <a:prstGeom prst="rightArrow">
+            <a:avLst/>
+          </a:prstGeom>
+          <a:solidFill>
+            <a:srgbClr val="FA661C"/>
+          </a:solidFill>
+          <a:ln w="9525">
+            <a:solidFill>
+              <a:srgbClr val="FA661C"/>
+            </a:solidFill>
+            <a:headEnd type="none" w="med" len="med"/>
+            <a:tailEnd type="triangle" w="med" len="med"/>
+          </a:ln>
+          <a:effectLst/>
+        </p:spPr>
+        <p:style>
+          <a:lnRef idx="2">
+            <a:schemeClr val="accent1">
+              <a:shade val="50000"/>
+            </a:schemeClr>
+          </a:lnRef>
+          <a:fillRef idx="1">
+            <a:schemeClr val="accent1"/>
+          </a:fillRef>
+          <a:effectRef idx="0">
+            <a:schemeClr val="accent1"/>
+          </a:effectRef>
+          <a:fontRef idx="minor">
+            <a:schemeClr val="lt1"/>
+          </a:fontRef>
+        </p:style>
+        <p:txBody>
+          <a:bodyPr rtlCol="0" anchor="ctr"/>
+          <a:lstStyle/>
+          <a:p>
+            <a:pPr algn="ctr"/>
+            <a:endParaRPr lang="en-US" sz="900"/>
+          </a:p>
+        </p:txBody>
+      </p:sp>
+      <p:sp>
+        <p:nvSpPr>
+          <p:cNvPr id="53" name="TextBox 52"/>
+          <p:cNvSpPr txBox="1"/>
+          <p:nvPr/>
+        </p:nvSpPr>
+        <p:spPr>
+          <a:xfrm>
+            <a:off x="5179934" y="3017461"/>
+            <a:ext cx="819455" cy="230832"/>
+          </a:xfrm>
+          <a:prstGeom prst="rect">
+            <a:avLst/>
+          </a:prstGeom>
+          <a:noFill/>
+        </p:spPr>
+        <p:txBody>
+          <a:bodyPr wrap="none" rtlCol="0">
+            <a:spAutoFit/>
+          </a:bodyPr>
+          <a:lstStyle/>
+          <a:p>
+            <a:r>
+              <a:rPr lang="en-US" sz="900" dirty="0"/>
+              <a:t>Probe Reply</a:t>
+            </a:r>
+          </a:p>
+        </p:txBody>
+      </p:sp>
+      <p:grpSp>
+        <p:nvGrpSpPr>
+          <p:cNvPr id="32" name="Group 31">
+            <a:extLst>
+              <a:ext uri="{FF2B5EF4-FFF2-40B4-BE49-F238E27FC236}">
+                <a16:creationId xmlns:a16="http://schemas.microsoft.com/office/drawing/2014/main" id="{02562B6D-39F1-3B44-8CE3-8A7F5BB9258F}"/>
+              </a:ext>
+            </a:extLst>
+          </p:cNvPr>
+          <p:cNvGrpSpPr/>
+          <p:nvPr/>
+        </p:nvGrpSpPr>
+        <p:grpSpPr>
+          <a:xfrm>
+            <a:off x="1153474" y="2441874"/>
+            <a:ext cx="521557" cy="516532"/>
+            <a:chOff x="1965275" y="975597"/>
+            <a:chExt cx="822419" cy="654514"/>
+          </a:xfrm>
+        </p:grpSpPr>
+        <p:pic>
+          <p:nvPicPr>
+            <p:cNvPr id="41" name="Picture 6" descr="C:\Users\ecoffey\AppData\Local\Temp\Rar$DRa0.583\Cisco Icons November\30067_Device_router_3057\Png_256\30067_Device_router_3057_unknown_256.png">
+              <a:extLst>
+                <a:ext uri="{FF2B5EF4-FFF2-40B4-BE49-F238E27FC236}">
+                  <a16:creationId xmlns:a16="http://schemas.microsoft.com/office/drawing/2014/main" id="{5AAE98F9-A069-C048-B3D5-55E7B9B5FEF4}"/>
+                </a:ext>
+              </a:extLst>
+            </p:cNvPr>
+            <p:cNvPicPr>
+              <a:picLocks noChangeAspect="1" noChangeArrowheads="1"/>
+            </p:cNvPicPr>
+            <p:nvPr/>
+          </p:nvPicPr>
+          <p:blipFill>
+            <a:blip r:embed="rId3">
+              <a:extLst>
+                <a:ext uri="{28A0092B-C50C-407E-A947-70E740481C1C}">
+                  <a14:useLocalDpi xmlns:a14="http://schemas.microsoft.com/office/drawing/2010/main" val="0"/>
+                </a:ext>
+              </a:extLst>
+            </a:blip>
+            <a:srcRect/>
+            <a:stretch>
+              <a:fillRect/>
+            </a:stretch>
+          </p:blipFill>
+          <p:spPr bwMode="auto">
+            <a:xfrm>
+              <a:off x="1965275" y="975597"/>
+              <a:ext cx="822419" cy="654514"/>
+            </a:xfrm>
+            <a:prstGeom prst="rect">
+              <a:avLst/>
+            </a:prstGeom>
+            <a:noFill/>
+            <a:extLst>
+              <a:ext uri="{909E8E84-426E-40DD-AFC4-6F175D3DCCD1}">
+                <a14:hiddenFill xmlns:a14="http://schemas.microsoft.com/office/drawing/2010/main">
+                  <a:solidFill>
+                    <a:srgbClr val="FFFFFF"/>
+                  </a:solidFill>
+                </a14:hiddenFill>
+              </a:ext>
+            </a:extLst>
+          </p:spPr>
+        </p:pic>
+        <p:sp>
+          <p:nvSpPr>
+            <p:cNvPr id="48" name="TextBox 47">
+              <a:extLst>
+                <a:ext uri="{FF2B5EF4-FFF2-40B4-BE49-F238E27FC236}">
+                  <a16:creationId xmlns:a16="http://schemas.microsoft.com/office/drawing/2014/main" id="{7A6D59F3-F912-FC42-98BF-A6B45ADF4A01}"/>
+                </a:ext>
+              </a:extLst>
+            </p:cNvPr>
+            <p:cNvSpPr txBox="1"/>
+            <p:nvPr/>
+          </p:nvSpPr>
+          <p:spPr>
+            <a:xfrm>
+              <a:off x="2004893" y="1273811"/>
+              <a:ext cx="655157" cy="331494"/>
+            </a:xfrm>
+            <a:prstGeom prst="rect">
+              <a:avLst/>
+            </a:prstGeom>
+            <a:noFill/>
+          </p:spPr>
+          <p:txBody>
+            <a:bodyPr wrap="none" rtlCol="0">
+              <a:spAutoFit/>
+            </a:bodyPr>
+            <a:lstStyle/>
+            <a:p>
+              <a:r>
+                <a:rPr lang="en-US" sz="1100" b="1" dirty="0">
+                  <a:solidFill>
+                    <a:schemeClr val="bg2">
+                      <a:lumMod val="95000"/>
+                    </a:schemeClr>
+                  </a:solidFill>
+                </a:rPr>
+                <a:t>2 PE</a:t>
+              </a:r>
+            </a:p>
+          </p:txBody>
+        </p:sp>
+      </p:grpSp>
+      <p:grpSp>
+        <p:nvGrpSpPr>
+          <p:cNvPr id="49" name="Group 48">
+            <a:extLst>
+              <a:ext uri="{FF2B5EF4-FFF2-40B4-BE49-F238E27FC236}">
+                <a16:creationId xmlns:a16="http://schemas.microsoft.com/office/drawing/2014/main" id="{AB14E505-92DC-4849-830C-BAD0107D61A9}"/>
+              </a:ext>
+            </a:extLst>
+          </p:cNvPr>
+          <p:cNvGrpSpPr/>
+          <p:nvPr/>
+        </p:nvGrpSpPr>
+        <p:grpSpPr>
+          <a:xfrm>
+            <a:off x="4100388" y="2465909"/>
+            <a:ext cx="521557" cy="516532"/>
+            <a:chOff x="1965275" y="975597"/>
+            <a:chExt cx="822419" cy="654514"/>
+          </a:xfrm>
+        </p:grpSpPr>
+        <p:pic>
+          <p:nvPicPr>
+            <p:cNvPr id="51" name="Picture 6" descr="C:\Users\ecoffey\AppData\Local\Temp\Rar$DRa0.583\Cisco Icons November\30067_Device_router_3057\Png_256\30067_Device_router_3057_unknown_256.png">
+              <a:extLst>
+                <a:ext uri="{FF2B5EF4-FFF2-40B4-BE49-F238E27FC236}">
+                  <a16:creationId xmlns:a16="http://schemas.microsoft.com/office/drawing/2014/main" id="{41967DC3-7451-394C-B6F3-F196CDB911A1}"/>
+                </a:ext>
+              </a:extLst>
+            </p:cNvPr>
+            <p:cNvPicPr>
+              <a:picLocks noChangeAspect="1" noChangeArrowheads="1"/>
+            </p:cNvPicPr>
+            <p:nvPr/>
+          </p:nvPicPr>
+          <p:blipFill>
+            <a:blip r:embed="rId3">
+              <a:extLst>
+                <a:ext uri="{28A0092B-C50C-407E-A947-70E740481C1C}">
+                  <a14:useLocalDpi xmlns:a14="http://schemas.microsoft.com/office/drawing/2010/main" val="0"/>
+                </a:ext>
+              </a:extLst>
+            </a:blip>
+            <a:srcRect/>
+            <a:stretch>
+              <a:fillRect/>
+            </a:stretch>
+          </p:blipFill>
+          <p:spPr bwMode="auto">
+            <a:xfrm>
+              <a:off x="1965275" y="975597"/>
+              <a:ext cx="822419" cy="654514"/>
+            </a:xfrm>
+            <a:prstGeom prst="rect">
+              <a:avLst/>
+            </a:prstGeom>
+            <a:noFill/>
+            <a:extLst>
+              <a:ext uri="{909E8E84-426E-40DD-AFC4-6F175D3DCCD1}">
+                <a14:hiddenFill xmlns:a14="http://schemas.microsoft.com/office/drawing/2010/main">
+                  <a:solidFill>
+                    <a:srgbClr val="FFFFFF"/>
+                  </a:solidFill>
+                </a14:hiddenFill>
+              </a:ext>
+            </a:extLst>
+          </p:spPr>
+        </p:pic>
+        <p:sp>
+          <p:nvSpPr>
+            <p:cNvPr id="56" name="TextBox 55">
+              <a:extLst>
+                <a:ext uri="{FF2B5EF4-FFF2-40B4-BE49-F238E27FC236}">
+                  <a16:creationId xmlns:a16="http://schemas.microsoft.com/office/drawing/2014/main" id="{14F7ABC0-DF64-F641-82DF-C3A0E22D71C0}"/>
+                </a:ext>
+              </a:extLst>
+            </p:cNvPr>
+            <p:cNvSpPr txBox="1"/>
+            <p:nvPr/>
+          </p:nvSpPr>
+          <p:spPr>
+            <a:xfrm>
+              <a:off x="2154046" y="1274055"/>
+              <a:ext cx="523757" cy="331251"/>
+            </a:xfrm>
+            <a:prstGeom prst="rect">
+              <a:avLst/>
+            </a:prstGeom>
+            <a:noFill/>
+          </p:spPr>
+          <p:txBody>
+            <a:bodyPr wrap="square" rtlCol="0">
+              <a:spAutoFit/>
+            </a:bodyPr>
+            <a:lstStyle/>
+            <a:p>
+              <a:r>
+                <a:rPr lang="en-US" sz="1100" b="1" dirty="0">
+                  <a:solidFill>
+                    <a:schemeClr val="bg2">
+                      <a:lumMod val="95000"/>
+                    </a:schemeClr>
+                  </a:solidFill>
+                </a:rPr>
+                <a:t>3</a:t>
+              </a:r>
+            </a:p>
+          </p:txBody>
+        </p:sp>
+      </p:grpSp>
+      <p:grpSp>
+        <p:nvGrpSpPr>
+          <p:cNvPr id="57" name="Group 56">
+            <a:extLst>
+              <a:ext uri="{FF2B5EF4-FFF2-40B4-BE49-F238E27FC236}">
+                <a16:creationId xmlns:a16="http://schemas.microsoft.com/office/drawing/2014/main" id="{6216C2B6-4251-E04A-A846-6AAC72235997}"/>
+              </a:ext>
+            </a:extLst>
+          </p:cNvPr>
+          <p:cNvGrpSpPr/>
+          <p:nvPr/>
+        </p:nvGrpSpPr>
+        <p:grpSpPr>
+          <a:xfrm>
+            <a:off x="7221353" y="2459027"/>
+            <a:ext cx="521557" cy="516532"/>
+            <a:chOff x="1965275" y="975597"/>
+            <a:chExt cx="822419" cy="654514"/>
+          </a:xfrm>
+        </p:grpSpPr>
+        <p:pic>
+          <p:nvPicPr>
+            <p:cNvPr id="58" name="Picture 6" descr="C:\Users\ecoffey\AppData\Local\Temp\Rar$DRa0.583\Cisco Icons November\30067_Device_router_3057\Png_256\30067_Device_router_3057_unknown_256.png">
+              <a:extLst>
+                <a:ext uri="{FF2B5EF4-FFF2-40B4-BE49-F238E27FC236}">
+                  <a16:creationId xmlns:a16="http://schemas.microsoft.com/office/drawing/2014/main" id="{F8B08FB9-0FD7-1D43-8EE4-3BF53E09C485}"/>
+                </a:ext>
+              </a:extLst>
+            </p:cNvPr>
+            <p:cNvPicPr>
+              <a:picLocks noChangeAspect="1" noChangeArrowheads="1"/>
+            </p:cNvPicPr>
+            <p:nvPr/>
+          </p:nvPicPr>
+          <p:blipFill>
+            <a:blip r:embed="rId3">
+              <a:extLst>
+                <a:ext uri="{28A0092B-C50C-407E-A947-70E740481C1C}">
+                  <a14:useLocalDpi xmlns:a14="http://schemas.microsoft.com/office/drawing/2010/main" val="0"/>
+                </a:ext>
+              </a:extLst>
+            </a:blip>
+            <a:srcRect/>
+            <a:stretch>
+              <a:fillRect/>
+            </a:stretch>
+          </p:blipFill>
+          <p:spPr bwMode="auto">
+            <a:xfrm>
+              <a:off x="1965275" y="975597"/>
+              <a:ext cx="822419" cy="654514"/>
+            </a:xfrm>
+            <a:prstGeom prst="rect">
+              <a:avLst/>
+            </a:prstGeom>
+            <a:noFill/>
+            <a:extLst>
+              <a:ext uri="{909E8E84-426E-40DD-AFC4-6F175D3DCCD1}">
+                <a14:hiddenFill xmlns:a14="http://schemas.microsoft.com/office/drawing/2010/main">
+                  <a:solidFill>
+                    <a:srgbClr val="FFFFFF"/>
+                  </a:solidFill>
+                </a14:hiddenFill>
+              </a:ext>
+            </a:extLst>
+          </p:spPr>
+        </p:pic>
+        <p:sp>
+          <p:nvSpPr>
+            <p:cNvPr id="59" name="TextBox 58">
+              <a:extLst>
+                <a:ext uri="{FF2B5EF4-FFF2-40B4-BE49-F238E27FC236}">
+                  <a16:creationId xmlns:a16="http://schemas.microsoft.com/office/drawing/2014/main" id="{8E2EC502-CCB7-FD44-B00D-EC26B6B49B65}"/>
+                </a:ext>
+              </a:extLst>
+            </p:cNvPr>
+            <p:cNvSpPr txBox="1"/>
+            <p:nvPr/>
+          </p:nvSpPr>
+          <p:spPr>
+            <a:xfrm>
+              <a:off x="2004893" y="1273811"/>
+              <a:ext cx="773983" cy="331494"/>
+            </a:xfrm>
+            <a:prstGeom prst="rect">
+              <a:avLst/>
+            </a:prstGeom>
+            <a:noFill/>
+          </p:spPr>
+          <p:txBody>
+            <a:bodyPr wrap="none" rtlCol="0">
+              <a:spAutoFit/>
+            </a:bodyPr>
+            <a:lstStyle/>
+            <a:p>
+              <a:r>
+                <a:rPr lang="en-US" sz="1100" b="1" dirty="0">
+                  <a:solidFill>
+                    <a:schemeClr val="bg2">
+                      <a:lumMod val="95000"/>
+                    </a:schemeClr>
+                  </a:solidFill>
+                </a:rPr>
+                <a:t>4 PE</a:t>
+              </a:r>
+            </a:p>
+          </p:txBody>
+        </p:sp>
+      </p:grpSp>
+      <p:graphicFrame>
+        <p:nvGraphicFramePr>
+          <p:cNvPr id="42" name="Table 41">
+            <a:extLst>
+              <a:ext uri="{FF2B5EF4-FFF2-40B4-BE49-F238E27FC236}">
+                <a16:creationId xmlns:a16="http://schemas.microsoft.com/office/drawing/2014/main" id="{86720AE7-7765-2040-B90F-D28641A5BEFA}"/>
+              </a:ext>
+            </a:extLst>
+          </p:cNvPr>
+          <p:cNvGraphicFramePr>
+            <a:graphicFrameLocks noGrp="1"/>
+          </p:cNvGraphicFramePr>
+          <p:nvPr>
+            <p:extLst>
+              <p:ext uri="{D42A27DB-BD31-4B8C-83A1-F6EECF244321}">
+                <p14:modId xmlns:p14="http://schemas.microsoft.com/office/powerpoint/2010/main" val="502129097"/>
+              </p:ext>
+            </p:extLst>
+          </p:nvPr>
+        </p:nvGraphicFramePr>
+        <p:xfrm>
+          <a:off x="1799430" y="1134134"/>
+          <a:ext cx="1099698" cy="1463040"/>
+        </p:xfrm>
+        <a:graphic>
+          <a:graphicData uri="http://schemas.openxmlformats.org/drawingml/2006/table">
+            <a:tbl>
+              <a:tblPr firstRow="1" bandRow="1">
+                <a:tableStyleId>{BDBED569-4797-4DF1-A0F4-6AAB3CD982D8}</a:tableStyleId>
+              </a:tblPr>
+              <a:tblGrid>
+                <a:gridCol w="1099698">
+                  <a:extLst>
+                    <a:ext uri="{9D8B030D-6E8A-4147-A177-3AD203B41FA5}">
+                      <a16:colId xmlns:a16="http://schemas.microsoft.com/office/drawing/2014/main" val="3785564758"/>
+                    </a:ext>
+                  </a:extLst>
+                </a:gridCol>
+              </a:tblGrid>
+              <a:tr h="210207">
+                <a:tc>
+                  <a:txBody>
+                    <a:bodyPr/>
+                    <a:lstStyle/>
+                    <a:p>
+                      <a:pPr algn="ctr"/>
+                      <a:r>
+                        <a:rPr lang="en-US" sz="900" dirty="0">
+                          <a:latin typeface="Calibri" panose="020F0502020204030204" pitchFamily="34" charset="0"/>
+                          <a:cs typeface="Calibri" panose="020F0502020204030204" pitchFamily="34" charset="0"/>
+                        </a:rPr>
+                        <a:t>24134</a:t>
+                      </a:r>
+                    </a:p>
+                  </a:txBody>
+                  <a:tcPr/>
+                </a:tc>
+                <a:extLst>
+                  <a:ext uri="{0D108BD9-81ED-4DB2-BD59-A6C34878D82A}">
+                    <a16:rowId xmlns:a16="http://schemas.microsoft.com/office/drawing/2014/main" val="4242948545"/>
+                  </a:ext>
+                </a:extLst>
+              </a:tr>
+              <a:tr h="210207">
+                <a:tc>
+                  <a:txBody>
+                    <a:bodyPr/>
+                    <a:lstStyle/>
+                    <a:p>
+                      <a:pPr algn="ctr"/>
+                      <a:r>
+                        <a:rPr lang="en-US" sz="900" dirty="0">
+                          <a:latin typeface="Calibri" panose="020F0502020204030204" pitchFamily="34" charset="0"/>
+                          <a:cs typeface="Calibri" panose="020F0502020204030204" pitchFamily="34" charset="0"/>
+                        </a:rPr>
+                        <a:t>TS-LABEL</a:t>
+                      </a:r>
+                    </a:p>
+                  </a:txBody>
+                  <a:tcPr/>
+                </a:tc>
+                <a:extLst>
+                  <a:ext uri="{0D108BD9-81ED-4DB2-BD59-A6C34878D82A}">
+                    <a16:rowId xmlns:a16="http://schemas.microsoft.com/office/drawing/2014/main" val="939696830"/>
+                  </a:ext>
+                </a:extLst>
+              </a:tr>
+              <a:tr h="336332">
+                <a:tc>
+                  <a:txBody>
+                    <a:bodyPr/>
+                    <a:lstStyle/>
+                    <a:p>
+                      <a:pPr algn="ctr"/>
+                      <a:r>
+                        <a:rPr lang="en-US" sz="900" dirty="0">
+                          <a:latin typeface="Calibri" panose="020F0502020204030204" pitchFamily="34" charset="0"/>
+                          <a:cs typeface="Calibri" panose="020F0502020204030204" pitchFamily="34" charset="0"/>
+                        </a:rPr>
+                        <a:t>IPv4/UDP</a:t>
+                      </a:r>
+                    </a:p>
+                    <a:p>
+                      <a:pPr algn="ctr"/>
+                      <a:r>
+                        <a:rPr lang="en-US" sz="900" dirty="0">
+                          <a:latin typeface="Calibri" panose="020F0502020204030204" pitchFamily="34" charset="0"/>
+                          <a:cs typeface="Calibri" panose="020F0502020204030204" pitchFamily="34" charset="0"/>
+                        </a:rPr>
+                        <a:t>Source: PE4</a:t>
+                      </a:r>
+                    </a:p>
+                    <a:p>
+                      <a:pPr algn="ctr"/>
+                      <a:r>
+                        <a:rPr lang="en-US" sz="900" dirty="0" err="1">
+                          <a:latin typeface="Calibri" panose="020F0502020204030204" pitchFamily="34" charset="0"/>
+                          <a:cs typeface="Calibri" panose="020F0502020204030204" pitchFamily="34" charset="0"/>
+                        </a:rPr>
+                        <a:t>Dest</a:t>
+                      </a:r>
+                      <a:r>
+                        <a:rPr lang="en-US" sz="900" dirty="0">
+                          <a:latin typeface="Calibri" panose="020F0502020204030204" pitchFamily="34" charset="0"/>
+                          <a:cs typeface="Calibri" panose="020F0502020204030204" pitchFamily="34" charset="0"/>
+                        </a:rPr>
+                        <a:t>: PE2</a:t>
+                      </a:r>
+                    </a:p>
+                    <a:p>
+                      <a:pPr algn="ctr"/>
+                      <a:r>
+                        <a:rPr lang="en-US" sz="900" dirty="0">
+                          <a:latin typeface="Calibri" panose="020F0502020204030204" pitchFamily="34" charset="0"/>
+                          <a:cs typeface="Calibri" panose="020F0502020204030204" pitchFamily="34" charset="0"/>
+                        </a:rPr>
+                        <a:t>RFC 5357</a:t>
+                      </a:r>
+                    </a:p>
+                  </a:txBody>
+                  <a:tcPr/>
+                </a:tc>
+                <a:extLst>
+                  <a:ext uri="{0D108BD9-81ED-4DB2-BD59-A6C34878D82A}">
+                    <a16:rowId xmlns:a16="http://schemas.microsoft.com/office/drawing/2014/main" val="1552332999"/>
+                  </a:ext>
+                </a:extLst>
+              </a:tr>
+              <a:tr h="336332">
+                <a:tc>
+                  <a:txBody>
+                    <a:bodyPr/>
+                    <a:lstStyle/>
+                    <a:p>
+                      <a:pPr algn="ctr"/>
+                      <a:r>
+                        <a:rPr lang="en-US" sz="900" dirty="0">
+                          <a:latin typeface="Calibri" panose="020F0502020204030204" pitchFamily="34" charset="0"/>
+                          <a:cs typeface="Calibri" panose="020F0502020204030204" pitchFamily="34" charset="0"/>
+                        </a:rPr>
+                        <a:t>Payload RFC 5357 Timestamp1</a:t>
+                      </a:r>
+                    </a:p>
+                  </a:txBody>
+                  <a:tcPr>
+                    <a:solidFill>
+                      <a:schemeClr val="bg1">
+                        <a:lumMod val="50000"/>
+                        <a:alpha val="20000"/>
+                      </a:schemeClr>
+                    </a:solidFill>
+                  </a:tcPr>
+                </a:tc>
+                <a:extLst>
+                  <a:ext uri="{0D108BD9-81ED-4DB2-BD59-A6C34878D82A}">
+                    <a16:rowId xmlns:a16="http://schemas.microsoft.com/office/drawing/2014/main" val="578274851"/>
+                  </a:ext>
+                </a:extLst>
+              </a:tr>
+            </a:tbl>
+          </a:graphicData>
+        </a:graphic>
+      </p:graphicFrame>
+      <p:graphicFrame>
+        <p:nvGraphicFramePr>
+          <p:cNvPr id="43" name="Table 42">
+            <a:extLst>
+              <a:ext uri="{FF2B5EF4-FFF2-40B4-BE49-F238E27FC236}">
+                <a16:creationId xmlns:a16="http://schemas.microsoft.com/office/drawing/2014/main" id="{EC40E417-0B1E-D34F-BEB3-C4C040CD8F1E}"/>
+              </a:ext>
+            </a:extLst>
+          </p:cNvPr>
+          <p:cNvGraphicFramePr>
+            <a:graphicFrameLocks noGrp="1"/>
+          </p:cNvGraphicFramePr>
+          <p:nvPr>
+            <p:extLst>
+              <p:ext uri="{D42A27DB-BD31-4B8C-83A1-F6EECF244321}">
+                <p14:modId xmlns:p14="http://schemas.microsoft.com/office/powerpoint/2010/main" val="1898415515"/>
+              </p:ext>
+            </p:extLst>
+          </p:nvPr>
+        </p:nvGraphicFramePr>
+        <p:xfrm>
+          <a:off x="5943600" y="1337310"/>
+          <a:ext cx="1156595" cy="1234440"/>
+        </p:xfrm>
+        <a:graphic>
+          <a:graphicData uri="http://schemas.openxmlformats.org/drawingml/2006/table">
+            <a:tbl>
+              <a:tblPr firstRow="1" bandRow="1">
+                <a:tableStyleId>{BDBED569-4797-4DF1-A0F4-6AAB3CD982D8}</a:tableStyleId>
+              </a:tblPr>
+              <a:tblGrid>
+                <a:gridCol w="1156595">
+                  <a:extLst>
+                    <a:ext uri="{9D8B030D-6E8A-4147-A177-3AD203B41FA5}">
+                      <a16:colId xmlns:a16="http://schemas.microsoft.com/office/drawing/2014/main" val="3785564758"/>
+                    </a:ext>
+                  </a:extLst>
+                </a:gridCol>
+              </a:tblGrid>
+              <a:tr h="224854">
+                <a:tc>
+                  <a:txBody>
+                    <a:bodyPr/>
+                    <a:lstStyle/>
+                    <a:p>
+                      <a:pPr algn="ctr"/>
+                      <a:r>
+                        <a:rPr lang="en-US" sz="900" dirty="0">
+                          <a:latin typeface="Calibri" panose="020F0502020204030204" pitchFamily="34" charset="0"/>
+                          <a:cs typeface="Calibri" panose="020F0502020204030204" pitchFamily="34" charset="0"/>
+                        </a:rPr>
+                        <a:t>TS-LABEL</a:t>
+                      </a:r>
+                    </a:p>
+                  </a:txBody>
+                  <a:tcPr/>
+                </a:tc>
+                <a:extLst>
+                  <a:ext uri="{0D108BD9-81ED-4DB2-BD59-A6C34878D82A}">
+                    <a16:rowId xmlns:a16="http://schemas.microsoft.com/office/drawing/2014/main" val="939696830"/>
+                  </a:ext>
+                </a:extLst>
+              </a:tr>
+              <a:tr h="359766">
+                <a:tc>
+                  <a:txBody>
+                    <a:bodyPr/>
+                    <a:lstStyle/>
+                    <a:p>
+                      <a:pPr algn="ctr"/>
+                      <a:r>
+                        <a:rPr lang="en-US" sz="900" dirty="0">
+                          <a:latin typeface="Calibri" panose="020F0502020204030204" pitchFamily="34" charset="0"/>
+                          <a:cs typeface="Calibri" panose="020F0502020204030204" pitchFamily="34" charset="0"/>
+                        </a:rPr>
+                        <a:t>IPv4/UDP</a:t>
+                      </a:r>
+                    </a:p>
+                    <a:p>
+                      <a:pPr algn="ctr"/>
+                      <a:r>
+                        <a:rPr lang="en-US" sz="900" dirty="0">
+                          <a:latin typeface="Calibri" panose="020F0502020204030204" pitchFamily="34" charset="0"/>
+                          <a:cs typeface="Calibri" panose="020F0502020204030204" pitchFamily="34" charset="0"/>
+                        </a:rPr>
+                        <a:t>Source: PE4</a:t>
+                      </a:r>
+                    </a:p>
+                    <a:p>
+                      <a:pPr algn="ctr"/>
+                      <a:r>
+                        <a:rPr lang="en-US" sz="900" dirty="0" err="1">
+                          <a:latin typeface="Calibri" panose="020F0502020204030204" pitchFamily="34" charset="0"/>
+                          <a:cs typeface="Calibri" panose="020F0502020204030204" pitchFamily="34" charset="0"/>
+                        </a:rPr>
+                        <a:t>Dest</a:t>
+                      </a:r>
+                      <a:r>
+                        <a:rPr lang="en-US" sz="900" dirty="0">
+                          <a:latin typeface="Calibri" panose="020F0502020204030204" pitchFamily="34" charset="0"/>
+                          <a:cs typeface="Calibri" panose="020F0502020204030204" pitchFamily="34" charset="0"/>
+                        </a:rPr>
+                        <a:t>: PE2</a:t>
+                      </a:r>
+                    </a:p>
+                    <a:p>
+                      <a:pPr algn="ctr"/>
+                      <a:r>
+                        <a:rPr lang="en-US" sz="900" dirty="0">
+                          <a:latin typeface="Calibri" panose="020F0502020204030204" pitchFamily="34" charset="0"/>
+                          <a:cs typeface="Calibri" panose="020F0502020204030204" pitchFamily="34" charset="0"/>
+                        </a:rPr>
+                        <a:t>RFC 5357</a:t>
+                      </a:r>
+                    </a:p>
+                  </a:txBody>
+                  <a:tcPr/>
+                </a:tc>
+                <a:extLst>
+                  <a:ext uri="{0D108BD9-81ED-4DB2-BD59-A6C34878D82A}">
+                    <a16:rowId xmlns:a16="http://schemas.microsoft.com/office/drawing/2014/main" val="1552332999"/>
+                  </a:ext>
+                </a:extLst>
+              </a:tr>
+              <a:tr h="359766">
+                <a:tc>
+                  <a:txBody>
+                    <a:bodyPr/>
+                    <a:lstStyle/>
+                    <a:p>
+                      <a:pPr algn="ctr"/>
+                      <a:r>
+                        <a:rPr lang="en-US" sz="900" dirty="0">
+                          <a:latin typeface="Calibri" panose="020F0502020204030204" pitchFamily="34" charset="0"/>
+                          <a:cs typeface="Calibri" panose="020F0502020204030204" pitchFamily="34" charset="0"/>
+                        </a:rPr>
+                        <a:t>Payload RFC 5357 Timestamp1</a:t>
+                      </a:r>
+                    </a:p>
+                  </a:txBody>
+                  <a:tcPr>
+                    <a:solidFill>
+                      <a:schemeClr val="bg1">
+                        <a:lumMod val="50000"/>
+                        <a:alpha val="20000"/>
+                      </a:schemeClr>
+                    </a:solidFill>
+                  </a:tcPr>
+                </a:tc>
+                <a:extLst>
+                  <a:ext uri="{0D108BD9-81ED-4DB2-BD59-A6C34878D82A}">
+                    <a16:rowId xmlns:a16="http://schemas.microsoft.com/office/drawing/2014/main" val="578274851"/>
+                  </a:ext>
+                </a:extLst>
+              </a:tr>
+            </a:tbl>
+          </a:graphicData>
+        </a:graphic>
+      </p:graphicFrame>
+      <p:graphicFrame>
+        <p:nvGraphicFramePr>
+          <p:cNvPr id="44" name="Table 43">
+            <a:extLst>
+              <a:ext uri="{FF2B5EF4-FFF2-40B4-BE49-F238E27FC236}">
+                <a16:creationId xmlns:a16="http://schemas.microsoft.com/office/drawing/2014/main" id="{9EF299B1-A382-B840-9CAB-B5081910AEF4}"/>
+              </a:ext>
+            </a:extLst>
+          </p:cNvPr>
+          <p:cNvGraphicFramePr>
+            <a:graphicFrameLocks noGrp="1"/>
+          </p:cNvGraphicFramePr>
+          <p:nvPr>
+            <p:extLst>
+              <p:ext uri="{D42A27DB-BD31-4B8C-83A1-F6EECF244321}">
+                <p14:modId xmlns:p14="http://schemas.microsoft.com/office/powerpoint/2010/main" val="3859234437"/>
+              </p:ext>
+            </p:extLst>
+          </p:nvPr>
+        </p:nvGraphicFramePr>
+        <p:xfrm>
+          <a:off x="1802165" y="3047826"/>
+          <a:ext cx="1099698" cy="1143000"/>
+        </p:xfrm>
+        <a:graphic>
+          <a:graphicData uri="http://schemas.openxmlformats.org/drawingml/2006/table">
+            <a:tbl>
+              <a:tblPr firstRow="1" bandRow="1">
+                <a:tableStyleId>{BDBED569-4797-4DF1-A0F4-6AAB3CD982D8}</a:tableStyleId>
+              </a:tblPr>
+              <a:tblGrid>
+                <a:gridCol w="1099698">
+                  <a:extLst>
+                    <a:ext uri="{9D8B030D-6E8A-4147-A177-3AD203B41FA5}">
+                      <a16:colId xmlns:a16="http://schemas.microsoft.com/office/drawing/2014/main" val="3785564758"/>
+                    </a:ext>
+                  </a:extLst>
+                </a:gridCol>
+              </a:tblGrid>
+              <a:tr h="312891">
+                <a:tc>
+                  <a:txBody>
+                    <a:bodyPr/>
+                    <a:lstStyle/>
+                    <a:p>
+                      <a:pPr algn="ctr"/>
+                      <a:r>
+                        <a:rPr lang="en-US" sz="900" dirty="0">
+                          <a:latin typeface="Calibri" panose="020F0502020204030204" pitchFamily="34" charset="0"/>
+                          <a:cs typeface="Calibri" panose="020F0502020204030204" pitchFamily="34" charset="0"/>
+                        </a:rPr>
+                        <a:t>IPv4/UDP</a:t>
+                      </a:r>
+                    </a:p>
+                    <a:p>
+                      <a:pPr algn="ctr"/>
+                      <a:r>
+                        <a:rPr lang="en-US" sz="900" dirty="0">
+                          <a:latin typeface="Calibri" panose="020F0502020204030204" pitchFamily="34" charset="0"/>
+                          <a:cs typeface="Calibri" panose="020F0502020204030204" pitchFamily="34" charset="0"/>
+                        </a:rPr>
+                        <a:t>Source: PE4</a:t>
+                      </a:r>
+                    </a:p>
+                    <a:p>
+                      <a:pPr algn="ctr"/>
+                      <a:r>
+                        <a:rPr lang="en-US" sz="900" dirty="0" err="1">
+                          <a:latin typeface="Calibri" panose="020F0502020204030204" pitchFamily="34" charset="0"/>
+                          <a:cs typeface="Calibri" panose="020F0502020204030204" pitchFamily="34" charset="0"/>
+                        </a:rPr>
+                        <a:t>Dest</a:t>
+                      </a:r>
+                      <a:r>
+                        <a:rPr lang="en-US" sz="900" dirty="0">
+                          <a:latin typeface="Calibri" panose="020F0502020204030204" pitchFamily="34" charset="0"/>
+                          <a:cs typeface="Calibri" panose="020F0502020204030204" pitchFamily="34" charset="0"/>
+                        </a:rPr>
+                        <a:t>: PE2</a:t>
+                      </a:r>
+                    </a:p>
+                    <a:p>
+                      <a:pPr algn="ctr"/>
+                      <a:r>
+                        <a:rPr lang="en-US" sz="900" dirty="0">
+                          <a:latin typeface="Calibri" panose="020F0502020204030204" pitchFamily="34" charset="0"/>
+                          <a:cs typeface="Calibri" panose="020F0502020204030204" pitchFamily="34" charset="0"/>
+                        </a:rPr>
+                        <a:t>RFC 5357</a:t>
+                      </a:r>
+                    </a:p>
+                  </a:txBody>
+                  <a:tcPr/>
+                </a:tc>
+                <a:extLst>
+                  <a:ext uri="{0D108BD9-81ED-4DB2-BD59-A6C34878D82A}">
+                    <a16:rowId xmlns:a16="http://schemas.microsoft.com/office/drawing/2014/main" val="1552332999"/>
+                  </a:ext>
+                </a:extLst>
+              </a:tr>
+              <a:tr h="430225">
+                <a:tc>
+                  <a:txBody>
+                    <a:bodyPr/>
+                    <a:lstStyle/>
+                    <a:p>
+                      <a:pPr algn="ctr"/>
+                      <a:r>
+                        <a:rPr lang="en-US" sz="900" dirty="0">
+                          <a:latin typeface="Calibri" panose="020F0502020204030204" pitchFamily="34" charset="0"/>
+                          <a:cs typeface="Calibri" panose="020F0502020204030204" pitchFamily="34" charset="0"/>
+                        </a:rPr>
+                        <a:t>Payload RFC 5357 Timestamp1, Timestamp2</a:t>
+                      </a:r>
+                    </a:p>
+                  </a:txBody>
+                  <a:tcPr>
+                    <a:solidFill>
+                      <a:schemeClr val="bg1">
+                        <a:lumMod val="50000"/>
+                        <a:alpha val="20000"/>
+                      </a:schemeClr>
+                    </a:solidFill>
+                  </a:tcPr>
+                </a:tc>
+                <a:extLst>
+                  <a:ext uri="{0D108BD9-81ED-4DB2-BD59-A6C34878D82A}">
+                    <a16:rowId xmlns:a16="http://schemas.microsoft.com/office/drawing/2014/main" val="578274851"/>
+                  </a:ext>
+                </a:extLst>
+              </a:tr>
+            </a:tbl>
+          </a:graphicData>
+        </a:graphic>
+      </p:graphicFrame>
+      <p:graphicFrame>
+        <p:nvGraphicFramePr>
+          <p:cNvPr id="60" name="Table 59">
+            <a:extLst>
+              <a:ext uri="{FF2B5EF4-FFF2-40B4-BE49-F238E27FC236}">
+                <a16:creationId xmlns:a16="http://schemas.microsoft.com/office/drawing/2014/main" id="{CE696EDB-9F02-EA4B-81B6-8814BB81186B}"/>
+              </a:ext>
+            </a:extLst>
+          </p:cNvPr>
+          <p:cNvGraphicFramePr>
+            <a:graphicFrameLocks noGrp="1"/>
+          </p:cNvGraphicFramePr>
+          <p:nvPr>
+            <p:extLst>
+              <p:ext uri="{D42A27DB-BD31-4B8C-83A1-F6EECF244321}">
+                <p14:modId xmlns:p14="http://schemas.microsoft.com/office/powerpoint/2010/main" val="1308390019"/>
+              </p:ext>
+            </p:extLst>
+          </p:nvPr>
+        </p:nvGraphicFramePr>
+        <p:xfrm>
+          <a:off x="5944592" y="3033640"/>
+          <a:ext cx="1155603" cy="1143000"/>
+        </p:xfrm>
+        <a:graphic>
+          <a:graphicData uri="http://schemas.openxmlformats.org/drawingml/2006/table">
+            <a:tbl>
+              <a:tblPr firstRow="1" bandRow="1">
+                <a:tableStyleId>{BDBED569-4797-4DF1-A0F4-6AAB3CD982D8}</a:tableStyleId>
+              </a:tblPr>
+              <a:tblGrid>
+                <a:gridCol w="1155603">
+                  <a:extLst>
+                    <a:ext uri="{9D8B030D-6E8A-4147-A177-3AD203B41FA5}">
+                      <a16:colId xmlns:a16="http://schemas.microsoft.com/office/drawing/2014/main" val="3785564758"/>
+                    </a:ext>
+                  </a:extLst>
+                </a:gridCol>
+              </a:tblGrid>
+              <a:tr h="348539">
+                <a:tc>
+                  <a:txBody>
+                    <a:bodyPr/>
+                    <a:lstStyle/>
+                    <a:p>
+                      <a:pPr algn="ctr"/>
+                      <a:r>
+                        <a:rPr lang="en-US" sz="900" dirty="0">
+                          <a:latin typeface="Calibri" panose="020F0502020204030204" pitchFamily="34" charset="0"/>
+                          <a:cs typeface="Calibri" panose="020F0502020204030204" pitchFamily="34" charset="0"/>
+                        </a:rPr>
+                        <a:t>IPv4/UDP</a:t>
+                      </a:r>
+                    </a:p>
+                    <a:p>
+                      <a:pPr algn="ctr"/>
+                      <a:r>
+                        <a:rPr lang="en-US" sz="900" dirty="0">
+                          <a:latin typeface="Calibri" panose="020F0502020204030204" pitchFamily="34" charset="0"/>
+                          <a:cs typeface="Calibri" panose="020F0502020204030204" pitchFamily="34" charset="0"/>
+                        </a:rPr>
+                        <a:t>Source: PE4</a:t>
+                      </a:r>
+                    </a:p>
+                    <a:p>
+                      <a:pPr algn="ctr"/>
+                      <a:r>
+                        <a:rPr lang="en-US" sz="900" dirty="0" err="1">
+                          <a:latin typeface="Calibri" panose="020F0502020204030204" pitchFamily="34" charset="0"/>
+                          <a:cs typeface="Calibri" panose="020F0502020204030204" pitchFamily="34" charset="0"/>
+                        </a:rPr>
+                        <a:t>Dest</a:t>
+                      </a:r>
+                      <a:r>
+                        <a:rPr lang="en-US" sz="900" dirty="0">
+                          <a:latin typeface="Calibri" panose="020F0502020204030204" pitchFamily="34" charset="0"/>
+                          <a:cs typeface="Calibri" panose="020F0502020204030204" pitchFamily="34" charset="0"/>
+                        </a:rPr>
+                        <a:t>: PE2</a:t>
+                      </a:r>
+                    </a:p>
+                    <a:p>
+                      <a:pPr algn="ctr"/>
+                      <a:r>
+                        <a:rPr lang="en-US" sz="900" dirty="0">
+                          <a:latin typeface="Calibri" panose="020F0502020204030204" pitchFamily="34" charset="0"/>
+                          <a:cs typeface="Calibri" panose="020F0502020204030204" pitchFamily="34" charset="0"/>
+                        </a:rPr>
+                        <a:t>RFC 5357</a:t>
+                      </a:r>
+                    </a:p>
+                  </a:txBody>
+                  <a:tcPr/>
+                </a:tc>
+                <a:extLst>
+                  <a:ext uri="{0D108BD9-81ED-4DB2-BD59-A6C34878D82A}">
+                    <a16:rowId xmlns:a16="http://schemas.microsoft.com/office/drawing/2014/main" val="1552332999"/>
+                  </a:ext>
+                </a:extLst>
+              </a:tr>
+              <a:tr h="479242">
+                <a:tc>
+                  <a:txBody>
+                    <a:bodyPr/>
+                    <a:lstStyle/>
+                    <a:p>
+                      <a:pPr algn="ctr"/>
+                      <a:r>
+                        <a:rPr lang="en-US" sz="900" dirty="0">
+                          <a:latin typeface="Calibri" panose="020F0502020204030204" pitchFamily="34" charset="0"/>
+                          <a:cs typeface="Calibri" panose="020F0502020204030204" pitchFamily="34" charset="0"/>
+                        </a:rPr>
+                        <a:t>Payload RFC 5357 Timestamp1, </a:t>
+                      </a:r>
+                      <a:r>
+                        <a:rPr lang="en-US" sz="900" b="1" dirty="0">
+                          <a:solidFill>
+                            <a:srgbClr val="7030A0"/>
+                          </a:solidFill>
+                          <a:latin typeface="Calibri" panose="020F0502020204030204" pitchFamily="34" charset="0"/>
+                          <a:cs typeface="Calibri" panose="020F0502020204030204" pitchFamily="34" charset="0"/>
+                        </a:rPr>
+                        <a:t>Timestamp2</a:t>
+                      </a:r>
+                    </a:p>
+                  </a:txBody>
+                  <a:tcPr>
+                    <a:solidFill>
+                      <a:schemeClr val="bg1">
+                        <a:lumMod val="50000"/>
+                        <a:alpha val="20000"/>
+                      </a:schemeClr>
+                    </a:solidFill>
+                  </a:tcPr>
+                </a:tc>
+                <a:extLst>
+                  <a:ext uri="{0D108BD9-81ED-4DB2-BD59-A6C34878D82A}">
+                    <a16:rowId xmlns:a16="http://schemas.microsoft.com/office/drawing/2014/main" val="578274851"/>
+                  </a:ext>
+                </a:extLst>
+              </a:tr>
+            </a:tbl>
+          </a:graphicData>
+        </a:graphic>
+      </p:graphicFrame>
+      <p:sp>
+        <p:nvSpPr>
+          <p:cNvPr id="35" name="Curved Left Arrow 34">
+            <a:extLst>
+              <a:ext uri="{FF2B5EF4-FFF2-40B4-BE49-F238E27FC236}">
+                <a16:creationId xmlns:a16="http://schemas.microsoft.com/office/drawing/2014/main" id="{7F473AA6-C228-2A4D-8CF1-3689FFFB1B2C}"/>
+              </a:ext>
+            </a:extLst>
+          </p:cNvPr>
+          <p:cNvSpPr/>
+          <p:nvPr/>
+        </p:nvSpPr>
+        <p:spPr>
+          <a:xfrm>
+            <a:off x="7442766" y="1967743"/>
+            <a:ext cx="527467" cy="1676400"/>
+          </a:xfrm>
+          <a:prstGeom prst="curvedLeftArrow">
+            <a:avLst>
+              <a:gd name="adj1" fmla="val 25000"/>
+              <a:gd name="adj2" fmla="val 50000"/>
+              <a:gd name="adj3" fmla="val 30488"/>
+            </a:avLst>
+          </a:prstGeom>
+          <a:solidFill>
+            <a:srgbClr val="7030A0"/>
+          </a:solidFill>
+          <a:ln>
+            <a:noFill/>
+          </a:ln>
+          <a:effectLst/>
+        </p:spPr>
+        <p:style>
+          <a:lnRef idx="2">
+            <a:schemeClr val="accent1">
+              <a:shade val="50000"/>
+            </a:schemeClr>
+          </a:lnRef>
+          <a:fillRef idx="1">
+            <a:schemeClr val="accent1"/>
+          </a:fillRef>
+          <a:effectRef idx="0">
+            <a:schemeClr val="accent1"/>
+          </a:effectRef>
+          <a:fontRef idx="minor">
+            <a:schemeClr val="lt1"/>
+          </a:fontRef>
+        </p:style>
+        <p:txBody>
+          <a:bodyPr rtlCol="0" anchor="ctr"/>
+          <a:lstStyle/>
+          <a:p>
+            <a:pPr algn="ctr"/>
+            <a:endParaRPr lang="en-US" dirty="0">
+              <a:solidFill>
+                <a:schemeClr val="tx1"/>
+              </a:solidFill>
+            </a:endParaRPr>
+          </a:p>
+        </p:txBody>
+      </p:sp>
+      <p:sp>
+        <p:nvSpPr>
+          <p:cNvPr id="22" name="Footer Placeholder 3">
+            <a:extLst>
+              <a:ext uri="{FF2B5EF4-FFF2-40B4-BE49-F238E27FC236}">
+                <a16:creationId xmlns:a16="http://schemas.microsoft.com/office/drawing/2014/main" id="{2ADAD4B5-AD36-964A-A4C4-2323190D1807}"/>
+              </a:ext>
+            </a:extLst>
+          </p:cNvPr>
+          <p:cNvSpPr>
+            <a:spLocks noGrp="1"/>
+          </p:cNvSpPr>
+          <p:nvPr>
+            <p:ph type="ftr" sz="quarter" idx="11"/>
+          </p:nvPr>
+        </p:nvSpPr>
+        <p:spPr>
+          <a:xfrm>
+            <a:off x="3124200" y="4814279"/>
+            <a:ext cx="2895600" cy="357188"/>
+          </a:xfrm>
+        </p:spPr>
+        <p:txBody>
+          <a:bodyPr/>
+          <a:lstStyle/>
+          <a:p>
+            <a:r>
+              <a:rPr lang="en-CA" dirty="0"/>
+              <a:t>IETF MPLS WG Interim – April 2020 </a:t>
+            </a:r>
+          </a:p>
+        </p:txBody>
+      </p:sp>
+    </p:spTree>
+    <p:extLst>
+      <p:ext uri="{BB962C8B-B14F-4D97-AF65-F5344CB8AC3E}">
+        <p14:creationId xmlns:p14="http://schemas.microsoft.com/office/powerpoint/2010/main" val="1897959113"/>
+      </p:ext>
+    </p:extLst>
+  </p:cSld>
+  <p:clrMapOvr>
+    <a:masterClrMapping/>
+  </p:clrMapOvr>
+</p:sld>
+</file>
+
+<file path=ppt/slides/slide16.xml><?xml version="1.0" encoding="utf-8"?>
+<p:sld xmlns:a="http://schemas.openxmlformats.org/drawingml/2006/main" xmlns:r="http://schemas.openxmlformats.org/officeDocument/2006/relationships" xmlns:p="http://schemas.openxmlformats.org/presentationml/2006/main">
+  <p:cSld>
+    <p:spTree>
+      <p:nvGrpSpPr>
+        <p:cNvPr id="1" name=""/>
+        <p:cNvGrpSpPr/>
+        <p:nvPr/>
+      </p:nvGrpSpPr>
+      <p:grpSpPr>
+        <a:xfrm>
+          <a:off x="0" y="0"/>
+          <a:ext cx="0" cy="0"/>
+          <a:chOff x="0" y="0"/>
+          <a:chExt cx="0" cy="0"/>
+        </a:xfrm>
+      </p:grpSpPr>
+      <p:sp>
+        <p:nvSpPr>
+          <p:cNvPr id="2" name="Title 1"/>
+          <p:cNvSpPr>
+            <a:spLocks noGrp="1"/>
+          </p:cNvSpPr>
+          <p:nvPr>
+            <p:ph type="title"/>
+          </p:nvPr>
+        </p:nvSpPr>
+        <p:spPr>
+          <a:xfrm>
+            <a:off x="191719" y="6821"/>
+            <a:ext cx="8839200" cy="788887"/>
+          </a:xfrm>
+        </p:spPr>
+        <p:txBody>
+          <a:bodyPr/>
+          <a:lstStyle/>
+          <a:p>
+            <a:r>
+              <a:rPr lang="en-US" sz="2600" dirty="0">
+                <a:solidFill>
+                  <a:srgbClr val="0070C0"/>
+                </a:solidFill>
+                <a:latin typeface="Calibri Light" panose="020F0302020204030204" pitchFamily="34" charset="0"/>
+                <a:cs typeface="Calibri Light" panose="020F0302020204030204" pitchFamily="34" charset="0"/>
+              </a:rPr>
+              <a:t>Enhanced Loopback Mode for SR-MPLS Policy – SR Return Path</a:t>
+            </a:r>
+            <a:endParaRPr lang="en-US" sz="2600" b="0" dirty="0">
+              <a:solidFill>
+                <a:srgbClr val="0070C0"/>
+              </a:solidFill>
+              <a:latin typeface="Calibri Light" panose="020F0302020204030204" pitchFamily="34" charset="0"/>
+              <a:cs typeface="Calibri Light" panose="020F0302020204030204" pitchFamily="34" charset="0"/>
+            </a:endParaRPr>
+          </a:p>
+        </p:txBody>
+      </p:sp>
+      <p:sp>
+        <p:nvSpPr>
+          <p:cNvPr id="50" name="Right Arrow 49"/>
+          <p:cNvSpPr/>
+          <p:nvPr/>
+        </p:nvSpPr>
+        <p:spPr>
+          <a:xfrm>
+            <a:off x="2988460" y="1184460"/>
+            <a:ext cx="466385" cy="127022"/>
+          </a:xfrm>
+          <a:prstGeom prst="rightArrow">
+            <a:avLst/>
+          </a:prstGeom>
+          <a:solidFill>
+            <a:srgbClr val="FA661C"/>
+          </a:solidFill>
+          <a:ln w="9525">
+            <a:solidFill>
+              <a:srgbClr val="FA661C"/>
+            </a:solidFill>
+            <a:headEnd type="none" w="med" len="med"/>
+            <a:tailEnd type="triangle" w="med" len="med"/>
+          </a:ln>
+          <a:effectLst/>
+        </p:spPr>
+        <p:style>
+          <a:lnRef idx="2">
+            <a:schemeClr val="accent1">
+              <a:shade val="50000"/>
+            </a:schemeClr>
+          </a:lnRef>
+          <a:fillRef idx="1">
+            <a:schemeClr val="accent1"/>
+          </a:fillRef>
+          <a:effectRef idx="0">
+            <a:schemeClr val="accent1"/>
+          </a:effectRef>
+          <a:fontRef idx="minor">
+            <a:schemeClr val="lt1"/>
+          </a:fontRef>
+        </p:style>
+        <p:txBody>
+          <a:bodyPr rtlCol="0" anchor="ctr"/>
+          <a:lstStyle/>
+          <a:p>
+            <a:pPr algn="ctr"/>
+            <a:endParaRPr lang="en-US" sz="900"/>
+          </a:p>
+        </p:txBody>
+      </p:sp>
+      <p:cxnSp>
+        <p:nvCxnSpPr>
+          <p:cNvPr id="23" name="Conector recto de flecha 27"/>
+          <p:cNvCxnSpPr>
+            <a:cxnSpLocks/>
+            <a:stCxn id="41" idx="3"/>
+            <a:endCxn id="58" idx="1"/>
+          </p:cNvCxnSpPr>
+          <p:nvPr/>
+        </p:nvCxnSpPr>
+        <p:spPr>
+          <a:xfrm>
+            <a:off x="1674039" y="2798050"/>
+            <a:ext cx="5546322" cy="17153"/>
+          </a:xfrm>
+          <a:prstGeom prst="straightConnector1">
+            <a:avLst/>
+          </a:prstGeom>
+          <a:ln w="31750">
+            <a:solidFill>
+              <a:srgbClr val="00B0F0"/>
+            </a:solidFill>
+            <a:prstDash val="solid"/>
+            <a:headEnd type="none"/>
+            <a:tailEnd type="none"/>
+          </a:ln>
+        </p:spPr>
+        <p:style>
+          <a:lnRef idx="1">
+            <a:schemeClr val="accent1"/>
+          </a:lnRef>
+          <a:fillRef idx="0">
+            <a:schemeClr val="accent1"/>
+          </a:fillRef>
+          <a:effectRef idx="0">
+            <a:schemeClr val="accent1"/>
+          </a:effectRef>
+          <a:fontRef idx="minor">
+            <a:schemeClr val="tx1"/>
+          </a:fontRef>
+        </p:style>
+      </p:cxnSp>
+      <p:sp>
+        <p:nvSpPr>
+          <p:cNvPr id="3" name="TextBox 2"/>
+          <p:cNvSpPr txBox="1"/>
+          <p:nvPr/>
+        </p:nvSpPr>
+        <p:spPr>
+          <a:xfrm>
+            <a:off x="2894264" y="989546"/>
+            <a:ext cx="838691" cy="230832"/>
+          </a:xfrm>
+          <a:prstGeom prst="rect">
+            <a:avLst/>
+          </a:prstGeom>
+          <a:noFill/>
+        </p:spPr>
+        <p:txBody>
+          <a:bodyPr wrap="none" rtlCol="0">
+            <a:spAutoFit/>
+          </a:bodyPr>
+          <a:lstStyle/>
+          <a:p>
+            <a:r>
+              <a:rPr lang="en-US" sz="900" dirty="0"/>
+              <a:t>Probe Query</a:t>
+            </a:r>
+          </a:p>
+        </p:txBody>
+      </p:sp>
+      <p:sp>
+        <p:nvSpPr>
+          <p:cNvPr id="38" name="Right Arrow 37"/>
+          <p:cNvSpPr/>
+          <p:nvPr/>
+        </p:nvSpPr>
+        <p:spPr>
+          <a:xfrm rot="10800000">
+            <a:off x="5400355" y="3300911"/>
+            <a:ext cx="466385" cy="127022"/>
+          </a:xfrm>
+          <a:prstGeom prst="rightArrow">
+            <a:avLst/>
+          </a:prstGeom>
+          <a:solidFill>
+            <a:srgbClr val="FA661C"/>
+          </a:solidFill>
+          <a:ln w="9525">
+            <a:solidFill>
+              <a:srgbClr val="FA661C"/>
+            </a:solidFill>
+            <a:headEnd type="none" w="med" len="med"/>
+            <a:tailEnd type="triangle" w="med" len="med"/>
+          </a:ln>
+          <a:effectLst/>
+        </p:spPr>
+        <p:style>
+          <a:lnRef idx="2">
+            <a:schemeClr val="accent1">
+              <a:shade val="50000"/>
+            </a:schemeClr>
+          </a:lnRef>
+          <a:fillRef idx="1">
+            <a:schemeClr val="accent1"/>
+          </a:fillRef>
+          <a:effectRef idx="0">
+            <a:schemeClr val="accent1"/>
+          </a:effectRef>
+          <a:fontRef idx="minor">
+            <a:schemeClr val="lt1"/>
+          </a:fontRef>
+        </p:style>
+        <p:txBody>
+          <a:bodyPr rtlCol="0" anchor="ctr"/>
+          <a:lstStyle/>
+          <a:p>
+            <a:pPr algn="ctr"/>
+            <a:endParaRPr lang="en-US" sz="900"/>
+          </a:p>
+        </p:txBody>
+      </p:sp>
+      <p:sp>
+        <p:nvSpPr>
+          <p:cNvPr id="53" name="TextBox 52"/>
+          <p:cNvSpPr txBox="1"/>
+          <p:nvPr/>
+        </p:nvSpPr>
+        <p:spPr>
+          <a:xfrm>
+            <a:off x="5178942" y="3115371"/>
+            <a:ext cx="819455" cy="230832"/>
+          </a:xfrm>
+          <a:prstGeom prst="rect">
+            <a:avLst/>
+          </a:prstGeom>
+          <a:noFill/>
+        </p:spPr>
+        <p:txBody>
+          <a:bodyPr wrap="none" rtlCol="0">
+            <a:spAutoFit/>
+          </a:bodyPr>
+          <a:lstStyle/>
+          <a:p>
+            <a:r>
+              <a:rPr lang="en-US" sz="900" dirty="0"/>
+              <a:t>Probe Reply</a:t>
+            </a:r>
+          </a:p>
+        </p:txBody>
+      </p:sp>
+      <p:grpSp>
+        <p:nvGrpSpPr>
+          <p:cNvPr id="32" name="Group 31">
+            <a:extLst>
+              <a:ext uri="{FF2B5EF4-FFF2-40B4-BE49-F238E27FC236}">
+                <a16:creationId xmlns:a16="http://schemas.microsoft.com/office/drawing/2014/main" id="{02562B6D-39F1-3B44-8CE3-8A7F5BB9258F}"/>
+              </a:ext>
+            </a:extLst>
+          </p:cNvPr>
+          <p:cNvGrpSpPr/>
+          <p:nvPr/>
+        </p:nvGrpSpPr>
+        <p:grpSpPr>
+          <a:xfrm>
+            <a:off x="1152482" y="2539784"/>
+            <a:ext cx="521557" cy="516532"/>
+            <a:chOff x="1965275" y="975597"/>
+            <a:chExt cx="822419" cy="654514"/>
+          </a:xfrm>
+        </p:grpSpPr>
+        <p:pic>
+          <p:nvPicPr>
+            <p:cNvPr id="41" name="Picture 6" descr="C:\Users\ecoffey\AppData\Local\Temp\Rar$DRa0.583\Cisco Icons November\30067_Device_router_3057\Png_256\30067_Device_router_3057_unknown_256.png">
+              <a:extLst>
+                <a:ext uri="{FF2B5EF4-FFF2-40B4-BE49-F238E27FC236}">
+                  <a16:creationId xmlns:a16="http://schemas.microsoft.com/office/drawing/2014/main" id="{5AAE98F9-A069-C048-B3D5-55E7B9B5FEF4}"/>
+                </a:ext>
+              </a:extLst>
+            </p:cNvPr>
+            <p:cNvPicPr>
+              <a:picLocks noChangeAspect="1" noChangeArrowheads="1"/>
+            </p:cNvPicPr>
+            <p:nvPr/>
+          </p:nvPicPr>
+          <p:blipFill>
+            <a:blip r:embed="rId3">
+              <a:extLst>
+                <a:ext uri="{28A0092B-C50C-407E-A947-70E740481C1C}">
+                  <a14:useLocalDpi xmlns:a14="http://schemas.microsoft.com/office/drawing/2010/main" val="0"/>
+                </a:ext>
+              </a:extLst>
+            </a:blip>
+            <a:srcRect/>
+            <a:stretch>
+              <a:fillRect/>
+            </a:stretch>
+          </p:blipFill>
+          <p:spPr bwMode="auto">
+            <a:xfrm>
+              <a:off x="1965275" y="975597"/>
+              <a:ext cx="822419" cy="654514"/>
+            </a:xfrm>
+            <a:prstGeom prst="rect">
+              <a:avLst/>
+            </a:prstGeom>
+            <a:noFill/>
+            <a:extLst>
+              <a:ext uri="{909E8E84-426E-40DD-AFC4-6F175D3DCCD1}">
+                <a14:hiddenFill xmlns:a14="http://schemas.microsoft.com/office/drawing/2010/main">
+                  <a:solidFill>
+                    <a:srgbClr val="FFFFFF"/>
+                  </a:solidFill>
+                </a14:hiddenFill>
+              </a:ext>
+            </a:extLst>
+          </p:spPr>
+        </p:pic>
+        <p:sp>
+          <p:nvSpPr>
+            <p:cNvPr id="48" name="TextBox 47">
+              <a:extLst>
+                <a:ext uri="{FF2B5EF4-FFF2-40B4-BE49-F238E27FC236}">
+                  <a16:creationId xmlns:a16="http://schemas.microsoft.com/office/drawing/2014/main" id="{7A6D59F3-F912-FC42-98BF-A6B45ADF4A01}"/>
+                </a:ext>
+              </a:extLst>
+            </p:cNvPr>
+            <p:cNvSpPr txBox="1"/>
+            <p:nvPr/>
+          </p:nvSpPr>
+          <p:spPr>
+            <a:xfrm>
+              <a:off x="2004893" y="1273811"/>
+              <a:ext cx="655157" cy="331494"/>
+            </a:xfrm>
+            <a:prstGeom prst="rect">
+              <a:avLst/>
+            </a:prstGeom>
+            <a:noFill/>
+          </p:spPr>
+          <p:txBody>
+            <a:bodyPr wrap="none" rtlCol="0">
+              <a:spAutoFit/>
+            </a:bodyPr>
+            <a:lstStyle/>
+            <a:p>
+              <a:r>
+                <a:rPr lang="en-US" sz="1100" b="1" dirty="0">
+                  <a:solidFill>
+                    <a:schemeClr val="bg2">
+                      <a:lumMod val="95000"/>
+                    </a:schemeClr>
+                  </a:solidFill>
+                </a:rPr>
+                <a:t>2 PE</a:t>
+              </a:r>
+            </a:p>
+          </p:txBody>
+        </p:sp>
+      </p:grpSp>
+      <p:grpSp>
+        <p:nvGrpSpPr>
+          <p:cNvPr id="49" name="Group 48">
+            <a:extLst>
+              <a:ext uri="{FF2B5EF4-FFF2-40B4-BE49-F238E27FC236}">
+                <a16:creationId xmlns:a16="http://schemas.microsoft.com/office/drawing/2014/main" id="{AB14E505-92DC-4849-830C-BAD0107D61A9}"/>
+              </a:ext>
+            </a:extLst>
+          </p:cNvPr>
+          <p:cNvGrpSpPr/>
+          <p:nvPr/>
+        </p:nvGrpSpPr>
+        <p:grpSpPr>
+          <a:xfrm>
+            <a:off x="4099396" y="2563819"/>
+            <a:ext cx="521557" cy="516532"/>
+            <a:chOff x="1965275" y="975597"/>
+            <a:chExt cx="822419" cy="654514"/>
+          </a:xfrm>
+        </p:grpSpPr>
+        <p:pic>
+          <p:nvPicPr>
+            <p:cNvPr id="51" name="Picture 6" descr="C:\Users\ecoffey\AppData\Local\Temp\Rar$DRa0.583\Cisco Icons November\30067_Device_router_3057\Png_256\30067_Device_router_3057_unknown_256.png">
+              <a:extLst>
+                <a:ext uri="{FF2B5EF4-FFF2-40B4-BE49-F238E27FC236}">
+                  <a16:creationId xmlns:a16="http://schemas.microsoft.com/office/drawing/2014/main" id="{41967DC3-7451-394C-B6F3-F196CDB911A1}"/>
+                </a:ext>
+              </a:extLst>
+            </p:cNvPr>
+            <p:cNvPicPr>
+              <a:picLocks noChangeAspect="1" noChangeArrowheads="1"/>
+            </p:cNvPicPr>
+            <p:nvPr/>
+          </p:nvPicPr>
+          <p:blipFill>
+            <a:blip r:embed="rId3">
+              <a:extLst>
+                <a:ext uri="{28A0092B-C50C-407E-A947-70E740481C1C}">
+                  <a14:useLocalDpi xmlns:a14="http://schemas.microsoft.com/office/drawing/2010/main" val="0"/>
+                </a:ext>
+              </a:extLst>
+            </a:blip>
+            <a:srcRect/>
+            <a:stretch>
+              <a:fillRect/>
+            </a:stretch>
+          </p:blipFill>
+          <p:spPr bwMode="auto">
+            <a:xfrm>
+              <a:off x="1965275" y="975597"/>
+              <a:ext cx="822419" cy="654514"/>
+            </a:xfrm>
+            <a:prstGeom prst="rect">
+              <a:avLst/>
+            </a:prstGeom>
+            <a:noFill/>
+            <a:extLst>
+              <a:ext uri="{909E8E84-426E-40DD-AFC4-6F175D3DCCD1}">
+                <a14:hiddenFill xmlns:a14="http://schemas.microsoft.com/office/drawing/2010/main">
+                  <a:solidFill>
+                    <a:srgbClr val="FFFFFF"/>
+                  </a:solidFill>
+                </a14:hiddenFill>
+              </a:ext>
+            </a:extLst>
+          </p:spPr>
+        </p:pic>
+        <p:sp>
+          <p:nvSpPr>
+            <p:cNvPr id="56" name="TextBox 55">
+              <a:extLst>
+                <a:ext uri="{FF2B5EF4-FFF2-40B4-BE49-F238E27FC236}">
+                  <a16:creationId xmlns:a16="http://schemas.microsoft.com/office/drawing/2014/main" id="{14F7ABC0-DF64-F641-82DF-C3A0E22D71C0}"/>
+                </a:ext>
+              </a:extLst>
+            </p:cNvPr>
+            <p:cNvSpPr txBox="1"/>
+            <p:nvPr/>
+          </p:nvSpPr>
+          <p:spPr>
+            <a:xfrm>
+              <a:off x="2154046" y="1274055"/>
+              <a:ext cx="523757" cy="331251"/>
+            </a:xfrm>
+            <a:prstGeom prst="rect">
+              <a:avLst/>
+            </a:prstGeom>
+            <a:noFill/>
+          </p:spPr>
+          <p:txBody>
+            <a:bodyPr wrap="square" rtlCol="0">
+              <a:spAutoFit/>
+            </a:bodyPr>
+            <a:lstStyle/>
+            <a:p>
+              <a:r>
+                <a:rPr lang="en-US" sz="1100" b="1" dirty="0">
+                  <a:solidFill>
+                    <a:schemeClr val="bg2">
+                      <a:lumMod val="95000"/>
+                    </a:schemeClr>
+                  </a:solidFill>
+                </a:rPr>
+                <a:t>3</a:t>
+              </a:r>
+            </a:p>
+          </p:txBody>
+        </p:sp>
+      </p:grpSp>
+      <p:grpSp>
+        <p:nvGrpSpPr>
+          <p:cNvPr id="57" name="Group 56">
+            <a:extLst>
+              <a:ext uri="{FF2B5EF4-FFF2-40B4-BE49-F238E27FC236}">
+                <a16:creationId xmlns:a16="http://schemas.microsoft.com/office/drawing/2014/main" id="{6216C2B6-4251-E04A-A846-6AAC72235997}"/>
+              </a:ext>
+            </a:extLst>
+          </p:cNvPr>
+          <p:cNvGrpSpPr/>
+          <p:nvPr/>
+        </p:nvGrpSpPr>
+        <p:grpSpPr>
+          <a:xfrm>
+            <a:off x="7220361" y="2556937"/>
+            <a:ext cx="521557" cy="516532"/>
+            <a:chOff x="1965275" y="975597"/>
+            <a:chExt cx="822419" cy="654514"/>
+          </a:xfrm>
+        </p:grpSpPr>
+        <p:pic>
+          <p:nvPicPr>
+            <p:cNvPr id="58" name="Picture 6" descr="C:\Users\ecoffey\AppData\Local\Temp\Rar$DRa0.583\Cisco Icons November\30067_Device_router_3057\Png_256\30067_Device_router_3057_unknown_256.png">
+              <a:extLst>
+                <a:ext uri="{FF2B5EF4-FFF2-40B4-BE49-F238E27FC236}">
+                  <a16:creationId xmlns:a16="http://schemas.microsoft.com/office/drawing/2014/main" id="{F8B08FB9-0FD7-1D43-8EE4-3BF53E09C485}"/>
+                </a:ext>
+              </a:extLst>
+            </p:cNvPr>
+            <p:cNvPicPr>
+              <a:picLocks noChangeAspect="1" noChangeArrowheads="1"/>
+            </p:cNvPicPr>
+            <p:nvPr/>
+          </p:nvPicPr>
+          <p:blipFill>
+            <a:blip r:embed="rId3">
+              <a:extLst>
+                <a:ext uri="{28A0092B-C50C-407E-A947-70E740481C1C}">
+                  <a14:useLocalDpi xmlns:a14="http://schemas.microsoft.com/office/drawing/2010/main" val="0"/>
+                </a:ext>
+              </a:extLst>
+            </a:blip>
+            <a:srcRect/>
+            <a:stretch>
+              <a:fillRect/>
+            </a:stretch>
+          </p:blipFill>
+          <p:spPr bwMode="auto">
+            <a:xfrm>
+              <a:off x="1965275" y="975597"/>
+              <a:ext cx="822419" cy="654514"/>
+            </a:xfrm>
+            <a:prstGeom prst="rect">
+              <a:avLst/>
+            </a:prstGeom>
+            <a:noFill/>
+            <a:extLst>
+              <a:ext uri="{909E8E84-426E-40DD-AFC4-6F175D3DCCD1}">
+                <a14:hiddenFill xmlns:a14="http://schemas.microsoft.com/office/drawing/2010/main">
+                  <a:solidFill>
+                    <a:srgbClr val="FFFFFF"/>
+                  </a:solidFill>
+                </a14:hiddenFill>
+              </a:ext>
+            </a:extLst>
+          </p:spPr>
+        </p:pic>
+        <p:sp>
+          <p:nvSpPr>
+            <p:cNvPr id="59" name="TextBox 58">
+              <a:extLst>
+                <a:ext uri="{FF2B5EF4-FFF2-40B4-BE49-F238E27FC236}">
+                  <a16:creationId xmlns:a16="http://schemas.microsoft.com/office/drawing/2014/main" id="{8E2EC502-CCB7-FD44-B00D-EC26B6B49B65}"/>
+                </a:ext>
+              </a:extLst>
+            </p:cNvPr>
+            <p:cNvSpPr txBox="1"/>
+            <p:nvPr/>
+          </p:nvSpPr>
+          <p:spPr>
+            <a:xfrm>
+              <a:off x="2004893" y="1273811"/>
+              <a:ext cx="773983" cy="331494"/>
+            </a:xfrm>
+            <a:prstGeom prst="rect">
+              <a:avLst/>
+            </a:prstGeom>
+            <a:noFill/>
+          </p:spPr>
+          <p:txBody>
+            <a:bodyPr wrap="none" rtlCol="0">
+              <a:spAutoFit/>
+            </a:bodyPr>
+            <a:lstStyle/>
+            <a:p>
+              <a:r>
+                <a:rPr lang="en-US" sz="1100" b="1" dirty="0">
+                  <a:solidFill>
+                    <a:schemeClr val="bg2">
+                      <a:lumMod val="95000"/>
+                    </a:schemeClr>
+                  </a:solidFill>
+                </a:rPr>
+                <a:t>4 PE</a:t>
+              </a:r>
+            </a:p>
+          </p:txBody>
+        </p:sp>
+      </p:grpSp>
+      <p:graphicFrame>
+        <p:nvGraphicFramePr>
+          <p:cNvPr id="42" name="Table 41">
+            <a:extLst>
+              <a:ext uri="{FF2B5EF4-FFF2-40B4-BE49-F238E27FC236}">
+                <a16:creationId xmlns:a16="http://schemas.microsoft.com/office/drawing/2014/main" id="{86720AE7-7765-2040-B90F-D28641A5BEFA}"/>
+              </a:ext>
+            </a:extLst>
+          </p:cNvPr>
+          <p:cNvGraphicFramePr>
+            <a:graphicFrameLocks noGrp="1"/>
+          </p:cNvGraphicFramePr>
+          <p:nvPr>
+            <p:extLst>
+              <p:ext uri="{D42A27DB-BD31-4B8C-83A1-F6EECF244321}">
+                <p14:modId xmlns:p14="http://schemas.microsoft.com/office/powerpoint/2010/main" val="3980084339"/>
+              </p:ext>
+            </p:extLst>
+          </p:nvPr>
+        </p:nvGraphicFramePr>
+        <p:xfrm>
+          <a:off x="1799430" y="996974"/>
+          <a:ext cx="1099698" cy="1691640"/>
+        </p:xfrm>
+        <a:graphic>
+          <a:graphicData uri="http://schemas.openxmlformats.org/drawingml/2006/table">
+            <a:tbl>
+              <a:tblPr firstRow="1" bandRow="1">
+                <a:tableStyleId>{BDBED569-4797-4DF1-A0F4-6AAB3CD982D8}</a:tableStyleId>
+              </a:tblPr>
+              <a:tblGrid>
+                <a:gridCol w="1099698">
+                  <a:extLst>
+                    <a:ext uri="{9D8B030D-6E8A-4147-A177-3AD203B41FA5}">
+                      <a16:colId xmlns:a16="http://schemas.microsoft.com/office/drawing/2014/main" val="3785564758"/>
+                    </a:ext>
+                  </a:extLst>
+                </a:gridCol>
+              </a:tblGrid>
+              <a:tr h="210207">
+                <a:tc>
+                  <a:txBody>
+                    <a:bodyPr/>
+                    <a:lstStyle/>
+                    <a:p>
+                      <a:pPr algn="ctr"/>
+                      <a:r>
+                        <a:rPr lang="en-US" sz="900" dirty="0">
+                          <a:latin typeface="Calibri" panose="020F0502020204030204" pitchFamily="34" charset="0"/>
+                          <a:cs typeface="Calibri" panose="020F0502020204030204" pitchFamily="34" charset="0"/>
+                        </a:rPr>
+                        <a:t>24134</a:t>
+                      </a:r>
+                    </a:p>
+                  </a:txBody>
+                  <a:tcPr/>
+                </a:tc>
+                <a:extLst>
+                  <a:ext uri="{0D108BD9-81ED-4DB2-BD59-A6C34878D82A}">
+                    <a16:rowId xmlns:a16="http://schemas.microsoft.com/office/drawing/2014/main" val="4242948545"/>
+                  </a:ext>
+                </a:extLst>
+              </a:tr>
+              <a:tr h="210207">
+                <a:tc>
+                  <a:txBody>
+                    <a:bodyPr/>
+                    <a:lstStyle/>
+                    <a:p>
+                      <a:pPr algn="ctr"/>
+                      <a:r>
+                        <a:rPr lang="en-US" sz="900" dirty="0">
+                          <a:latin typeface="Calibri" panose="020F0502020204030204" pitchFamily="34" charset="0"/>
+                          <a:cs typeface="Calibri" panose="020F0502020204030204" pitchFamily="34" charset="0"/>
+                        </a:rPr>
+                        <a:t>TS-LABEL</a:t>
+                      </a:r>
+                    </a:p>
+                  </a:txBody>
+                  <a:tcPr/>
+                </a:tc>
+                <a:extLst>
+                  <a:ext uri="{0D108BD9-81ED-4DB2-BD59-A6C34878D82A}">
+                    <a16:rowId xmlns:a16="http://schemas.microsoft.com/office/drawing/2014/main" val="939696830"/>
+                  </a:ext>
+                </a:extLst>
+              </a:tr>
+              <a:tr h="210207">
+                <a:tc>
+                  <a:txBody>
+                    <a:bodyPr/>
+                    <a:lstStyle/>
+                    <a:p>
+                      <a:pPr algn="ctr"/>
+                      <a:r>
+                        <a:rPr lang="en-US" sz="900" dirty="0">
+                          <a:solidFill>
+                            <a:srgbClr val="0070C0"/>
+                          </a:solidFill>
+                          <a:latin typeface="Calibri" panose="020F0502020204030204" pitchFamily="34" charset="0"/>
+                          <a:cs typeface="Calibri" panose="020F0502020204030204" pitchFamily="34" charset="0"/>
+                        </a:rPr>
+                        <a:t>16002 NODE-SID</a:t>
+                      </a:r>
+                    </a:p>
+                  </a:txBody>
+                  <a:tcPr/>
+                </a:tc>
+                <a:extLst>
+                  <a:ext uri="{0D108BD9-81ED-4DB2-BD59-A6C34878D82A}">
+                    <a16:rowId xmlns:a16="http://schemas.microsoft.com/office/drawing/2014/main" val="765048361"/>
+                  </a:ext>
+                </a:extLst>
+              </a:tr>
+              <a:tr h="336332">
+                <a:tc>
+                  <a:txBody>
+                    <a:bodyPr/>
+                    <a:lstStyle/>
+                    <a:p>
+                      <a:pPr algn="ctr"/>
+                      <a:r>
+                        <a:rPr lang="en-US" sz="900" dirty="0">
+                          <a:latin typeface="Calibri" panose="020F0502020204030204" pitchFamily="34" charset="0"/>
+                          <a:cs typeface="Calibri" panose="020F0502020204030204" pitchFamily="34" charset="0"/>
+                        </a:rPr>
+                        <a:t>IPv4/UDP</a:t>
+                      </a:r>
+                    </a:p>
+                    <a:p>
+                      <a:pPr algn="ctr"/>
+                      <a:r>
+                        <a:rPr lang="en-US" sz="900" dirty="0">
+                          <a:latin typeface="Calibri" panose="020F0502020204030204" pitchFamily="34" charset="0"/>
+                          <a:cs typeface="Calibri" panose="020F0502020204030204" pitchFamily="34" charset="0"/>
+                        </a:rPr>
+                        <a:t>Source: PE4</a:t>
+                      </a:r>
+                    </a:p>
+                    <a:p>
+                      <a:pPr algn="ctr"/>
+                      <a:r>
+                        <a:rPr lang="en-US" sz="900" dirty="0" err="1">
+                          <a:latin typeface="Calibri" panose="020F0502020204030204" pitchFamily="34" charset="0"/>
+                          <a:cs typeface="Calibri" panose="020F0502020204030204" pitchFamily="34" charset="0"/>
+                        </a:rPr>
+                        <a:t>Dest</a:t>
+                      </a:r>
+                      <a:r>
+                        <a:rPr lang="en-US" sz="900" dirty="0">
+                          <a:latin typeface="Calibri" panose="020F0502020204030204" pitchFamily="34" charset="0"/>
+                          <a:cs typeface="Calibri" panose="020F0502020204030204" pitchFamily="34" charset="0"/>
+                        </a:rPr>
+                        <a:t>: PE2</a:t>
+                      </a:r>
+                    </a:p>
+                    <a:p>
+                      <a:pPr algn="ctr"/>
+                      <a:r>
+                        <a:rPr lang="en-US" sz="900" dirty="0">
+                          <a:latin typeface="Calibri" panose="020F0502020204030204" pitchFamily="34" charset="0"/>
+                          <a:cs typeface="Calibri" panose="020F0502020204030204" pitchFamily="34" charset="0"/>
+                        </a:rPr>
+                        <a:t>RFC 5357</a:t>
+                      </a:r>
+                    </a:p>
+                  </a:txBody>
+                  <a:tcPr/>
+                </a:tc>
+                <a:extLst>
+                  <a:ext uri="{0D108BD9-81ED-4DB2-BD59-A6C34878D82A}">
+                    <a16:rowId xmlns:a16="http://schemas.microsoft.com/office/drawing/2014/main" val="1552332999"/>
+                  </a:ext>
+                </a:extLst>
+              </a:tr>
+              <a:tr h="336332">
+                <a:tc>
+                  <a:txBody>
+                    <a:bodyPr/>
+                    <a:lstStyle/>
+                    <a:p>
+                      <a:pPr algn="ctr"/>
+                      <a:r>
+                        <a:rPr lang="en-US" sz="900" dirty="0">
+                          <a:latin typeface="Calibri" panose="020F0502020204030204" pitchFamily="34" charset="0"/>
+                          <a:cs typeface="Calibri" panose="020F0502020204030204" pitchFamily="34" charset="0"/>
+                        </a:rPr>
+                        <a:t>Payload RFC 5357 Timestamp1</a:t>
+                      </a:r>
+                    </a:p>
+                  </a:txBody>
+                  <a:tcPr>
+                    <a:solidFill>
+                      <a:schemeClr val="bg1">
+                        <a:lumMod val="50000"/>
+                        <a:alpha val="20000"/>
+                      </a:schemeClr>
+                    </a:solidFill>
+                  </a:tcPr>
+                </a:tc>
+                <a:extLst>
+                  <a:ext uri="{0D108BD9-81ED-4DB2-BD59-A6C34878D82A}">
+                    <a16:rowId xmlns:a16="http://schemas.microsoft.com/office/drawing/2014/main" val="578274851"/>
+                  </a:ext>
+                </a:extLst>
+              </a:tr>
+            </a:tbl>
+          </a:graphicData>
+        </a:graphic>
+      </p:graphicFrame>
+      <p:graphicFrame>
+        <p:nvGraphicFramePr>
+          <p:cNvPr id="43" name="Table 42">
+            <a:extLst>
+              <a:ext uri="{FF2B5EF4-FFF2-40B4-BE49-F238E27FC236}">
+                <a16:creationId xmlns:a16="http://schemas.microsoft.com/office/drawing/2014/main" id="{EC40E417-0B1E-D34F-BEB3-C4C040CD8F1E}"/>
+              </a:ext>
+            </a:extLst>
+          </p:cNvPr>
+          <p:cNvGraphicFramePr>
+            <a:graphicFrameLocks noGrp="1"/>
+          </p:cNvGraphicFramePr>
+          <p:nvPr>
+            <p:extLst>
+              <p:ext uri="{D42A27DB-BD31-4B8C-83A1-F6EECF244321}">
+                <p14:modId xmlns:p14="http://schemas.microsoft.com/office/powerpoint/2010/main" val="1069858720"/>
+              </p:ext>
+            </p:extLst>
+          </p:nvPr>
+        </p:nvGraphicFramePr>
+        <p:xfrm>
+          <a:off x="5943600" y="1200150"/>
+          <a:ext cx="1156595" cy="1463040"/>
+        </p:xfrm>
+        <a:graphic>
+          <a:graphicData uri="http://schemas.openxmlformats.org/drawingml/2006/table">
+            <a:tbl>
+              <a:tblPr firstRow="1" bandRow="1">
+                <a:tableStyleId>{BDBED569-4797-4DF1-A0F4-6AAB3CD982D8}</a:tableStyleId>
+              </a:tblPr>
+              <a:tblGrid>
+                <a:gridCol w="1156595">
+                  <a:extLst>
+                    <a:ext uri="{9D8B030D-6E8A-4147-A177-3AD203B41FA5}">
+                      <a16:colId xmlns:a16="http://schemas.microsoft.com/office/drawing/2014/main" val="3785564758"/>
+                    </a:ext>
+                  </a:extLst>
+                </a:gridCol>
+              </a:tblGrid>
+              <a:tr h="224854">
+                <a:tc>
+                  <a:txBody>
+                    <a:bodyPr/>
+                    <a:lstStyle/>
+                    <a:p>
+                      <a:pPr algn="ctr"/>
+                      <a:r>
+                        <a:rPr lang="en-US" sz="900" dirty="0">
+                          <a:latin typeface="Calibri" panose="020F0502020204030204" pitchFamily="34" charset="0"/>
+                          <a:cs typeface="Calibri" panose="020F0502020204030204" pitchFamily="34" charset="0"/>
+                        </a:rPr>
+                        <a:t>TS-LABEL</a:t>
+                      </a:r>
+                    </a:p>
+                  </a:txBody>
+                  <a:tcPr/>
+                </a:tc>
+                <a:extLst>
+                  <a:ext uri="{0D108BD9-81ED-4DB2-BD59-A6C34878D82A}">
+                    <a16:rowId xmlns:a16="http://schemas.microsoft.com/office/drawing/2014/main" val="939696830"/>
+                  </a:ext>
+                </a:extLst>
+              </a:tr>
+              <a:tr h="224854">
+                <a:tc>
+                  <a:txBody>
+                    <a:bodyPr/>
+                    <a:lstStyle/>
+                    <a:p>
+                      <a:pPr algn="ctr"/>
+                      <a:r>
+                        <a:rPr lang="en-US" sz="900" dirty="0">
+                          <a:solidFill>
+                            <a:srgbClr val="0070C0"/>
+                          </a:solidFill>
+                          <a:latin typeface="Calibri" panose="020F0502020204030204" pitchFamily="34" charset="0"/>
+                          <a:cs typeface="Calibri" panose="020F0502020204030204" pitchFamily="34" charset="0"/>
+                        </a:rPr>
+                        <a:t>NODE-SID 16002</a:t>
+                      </a:r>
+                    </a:p>
+                  </a:txBody>
+                  <a:tcPr/>
+                </a:tc>
+                <a:extLst>
+                  <a:ext uri="{0D108BD9-81ED-4DB2-BD59-A6C34878D82A}">
+                    <a16:rowId xmlns:a16="http://schemas.microsoft.com/office/drawing/2014/main" val="69582965"/>
+                  </a:ext>
+                </a:extLst>
+              </a:tr>
+              <a:tr h="359766">
+                <a:tc>
+                  <a:txBody>
+                    <a:bodyPr/>
+                    <a:lstStyle/>
+                    <a:p>
+                      <a:pPr algn="ctr"/>
+                      <a:r>
+                        <a:rPr lang="en-US" sz="900" dirty="0">
+                          <a:latin typeface="Calibri" panose="020F0502020204030204" pitchFamily="34" charset="0"/>
+                          <a:cs typeface="Calibri" panose="020F0502020204030204" pitchFamily="34" charset="0"/>
+                        </a:rPr>
+                        <a:t>IPv4/UDP</a:t>
+                      </a:r>
+                    </a:p>
+                    <a:p>
+                      <a:pPr algn="ctr"/>
+                      <a:r>
+                        <a:rPr lang="en-US" sz="900" dirty="0">
+                          <a:latin typeface="Calibri" panose="020F0502020204030204" pitchFamily="34" charset="0"/>
+                          <a:cs typeface="Calibri" panose="020F0502020204030204" pitchFamily="34" charset="0"/>
+                        </a:rPr>
+                        <a:t>Source: PE4</a:t>
+                      </a:r>
+                    </a:p>
+                    <a:p>
+                      <a:pPr algn="ctr"/>
+                      <a:r>
+                        <a:rPr lang="en-US" sz="900" dirty="0" err="1">
+                          <a:latin typeface="Calibri" panose="020F0502020204030204" pitchFamily="34" charset="0"/>
+                          <a:cs typeface="Calibri" panose="020F0502020204030204" pitchFamily="34" charset="0"/>
+                        </a:rPr>
+                        <a:t>Dest</a:t>
+                      </a:r>
+                      <a:r>
+                        <a:rPr lang="en-US" sz="900" dirty="0">
+                          <a:latin typeface="Calibri" panose="020F0502020204030204" pitchFamily="34" charset="0"/>
+                          <a:cs typeface="Calibri" panose="020F0502020204030204" pitchFamily="34" charset="0"/>
+                        </a:rPr>
+                        <a:t>: PE2</a:t>
+                      </a:r>
+                    </a:p>
+                    <a:p>
+                      <a:pPr algn="ctr"/>
+                      <a:r>
+                        <a:rPr lang="en-US" sz="900" dirty="0">
+                          <a:latin typeface="Calibri" panose="020F0502020204030204" pitchFamily="34" charset="0"/>
+                          <a:cs typeface="Calibri" panose="020F0502020204030204" pitchFamily="34" charset="0"/>
+                        </a:rPr>
+                        <a:t>RFC 5357</a:t>
+                      </a:r>
+                    </a:p>
+                  </a:txBody>
+                  <a:tcPr/>
+                </a:tc>
+                <a:extLst>
+                  <a:ext uri="{0D108BD9-81ED-4DB2-BD59-A6C34878D82A}">
+                    <a16:rowId xmlns:a16="http://schemas.microsoft.com/office/drawing/2014/main" val="1552332999"/>
+                  </a:ext>
+                </a:extLst>
+              </a:tr>
+              <a:tr h="359766">
+                <a:tc>
+                  <a:txBody>
+                    <a:bodyPr/>
+                    <a:lstStyle/>
+                    <a:p>
+                      <a:pPr algn="ctr"/>
+                      <a:r>
+                        <a:rPr lang="en-US" sz="900" dirty="0">
+                          <a:latin typeface="Calibri" panose="020F0502020204030204" pitchFamily="34" charset="0"/>
+                          <a:cs typeface="Calibri" panose="020F0502020204030204" pitchFamily="34" charset="0"/>
+                        </a:rPr>
+                        <a:t>Payload RFC 5357 Timestamp1</a:t>
+                      </a:r>
+                    </a:p>
+                  </a:txBody>
+                  <a:tcPr>
+                    <a:solidFill>
+                      <a:schemeClr val="bg1">
+                        <a:lumMod val="50000"/>
+                        <a:alpha val="20000"/>
+                      </a:schemeClr>
+                    </a:solidFill>
+                  </a:tcPr>
+                </a:tc>
+                <a:extLst>
+                  <a:ext uri="{0D108BD9-81ED-4DB2-BD59-A6C34878D82A}">
+                    <a16:rowId xmlns:a16="http://schemas.microsoft.com/office/drawing/2014/main" val="578274851"/>
+                  </a:ext>
+                </a:extLst>
+              </a:tr>
+            </a:tbl>
+          </a:graphicData>
+        </a:graphic>
+      </p:graphicFrame>
+      <p:graphicFrame>
+        <p:nvGraphicFramePr>
+          <p:cNvPr id="44" name="Table 43">
+            <a:extLst>
+              <a:ext uri="{FF2B5EF4-FFF2-40B4-BE49-F238E27FC236}">
+                <a16:creationId xmlns:a16="http://schemas.microsoft.com/office/drawing/2014/main" id="{9EF299B1-A382-B840-9CAB-B5081910AEF4}"/>
+              </a:ext>
+            </a:extLst>
+          </p:cNvPr>
+          <p:cNvGraphicFramePr>
+            <a:graphicFrameLocks noGrp="1"/>
+          </p:cNvGraphicFramePr>
+          <p:nvPr>
+            <p:extLst>
+              <p:ext uri="{D42A27DB-BD31-4B8C-83A1-F6EECF244321}">
+                <p14:modId xmlns:p14="http://schemas.microsoft.com/office/powerpoint/2010/main" val="2806076189"/>
+              </p:ext>
+            </p:extLst>
+          </p:nvPr>
+        </p:nvGraphicFramePr>
+        <p:xfrm>
+          <a:off x="1801173" y="3145736"/>
+          <a:ext cx="1099698" cy="1371600"/>
+        </p:xfrm>
+        <a:graphic>
+          <a:graphicData uri="http://schemas.openxmlformats.org/drawingml/2006/table">
+            <a:tbl>
+              <a:tblPr firstRow="1" bandRow="1">
+                <a:tableStyleId>{BDBED569-4797-4DF1-A0F4-6AAB3CD982D8}</a:tableStyleId>
+              </a:tblPr>
+              <a:tblGrid>
+                <a:gridCol w="1099698">
+                  <a:extLst>
+                    <a:ext uri="{9D8B030D-6E8A-4147-A177-3AD203B41FA5}">
+                      <a16:colId xmlns:a16="http://schemas.microsoft.com/office/drawing/2014/main" val="3785564758"/>
+                    </a:ext>
+                  </a:extLst>
+                </a:gridCol>
+              </a:tblGrid>
+              <a:tr h="0">
+                <a:tc>
+                  <a:txBody>
+                    <a:bodyPr/>
+                    <a:lstStyle/>
+                    <a:p>
+                      <a:pPr algn="ctr"/>
+                      <a:r>
+                        <a:rPr lang="en-US" sz="900" dirty="0">
+                          <a:solidFill>
+                            <a:srgbClr val="0070C0"/>
+                          </a:solidFill>
+                          <a:latin typeface="Calibri" panose="020F0502020204030204" pitchFamily="34" charset="0"/>
+                          <a:cs typeface="Calibri" panose="020F0502020204030204" pitchFamily="34" charset="0"/>
+                        </a:rPr>
+                        <a:t>NODE-SID 16002</a:t>
+                      </a:r>
+                    </a:p>
+                  </a:txBody>
+                  <a:tcPr/>
+                </a:tc>
+                <a:extLst>
+                  <a:ext uri="{0D108BD9-81ED-4DB2-BD59-A6C34878D82A}">
+                    <a16:rowId xmlns:a16="http://schemas.microsoft.com/office/drawing/2014/main" val="4212388262"/>
+                  </a:ext>
+                </a:extLst>
+              </a:tr>
+              <a:tr h="312891">
+                <a:tc>
+                  <a:txBody>
+                    <a:bodyPr/>
+                    <a:lstStyle/>
+                    <a:p>
+                      <a:pPr algn="ctr"/>
+                      <a:r>
+                        <a:rPr lang="en-US" sz="900" dirty="0">
+                          <a:latin typeface="Calibri" panose="020F0502020204030204" pitchFamily="34" charset="0"/>
+                          <a:cs typeface="Calibri" panose="020F0502020204030204" pitchFamily="34" charset="0"/>
+                        </a:rPr>
+                        <a:t>IPv4/UDP</a:t>
+                      </a:r>
+                    </a:p>
+                    <a:p>
+                      <a:pPr algn="ctr"/>
+                      <a:r>
+                        <a:rPr lang="en-US" sz="900" dirty="0">
+                          <a:latin typeface="Calibri" panose="020F0502020204030204" pitchFamily="34" charset="0"/>
+                          <a:cs typeface="Calibri" panose="020F0502020204030204" pitchFamily="34" charset="0"/>
+                        </a:rPr>
+                        <a:t>Source: PE4</a:t>
+                      </a:r>
+                    </a:p>
+                    <a:p>
+                      <a:pPr algn="ctr"/>
+                      <a:r>
+                        <a:rPr lang="en-US" sz="900" dirty="0" err="1">
+                          <a:latin typeface="Calibri" panose="020F0502020204030204" pitchFamily="34" charset="0"/>
+                          <a:cs typeface="Calibri" panose="020F0502020204030204" pitchFamily="34" charset="0"/>
+                        </a:rPr>
+                        <a:t>Dest</a:t>
+                      </a:r>
+                      <a:r>
+                        <a:rPr lang="en-US" sz="900" dirty="0">
+                          <a:latin typeface="Calibri" panose="020F0502020204030204" pitchFamily="34" charset="0"/>
+                          <a:cs typeface="Calibri" panose="020F0502020204030204" pitchFamily="34" charset="0"/>
+                        </a:rPr>
+                        <a:t>: PE2</a:t>
+                      </a:r>
+                    </a:p>
+                    <a:p>
+                      <a:pPr algn="ctr"/>
+                      <a:r>
+                        <a:rPr lang="en-US" sz="900" dirty="0">
+                          <a:latin typeface="Calibri" panose="020F0502020204030204" pitchFamily="34" charset="0"/>
+                          <a:cs typeface="Calibri" panose="020F0502020204030204" pitchFamily="34" charset="0"/>
+                        </a:rPr>
+                        <a:t>RFC 5357</a:t>
+                      </a:r>
+                    </a:p>
+                  </a:txBody>
+                  <a:tcPr/>
+                </a:tc>
+                <a:extLst>
+                  <a:ext uri="{0D108BD9-81ED-4DB2-BD59-A6C34878D82A}">
+                    <a16:rowId xmlns:a16="http://schemas.microsoft.com/office/drawing/2014/main" val="1552332999"/>
+                  </a:ext>
+                </a:extLst>
+              </a:tr>
+              <a:tr h="430225">
+                <a:tc>
+                  <a:txBody>
+                    <a:bodyPr/>
+                    <a:lstStyle/>
+                    <a:p>
+                      <a:pPr algn="ctr"/>
+                      <a:r>
+                        <a:rPr lang="en-US" sz="900" dirty="0">
+                          <a:latin typeface="Calibri" panose="020F0502020204030204" pitchFamily="34" charset="0"/>
+                          <a:cs typeface="Calibri" panose="020F0502020204030204" pitchFamily="34" charset="0"/>
+                        </a:rPr>
+                        <a:t>Payload RFC 5357 Timestamp1, Timestamp2</a:t>
+                      </a:r>
+                    </a:p>
+                  </a:txBody>
+                  <a:tcPr>
+                    <a:solidFill>
+                      <a:schemeClr val="bg1">
+                        <a:lumMod val="50000"/>
+                        <a:alpha val="20000"/>
+                      </a:schemeClr>
+                    </a:solidFill>
+                  </a:tcPr>
+                </a:tc>
+                <a:extLst>
+                  <a:ext uri="{0D108BD9-81ED-4DB2-BD59-A6C34878D82A}">
+                    <a16:rowId xmlns:a16="http://schemas.microsoft.com/office/drawing/2014/main" val="578274851"/>
+                  </a:ext>
+                </a:extLst>
+              </a:tr>
+            </a:tbl>
+          </a:graphicData>
+        </a:graphic>
+      </p:graphicFrame>
+      <p:graphicFrame>
+        <p:nvGraphicFramePr>
+          <p:cNvPr id="60" name="Table 59">
+            <a:extLst>
+              <a:ext uri="{FF2B5EF4-FFF2-40B4-BE49-F238E27FC236}">
+                <a16:creationId xmlns:a16="http://schemas.microsoft.com/office/drawing/2014/main" id="{CE696EDB-9F02-EA4B-81B6-8814BB81186B}"/>
+              </a:ext>
+            </a:extLst>
+          </p:cNvPr>
+          <p:cNvGraphicFramePr>
+            <a:graphicFrameLocks noGrp="1"/>
+          </p:cNvGraphicFramePr>
+          <p:nvPr>
+            <p:extLst>
+              <p:ext uri="{D42A27DB-BD31-4B8C-83A1-F6EECF244321}">
+                <p14:modId xmlns:p14="http://schemas.microsoft.com/office/powerpoint/2010/main" val="56199700"/>
+              </p:ext>
+            </p:extLst>
+          </p:nvPr>
+        </p:nvGraphicFramePr>
+        <p:xfrm>
+          <a:off x="5943600" y="3131550"/>
+          <a:ext cx="1155603" cy="1371600"/>
+        </p:xfrm>
+        <a:graphic>
+          <a:graphicData uri="http://schemas.openxmlformats.org/drawingml/2006/table">
+            <a:tbl>
+              <a:tblPr firstRow="1" bandRow="1">
+                <a:tableStyleId>{BDBED569-4797-4DF1-A0F4-6AAB3CD982D8}</a:tableStyleId>
+              </a:tblPr>
+              <a:tblGrid>
+                <a:gridCol w="1155603">
+                  <a:extLst>
+                    <a:ext uri="{9D8B030D-6E8A-4147-A177-3AD203B41FA5}">
+                      <a16:colId xmlns:a16="http://schemas.microsoft.com/office/drawing/2014/main" val="3785564758"/>
+                    </a:ext>
+                  </a:extLst>
+                </a:gridCol>
+              </a:tblGrid>
+              <a:tr h="200268">
+                <a:tc>
+                  <a:txBody>
+                    <a:bodyPr/>
+                    <a:lstStyle/>
+                    <a:p>
+                      <a:pPr algn="ctr"/>
+                      <a:r>
+                        <a:rPr lang="en-US" sz="900" dirty="0">
+                          <a:solidFill>
+                            <a:srgbClr val="0070C0"/>
+                          </a:solidFill>
+                          <a:latin typeface="Calibri" panose="020F0502020204030204" pitchFamily="34" charset="0"/>
+                          <a:cs typeface="Calibri" panose="020F0502020204030204" pitchFamily="34" charset="0"/>
+                        </a:rPr>
+                        <a:t>NODE-SID 16002</a:t>
+                      </a:r>
+                    </a:p>
+                  </a:txBody>
+                  <a:tcPr/>
+                </a:tc>
+                <a:extLst>
+                  <a:ext uri="{0D108BD9-81ED-4DB2-BD59-A6C34878D82A}">
+                    <a16:rowId xmlns:a16="http://schemas.microsoft.com/office/drawing/2014/main" val="760888136"/>
+                  </a:ext>
+                </a:extLst>
+              </a:tr>
+              <a:tr h="348539">
+                <a:tc>
+                  <a:txBody>
+                    <a:bodyPr/>
+                    <a:lstStyle/>
+                    <a:p>
+                      <a:pPr algn="ctr"/>
+                      <a:r>
+                        <a:rPr lang="en-US" sz="900" dirty="0">
+                          <a:latin typeface="Calibri" panose="020F0502020204030204" pitchFamily="34" charset="0"/>
+                          <a:cs typeface="Calibri" panose="020F0502020204030204" pitchFamily="34" charset="0"/>
+                        </a:rPr>
+                        <a:t>IPv4/UDP</a:t>
+                      </a:r>
+                    </a:p>
+                    <a:p>
+                      <a:pPr algn="ctr"/>
+                      <a:r>
+                        <a:rPr lang="en-US" sz="900" dirty="0">
+                          <a:latin typeface="Calibri" panose="020F0502020204030204" pitchFamily="34" charset="0"/>
+                          <a:cs typeface="Calibri" panose="020F0502020204030204" pitchFamily="34" charset="0"/>
+                        </a:rPr>
+                        <a:t>Source: PE4</a:t>
+                      </a:r>
+                    </a:p>
+                    <a:p>
+                      <a:pPr algn="ctr"/>
+                      <a:r>
+                        <a:rPr lang="en-US" sz="900" dirty="0" err="1">
+                          <a:latin typeface="Calibri" panose="020F0502020204030204" pitchFamily="34" charset="0"/>
+                          <a:cs typeface="Calibri" panose="020F0502020204030204" pitchFamily="34" charset="0"/>
+                        </a:rPr>
+                        <a:t>Dest</a:t>
+                      </a:r>
+                      <a:r>
+                        <a:rPr lang="en-US" sz="900" dirty="0">
+                          <a:latin typeface="Calibri" panose="020F0502020204030204" pitchFamily="34" charset="0"/>
+                          <a:cs typeface="Calibri" panose="020F0502020204030204" pitchFamily="34" charset="0"/>
+                        </a:rPr>
+                        <a:t>: PE2</a:t>
+                      </a:r>
+                    </a:p>
+                    <a:p>
+                      <a:pPr algn="ctr"/>
+                      <a:r>
+                        <a:rPr lang="en-US" sz="900" dirty="0">
+                          <a:latin typeface="Calibri" panose="020F0502020204030204" pitchFamily="34" charset="0"/>
+                          <a:cs typeface="Calibri" panose="020F0502020204030204" pitchFamily="34" charset="0"/>
+                        </a:rPr>
+                        <a:t>RFC 5357</a:t>
+                      </a:r>
+                    </a:p>
+                  </a:txBody>
+                  <a:tcPr/>
+                </a:tc>
+                <a:extLst>
+                  <a:ext uri="{0D108BD9-81ED-4DB2-BD59-A6C34878D82A}">
+                    <a16:rowId xmlns:a16="http://schemas.microsoft.com/office/drawing/2014/main" val="1552332999"/>
+                  </a:ext>
+                </a:extLst>
+              </a:tr>
+              <a:tr h="479242">
+                <a:tc>
+                  <a:txBody>
+                    <a:bodyPr/>
+                    <a:lstStyle/>
+                    <a:p>
+                      <a:pPr algn="ctr"/>
+                      <a:r>
+                        <a:rPr lang="en-US" sz="900" dirty="0">
+                          <a:latin typeface="Calibri" panose="020F0502020204030204" pitchFamily="34" charset="0"/>
+                          <a:cs typeface="Calibri" panose="020F0502020204030204" pitchFamily="34" charset="0"/>
+                        </a:rPr>
+                        <a:t>Payload RFC 5357 Timestamp1, </a:t>
+                      </a:r>
+                      <a:r>
+                        <a:rPr lang="en-US" sz="900" b="1" dirty="0">
+                          <a:solidFill>
+                            <a:srgbClr val="7030A0"/>
+                          </a:solidFill>
+                          <a:latin typeface="Calibri" panose="020F0502020204030204" pitchFamily="34" charset="0"/>
+                          <a:cs typeface="Calibri" panose="020F0502020204030204" pitchFamily="34" charset="0"/>
+                        </a:rPr>
+                        <a:t>Timestamp2</a:t>
+                      </a:r>
+                    </a:p>
+                  </a:txBody>
+                  <a:tcPr>
+                    <a:solidFill>
+                      <a:schemeClr val="bg1">
+                        <a:lumMod val="50000"/>
+                        <a:alpha val="20000"/>
+                      </a:schemeClr>
+                    </a:solidFill>
+                  </a:tcPr>
+                </a:tc>
+                <a:extLst>
+                  <a:ext uri="{0D108BD9-81ED-4DB2-BD59-A6C34878D82A}">
+                    <a16:rowId xmlns:a16="http://schemas.microsoft.com/office/drawing/2014/main" val="578274851"/>
+                  </a:ext>
+                </a:extLst>
+              </a:tr>
+            </a:tbl>
+          </a:graphicData>
+        </a:graphic>
+      </p:graphicFrame>
+      <p:sp>
+        <p:nvSpPr>
+          <p:cNvPr id="35" name="Curved Left Arrow 34">
+            <a:extLst>
+              <a:ext uri="{FF2B5EF4-FFF2-40B4-BE49-F238E27FC236}">
+                <a16:creationId xmlns:a16="http://schemas.microsoft.com/office/drawing/2014/main" id="{7F473AA6-C228-2A4D-8CF1-3689FFFB1B2C}"/>
+              </a:ext>
+            </a:extLst>
+          </p:cNvPr>
+          <p:cNvSpPr/>
+          <p:nvPr/>
+        </p:nvSpPr>
+        <p:spPr>
+          <a:xfrm>
+            <a:off x="7441774" y="2065653"/>
+            <a:ext cx="527467" cy="1676400"/>
+          </a:xfrm>
+          <a:prstGeom prst="curvedLeftArrow">
+            <a:avLst>
+              <a:gd name="adj1" fmla="val 25000"/>
+              <a:gd name="adj2" fmla="val 50000"/>
+              <a:gd name="adj3" fmla="val 30488"/>
+            </a:avLst>
+          </a:prstGeom>
+          <a:solidFill>
+            <a:srgbClr val="7030A0"/>
+          </a:solidFill>
+          <a:ln>
+            <a:noFill/>
+          </a:ln>
+          <a:effectLst/>
+        </p:spPr>
+        <p:style>
+          <a:lnRef idx="2">
+            <a:schemeClr val="accent1">
+              <a:shade val="50000"/>
+            </a:schemeClr>
+          </a:lnRef>
+          <a:fillRef idx="1">
+            <a:schemeClr val="accent1"/>
+          </a:fillRef>
+          <a:effectRef idx="0">
+            <a:schemeClr val="accent1"/>
+          </a:effectRef>
+          <a:fontRef idx="minor">
+            <a:schemeClr val="lt1"/>
+          </a:fontRef>
+        </p:style>
+        <p:txBody>
+          <a:bodyPr rtlCol="0" anchor="ctr"/>
+          <a:lstStyle/>
+          <a:p>
+            <a:pPr algn="ctr"/>
+            <a:endParaRPr lang="en-US" dirty="0">
+              <a:solidFill>
+                <a:schemeClr val="tx1"/>
+              </a:solidFill>
+            </a:endParaRPr>
+          </a:p>
+        </p:txBody>
+      </p:sp>
+      <p:sp>
+        <p:nvSpPr>
+          <p:cNvPr id="37" name="Footer Placeholder 3">
+            <a:extLst>
+              <a:ext uri="{FF2B5EF4-FFF2-40B4-BE49-F238E27FC236}">
+                <a16:creationId xmlns:a16="http://schemas.microsoft.com/office/drawing/2014/main" id="{1787E5F9-B655-9142-AC99-1B4D6F754B78}"/>
+              </a:ext>
+            </a:extLst>
+          </p:cNvPr>
+          <p:cNvSpPr>
+            <a:spLocks noGrp="1"/>
+          </p:cNvSpPr>
+          <p:nvPr>
+            <p:ph type="ftr" sz="quarter" idx="11"/>
+          </p:nvPr>
+        </p:nvSpPr>
+        <p:spPr>
+          <a:xfrm>
+            <a:off x="3124200" y="4786312"/>
+            <a:ext cx="2895600" cy="357188"/>
+          </a:xfrm>
+        </p:spPr>
+        <p:txBody>
+          <a:bodyPr/>
+          <a:lstStyle/>
+          <a:p>
+            <a:r>
+              <a:rPr lang="en-CA" dirty="0"/>
+              <a:t>IETF MPLS WG Interim – April 2020 </a:t>
+            </a:r>
+          </a:p>
+        </p:txBody>
+      </p:sp>
+    </p:spTree>
+    <p:extLst>
+      <p:ext uri="{BB962C8B-B14F-4D97-AF65-F5344CB8AC3E}">
+        <p14:creationId xmlns:p14="http://schemas.microsoft.com/office/powerpoint/2010/main" val="229777305"/>
       </p:ext>
     </p:extLst>
   </p:cSld>

--- a/draft-gandhi-spring-sr-enhanced-plm-00.pptx
+++ b/draft-gandhi-spring-sr-enhanced-plm-00.pptx
@@ -5,10 +5,10 @@
     <p:sldMasterId id="2147483648" r:id="rId1"/>
   </p:sldMasterIdLst>
   <p:notesMasterIdLst>
-    <p:notesMasterId r:id="rId18"/>
+    <p:notesMasterId r:id="rId19"/>
   </p:notesMasterIdLst>
   <p:handoutMasterIdLst>
-    <p:handoutMasterId r:id="rId19"/>
+    <p:handoutMasterId r:id="rId20"/>
   </p:handoutMasterIdLst>
   <p:sldIdLst>
     <p:sldId id="256" r:id="rId2"/>
@@ -27,6 +27,7 @@
     <p:sldId id="1654" r:id="rId15"/>
     <p:sldId id="1664" r:id="rId16"/>
     <p:sldId id="1642" r:id="rId17"/>
+    <p:sldId id="1665" r:id="rId18"/>
   </p:sldIdLst>
   <p:sldSz cx="9144000" cy="5143500" type="screen16x9"/>
   <p:notesSz cx="6858000" cy="9144000"/>
@@ -1529,6 +1530,96 @@
     <p:extLst>
       <p:ext uri="{BB962C8B-B14F-4D97-AF65-F5344CB8AC3E}">
         <p14:creationId xmlns:p14="http://schemas.microsoft.com/office/powerpoint/2010/main" val="3881026240"/>
+      </p:ext>
+    </p:extLst>
+  </p:cSld>
+  <p:clrMapOvr>
+    <a:masterClrMapping/>
+  </p:clrMapOvr>
+</p:notes>
+</file>
+
+<file path=ppt/notesSlides/notesSlide16.xml><?xml version="1.0" encoding="utf-8"?>
+<p:notes xmlns:a="http://schemas.openxmlformats.org/drawingml/2006/main" xmlns:r="http://schemas.openxmlformats.org/officeDocument/2006/relationships" xmlns:p="http://schemas.openxmlformats.org/presentationml/2006/main">
+  <p:cSld>
+    <p:spTree>
+      <p:nvGrpSpPr>
+        <p:cNvPr id="1" name=""/>
+        <p:cNvGrpSpPr/>
+        <p:nvPr/>
+      </p:nvGrpSpPr>
+      <p:grpSpPr>
+        <a:xfrm>
+          <a:off x="0" y="0"/>
+          <a:ext cx="0" cy="0"/>
+          <a:chOff x="0" y="0"/>
+          <a:chExt cx="0" cy="0"/>
+        </a:xfrm>
+      </p:grpSpPr>
+      <p:sp>
+        <p:nvSpPr>
+          <p:cNvPr id="2" name="Slide Image Placeholder 1"/>
+          <p:cNvSpPr>
+            <a:spLocks noGrp="1" noRot="1" noChangeAspect="1"/>
+          </p:cNvSpPr>
+          <p:nvPr>
+            <p:ph type="sldImg"/>
+          </p:nvPr>
+        </p:nvSpPr>
+        <p:spPr/>
+      </p:sp>
+      <p:sp>
+        <p:nvSpPr>
+          <p:cNvPr id="3" name="Notes Placeholder 2"/>
+          <p:cNvSpPr>
+            <a:spLocks noGrp="1"/>
+          </p:cNvSpPr>
+          <p:nvPr>
+            <p:ph type="body" idx="1"/>
+          </p:nvPr>
+        </p:nvSpPr>
+        <p:spPr/>
+        <p:txBody>
+          <a:bodyPr/>
+          <a:lstStyle/>
+          <a:p>
+            <a:endParaRPr lang="en-US" dirty="0"/>
+          </a:p>
+        </p:txBody>
+      </p:sp>
+      <p:sp>
+        <p:nvSpPr>
+          <p:cNvPr id="4" name="Slide Number Placeholder 3"/>
+          <p:cNvSpPr>
+            <a:spLocks noGrp="1"/>
+          </p:cNvSpPr>
+          <p:nvPr>
+            <p:ph type="sldNum" sz="quarter" idx="10"/>
+          </p:nvPr>
+        </p:nvSpPr>
+        <p:spPr/>
+        <p:txBody>
+          <a:bodyPr/>
+          <a:lstStyle/>
+          <a:p>
+            <a:pPr>
+              <a:defRPr/>
+            </a:pPr>
+            <a:fld id="{100938BD-FD70-4535-B0C2-13FC38CDF1BE}" type="slidenum">
+              <a:rPr lang="en-US" altLang="zh-CN" smtClean="0"/>
+              <a:pPr>
+                <a:defRPr/>
+              </a:pPr>
+              <a:t>17</a:t>
+            </a:fld>
+            <a:endParaRPr lang="en-US" altLang="zh-CN"/>
+          </a:p>
+        </p:txBody>
+      </p:sp>
+    </p:spTree>
+    <p:extLst>
+      <p:ext uri="{BB962C8B-B14F-4D97-AF65-F5344CB8AC3E}">
+        <p14:creationId xmlns:p14="http://schemas.microsoft.com/office/powerpoint/2010/main" val="1737264485"/>
       </p:ext>
     </p:extLst>
   </p:cSld>
@@ -7637,7 +7728,7 @@
           <p:nvPr>
             <p:extLst>
               <p:ext uri="{D42A27DB-BD31-4B8C-83A1-F6EECF244321}">
-                <p14:modId xmlns:p14="http://schemas.microsoft.com/office/powerpoint/2010/main" val="502129097"/>
+                <p14:modId xmlns:p14="http://schemas.microsoft.com/office/powerpoint/2010/main" val="274977636"/>
               </p:ext>
             </p:extLst>
           </p:nvPr>
@@ -7737,18 +7828,11 @@
                     <a:p>
                       <a:pPr algn="ctr"/>
                       <a:r>
-                        <a:rPr lang="en-US" sz="900" dirty="0" err="1">
-                          <a:latin typeface="Calibri" panose="020F0502020204030204" pitchFamily="34" charset="0"/>
-                          <a:cs typeface="Calibri" panose="020F0502020204030204" pitchFamily="34" charset="0"/>
-                        </a:rPr>
-                        <a:t>Dest</a:t>
-                      </a:r>
-                      <a:r>
                         <a:rPr lang="en-US" sz="900" dirty="0">
                           <a:latin typeface="Calibri" panose="020F0502020204030204" pitchFamily="34" charset="0"/>
                           <a:cs typeface="Calibri" panose="020F0502020204030204" pitchFamily="34" charset="0"/>
                         </a:rPr>
-                        <a:t>: PE2</a:t>
+                        <a:t>Destination: PE2</a:t>
                       </a:r>
                     </a:p>
                     <a:p>
@@ -7820,7 +7904,7 @@
           <p:nvPr>
             <p:extLst>
               <p:ext uri="{D42A27DB-BD31-4B8C-83A1-F6EECF244321}">
-                <p14:modId xmlns:p14="http://schemas.microsoft.com/office/powerpoint/2010/main" val="1898415515"/>
+                <p14:modId xmlns:p14="http://schemas.microsoft.com/office/powerpoint/2010/main" val="384551973"/>
               </p:ext>
             </p:extLst>
           </p:nvPr>
@@ -7896,18 +7980,11 @@
                     <a:p>
                       <a:pPr algn="ctr"/>
                       <a:r>
-                        <a:rPr lang="en-US" sz="900" dirty="0" err="1">
-                          <a:latin typeface="Calibri" panose="020F0502020204030204" pitchFamily="34" charset="0"/>
-                          <a:cs typeface="Calibri" panose="020F0502020204030204" pitchFamily="34" charset="0"/>
-                        </a:rPr>
-                        <a:t>Dest</a:t>
-                      </a:r>
-                      <a:r>
                         <a:rPr lang="en-US" sz="900" dirty="0">
                           <a:latin typeface="Calibri" panose="020F0502020204030204" pitchFamily="34" charset="0"/>
                           <a:cs typeface="Calibri" panose="020F0502020204030204" pitchFamily="34" charset="0"/>
                         </a:rPr>
-                        <a:t>: PE2</a:t>
+                        <a:t>Destination: PE2</a:t>
                       </a:r>
                     </a:p>
                     <a:p>
@@ -7979,7 +8056,7 @@
           <p:nvPr>
             <p:extLst>
               <p:ext uri="{D42A27DB-BD31-4B8C-83A1-F6EECF244321}">
-                <p14:modId xmlns:p14="http://schemas.microsoft.com/office/powerpoint/2010/main" val="3859234437"/>
+                <p14:modId xmlns:p14="http://schemas.microsoft.com/office/powerpoint/2010/main" val="3420525766"/>
               </p:ext>
             </p:extLst>
           </p:nvPr>
@@ -8031,18 +8108,11 @@
                     <a:p>
                       <a:pPr algn="ctr"/>
                       <a:r>
-                        <a:rPr lang="en-US" sz="900" dirty="0" err="1">
-                          <a:latin typeface="Calibri" panose="020F0502020204030204" pitchFamily="34" charset="0"/>
-                          <a:cs typeface="Calibri" panose="020F0502020204030204" pitchFamily="34" charset="0"/>
-                        </a:rPr>
-                        <a:t>Dest</a:t>
-                      </a:r>
-                      <a:r>
                         <a:rPr lang="en-US" sz="900" dirty="0">
                           <a:latin typeface="Calibri" panose="020F0502020204030204" pitchFamily="34" charset="0"/>
                           <a:cs typeface="Calibri" panose="020F0502020204030204" pitchFamily="34" charset="0"/>
                         </a:rPr>
-                        <a:t>: PE2</a:t>
+                        <a:t>Destination: PE2</a:t>
                       </a:r>
                     </a:p>
                     <a:p>
@@ -8076,7 +8146,17 @@
                           <a:latin typeface="Calibri" panose="020F0502020204030204" pitchFamily="34" charset="0"/>
                           <a:cs typeface="Calibri" panose="020F0502020204030204" pitchFamily="34" charset="0"/>
                         </a:rPr>
-                        <a:t>Payload RFC 5357 Timestamp1, Timestamp2</a:t>
+                        <a:t>Payload RFC 5357 Timestamp1, </a:t>
+                      </a:r>
+                      <a:r>
+                        <a:rPr lang="en-US" sz="900" b="1" dirty="0">
+                          <a:solidFill>
+                            <a:srgbClr val="7030A0"/>
+                          </a:solidFill>
+                          <a:latin typeface="Calibri" panose="020F0502020204030204" pitchFamily="34" charset="0"/>
+                          <a:cs typeface="Calibri" panose="020F0502020204030204" pitchFamily="34" charset="0"/>
+                        </a:rPr>
+                        <a:t>Timestamp2</a:t>
                       </a:r>
                     </a:p>
                   </a:txBody>
@@ -8114,7 +8194,7 @@
           <p:nvPr>
             <p:extLst>
               <p:ext uri="{D42A27DB-BD31-4B8C-83A1-F6EECF244321}">
-                <p14:modId xmlns:p14="http://schemas.microsoft.com/office/powerpoint/2010/main" val="1308390019"/>
+                <p14:modId xmlns:p14="http://schemas.microsoft.com/office/powerpoint/2010/main" val="2919430354"/>
               </p:ext>
             </p:extLst>
           </p:nvPr>
@@ -8166,18 +8246,11 @@
                     <a:p>
                       <a:pPr algn="ctr"/>
                       <a:r>
-                        <a:rPr lang="en-US" sz="900" dirty="0" err="1">
-                          <a:latin typeface="Calibri" panose="020F0502020204030204" pitchFamily="34" charset="0"/>
-                          <a:cs typeface="Calibri" panose="020F0502020204030204" pitchFamily="34" charset="0"/>
-                        </a:rPr>
-                        <a:t>Dest</a:t>
-                      </a:r>
-                      <a:r>
                         <a:rPr lang="en-US" sz="900" dirty="0">
                           <a:latin typeface="Calibri" panose="020F0502020204030204" pitchFamily="34" charset="0"/>
                           <a:cs typeface="Calibri" panose="020F0502020204030204" pitchFamily="34" charset="0"/>
                         </a:rPr>
-                        <a:t>: PE2</a:t>
+                        <a:t>Destination: PE2</a:t>
                       </a:r>
                     </a:p>
                     <a:p>
@@ -8952,7 +9025,7 @@
           <p:nvPr>
             <p:extLst>
               <p:ext uri="{D42A27DB-BD31-4B8C-83A1-F6EECF244321}">
-                <p14:modId xmlns:p14="http://schemas.microsoft.com/office/powerpoint/2010/main" val="3980084339"/>
+                <p14:modId xmlns:p14="http://schemas.microsoft.com/office/powerpoint/2010/main" val="4083020372"/>
               </p:ext>
             </p:extLst>
           </p:nvPr>
@@ -9039,7 +9112,7 @@
                           <a:latin typeface="Calibri" panose="020F0502020204030204" pitchFamily="34" charset="0"/>
                           <a:cs typeface="Calibri" panose="020F0502020204030204" pitchFamily="34" charset="0"/>
                         </a:rPr>
-                        <a:t>16002 NODE-SID</a:t>
+                        <a:t>NODE-SID 16002</a:t>
                       </a:r>
                     </a:p>
                   </a:txBody>
@@ -9079,18 +9152,18 @@
                     <a:p>
                       <a:pPr algn="ctr"/>
                       <a:r>
-                        <a:rPr lang="en-US" sz="900" dirty="0" err="1">
+                        <a:rPr lang="en-US" sz="900" b="1" dirty="0" err="1">
                           <a:latin typeface="Calibri" panose="020F0502020204030204" pitchFamily="34" charset="0"/>
                           <a:cs typeface="Calibri" panose="020F0502020204030204" pitchFamily="34" charset="0"/>
                         </a:rPr>
                         <a:t>Dest</a:t>
                       </a:r>
                       <a:r>
-                        <a:rPr lang="en-US" sz="900" dirty="0">
+                        <a:rPr lang="en-US" sz="900" b="1" dirty="0">
                           <a:latin typeface="Calibri" panose="020F0502020204030204" pitchFamily="34" charset="0"/>
                           <a:cs typeface="Calibri" panose="020F0502020204030204" pitchFamily="34" charset="0"/>
                         </a:rPr>
-                        <a:t>: PE2</a:t>
+                        <a:t>: PE2 or 127/8</a:t>
                       </a:r>
                     </a:p>
                     <a:p>
@@ -9162,7 +9235,7 @@
           <p:nvPr>
             <p:extLst>
               <p:ext uri="{D42A27DB-BD31-4B8C-83A1-F6EECF244321}">
-                <p14:modId xmlns:p14="http://schemas.microsoft.com/office/powerpoint/2010/main" val="1069858720"/>
+                <p14:modId xmlns:p14="http://schemas.microsoft.com/office/powerpoint/2010/main" val="3399056470"/>
               </p:ext>
             </p:extLst>
           </p:nvPr>
@@ -9265,18 +9338,18 @@
                     <a:p>
                       <a:pPr algn="ctr"/>
                       <a:r>
-                        <a:rPr lang="en-US" sz="900" dirty="0" err="1">
+                        <a:rPr lang="en-US" sz="900" b="1" dirty="0" err="1">
                           <a:latin typeface="Calibri" panose="020F0502020204030204" pitchFamily="34" charset="0"/>
                           <a:cs typeface="Calibri" panose="020F0502020204030204" pitchFamily="34" charset="0"/>
                         </a:rPr>
                         <a:t>Dest</a:t>
                       </a:r>
                       <a:r>
-                        <a:rPr lang="en-US" sz="900" dirty="0">
+                        <a:rPr lang="en-US" sz="900" b="1" dirty="0">
                           <a:latin typeface="Calibri" panose="020F0502020204030204" pitchFamily="34" charset="0"/>
                           <a:cs typeface="Calibri" panose="020F0502020204030204" pitchFamily="34" charset="0"/>
                         </a:rPr>
-                        <a:t>: PE2</a:t>
+                        <a:t>: PE2 or 127/8</a:t>
                       </a:r>
                     </a:p>
                     <a:p>
@@ -9348,7 +9421,7 @@
           <p:nvPr>
             <p:extLst>
               <p:ext uri="{D42A27DB-BD31-4B8C-83A1-F6EECF244321}">
-                <p14:modId xmlns:p14="http://schemas.microsoft.com/office/powerpoint/2010/main" val="2806076189"/>
+                <p14:modId xmlns:p14="http://schemas.microsoft.com/office/powerpoint/2010/main" val="2171733731"/>
               </p:ext>
             </p:extLst>
           </p:nvPr>
@@ -9427,18 +9500,18 @@
                     <a:p>
                       <a:pPr algn="ctr"/>
                       <a:r>
-                        <a:rPr lang="en-US" sz="900" dirty="0" err="1">
+                        <a:rPr lang="en-US" sz="900" b="1" dirty="0" err="1">
                           <a:latin typeface="Calibri" panose="020F0502020204030204" pitchFamily="34" charset="0"/>
                           <a:cs typeface="Calibri" panose="020F0502020204030204" pitchFamily="34" charset="0"/>
                         </a:rPr>
                         <a:t>Dest</a:t>
                       </a:r>
                       <a:r>
-                        <a:rPr lang="en-US" sz="900" dirty="0">
+                        <a:rPr lang="en-US" sz="900" b="1" dirty="0">
                           <a:latin typeface="Calibri" panose="020F0502020204030204" pitchFamily="34" charset="0"/>
                           <a:cs typeface="Calibri" panose="020F0502020204030204" pitchFamily="34" charset="0"/>
                         </a:rPr>
-                        <a:t>: PE2</a:t>
+                        <a:t>: PE2 or 127/8</a:t>
                       </a:r>
                     </a:p>
                     <a:p>
@@ -9472,7 +9545,17 @@
                           <a:latin typeface="Calibri" panose="020F0502020204030204" pitchFamily="34" charset="0"/>
                           <a:cs typeface="Calibri" panose="020F0502020204030204" pitchFamily="34" charset="0"/>
                         </a:rPr>
-                        <a:t>Payload RFC 5357 Timestamp1, Timestamp2</a:t>
+                        <a:t>Payload RFC 5357 Timestamp1, </a:t>
+                      </a:r>
+                      <a:r>
+                        <a:rPr lang="en-US" sz="900" b="1" dirty="0">
+                          <a:solidFill>
+                            <a:srgbClr val="7030A0"/>
+                          </a:solidFill>
+                          <a:latin typeface="Calibri" panose="020F0502020204030204" pitchFamily="34" charset="0"/>
+                          <a:cs typeface="Calibri" panose="020F0502020204030204" pitchFamily="34" charset="0"/>
+                        </a:rPr>
+                        <a:t>Timestamp2</a:t>
                       </a:r>
                     </a:p>
                   </a:txBody>
@@ -9510,7 +9593,7 @@
           <p:nvPr>
             <p:extLst>
               <p:ext uri="{D42A27DB-BD31-4B8C-83A1-F6EECF244321}">
-                <p14:modId xmlns:p14="http://schemas.microsoft.com/office/powerpoint/2010/main" val="56199700"/>
+                <p14:modId xmlns:p14="http://schemas.microsoft.com/office/powerpoint/2010/main" val="3041610418"/>
               </p:ext>
             </p:extLst>
           </p:nvPr>
@@ -9589,18 +9672,18 @@
                     <a:p>
                       <a:pPr algn="ctr"/>
                       <a:r>
-                        <a:rPr lang="en-US" sz="900" dirty="0" err="1">
+                        <a:rPr lang="en-US" sz="900" b="1" dirty="0" err="1">
                           <a:latin typeface="Calibri" panose="020F0502020204030204" pitchFamily="34" charset="0"/>
                           <a:cs typeface="Calibri" panose="020F0502020204030204" pitchFamily="34" charset="0"/>
                         </a:rPr>
                         <a:t>Dest</a:t>
                       </a:r>
                       <a:r>
-                        <a:rPr lang="en-US" sz="900" dirty="0">
+                        <a:rPr lang="en-US" sz="900" b="1" dirty="0">
                           <a:latin typeface="Calibri" panose="020F0502020204030204" pitchFamily="34" charset="0"/>
                           <a:cs typeface="Calibri" panose="020F0502020204030204" pitchFamily="34" charset="0"/>
                         </a:rPr>
-                        <a:t>: PE2</a:t>
+                        <a:t>: PE2 or 127/8</a:t>
                       </a:r>
                     </a:p>
                     <a:p>
@@ -9765,6 +9848,281 @@
     <p:extLst>
       <p:ext uri="{BB962C8B-B14F-4D97-AF65-F5344CB8AC3E}">
         <p14:creationId xmlns:p14="http://schemas.microsoft.com/office/powerpoint/2010/main" val="229777305"/>
+      </p:ext>
+    </p:extLst>
+  </p:cSld>
+  <p:clrMapOvr>
+    <a:masterClrMapping/>
+  </p:clrMapOvr>
+</p:sld>
+</file>
+
+<file path=ppt/slides/slide17.xml><?xml version="1.0" encoding="utf-8"?>
+<p:sld xmlns:a="http://schemas.openxmlformats.org/drawingml/2006/main" xmlns:r="http://schemas.openxmlformats.org/officeDocument/2006/relationships" xmlns:p="http://schemas.openxmlformats.org/presentationml/2006/main">
+  <p:cSld>
+    <p:spTree>
+      <p:nvGrpSpPr>
+        <p:cNvPr id="1" name=""/>
+        <p:cNvGrpSpPr/>
+        <p:nvPr/>
+      </p:nvGrpSpPr>
+      <p:grpSpPr>
+        <a:xfrm>
+          <a:off x="0" y="0"/>
+          <a:ext cx="0" cy="0"/>
+          <a:chOff x="0" y="0"/>
+          <a:chExt cx="0" cy="0"/>
+        </a:xfrm>
+      </p:grpSpPr>
+      <p:sp>
+        <p:nvSpPr>
+          <p:cNvPr id="4" name="Footer Placeholder 3"/>
+          <p:cNvSpPr>
+            <a:spLocks noGrp="1"/>
+          </p:cNvSpPr>
+          <p:nvPr>
+            <p:ph type="ftr" sz="quarter" idx="11"/>
+          </p:nvPr>
+        </p:nvSpPr>
+        <p:spPr>
+          <a:xfrm>
+            <a:off x="3124200" y="4786312"/>
+            <a:ext cx="2895600" cy="357188"/>
+          </a:xfrm>
+        </p:spPr>
+        <p:txBody>
+          <a:bodyPr/>
+          <a:lstStyle/>
+          <a:p>
+            <a:r>
+              <a:rPr lang="en-CA" dirty="0"/>
+              <a:t>IETF MPLS WG Interim – April 2020 </a:t>
+            </a:r>
+          </a:p>
+        </p:txBody>
+      </p:sp>
+      <p:sp>
+        <p:nvSpPr>
+          <p:cNvPr id="5" name="Rectangle 2"/>
+          <p:cNvSpPr txBox="1">
+            <a:spLocks noChangeArrowheads="1"/>
+          </p:cNvSpPr>
+          <p:nvPr/>
+        </p:nvSpPr>
+        <p:spPr bwMode="auto">
+          <a:xfrm>
+            <a:off x="685800" y="1657350"/>
+            <a:ext cx="7772400" cy="1102519"/>
+          </a:xfrm>
+          <a:prstGeom prst="rect">
+            <a:avLst/>
+          </a:prstGeom>
+          <a:noFill/>
+          <a:ln w="9525">
+            <a:noFill/>
+            <a:miter lim="800000"/>
+            <a:headEnd/>
+            <a:tailEnd/>
+          </a:ln>
+          <a:effectLst/>
+        </p:spPr>
+        <p:txBody>
+          <a:bodyPr vert="horz" wrap="square" lIns="91440" tIns="45720" rIns="91440" bIns="45720" numCol="1" anchor="ctr" anchorCtr="0" compatLnSpc="1">
+            <a:prstTxWarp prst="textNoShape">
+              <a:avLst/>
+            </a:prstTxWarp>
+          </a:bodyPr>
+          <a:lstStyle>
+            <a:lvl1pPr algn="ctr" rtl="0" eaLnBrk="0" fontAlgn="base" hangingPunct="0">
+              <a:spcBef>
+                <a:spcPct val="0"/>
+              </a:spcBef>
+              <a:spcAft>
+                <a:spcPct val="0"/>
+              </a:spcAft>
+              <a:defRPr sz="4400">
+                <a:solidFill>
+                  <a:schemeClr val="tx2"/>
+                </a:solidFill>
+                <a:latin typeface="+mj-lt"/>
+                <a:ea typeface="+mj-ea"/>
+                <a:cs typeface="+mj-cs"/>
+              </a:defRPr>
+            </a:lvl1pPr>
+            <a:lvl2pPr algn="ctr" rtl="0" eaLnBrk="0" fontAlgn="base" hangingPunct="0">
+              <a:spcBef>
+                <a:spcPct val="0"/>
+              </a:spcBef>
+              <a:spcAft>
+                <a:spcPct val="0"/>
+              </a:spcAft>
+              <a:defRPr sz="4400">
+                <a:solidFill>
+                  <a:schemeClr val="tx2"/>
+                </a:solidFill>
+                <a:latin typeface="Arial" charset="0"/>
+                <a:ea typeface="宋体" pitchFamily="2" charset="-122"/>
+              </a:defRPr>
+            </a:lvl2pPr>
+            <a:lvl3pPr algn="ctr" rtl="0" eaLnBrk="0" fontAlgn="base" hangingPunct="0">
+              <a:spcBef>
+                <a:spcPct val="0"/>
+              </a:spcBef>
+              <a:spcAft>
+                <a:spcPct val="0"/>
+              </a:spcAft>
+              <a:defRPr sz="4400">
+                <a:solidFill>
+                  <a:schemeClr val="tx2"/>
+                </a:solidFill>
+                <a:latin typeface="Arial" charset="0"/>
+                <a:ea typeface="宋体" pitchFamily="2" charset="-122"/>
+              </a:defRPr>
+            </a:lvl3pPr>
+            <a:lvl4pPr algn="ctr" rtl="0" eaLnBrk="0" fontAlgn="base" hangingPunct="0">
+              <a:spcBef>
+                <a:spcPct val="0"/>
+              </a:spcBef>
+              <a:spcAft>
+                <a:spcPct val="0"/>
+              </a:spcAft>
+              <a:defRPr sz="4400">
+                <a:solidFill>
+                  <a:schemeClr val="tx2"/>
+                </a:solidFill>
+                <a:latin typeface="Arial" charset="0"/>
+                <a:ea typeface="宋体" pitchFamily="2" charset="-122"/>
+              </a:defRPr>
+            </a:lvl4pPr>
+            <a:lvl5pPr algn="ctr" rtl="0" eaLnBrk="0" fontAlgn="base" hangingPunct="0">
+              <a:spcBef>
+                <a:spcPct val="0"/>
+              </a:spcBef>
+              <a:spcAft>
+                <a:spcPct val="0"/>
+              </a:spcAft>
+              <a:defRPr sz="4400">
+                <a:solidFill>
+                  <a:schemeClr val="tx2"/>
+                </a:solidFill>
+                <a:latin typeface="Arial" charset="0"/>
+                <a:ea typeface="宋体" pitchFamily="2" charset="-122"/>
+              </a:defRPr>
+            </a:lvl5pPr>
+            <a:lvl6pPr marL="457200" algn="ctr" rtl="0" fontAlgn="base">
+              <a:spcBef>
+                <a:spcPct val="0"/>
+              </a:spcBef>
+              <a:spcAft>
+                <a:spcPct val="0"/>
+              </a:spcAft>
+              <a:defRPr sz="4400">
+                <a:solidFill>
+                  <a:schemeClr val="tx2"/>
+                </a:solidFill>
+                <a:latin typeface="Arial" charset="0"/>
+                <a:ea typeface="宋体" pitchFamily="2" charset="-122"/>
+              </a:defRPr>
+            </a:lvl6pPr>
+            <a:lvl7pPr marL="914400" algn="ctr" rtl="0" fontAlgn="base">
+              <a:spcBef>
+                <a:spcPct val="0"/>
+              </a:spcBef>
+              <a:spcAft>
+                <a:spcPct val="0"/>
+              </a:spcAft>
+              <a:defRPr sz="4400">
+                <a:solidFill>
+                  <a:schemeClr val="tx2"/>
+                </a:solidFill>
+                <a:latin typeface="Arial" charset="0"/>
+                <a:ea typeface="宋体" pitchFamily="2" charset="-122"/>
+              </a:defRPr>
+            </a:lvl7pPr>
+            <a:lvl8pPr marL="1371600" algn="ctr" rtl="0" fontAlgn="base">
+              <a:spcBef>
+                <a:spcPct val="0"/>
+              </a:spcBef>
+              <a:spcAft>
+                <a:spcPct val="0"/>
+              </a:spcAft>
+              <a:defRPr sz="4400">
+                <a:solidFill>
+                  <a:schemeClr val="tx2"/>
+                </a:solidFill>
+                <a:latin typeface="Arial" charset="0"/>
+                <a:ea typeface="宋体" pitchFamily="2" charset="-122"/>
+              </a:defRPr>
+            </a:lvl8pPr>
+            <a:lvl9pPr marL="1828800" algn="ctr" rtl="0" fontAlgn="base">
+              <a:spcBef>
+                <a:spcPct val="0"/>
+              </a:spcBef>
+              <a:spcAft>
+                <a:spcPct val="0"/>
+              </a:spcAft>
+              <a:defRPr sz="4400">
+                <a:solidFill>
+                  <a:schemeClr val="tx2"/>
+                </a:solidFill>
+                <a:latin typeface="Arial" charset="0"/>
+                <a:ea typeface="宋体" pitchFamily="2" charset="-122"/>
+              </a:defRPr>
+            </a:lvl9pPr>
+          </a:lstStyle>
+          <a:p>
+            <a:pPr eaLnBrk="1" hangingPunct="1">
+              <a:defRPr/>
+            </a:pPr>
+            <a:r>
+              <a:rPr lang="en-US" altLang="zh-CN" sz="4000" kern="0" dirty="0">
+                <a:effectLst>
+                  <a:outerShdw blurRad="38100" dist="38100" dir="2700000" algn="tl">
+                    <a:srgbClr val="C0C0C0"/>
+                  </a:outerShdw>
+                </a:effectLst>
+                <a:latin typeface="Calibri" charset="0"/>
+                <a:ea typeface="Calibri" charset="0"/>
+                <a:cs typeface="Calibri" charset="0"/>
+              </a:rPr>
+              <a:t>Thank you</a:t>
+            </a:r>
+          </a:p>
+        </p:txBody>
+      </p:sp>
+      <p:sp>
+        <p:nvSpPr>
+          <p:cNvPr id="2" name="Slide Number Placeholder 1"/>
+          <p:cNvSpPr>
+            <a:spLocks noGrp="1"/>
+          </p:cNvSpPr>
+          <p:nvPr>
+            <p:ph type="sldNum" sz="quarter" idx="12"/>
+          </p:nvPr>
+        </p:nvSpPr>
+        <p:spPr/>
+        <p:txBody>
+          <a:bodyPr/>
+          <a:lstStyle/>
+          <a:p>
+            <a:pPr>
+              <a:defRPr/>
+            </a:pPr>
+            <a:fld id="{BD6E0F59-1DD8-40FC-9C92-B6295CBA6CCA}" type="slidenum">
+              <a:rPr lang="en-US" altLang="zh-CN" smtClean="0"/>
+              <a:pPr>
+                <a:defRPr/>
+              </a:pPr>
+              <a:t>17</a:t>
+            </a:fld>
+            <a:endParaRPr lang="en-US" altLang="zh-CN"/>
+          </a:p>
+        </p:txBody>
+      </p:sp>
+    </p:spTree>
+    <p:extLst>
+      <p:ext uri="{BB962C8B-B14F-4D97-AF65-F5344CB8AC3E}">
+        <p14:creationId xmlns:p14="http://schemas.microsoft.com/office/powerpoint/2010/main" val="3961810131"/>
       </p:ext>
     </p:extLst>
   </p:cSld>

--- a/draft-gandhi-spring-sr-enhanced-plm-00.pptx
+++ b/draft-gandhi-spring-sr-enhanced-plm-00.pptx
@@ -5,10 +5,10 @@
     <p:sldMasterId id="2147483648" r:id="rId1"/>
   </p:sldMasterIdLst>
   <p:notesMasterIdLst>
-    <p:notesMasterId r:id="rId19"/>
+    <p:notesMasterId r:id="rId20"/>
   </p:notesMasterIdLst>
   <p:handoutMasterIdLst>
-    <p:handoutMasterId r:id="rId20"/>
+    <p:handoutMasterId r:id="rId21"/>
   </p:handoutMasterIdLst>
   <p:sldIdLst>
     <p:sldId id="256" r:id="rId2"/>
@@ -17,17 +17,18 @@
     <p:sldId id="326" r:id="rId5"/>
     <p:sldId id="1659" r:id="rId6"/>
     <p:sldId id="1662" r:id="rId7"/>
-    <p:sldId id="1660" r:id="rId8"/>
-    <p:sldId id="1658" r:id="rId9"/>
-    <p:sldId id="1663" r:id="rId10"/>
-    <p:sldId id="318" r:id="rId11"/>
-    <p:sldId id="303" r:id="rId12"/>
-    <p:sldId id="1655" r:id="rId13"/>
-    <p:sldId id="1661" r:id="rId14"/>
-    <p:sldId id="1654" r:id="rId15"/>
-    <p:sldId id="1664" r:id="rId16"/>
-    <p:sldId id="1642" r:id="rId17"/>
-    <p:sldId id="1665" r:id="rId18"/>
+    <p:sldId id="1666" r:id="rId8"/>
+    <p:sldId id="1660" r:id="rId9"/>
+    <p:sldId id="1658" r:id="rId10"/>
+    <p:sldId id="1663" r:id="rId11"/>
+    <p:sldId id="318" r:id="rId12"/>
+    <p:sldId id="303" r:id="rId13"/>
+    <p:sldId id="1655" r:id="rId14"/>
+    <p:sldId id="1661" r:id="rId15"/>
+    <p:sldId id="1654" r:id="rId16"/>
+    <p:sldId id="1664" r:id="rId17"/>
+    <p:sldId id="1642" r:id="rId18"/>
+    <p:sldId id="1665" r:id="rId19"/>
   </p:sldIdLst>
   <p:sldSz cx="9144000" cy="5143500" type="screen16x9"/>
   <p:notesSz cx="6858000" cy="9144000"/>
@@ -260,7 +261,7 @@
           <a:p>
             <a:fld id="{E8FA3DB5-7722-3F4F-947D-12B203669AD7}" type="datetimeFigureOut">
               <a:rPr lang="en-US" smtClean="0"/>
-              <a:t>4/3/20</a:t>
+              <a:t>4/5/20</a:t>
             </a:fld>
             <a:endParaRPr lang="en-US"/>
           </a:p>
@@ -921,7 +922,7 @@
           <a:bodyPr/>
           <a:lstStyle/>
           <a:p>
-            <a:endParaRPr lang="en-US" dirty="0"/>
+            <a:endParaRPr lang="en-CA" dirty="0"/>
           </a:p>
         </p:txBody>
       </p:sp>
@@ -957,7 +958,7 @@
     </p:spTree>
     <p:extLst>
       <p:ext uri="{BB962C8B-B14F-4D97-AF65-F5344CB8AC3E}">
-        <p14:creationId xmlns:p14="http://schemas.microsoft.com/office/powerpoint/2010/main" val="383772479"/>
+        <p14:creationId xmlns:p14="http://schemas.microsoft.com/office/powerpoint/2010/main" val="1422079827"/>
       </p:ext>
     </p:extLst>
   </p:cSld>
@@ -1011,7 +1012,7 @@
           <a:bodyPr/>
           <a:lstStyle/>
           <a:p>
-            <a:endParaRPr lang="en-CA" dirty="0"/>
+            <a:endParaRPr lang="en-US" dirty="0"/>
           </a:p>
         </p:txBody>
       </p:sp>
@@ -1047,7 +1048,7 @@
     </p:spTree>
     <p:extLst>
       <p:ext uri="{BB962C8B-B14F-4D97-AF65-F5344CB8AC3E}">
-        <p14:creationId xmlns:p14="http://schemas.microsoft.com/office/powerpoint/2010/main" val="127127535"/>
+        <p14:creationId xmlns:p14="http://schemas.microsoft.com/office/powerpoint/2010/main" val="383772479"/>
       </p:ext>
     </p:extLst>
   </p:cSld>
@@ -1137,7 +1138,7 @@
     </p:spTree>
     <p:extLst>
       <p:ext uri="{BB962C8B-B14F-4D97-AF65-F5344CB8AC3E}">
-        <p14:creationId xmlns:p14="http://schemas.microsoft.com/office/powerpoint/2010/main" val="3523175849"/>
+        <p14:creationId xmlns:p14="http://schemas.microsoft.com/office/powerpoint/2010/main" val="127127535"/>
       </p:ext>
     </p:extLst>
   </p:cSld>
@@ -1191,7 +1192,7 @@
           <a:bodyPr/>
           <a:lstStyle/>
           <a:p>
-            <a:endParaRPr lang="en-US" dirty="0"/>
+            <a:endParaRPr lang="en-CA" dirty="0"/>
           </a:p>
         </p:txBody>
       </p:sp>
@@ -1227,7 +1228,7 @@
     </p:spTree>
     <p:extLst>
       <p:ext uri="{BB962C8B-B14F-4D97-AF65-F5344CB8AC3E}">
-        <p14:creationId xmlns:p14="http://schemas.microsoft.com/office/powerpoint/2010/main" val="2642803163"/>
+        <p14:creationId xmlns:p14="http://schemas.microsoft.com/office/powerpoint/2010/main" val="3523175849"/>
       </p:ext>
     </p:extLst>
   </p:cSld>
@@ -1281,35 +1282,18 @@
           <a:bodyPr/>
           <a:lstStyle/>
           <a:p>
-            <a:pPr marL="171450" marR="0" lvl="0" indent="-171450" algn="l" defTabSz="457200" rtl="0" eaLnBrk="0" fontAlgn="base" latinLnBrk="0" hangingPunct="0">
-              <a:lnSpc>
-                <a:spcPct val="100000"/>
-              </a:lnSpc>
-              <a:spcBef>
-                <a:spcPct val="30000"/>
-              </a:spcBef>
-              <a:spcAft>
-                <a:spcPct val="0"/>
-              </a:spcAft>
-              <a:buClrTx/>
-              <a:buSzTx/>
-              <a:buFont typeface="Arial" charset="0"/>
-              <a:buNone/>
-              <a:tabLst/>
-              <a:defRPr/>
-            </a:pPr>
             <a:endParaRPr lang="en-US" dirty="0"/>
           </a:p>
         </p:txBody>
       </p:sp>
       <p:sp>
         <p:nvSpPr>
-          <p:cNvPr id="4" name="Header Placeholder 3"/>
+          <p:cNvPr id="4" name="Slide Number Placeholder 3"/>
           <p:cNvSpPr>
             <a:spLocks noGrp="1"/>
           </p:cNvSpPr>
           <p:nvPr>
-            <p:ph type="hdr" sz="quarter" idx="10"/>
+            <p:ph type="sldNum" sz="quarter" idx="10"/>
           </p:nvPr>
         </p:nvSpPr>
         <p:spPr/>
@@ -1320,65 +1304,21 @@
             <a:pPr>
               <a:defRPr/>
             </a:pPr>
-            <a:endParaRPr lang="en-US"/>
-          </a:p>
-        </p:txBody>
-      </p:sp>
-      <p:sp>
-        <p:nvSpPr>
-          <p:cNvPr id="5" name="Footer Placeholder 4"/>
-          <p:cNvSpPr>
-            <a:spLocks noGrp="1"/>
-          </p:cNvSpPr>
-          <p:nvPr>
-            <p:ph type="ftr" sz="quarter" idx="11"/>
-          </p:nvPr>
-        </p:nvSpPr>
-        <p:spPr/>
-        <p:txBody>
-          <a:bodyPr/>
-          <a:lstStyle/>
-          <a:p>
-            <a:pPr>
-              <a:defRPr/>
-            </a:pPr>
-            <a:endParaRPr lang="en-US"/>
-          </a:p>
-        </p:txBody>
-      </p:sp>
-      <p:sp>
-        <p:nvSpPr>
-          <p:cNvPr id="6" name="Slide Number Placeholder 5"/>
-          <p:cNvSpPr>
-            <a:spLocks noGrp="1"/>
-          </p:cNvSpPr>
-          <p:nvPr>
-            <p:ph type="sldNum" sz="quarter" idx="12"/>
-          </p:nvPr>
-        </p:nvSpPr>
-        <p:spPr/>
-        <p:txBody>
-          <a:bodyPr/>
-          <a:lstStyle/>
-          <a:p>
-            <a:pPr>
-              <a:defRPr/>
-            </a:pPr>
-            <a:fld id="{F97A1FA6-25DE-9E4E-A34D-CF67DE7DBDC7}" type="slidenum">
-              <a:rPr lang="en-US" smtClean="0"/>
+            <a:fld id="{100938BD-FD70-4535-B0C2-13FC38CDF1BE}" type="slidenum">
+              <a:rPr lang="en-US" altLang="zh-CN" smtClean="0"/>
               <a:pPr>
                 <a:defRPr/>
               </a:pPr>
               <a:t>15</a:t>
             </a:fld>
-            <a:endParaRPr lang="en-US"/>
+            <a:endParaRPr lang="en-US" altLang="zh-CN"/>
           </a:p>
         </p:txBody>
       </p:sp>
     </p:spTree>
     <p:extLst>
       <p:ext uri="{BB962C8B-B14F-4D97-AF65-F5344CB8AC3E}">
-        <p14:creationId xmlns:p14="http://schemas.microsoft.com/office/powerpoint/2010/main" val="2106992105"/>
+        <p14:creationId xmlns:p14="http://schemas.microsoft.com/office/powerpoint/2010/main" val="2642803163"/>
       </p:ext>
     </p:extLst>
   </p:cSld>
@@ -1529,7 +1469,7 @@
     </p:spTree>
     <p:extLst>
       <p:ext uri="{BB962C8B-B14F-4D97-AF65-F5344CB8AC3E}">
-        <p14:creationId xmlns:p14="http://schemas.microsoft.com/office/powerpoint/2010/main" val="3881026240"/>
+        <p14:creationId xmlns:p14="http://schemas.microsoft.com/office/powerpoint/2010/main" val="2106992105"/>
       </p:ext>
     </p:extLst>
   </p:cSld>
@@ -1583,6 +1523,157 @@
           <a:bodyPr/>
           <a:lstStyle/>
           <a:p>
+            <a:pPr marL="171450" marR="0" lvl="0" indent="-171450" algn="l" defTabSz="457200" rtl="0" eaLnBrk="0" fontAlgn="base" latinLnBrk="0" hangingPunct="0">
+              <a:lnSpc>
+                <a:spcPct val="100000"/>
+              </a:lnSpc>
+              <a:spcBef>
+                <a:spcPct val="30000"/>
+              </a:spcBef>
+              <a:spcAft>
+                <a:spcPct val="0"/>
+              </a:spcAft>
+              <a:buClrTx/>
+              <a:buSzTx/>
+              <a:buFont typeface="Arial" charset="0"/>
+              <a:buNone/>
+              <a:tabLst/>
+              <a:defRPr/>
+            </a:pPr>
+            <a:endParaRPr lang="en-US" dirty="0"/>
+          </a:p>
+        </p:txBody>
+      </p:sp>
+      <p:sp>
+        <p:nvSpPr>
+          <p:cNvPr id="4" name="Header Placeholder 3"/>
+          <p:cNvSpPr>
+            <a:spLocks noGrp="1"/>
+          </p:cNvSpPr>
+          <p:nvPr>
+            <p:ph type="hdr" sz="quarter" idx="10"/>
+          </p:nvPr>
+        </p:nvSpPr>
+        <p:spPr/>
+        <p:txBody>
+          <a:bodyPr/>
+          <a:lstStyle/>
+          <a:p>
+            <a:pPr>
+              <a:defRPr/>
+            </a:pPr>
+            <a:endParaRPr lang="en-US"/>
+          </a:p>
+        </p:txBody>
+      </p:sp>
+      <p:sp>
+        <p:nvSpPr>
+          <p:cNvPr id="5" name="Footer Placeholder 4"/>
+          <p:cNvSpPr>
+            <a:spLocks noGrp="1"/>
+          </p:cNvSpPr>
+          <p:nvPr>
+            <p:ph type="ftr" sz="quarter" idx="11"/>
+          </p:nvPr>
+        </p:nvSpPr>
+        <p:spPr/>
+        <p:txBody>
+          <a:bodyPr/>
+          <a:lstStyle/>
+          <a:p>
+            <a:pPr>
+              <a:defRPr/>
+            </a:pPr>
+            <a:endParaRPr lang="en-US"/>
+          </a:p>
+        </p:txBody>
+      </p:sp>
+      <p:sp>
+        <p:nvSpPr>
+          <p:cNvPr id="6" name="Slide Number Placeholder 5"/>
+          <p:cNvSpPr>
+            <a:spLocks noGrp="1"/>
+          </p:cNvSpPr>
+          <p:nvPr>
+            <p:ph type="sldNum" sz="quarter" idx="12"/>
+          </p:nvPr>
+        </p:nvSpPr>
+        <p:spPr/>
+        <p:txBody>
+          <a:bodyPr/>
+          <a:lstStyle/>
+          <a:p>
+            <a:pPr>
+              <a:defRPr/>
+            </a:pPr>
+            <a:fld id="{F97A1FA6-25DE-9E4E-A34D-CF67DE7DBDC7}" type="slidenum">
+              <a:rPr lang="en-US" smtClean="0"/>
+              <a:pPr>
+                <a:defRPr/>
+              </a:pPr>
+              <a:t>17</a:t>
+            </a:fld>
+            <a:endParaRPr lang="en-US"/>
+          </a:p>
+        </p:txBody>
+      </p:sp>
+    </p:spTree>
+    <p:extLst>
+      <p:ext uri="{BB962C8B-B14F-4D97-AF65-F5344CB8AC3E}">
+        <p14:creationId xmlns:p14="http://schemas.microsoft.com/office/powerpoint/2010/main" val="3881026240"/>
+      </p:ext>
+    </p:extLst>
+  </p:cSld>
+  <p:clrMapOvr>
+    <a:masterClrMapping/>
+  </p:clrMapOvr>
+</p:notes>
+</file>
+
+<file path=ppt/notesSlides/notesSlide17.xml><?xml version="1.0" encoding="utf-8"?>
+<p:notes xmlns:a="http://schemas.openxmlformats.org/drawingml/2006/main" xmlns:r="http://schemas.openxmlformats.org/officeDocument/2006/relationships" xmlns:p="http://schemas.openxmlformats.org/presentationml/2006/main">
+  <p:cSld>
+    <p:spTree>
+      <p:nvGrpSpPr>
+        <p:cNvPr id="1" name=""/>
+        <p:cNvGrpSpPr/>
+        <p:nvPr/>
+      </p:nvGrpSpPr>
+      <p:grpSpPr>
+        <a:xfrm>
+          <a:off x="0" y="0"/>
+          <a:ext cx="0" cy="0"/>
+          <a:chOff x="0" y="0"/>
+          <a:chExt cx="0" cy="0"/>
+        </a:xfrm>
+      </p:grpSpPr>
+      <p:sp>
+        <p:nvSpPr>
+          <p:cNvPr id="2" name="Slide Image Placeholder 1"/>
+          <p:cNvSpPr>
+            <a:spLocks noGrp="1" noRot="1" noChangeAspect="1"/>
+          </p:cNvSpPr>
+          <p:nvPr>
+            <p:ph type="sldImg"/>
+          </p:nvPr>
+        </p:nvSpPr>
+        <p:spPr/>
+      </p:sp>
+      <p:sp>
+        <p:nvSpPr>
+          <p:cNvPr id="3" name="Notes Placeholder 2"/>
+          <p:cNvSpPr>
+            <a:spLocks noGrp="1"/>
+          </p:cNvSpPr>
+          <p:nvPr>
+            <p:ph type="body" idx="1"/>
+          </p:nvPr>
+        </p:nvSpPr>
+        <p:spPr/>
+        <p:txBody>
+          <a:bodyPr/>
+          <a:lstStyle/>
+          <a:p>
             <a:endParaRPr lang="en-US" dirty="0"/>
           </a:p>
         </p:txBody>
@@ -1610,7 +1701,7 @@
               <a:pPr>
                 <a:defRPr/>
               </a:pPr>
-              <a:t>17</a:t>
+              <a:t>18</a:t>
             </a:fld>
             <a:endParaRPr lang="en-US" altLang="zh-CN"/>
           </a:p>
@@ -2159,7 +2250,7 @@
     </p:spTree>
     <p:extLst>
       <p:ext uri="{BB962C8B-B14F-4D97-AF65-F5344CB8AC3E}">
-        <p14:creationId xmlns:p14="http://schemas.microsoft.com/office/powerpoint/2010/main" val="675579335"/>
+        <p14:creationId xmlns:p14="http://schemas.microsoft.com/office/powerpoint/2010/main" val="3587585342"/>
       </p:ext>
     </p:extLst>
   </p:cSld>
@@ -2213,7 +2304,7 @@
           <a:bodyPr/>
           <a:lstStyle/>
           <a:p>
-            <a:endParaRPr lang="en-US" dirty="0"/>
+            <a:endParaRPr lang="en-CA" dirty="0"/>
           </a:p>
         </p:txBody>
       </p:sp>
@@ -2249,7 +2340,7 @@
     </p:spTree>
     <p:extLst>
       <p:ext uri="{BB962C8B-B14F-4D97-AF65-F5344CB8AC3E}">
-        <p14:creationId xmlns:p14="http://schemas.microsoft.com/office/powerpoint/2010/main" val="939525286"/>
+        <p14:creationId xmlns:p14="http://schemas.microsoft.com/office/powerpoint/2010/main" val="675579335"/>
       </p:ext>
     </p:extLst>
   </p:cSld>
@@ -2303,7 +2394,7 @@
           <a:bodyPr/>
           <a:lstStyle/>
           <a:p>
-            <a:endParaRPr lang="en-CA" dirty="0"/>
+            <a:endParaRPr lang="en-US" dirty="0"/>
           </a:p>
         </p:txBody>
       </p:sp>
@@ -2330,7 +2421,7 @@
               <a:pPr>
                 <a:defRPr/>
               </a:pPr>
-              <a:t>10</a:t>
+              <a:t>9</a:t>
             </a:fld>
             <a:endParaRPr lang="en-US" altLang="zh-CN"/>
           </a:p>
@@ -2339,7 +2430,7 @@
     </p:spTree>
     <p:extLst>
       <p:ext uri="{BB962C8B-B14F-4D97-AF65-F5344CB8AC3E}">
-        <p14:creationId xmlns:p14="http://schemas.microsoft.com/office/powerpoint/2010/main" val="1422079827"/>
+        <p14:creationId xmlns:p14="http://schemas.microsoft.com/office/powerpoint/2010/main" val="939525286"/>
       </p:ext>
     </p:extLst>
   </p:cSld>
@@ -5914,6 +6005,411 @@
       </p:grpSpPr>
       <p:sp>
         <p:nvSpPr>
+          <p:cNvPr id="2" name="Title 1">
+            <a:extLst>
+              <a:ext uri="{FF2B5EF4-FFF2-40B4-BE49-F238E27FC236}">
+                <a16:creationId xmlns:a16="http://schemas.microsoft.com/office/drawing/2014/main" id="{9A6F4236-AC14-394A-A36C-F2BD8CED3237}"/>
+              </a:ext>
+            </a:extLst>
+          </p:cNvPr>
+          <p:cNvSpPr>
+            <a:spLocks noGrp="1"/>
+          </p:cNvSpPr>
+          <p:nvPr>
+            <p:ph type="title"/>
+          </p:nvPr>
+        </p:nvSpPr>
+        <p:spPr>
+          <a:xfrm>
+            <a:off x="457200" y="-19050"/>
+            <a:ext cx="8229600" cy="857250"/>
+          </a:xfrm>
+        </p:spPr>
+        <p:txBody>
+          <a:bodyPr/>
+          <a:lstStyle/>
+          <a:p>
+            <a:r>
+              <a:rPr lang="en-US" sz="3600" dirty="0">
+                <a:solidFill>
+                  <a:srgbClr val="0070C0"/>
+                </a:solidFill>
+                <a:latin typeface="Calibri Light" panose="020F0302020204030204" pitchFamily="34" charset="0"/>
+                <a:cs typeface="Calibri Light" panose="020F0302020204030204" pitchFamily="34" charset="0"/>
+              </a:rPr>
+              <a:t>Example Provisioning Model</a:t>
+            </a:r>
+          </a:p>
+        </p:txBody>
+      </p:sp>
+      <p:sp>
+        <p:nvSpPr>
+          <p:cNvPr id="4" name="Footer Placeholder 3">
+            <a:extLst>
+              <a:ext uri="{FF2B5EF4-FFF2-40B4-BE49-F238E27FC236}">
+                <a16:creationId xmlns:a16="http://schemas.microsoft.com/office/drawing/2014/main" id="{643D160E-CC3C-EB46-A6F1-43B8E2996F46}"/>
+              </a:ext>
+            </a:extLst>
+          </p:cNvPr>
+          <p:cNvSpPr>
+            <a:spLocks noGrp="1"/>
+          </p:cNvSpPr>
+          <p:nvPr>
+            <p:ph type="ftr" sz="quarter" idx="11"/>
+          </p:nvPr>
+        </p:nvSpPr>
+        <p:spPr>
+          <a:xfrm>
+            <a:off x="3124200" y="4775368"/>
+            <a:ext cx="2895600" cy="357188"/>
+          </a:xfrm>
+        </p:spPr>
+        <p:txBody>
+          <a:bodyPr/>
+          <a:lstStyle/>
+          <a:p>
+            <a:r>
+              <a:rPr lang="en-CA" dirty="0"/>
+              <a:t>IETF MPLS WG Interim – April 2020 </a:t>
+            </a:r>
+          </a:p>
+        </p:txBody>
+      </p:sp>
+      <p:sp>
+        <p:nvSpPr>
+          <p:cNvPr id="5" name="Slide Number Placeholder 4">
+            <a:extLst>
+              <a:ext uri="{FF2B5EF4-FFF2-40B4-BE49-F238E27FC236}">
+                <a16:creationId xmlns:a16="http://schemas.microsoft.com/office/drawing/2014/main" id="{A8B868AE-B105-7547-A646-14FCDF91C2DD}"/>
+              </a:ext>
+            </a:extLst>
+          </p:cNvPr>
+          <p:cNvSpPr>
+            <a:spLocks noGrp="1"/>
+          </p:cNvSpPr>
+          <p:nvPr>
+            <p:ph type="sldNum" sz="quarter" idx="12"/>
+          </p:nvPr>
+        </p:nvSpPr>
+        <p:spPr/>
+        <p:txBody>
+          <a:bodyPr/>
+          <a:lstStyle/>
+          <a:p>
+            <a:pPr>
+              <a:defRPr/>
+            </a:pPr>
+            <a:fld id="{BD6E0F59-1DD8-40FC-9C92-B6295CBA6CCA}" type="slidenum">
+              <a:rPr lang="en-US" altLang="zh-CN" smtClean="0"/>
+              <a:pPr>
+                <a:defRPr/>
+              </a:pPr>
+              <a:t>10</a:t>
+            </a:fld>
+            <a:endParaRPr lang="en-US" altLang="zh-CN"/>
+          </a:p>
+        </p:txBody>
+      </p:sp>
+      <p:sp>
+        <p:nvSpPr>
+          <p:cNvPr id="7" name="Rectangle 6">
+            <a:extLst>
+              <a:ext uri="{FF2B5EF4-FFF2-40B4-BE49-F238E27FC236}">
+                <a16:creationId xmlns:a16="http://schemas.microsoft.com/office/drawing/2014/main" id="{AA6E66CA-28BC-2C4A-BC04-4600D8FEBF3B}"/>
+              </a:ext>
+            </a:extLst>
+          </p:cNvPr>
+          <p:cNvSpPr/>
+          <p:nvPr/>
+        </p:nvSpPr>
+        <p:spPr>
+          <a:xfrm>
+            <a:off x="1066800" y="825427"/>
+            <a:ext cx="7010400" cy="3779817"/>
+          </a:xfrm>
+          <a:prstGeom prst="rect">
+            <a:avLst/>
+          </a:prstGeom>
+          <a:solidFill>
+            <a:schemeClr val="accent6">
+              <a:lumMod val="20000"/>
+              <a:lumOff val="80000"/>
+            </a:schemeClr>
+          </a:solidFill>
+        </p:spPr>
+        <p:txBody>
+          <a:bodyPr wrap="square">
+            <a:spAutoFit/>
+          </a:bodyPr>
+          <a:lstStyle/>
+          <a:p>
+            <a:pPr>
+              <a:lnSpc>
+                <a:spcPts val="1640"/>
+              </a:lnSpc>
+            </a:pPr>
+            <a:r>
+              <a:rPr lang="en-CA" sz="1200" dirty="0">
+                <a:latin typeface="Courier" pitchFamily="2" charset="0"/>
+              </a:rPr>
+              <a:t>                             +------------+</a:t>
+            </a:r>
+          </a:p>
+          <a:p>
+            <a:pPr>
+              <a:lnSpc>
+                <a:spcPts val="1640"/>
+              </a:lnSpc>
+            </a:pPr>
+            <a:r>
+              <a:rPr lang="en-CA" sz="1200" dirty="0">
+                <a:latin typeface="Courier" pitchFamily="2" charset="0"/>
+              </a:rPr>
+              <a:t>                             | Controller |</a:t>
+            </a:r>
+          </a:p>
+          <a:p>
+            <a:pPr>
+              <a:lnSpc>
+                <a:spcPts val="1640"/>
+              </a:lnSpc>
+            </a:pPr>
+            <a:r>
+              <a:rPr lang="en-CA" sz="1200" dirty="0">
+                <a:latin typeface="Courier" pitchFamily="2" charset="0"/>
+              </a:rPr>
+              <a:t>                             +------------+</a:t>
+            </a:r>
+          </a:p>
+          <a:p>
+            <a:pPr>
+              <a:lnSpc>
+                <a:spcPts val="1640"/>
+              </a:lnSpc>
+            </a:pPr>
+            <a:r>
+              <a:rPr lang="en-CA" sz="1200" dirty="0">
+                <a:latin typeface="Courier" pitchFamily="2" charset="0"/>
+              </a:rPr>
+              <a:t>  Destination UDP Port            /  \       Network Programming Label</a:t>
+            </a:r>
+          </a:p>
+          <a:p>
+            <a:pPr>
+              <a:lnSpc>
+                <a:spcPts val="1640"/>
+              </a:lnSpc>
+            </a:pPr>
+            <a:r>
+              <a:rPr lang="en-CA" sz="1200" dirty="0">
+                <a:latin typeface="Courier" pitchFamily="2" charset="0"/>
+              </a:rPr>
+              <a:t>  Measurement Protocol           /    \      Timestamp Offset</a:t>
+            </a:r>
+          </a:p>
+          <a:p>
+            <a:pPr>
+              <a:lnSpc>
+                <a:spcPts val="1640"/>
+              </a:lnSpc>
+            </a:pPr>
+            <a:r>
+              <a:rPr lang="en-CA" sz="1200" dirty="0">
+                <a:latin typeface="Courier" pitchFamily="2" charset="0"/>
+              </a:rPr>
+              <a:t>  PLM Type                      /      \     Timestamp Format</a:t>
+            </a:r>
+          </a:p>
+          <a:p>
+            <a:pPr>
+              <a:lnSpc>
+                <a:spcPts val="1640"/>
+              </a:lnSpc>
+            </a:pPr>
+            <a:r>
+              <a:rPr lang="en-CA" sz="1200" dirty="0">
+                <a:latin typeface="Courier" pitchFamily="2" charset="0"/>
+              </a:rPr>
+              <a:t>     Simple or Enhanced        /        \</a:t>
+            </a:r>
+          </a:p>
+          <a:p>
+            <a:pPr>
+              <a:lnSpc>
+                <a:spcPts val="1640"/>
+              </a:lnSpc>
+            </a:pPr>
+            <a:r>
+              <a:rPr lang="en-CA" sz="1200" dirty="0">
+                <a:latin typeface="Courier" pitchFamily="2" charset="0"/>
+              </a:rPr>
+              <a:t>  Authentication Mode &amp; Key   /          \     </a:t>
+            </a:r>
+          </a:p>
+          <a:p>
+            <a:pPr>
+              <a:lnSpc>
+                <a:spcPts val="1640"/>
+              </a:lnSpc>
+            </a:pPr>
+            <a:r>
+              <a:rPr lang="en-CA" sz="1200" dirty="0">
+                <a:latin typeface="Courier" pitchFamily="2" charset="0"/>
+              </a:rPr>
+              <a:t>  Network Programming Label  /            \</a:t>
+            </a:r>
+          </a:p>
+          <a:p>
+            <a:pPr>
+              <a:lnSpc>
+                <a:spcPts val="1640"/>
+              </a:lnSpc>
+            </a:pPr>
+            <a:r>
+              <a:rPr lang="en-CA" sz="1200" dirty="0">
+                <a:latin typeface="Courier" pitchFamily="2" charset="0"/>
+              </a:rPr>
+              <a:t>  Timestamp Format          /              \</a:t>
+            </a:r>
+          </a:p>
+          <a:p>
+            <a:pPr>
+              <a:lnSpc>
+                <a:spcPts val="1640"/>
+              </a:lnSpc>
+            </a:pPr>
+            <a:r>
+              <a:rPr lang="en-CA" sz="1200" dirty="0">
+                <a:latin typeface="Courier" pitchFamily="2" charset="0"/>
+              </a:rPr>
+              <a:t>                           /                \ </a:t>
+            </a:r>
+          </a:p>
+          <a:p>
+            <a:pPr>
+              <a:lnSpc>
+                <a:spcPts val="1640"/>
+              </a:lnSpc>
+            </a:pPr>
+            <a:r>
+              <a:rPr lang="en-CA" sz="1200" dirty="0">
+                <a:latin typeface="Courier" pitchFamily="2" charset="0"/>
+              </a:rPr>
+              <a:t>                          v                  v</a:t>
+            </a:r>
+          </a:p>
+          <a:p>
+            <a:pPr>
+              <a:lnSpc>
+                <a:spcPts val="1640"/>
+              </a:lnSpc>
+            </a:pPr>
+            <a:r>
+              <a:rPr lang="en-CA" sz="1200" dirty="0">
+                <a:latin typeface="Courier" pitchFamily="2" charset="0"/>
+              </a:rPr>
+              <a:t>                     +-------+            +-------+</a:t>
+            </a:r>
+          </a:p>
+          <a:p>
+            <a:pPr>
+              <a:lnSpc>
+                <a:spcPts val="1640"/>
+              </a:lnSpc>
+            </a:pPr>
+            <a:r>
+              <a:rPr lang="en-CA" sz="1200" dirty="0">
+                <a:latin typeface="Courier" pitchFamily="2" charset="0"/>
+              </a:rPr>
+              <a:t>                     |       |  SR Path   |       |</a:t>
+            </a:r>
+          </a:p>
+          <a:p>
+            <a:pPr>
+              <a:lnSpc>
+                <a:spcPts val="1640"/>
+              </a:lnSpc>
+            </a:pPr>
+            <a:r>
+              <a:rPr lang="en-CA" sz="1200" dirty="0">
+                <a:latin typeface="Courier" pitchFamily="2" charset="0"/>
+              </a:rPr>
+              <a:t>                     |   R1  |============|   R5  |</a:t>
+            </a:r>
+          </a:p>
+          <a:p>
+            <a:pPr>
+              <a:lnSpc>
+                <a:spcPts val="1640"/>
+              </a:lnSpc>
+            </a:pPr>
+            <a:r>
+              <a:rPr lang="en-CA" sz="1200" dirty="0">
+                <a:latin typeface="Courier" pitchFamily="2" charset="0"/>
+              </a:rPr>
+              <a:t>                     |       |            |       |</a:t>
+            </a:r>
+          </a:p>
+          <a:p>
+            <a:pPr>
+              <a:lnSpc>
+                <a:spcPts val="1640"/>
+              </a:lnSpc>
+            </a:pPr>
+            <a:r>
+              <a:rPr lang="en-CA" sz="1200" dirty="0">
+                <a:latin typeface="Courier" pitchFamily="2" charset="0"/>
+              </a:rPr>
+              <a:t>                     +-------+            +-------+</a:t>
+            </a:r>
+          </a:p>
+          <a:p>
+            <a:pPr>
+              <a:lnSpc>
+                <a:spcPts val="1640"/>
+              </a:lnSpc>
+            </a:pPr>
+            <a:r>
+              <a:rPr lang="en-CA" sz="1200" dirty="0">
+                <a:latin typeface="Courier" pitchFamily="2" charset="0"/>
+              </a:rPr>
+              <a:t>                      Sender              Reflector</a:t>
+            </a:r>
+          </a:p>
+        </p:txBody>
+      </p:sp>
+    </p:spTree>
+    <p:extLst>
+      <p:ext uri="{BB962C8B-B14F-4D97-AF65-F5344CB8AC3E}">
+        <p14:creationId xmlns:p14="http://schemas.microsoft.com/office/powerpoint/2010/main" val="21907870"/>
+      </p:ext>
+    </p:extLst>
+  </p:cSld>
+  <p:clrMapOvr>
+    <a:masterClrMapping/>
+  </p:clrMapOvr>
+</p:sld>
+</file>
+
+<file path=ppt/slides/slide11.xml><?xml version="1.0" encoding="utf-8"?>
+<p:sld xmlns:a="http://schemas.openxmlformats.org/drawingml/2006/main" xmlns:r="http://schemas.openxmlformats.org/officeDocument/2006/relationships" xmlns:p="http://schemas.openxmlformats.org/presentationml/2006/main">
+  <p:cSld>
+    <p:spTree>
+      <p:nvGrpSpPr>
+        <p:cNvPr id="1" name=""/>
+        <p:cNvGrpSpPr/>
+        <p:nvPr/>
+      </p:nvGrpSpPr>
+      <p:grpSpPr>
+        <a:xfrm>
+          <a:off x="0" y="0"/>
+          <a:ext cx="0" cy="0"/>
+          <a:chOff x="0" y="0"/>
+          <a:chExt cx="0" cy="0"/>
+        </a:xfrm>
+      </p:grpSpPr>
+      <p:sp>
+        <p:nvSpPr>
           <p:cNvPr id="2" name="Title 1"/>
           <p:cNvSpPr>
             <a:spLocks noGrp="1"/>
@@ -6037,7 +6533,7 @@
               <a:pPr>
                 <a:defRPr/>
               </a:pPr>
-              <a:t>10</a:t>
+              <a:t>11</a:t>
             </a:fld>
             <a:endParaRPr lang="en-US" altLang="zh-CN"/>
           </a:p>
@@ -6056,7 +6552,7 @@
 </p:sld>
 </file>
 
-<file path=ppt/slides/slide11.xml><?xml version="1.0" encoding="utf-8"?>
+<file path=ppt/slides/slide12.xml><?xml version="1.0" encoding="utf-8"?>
 <p:sld xmlns:a="http://schemas.openxmlformats.org/drawingml/2006/main" xmlns:r="http://schemas.openxmlformats.org/officeDocument/2006/relationships" xmlns:p="http://schemas.openxmlformats.org/presentationml/2006/main">
   <p:cSld>
     <p:spTree>
@@ -6312,7 +6808,7 @@
               <a:pPr>
                 <a:defRPr/>
               </a:pPr>
-              <a:t>11</a:t>
+              <a:t>12</a:t>
             </a:fld>
             <a:endParaRPr lang="en-US" altLang="zh-CN"/>
           </a:p>
@@ -6322,120 +6818,6 @@
     <p:extLst>
       <p:ext uri="{BB962C8B-B14F-4D97-AF65-F5344CB8AC3E}">
         <p14:creationId xmlns:p14="http://schemas.microsoft.com/office/powerpoint/2010/main" val="15840811"/>
-      </p:ext>
-    </p:extLst>
-  </p:cSld>
-  <p:clrMapOvr>
-    <a:masterClrMapping/>
-  </p:clrMapOvr>
-</p:sld>
-</file>
-
-<file path=ppt/slides/slide12.xml><?xml version="1.0" encoding="utf-8"?>
-<p:sld xmlns:a="http://schemas.openxmlformats.org/drawingml/2006/main" xmlns:r="http://schemas.openxmlformats.org/officeDocument/2006/relationships" xmlns:p="http://schemas.openxmlformats.org/presentationml/2006/main">
-  <p:cSld>
-    <p:spTree>
-      <p:nvGrpSpPr>
-        <p:cNvPr id="1" name=""/>
-        <p:cNvGrpSpPr/>
-        <p:nvPr/>
-      </p:nvGrpSpPr>
-      <p:grpSpPr>
-        <a:xfrm>
-          <a:off x="0" y="0"/>
-          <a:ext cx="0" cy="0"/>
-          <a:chOff x="0" y="0"/>
-          <a:chExt cx="0" cy="0"/>
-        </a:xfrm>
-      </p:grpSpPr>
-      <p:sp>
-        <p:nvSpPr>
-          <p:cNvPr id="6" name="Footer Placeholder 3"/>
-          <p:cNvSpPr>
-            <a:spLocks noGrp="1"/>
-          </p:cNvSpPr>
-          <p:nvPr>
-            <p:ph type="ftr" sz="quarter" idx="11"/>
-          </p:nvPr>
-        </p:nvSpPr>
-        <p:spPr>
-          <a:xfrm>
-            <a:off x="3124200" y="4786312"/>
-            <a:ext cx="2895600" cy="357188"/>
-          </a:xfrm>
-        </p:spPr>
-        <p:txBody>
-          <a:bodyPr/>
-          <a:lstStyle/>
-          <a:p>
-            <a:r>
-              <a:rPr lang="en-CA" dirty="0"/>
-              <a:t>IETF MPLS WG Interim – April 2020 </a:t>
-            </a:r>
-          </a:p>
-        </p:txBody>
-      </p:sp>
-      <p:sp>
-        <p:nvSpPr>
-          <p:cNvPr id="3" name="Slide Number Placeholder 2"/>
-          <p:cNvSpPr>
-            <a:spLocks noGrp="1"/>
-          </p:cNvSpPr>
-          <p:nvPr>
-            <p:ph type="sldNum" sz="quarter" idx="12"/>
-          </p:nvPr>
-        </p:nvSpPr>
-        <p:spPr/>
-        <p:txBody>
-          <a:bodyPr/>
-          <a:lstStyle/>
-          <a:p>
-            <a:pPr>
-              <a:defRPr/>
-            </a:pPr>
-            <a:fld id="{D5EE1D1A-EEC2-4D53-94A7-85D62C853479}" type="slidenum">
-              <a:rPr lang="en-US" altLang="zh-CN" smtClean="0"/>
-              <a:pPr>
-                <a:defRPr/>
-              </a:pPr>
-              <a:t>12</a:t>
-            </a:fld>
-            <a:endParaRPr lang="en-US" altLang="zh-CN"/>
-          </a:p>
-        </p:txBody>
-      </p:sp>
-      <p:sp>
-        <p:nvSpPr>
-          <p:cNvPr id="8" name="Title 7">
-            <a:extLst>
-              <a:ext uri="{FF2B5EF4-FFF2-40B4-BE49-F238E27FC236}">
-                <a16:creationId xmlns:a16="http://schemas.microsoft.com/office/drawing/2014/main" id="{EAE0D9DC-8575-A84F-A04B-3BD8C30794A3}"/>
-              </a:ext>
-            </a:extLst>
-          </p:cNvPr>
-          <p:cNvSpPr>
-            <a:spLocks noGrp="1"/>
-          </p:cNvSpPr>
-          <p:nvPr>
-            <p:ph type="ctrTitle"/>
-          </p:nvPr>
-        </p:nvSpPr>
-        <p:spPr/>
-        <p:txBody>
-          <a:bodyPr/>
-          <a:lstStyle/>
-          <a:p>
-            <a:r>
-              <a:rPr lang="en-US" dirty="0"/>
-              <a:t>Backup</a:t>
-            </a:r>
-          </a:p>
-        </p:txBody>
-      </p:sp>
-    </p:spTree>
-    <p:extLst>
-      <p:ext uri="{BB962C8B-B14F-4D97-AF65-F5344CB8AC3E}">
-        <p14:creationId xmlns:p14="http://schemas.microsoft.com/office/powerpoint/2010/main" val="1607707434"/>
       </p:ext>
     </p:extLst>
   </p:cSld>
@@ -6464,6 +6846,120 @@
       </p:grpSpPr>
       <p:sp>
         <p:nvSpPr>
+          <p:cNvPr id="6" name="Footer Placeholder 3"/>
+          <p:cNvSpPr>
+            <a:spLocks noGrp="1"/>
+          </p:cNvSpPr>
+          <p:nvPr>
+            <p:ph type="ftr" sz="quarter" idx="11"/>
+          </p:nvPr>
+        </p:nvSpPr>
+        <p:spPr>
+          <a:xfrm>
+            <a:off x="3124200" y="4786312"/>
+            <a:ext cx="2895600" cy="357188"/>
+          </a:xfrm>
+        </p:spPr>
+        <p:txBody>
+          <a:bodyPr/>
+          <a:lstStyle/>
+          <a:p>
+            <a:r>
+              <a:rPr lang="en-CA" dirty="0"/>
+              <a:t>IETF MPLS WG Interim – April 2020 </a:t>
+            </a:r>
+          </a:p>
+        </p:txBody>
+      </p:sp>
+      <p:sp>
+        <p:nvSpPr>
+          <p:cNvPr id="3" name="Slide Number Placeholder 2"/>
+          <p:cNvSpPr>
+            <a:spLocks noGrp="1"/>
+          </p:cNvSpPr>
+          <p:nvPr>
+            <p:ph type="sldNum" sz="quarter" idx="12"/>
+          </p:nvPr>
+        </p:nvSpPr>
+        <p:spPr/>
+        <p:txBody>
+          <a:bodyPr/>
+          <a:lstStyle/>
+          <a:p>
+            <a:pPr>
+              <a:defRPr/>
+            </a:pPr>
+            <a:fld id="{D5EE1D1A-EEC2-4D53-94A7-85D62C853479}" type="slidenum">
+              <a:rPr lang="en-US" altLang="zh-CN" smtClean="0"/>
+              <a:pPr>
+                <a:defRPr/>
+              </a:pPr>
+              <a:t>13</a:t>
+            </a:fld>
+            <a:endParaRPr lang="en-US" altLang="zh-CN"/>
+          </a:p>
+        </p:txBody>
+      </p:sp>
+      <p:sp>
+        <p:nvSpPr>
+          <p:cNvPr id="8" name="Title 7">
+            <a:extLst>
+              <a:ext uri="{FF2B5EF4-FFF2-40B4-BE49-F238E27FC236}">
+                <a16:creationId xmlns:a16="http://schemas.microsoft.com/office/drawing/2014/main" id="{EAE0D9DC-8575-A84F-A04B-3BD8C30794A3}"/>
+              </a:ext>
+            </a:extLst>
+          </p:cNvPr>
+          <p:cNvSpPr>
+            <a:spLocks noGrp="1"/>
+          </p:cNvSpPr>
+          <p:nvPr>
+            <p:ph type="ctrTitle"/>
+          </p:nvPr>
+        </p:nvSpPr>
+        <p:spPr/>
+        <p:txBody>
+          <a:bodyPr/>
+          <a:lstStyle/>
+          <a:p>
+            <a:r>
+              <a:rPr lang="en-US" dirty="0"/>
+              <a:t>Backup</a:t>
+            </a:r>
+          </a:p>
+        </p:txBody>
+      </p:sp>
+    </p:spTree>
+    <p:extLst>
+      <p:ext uri="{BB962C8B-B14F-4D97-AF65-F5344CB8AC3E}">
+        <p14:creationId xmlns:p14="http://schemas.microsoft.com/office/powerpoint/2010/main" val="1607707434"/>
+      </p:ext>
+    </p:extLst>
+  </p:cSld>
+  <p:clrMapOvr>
+    <a:masterClrMapping/>
+  </p:clrMapOvr>
+</p:sld>
+</file>
+
+<file path=ppt/slides/slide14.xml><?xml version="1.0" encoding="utf-8"?>
+<p:sld xmlns:a="http://schemas.openxmlformats.org/drawingml/2006/main" xmlns:r="http://schemas.openxmlformats.org/officeDocument/2006/relationships" xmlns:p="http://schemas.openxmlformats.org/presentationml/2006/main">
+  <p:cSld>
+    <p:spTree>
+      <p:nvGrpSpPr>
+        <p:cNvPr id="1" name=""/>
+        <p:cNvGrpSpPr/>
+        <p:nvPr/>
+      </p:nvGrpSpPr>
+      <p:grpSpPr>
+        <a:xfrm>
+          <a:off x="0" y="0"/>
+          <a:ext cx="0" cy="0"/>
+          <a:chOff x="0" y="0"/>
+          <a:chExt cx="0" cy="0"/>
+        </a:xfrm>
+      </p:grpSpPr>
+      <p:sp>
+        <p:nvSpPr>
           <p:cNvPr id="2" name="Title 1"/>
           <p:cNvSpPr>
             <a:spLocks noGrp="1"/>
@@ -6545,7 +7041,7 @@
               <a:pPr>
                 <a:defRPr/>
               </a:pPr>
-              <a:t>13</a:t>
+              <a:t>14</a:t>
             </a:fld>
             <a:endParaRPr lang="en-US" altLang="zh-CN"/>
           </a:p>
@@ -6852,7 +7348,7 @@
 </p:sld>
 </file>
 
-<file path=ppt/slides/slide14.xml><?xml version="1.0" encoding="utf-8"?>
+<file path=ppt/slides/slide15.xml><?xml version="1.0" encoding="utf-8"?>
 <p:sld xmlns:a="http://schemas.openxmlformats.org/drawingml/2006/main" xmlns:r="http://schemas.openxmlformats.org/officeDocument/2006/relationships" xmlns:p="http://schemas.openxmlformats.org/presentationml/2006/main">
   <p:cSld>
     <p:spTree>
@@ -7108,7 +7604,7 @@
               <a:pPr>
                 <a:defRPr/>
               </a:pPr>
-              <a:t>14</a:t>
+              <a:t>15</a:t>
             </a:fld>
             <a:endParaRPr lang="en-US" altLang="zh-CN" dirty="0"/>
           </a:p>
@@ -7127,7 +7623,7 @@
 </p:sld>
 </file>
 
-<file path=ppt/slides/slide15.xml><?xml version="1.0" encoding="utf-8"?>
+<file path=ppt/slides/slide16.xml><?xml version="1.0" encoding="utf-8"?>
 <p:sld xmlns:a="http://schemas.openxmlformats.org/drawingml/2006/main" xmlns:r="http://schemas.openxmlformats.org/officeDocument/2006/relationships" xmlns:p="http://schemas.openxmlformats.org/presentationml/2006/main">
   <p:cSld>
     <p:spTree>
@@ -8424,7 +8920,7 @@
 </p:sld>
 </file>
 
-<file path=ppt/slides/slide16.xml><?xml version="1.0" encoding="utf-8"?>
+<file path=ppt/slides/slide17.xml><?xml version="1.0" encoding="utf-8"?>
 <p:sld xmlns:a="http://schemas.openxmlformats.org/drawingml/2006/main" xmlns:r="http://schemas.openxmlformats.org/officeDocument/2006/relationships" xmlns:p="http://schemas.openxmlformats.org/presentationml/2006/main">
   <p:cSld>
     <p:spTree>
@@ -9857,7 +10353,7 @@
 </p:sld>
 </file>
 
-<file path=ppt/slides/slide17.xml><?xml version="1.0" encoding="utf-8"?>
+<file path=ppt/slides/slide18.xml><?xml version="1.0" encoding="utf-8"?>
 <p:sld xmlns:a="http://schemas.openxmlformats.org/drawingml/2006/main" xmlns:r="http://schemas.openxmlformats.org/officeDocument/2006/relationships" xmlns:p="http://schemas.openxmlformats.org/presentationml/2006/main">
   <p:cSld>
     <p:spTree>
@@ -10113,7 +10609,7 @@
               <a:pPr>
                 <a:defRPr/>
               </a:pPr>
-              <a:t>17</a:t>
+              <a:t>18</a:t>
             </a:fld>
             <a:endParaRPr lang="en-US" altLang="zh-CN"/>
           </a:p>
@@ -10852,7 +11348,7 @@
                 <a:ea typeface="Calibri" panose="020F0502020204030204" pitchFamily="34" charset="0"/>
                 <a:cs typeface="Times New Roman" panose="02020603050405020304" pitchFamily="18" charset="0"/>
               </a:rPr>
-              <a:t>           Figure 1: Loopback Mode</a:t>
+              <a:t>           Figure: Loopback Mode</a:t>
             </a:r>
             <a:endParaRPr lang="en-CA" sz="1200" dirty="0">
               <a:effectLst/>
@@ -10983,7 +11479,7 @@
             </a:pPr>
             <a:r>
               <a:rPr lang="en-CA" sz="1200" dirty="0"/>
-              <a:t>Use PM probes in loopback mode enabled with network programming function.</a:t>
+              <a:t>Use PM probes in loopback mode enabled with network programming function</a:t>
             </a:r>
           </a:p>
           <a:p>
@@ -10997,7 +11493,7 @@
             </a:pPr>
             <a:r>
               <a:rPr lang="en-CA" sz="1200" dirty="0"/>
-              <a:t>The network programming function optimizes the "operations of punt, add receive timestamp and inject the probe packet" on the reflector node.  </a:t>
+              <a:t>The network programming function optimizes the "operations of punt, add receive timestamp and inject the probe packet" on the reflector node</a:t>
             </a:r>
           </a:p>
           <a:p>
@@ -11011,7 +11507,7 @@
             </a:pPr>
             <a:r>
               <a:rPr lang="en-CA" sz="1200" dirty="0"/>
-              <a:t>The endpoint node adds the receive timestamp in the payload of the received TWAMP Light or STAMP probe message without punting the probe message.  </a:t>
+              <a:t>The endpoint node adds the receive timestamp in the payload of the received TWAMP Light or STAMP probe message without punting the probe message</a:t>
             </a:r>
           </a:p>
           <a:p>
@@ -11230,7 +11726,7 @@
         </p:nvSpPr>
         <p:spPr>
           <a:xfrm>
-            <a:off x="443261" y="-132784"/>
+            <a:off x="381000" y="22027"/>
             <a:ext cx="8458200" cy="857250"/>
           </a:xfrm>
         </p:spPr>
@@ -11246,7 +11742,7 @@
                 <a:latin typeface="Calibri Light" panose="020F0302020204030204" pitchFamily="34" charset="0"/>
                 <a:cs typeface="Calibri Light" panose="020F0302020204030204" pitchFamily="34" charset="0"/>
               </a:rPr>
-              <a:t>TWAMP Light/STAMP Probe Message</a:t>
+              <a:t>TWAMP Light Probe Message</a:t>
             </a:r>
           </a:p>
         </p:txBody>
@@ -11294,8 +11790,8 @@
         </p:nvSpPr>
         <p:spPr>
           <a:xfrm>
-            <a:off x="152400" y="893697"/>
-            <a:ext cx="4800600" cy="3139321"/>
+            <a:off x="205902" y="887408"/>
+            <a:ext cx="4800600" cy="3693319"/>
           </a:xfrm>
           <a:prstGeom prst="rect">
             <a:avLst/>
@@ -11407,7 +11903,7 @@
                 <a:ea typeface="Courier" charset="0"/>
                 <a:cs typeface="Courier" charset="0"/>
               </a:rPr>
-              <a:t>  |         Error Estimate        |    SSID                       |</a:t>
+              <a:t>  |         Error Estimate        |    MBZ                        |</a:t>
             </a:r>
           </a:p>
           <a:p>
@@ -11694,6 +12190,86 @@
                 <a:spcPts val="0"/>
               </a:spcAft>
             </a:pPr>
+            <a:r>
+              <a:rPr lang="en-US" sz="900" dirty="0">
+                <a:solidFill>
+                  <a:schemeClr val="bg1">
+                    <a:lumMod val="50000"/>
+                  </a:schemeClr>
+                </a:solidFill>
+                <a:latin typeface="Courier" pitchFamily="2" charset="0"/>
+                <a:ea typeface="Courier" charset="0"/>
+                <a:cs typeface="Courier" charset="0"/>
+              </a:rPr>
+              <a:t>  |                                                               |</a:t>
+            </a:r>
+          </a:p>
+          <a:p>
+            <a:pPr>
+              <a:spcAft>
+                <a:spcPts val="0"/>
+              </a:spcAft>
+            </a:pPr>
+            <a:r>
+              <a:rPr lang="en-US" sz="900" dirty="0">
+                <a:solidFill>
+                  <a:schemeClr val="bg1">
+                    <a:lumMod val="50000"/>
+                  </a:schemeClr>
+                </a:solidFill>
+                <a:latin typeface="Courier" pitchFamily="2" charset="0"/>
+                <a:ea typeface="Courier" charset="0"/>
+                <a:cs typeface="Courier" charset="0"/>
+              </a:rPr>
+              <a:t>  ~                      Padding                                  ~</a:t>
+            </a:r>
+          </a:p>
+          <a:p>
+            <a:pPr>
+              <a:spcAft>
+                <a:spcPts val="0"/>
+              </a:spcAft>
+            </a:pPr>
+            <a:r>
+              <a:rPr lang="en-US" sz="900" dirty="0">
+                <a:solidFill>
+                  <a:schemeClr val="bg1">
+                    <a:lumMod val="50000"/>
+                  </a:schemeClr>
+                </a:solidFill>
+                <a:latin typeface="Courier" pitchFamily="2" charset="0"/>
+                <a:ea typeface="Courier" charset="0"/>
+                <a:cs typeface="Courier" charset="0"/>
+              </a:rPr>
+              <a:t>  |                                                               |</a:t>
+            </a:r>
+          </a:p>
+          <a:p>
+            <a:pPr>
+              <a:spcAft>
+                <a:spcPts val="0"/>
+              </a:spcAft>
+            </a:pPr>
+            <a:r>
+              <a:rPr lang="en-US" sz="900" dirty="0">
+                <a:solidFill>
+                  <a:schemeClr val="bg1">
+                    <a:lumMod val="50000"/>
+                  </a:schemeClr>
+                </a:solidFill>
+                <a:latin typeface="Courier" pitchFamily="2" charset="0"/>
+                <a:ea typeface="Courier" charset="0"/>
+                <a:cs typeface="Courier" charset="0"/>
+              </a:rPr>
+              <a:t>  +-+-+-+-+-+-+-+-+-+-+-+-+-+-+-+-+-+-+-+-+-+-+-+-+-+-+-+-+-+-+-+-+</a:t>
+            </a:r>
+          </a:p>
+          <a:p>
+            <a:pPr>
+              <a:spcAft>
+                <a:spcPts val="0"/>
+              </a:spcAft>
+            </a:pPr>
             <a:endParaRPr lang="en-CA" sz="900" dirty="0">
               <a:solidFill>
                 <a:schemeClr val="bg2">
@@ -11734,8 +12310,8 @@
         </p:nvSpPr>
         <p:spPr>
           <a:xfrm>
-            <a:off x="5029200" y="872994"/>
-            <a:ext cx="3962400" cy="3263537"/>
+            <a:off x="5029200" y="1276351"/>
+            <a:ext cx="3962400" cy="2819400"/>
           </a:xfrm>
         </p:spPr>
         <p:txBody>
@@ -11766,20 +12342,20 @@
             <a:pPr lvl="1"/>
             <a:r>
               <a:rPr lang="en-US" sz="1400" dirty="0"/>
-              <a:t>For TWAMP Light and STAMP packets, it is at offset-byte 16 from the start of the payload</a:t>
+              <a:t>For TWAMP Light packets, it is at offset-byte 16 from the start of the payload</a:t>
             </a:r>
           </a:p>
           <a:p>
             <a:r>
               <a:rPr lang="en-US" sz="1400" dirty="0"/>
-              <a:t>Sender Sequence Number, Sender Timestamp, Sender Error Estimate and Sender TTL in the TWAMP Light and STAMP messages are not used.</a:t>
+              <a:t>Sender Sequence Number, Sender Timestamp, Sender Error Estimate and Sender TTL in the TWAMP Light messages are not used</a:t>
             </a:r>
           </a:p>
           <a:p>
             <a:pPr lvl="1"/>
             <a:r>
               <a:rPr lang="en-US" sz="1400" dirty="0"/>
-              <a:t>Reflector does not copy them.</a:t>
+              <a:t>Reflector does not copy them</a:t>
             </a:r>
           </a:p>
           <a:p>
@@ -11859,8 +12435,8 @@
         </p:nvSpPr>
         <p:spPr>
           <a:xfrm>
-            <a:off x="457200" y="-95250"/>
-            <a:ext cx="8229600" cy="857250"/>
+            <a:off x="457200" y="44938"/>
+            <a:ext cx="8458200" cy="857250"/>
           </a:xfrm>
         </p:spPr>
         <p:txBody>
@@ -11875,34 +12451,7 @@
                 <a:latin typeface="Calibri Light" panose="020F0302020204030204" pitchFamily="34" charset="0"/>
                 <a:cs typeface="Calibri Light" panose="020F0302020204030204" pitchFamily="34" charset="0"/>
               </a:rPr>
-              <a:t>SR-MPLS with Timestamp Label</a:t>
-            </a:r>
-          </a:p>
-        </p:txBody>
-      </p:sp>
-      <p:sp>
-        <p:nvSpPr>
-          <p:cNvPr id="4" name="Footer Placeholder 3"/>
-          <p:cNvSpPr>
-            <a:spLocks noGrp="1"/>
-          </p:cNvSpPr>
-          <p:nvPr>
-            <p:ph type="ftr" sz="quarter" idx="11"/>
-          </p:nvPr>
-        </p:nvSpPr>
-        <p:spPr>
-          <a:xfrm>
-            <a:off x="3124200" y="4786312"/>
-            <a:ext cx="2895600" cy="357188"/>
-          </a:xfrm>
-        </p:spPr>
-        <p:txBody>
-          <a:bodyPr/>
-          <a:lstStyle/>
-          <a:p>
-            <a:r>
-              <a:rPr lang="en-CA" dirty="0"/>
-              <a:t>IETF MPLS WG Interim – April 2020 </a:t>
+              <a:t>STAMP Probe Message</a:t>
             </a:r>
           </a:p>
         </p:txBody>
@@ -11950,8 +12499,8 @@
         </p:nvSpPr>
         <p:spPr>
           <a:xfrm>
-            <a:off x="228600" y="666751"/>
-            <a:ext cx="4800600" cy="4119562"/>
+            <a:off x="152400" y="997210"/>
+            <a:ext cx="4800600" cy="3139321"/>
           </a:xfrm>
           <a:prstGeom prst="rect">
             <a:avLst/>
@@ -11973,261 +12522,414 @@
               <a:rPr lang="en-CA" sz="900" dirty="0">
                 <a:latin typeface="Courier" pitchFamily="2" charset="0"/>
               </a:rPr>
-              <a:t>  0 1 2 3 4 5 6 7 8 9 0 1 2 3 4 5 6 7 8 9 0 1 2 3 4 5 6 7 8 9 0 1</a:t>
-            </a:r>
+              <a:t>  +-+-+-+-+-+-+-+-+-+-+-+-+-+-+-+-+-+-+-+-+-+-+-+-+-+-+-+-+-+-+-+-+</a:t>
+            </a:r>
+          </a:p>
+          <a:p>
+            <a:pPr>
+              <a:spcAft>
+                <a:spcPts val="0"/>
+              </a:spcAft>
+            </a:pPr>
+            <a:r>
+              <a:rPr lang="en-US" sz="900" dirty="0">
+                <a:latin typeface="Courier" pitchFamily="2" charset="0"/>
+                <a:ea typeface="Courier" charset="0"/>
+                <a:cs typeface="Courier" charset="0"/>
+              </a:rPr>
+              <a:t>  |         Sequence Number                                       |</a:t>
+            </a:r>
+          </a:p>
+          <a:p>
+            <a:pPr>
+              <a:spcAft>
+                <a:spcPts val="0"/>
+              </a:spcAft>
+            </a:pPr>
+            <a:r>
+              <a:rPr lang="en-US" sz="900" dirty="0">
+                <a:latin typeface="Courier" pitchFamily="2" charset="0"/>
+                <a:ea typeface="Courier" charset="0"/>
+                <a:cs typeface="Courier" charset="0"/>
+              </a:rPr>
+              <a:t>  +-+-+-+-+-+-+-+-+-+-+-+-+-+-+-+-+-+-+-+-+-+-+-+-+-+-+-+-+-+-+-+-+</a:t>
+            </a:r>
+          </a:p>
+          <a:p>
+            <a:pPr>
+              <a:spcAft>
+                <a:spcPts val="0"/>
+              </a:spcAft>
+            </a:pPr>
+            <a:r>
+              <a:rPr lang="en-US" sz="900" dirty="0">
+                <a:latin typeface="Courier" pitchFamily="2" charset="0"/>
+                <a:ea typeface="Courier" charset="0"/>
+                <a:cs typeface="Courier" charset="0"/>
+              </a:rPr>
+              <a:t>  |         Transmit Timestamp                                    |</a:t>
+            </a:r>
+          </a:p>
+          <a:p>
+            <a:pPr>
+              <a:spcAft>
+                <a:spcPts val="0"/>
+              </a:spcAft>
+            </a:pPr>
+            <a:r>
+              <a:rPr lang="en-US" sz="900" dirty="0">
+                <a:latin typeface="Courier" pitchFamily="2" charset="0"/>
+                <a:ea typeface="Courier" charset="0"/>
+                <a:cs typeface="Courier" charset="0"/>
+              </a:rPr>
+              <a:t>  |                                                               |</a:t>
+            </a:r>
+          </a:p>
+          <a:p>
+            <a:pPr>
+              <a:spcAft>
+                <a:spcPts val="0"/>
+              </a:spcAft>
+            </a:pPr>
+            <a:r>
+              <a:rPr lang="en-US" sz="900" dirty="0">
+                <a:latin typeface="Courier" pitchFamily="2" charset="0"/>
+                <a:ea typeface="Courier" charset="0"/>
+                <a:cs typeface="Courier" charset="0"/>
+              </a:rPr>
+              <a:t>  +-+-+-+-+-+-+-+-+-+-+-+-+-+-+-+-+-+-+-+-+-+-+-+-+-+-+-+-+-+-+-+-+</a:t>
+            </a:r>
+          </a:p>
+          <a:p>
+            <a:pPr>
+              <a:spcAft>
+                <a:spcPts val="0"/>
+              </a:spcAft>
+            </a:pPr>
+            <a:r>
+              <a:rPr lang="en-US" sz="900" dirty="0">
+                <a:latin typeface="Courier" pitchFamily="2" charset="0"/>
+                <a:ea typeface="Courier" charset="0"/>
+                <a:cs typeface="Courier" charset="0"/>
+              </a:rPr>
+              <a:t>  |         Error Estimate        |    </a:t>
+            </a:r>
+            <a:r>
+              <a:rPr lang="en-US" sz="900" b="1" dirty="0">
+                <a:latin typeface="Courier" pitchFamily="2" charset="0"/>
+                <a:ea typeface="Courier" charset="0"/>
+                <a:cs typeface="Courier" charset="0"/>
+              </a:rPr>
+              <a:t>SSID</a:t>
+            </a:r>
+            <a:r>
+              <a:rPr lang="en-US" sz="900" dirty="0">
+                <a:latin typeface="Courier" pitchFamily="2" charset="0"/>
+                <a:ea typeface="Courier" charset="0"/>
+                <a:cs typeface="Courier" charset="0"/>
+              </a:rPr>
+              <a:t>                       |</a:t>
+            </a:r>
+          </a:p>
+          <a:p>
+            <a:pPr>
+              <a:spcAft>
+                <a:spcPts val="0"/>
+              </a:spcAft>
+            </a:pPr>
+            <a:r>
+              <a:rPr lang="en-US" sz="900" dirty="0">
+                <a:latin typeface="Courier" pitchFamily="2" charset="0"/>
+                <a:ea typeface="Courier" charset="0"/>
+                <a:cs typeface="Courier" charset="0"/>
+              </a:rPr>
+              <a:t>  +-+-+-+-+-+-+-+-+-+-+-+-+-+-+-+-+-+-+-+-+-+-+-+-+-+-+-+-+-+-+-+-+</a:t>
+            </a:r>
+          </a:p>
+          <a:p>
+            <a:pPr>
+              <a:spcAft>
+                <a:spcPts val="0"/>
+              </a:spcAft>
+            </a:pPr>
+            <a:r>
+              <a:rPr lang="en-US" sz="900" dirty="0">
+                <a:solidFill>
+                  <a:schemeClr val="tx2"/>
+                </a:solidFill>
+                <a:latin typeface="Courier" pitchFamily="2" charset="0"/>
+                <a:ea typeface="Courier" charset="0"/>
+                <a:cs typeface="Courier" charset="0"/>
+              </a:rPr>
+              <a:t>  |         </a:t>
+            </a:r>
+            <a:r>
+              <a:rPr lang="en-US" sz="900" dirty="0">
+                <a:solidFill>
+                  <a:srgbClr val="0070C0"/>
+                </a:solidFill>
+                <a:latin typeface="Courier" pitchFamily="2" charset="0"/>
+                <a:ea typeface="Courier" charset="0"/>
+                <a:cs typeface="Courier" charset="0"/>
+              </a:rPr>
+              <a:t>Receive Timestamp                                     </a:t>
+            </a:r>
+            <a:r>
+              <a:rPr lang="en-US" sz="900" dirty="0">
+                <a:solidFill>
+                  <a:schemeClr val="tx2"/>
+                </a:solidFill>
+                <a:latin typeface="Courier" pitchFamily="2" charset="0"/>
+                <a:ea typeface="Courier" charset="0"/>
+                <a:cs typeface="Courier" charset="0"/>
+              </a:rPr>
+              <a:t>|</a:t>
+            </a:r>
+          </a:p>
+          <a:p>
+            <a:pPr>
+              <a:spcAft>
+                <a:spcPts val="0"/>
+              </a:spcAft>
+            </a:pPr>
+            <a:r>
+              <a:rPr lang="en-US" sz="900" dirty="0">
+                <a:latin typeface="Courier" pitchFamily="2" charset="0"/>
+                <a:ea typeface="Courier" charset="0"/>
+                <a:cs typeface="Courier" charset="0"/>
+              </a:rPr>
+              <a:t>  |                                                               |</a:t>
+            </a:r>
+          </a:p>
+          <a:p>
+            <a:pPr>
+              <a:spcAft>
+                <a:spcPts val="0"/>
+              </a:spcAft>
+            </a:pPr>
+            <a:r>
+              <a:rPr lang="en-US" sz="900" dirty="0">
+                <a:latin typeface="Courier" pitchFamily="2" charset="0"/>
+                <a:ea typeface="Courier" charset="0"/>
+                <a:cs typeface="Courier" charset="0"/>
+              </a:rPr>
+              <a:t>  +-+-+-+-+-+-+-+-+-+-+-+-+-+-+-+-+-+-+-+-+-+-+-+-+-+-+-+-+-+-+-+-+</a:t>
+            </a:r>
+          </a:p>
+          <a:p>
+            <a:pPr>
+              <a:spcAft>
+                <a:spcPts val="0"/>
+              </a:spcAft>
+            </a:pPr>
+            <a:r>
+              <a:rPr lang="en-US" sz="900" dirty="0">
+                <a:solidFill>
+                  <a:schemeClr val="bg2">
+                    <a:lumMod val="50000"/>
+                  </a:schemeClr>
+                </a:solidFill>
+                <a:latin typeface="Courier" pitchFamily="2" charset="0"/>
+                <a:ea typeface="Courier" charset="0"/>
+                <a:cs typeface="Courier" charset="0"/>
+              </a:rPr>
+              <a:t>  </a:t>
+            </a:r>
+            <a:r>
+              <a:rPr lang="en-US" sz="900" dirty="0">
+                <a:solidFill>
+                  <a:schemeClr val="bg1">
+                    <a:lumMod val="50000"/>
+                  </a:schemeClr>
+                </a:solidFill>
+                <a:latin typeface="Courier" pitchFamily="2" charset="0"/>
+                <a:ea typeface="Courier" charset="0"/>
+                <a:cs typeface="Courier" charset="0"/>
+              </a:rPr>
+              <a:t>|                      Sender Sequence Number                   |</a:t>
+            </a:r>
+          </a:p>
+          <a:p>
+            <a:pPr>
+              <a:spcAft>
+                <a:spcPts val="0"/>
+              </a:spcAft>
+            </a:pPr>
+            <a:r>
+              <a:rPr lang="en-US" sz="900" dirty="0">
+                <a:solidFill>
+                  <a:schemeClr val="bg1">
+                    <a:lumMod val="50000"/>
+                  </a:schemeClr>
+                </a:solidFill>
+                <a:latin typeface="Courier" pitchFamily="2" charset="0"/>
+                <a:ea typeface="Courier" charset="0"/>
+                <a:cs typeface="Courier" charset="0"/>
+              </a:rPr>
+              <a:t>  +-+-+-+-+-+-+-+-+-+-+-+-+-+-+-+-+-+-+-+-+-+-+-+-+-+-+-+-+-+-+-+-+</a:t>
+            </a:r>
+          </a:p>
+          <a:p>
+            <a:pPr>
+              <a:spcAft>
+                <a:spcPts val="0"/>
+              </a:spcAft>
+            </a:pPr>
+            <a:r>
+              <a:rPr lang="en-US" sz="900" dirty="0">
+                <a:solidFill>
+                  <a:schemeClr val="bg1">
+                    <a:lumMod val="50000"/>
+                  </a:schemeClr>
+                </a:solidFill>
+                <a:latin typeface="Courier" pitchFamily="2" charset="0"/>
+                <a:ea typeface="Courier" charset="0"/>
+                <a:cs typeface="Courier" charset="0"/>
+              </a:rPr>
+              <a:t>  |                      Sender Timestamp                         |</a:t>
+            </a:r>
+          </a:p>
+          <a:p>
+            <a:pPr>
+              <a:spcAft>
+                <a:spcPts val="0"/>
+              </a:spcAft>
+            </a:pPr>
+            <a:r>
+              <a:rPr lang="en-US" sz="900" dirty="0">
+                <a:solidFill>
+                  <a:schemeClr val="bg1">
+                    <a:lumMod val="50000"/>
+                  </a:schemeClr>
+                </a:solidFill>
+                <a:latin typeface="Courier" pitchFamily="2" charset="0"/>
+                <a:ea typeface="Courier" charset="0"/>
+                <a:cs typeface="Courier" charset="0"/>
+              </a:rPr>
+              <a:t>  |                                                               |</a:t>
+            </a:r>
+          </a:p>
+          <a:p>
+            <a:pPr>
+              <a:spcAft>
+                <a:spcPts val="0"/>
+              </a:spcAft>
+            </a:pPr>
+            <a:r>
+              <a:rPr lang="en-US" sz="900" dirty="0">
+                <a:solidFill>
+                  <a:schemeClr val="bg1">
+                    <a:lumMod val="50000"/>
+                  </a:schemeClr>
+                </a:solidFill>
+                <a:latin typeface="Courier" pitchFamily="2" charset="0"/>
+                <a:ea typeface="Courier" charset="0"/>
+                <a:cs typeface="Courier" charset="0"/>
+              </a:rPr>
+              <a:t>  +-+-+-+-+-+-+-+-+-+-+-+-+-+-+-+-+-+-+-+-+-+-+-+-+-+-+-+-+-+-+-+-+</a:t>
+            </a:r>
+          </a:p>
+          <a:p>
+            <a:pPr>
+              <a:spcAft>
+                <a:spcPts val="0"/>
+              </a:spcAft>
+            </a:pPr>
+            <a:r>
+              <a:rPr lang="en-US" sz="900" dirty="0">
+                <a:solidFill>
+                  <a:schemeClr val="bg1">
+                    <a:lumMod val="50000"/>
+                  </a:schemeClr>
+                </a:solidFill>
+                <a:latin typeface="Courier" pitchFamily="2" charset="0"/>
+                <a:ea typeface="Courier" charset="0"/>
+                <a:cs typeface="Courier" charset="0"/>
+              </a:rPr>
+              <a:t>  |      Sender Error Estimate    |           MBZ                 |</a:t>
+            </a:r>
+          </a:p>
+          <a:p>
+            <a:pPr>
+              <a:spcAft>
+                <a:spcPts val="0"/>
+              </a:spcAft>
+            </a:pPr>
+            <a:r>
+              <a:rPr lang="en-US" sz="900" dirty="0">
+                <a:solidFill>
+                  <a:schemeClr val="bg1">
+                    <a:lumMod val="50000"/>
+                  </a:schemeClr>
+                </a:solidFill>
+                <a:latin typeface="Courier" pitchFamily="2" charset="0"/>
+                <a:ea typeface="Courier" charset="0"/>
+                <a:cs typeface="Courier" charset="0"/>
+              </a:rPr>
+              <a:t>  +-+-+-+-+-+-+-+-+-+-+-+-+-+-+-+-+-+-+-+-+-+-+-+-+-+-+-+-+-+-+-+-+</a:t>
+            </a:r>
+          </a:p>
+          <a:p>
+            <a:pPr>
+              <a:spcAft>
+                <a:spcPts val="0"/>
+              </a:spcAft>
+            </a:pPr>
+            <a:r>
+              <a:rPr lang="en-US" sz="900" dirty="0">
+                <a:solidFill>
+                  <a:schemeClr val="bg1">
+                    <a:lumMod val="50000"/>
+                  </a:schemeClr>
+                </a:solidFill>
+                <a:latin typeface="Courier" pitchFamily="2" charset="0"/>
+                <a:ea typeface="Courier" charset="0"/>
+                <a:cs typeface="Courier" charset="0"/>
+              </a:rPr>
+              <a:t>  |  Sender TTL   |      Padding                                  |</a:t>
+            </a:r>
+          </a:p>
+          <a:p>
+            <a:pPr>
+              <a:spcAft>
+                <a:spcPts val="0"/>
+              </a:spcAft>
+            </a:pPr>
+            <a:r>
+              <a:rPr lang="en-US" sz="900" dirty="0">
+                <a:solidFill>
+                  <a:schemeClr val="bg1">
+                    <a:lumMod val="50000"/>
+                  </a:schemeClr>
+                </a:solidFill>
+                <a:latin typeface="Courier" pitchFamily="2" charset="0"/>
+                <a:ea typeface="Courier" charset="0"/>
+                <a:cs typeface="Courier" charset="0"/>
+              </a:rPr>
+              <a:t>  +-+-+-+-+-+-+-+-+-+-+-+-+-+-+-+-+-+-+-+-+-+-+-+-+-+-+-+-+-+-+-+-+</a:t>
+            </a:r>
+          </a:p>
+          <a:p>
+            <a:pPr>
+              <a:spcAft>
+                <a:spcPts val="0"/>
+              </a:spcAft>
+            </a:pPr>
+            <a:endParaRPr lang="en-CA" sz="900" dirty="0">
+              <a:solidFill>
+                <a:schemeClr val="bg2">
+                  <a:lumMod val="50000"/>
+                </a:schemeClr>
+              </a:solidFill>
+              <a:latin typeface="Courier" pitchFamily="2" charset="0"/>
+            </a:endParaRPr>
           </a:p>
           <a:p>
             <a:r>
               <a:rPr lang="en-CA" sz="900" dirty="0">
                 <a:latin typeface="Courier" pitchFamily="2" charset="0"/>
               </a:rPr>
-              <a:t>  +-+-+-+-+-+-+-+-+-+-+-+-+-+-+-+-+-+-+-+-+-+-+-+-+-+-+-+-+-+-+-+-+</a:t>
-            </a:r>
-          </a:p>
-          <a:p>
-            <a:r>
-              <a:rPr lang="en-CA" sz="900" dirty="0">
-                <a:latin typeface="Courier" pitchFamily="2" charset="0"/>
-              </a:rPr>
-              <a:t>  |            Label(1)                   | TC  |S|      TTL      |</a:t>
-            </a:r>
-          </a:p>
-          <a:p>
-            <a:r>
-              <a:rPr lang="en-CA" sz="900" dirty="0">
-                <a:latin typeface="Courier" pitchFamily="2" charset="0"/>
-              </a:rPr>
-              <a:t>  +-+-+-+-+-+-+-+-+-+-+-+-+-+-+-+-+-+-+-+-+-+-+-+-+-+-+-+-+-+-+-+-+</a:t>
-            </a:r>
-          </a:p>
-          <a:p>
-            <a:r>
-              <a:rPr lang="en-CA" sz="900" dirty="0">
-                <a:latin typeface="Courier" pitchFamily="2" charset="0"/>
-              </a:rPr>
-              <a:t>  .                                                               .</a:t>
-            </a:r>
-          </a:p>
-          <a:p>
-            <a:r>
-              <a:rPr lang="en-CA" sz="900" dirty="0">
-                <a:latin typeface="Courier" pitchFamily="2" charset="0"/>
-              </a:rPr>
-              <a:t>  .                                                               .</a:t>
-            </a:r>
-          </a:p>
-          <a:p>
-            <a:r>
-              <a:rPr lang="en-CA" sz="900" dirty="0">
-                <a:latin typeface="Courier" pitchFamily="2" charset="0"/>
-              </a:rPr>
-              <a:t>  .                                                               .</a:t>
-            </a:r>
-          </a:p>
-          <a:p>
-            <a:r>
-              <a:rPr lang="en-CA" sz="900" dirty="0">
-                <a:latin typeface="Courier" pitchFamily="2" charset="0"/>
-              </a:rPr>
-              <a:t>  +-+-+-+-+-+-+-+-+-+-+-+-+-+-+-+-+-+-+-+-+-+-+-+-+-+-+-+-+-+-+-+-+</a:t>
-            </a:r>
-          </a:p>
-          <a:p>
-            <a:r>
-              <a:rPr lang="en-CA" sz="900" dirty="0">
-                <a:latin typeface="Courier" pitchFamily="2" charset="0"/>
-              </a:rPr>
-              <a:t>  |            Label(n)                   | TC  |S|      TTL      |</a:t>
-            </a:r>
-          </a:p>
-          <a:p>
-            <a:r>
-              <a:rPr lang="en-CA" sz="900" dirty="0">
-                <a:latin typeface="Courier" pitchFamily="2" charset="0"/>
-              </a:rPr>
-              <a:t>  +-+-+-+-+-+-+-+-+-+-+-+-+-+-+-+-+-+-+-+-+-+-+-+-+-+-+-+-+-+-+-+-+</a:t>
-            </a:r>
-          </a:p>
-          <a:p>
-            <a:r>
-              <a:rPr lang="en-CA" sz="900" dirty="0">
-                <a:latin typeface="Courier" pitchFamily="2" charset="0"/>
-              </a:rPr>
-              <a:t>  </a:t>
-            </a:r>
-            <a:r>
-              <a:rPr lang="en-CA" sz="900" b="1" dirty="0">
-                <a:latin typeface="Courier" pitchFamily="2" charset="0"/>
-              </a:rPr>
-              <a:t>|            Timestamp Label (TBA1)     | TC  |S|      TTL      |</a:t>
-            </a:r>
-          </a:p>
-          <a:p>
-            <a:r>
-              <a:rPr lang="en-CA" sz="900" dirty="0">
-                <a:latin typeface="Courier" pitchFamily="2" charset="0"/>
-              </a:rPr>
-              <a:t>  +---------------------------------------------------------------+</a:t>
-            </a:r>
-          </a:p>
-          <a:p>
-            <a:r>
-              <a:rPr lang="en-CA" sz="900" dirty="0">
-                <a:latin typeface="Courier" pitchFamily="2" charset="0"/>
-              </a:rPr>
-              <a:t>  | IP Header                                                     |</a:t>
-            </a:r>
-          </a:p>
-          <a:p>
-            <a:r>
-              <a:rPr lang="en-CA" sz="900" dirty="0">
-                <a:latin typeface="Courier" pitchFamily="2" charset="0"/>
-              </a:rPr>
-              <a:t>  .  Source IP Address = </a:t>
-            </a:r>
-            <a:r>
-              <a:rPr lang="en-CA" sz="900" b="1" dirty="0">
-                <a:latin typeface="Courier" pitchFamily="2" charset="0"/>
-              </a:rPr>
-              <a:t>Endpoint</a:t>
-            </a:r>
-            <a:r>
-              <a:rPr lang="en-CA" sz="900" dirty="0">
-                <a:latin typeface="Courier" pitchFamily="2" charset="0"/>
-              </a:rPr>
-              <a:t> IPv4 or IPv6 Address            .</a:t>
-            </a:r>
-          </a:p>
-          <a:p>
-            <a:r>
-              <a:rPr lang="en-CA" sz="900" dirty="0">
-                <a:latin typeface="Courier" pitchFamily="2" charset="0"/>
-              </a:rPr>
-              <a:t>  .  Destination IP Address = </a:t>
-            </a:r>
-            <a:r>
-              <a:rPr lang="en-CA" sz="900" b="1" dirty="0">
-                <a:latin typeface="Courier" pitchFamily="2" charset="0"/>
-              </a:rPr>
-              <a:t>Sender</a:t>
-            </a:r>
-            <a:r>
-              <a:rPr lang="en-CA" sz="900" dirty="0">
-                <a:latin typeface="Courier" pitchFamily="2" charset="0"/>
-              </a:rPr>
-              <a:t> IPv4 or IPv6 Address         .</a:t>
-            </a:r>
-          </a:p>
-          <a:p>
-            <a:r>
-              <a:rPr lang="en-CA" sz="900" dirty="0">
-                <a:latin typeface="Courier" pitchFamily="2" charset="0"/>
-              </a:rPr>
-              <a:t>  .  Protocol = UDP                                               .</a:t>
-            </a:r>
-          </a:p>
-          <a:p>
-            <a:r>
-              <a:rPr lang="en-CA" sz="900" dirty="0">
-                <a:latin typeface="Courier" pitchFamily="2" charset="0"/>
-              </a:rPr>
-              <a:t>  .                                                               .</a:t>
-            </a:r>
-          </a:p>
-          <a:p>
-            <a:r>
-              <a:rPr lang="en-CA" sz="900" dirty="0">
-                <a:latin typeface="Courier" pitchFamily="2" charset="0"/>
-              </a:rPr>
-              <a:t>  +---------------------------------------------------------------+</a:t>
-            </a:r>
-          </a:p>
-          <a:p>
-            <a:r>
-              <a:rPr lang="en-CA" sz="900" dirty="0">
-                <a:latin typeface="Courier" pitchFamily="2" charset="0"/>
-              </a:rPr>
-              <a:t>  | UDP Header                                                    |</a:t>
-            </a:r>
-          </a:p>
-          <a:p>
-            <a:r>
-              <a:rPr lang="en-CA" sz="900" dirty="0">
-                <a:latin typeface="Courier" pitchFamily="2" charset="0"/>
-              </a:rPr>
-              <a:t>  .  Source Port = As chosen by Sender                            .</a:t>
-            </a:r>
-          </a:p>
-          <a:p>
-            <a:r>
-              <a:rPr lang="en-CA" sz="900" dirty="0">
-                <a:latin typeface="Courier" pitchFamily="2" charset="0"/>
-              </a:rPr>
-              <a:t>  .  Destination Port = User-configured Port                      .</a:t>
-            </a:r>
-          </a:p>
-          <a:p>
-            <a:r>
-              <a:rPr lang="en-CA" sz="900" dirty="0">
-                <a:latin typeface="Courier" pitchFamily="2" charset="0"/>
-              </a:rPr>
-              <a:t>  .                                                               .</a:t>
-            </a:r>
-          </a:p>
-          <a:p>
-            <a:r>
-              <a:rPr lang="en-CA" sz="900" dirty="0">
-                <a:latin typeface="Courier" pitchFamily="2" charset="0"/>
-              </a:rPr>
-              <a:t>  +-+-+-+-+-+-+-+-+-+-+-+-+-+-+-+-+-+-+-+-+-+-+-+-+-+-+-+-+-+-+-+-+</a:t>
-            </a:r>
-          </a:p>
-          <a:p>
-            <a:r>
-              <a:rPr lang="en-CA" sz="900" dirty="0">
-                <a:latin typeface="Courier" pitchFamily="2" charset="0"/>
-              </a:rPr>
-              <a:t>  |  Payload as defined in Section 4.2.1 of RFC 5357 |            |</a:t>
-            </a:r>
-          </a:p>
-          <a:p>
-            <a:r>
-              <a:rPr lang="en-CA" sz="900" dirty="0">
-                <a:latin typeface="Courier" pitchFamily="2" charset="0"/>
-              </a:rPr>
-              <a:t>  |  Payload as defined in Section 4.2 of RFC 8762                |</a:t>
-            </a:r>
-          </a:p>
-          <a:p>
-            <a:r>
-              <a:rPr lang="en-CA" sz="900" dirty="0">
-                <a:latin typeface="Courier" pitchFamily="2" charset="0"/>
-              </a:rPr>
-              <a:t>  .                                                               .</a:t>
-            </a:r>
-          </a:p>
-          <a:p>
-            <a:r>
-              <a:rPr lang="en-CA" sz="900" dirty="0">
-                <a:latin typeface="Courier" pitchFamily="2" charset="0"/>
-              </a:rPr>
-              <a:t>  +---------------------------------------------------------------+</a:t>
-            </a:r>
-          </a:p>
-          <a:p>
-            <a:r>
-              <a:rPr lang="en-CA" sz="900" dirty="0">
-                <a:latin typeface="Courier" pitchFamily="2" charset="0"/>
-              </a:rPr>
-              <a:t> </a:t>
-            </a:r>
-          </a:p>
-          <a:p>
-            <a:r>
-              <a:rPr lang="en-CA" sz="900" dirty="0">
-                <a:latin typeface="Courier" pitchFamily="2" charset="0"/>
-              </a:rPr>
-              <a:t>  Figure 5: Probe Message Header for SR-MPLS with Timestamp Label</a:t>
+              <a:t>                    Figure: Probe Message Format</a:t>
             </a:r>
             <a:endParaRPr lang="en-US" sz="900" dirty="0">
               <a:latin typeface="Courier" pitchFamily="2" charset="0"/>
@@ -12253,47 +12955,93 @@
         </p:nvSpPr>
         <p:spPr>
           <a:xfrm>
-            <a:off x="5105400" y="971550"/>
-            <a:ext cx="3962400" cy="3001056"/>
+            <a:off x="5029200" y="1190113"/>
+            <a:ext cx="3962400" cy="2917956"/>
           </a:xfrm>
         </p:spPr>
         <p:txBody>
           <a:bodyPr/>
           <a:lstStyle/>
           <a:p>
-            <a:r>
-              <a:rPr lang="en-US" sz="1600" dirty="0"/>
-              <a:t>Timestamp Label (TBA1) allocated by IANA from Extended Special-Purpose MPLS Label Values </a:t>
+            <a:pPr marL="0" indent="0">
+              <a:buNone/>
+            </a:pPr>
+            <a:r>
+              <a:rPr lang="en-US" sz="1400" b="1" dirty="0"/>
+              <a:t>Enhanced Loopback Mode</a:t>
+            </a:r>
+          </a:p>
+          <a:p>
+            <a:r>
+              <a:rPr lang="en-US" sz="1400" dirty="0"/>
+              <a:t>Sender adds the Transmit Timestamp</a:t>
+            </a:r>
+          </a:p>
+          <a:p>
+            <a:r>
+              <a:rPr lang="en-US" sz="1400" dirty="0"/>
+              <a:t>Reflector adds the Receive Timestamp at fixed offset locally provisioned (consistently in the network)</a:t>
             </a:r>
           </a:p>
           <a:p>
             <a:pPr lvl="1"/>
             <a:r>
-              <a:rPr lang="en-US" sz="1600" dirty="0"/>
-              <a:t>Used for Timestamp, Pop and Forward network programing function</a:t>
-            </a:r>
-          </a:p>
-          <a:p>
-            <a:r>
-              <a:rPr lang="en-US" sz="1600" dirty="0"/>
-              <a:t>Source and Destination Addresses are swapped for the Reverse direction path</a:t>
-            </a:r>
-          </a:p>
-          <a:p>
-            <a:r>
-              <a:rPr lang="en-US" sz="1600" dirty="0"/>
-              <a:t>Optionally, Reverse direction SR path label stack can follow the Timestamp Label </a:t>
-            </a:r>
-          </a:p>
-          <a:p>
-            <a:endParaRPr lang="en-US" sz="1600" dirty="0"/>
+              <a:rPr lang="en-US" sz="1400" dirty="0"/>
+              <a:t>For STAMP packets, it is at offset-byte 16 from the start of the payload</a:t>
+            </a:r>
+          </a:p>
+          <a:p>
+            <a:r>
+              <a:rPr lang="en-US" sz="1400" dirty="0"/>
+              <a:t>Sender Sequence Number, Sender Timestamp, Sender Error Estimate and Sender TTL in the STAMP messages are not used</a:t>
+            </a:r>
+          </a:p>
+          <a:p>
+            <a:pPr lvl="1"/>
+            <a:r>
+              <a:rPr lang="en-US" sz="1400" dirty="0"/>
+              <a:t>Reflector does not copy them</a:t>
+            </a:r>
+          </a:p>
+          <a:p>
+            <a:endParaRPr lang="en-US" sz="1400" dirty="0"/>
+          </a:p>
+          <a:p>
+            <a:endParaRPr lang="en-US" sz="1400" dirty="0"/>
+          </a:p>
+        </p:txBody>
+      </p:sp>
+      <p:sp>
+        <p:nvSpPr>
+          <p:cNvPr id="4" name="Footer Placeholder 3"/>
+          <p:cNvSpPr>
+            <a:spLocks noGrp="1"/>
+          </p:cNvSpPr>
+          <p:nvPr>
+            <p:ph type="ftr" sz="quarter" idx="11"/>
+          </p:nvPr>
+        </p:nvSpPr>
+        <p:spPr>
+          <a:xfrm>
+            <a:off x="3124200" y="4786312"/>
+            <a:ext cx="2895600" cy="357188"/>
+          </a:xfrm>
+        </p:spPr>
+        <p:txBody>
+          <a:bodyPr/>
+          <a:lstStyle/>
+          <a:p>
+            <a:r>
+              <a:rPr lang="en-CA" dirty="0"/>
+              <a:t>IETF MPLS WG Interim – April 2020 </a:t>
+            </a:r>
           </a:p>
         </p:txBody>
       </p:sp>
     </p:spTree>
     <p:extLst>
       <p:ext uri="{BB962C8B-B14F-4D97-AF65-F5344CB8AC3E}">
-        <p14:creationId xmlns:p14="http://schemas.microsoft.com/office/powerpoint/2010/main" val="3880543124"/>
+        <p14:creationId xmlns:p14="http://schemas.microsoft.com/office/powerpoint/2010/main" val="4096691418"/>
       </p:ext>
     </p:extLst>
   </p:cSld>
@@ -12332,7 +13080,7 @@
         </p:nvSpPr>
         <p:spPr>
           <a:xfrm>
-            <a:off x="457200" y="0"/>
+            <a:off x="457200" y="-95250"/>
             <a:ext cx="8229600" cy="857250"/>
           </a:xfrm>
         </p:spPr>
@@ -12348,140 +13096,7 @@
                 <a:latin typeface="Calibri Light" panose="020F0302020204030204" pitchFamily="34" charset="0"/>
                 <a:cs typeface="Calibri Light" panose="020F0302020204030204" pitchFamily="34" charset="0"/>
               </a:rPr>
-              <a:t>ECMP Support for SR Policy</a:t>
-            </a:r>
-          </a:p>
-        </p:txBody>
-      </p:sp>
-      <p:sp>
-        <p:nvSpPr>
-          <p:cNvPr id="3" name="Content Placeholder 2"/>
-          <p:cNvSpPr>
-            <a:spLocks noGrp="1"/>
-          </p:cNvSpPr>
-          <p:nvPr>
-            <p:ph idx="1"/>
-          </p:nvPr>
-        </p:nvSpPr>
-        <p:spPr>
-          <a:xfrm>
-            <a:off x="419100" y="912200"/>
-            <a:ext cx="8305800" cy="3564549"/>
-          </a:xfrm>
-        </p:spPr>
-        <p:txBody>
-          <a:bodyPr/>
-          <a:lstStyle/>
-          <a:p>
-            <a:pPr>
-              <a:lnSpc>
-                <a:spcPts val="2280"/>
-              </a:lnSpc>
-              <a:spcBef>
-                <a:spcPts val="0"/>
-              </a:spcBef>
-            </a:pPr>
-            <a:r>
-              <a:rPr lang="en-US" sz="1800" dirty="0"/>
-              <a:t>SR Policy can have ECMP between the ingress and transit nodes, between transit nodes and between transit and egress nodes.</a:t>
-            </a:r>
-          </a:p>
-          <a:p>
-            <a:pPr>
-              <a:lnSpc>
-                <a:spcPts val="2280"/>
-              </a:lnSpc>
-              <a:spcBef>
-                <a:spcPts val="0"/>
-              </a:spcBef>
-            </a:pPr>
-            <a:r>
-              <a:rPr lang="en-US" sz="1800" dirty="0"/>
-              <a:t>Sending PM probe queries that can take advantage of the hashing function in forwarding plane.</a:t>
-            </a:r>
-          </a:p>
-          <a:p>
-            <a:pPr>
-              <a:lnSpc>
-                <a:spcPts val="2280"/>
-              </a:lnSpc>
-              <a:spcBef>
-                <a:spcPts val="0"/>
-              </a:spcBef>
-            </a:pPr>
-            <a:r>
-              <a:rPr lang="en-US" sz="1800" dirty="0"/>
-              <a:t>Existing forwarding mechanisms are applicable to PM probe messages:</a:t>
-            </a:r>
-          </a:p>
-          <a:p>
-            <a:pPr lvl="1">
-              <a:lnSpc>
-                <a:spcPts val="2280"/>
-              </a:lnSpc>
-              <a:spcBef>
-                <a:spcPts val="0"/>
-              </a:spcBef>
-            </a:pPr>
-            <a:r>
-              <a:rPr lang="en-US" sz="1800" dirty="0"/>
-              <a:t>For IPv4</a:t>
-            </a:r>
-          </a:p>
-          <a:p>
-            <a:pPr lvl="2">
-              <a:lnSpc>
-                <a:spcPts val="2280"/>
-              </a:lnSpc>
-              <a:spcBef>
-                <a:spcPts val="0"/>
-              </a:spcBef>
-            </a:pPr>
-            <a:r>
-              <a:rPr lang="en-US" sz="1800" dirty="0"/>
-              <a:t>Destination addresses in IPv4 header (e.g. 127/8) when return path is SR-MPLS</a:t>
-            </a:r>
-          </a:p>
-          <a:p>
-            <a:pPr lvl="1">
-              <a:lnSpc>
-                <a:spcPts val="2280"/>
-              </a:lnSpc>
-              <a:spcBef>
-                <a:spcPts val="0"/>
-              </a:spcBef>
-            </a:pPr>
-            <a:r>
-              <a:rPr lang="en-US" sz="1800" dirty="0"/>
-              <a:t>For IPv6</a:t>
-            </a:r>
-          </a:p>
-          <a:p>
-            <a:pPr lvl="2">
-              <a:lnSpc>
-                <a:spcPts val="2280"/>
-              </a:lnSpc>
-              <a:spcBef>
-                <a:spcPts val="0"/>
-              </a:spcBef>
-            </a:pPr>
-            <a:r>
-              <a:rPr lang="en-US" sz="1800" dirty="0"/>
-              <a:t>Destination addresses in IPv6 header (e.g. FFFF:7F00/104) when return path is SRv6</a:t>
-            </a:r>
-          </a:p>
-          <a:p>
-            <a:pPr lvl="2">
-              <a:lnSpc>
-                <a:spcPts val="2280"/>
-              </a:lnSpc>
-              <a:spcBef>
-                <a:spcPts val="0"/>
-              </a:spcBef>
-            </a:pPr>
-            <a:r>
-              <a:rPr lang="en-US" sz="1800" dirty="0"/>
-              <a:t>Flow label in IPv6 header</a:t>
+              <a:t>SR-MPLS with Timestamp Label</a:t>
             </a:r>
           </a:p>
         </p:txBody>
@@ -12542,10 +13157,364 @@
           </a:p>
         </p:txBody>
       </p:sp>
+      <p:sp>
+        <p:nvSpPr>
+          <p:cNvPr id="6" name="Rectangle 5">
+            <a:extLst>
+              <a:ext uri="{FF2B5EF4-FFF2-40B4-BE49-F238E27FC236}">
+                <a16:creationId xmlns:a16="http://schemas.microsoft.com/office/drawing/2014/main" id="{4C15A4CE-6545-5142-97A8-EDA8B07CB60B}"/>
+              </a:ext>
+            </a:extLst>
+          </p:cNvPr>
+          <p:cNvSpPr/>
+          <p:nvPr/>
+        </p:nvSpPr>
+        <p:spPr>
+          <a:xfrm>
+            <a:off x="228600" y="666751"/>
+            <a:ext cx="4800600" cy="4119562"/>
+          </a:xfrm>
+          <a:prstGeom prst="rect">
+            <a:avLst/>
+          </a:prstGeom>
+          <a:solidFill>
+            <a:schemeClr val="accent6">
+              <a:lumMod val="20000"/>
+              <a:lumOff val="80000"/>
+            </a:schemeClr>
+          </a:solidFill>
+        </p:spPr>
+        <p:txBody>
+          <a:bodyPr wrap="square">
+            <a:spAutoFit/>
+          </a:bodyPr>
+          <a:lstStyle/>
+          <a:p>
+            <a:r>
+              <a:rPr lang="en-CA" sz="900" dirty="0">
+                <a:latin typeface="Courier" pitchFamily="2" charset="0"/>
+              </a:rPr>
+              <a:t>  0 1 2 3 4 5 6 7 8 9 0 1 2 3 4 5 6 7 8 9 0 1 2 3 4 5 6 7 8 9 0 1</a:t>
+            </a:r>
+          </a:p>
+          <a:p>
+            <a:r>
+              <a:rPr lang="en-CA" sz="900" dirty="0">
+                <a:latin typeface="Courier" pitchFamily="2" charset="0"/>
+              </a:rPr>
+              <a:t>  +-+-+-+-+-+-+-+-+-+-+-+-+-+-+-+-+-+-+-+-+-+-+-+-+-+-+-+-+-+-+-+-+</a:t>
+            </a:r>
+          </a:p>
+          <a:p>
+            <a:r>
+              <a:rPr lang="en-CA" sz="900" dirty="0">
+                <a:latin typeface="Courier" pitchFamily="2" charset="0"/>
+              </a:rPr>
+              <a:t>  |            Label(1)                   | TC  |S|      TTL      |</a:t>
+            </a:r>
+          </a:p>
+          <a:p>
+            <a:r>
+              <a:rPr lang="en-CA" sz="900" dirty="0">
+                <a:latin typeface="Courier" pitchFamily="2" charset="0"/>
+              </a:rPr>
+              <a:t>  +-+-+-+-+-+-+-+-+-+-+-+-+-+-+-+-+-+-+-+-+-+-+-+-+-+-+-+-+-+-+-+-+</a:t>
+            </a:r>
+          </a:p>
+          <a:p>
+            <a:r>
+              <a:rPr lang="en-CA" sz="900" dirty="0">
+                <a:latin typeface="Courier" pitchFamily="2" charset="0"/>
+              </a:rPr>
+              <a:t>  .                                                               .</a:t>
+            </a:r>
+          </a:p>
+          <a:p>
+            <a:r>
+              <a:rPr lang="en-CA" sz="900" dirty="0">
+                <a:latin typeface="Courier" pitchFamily="2" charset="0"/>
+              </a:rPr>
+              <a:t>  .                                                               .</a:t>
+            </a:r>
+          </a:p>
+          <a:p>
+            <a:r>
+              <a:rPr lang="en-CA" sz="900" dirty="0">
+                <a:latin typeface="Courier" pitchFamily="2" charset="0"/>
+              </a:rPr>
+              <a:t>  .                                                               .</a:t>
+            </a:r>
+          </a:p>
+          <a:p>
+            <a:r>
+              <a:rPr lang="en-CA" sz="900" dirty="0">
+                <a:latin typeface="Courier" pitchFamily="2" charset="0"/>
+              </a:rPr>
+              <a:t>  +-+-+-+-+-+-+-+-+-+-+-+-+-+-+-+-+-+-+-+-+-+-+-+-+-+-+-+-+-+-+-+-+</a:t>
+            </a:r>
+          </a:p>
+          <a:p>
+            <a:r>
+              <a:rPr lang="en-CA" sz="900" dirty="0">
+                <a:latin typeface="Courier" pitchFamily="2" charset="0"/>
+              </a:rPr>
+              <a:t>  |            Label(n)                   | TC  |S|      TTL      |</a:t>
+            </a:r>
+          </a:p>
+          <a:p>
+            <a:r>
+              <a:rPr lang="en-CA" sz="900" dirty="0">
+                <a:latin typeface="Courier" pitchFamily="2" charset="0"/>
+              </a:rPr>
+              <a:t>  +-+-+-+-+-+-+-+-+-+-+-+-+-+-+-+-+-+-+-+-+-+-+-+-+-+-+-+-+-+-+-+-+</a:t>
+            </a:r>
+          </a:p>
+          <a:p>
+            <a:r>
+              <a:rPr lang="en-CA" sz="900" dirty="0">
+                <a:latin typeface="Courier" pitchFamily="2" charset="0"/>
+              </a:rPr>
+              <a:t>  </a:t>
+            </a:r>
+            <a:r>
+              <a:rPr lang="en-CA" sz="900" b="1" dirty="0">
+                <a:latin typeface="Courier" pitchFamily="2" charset="0"/>
+              </a:rPr>
+              <a:t>|            Timestamp Label (TBA1)     | TC  |S|      TTL      |</a:t>
+            </a:r>
+          </a:p>
+          <a:p>
+            <a:r>
+              <a:rPr lang="en-CA" sz="900" dirty="0">
+                <a:latin typeface="Courier" pitchFamily="2" charset="0"/>
+              </a:rPr>
+              <a:t>  +---------------------------------------------------------------+</a:t>
+            </a:r>
+          </a:p>
+          <a:p>
+            <a:r>
+              <a:rPr lang="en-CA" sz="900" dirty="0">
+                <a:latin typeface="Courier" pitchFamily="2" charset="0"/>
+              </a:rPr>
+              <a:t>  | IP Header                                                     |</a:t>
+            </a:r>
+          </a:p>
+          <a:p>
+            <a:r>
+              <a:rPr lang="en-CA" sz="900" dirty="0">
+                <a:latin typeface="Courier" pitchFamily="2" charset="0"/>
+              </a:rPr>
+              <a:t>  .  Source IP Address = </a:t>
+            </a:r>
+            <a:r>
+              <a:rPr lang="en-CA" sz="900" b="1" dirty="0">
+                <a:latin typeface="Courier" pitchFamily="2" charset="0"/>
+              </a:rPr>
+              <a:t>Endpoint</a:t>
+            </a:r>
+            <a:r>
+              <a:rPr lang="en-CA" sz="900" dirty="0">
+                <a:latin typeface="Courier" pitchFamily="2" charset="0"/>
+              </a:rPr>
+              <a:t> IPv4 or IPv6 Address            .</a:t>
+            </a:r>
+          </a:p>
+          <a:p>
+            <a:r>
+              <a:rPr lang="en-CA" sz="900" dirty="0">
+                <a:latin typeface="Courier" pitchFamily="2" charset="0"/>
+              </a:rPr>
+              <a:t>  .  Destination IP Address = </a:t>
+            </a:r>
+            <a:r>
+              <a:rPr lang="en-CA" sz="900" b="1" dirty="0">
+                <a:latin typeface="Courier" pitchFamily="2" charset="0"/>
+              </a:rPr>
+              <a:t>Sender</a:t>
+            </a:r>
+            <a:r>
+              <a:rPr lang="en-CA" sz="900" dirty="0">
+                <a:latin typeface="Courier" pitchFamily="2" charset="0"/>
+              </a:rPr>
+              <a:t> IPv4 or IPv6 Address         .</a:t>
+            </a:r>
+          </a:p>
+          <a:p>
+            <a:r>
+              <a:rPr lang="en-CA" sz="900" dirty="0">
+                <a:latin typeface="Courier" pitchFamily="2" charset="0"/>
+              </a:rPr>
+              <a:t>  .  Protocol = UDP                                               .</a:t>
+            </a:r>
+          </a:p>
+          <a:p>
+            <a:r>
+              <a:rPr lang="en-CA" sz="900" dirty="0">
+                <a:latin typeface="Courier" pitchFamily="2" charset="0"/>
+              </a:rPr>
+              <a:t>  .                                                               .</a:t>
+            </a:r>
+          </a:p>
+          <a:p>
+            <a:r>
+              <a:rPr lang="en-CA" sz="900" dirty="0">
+                <a:latin typeface="Courier" pitchFamily="2" charset="0"/>
+              </a:rPr>
+              <a:t>  +---------------------------------------------------------------+</a:t>
+            </a:r>
+          </a:p>
+          <a:p>
+            <a:r>
+              <a:rPr lang="en-CA" sz="900" dirty="0">
+                <a:latin typeface="Courier" pitchFamily="2" charset="0"/>
+              </a:rPr>
+              <a:t>  | UDP Header                                                    |</a:t>
+            </a:r>
+          </a:p>
+          <a:p>
+            <a:r>
+              <a:rPr lang="en-CA" sz="900" dirty="0">
+                <a:latin typeface="Courier" pitchFamily="2" charset="0"/>
+              </a:rPr>
+              <a:t>  .  Source Port = As chosen by Sender                            .</a:t>
+            </a:r>
+          </a:p>
+          <a:p>
+            <a:r>
+              <a:rPr lang="en-CA" sz="900" dirty="0">
+                <a:latin typeface="Courier" pitchFamily="2" charset="0"/>
+              </a:rPr>
+              <a:t>  .  Destination Port = User-configured Port                      .</a:t>
+            </a:r>
+          </a:p>
+          <a:p>
+            <a:r>
+              <a:rPr lang="en-CA" sz="900" dirty="0">
+                <a:latin typeface="Courier" pitchFamily="2" charset="0"/>
+              </a:rPr>
+              <a:t>  .                                                               .</a:t>
+            </a:r>
+          </a:p>
+          <a:p>
+            <a:r>
+              <a:rPr lang="en-CA" sz="900" dirty="0">
+                <a:latin typeface="Courier" pitchFamily="2" charset="0"/>
+              </a:rPr>
+              <a:t>  +-+-+-+-+-+-+-+-+-+-+-+-+-+-+-+-+-+-+-+-+-+-+-+-+-+-+-+-+-+-+-+-+</a:t>
+            </a:r>
+          </a:p>
+          <a:p>
+            <a:r>
+              <a:rPr lang="en-CA" sz="900" dirty="0">
+                <a:latin typeface="Courier" pitchFamily="2" charset="0"/>
+              </a:rPr>
+              <a:t>  |  Payload as defined in Section 4.2.1 of RFC 5357 |            |</a:t>
+            </a:r>
+          </a:p>
+          <a:p>
+            <a:r>
+              <a:rPr lang="en-CA" sz="900" dirty="0">
+                <a:latin typeface="Courier" pitchFamily="2" charset="0"/>
+              </a:rPr>
+              <a:t>  |  Payload as defined in Section 4.2 of RFC 8762                |</a:t>
+            </a:r>
+          </a:p>
+          <a:p>
+            <a:r>
+              <a:rPr lang="en-CA" sz="900" dirty="0">
+                <a:latin typeface="Courier" pitchFamily="2" charset="0"/>
+              </a:rPr>
+              <a:t>  .                                                               .</a:t>
+            </a:r>
+          </a:p>
+          <a:p>
+            <a:r>
+              <a:rPr lang="en-CA" sz="900" dirty="0">
+                <a:latin typeface="Courier" pitchFamily="2" charset="0"/>
+              </a:rPr>
+              <a:t>  +---------------------------------------------------------------+</a:t>
+            </a:r>
+          </a:p>
+          <a:p>
+            <a:r>
+              <a:rPr lang="en-CA" sz="900" dirty="0">
+                <a:latin typeface="Courier" pitchFamily="2" charset="0"/>
+              </a:rPr>
+              <a:t> </a:t>
+            </a:r>
+          </a:p>
+          <a:p>
+            <a:r>
+              <a:rPr lang="en-CA" sz="900" dirty="0">
+                <a:latin typeface="Courier" pitchFamily="2" charset="0"/>
+              </a:rPr>
+              <a:t>  Figure 5: Probe Message Header for SR-MPLS with Timestamp Label</a:t>
+            </a:r>
+            <a:endParaRPr lang="en-US" sz="900" dirty="0">
+              <a:latin typeface="Courier" pitchFamily="2" charset="0"/>
+            </a:endParaRPr>
+          </a:p>
+        </p:txBody>
+      </p:sp>
+      <p:sp>
+        <p:nvSpPr>
+          <p:cNvPr id="8" name="Content Placeholder 7">
+            <a:extLst>
+              <a:ext uri="{FF2B5EF4-FFF2-40B4-BE49-F238E27FC236}">
+                <a16:creationId xmlns:a16="http://schemas.microsoft.com/office/drawing/2014/main" id="{FC6E1890-536D-9D49-8207-C42BBF301FF3}"/>
+              </a:ext>
+            </a:extLst>
+          </p:cNvPr>
+          <p:cNvSpPr>
+            <a:spLocks noGrp="1"/>
+          </p:cNvSpPr>
+          <p:nvPr>
+            <p:ph idx="1"/>
+          </p:nvPr>
+        </p:nvSpPr>
+        <p:spPr>
+          <a:xfrm>
+            <a:off x="5105400" y="971550"/>
+            <a:ext cx="3962400" cy="3001056"/>
+          </a:xfrm>
+        </p:spPr>
+        <p:txBody>
+          <a:bodyPr/>
+          <a:lstStyle/>
+          <a:p>
+            <a:r>
+              <a:rPr lang="en-US" sz="1600" dirty="0"/>
+              <a:t>Timestamp Label (TBA1) allocated by IANA from Extended Special-Purpose MPLS Label Values </a:t>
+            </a:r>
+          </a:p>
+          <a:p>
+            <a:pPr lvl="1"/>
+            <a:r>
+              <a:rPr lang="en-US" sz="1600" dirty="0"/>
+              <a:t>Used for Timestamp, Pop and Forward network programing function</a:t>
+            </a:r>
+          </a:p>
+          <a:p>
+            <a:r>
+              <a:rPr lang="en-US" sz="1600" dirty="0"/>
+              <a:t>Source and Destination Addresses are swapped for the Reverse direction path</a:t>
+            </a:r>
+          </a:p>
+          <a:p>
+            <a:r>
+              <a:rPr lang="en-US" sz="1600" dirty="0"/>
+              <a:t>Optionally, Reverse direction SR path label stack can follow the Timestamp Label </a:t>
+            </a:r>
+          </a:p>
+          <a:p>
+            <a:endParaRPr lang="en-US" sz="1600" dirty="0"/>
+          </a:p>
+        </p:txBody>
+      </p:sp>
     </p:spTree>
     <p:extLst>
       <p:ext uri="{BB962C8B-B14F-4D97-AF65-F5344CB8AC3E}">
-        <p14:creationId xmlns:p14="http://schemas.microsoft.com/office/powerpoint/2010/main" val="3637512675"/>
+        <p14:creationId xmlns:p14="http://schemas.microsoft.com/office/powerpoint/2010/main" val="3880543124"/>
       </p:ext>
     </p:extLst>
   </p:cSld>
@@ -12574,13 +13543,7 @@
       </p:grpSpPr>
       <p:sp>
         <p:nvSpPr>
-          <p:cNvPr id="2" name="Title 1">
-            <a:extLst>
-              <a:ext uri="{FF2B5EF4-FFF2-40B4-BE49-F238E27FC236}">
-                <a16:creationId xmlns:a16="http://schemas.microsoft.com/office/drawing/2014/main" id="{9A6F4236-AC14-394A-A36C-F2BD8CED3237}"/>
-              </a:ext>
-            </a:extLst>
-          </p:cNvPr>
+          <p:cNvPr id="2" name="Title 1"/>
           <p:cNvSpPr>
             <a:spLocks noGrp="1"/>
           </p:cNvSpPr>
@@ -12590,7 +13553,7 @@
         </p:nvSpPr>
         <p:spPr>
           <a:xfrm>
-            <a:off x="457200" y="-19050"/>
+            <a:off x="457200" y="0"/>
             <a:ext cx="8229600" cy="857250"/>
           </a:xfrm>
         </p:spPr>
@@ -12606,30 +13569,157 @@
                 <a:latin typeface="Calibri Light" panose="020F0302020204030204" pitchFamily="34" charset="0"/>
                 <a:cs typeface="Calibri Light" panose="020F0302020204030204" pitchFamily="34" charset="0"/>
               </a:rPr>
-              <a:t>Example Provisioning Model</a:t>
-            </a:r>
-          </a:p>
-        </p:txBody>
-      </p:sp>
-      <p:sp>
-        <p:nvSpPr>
-          <p:cNvPr id="4" name="Footer Placeholder 3">
-            <a:extLst>
-              <a:ext uri="{FF2B5EF4-FFF2-40B4-BE49-F238E27FC236}">
-                <a16:creationId xmlns:a16="http://schemas.microsoft.com/office/drawing/2014/main" id="{643D160E-CC3C-EB46-A6F1-43B8E2996F46}"/>
-              </a:ext>
-            </a:extLst>
-          </p:cNvPr>
+              <a:t>ECMP Support for SR Policy</a:t>
+            </a:r>
+          </a:p>
+        </p:txBody>
+      </p:sp>
+      <p:sp>
+        <p:nvSpPr>
+          <p:cNvPr id="3" name="Content Placeholder 2"/>
           <p:cNvSpPr>
             <a:spLocks noGrp="1"/>
           </p:cNvSpPr>
           <p:nvPr>
-            <p:ph type="ftr" sz="quarter" idx="11"/>
+            <p:ph idx="1"/>
           </p:nvPr>
         </p:nvSpPr>
         <p:spPr>
           <a:xfrm>
-            <a:off x="3124200" y="4775368"/>
+            <a:off x="419100" y="912200"/>
+            <a:ext cx="8305800" cy="3564549"/>
+          </a:xfrm>
+        </p:spPr>
+        <p:txBody>
+          <a:bodyPr/>
+          <a:lstStyle/>
+          <a:p>
+            <a:pPr>
+              <a:lnSpc>
+                <a:spcPts val="2280"/>
+              </a:lnSpc>
+              <a:spcBef>
+                <a:spcPts val="0"/>
+              </a:spcBef>
+            </a:pPr>
+            <a:r>
+              <a:rPr lang="en-US" sz="1800" dirty="0"/>
+              <a:t>SR Policy can have ECMP between the ingress and transit nodes, between transit nodes and between transit and egress nodes.</a:t>
+            </a:r>
+          </a:p>
+          <a:p>
+            <a:pPr>
+              <a:lnSpc>
+                <a:spcPts val="2280"/>
+              </a:lnSpc>
+              <a:spcBef>
+                <a:spcPts val="0"/>
+              </a:spcBef>
+            </a:pPr>
+            <a:r>
+              <a:rPr lang="en-US" sz="1800" dirty="0"/>
+              <a:t>Sending PM probe queries that can take advantage of the hashing function in forwarding plane.</a:t>
+            </a:r>
+          </a:p>
+          <a:p>
+            <a:pPr>
+              <a:lnSpc>
+                <a:spcPts val="2280"/>
+              </a:lnSpc>
+              <a:spcBef>
+                <a:spcPts val="0"/>
+              </a:spcBef>
+            </a:pPr>
+            <a:r>
+              <a:rPr lang="en-US" sz="1800" dirty="0"/>
+              <a:t>Existing forwarding mechanisms are applicable to PM probe messages:</a:t>
+            </a:r>
+          </a:p>
+          <a:p>
+            <a:pPr lvl="1">
+              <a:lnSpc>
+                <a:spcPts val="2280"/>
+              </a:lnSpc>
+              <a:spcBef>
+                <a:spcPts val="0"/>
+              </a:spcBef>
+            </a:pPr>
+            <a:r>
+              <a:rPr lang="en-US" sz="1800" dirty="0"/>
+              <a:t>For IPv4</a:t>
+            </a:r>
+          </a:p>
+          <a:p>
+            <a:pPr lvl="2">
+              <a:lnSpc>
+                <a:spcPts val="2280"/>
+              </a:lnSpc>
+              <a:spcBef>
+                <a:spcPts val="0"/>
+              </a:spcBef>
+            </a:pPr>
+            <a:r>
+              <a:rPr lang="en-US" sz="1800" dirty="0"/>
+              <a:t>Destination addresses in IPv4 header (e.g. 127/8) when return path is SR-MPLS</a:t>
+            </a:r>
+          </a:p>
+          <a:p>
+            <a:pPr lvl="1">
+              <a:lnSpc>
+                <a:spcPts val="2280"/>
+              </a:lnSpc>
+              <a:spcBef>
+                <a:spcPts val="0"/>
+              </a:spcBef>
+            </a:pPr>
+            <a:r>
+              <a:rPr lang="en-US" sz="1800" dirty="0"/>
+              <a:t>For IPv6</a:t>
+            </a:r>
+          </a:p>
+          <a:p>
+            <a:pPr lvl="2">
+              <a:lnSpc>
+                <a:spcPts val="2280"/>
+              </a:lnSpc>
+              <a:spcBef>
+                <a:spcPts val="0"/>
+              </a:spcBef>
+            </a:pPr>
+            <a:r>
+              <a:rPr lang="en-US" sz="1800" dirty="0"/>
+              <a:t>Destination addresses in IPv6 header (e.g. FFFF:7F00/104) when return path is SRv6</a:t>
+            </a:r>
+          </a:p>
+          <a:p>
+            <a:pPr lvl="2">
+              <a:lnSpc>
+                <a:spcPts val="2280"/>
+              </a:lnSpc>
+              <a:spcBef>
+                <a:spcPts val="0"/>
+              </a:spcBef>
+            </a:pPr>
+            <a:r>
+              <a:rPr lang="en-US" sz="1800" dirty="0"/>
+              <a:t>Flow label in IPv6 header</a:t>
+            </a:r>
+          </a:p>
+        </p:txBody>
+      </p:sp>
+      <p:sp>
+        <p:nvSpPr>
+          <p:cNvPr id="4" name="Footer Placeholder 3"/>
+          <p:cNvSpPr>
+            <a:spLocks noGrp="1"/>
+          </p:cNvSpPr>
+          <p:nvPr>
+            <p:ph type="ftr" sz="quarter" idx="11"/>
+          </p:nvPr>
+        </p:nvSpPr>
+        <p:spPr>
+          <a:xfrm>
+            <a:off x="3124200" y="4786312"/>
             <a:ext cx="2895600" cy="357188"/>
           </a:xfrm>
         </p:spPr>
@@ -12646,13 +13736,7 @@
       </p:sp>
       <p:sp>
         <p:nvSpPr>
-          <p:cNvPr id="5" name="Slide Number Placeholder 4">
-            <a:extLst>
-              <a:ext uri="{FF2B5EF4-FFF2-40B4-BE49-F238E27FC236}">
-                <a16:creationId xmlns:a16="http://schemas.microsoft.com/office/drawing/2014/main" id="{A8B868AE-B105-7547-A646-14FCDF91C2DD}"/>
-              </a:ext>
-            </a:extLst>
-          </p:cNvPr>
+          <p:cNvPr id="5" name="Slide Number Placeholder 4"/>
           <p:cNvSpPr>
             <a:spLocks noGrp="1"/>
           </p:cNvSpPr>
@@ -12679,278 +13763,10 @@
           </a:p>
         </p:txBody>
       </p:sp>
-      <p:sp>
-        <p:nvSpPr>
-          <p:cNvPr id="7" name="Rectangle 6">
-            <a:extLst>
-              <a:ext uri="{FF2B5EF4-FFF2-40B4-BE49-F238E27FC236}">
-                <a16:creationId xmlns:a16="http://schemas.microsoft.com/office/drawing/2014/main" id="{AA6E66CA-28BC-2C4A-BC04-4600D8FEBF3B}"/>
-              </a:ext>
-            </a:extLst>
-          </p:cNvPr>
-          <p:cNvSpPr/>
-          <p:nvPr/>
-        </p:nvSpPr>
-        <p:spPr>
-          <a:xfrm>
-            <a:off x="1066800" y="825427"/>
-            <a:ext cx="7010400" cy="3779817"/>
-          </a:xfrm>
-          <a:prstGeom prst="rect">
-            <a:avLst/>
-          </a:prstGeom>
-          <a:solidFill>
-            <a:schemeClr val="accent6">
-              <a:lumMod val="20000"/>
-              <a:lumOff val="80000"/>
-            </a:schemeClr>
-          </a:solidFill>
-        </p:spPr>
-        <p:txBody>
-          <a:bodyPr wrap="square">
-            <a:spAutoFit/>
-          </a:bodyPr>
-          <a:lstStyle/>
-          <a:p>
-            <a:pPr>
-              <a:lnSpc>
-                <a:spcPts val="1640"/>
-              </a:lnSpc>
-            </a:pPr>
-            <a:r>
-              <a:rPr lang="en-CA" sz="1200" dirty="0">
-                <a:latin typeface="Courier" pitchFamily="2" charset="0"/>
-              </a:rPr>
-              <a:t>                             +------------+</a:t>
-            </a:r>
-          </a:p>
-          <a:p>
-            <a:pPr>
-              <a:lnSpc>
-                <a:spcPts val="1640"/>
-              </a:lnSpc>
-            </a:pPr>
-            <a:r>
-              <a:rPr lang="en-CA" sz="1200" dirty="0">
-                <a:latin typeface="Courier" pitchFamily="2" charset="0"/>
-              </a:rPr>
-              <a:t>                             | Controller |</a:t>
-            </a:r>
-          </a:p>
-          <a:p>
-            <a:pPr>
-              <a:lnSpc>
-                <a:spcPts val="1640"/>
-              </a:lnSpc>
-            </a:pPr>
-            <a:r>
-              <a:rPr lang="en-CA" sz="1200" dirty="0">
-                <a:latin typeface="Courier" pitchFamily="2" charset="0"/>
-              </a:rPr>
-              <a:t>                             +------------+</a:t>
-            </a:r>
-          </a:p>
-          <a:p>
-            <a:pPr>
-              <a:lnSpc>
-                <a:spcPts val="1640"/>
-              </a:lnSpc>
-            </a:pPr>
-            <a:r>
-              <a:rPr lang="en-CA" sz="1200" dirty="0">
-                <a:latin typeface="Courier" pitchFamily="2" charset="0"/>
-              </a:rPr>
-              <a:t>  Destination UDP Port            /  \       Network Programming Label</a:t>
-            </a:r>
-          </a:p>
-          <a:p>
-            <a:pPr>
-              <a:lnSpc>
-                <a:spcPts val="1640"/>
-              </a:lnSpc>
-            </a:pPr>
-            <a:r>
-              <a:rPr lang="en-CA" sz="1200" dirty="0">
-                <a:latin typeface="Courier" pitchFamily="2" charset="0"/>
-              </a:rPr>
-              <a:t>  Measurement Protocol           /    \      Timestamp Offset</a:t>
-            </a:r>
-          </a:p>
-          <a:p>
-            <a:pPr>
-              <a:lnSpc>
-                <a:spcPts val="1640"/>
-              </a:lnSpc>
-            </a:pPr>
-            <a:r>
-              <a:rPr lang="en-CA" sz="1200" dirty="0">
-                <a:latin typeface="Courier" pitchFamily="2" charset="0"/>
-              </a:rPr>
-              <a:t>  PLM Type                      /      \     Timestamp Format</a:t>
-            </a:r>
-          </a:p>
-          <a:p>
-            <a:pPr>
-              <a:lnSpc>
-                <a:spcPts val="1640"/>
-              </a:lnSpc>
-            </a:pPr>
-            <a:r>
-              <a:rPr lang="en-CA" sz="1200" dirty="0">
-                <a:latin typeface="Courier" pitchFamily="2" charset="0"/>
-              </a:rPr>
-              <a:t>     Simple or Enhanced        /        \</a:t>
-            </a:r>
-          </a:p>
-          <a:p>
-            <a:pPr>
-              <a:lnSpc>
-                <a:spcPts val="1640"/>
-              </a:lnSpc>
-            </a:pPr>
-            <a:r>
-              <a:rPr lang="en-CA" sz="1200" dirty="0">
-                <a:latin typeface="Courier" pitchFamily="2" charset="0"/>
-              </a:rPr>
-              <a:t>  Authentication Mode &amp; Key   /          \     </a:t>
-            </a:r>
-          </a:p>
-          <a:p>
-            <a:pPr>
-              <a:lnSpc>
-                <a:spcPts val="1640"/>
-              </a:lnSpc>
-            </a:pPr>
-            <a:r>
-              <a:rPr lang="en-CA" sz="1200" dirty="0">
-                <a:latin typeface="Courier" pitchFamily="2" charset="0"/>
-              </a:rPr>
-              <a:t>  Network Programming Label  /            \</a:t>
-            </a:r>
-          </a:p>
-          <a:p>
-            <a:pPr>
-              <a:lnSpc>
-                <a:spcPts val="1640"/>
-              </a:lnSpc>
-            </a:pPr>
-            <a:r>
-              <a:rPr lang="en-CA" sz="1200" dirty="0">
-                <a:latin typeface="Courier" pitchFamily="2" charset="0"/>
-              </a:rPr>
-              <a:t>  Timestamp Format          /              \</a:t>
-            </a:r>
-          </a:p>
-          <a:p>
-            <a:pPr>
-              <a:lnSpc>
-                <a:spcPts val="1640"/>
-              </a:lnSpc>
-            </a:pPr>
-            <a:r>
-              <a:rPr lang="en-CA" sz="1200" dirty="0">
-                <a:latin typeface="Courier" pitchFamily="2" charset="0"/>
-              </a:rPr>
-              <a:t>                           /                \ </a:t>
-            </a:r>
-          </a:p>
-          <a:p>
-            <a:pPr>
-              <a:lnSpc>
-                <a:spcPts val="1640"/>
-              </a:lnSpc>
-            </a:pPr>
-            <a:r>
-              <a:rPr lang="en-CA" sz="1200" dirty="0">
-                <a:latin typeface="Courier" pitchFamily="2" charset="0"/>
-              </a:rPr>
-              <a:t>                          v                  v</a:t>
-            </a:r>
-          </a:p>
-          <a:p>
-            <a:pPr>
-              <a:lnSpc>
-                <a:spcPts val="1640"/>
-              </a:lnSpc>
-            </a:pPr>
-            <a:r>
-              <a:rPr lang="en-CA" sz="1200" dirty="0">
-                <a:latin typeface="Courier" pitchFamily="2" charset="0"/>
-              </a:rPr>
-              <a:t>                     +-------+            +-------+</a:t>
-            </a:r>
-          </a:p>
-          <a:p>
-            <a:pPr>
-              <a:lnSpc>
-                <a:spcPts val="1640"/>
-              </a:lnSpc>
-            </a:pPr>
-            <a:r>
-              <a:rPr lang="en-CA" sz="1200" dirty="0">
-                <a:latin typeface="Courier" pitchFamily="2" charset="0"/>
-              </a:rPr>
-              <a:t>                     |       |  SR Path   |       |</a:t>
-            </a:r>
-          </a:p>
-          <a:p>
-            <a:pPr>
-              <a:lnSpc>
-                <a:spcPts val="1640"/>
-              </a:lnSpc>
-            </a:pPr>
-            <a:r>
-              <a:rPr lang="en-CA" sz="1200" dirty="0">
-                <a:latin typeface="Courier" pitchFamily="2" charset="0"/>
-              </a:rPr>
-              <a:t>                     |   R1  |------------|   R5  |</a:t>
-            </a:r>
-          </a:p>
-          <a:p>
-            <a:pPr>
-              <a:lnSpc>
-                <a:spcPts val="1640"/>
-              </a:lnSpc>
-            </a:pPr>
-            <a:r>
-              <a:rPr lang="en-CA" sz="1200" dirty="0">
-                <a:latin typeface="Courier" pitchFamily="2" charset="0"/>
-              </a:rPr>
-              <a:t>                     |       |            |       |</a:t>
-            </a:r>
-          </a:p>
-          <a:p>
-            <a:pPr>
-              <a:lnSpc>
-                <a:spcPts val="1640"/>
-              </a:lnSpc>
-            </a:pPr>
-            <a:r>
-              <a:rPr lang="en-CA" sz="1200" dirty="0">
-                <a:latin typeface="Courier" pitchFamily="2" charset="0"/>
-              </a:rPr>
-              <a:t>                     +-------+            +-------+</a:t>
-            </a:r>
-          </a:p>
-          <a:p>
-            <a:pPr>
-              <a:lnSpc>
-                <a:spcPts val="1640"/>
-              </a:lnSpc>
-            </a:pPr>
-            <a:r>
-              <a:rPr lang="en-CA" sz="1200" dirty="0">
-                <a:latin typeface="Courier" pitchFamily="2" charset="0"/>
-              </a:rPr>
-              <a:t>                      Sender              Reflector</a:t>
-            </a:r>
-          </a:p>
-        </p:txBody>
-      </p:sp>
     </p:spTree>
     <p:extLst>
       <p:ext uri="{BB962C8B-B14F-4D97-AF65-F5344CB8AC3E}">
-        <p14:creationId xmlns:p14="http://schemas.microsoft.com/office/powerpoint/2010/main" val="21907870"/>
+        <p14:creationId xmlns:p14="http://schemas.microsoft.com/office/powerpoint/2010/main" val="3637512675"/>
       </p:ext>
     </p:extLst>
   </p:cSld>

--- a/draft-gandhi-spring-sr-enhanced-plm-00.pptx
+++ b/draft-gandhi-spring-sr-enhanced-plm-00.pptx
@@ -261,7 +261,7 @@
           <a:p>
             <a:fld id="{E8FA3DB5-7722-3F4F-947D-12B203669AD7}" type="datetimeFigureOut">
               <a:rPr lang="en-US" smtClean="0"/>
-              <a:t>4/5/20</a:t>
+              <a:t>4/6/20</a:t>
             </a:fld>
             <a:endParaRPr lang="en-US"/>
           </a:p>
@@ -8400,13 +8400,13 @@
           <p:nvPr>
             <p:extLst>
               <p:ext uri="{D42A27DB-BD31-4B8C-83A1-F6EECF244321}">
-                <p14:modId xmlns:p14="http://schemas.microsoft.com/office/powerpoint/2010/main" val="384551973"/>
+                <p14:modId xmlns:p14="http://schemas.microsoft.com/office/powerpoint/2010/main" val="2885395709"/>
               </p:ext>
             </p:extLst>
           </p:nvPr>
         </p:nvGraphicFramePr>
         <p:xfrm>
-          <a:off x="5943600" y="1337310"/>
+          <a:off x="4717861" y="1362734"/>
           <a:ext cx="1156595" cy="1234440"/>
         </p:xfrm>
         <a:graphic>
@@ -8552,13 +8552,13 @@
           <p:nvPr>
             <p:extLst>
               <p:ext uri="{D42A27DB-BD31-4B8C-83A1-F6EECF244321}">
-                <p14:modId xmlns:p14="http://schemas.microsoft.com/office/powerpoint/2010/main" val="3420525766"/>
+                <p14:modId xmlns:p14="http://schemas.microsoft.com/office/powerpoint/2010/main" val="2640894027"/>
               </p:ext>
             </p:extLst>
           </p:nvPr>
         </p:nvGraphicFramePr>
         <p:xfrm>
-          <a:off x="1802165" y="3047826"/>
+          <a:off x="2808699" y="3033640"/>
           <a:ext cx="1099698" cy="1143000"/>
         </p:xfrm>
         <a:graphic>
@@ -8949,7 +8949,7 @@
         </p:nvSpPr>
         <p:spPr>
           <a:xfrm>
-            <a:off x="191719" y="6821"/>
+            <a:off x="201353" y="20373"/>
             <a:ext cx="8839200" cy="788887"/>
           </a:xfrm>
         </p:spPr>
@@ -9731,13 +9731,13 @@
           <p:nvPr>
             <p:extLst>
               <p:ext uri="{D42A27DB-BD31-4B8C-83A1-F6EECF244321}">
-                <p14:modId xmlns:p14="http://schemas.microsoft.com/office/powerpoint/2010/main" val="3399056470"/>
+                <p14:modId xmlns:p14="http://schemas.microsoft.com/office/powerpoint/2010/main" val="493839213"/>
               </p:ext>
             </p:extLst>
           </p:nvPr>
         </p:nvGraphicFramePr>
         <p:xfrm>
-          <a:off x="5943600" y="1200150"/>
+          <a:off x="4764061" y="1220378"/>
           <a:ext cx="1156595" cy="1463040"/>
         </p:xfrm>
         <a:graphic>
@@ -9917,13 +9917,13 @@
           <p:nvPr>
             <p:extLst>
               <p:ext uri="{D42A27DB-BD31-4B8C-83A1-F6EECF244321}">
-                <p14:modId xmlns:p14="http://schemas.microsoft.com/office/powerpoint/2010/main" val="2171733731"/>
+                <p14:modId xmlns:p14="http://schemas.microsoft.com/office/powerpoint/2010/main" val="903269273"/>
               </p:ext>
             </p:extLst>
           </p:nvPr>
         </p:nvGraphicFramePr>
         <p:xfrm>
-          <a:off x="1801173" y="3145736"/>
+          <a:off x="2763760" y="3131550"/>
           <a:ext cx="1099698" cy="1371600"/>
         </p:xfrm>
         <a:graphic>
@@ -13688,7 +13688,7 @@
             </a:pPr>
             <a:r>
               <a:rPr lang="en-US" sz="1800" dirty="0"/>
-              <a:t>Destination addresses in IPv6 header (e.g. FFFF:7F00/104) when return path is SRv6</a:t>
+              <a:t>Destination addresses in IPv6 header (e.g. ::FFFF:127/104) when return path is SRv6</a:t>
             </a:r>
           </a:p>
           <a:p>

--- a/draft-gandhi-spring-sr-enhanced-plm-00.pptx
+++ b/draft-gandhi-spring-sr-enhanced-plm-00.pptx
@@ -261,7 +261,7 @@
           <a:p>
             <a:fld id="{E8FA3DB5-7722-3F4F-947D-12B203669AD7}" type="datetimeFigureOut">
               <a:rPr lang="en-US" smtClean="0"/>
-              <a:t>4/6/20</a:t>
+              <a:t>4/13/20</a:t>
             </a:fld>
             <a:endParaRPr lang="en-US"/>
           </a:p>
@@ -6230,7 +6230,7 @@
               <a:rPr lang="en-CA" sz="1200" dirty="0">
                 <a:latin typeface="Courier" pitchFamily="2" charset="0"/>
               </a:rPr>
-              <a:t>     Simple or Enhanced        /        \</a:t>
+              <a:t>     LB or Enhanced LB         /        \</a:t>
             </a:r>
           </a:p>
           <a:p>
@@ -8224,7 +8224,7 @@
           <p:nvPr>
             <p:extLst>
               <p:ext uri="{D42A27DB-BD31-4B8C-83A1-F6EECF244321}">
-                <p14:modId xmlns:p14="http://schemas.microsoft.com/office/powerpoint/2010/main" val="274977636"/>
+                <p14:modId xmlns:p14="http://schemas.microsoft.com/office/powerpoint/2010/main" val="2350504884"/>
               </p:ext>
             </p:extLst>
           </p:nvPr>
@@ -8256,7 +8256,7 @@
                     <a:p>
                       <a:pPr algn="ctr"/>
                       <a:r>
-                        <a:rPr lang="en-US" sz="900" dirty="0">
+                        <a:rPr lang="en-US" sz="900" b="0" dirty="0">
                           <a:latin typeface="Calibri" panose="020F0502020204030204" pitchFamily="34" charset="0"/>
                           <a:cs typeface="Calibri" panose="020F0502020204030204" pitchFamily="34" charset="0"/>
                         </a:rPr>
@@ -8284,7 +8284,7 @@
                           <a:latin typeface="Calibri" panose="020F0502020204030204" pitchFamily="34" charset="0"/>
                           <a:cs typeface="Calibri" panose="020F0502020204030204" pitchFamily="34" charset="0"/>
                         </a:rPr>
-                        <a:t>TS-LABEL</a:t>
+                        <a:t>TS LABEL TBA1</a:t>
                       </a:r>
                     </a:p>
                   </a:txBody>
@@ -8400,7 +8400,7 @@
           <p:nvPr>
             <p:extLst>
               <p:ext uri="{D42A27DB-BD31-4B8C-83A1-F6EECF244321}">
-                <p14:modId xmlns:p14="http://schemas.microsoft.com/office/powerpoint/2010/main" val="2885395709"/>
+                <p14:modId xmlns:p14="http://schemas.microsoft.com/office/powerpoint/2010/main" val="3381729440"/>
               </p:ext>
             </p:extLst>
           </p:nvPr>
@@ -8432,11 +8432,11 @@
                     <a:p>
                       <a:pPr algn="ctr"/>
                       <a:r>
-                        <a:rPr lang="en-US" sz="900" dirty="0">
+                        <a:rPr lang="en-US" sz="900" b="0" dirty="0">
                           <a:latin typeface="Calibri" panose="020F0502020204030204" pitchFamily="34" charset="0"/>
                           <a:cs typeface="Calibri" panose="020F0502020204030204" pitchFamily="34" charset="0"/>
                         </a:rPr>
-                        <a:t>TS-LABEL</a:t>
+                        <a:t>TS LABEL TBA1</a:t>
                       </a:r>
                     </a:p>
                   </a:txBody>
@@ -8552,7 +8552,7 @@
           <p:nvPr>
             <p:extLst>
               <p:ext uri="{D42A27DB-BD31-4B8C-83A1-F6EECF244321}">
-                <p14:modId xmlns:p14="http://schemas.microsoft.com/office/powerpoint/2010/main" val="2640894027"/>
+                <p14:modId xmlns:p14="http://schemas.microsoft.com/office/powerpoint/2010/main" val="3369444704"/>
               </p:ext>
             </p:extLst>
           </p:nvPr>
@@ -8584,7 +8584,7 @@
                     <a:p>
                       <a:pPr algn="ctr"/>
                       <a:r>
-                        <a:rPr lang="en-US" sz="900" dirty="0">
+                        <a:rPr lang="en-US" sz="900" b="0" dirty="0">
                           <a:latin typeface="Calibri" panose="020F0502020204030204" pitchFamily="34" charset="0"/>
                           <a:cs typeface="Calibri" panose="020F0502020204030204" pitchFamily="34" charset="0"/>
                         </a:rPr>
@@ -8594,7 +8594,7 @@
                     <a:p>
                       <a:pPr algn="ctr"/>
                       <a:r>
-                        <a:rPr lang="en-US" sz="900" dirty="0">
+                        <a:rPr lang="en-US" sz="900" b="0" dirty="0">
                           <a:latin typeface="Calibri" panose="020F0502020204030204" pitchFamily="34" charset="0"/>
                           <a:cs typeface="Calibri" panose="020F0502020204030204" pitchFamily="34" charset="0"/>
                         </a:rPr>
@@ -8604,7 +8604,7 @@
                     <a:p>
                       <a:pPr algn="ctr"/>
                       <a:r>
-                        <a:rPr lang="en-US" sz="900" dirty="0">
+                        <a:rPr lang="en-US" sz="900" b="0" dirty="0">
                           <a:latin typeface="Calibri" panose="020F0502020204030204" pitchFamily="34" charset="0"/>
                           <a:cs typeface="Calibri" panose="020F0502020204030204" pitchFamily="34" charset="0"/>
                         </a:rPr>
@@ -8614,7 +8614,7 @@
                     <a:p>
                       <a:pPr algn="ctr"/>
                       <a:r>
-                        <a:rPr lang="en-US" sz="900" dirty="0">
+                        <a:rPr lang="en-US" sz="900" b="0" dirty="0">
                           <a:latin typeface="Calibri" panose="020F0502020204030204" pitchFamily="34" charset="0"/>
                           <a:cs typeface="Calibri" panose="020F0502020204030204" pitchFamily="34" charset="0"/>
                         </a:rPr>
@@ -8690,7 +8690,7 @@
           <p:nvPr>
             <p:extLst>
               <p:ext uri="{D42A27DB-BD31-4B8C-83A1-F6EECF244321}">
-                <p14:modId xmlns:p14="http://schemas.microsoft.com/office/powerpoint/2010/main" val="2919430354"/>
+                <p14:modId xmlns:p14="http://schemas.microsoft.com/office/powerpoint/2010/main" val="3526201762"/>
               </p:ext>
             </p:extLst>
           </p:nvPr>
@@ -8722,7 +8722,7 @@
                     <a:p>
                       <a:pPr algn="ctr"/>
                       <a:r>
-                        <a:rPr lang="en-US" sz="900" dirty="0">
+                        <a:rPr lang="en-US" sz="900" b="0" dirty="0">
                           <a:latin typeface="Calibri" panose="020F0502020204030204" pitchFamily="34" charset="0"/>
                           <a:cs typeface="Calibri" panose="020F0502020204030204" pitchFamily="34" charset="0"/>
                         </a:rPr>
@@ -8732,7 +8732,7 @@
                     <a:p>
                       <a:pPr algn="ctr"/>
                       <a:r>
-                        <a:rPr lang="en-US" sz="900" dirty="0">
+                        <a:rPr lang="en-US" sz="900" b="0" dirty="0">
                           <a:latin typeface="Calibri" panose="020F0502020204030204" pitchFamily="34" charset="0"/>
                           <a:cs typeface="Calibri" panose="020F0502020204030204" pitchFamily="34" charset="0"/>
                         </a:rPr>
@@ -8742,7 +8742,7 @@
                     <a:p>
                       <a:pPr algn="ctr"/>
                       <a:r>
-                        <a:rPr lang="en-US" sz="900" dirty="0">
+                        <a:rPr lang="en-US" sz="900" b="0" dirty="0">
                           <a:latin typeface="Calibri" panose="020F0502020204030204" pitchFamily="34" charset="0"/>
                           <a:cs typeface="Calibri" panose="020F0502020204030204" pitchFamily="34" charset="0"/>
                         </a:rPr>
@@ -8752,7 +8752,7 @@
                     <a:p>
                       <a:pPr algn="ctr"/>
                       <a:r>
-                        <a:rPr lang="en-US" sz="900" dirty="0">
+                        <a:rPr lang="en-US" sz="900" b="0" dirty="0">
                           <a:latin typeface="Calibri" panose="020F0502020204030204" pitchFamily="34" charset="0"/>
                           <a:cs typeface="Calibri" panose="020F0502020204030204" pitchFamily="34" charset="0"/>
                         </a:rPr>
@@ -8965,7 +8965,7 @@
                 <a:latin typeface="Calibri Light" panose="020F0302020204030204" pitchFamily="34" charset="0"/>
                 <a:cs typeface="Calibri Light" panose="020F0302020204030204" pitchFamily="34" charset="0"/>
               </a:rPr>
-              <a:t>Enhanced Loopback Mode for SR-MPLS Policy – SR Return Path</a:t>
+              <a:t>Enhanced Loopback Mode for SR-MPLS Policy - SR Return Path</a:t>
             </a:r>
             <a:endParaRPr lang="en-US" sz="2600" b="0" dirty="0">
               <a:solidFill>
@@ -9521,7 +9521,7 @@
           <p:nvPr>
             <p:extLst>
               <p:ext uri="{D42A27DB-BD31-4B8C-83A1-F6EECF244321}">
-                <p14:modId xmlns:p14="http://schemas.microsoft.com/office/powerpoint/2010/main" val="4083020372"/>
+                <p14:modId xmlns:p14="http://schemas.microsoft.com/office/powerpoint/2010/main" val="1763265696"/>
               </p:ext>
             </p:extLst>
           </p:nvPr>
@@ -9553,7 +9553,7 @@
                     <a:p>
                       <a:pPr algn="ctr"/>
                       <a:r>
-                        <a:rPr lang="en-US" sz="900" dirty="0">
+                        <a:rPr lang="en-US" sz="900" b="0" dirty="0">
                           <a:latin typeface="Calibri" panose="020F0502020204030204" pitchFamily="34" charset="0"/>
                           <a:cs typeface="Calibri" panose="020F0502020204030204" pitchFamily="34" charset="0"/>
                         </a:rPr>
@@ -9581,7 +9581,7 @@
                           <a:latin typeface="Calibri" panose="020F0502020204030204" pitchFamily="34" charset="0"/>
                           <a:cs typeface="Calibri" panose="020F0502020204030204" pitchFamily="34" charset="0"/>
                         </a:rPr>
-                        <a:t>TS-LABEL</a:t>
+                        <a:t>TS LABEL TBA1</a:t>
                       </a:r>
                     </a:p>
                   </a:txBody>
@@ -9659,7 +9659,21 @@
                           <a:latin typeface="Calibri" panose="020F0502020204030204" pitchFamily="34" charset="0"/>
                           <a:cs typeface="Calibri" panose="020F0502020204030204" pitchFamily="34" charset="0"/>
                         </a:rPr>
-                        <a:t>: PE2 or 127/8</a:t>
+                        <a:t>: </a:t>
+                      </a:r>
+                      <a:r>
+                        <a:rPr lang="en-US" sz="900" b="0" dirty="0">
+                          <a:latin typeface="Calibri" panose="020F0502020204030204" pitchFamily="34" charset="0"/>
+                          <a:cs typeface="Calibri" panose="020F0502020204030204" pitchFamily="34" charset="0"/>
+                        </a:rPr>
+                        <a:t>PE2 or</a:t>
+                      </a:r>
+                      <a:r>
+                        <a:rPr lang="en-US" sz="900" b="1" dirty="0">
+                          <a:latin typeface="Calibri" panose="020F0502020204030204" pitchFamily="34" charset="0"/>
+                          <a:cs typeface="Calibri" panose="020F0502020204030204" pitchFamily="34" charset="0"/>
+                        </a:rPr>
+                        <a:t> 127/8</a:t>
                       </a:r>
                     </a:p>
                     <a:p>
@@ -9731,7 +9745,7 @@
           <p:nvPr>
             <p:extLst>
               <p:ext uri="{D42A27DB-BD31-4B8C-83A1-F6EECF244321}">
-                <p14:modId xmlns:p14="http://schemas.microsoft.com/office/powerpoint/2010/main" val="493839213"/>
+                <p14:modId xmlns:p14="http://schemas.microsoft.com/office/powerpoint/2010/main" val="2988540767"/>
               </p:ext>
             </p:extLst>
           </p:nvPr>
@@ -9763,11 +9777,11 @@
                     <a:p>
                       <a:pPr algn="ctr"/>
                       <a:r>
-                        <a:rPr lang="en-US" sz="900" dirty="0">
+                        <a:rPr lang="en-US" sz="900" b="0" dirty="0">
                           <a:latin typeface="Calibri" panose="020F0502020204030204" pitchFamily="34" charset="0"/>
                           <a:cs typeface="Calibri" panose="020F0502020204030204" pitchFamily="34" charset="0"/>
                         </a:rPr>
-                        <a:t>TS-LABEL</a:t>
+                        <a:t>TS LABEL TBA1</a:t>
                       </a:r>
                     </a:p>
                   </a:txBody>
@@ -9845,7 +9859,21 @@
                           <a:latin typeface="Calibri" panose="020F0502020204030204" pitchFamily="34" charset="0"/>
                           <a:cs typeface="Calibri" panose="020F0502020204030204" pitchFamily="34" charset="0"/>
                         </a:rPr>
-                        <a:t>: PE2 or 127/8</a:t>
+                        <a:t>: </a:t>
+                      </a:r>
+                      <a:r>
+                        <a:rPr lang="en-US" sz="900" b="0" dirty="0">
+                          <a:latin typeface="Calibri" panose="020F0502020204030204" pitchFamily="34" charset="0"/>
+                          <a:cs typeface="Calibri" panose="020F0502020204030204" pitchFamily="34" charset="0"/>
+                        </a:rPr>
+                        <a:t>PE2 or </a:t>
+                      </a:r>
+                      <a:r>
+                        <a:rPr lang="en-US" sz="900" b="1" dirty="0">
+                          <a:latin typeface="Calibri" panose="020F0502020204030204" pitchFamily="34" charset="0"/>
+                          <a:cs typeface="Calibri" panose="020F0502020204030204" pitchFamily="34" charset="0"/>
+                        </a:rPr>
+                        <a:t>127/8</a:t>
                       </a:r>
                     </a:p>
                     <a:p>
@@ -9917,7 +9945,7 @@
           <p:nvPr>
             <p:extLst>
               <p:ext uri="{D42A27DB-BD31-4B8C-83A1-F6EECF244321}">
-                <p14:modId xmlns:p14="http://schemas.microsoft.com/office/powerpoint/2010/main" val="903269273"/>
+                <p14:modId xmlns:p14="http://schemas.microsoft.com/office/powerpoint/2010/main" val="3475999150"/>
               </p:ext>
             </p:extLst>
           </p:nvPr>
@@ -9949,7 +9977,7 @@
                     <a:p>
                       <a:pPr algn="ctr"/>
                       <a:r>
-                        <a:rPr lang="en-US" sz="900" dirty="0">
+                        <a:rPr lang="en-US" sz="900" b="0" dirty="0">
                           <a:solidFill>
                             <a:srgbClr val="0070C0"/>
                           </a:solidFill>
@@ -10007,7 +10035,21 @@
                           <a:latin typeface="Calibri" panose="020F0502020204030204" pitchFamily="34" charset="0"/>
                           <a:cs typeface="Calibri" panose="020F0502020204030204" pitchFamily="34" charset="0"/>
                         </a:rPr>
-                        <a:t>: PE2 or 127/8</a:t>
+                        <a:t>: </a:t>
+                      </a:r>
+                      <a:r>
+                        <a:rPr lang="en-US" sz="900" b="0" dirty="0">
+                          <a:latin typeface="Calibri" panose="020F0502020204030204" pitchFamily="34" charset="0"/>
+                          <a:cs typeface="Calibri" panose="020F0502020204030204" pitchFamily="34" charset="0"/>
+                        </a:rPr>
+                        <a:t>PE2 or </a:t>
+                      </a:r>
+                      <a:r>
+                        <a:rPr lang="en-US" sz="900" b="1" dirty="0">
+                          <a:latin typeface="Calibri" panose="020F0502020204030204" pitchFamily="34" charset="0"/>
+                          <a:cs typeface="Calibri" panose="020F0502020204030204" pitchFamily="34" charset="0"/>
+                        </a:rPr>
+                        <a:t>127/8</a:t>
                       </a:r>
                     </a:p>
                     <a:p>
@@ -10089,7 +10131,7 @@
           <p:nvPr>
             <p:extLst>
               <p:ext uri="{D42A27DB-BD31-4B8C-83A1-F6EECF244321}">
-                <p14:modId xmlns:p14="http://schemas.microsoft.com/office/powerpoint/2010/main" val="3041610418"/>
+                <p14:modId xmlns:p14="http://schemas.microsoft.com/office/powerpoint/2010/main" val="2118171665"/>
               </p:ext>
             </p:extLst>
           </p:nvPr>
@@ -10121,7 +10163,7 @@
                     <a:p>
                       <a:pPr algn="ctr"/>
                       <a:r>
-                        <a:rPr lang="en-US" sz="900" dirty="0">
+                        <a:rPr lang="en-US" sz="900" b="0" dirty="0">
                           <a:solidFill>
                             <a:srgbClr val="0070C0"/>
                           </a:solidFill>
@@ -10179,7 +10221,21 @@
                           <a:latin typeface="Calibri" panose="020F0502020204030204" pitchFamily="34" charset="0"/>
                           <a:cs typeface="Calibri" panose="020F0502020204030204" pitchFamily="34" charset="0"/>
                         </a:rPr>
-                        <a:t>: PE2 or 127/8</a:t>
+                        <a:t>: </a:t>
+                      </a:r>
+                      <a:r>
+                        <a:rPr lang="en-US" sz="900" b="0" dirty="0">
+                          <a:latin typeface="Calibri" panose="020F0502020204030204" pitchFamily="34" charset="0"/>
+                          <a:cs typeface="Calibri" panose="020F0502020204030204" pitchFamily="34" charset="0"/>
+                        </a:rPr>
+                        <a:t>PE2 or </a:t>
+                      </a:r>
+                      <a:r>
+                        <a:rPr lang="en-US" sz="900" b="1" dirty="0">
+                          <a:latin typeface="Calibri" panose="020F0502020204030204" pitchFamily="34" charset="0"/>
+                          <a:cs typeface="Calibri" panose="020F0502020204030204" pitchFamily="34" charset="0"/>
+                        </a:rPr>
+                        <a:t>127/8</a:t>
                       </a:r>
                     </a:p>
                     <a:p>
@@ -10910,7 +10966,7 @@
             </a:pPr>
             <a:r>
               <a:rPr lang="en-US" sz="1600" dirty="0"/>
-              <a:t>RFC 5357 (TWAMP) defined probe messages - TWAMP Light</a:t>
+              <a:t>RFC 5357 (TWAMP Light) defined probe messages</a:t>
             </a:r>
           </a:p>
           <a:p>
@@ -13474,8 +13530,8 @@
         </p:nvSpPr>
         <p:spPr>
           <a:xfrm>
-            <a:off x="5105400" y="971550"/>
-            <a:ext cx="3962400" cy="3001056"/>
+            <a:off x="5105400" y="1047750"/>
+            <a:ext cx="3810000" cy="3001056"/>
           </a:xfrm>
         </p:spPr>
         <p:txBody>
@@ -13483,31 +13539,31 @@
           <a:lstStyle/>
           <a:p>
             <a:r>
-              <a:rPr lang="en-US" sz="1600" dirty="0"/>
+              <a:rPr lang="en-US" sz="1400" dirty="0"/>
               <a:t>Timestamp Label (TBA1) allocated by IANA from Extended Special-Purpose MPLS Label Values </a:t>
             </a:r>
           </a:p>
           <a:p>
             <a:pPr lvl="1"/>
             <a:r>
-              <a:rPr lang="en-US" sz="1600" dirty="0"/>
+              <a:rPr lang="en-US" sz="1400" dirty="0"/>
               <a:t>Used for Timestamp, Pop and Forward network programing function</a:t>
             </a:r>
           </a:p>
           <a:p>
             <a:r>
-              <a:rPr lang="en-US" sz="1600" dirty="0"/>
+              <a:rPr lang="en-US" sz="1400" dirty="0"/>
               <a:t>Source and Destination Addresses are swapped for the Reverse direction path</a:t>
             </a:r>
           </a:p>
           <a:p>
             <a:r>
-              <a:rPr lang="en-US" sz="1600" dirty="0"/>
+              <a:rPr lang="en-US" sz="1400" dirty="0"/>
               <a:t>Optionally, Reverse direction SR path label stack can follow the Timestamp Label </a:t>
             </a:r>
           </a:p>
           <a:p>
-            <a:endParaRPr lang="en-US" sz="1600" dirty="0"/>
+            <a:endParaRPr lang="en-US" sz="1400" dirty="0"/>
           </a:p>
         </p:txBody>
       </p:sp>

--- a/draft-gandhi-spring-sr-enhanced-plm-00.pptx
+++ b/draft-gandhi-spring-sr-enhanced-plm-00.pptx
@@ -13209,7 +13209,7 @@
               </a:pPr>
               <a:t>8</a:t>
             </a:fld>
-            <a:endParaRPr lang="en-US" altLang="zh-CN"/>
+            <a:endParaRPr lang="en-US" altLang="zh-CN" dirty="0"/>
           </a:p>
         </p:txBody>
       </p:sp>
@@ -13553,7 +13553,7 @@
           <a:p>
             <a:r>
               <a:rPr lang="en-US" sz="1400" dirty="0"/>
-              <a:t>Source and Destination Addresses are swapped for the Reverse direction path</a:t>
+              <a:t>Source and Destination Addresses are swapped - represent Reverse direction path</a:t>
             </a:r>
           </a:p>
           <a:p>
@@ -13561,9 +13561,6 @@
               <a:rPr lang="en-US" sz="1400" dirty="0"/>
               <a:t>Optionally, Reverse direction SR path label stack can follow the Timestamp Label </a:t>
             </a:r>
-          </a:p>
-          <a:p>
-            <a:endParaRPr lang="en-US" sz="1400" dirty="0"/>
           </a:p>
         </p:txBody>
       </p:sp>

--- a/draft-gandhi-spring-sr-enhanced-plm-00.pptx
+++ b/draft-gandhi-spring-sr-enhanced-plm-00.pptx
@@ -7688,7 +7688,7 @@
         </p:nvSpPr>
         <p:spPr>
           <a:xfrm>
-            <a:off x="2988460" y="1321620"/>
+            <a:off x="2988460" y="1352550"/>
             <a:ext cx="466385" cy="127022"/>
           </a:xfrm>
           <a:prstGeom prst="rightArrow">
@@ -7810,7 +7810,7 @@
         </p:nvSpPr>
         <p:spPr>
           <a:xfrm rot="10800000">
-            <a:off x="5401347" y="3203001"/>
+            <a:off x="5401347" y="3257550"/>
             <a:ext cx="466385" cy="127022"/>
           </a:xfrm>
           <a:prstGeom prst="rightArrow">
@@ -7861,7 +7861,7 @@
         </p:nvSpPr>
         <p:spPr>
           <a:xfrm>
-            <a:off x="5179934" y="3017461"/>
+            <a:off x="5179934" y="3028950"/>
             <a:ext cx="819455" cy="230832"/>
           </a:xfrm>
           <a:prstGeom prst="rect">
@@ -8985,7 +8985,7 @@
         </p:nvSpPr>
         <p:spPr>
           <a:xfrm>
-            <a:off x="2988460" y="1184460"/>
+            <a:off x="2988460" y="1200150"/>
             <a:ext cx="466385" cy="127022"/>
           </a:xfrm>
           <a:prstGeom prst="rightArrow">
@@ -9107,7 +9107,7 @@
         </p:nvSpPr>
         <p:spPr>
           <a:xfrm rot="10800000">
-            <a:off x="5400355" y="3300911"/>
+            <a:off x="5400355" y="3333750"/>
             <a:ext cx="466385" cy="127022"/>
           </a:xfrm>
           <a:prstGeom prst="rightArrow">
@@ -10904,8 +10904,8 @@
         </p:nvSpPr>
         <p:spPr>
           <a:xfrm>
-            <a:off x="685800" y="979884"/>
-            <a:ext cx="7772400" cy="3192066"/>
+            <a:off x="685800" y="857250"/>
+            <a:ext cx="7772400" cy="3619500"/>
           </a:xfrm>
         </p:spPr>
         <p:txBody>
@@ -10916,7 +10916,7 @@
               <a:buNone/>
             </a:pPr>
             <a:r>
-              <a:rPr lang="en-US" sz="1600" dirty="0"/>
+              <a:rPr lang="en-US" sz="1400" dirty="0"/>
               <a:t>Requirements:</a:t>
             </a:r>
           </a:p>
@@ -10926,8 +10926,8 @@
               <a:buChar char="§"/>
             </a:pPr>
             <a:r>
-              <a:rPr lang="en-US" sz="1600" dirty="0"/>
-              <a:t>Performance Measurement &amp; Liveness Monitoring</a:t>
+              <a:rPr lang="en-US" sz="1400" dirty="0"/>
+              <a:t>Performance Measurement &amp; Liveness Monitoring in SR networks</a:t>
             </a:r>
           </a:p>
           <a:p>
@@ -10936,7 +10936,7 @@
               <a:buChar char="ü"/>
             </a:pPr>
             <a:r>
-              <a:rPr lang="en-US" sz="1600" dirty="0"/>
+              <a:rPr lang="en-US" sz="1400" dirty="0"/>
               <a:t>End-to-end P2P/P2MP SR Paths</a:t>
             </a:r>
           </a:p>
@@ -10946,8 +10946,68 @@
               <a:buChar char="ü"/>
             </a:pPr>
             <a:r>
-              <a:rPr lang="en-US" sz="1600" dirty="0"/>
+              <a:rPr lang="en-US" sz="1400" dirty="0"/>
               <a:t>Applicable to SR-MPLS/SRv6 data planes</a:t>
+            </a:r>
+          </a:p>
+          <a:p>
+            <a:pPr lvl="2">
+              <a:buFont typeface="Wingdings" charset="2"/>
+              <a:buChar char="ü"/>
+            </a:pPr>
+            <a:r>
+              <a:rPr lang="en-US" sz="1400" dirty="0"/>
+              <a:t>Support ECMP SR paths</a:t>
+            </a:r>
+          </a:p>
+          <a:p>
+            <a:pPr lvl="1">
+              <a:buFont typeface="Wingdings" pitchFamily="2" charset="2"/>
+              <a:buChar char="§"/>
+            </a:pPr>
+            <a:r>
+              <a:rPr lang="en-US" sz="1400" dirty="0"/>
+              <a:t>Running single protocol for liveness detection and performance measurement in SR networks</a:t>
+            </a:r>
+          </a:p>
+          <a:p>
+            <a:pPr lvl="2">
+              <a:buFont typeface="Wingdings" pitchFamily="2" charset="2"/>
+              <a:buChar char="ü"/>
+            </a:pPr>
+            <a:r>
+              <a:rPr lang="en-US" sz="1400" dirty="0"/>
+              <a:t> Simplify deployment and reduce operational complexity</a:t>
+            </a:r>
+          </a:p>
+          <a:p>
+            <a:pPr lvl="1">
+              <a:buFont typeface="Wingdings" pitchFamily="2" charset="2"/>
+              <a:buChar char="§"/>
+            </a:pPr>
+            <a:r>
+              <a:rPr lang="en-US" sz="1400" dirty="0"/>
+              <a:t>No endpoint dependency</a:t>
+            </a:r>
+          </a:p>
+          <a:p>
+            <a:pPr lvl="2">
+              <a:buFont typeface="Wingdings" pitchFamily="2" charset="2"/>
+              <a:buChar char="ü"/>
+            </a:pPr>
+            <a:r>
+              <a:rPr lang="en-US" sz="1400" dirty="0"/>
+              <a:t>Stateless on endpoint (e.g. endpoint unaware of the probe protocol)</a:t>
+            </a:r>
+          </a:p>
+          <a:p>
+            <a:pPr lvl="2">
+              <a:buFont typeface="Wingdings" pitchFamily="2" charset="2"/>
+              <a:buChar char="ü"/>
+            </a:pPr>
+            <a:r>
+              <a:rPr lang="en-US" sz="1400" dirty="0"/>
+              <a:t>Higher scale and faster detection interval (e.g. packets not punted from fast-path)</a:t>
             </a:r>
           </a:p>
           <a:p>
@@ -10955,7 +11015,7 @@
               <a:buNone/>
             </a:pPr>
             <a:r>
-              <a:rPr lang="en-US" sz="1600" dirty="0"/>
+              <a:rPr lang="en-US" sz="1400" dirty="0"/>
               <a:t>Scope:</a:t>
             </a:r>
           </a:p>
@@ -10965,7 +11025,7 @@
               <a:buChar char="§"/>
             </a:pPr>
             <a:r>
-              <a:rPr lang="en-US" sz="1600" dirty="0"/>
+              <a:rPr lang="en-US" sz="1400" dirty="0"/>
               <a:t>RFC 5357 (TWAMP Light) defined probe messages</a:t>
             </a:r>
           </a:p>
@@ -10975,7 +11035,7 @@
               <a:buChar char="§"/>
             </a:pPr>
             <a:r>
-              <a:rPr lang="en-US" sz="1600" dirty="0"/>
+              <a:rPr lang="en-US" sz="1400" dirty="0"/>
               <a:t>RFC 8762 (STAMP) defined probe messages</a:t>
             </a:r>
           </a:p>
@@ -10985,7 +11045,7 @@
               <a:buChar char="§"/>
             </a:pPr>
             <a:r>
-              <a:rPr lang="en-US" sz="1600" dirty="0"/>
+              <a:rPr lang="en-US" sz="1400" dirty="0"/>
               <a:t>User-configured IP/UDP path for probe messages</a:t>
             </a:r>
           </a:p>
@@ -10994,7 +11054,7 @@
               <a:buFont typeface="Wingdings" charset="2"/>
               <a:buChar char="§"/>
             </a:pPr>
-            <a:endParaRPr lang="en-US" sz="1600" dirty="0"/>
+            <a:endParaRPr lang="en-US" sz="1400" dirty="0"/>
           </a:p>
         </p:txBody>
       </p:sp>
@@ -13622,7 +13682,7 @@
                 <a:latin typeface="Calibri Light" panose="020F0302020204030204" pitchFamily="34" charset="0"/>
                 <a:cs typeface="Calibri Light" panose="020F0302020204030204" pitchFamily="34" charset="0"/>
               </a:rPr>
-              <a:t>ECMP Support for SR Policy</a:t>
+              <a:t>ECMP Support for SR Paths</a:t>
             </a:r>
           </a:p>
         </p:txBody>
@@ -13657,7 +13717,7 @@
             </a:pPr>
             <a:r>
               <a:rPr lang="en-US" sz="1800" dirty="0"/>
-              <a:t>SR Policy can have ECMP between the ingress and transit nodes, between transit nodes and between transit and egress nodes.</a:t>
+              <a:t>SR Path can have ECMP between the ingress and transit nodes, between transit nodes and between transit and egress nodes.</a:t>
             </a:r>
           </a:p>
           <a:p>

--- a/draft-gandhi-spring-sr-enhanced-plm-00.pptx
+++ b/draft-gandhi-spring-sr-enhanced-plm-00.pptx
@@ -261,7 +261,7 @@
           <a:p>
             <a:fld id="{E8FA3DB5-7722-3F4F-947D-12B203669AD7}" type="datetimeFigureOut">
               <a:rPr lang="en-US" smtClean="0"/>
-              <a:t>4/13/20</a:t>
+              <a:t>4/16/20</a:t>
             </a:fld>
             <a:endParaRPr lang="en-US"/>
           </a:p>
@@ -7092,7 +7092,7 @@
               <a:rPr lang="en-CA" sz="1000" dirty="0">
                 <a:latin typeface="Courier" pitchFamily="2" charset="0"/>
               </a:rPr>
-              <a:t>  |                       SRH                                     |</a:t>
+              <a:t>  | IP Header                                                     |</a:t>
             </a:r>
           </a:p>
           <a:p>
@@ -7100,15 +7100,19 @@
               <a:rPr lang="en-CA" sz="1000" dirty="0">
                 <a:latin typeface="Courier" pitchFamily="2" charset="0"/>
               </a:rPr>
-              <a:t>  .                       &lt;Segment List&gt;                          .</a:t>
-            </a:r>
-          </a:p>
-          <a:p>
+              <a:t>  .  Source IP Address = </a:t>
+            </a:r>
+            <a:r>
+              <a:rPr lang="en-CA" sz="1000" b="1" dirty="0">
+                <a:latin typeface="Courier" pitchFamily="2" charset="0"/>
+              </a:rPr>
+              <a:t>Endpoint</a:t>
+            </a:r>
             <a:r>
               <a:rPr lang="en-CA" sz="1000" dirty="0">
                 <a:latin typeface="Courier" pitchFamily="2" charset="0"/>
               </a:rPr>
-              <a:t>  .                       END.TSF with Target SID                 .</a:t>
+              <a:t> IPv6 Address                    .</a:t>
             </a:r>
           </a:p>
           <a:p>
@@ -7116,15 +7120,19 @@
               <a:rPr lang="en-CA" sz="1000" dirty="0">
                 <a:latin typeface="Courier" pitchFamily="2" charset="0"/>
               </a:rPr>
-              <a:t>  +---------------------------------------------------------------+</a:t>
-            </a:r>
-          </a:p>
-          <a:p>
+              <a:t>  .  Destination IP Address = </a:t>
+            </a:r>
+            <a:r>
+              <a:rPr lang="en-CA" sz="1000" b="1" dirty="0">
+                <a:latin typeface="Courier" pitchFamily="2" charset="0"/>
+              </a:rPr>
+              <a:t>Sender</a:t>
+            </a:r>
             <a:r>
               <a:rPr lang="en-CA" sz="1000" dirty="0">
                 <a:latin typeface="Courier" pitchFamily="2" charset="0"/>
               </a:rPr>
-              <a:t>  | IP Header                                                     |</a:t>
+              <a:t> IPv6 Address                 .</a:t>
             </a:r>
           </a:p>
           <a:p>
@@ -7132,19 +7140,15 @@
               <a:rPr lang="en-CA" sz="1000" dirty="0">
                 <a:latin typeface="Courier" pitchFamily="2" charset="0"/>
               </a:rPr>
-              <a:t>  .  Source IP Address = </a:t>
-            </a:r>
-            <a:r>
-              <a:rPr lang="en-CA" sz="1000" b="1" dirty="0">
-                <a:latin typeface="Courier" pitchFamily="2" charset="0"/>
-              </a:rPr>
-              <a:t>Endpoint</a:t>
-            </a:r>
+              <a:t>  .  Protocol = UDP                                               .</a:t>
+            </a:r>
+          </a:p>
+          <a:p>
             <a:r>
               <a:rPr lang="en-CA" sz="1000" dirty="0">
                 <a:latin typeface="Courier" pitchFamily="2" charset="0"/>
               </a:rPr>
-              <a:t> IPv6 Address                    .</a:t>
+              <a:t>  .                                                               .</a:t>
             </a:r>
           </a:p>
           <a:p>
@@ -7152,19 +7156,15 @@
               <a:rPr lang="en-CA" sz="1000" dirty="0">
                 <a:latin typeface="Courier" pitchFamily="2" charset="0"/>
               </a:rPr>
-              <a:t>  .  Destination IP Address = </a:t>
-            </a:r>
-            <a:r>
-              <a:rPr lang="en-CA" sz="1000" b="1" dirty="0">
-                <a:latin typeface="Courier" pitchFamily="2" charset="0"/>
-              </a:rPr>
-              <a:t>Sender</a:t>
-            </a:r>
+              <a:t>  +---------------------------------------------------------------+</a:t>
+            </a:r>
+          </a:p>
+          <a:p>
             <a:r>
               <a:rPr lang="en-CA" sz="1000" dirty="0">
                 <a:latin typeface="Courier" pitchFamily="2" charset="0"/>
               </a:rPr>
-              <a:t> IPv6 Address                 .</a:t>
+              <a:t>  |  SRH                                                          |</a:t>
             </a:r>
           </a:p>
           <a:p>
@@ -7172,7 +7172,7 @@
               <a:rPr lang="en-CA" sz="1000" dirty="0">
                 <a:latin typeface="Courier" pitchFamily="2" charset="0"/>
               </a:rPr>
-              <a:t>  .  Protocol = UDP                                               .</a:t>
+              <a:t>  .  &lt;Segment List&gt;                                               .</a:t>
             </a:r>
           </a:p>
           <a:p>
@@ -7180,7 +7180,7 @@
               <a:rPr lang="en-CA" sz="1000" dirty="0">
                 <a:latin typeface="Courier" pitchFamily="2" charset="0"/>
               </a:rPr>
-              <a:t>  .                                                               .</a:t>
+              <a:t>  .  END.TSF with Target SID                                      .</a:t>
             </a:r>
           </a:p>
           <a:p>
@@ -7276,7 +7276,7 @@
               <a:rPr lang="en-CA" sz="1000" dirty="0">
                 <a:latin typeface="Courier" pitchFamily="2" charset="0"/>
               </a:rPr>
-              <a:t>  Figure 6: Probe Message Header for SRv6 with Endpoint Function</a:t>
+              <a:t>    Figure: Probe Message Header for SRv6 with Endpoint Function</a:t>
             </a:r>
             <a:endParaRPr lang="en-US" sz="1000" dirty="0">
               <a:latin typeface="Courier" pitchFamily="2" charset="0"/>
@@ -13716,7 +13716,7 @@
               </a:spcBef>
             </a:pPr>
             <a:r>
-              <a:rPr lang="en-US" sz="1800" dirty="0"/>
+              <a:rPr lang="en-US" sz="1600" dirty="0"/>
               <a:t>SR Path can have ECMP between the ingress and transit nodes, between transit nodes and between transit and egress nodes.</a:t>
             </a:r>
           </a:p>
@@ -13730,7 +13730,7 @@
               </a:spcBef>
             </a:pPr>
             <a:r>
-              <a:rPr lang="en-US" sz="1800" dirty="0"/>
+              <a:rPr lang="en-US" sz="1600" dirty="0"/>
               <a:t>Sending PM probe queries that can take advantage of the hashing function in forwarding plane.</a:t>
             </a:r>
           </a:p>
@@ -13744,7 +13744,7 @@
               </a:spcBef>
             </a:pPr>
             <a:r>
-              <a:rPr lang="en-US" sz="1800" dirty="0"/>
+              <a:rPr lang="en-US" sz="1600" dirty="0"/>
               <a:t>Existing forwarding mechanisms are applicable to PM probe messages:</a:t>
             </a:r>
           </a:p>
@@ -13758,7 +13758,7 @@
               </a:spcBef>
             </a:pPr>
             <a:r>
-              <a:rPr lang="en-US" sz="1800" dirty="0"/>
+              <a:rPr lang="en-US" sz="1600" dirty="0"/>
               <a:t>For IPv4</a:t>
             </a:r>
           </a:p>
@@ -13772,7 +13772,7 @@
               </a:spcBef>
             </a:pPr>
             <a:r>
-              <a:rPr lang="en-US" sz="1800" dirty="0"/>
+              <a:rPr lang="en-US" sz="1600" dirty="0"/>
               <a:t>Destination addresses in IPv4 header (e.g. 127/8) when return path is SR-MPLS</a:t>
             </a:r>
           </a:p>
@@ -13786,7 +13786,7 @@
               </a:spcBef>
             </a:pPr>
             <a:r>
-              <a:rPr lang="en-US" sz="1800" dirty="0"/>
+              <a:rPr lang="en-US" sz="1600" dirty="0"/>
               <a:t>For IPv6</a:t>
             </a:r>
           </a:p>
@@ -13800,7 +13800,7 @@
               </a:spcBef>
             </a:pPr>
             <a:r>
-              <a:rPr lang="en-US" sz="1800" dirty="0"/>
+              <a:rPr lang="en-US" sz="1600" dirty="0"/>
               <a:t>Destination addresses in IPv6 header (e.g. ::FFFF:127/104) when return path is SRv6</a:t>
             </a:r>
           </a:p>
@@ -13814,7 +13814,7 @@
               </a:spcBef>
             </a:pPr>
             <a:r>
-              <a:rPr lang="en-US" sz="1800" dirty="0"/>
+              <a:rPr lang="en-US" sz="1600" dirty="0"/>
               <a:t>Flow label in IPv6 header</a:t>
             </a:r>
           </a:p>

--- a/draft-gandhi-spring-sr-enhanced-plm-00.pptx
+++ b/draft-gandhi-spring-sr-enhanced-plm-00.pptx
@@ -7062,7 +7062,7 @@
         <p:spPr>
           <a:xfrm>
             <a:off x="262054" y="886522"/>
-            <a:ext cx="5410200" cy="3477875"/>
+            <a:ext cx="5410200" cy="3785652"/>
           </a:xfrm>
           <a:prstGeom prst="rect">
             <a:avLst/>
@@ -7140,7 +7140,7 @@
               <a:rPr lang="en-CA" sz="1000" dirty="0">
                 <a:latin typeface="Courier" pitchFamily="2" charset="0"/>
               </a:rPr>
-              <a:t>  .  Protocol = UDP                                               .</a:t>
+              <a:t>  .  Next Header = 43 (Routing Header)                            .</a:t>
             </a:r>
           </a:p>
           <a:p>
@@ -7188,6 +7188,22 @@
               <a:rPr lang="en-CA" sz="1000" dirty="0">
                 <a:latin typeface="Courier" pitchFamily="2" charset="0"/>
               </a:rPr>
+              <a:t>  .  Next Header = 17 (UDP)                                       .</a:t>
+            </a:r>
+          </a:p>
+          <a:p>
+            <a:r>
+              <a:rPr lang="en-CA" sz="1000" dirty="0">
+                <a:latin typeface="Courier" pitchFamily="2" charset="0"/>
+              </a:rPr>
+              <a:t>  .                                                               .</a:t>
+            </a:r>
+          </a:p>
+          <a:p>
+            <a:r>
+              <a:rPr lang="en-CA" sz="1000" dirty="0">
+                <a:latin typeface="Courier" pitchFamily="2" charset="0"/>
+              </a:rPr>
               <a:t>  +---------------------------------------------------------------+</a:t>
             </a:r>
           </a:p>
@@ -7276,7 +7292,7 @@
               <a:rPr lang="en-CA" sz="1000" dirty="0">
                 <a:latin typeface="Courier" pitchFamily="2" charset="0"/>
               </a:rPr>
-              <a:t>    Figure: Probe Message Header for SRv6 with Endpoint Function</a:t>
+              <a:t>    Figure: Example Probe Message for SRv6 with Endpoint Function</a:t>
             </a:r>
             <a:endParaRPr lang="en-US" sz="1000" dirty="0">
               <a:latin typeface="Courier" pitchFamily="2" charset="0"/>
@@ -13287,8 +13303,8 @@
         </p:nvSpPr>
         <p:spPr>
           <a:xfrm>
-            <a:off x="228600" y="666751"/>
-            <a:ext cx="4800600" cy="4119562"/>
+            <a:off x="173421" y="650498"/>
+            <a:ext cx="5105400" cy="4247317"/>
           </a:xfrm>
           <a:prstGeom prst="rect">
             <a:avLst/>
@@ -13564,7 +13580,7 @@
               <a:rPr lang="en-CA" sz="900" dirty="0">
                 <a:latin typeface="Courier" pitchFamily="2" charset="0"/>
               </a:rPr>
-              <a:t>  Figure 5: Probe Message Header for SR-MPLS with Timestamp Label</a:t>
+              <a:t>   Figure 5: Example Probe Message for SR-MPLS with Timestamp Label</a:t>
             </a:r>
             <a:endParaRPr lang="en-US" sz="900" dirty="0">
               <a:latin typeface="Courier" pitchFamily="2" charset="0"/>
@@ -13590,7 +13606,7 @@
         </p:nvSpPr>
         <p:spPr>
           <a:xfrm>
-            <a:off x="5105400" y="1047750"/>
+            <a:off x="5278821" y="1071222"/>
             <a:ext cx="3810000" cy="3001056"/>
           </a:xfrm>
         </p:spPr>

--- a/draft-gandhi-spring-sr-enhanced-plm-00.pptx
+++ b/draft-gandhi-spring-sr-enhanced-plm-00.pptx
@@ -5,10 +5,10 @@
     <p:sldMasterId id="2147483648" r:id="rId1"/>
   </p:sldMasterIdLst>
   <p:notesMasterIdLst>
-    <p:notesMasterId r:id="rId20"/>
+    <p:notesMasterId r:id="rId17"/>
   </p:notesMasterIdLst>
   <p:handoutMasterIdLst>
-    <p:handoutMasterId r:id="rId21"/>
+    <p:handoutMasterId r:id="rId18"/>
   </p:handoutMasterIdLst>
   <p:sldIdLst>
     <p:sldId id="256" r:id="rId2"/>
@@ -23,12 +23,9 @@
     <p:sldId id="1663" r:id="rId11"/>
     <p:sldId id="318" r:id="rId12"/>
     <p:sldId id="303" r:id="rId13"/>
-    <p:sldId id="1655" r:id="rId14"/>
-    <p:sldId id="1661" r:id="rId15"/>
-    <p:sldId id="1654" r:id="rId16"/>
-    <p:sldId id="1664" r:id="rId17"/>
-    <p:sldId id="1642" r:id="rId18"/>
-    <p:sldId id="1665" r:id="rId19"/>
+    <p:sldId id="1664" r:id="rId14"/>
+    <p:sldId id="1642" r:id="rId15"/>
+    <p:sldId id="1665" r:id="rId16"/>
   </p:sldIdLst>
   <p:sldSz cx="9144000" cy="5143500" type="screen16x9"/>
   <p:notesSz cx="6858000" cy="9144000"/>
@@ -261,7 +258,7 @@
           <a:p>
             <a:fld id="{E8FA3DB5-7722-3F4F-947D-12B203669AD7}" type="datetimeFigureOut">
               <a:rPr lang="en-US" smtClean="0"/>
-              <a:t>4/16/20</a:t>
+              <a:t>4/20/20</a:t>
             </a:fld>
             <a:endParaRPr lang="en-US"/>
           </a:p>
@@ -1102,18 +1099,35 @@
           <a:bodyPr/>
           <a:lstStyle/>
           <a:p>
-            <a:endParaRPr lang="en-CA" dirty="0"/>
-          </a:p>
-        </p:txBody>
-      </p:sp>
-      <p:sp>
-        <p:nvSpPr>
-          <p:cNvPr id="4" name="Slide Number Placeholder 3"/>
+            <a:pPr marL="171450" marR="0" lvl="0" indent="-171450" algn="l" defTabSz="457200" rtl="0" eaLnBrk="0" fontAlgn="base" latinLnBrk="0" hangingPunct="0">
+              <a:lnSpc>
+                <a:spcPct val="100000"/>
+              </a:lnSpc>
+              <a:spcBef>
+                <a:spcPct val="30000"/>
+              </a:spcBef>
+              <a:spcAft>
+                <a:spcPct val="0"/>
+              </a:spcAft>
+              <a:buClrTx/>
+              <a:buSzTx/>
+              <a:buFont typeface="Arial" charset="0"/>
+              <a:buNone/>
+              <a:tabLst/>
+              <a:defRPr/>
+            </a:pPr>
+            <a:endParaRPr lang="en-US" dirty="0"/>
+          </a:p>
+        </p:txBody>
+      </p:sp>
+      <p:sp>
+        <p:nvSpPr>
+          <p:cNvPr id="4" name="Header Placeholder 3"/>
           <p:cNvSpPr>
             <a:spLocks noGrp="1"/>
           </p:cNvSpPr>
           <p:nvPr>
-            <p:ph type="sldNum" sz="quarter" idx="10"/>
+            <p:ph type="hdr" sz="quarter" idx="10"/>
           </p:nvPr>
         </p:nvSpPr>
         <p:spPr/>
@@ -1124,21 +1138,65 @@
             <a:pPr>
               <a:defRPr/>
             </a:pPr>
-            <a:fld id="{100938BD-FD70-4535-B0C2-13FC38CDF1BE}" type="slidenum">
-              <a:rPr lang="en-US" altLang="zh-CN" smtClean="0"/>
+            <a:endParaRPr lang="en-US"/>
+          </a:p>
+        </p:txBody>
+      </p:sp>
+      <p:sp>
+        <p:nvSpPr>
+          <p:cNvPr id="5" name="Footer Placeholder 4"/>
+          <p:cNvSpPr>
+            <a:spLocks noGrp="1"/>
+          </p:cNvSpPr>
+          <p:nvPr>
+            <p:ph type="ftr" sz="quarter" idx="11"/>
+          </p:nvPr>
+        </p:nvSpPr>
+        <p:spPr/>
+        <p:txBody>
+          <a:bodyPr/>
+          <a:lstStyle/>
+          <a:p>
+            <a:pPr>
+              <a:defRPr/>
+            </a:pPr>
+            <a:endParaRPr lang="en-US"/>
+          </a:p>
+        </p:txBody>
+      </p:sp>
+      <p:sp>
+        <p:nvSpPr>
+          <p:cNvPr id="6" name="Slide Number Placeholder 5"/>
+          <p:cNvSpPr>
+            <a:spLocks noGrp="1"/>
+          </p:cNvSpPr>
+          <p:nvPr>
+            <p:ph type="sldNum" sz="quarter" idx="12"/>
+          </p:nvPr>
+        </p:nvSpPr>
+        <p:spPr/>
+        <p:txBody>
+          <a:bodyPr/>
+          <a:lstStyle/>
+          <a:p>
+            <a:pPr>
+              <a:defRPr/>
+            </a:pPr>
+            <a:fld id="{F97A1FA6-25DE-9E4E-A34D-CF67DE7DBDC7}" type="slidenum">
+              <a:rPr lang="en-US" smtClean="0"/>
               <a:pPr>
                 <a:defRPr/>
               </a:pPr>
               <a:t>13</a:t>
             </a:fld>
-            <a:endParaRPr lang="en-US" altLang="zh-CN"/>
+            <a:endParaRPr lang="en-US"/>
           </a:p>
         </p:txBody>
       </p:sp>
     </p:spTree>
     <p:extLst>
       <p:ext uri="{BB962C8B-B14F-4D97-AF65-F5344CB8AC3E}">
-        <p14:creationId xmlns:p14="http://schemas.microsoft.com/office/powerpoint/2010/main" val="127127535"/>
+        <p14:creationId xmlns:p14="http://schemas.microsoft.com/office/powerpoint/2010/main" val="2106992105"/>
       </p:ext>
     </p:extLst>
   </p:cSld>
@@ -1192,18 +1250,35 @@
           <a:bodyPr/>
           <a:lstStyle/>
           <a:p>
-            <a:endParaRPr lang="en-CA" dirty="0"/>
-          </a:p>
-        </p:txBody>
-      </p:sp>
-      <p:sp>
-        <p:nvSpPr>
-          <p:cNvPr id="4" name="Slide Number Placeholder 3"/>
+            <a:pPr marL="171450" marR="0" lvl="0" indent="-171450" algn="l" defTabSz="457200" rtl="0" eaLnBrk="0" fontAlgn="base" latinLnBrk="0" hangingPunct="0">
+              <a:lnSpc>
+                <a:spcPct val="100000"/>
+              </a:lnSpc>
+              <a:spcBef>
+                <a:spcPct val="30000"/>
+              </a:spcBef>
+              <a:spcAft>
+                <a:spcPct val="0"/>
+              </a:spcAft>
+              <a:buClrTx/>
+              <a:buSzTx/>
+              <a:buFont typeface="Arial" charset="0"/>
+              <a:buNone/>
+              <a:tabLst/>
+              <a:defRPr/>
+            </a:pPr>
+            <a:endParaRPr lang="en-US" dirty="0"/>
+          </a:p>
+        </p:txBody>
+      </p:sp>
+      <p:sp>
+        <p:nvSpPr>
+          <p:cNvPr id="4" name="Header Placeholder 3"/>
           <p:cNvSpPr>
             <a:spLocks noGrp="1"/>
           </p:cNvSpPr>
           <p:nvPr>
-            <p:ph type="sldNum" sz="quarter" idx="10"/>
+            <p:ph type="hdr" sz="quarter" idx="10"/>
           </p:nvPr>
         </p:nvSpPr>
         <p:spPr/>
@@ -1214,21 +1289,65 @@
             <a:pPr>
               <a:defRPr/>
             </a:pPr>
-            <a:fld id="{100938BD-FD70-4535-B0C2-13FC38CDF1BE}" type="slidenum">
-              <a:rPr lang="en-US" altLang="zh-CN" smtClean="0"/>
+            <a:endParaRPr lang="en-US"/>
+          </a:p>
+        </p:txBody>
+      </p:sp>
+      <p:sp>
+        <p:nvSpPr>
+          <p:cNvPr id="5" name="Footer Placeholder 4"/>
+          <p:cNvSpPr>
+            <a:spLocks noGrp="1"/>
+          </p:cNvSpPr>
+          <p:nvPr>
+            <p:ph type="ftr" sz="quarter" idx="11"/>
+          </p:nvPr>
+        </p:nvSpPr>
+        <p:spPr/>
+        <p:txBody>
+          <a:bodyPr/>
+          <a:lstStyle/>
+          <a:p>
+            <a:pPr>
+              <a:defRPr/>
+            </a:pPr>
+            <a:endParaRPr lang="en-US"/>
+          </a:p>
+        </p:txBody>
+      </p:sp>
+      <p:sp>
+        <p:nvSpPr>
+          <p:cNvPr id="6" name="Slide Number Placeholder 5"/>
+          <p:cNvSpPr>
+            <a:spLocks noGrp="1"/>
+          </p:cNvSpPr>
+          <p:nvPr>
+            <p:ph type="sldNum" sz="quarter" idx="12"/>
+          </p:nvPr>
+        </p:nvSpPr>
+        <p:spPr/>
+        <p:txBody>
+          <a:bodyPr/>
+          <a:lstStyle/>
+          <a:p>
+            <a:pPr>
+              <a:defRPr/>
+            </a:pPr>
+            <a:fld id="{F97A1FA6-25DE-9E4E-A34D-CF67DE7DBDC7}" type="slidenum">
+              <a:rPr lang="en-US" smtClean="0"/>
               <a:pPr>
                 <a:defRPr/>
               </a:pPr>
               <a:t>14</a:t>
             </a:fld>
-            <a:endParaRPr lang="en-US" altLang="zh-CN"/>
+            <a:endParaRPr lang="en-US"/>
           </a:p>
         </p:txBody>
       </p:sp>
     </p:spTree>
     <p:extLst>
       <p:ext uri="{BB962C8B-B14F-4D97-AF65-F5344CB8AC3E}">
-        <p14:creationId xmlns:p14="http://schemas.microsoft.com/office/powerpoint/2010/main" val="3523175849"/>
+        <p14:creationId xmlns:p14="http://schemas.microsoft.com/office/powerpoint/2010/main" val="3881026240"/>
       </p:ext>
     </p:extLst>
   </p:cSld>
@@ -1310,398 +1429,6 @@
                 <a:defRPr/>
               </a:pPr>
               <a:t>15</a:t>
-            </a:fld>
-            <a:endParaRPr lang="en-US" altLang="zh-CN"/>
-          </a:p>
-        </p:txBody>
-      </p:sp>
-    </p:spTree>
-    <p:extLst>
-      <p:ext uri="{BB962C8B-B14F-4D97-AF65-F5344CB8AC3E}">
-        <p14:creationId xmlns:p14="http://schemas.microsoft.com/office/powerpoint/2010/main" val="2642803163"/>
-      </p:ext>
-    </p:extLst>
-  </p:cSld>
-  <p:clrMapOvr>
-    <a:masterClrMapping/>
-  </p:clrMapOvr>
-</p:notes>
-</file>
-
-<file path=ppt/notesSlides/notesSlide15.xml><?xml version="1.0" encoding="utf-8"?>
-<p:notes xmlns:a="http://schemas.openxmlformats.org/drawingml/2006/main" xmlns:r="http://schemas.openxmlformats.org/officeDocument/2006/relationships" xmlns:p="http://schemas.openxmlformats.org/presentationml/2006/main">
-  <p:cSld>
-    <p:spTree>
-      <p:nvGrpSpPr>
-        <p:cNvPr id="1" name=""/>
-        <p:cNvGrpSpPr/>
-        <p:nvPr/>
-      </p:nvGrpSpPr>
-      <p:grpSpPr>
-        <a:xfrm>
-          <a:off x="0" y="0"/>
-          <a:ext cx="0" cy="0"/>
-          <a:chOff x="0" y="0"/>
-          <a:chExt cx="0" cy="0"/>
-        </a:xfrm>
-      </p:grpSpPr>
-      <p:sp>
-        <p:nvSpPr>
-          <p:cNvPr id="2" name="Slide Image Placeholder 1"/>
-          <p:cNvSpPr>
-            <a:spLocks noGrp="1" noRot="1" noChangeAspect="1"/>
-          </p:cNvSpPr>
-          <p:nvPr>
-            <p:ph type="sldImg"/>
-          </p:nvPr>
-        </p:nvSpPr>
-        <p:spPr/>
-      </p:sp>
-      <p:sp>
-        <p:nvSpPr>
-          <p:cNvPr id="3" name="Notes Placeholder 2"/>
-          <p:cNvSpPr>
-            <a:spLocks noGrp="1"/>
-          </p:cNvSpPr>
-          <p:nvPr>
-            <p:ph type="body" idx="1"/>
-          </p:nvPr>
-        </p:nvSpPr>
-        <p:spPr/>
-        <p:txBody>
-          <a:bodyPr/>
-          <a:lstStyle/>
-          <a:p>
-            <a:pPr marL="171450" marR="0" lvl="0" indent="-171450" algn="l" defTabSz="457200" rtl="0" eaLnBrk="0" fontAlgn="base" latinLnBrk="0" hangingPunct="0">
-              <a:lnSpc>
-                <a:spcPct val="100000"/>
-              </a:lnSpc>
-              <a:spcBef>
-                <a:spcPct val="30000"/>
-              </a:spcBef>
-              <a:spcAft>
-                <a:spcPct val="0"/>
-              </a:spcAft>
-              <a:buClrTx/>
-              <a:buSzTx/>
-              <a:buFont typeface="Arial" charset="0"/>
-              <a:buNone/>
-              <a:tabLst/>
-              <a:defRPr/>
-            </a:pPr>
-            <a:endParaRPr lang="en-US" dirty="0"/>
-          </a:p>
-        </p:txBody>
-      </p:sp>
-      <p:sp>
-        <p:nvSpPr>
-          <p:cNvPr id="4" name="Header Placeholder 3"/>
-          <p:cNvSpPr>
-            <a:spLocks noGrp="1"/>
-          </p:cNvSpPr>
-          <p:nvPr>
-            <p:ph type="hdr" sz="quarter" idx="10"/>
-          </p:nvPr>
-        </p:nvSpPr>
-        <p:spPr/>
-        <p:txBody>
-          <a:bodyPr/>
-          <a:lstStyle/>
-          <a:p>
-            <a:pPr>
-              <a:defRPr/>
-            </a:pPr>
-            <a:endParaRPr lang="en-US"/>
-          </a:p>
-        </p:txBody>
-      </p:sp>
-      <p:sp>
-        <p:nvSpPr>
-          <p:cNvPr id="5" name="Footer Placeholder 4"/>
-          <p:cNvSpPr>
-            <a:spLocks noGrp="1"/>
-          </p:cNvSpPr>
-          <p:nvPr>
-            <p:ph type="ftr" sz="quarter" idx="11"/>
-          </p:nvPr>
-        </p:nvSpPr>
-        <p:spPr/>
-        <p:txBody>
-          <a:bodyPr/>
-          <a:lstStyle/>
-          <a:p>
-            <a:pPr>
-              <a:defRPr/>
-            </a:pPr>
-            <a:endParaRPr lang="en-US"/>
-          </a:p>
-        </p:txBody>
-      </p:sp>
-      <p:sp>
-        <p:nvSpPr>
-          <p:cNvPr id="6" name="Slide Number Placeholder 5"/>
-          <p:cNvSpPr>
-            <a:spLocks noGrp="1"/>
-          </p:cNvSpPr>
-          <p:nvPr>
-            <p:ph type="sldNum" sz="quarter" idx="12"/>
-          </p:nvPr>
-        </p:nvSpPr>
-        <p:spPr/>
-        <p:txBody>
-          <a:bodyPr/>
-          <a:lstStyle/>
-          <a:p>
-            <a:pPr>
-              <a:defRPr/>
-            </a:pPr>
-            <a:fld id="{F97A1FA6-25DE-9E4E-A34D-CF67DE7DBDC7}" type="slidenum">
-              <a:rPr lang="en-US" smtClean="0"/>
-              <a:pPr>
-                <a:defRPr/>
-              </a:pPr>
-              <a:t>16</a:t>
-            </a:fld>
-            <a:endParaRPr lang="en-US"/>
-          </a:p>
-        </p:txBody>
-      </p:sp>
-    </p:spTree>
-    <p:extLst>
-      <p:ext uri="{BB962C8B-B14F-4D97-AF65-F5344CB8AC3E}">
-        <p14:creationId xmlns:p14="http://schemas.microsoft.com/office/powerpoint/2010/main" val="2106992105"/>
-      </p:ext>
-    </p:extLst>
-  </p:cSld>
-  <p:clrMapOvr>
-    <a:masterClrMapping/>
-  </p:clrMapOvr>
-</p:notes>
-</file>
-
-<file path=ppt/notesSlides/notesSlide16.xml><?xml version="1.0" encoding="utf-8"?>
-<p:notes xmlns:a="http://schemas.openxmlformats.org/drawingml/2006/main" xmlns:r="http://schemas.openxmlformats.org/officeDocument/2006/relationships" xmlns:p="http://schemas.openxmlformats.org/presentationml/2006/main">
-  <p:cSld>
-    <p:spTree>
-      <p:nvGrpSpPr>
-        <p:cNvPr id="1" name=""/>
-        <p:cNvGrpSpPr/>
-        <p:nvPr/>
-      </p:nvGrpSpPr>
-      <p:grpSpPr>
-        <a:xfrm>
-          <a:off x="0" y="0"/>
-          <a:ext cx="0" cy="0"/>
-          <a:chOff x="0" y="0"/>
-          <a:chExt cx="0" cy="0"/>
-        </a:xfrm>
-      </p:grpSpPr>
-      <p:sp>
-        <p:nvSpPr>
-          <p:cNvPr id="2" name="Slide Image Placeholder 1"/>
-          <p:cNvSpPr>
-            <a:spLocks noGrp="1" noRot="1" noChangeAspect="1"/>
-          </p:cNvSpPr>
-          <p:nvPr>
-            <p:ph type="sldImg"/>
-          </p:nvPr>
-        </p:nvSpPr>
-        <p:spPr/>
-      </p:sp>
-      <p:sp>
-        <p:nvSpPr>
-          <p:cNvPr id="3" name="Notes Placeholder 2"/>
-          <p:cNvSpPr>
-            <a:spLocks noGrp="1"/>
-          </p:cNvSpPr>
-          <p:nvPr>
-            <p:ph type="body" idx="1"/>
-          </p:nvPr>
-        </p:nvSpPr>
-        <p:spPr/>
-        <p:txBody>
-          <a:bodyPr/>
-          <a:lstStyle/>
-          <a:p>
-            <a:pPr marL="171450" marR="0" lvl="0" indent="-171450" algn="l" defTabSz="457200" rtl="0" eaLnBrk="0" fontAlgn="base" latinLnBrk="0" hangingPunct="0">
-              <a:lnSpc>
-                <a:spcPct val="100000"/>
-              </a:lnSpc>
-              <a:spcBef>
-                <a:spcPct val="30000"/>
-              </a:spcBef>
-              <a:spcAft>
-                <a:spcPct val="0"/>
-              </a:spcAft>
-              <a:buClrTx/>
-              <a:buSzTx/>
-              <a:buFont typeface="Arial" charset="0"/>
-              <a:buNone/>
-              <a:tabLst/>
-              <a:defRPr/>
-            </a:pPr>
-            <a:endParaRPr lang="en-US" dirty="0"/>
-          </a:p>
-        </p:txBody>
-      </p:sp>
-      <p:sp>
-        <p:nvSpPr>
-          <p:cNvPr id="4" name="Header Placeholder 3"/>
-          <p:cNvSpPr>
-            <a:spLocks noGrp="1"/>
-          </p:cNvSpPr>
-          <p:nvPr>
-            <p:ph type="hdr" sz="quarter" idx="10"/>
-          </p:nvPr>
-        </p:nvSpPr>
-        <p:spPr/>
-        <p:txBody>
-          <a:bodyPr/>
-          <a:lstStyle/>
-          <a:p>
-            <a:pPr>
-              <a:defRPr/>
-            </a:pPr>
-            <a:endParaRPr lang="en-US"/>
-          </a:p>
-        </p:txBody>
-      </p:sp>
-      <p:sp>
-        <p:nvSpPr>
-          <p:cNvPr id="5" name="Footer Placeholder 4"/>
-          <p:cNvSpPr>
-            <a:spLocks noGrp="1"/>
-          </p:cNvSpPr>
-          <p:nvPr>
-            <p:ph type="ftr" sz="quarter" idx="11"/>
-          </p:nvPr>
-        </p:nvSpPr>
-        <p:spPr/>
-        <p:txBody>
-          <a:bodyPr/>
-          <a:lstStyle/>
-          <a:p>
-            <a:pPr>
-              <a:defRPr/>
-            </a:pPr>
-            <a:endParaRPr lang="en-US"/>
-          </a:p>
-        </p:txBody>
-      </p:sp>
-      <p:sp>
-        <p:nvSpPr>
-          <p:cNvPr id="6" name="Slide Number Placeholder 5"/>
-          <p:cNvSpPr>
-            <a:spLocks noGrp="1"/>
-          </p:cNvSpPr>
-          <p:nvPr>
-            <p:ph type="sldNum" sz="quarter" idx="12"/>
-          </p:nvPr>
-        </p:nvSpPr>
-        <p:spPr/>
-        <p:txBody>
-          <a:bodyPr/>
-          <a:lstStyle/>
-          <a:p>
-            <a:pPr>
-              <a:defRPr/>
-            </a:pPr>
-            <a:fld id="{F97A1FA6-25DE-9E4E-A34D-CF67DE7DBDC7}" type="slidenum">
-              <a:rPr lang="en-US" smtClean="0"/>
-              <a:pPr>
-                <a:defRPr/>
-              </a:pPr>
-              <a:t>17</a:t>
-            </a:fld>
-            <a:endParaRPr lang="en-US"/>
-          </a:p>
-        </p:txBody>
-      </p:sp>
-    </p:spTree>
-    <p:extLst>
-      <p:ext uri="{BB962C8B-B14F-4D97-AF65-F5344CB8AC3E}">
-        <p14:creationId xmlns:p14="http://schemas.microsoft.com/office/powerpoint/2010/main" val="3881026240"/>
-      </p:ext>
-    </p:extLst>
-  </p:cSld>
-  <p:clrMapOvr>
-    <a:masterClrMapping/>
-  </p:clrMapOvr>
-</p:notes>
-</file>
-
-<file path=ppt/notesSlides/notesSlide17.xml><?xml version="1.0" encoding="utf-8"?>
-<p:notes xmlns:a="http://schemas.openxmlformats.org/drawingml/2006/main" xmlns:r="http://schemas.openxmlformats.org/officeDocument/2006/relationships" xmlns:p="http://schemas.openxmlformats.org/presentationml/2006/main">
-  <p:cSld>
-    <p:spTree>
-      <p:nvGrpSpPr>
-        <p:cNvPr id="1" name=""/>
-        <p:cNvGrpSpPr/>
-        <p:nvPr/>
-      </p:nvGrpSpPr>
-      <p:grpSpPr>
-        <a:xfrm>
-          <a:off x="0" y="0"/>
-          <a:ext cx="0" cy="0"/>
-          <a:chOff x="0" y="0"/>
-          <a:chExt cx="0" cy="0"/>
-        </a:xfrm>
-      </p:grpSpPr>
-      <p:sp>
-        <p:nvSpPr>
-          <p:cNvPr id="2" name="Slide Image Placeholder 1"/>
-          <p:cNvSpPr>
-            <a:spLocks noGrp="1" noRot="1" noChangeAspect="1"/>
-          </p:cNvSpPr>
-          <p:nvPr>
-            <p:ph type="sldImg"/>
-          </p:nvPr>
-        </p:nvSpPr>
-        <p:spPr/>
-      </p:sp>
-      <p:sp>
-        <p:nvSpPr>
-          <p:cNvPr id="3" name="Notes Placeholder 2"/>
-          <p:cNvSpPr>
-            <a:spLocks noGrp="1"/>
-          </p:cNvSpPr>
-          <p:nvPr>
-            <p:ph type="body" idx="1"/>
-          </p:nvPr>
-        </p:nvSpPr>
-        <p:spPr/>
-        <p:txBody>
-          <a:bodyPr/>
-          <a:lstStyle/>
-          <a:p>
-            <a:endParaRPr lang="en-US" dirty="0"/>
-          </a:p>
-        </p:txBody>
-      </p:sp>
-      <p:sp>
-        <p:nvSpPr>
-          <p:cNvPr id="4" name="Slide Number Placeholder 3"/>
-          <p:cNvSpPr>
-            <a:spLocks noGrp="1"/>
-          </p:cNvSpPr>
-          <p:nvPr>
-            <p:ph type="sldNum" sz="quarter" idx="10"/>
-          </p:nvPr>
-        </p:nvSpPr>
-        <p:spPr/>
-        <p:txBody>
-          <a:bodyPr/>
-          <a:lstStyle/>
-          <a:p>
-            <a:pPr>
-              <a:defRPr/>
-            </a:pPr>
-            <a:fld id="{100938BD-FD70-4535-B0C2-13FC38CDF1BE}" type="slidenum">
-              <a:rPr lang="en-US" altLang="zh-CN" smtClean="0"/>
-              <a:pPr>
-                <a:defRPr/>
-              </a:pPr>
-              <a:t>18</a:t>
             </a:fld>
             <a:endParaRPr lang="en-US" altLang="zh-CN"/>
           </a:p>
@@ -6124,7 +5851,7 @@
         </p:nvSpPr>
         <p:spPr>
           <a:xfrm>
-            <a:off x="1066800" y="825427"/>
+            <a:off x="990600" y="825427"/>
             <a:ext cx="7010400" cy="3779817"/>
           </a:xfrm>
           <a:prstGeom prst="rect">
@@ -6204,7 +5931,7 @@
               <a:rPr lang="en-CA" sz="1200" dirty="0">
                 <a:latin typeface="Courier" pitchFamily="2" charset="0"/>
               </a:rPr>
-              <a:t>  Measurement Protocol           /    \      Timestamp Offset</a:t>
+              <a:t>  Measurement Protocol           /    \      Timestamp2 Offset</a:t>
             </a:r>
           </a:p>
           <a:p>
@@ -6828,818 +6555,6 @@
 </file>
 
 <file path=ppt/slides/slide13.xml><?xml version="1.0" encoding="utf-8"?>
-<p:sld xmlns:a="http://schemas.openxmlformats.org/drawingml/2006/main" xmlns:r="http://schemas.openxmlformats.org/officeDocument/2006/relationships" xmlns:p="http://schemas.openxmlformats.org/presentationml/2006/main">
-  <p:cSld>
-    <p:spTree>
-      <p:nvGrpSpPr>
-        <p:cNvPr id="1" name=""/>
-        <p:cNvGrpSpPr/>
-        <p:nvPr/>
-      </p:nvGrpSpPr>
-      <p:grpSpPr>
-        <a:xfrm>
-          <a:off x="0" y="0"/>
-          <a:ext cx="0" cy="0"/>
-          <a:chOff x="0" y="0"/>
-          <a:chExt cx="0" cy="0"/>
-        </a:xfrm>
-      </p:grpSpPr>
-      <p:sp>
-        <p:nvSpPr>
-          <p:cNvPr id="6" name="Footer Placeholder 3"/>
-          <p:cNvSpPr>
-            <a:spLocks noGrp="1"/>
-          </p:cNvSpPr>
-          <p:nvPr>
-            <p:ph type="ftr" sz="quarter" idx="11"/>
-          </p:nvPr>
-        </p:nvSpPr>
-        <p:spPr>
-          <a:xfrm>
-            <a:off x="3124200" y="4786312"/>
-            <a:ext cx="2895600" cy="357188"/>
-          </a:xfrm>
-        </p:spPr>
-        <p:txBody>
-          <a:bodyPr/>
-          <a:lstStyle/>
-          <a:p>
-            <a:r>
-              <a:rPr lang="en-CA" dirty="0"/>
-              <a:t>IETF MPLS WG Interim – April 2020 </a:t>
-            </a:r>
-          </a:p>
-        </p:txBody>
-      </p:sp>
-      <p:sp>
-        <p:nvSpPr>
-          <p:cNvPr id="3" name="Slide Number Placeholder 2"/>
-          <p:cNvSpPr>
-            <a:spLocks noGrp="1"/>
-          </p:cNvSpPr>
-          <p:nvPr>
-            <p:ph type="sldNum" sz="quarter" idx="12"/>
-          </p:nvPr>
-        </p:nvSpPr>
-        <p:spPr/>
-        <p:txBody>
-          <a:bodyPr/>
-          <a:lstStyle/>
-          <a:p>
-            <a:pPr>
-              <a:defRPr/>
-            </a:pPr>
-            <a:fld id="{D5EE1D1A-EEC2-4D53-94A7-85D62C853479}" type="slidenum">
-              <a:rPr lang="en-US" altLang="zh-CN" smtClean="0"/>
-              <a:pPr>
-                <a:defRPr/>
-              </a:pPr>
-              <a:t>13</a:t>
-            </a:fld>
-            <a:endParaRPr lang="en-US" altLang="zh-CN"/>
-          </a:p>
-        </p:txBody>
-      </p:sp>
-      <p:sp>
-        <p:nvSpPr>
-          <p:cNvPr id="8" name="Title 7">
-            <a:extLst>
-              <a:ext uri="{FF2B5EF4-FFF2-40B4-BE49-F238E27FC236}">
-                <a16:creationId xmlns:a16="http://schemas.microsoft.com/office/drawing/2014/main" id="{EAE0D9DC-8575-A84F-A04B-3BD8C30794A3}"/>
-              </a:ext>
-            </a:extLst>
-          </p:cNvPr>
-          <p:cNvSpPr>
-            <a:spLocks noGrp="1"/>
-          </p:cNvSpPr>
-          <p:nvPr>
-            <p:ph type="ctrTitle"/>
-          </p:nvPr>
-        </p:nvSpPr>
-        <p:spPr/>
-        <p:txBody>
-          <a:bodyPr/>
-          <a:lstStyle/>
-          <a:p>
-            <a:r>
-              <a:rPr lang="en-US" dirty="0"/>
-              <a:t>Backup</a:t>
-            </a:r>
-          </a:p>
-        </p:txBody>
-      </p:sp>
-    </p:spTree>
-    <p:extLst>
-      <p:ext uri="{BB962C8B-B14F-4D97-AF65-F5344CB8AC3E}">
-        <p14:creationId xmlns:p14="http://schemas.microsoft.com/office/powerpoint/2010/main" val="1607707434"/>
-      </p:ext>
-    </p:extLst>
-  </p:cSld>
-  <p:clrMapOvr>
-    <a:masterClrMapping/>
-  </p:clrMapOvr>
-</p:sld>
-</file>
-
-<file path=ppt/slides/slide14.xml><?xml version="1.0" encoding="utf-8"?>
-<p:sld xmlns:a="http://schemas.openxmlformats.org/drawingml/2006/main" xmlns:r="http://schemas.openxmlformats.org/officeDocument/2006/relationships" xmlns:p="http://schemas.openxmlformats.org/presentationml/2006/main">
-  <p:cSld>
-    <p:spTree>
-      <p:nvGrpSpPr>
-        <p:cNvPr id="1" name=""/>
-        <p:cNvGrpSpPr/>
-        <p:nvPr/>
-      </p:nvGrpSpPr>
-      <p:grpSpPr>
-        <a:xfrm>
-          <a:off x="0" y="0"/>
-          <a:ext cx="0" cy="0"/>
-          <a:chOff x="0" y="0"/>
-          <a:chExt cx="0" cy="0"/>
-        </a:xfrm>
-      </p:grpSpPr>
-      <p:sp>
-        <p:nvSpPr>
-          <p:cNvPr id="2" name="Title 1"/>
-          <p:cNvSpPr>
-            <a:spLocks noGrp="1"/>
-          </p:cNvSpPr>
-          <p:nvPr>
-            <p:ph type="title"/>
-          </p:nvPr>
-        </p:nvSpPr>
-        <p:spPr>
-          <a:xfrm>
-            <a:off x="457200" y="0"/>
-            <a:ext cx="8458200" cy="857250"/>
-          </a:xfrm>
-        </p:spPr>
-        <p:txBody>
-          <a:bodyPr/>
-          <a:lstStyle/>
-          <a:p>
-            <a:r>
-              <a:rPr lang="en-US" sz="3600" dirty="0">
-                <a:solidFill>
-                  <a:srgbClr val="0070C0"/>
-                </a:solidFill>
-                <a:latin typeface="Calibri Light" panose="020F0302020204030204" pitchFamily="34" charset="0"/>
-                <a:cs typeface="Calibri Light" panose="020F0302020204030204" pitchFamily="34" charset="0"/>
-              </a:rPr>
-              <a:t>SRv6 with Timestamp and Forward Function</a:t>
-            </a:r>
-          </a:p>
-        </p:txBody>
-      </p:sp>
-      <p:sp>
-        <p:nvSpPr>
-          <p:cNvPr id="4" name="Footer Placeholder 3"/>
-          <p:cNvSpPr>
-            <a:spLocks noGrp="1"/>
-          </p:cNvSpPr>
-          <p:nvPr>
-            <p:ph type="ftr" sz="quarter" idx="11"/>
-          </p:nvPr>
-        </p:nvSpPr>
-        <p:spPr>
-          <a:xfrm>
-            <a:off x="3124200" y="4788339"/>
-            <a:ext cx="2895600" cy="357188"/>
-          </a:xfrm>
-        </p:spPr>
-        <p:txBody>
-          <a:bodyPr/>
-          <a:lstStyle/>
-          <a:p>
-            <a:r>
-              <a:rPr lang="en-CA" dirty="0"/>
-              <a:t>IETF MPLS WG Interim – April 2020 </a:t>
-            </a:r>
-          </a:p>
-        </p:txBody>
-      </p:sp>
-      <p:sp>
-        <p:nvSpPr>
-          <p:cNvPr id="5" name="Slide Number Placeholder 4"/>
-          <p:cNvSpPr>
-            <a:spLocks noGrp="1"/>
-          </p:cNvSpPr>
-          <p:nvPr>
-            <p:ph type="sldNum" sz="quarter" idx="12"/>
-          </p:nvPr>
-        </p:nvSpPr>
-        <p:spPr/>
-        <p:txBody>
-          <a:bodyPr/>
-          <a:lstStyle/>
-          <a:p>
-            <a:pPr>
-              <a:defRPr/>
-            </a:pPr>
-            <a:fld id="{BD6E0F59-1DD8-40FC-9C92-B6295CBA6CCA}" type="slidenum">
-              <a:rPr lang="en-US" altLang="zh-CN" smtClean="0"/>
-              <a:pPr>
-                <a:defRPr/>
-              </a:pPr>
-              <a:t>14</a:t>
-            </a:fld>
-            <a:endParaRPr lang="en-US" altLang="zh-CN"/>
-          </a:p>
-        </p:txBody>
-      </p:sp>
-      <p:sp>
-        <p:nvSpPr>
-          <p:cNvPr id="6" name="Rectangle 5">
-            <a:extLst>
-              <a:ext uri="{FF2B5EF4-FFF2-40B4-BE49-F238E27FC236}">
-                <a16:creationId xmlns:a16="http://schemas.microsoft.com/office/drawing/2014/main" id="{4C15A4CE-6545-5142-97A8-EDA8B07CB60B}"/>
-              </a:ext>
-            </a:extLst>
-          </p:cNvPr>
-          <p:cNvSpPr/>
-          <p:nvPr/>
-        </p:nvSpPr>
-        <p:spPr>
-          <a:xfrm>
-            <a:off x="262054" y="886522"/>
-            <a:ext cx="5410200" cy="3785652"/>
-          </a:xfrm>
-          <a:prstGeom prst="rect">
-            <a:avLst/>
-          </a:prstGeom>
-          <a:solidFill>
-            <a:schemeClr val="accent6">
-              <a:lumMod val="20000"/>
-              <a:lumOff val="80000"/>
-            </a:schemeClr>
-          </a:solidFill>
-        </p:spPr>
-        <p:txBody>
-          <a:bodyPr wrap="square">
-            <a:spAutoFit/>
-          </a:bodyPr>
-          <a:lstStyle/>
-          <a:p>
-            <a:r>
-              <a:rPr lang="en-CA" sz="1000" dirty="0">
-                <a:latin typeface="Courier" pitchFamily="2" charset="0"/>
-              </a:rPr>
-              <a:t>  +---------------------------------------------------------------+</a:t>
-            </a:r>
-          </a:p>
-          <a:p>
-            <a:r>
-              <a:rPr lang="en-CA" sz="1000" dirty="0">
-                <a:latin typeface="Courier" pitchFamily="2" charset="0"/>
-              </a:rPr>
-              <a:t>  | IP Header                                                     |</a:t>
-            </a:r>
-          </a:p>
-          <a:p>
-            <a:r>
-              <a:rPr lang="en-CA" sz="1000" dirty="0">
-                <a:latin typeface="Courier" pitchFamily="2" charset="0"/>
-              </a:rPr>
-              <a:t>  .  Source IP Address = </a:t>
-            </a:r>
-            <a:r>
-              <a:rPr lang="en-CA" sz="1000" b="1" dirty="0">
-                <a:latin typeface="Courier" pitchFamily="2" charset="0"/>
-              </a:rPr>
-              <a:t>Endpoint</a:t>
-            </a:r>
-            <a:r>
-              <a:rPr lang="en-CA" sz="1000" dirty="0">
-                <a:latin typeface="Courier" pitchFamily="2" charset="0"/>
-              </a:rPr>
-              <a:t> IPv6 Address                    .</a:t>
-            </a:r>
-          </a:p>
-          <a:p>
-            <a:r>
-              <a:rPr lang="en-CA" sz="1000" dirty="0">
-                <a:latin typeface="Courier" pitchFamily="2" charset="0"/>
-              </a:rPr>
-              <a:t>  .  Destination IP Address = </a:t>
-            </a:r>
-            <a:r>
-              <a:rPr lang="en-CA" sz="1000" b="1" dirty="0">
-                <a:latin typeface="Courier" pitchFamily="2" charset="0"/>
-              </a:rPr>
-              <a:t>Sender</a:t>
-            </a:r>
-            <a:r>
-              <a:rPr lang="en-CA" sz="1000" dirty="0">
-                <a:latin typeface="Courier" pitchFamily="2" charset="0"/>
-              </a:rPr>
-              <a:t> IPv6 Address                 .</a:t>
-            </a:r>
-          </a:p>
-          <a:p>
-            <a:r>
-              <a:rPr lang="en-CA" sz="1000" dirty="0">
-                <a:latin typeface="Courier" pitchFamily="2" charset="0"/>
-              </a:rPr>
-              <a:t>  .  Next Header = 43 (Routing Header)                            .</a:t>
-            </a:r>
-          </a:p>
-          <a:p>
-            <a:r>
-              <a:rPr lang="en-CA" sz="1000" dirty="0">
-                <a:latin typeface="Courier" pitchFamily="2" charset="0"/>
-              </a:rPr>
-              <a:t>  .                                                               .</a:t>
-            </a:r>
-          </a:p>
-          <a:p>
-            <a:r>
-              <a:rPr lang="en-CA" sz="1000" dirty="0">
-                <a:latin typeface="Courier" pitchFamily="2" charset="0"/>
-              </a:rPr>
-              <a:t>  +---------------------------------------------------------------+</a:t>
-            </a:r>
-          </a:p>
-          <a:p>
-            <a:r>
-              <a:rPr lang="en-CA" sz="1000" dirty="0">
-                <a:latin typeface="Courier" pitchFamily="2" charset="0"/>
-              </a:rPr>
-              <a:t>  |  SRH                                                          |</a:t>
-            </a:r>
-          </a:p>
-          <a:p>
-            <a:r>
-              <a:rPr lang="en-CA" sz="1000" dirty="0">
-                <a:latin typeface="Courier" pitchFamily="2" charset="0"/>
-              </a:rPr>
-              <a:t>  .  &lt;Segment List&gt;                                               .</a:t>
-            </a:r>
-          </a:p>
-          <a:p>
-            <a:r>
-              <a:rPr lang="en-CA" sz="1000" dirty="0">
-                <a:latin typeface="Courier" pitchFamily="2" charset="0"/>
-              </a:rPr>
-              <a:t>  .  END.TSF with Target SID                                      .</a:t>
-            </a:r>
-          </a:p>
-          <a:p>
-            <a:r>
-              <a:rPr lang="en-CA" sz="1000" dirty="0">
-                <a:latin typeface="Courier" pitchFamily="2" charset="0"/>
-              </a:rPr>
-              <a:t>  .  Next Header = 17 (UDP)                                       .</a:t>
-            </a:r>
-          </a:p>
-          <a:p>
-            <a:r>
-              <a:rPr lang="en-CA" sz="1000" dirty="0">
-                <a:latin typeface="Courier" pitchFamily="2" charset="0"/>
-              </a:rPr>
-              <a:t>  .                                                               .</a:t>
-            </a:r>
-          </a:p>
-          <a:p>
-            <a:r>
-              <a:rPr lang="en-CA" sz="1000" dirty="0">
-                <a:latin typeface="Courier" pitchFamily="2" charset="0"/>
-              </a:rPr>
-              <a:t>  +---------------------------------------------------------------+</a:t>
-            </a:r>
-          </a:p>
-          <a:p>
-            <a:r>
-              <a:rPr lang="en-CA" sz="1000" dirty="0">
-                <a:latin typeface="Courier" pitchFamily="2" charset="0"/>
-              </a:rPr>
-              <a:t>  | UDP Header                                                    |</a:t>
-            </a:r>
-          </a:p>
-          <a:p>
-            <a:r>
-              <a:rPr lang="en-CA" sz="1000" dirty="0">
-                <a:latin typeface="Courier" pitchFamily="2" charset="0"/>
-              </a:rPr>
-              <a:t>  .  Source Port = As chosen by Sender                            .</a:t>
-            </a:r>
-          </a:p>
-          <a:p>
-            <a:r>
-              <a:rPr lang="en-CA" sz="1000" dirty="0">
-                <a:latin typeface="Courier" pitchFamily="2" charset="0"/>
-              </a:rPr>
-              <a:t>  .  Destination Port = User-configured Port                      .</a:t>
-            </a:r>
-          </a:p>
-          <a:p>
-            <a:r>
-              <a:rPr lang="en-CA" sz="1000" dirty="0">
-                <a:latin typeface="Courier" pitchFamily="2" charset="0"/>
-              </a:rPr>
-              <a:t>  .                                                               .</a:t>
-            </a:r>
-          </a:p>
-          <a:p>
-            <a:r>
-              <a:rPr lang="en-CA" sz="1000" dirty="0">
-                <a:latin typeface="Courier" pitchFamily="2" charset="0"/>
-              </a:rPr>
-              <a:t>  +-+-+-+-+-+-+-+-+-+-+-+-+-+-+-+-+-+-+-+-+-+-+-+-+-+-+-+-+-+-+-+-+</a:t>
-            </a:r>
-          </a:p>
-          <a:p>
-            <a:r>
-              <a:rPr lang="en-CA" sz="1000" dirty="0">
-                <a:latin typeface="Courier" pitchFamily="2" charset="0"/>
-              </a:rPr>
-              <a:t>  |  Payload as defined in Section 4.2.1 of RFC 5357 |            |</a:t>
-            </a:r>
-          </a:p>
-          <a:p>
-            <a:r>
-              <a:rPr lang="en-CA" sz="1000" dirty="0">
-                <a:latin typeface="Courier" pitchFamily="2" charset="0"/>
-              </a:rPr>
-              <a:t>  |  Payload as defined in Section 4.2 of RFC 8762                |</a:t>
-            </a:r>
-          </a:p>
-          <a:p>
-            <a:r>
-              <a:rPr lang="en-CA" sz="1000" dirty="0">
-                <a:latin typeface="Courier" pitchFamily="2" charset="0"/>
-              </a:rPr>
-              <a:t>  .                                                               .</a:t>
-            </a:r>
-          </a:p>
-          <a:p>
-            <a:r>
-              <a:rPr lang="en-CA" sz="1000" dirty="0">
-                <a:latin typeface="Courier" pitchFamily="2" charset="0"/>
-              </a:rPr>
-              <a:t>  +---------------------------------------------------------------+</a:t>
-            </a:r>
-          </a:p>
-          <a:p>
-            <a:r>
-              <a:rPr lang="en-CA" sz="1000" dirty="0">
-                <a:latin typeface="Courier" pitchFamily="2" charset="0"/>
-              </a:rPr>
-              <a:t> </a:t>
-            </a:r>
-          </a:p>
-          <a:p>
-            <a:r>
-              <a:rPr lang="en-CA" sz="1000" dirty="0">
-                <a:latin typeface="Courier" pitchFamily="2" charset="0"/>
-              </a:rPr>
-              <a:t>    Figure: Example Probe Message for SRv6 with Endpoint Function</a:t>
-            </a:r>
-            <a:endParaRPr lang="en-US" sz="1000" dirty="0">
-              <a:latin typeface="Courier" pitchFamily="2" charset="0"/>
-            </a:endParaRPr>
-          </a:p>
-        </p:txBody>
-      </p:sp>
-      <p:sp>
-        <p:nvSpPr>
-          <p:cNvPr id="8" name="Content Placeholder 7">
-            <a:extLst>
-              <a:ext uri="{FF2B5EF4-FFF2-40B4-BE49-F238E27FC236}">
-                <a16:creationId xmlns:a16="http://schemas.microsoft.com/office/drawing/2014/main" id="{FC6E1890-536D-9D49-8207-C42BBF301FF3}"/>
-              </a:ext>
-            </a:extLst>
-          </p:cNvPr>
-          <p:cNvSpPr>
-            <a:spLocks noGrp="1"/>
-          </p:cNvSpPr>
-          <p:nvPr>
-            <p:ph idx="1"/>
-          </p:nvPr>
-        </p:nvSpPr>
-        <p:spPr>
-          <a:xfrm>
-            <a:off x="5768897" y="1200150"/>
-            <a:ext cx="3113049" cy="2484552"/>
-          </a:xfrm>
-        </p:spPr>
-        <p:txBody>
-          <a:bodyPr/>
-          <a:lstStyle/>
-          <a:p>
-            <a:r>
-              <a:rPr lang="en-US" sz="1600" dirty="0"/>
-              <a:t>Endpoint Function END.TSF is defined for Timestamp and Forward</a:t>
-            </a:r>
-          </a:p>
-          <a:p>
-            <a:r>
-              <a:rPr lang="en-US" sz="1600" dirty="0"/>
-              <a:t>Source and Destination Addresses are swapped for the Reverse direction path in the inner IPv6 header</a:t>
-            </a:r>
-          </a:p>
-          <a:p>
-            <a:r>
-              <a:rPr lang="en-US" sz="1600" dirty="0"/>
-              <a:t>Optionally, Reverse direction SR path can be carried in SRH</a:t>
-            </a:r>
-          </a:p>
-          <a:p>
-            <a:endParaRPr lang="en-US" sz="1600" dirty="0"/>
-          </a:p>
-          <a:p>
-            <a:endParaRPr lang="en-US" sz="1600" dirty="0"/>
-          </a:p>
-        </p:txBody>
-      </p:sp>
-    </p:spTree>
-    <p:extLst>
-      <p:ext uri="{BB962C8B-B14F-4D97-AF65-F5344CB8AC3E}">
-        <p14:creationId xmlns:p14="http://schemas.microsoft.com/office/powerpoint/2010/main" val="2794794225"/>
-      </p:ext>
-    </p:extLst>
-  </p:cSld>
-  <p:clrMapOvr>
-    <a:masterClrMapping/>
-  </p:clrMapOvr>
-</p:sld>
-</file>
-
-<file path=ppt/slides/slide15.xml><?xml version="1.0" encoding="utf-8"?>
-<p:sld xmlns:a="http://schemas.openxmlformats.org/drawingml/2006/main" xmlns:r="http://schemas.openxmlformats.org/officeDocument/2006/relationships" xmlns:p="http://schemas.openxmlformats.org/presentationml/2006/main">
-  <p:cSld>
-    <p:spTree>
-      <p:nvGrpSpPr>
-        <p:cNvPr id="1" name=""/>
-        <p:cNvGrpSpPr/>
-        <p:nvPr/>
-      </p:nvGrpSpPr>
-      <p:grpSpPr>
-        <a:xfrm>
-          <a:off x="0" y="0"/>
-          <a:ext cx="0" cy="0"/>
-          <a:chOff x="0" y="0"/>
-          <a:chExt cx="0" cy="0"/>
-        </a:xfrm>
-      </p:grpSpPr>
-      <p:sp>
-        <p:nvSpPr>
-          <p:cNvPr id="4" name="Footer Placeholder 3"/>
-          <p:cNvSpPr>
-            <a:spLocks noGrp="1"/>
-          </p:cNvSpPr>
-          <p:nvPr>
-            <p:ph type="ftr" sz="quarter" idx="11"/>
-          </p:nvPr>
-        </p:nvSpPr>
-        <p:spPr>
-          <a:xfrm>
-            <a:off x="3124200" y="4775368"/>
-            <a:ext cx="2895600" cy="357188"/>
-          </a:xfrm>
-        </p:spPr>
-        <p:txBody>
-          <a:bodyPr/>
-          <a:lstStyle/>
-          <a:p>
-            <a:r>
-              <a:rPr lang="en-CA" dirty="0"/>
-              <a:t>IETF MPLS WG Interim – April 2020 </a:t>
-            </a:r>
-          </a:p>
-        </p:txBody>
-      </p:sp>
-      <p:sp>
-        <p:nvSpPr>
-          <p:cNvPr id="5" name="Rectangle 2"/>
-          <p:cNvSpPr txBox="1">
-            <a:spLocks noChangeArrowheads="1"/>
-          </p:cNvSpPr>
-          <p:nvPr/>
-        </p:nvSpPr>
-        <p:spPr bwMode="auto">
-          <a:xfrm>
-            <a:off x="685800" y="1657350"/>
-            <a:ext cx="7772400" cy="1102519"/>
-          </a:xfrm>
-          <a:prstGeom prst="rect">
-            <a:avLst/>
-          </a:prstGeom>
-          <a:noFill/>
-          <a:ln w="9525">
-            <a:noFill/>
-            <a:miter lim="800000"/>
-            <a:headEnd/>
-            <a:tailEnd/>
-          </a:ln>
-          <a:effectLst/>
-        </p:spPr>
-        <p:txBody>
-          <a:bodyPr vert="horz" wrap="square" lIns="91440" tIns="45720" rIns="91440" bIns="45720" numCol="1" anchor="ctr" anchorCtr="0" compatLnSpc="1">
-            <a:prstTxWarp prst="textNoShape">
-              <a:avLst/>
-            </a:prstTxWarp>
-          </a:bodyPr>
-          <a:lstStyle>
-            <a:lvl1pPr algn="ctr" rtl="0" eaLnBrk="0" fontAlgn="base" hangingPunct="0">
-              <a:spcBef>
-                <a:spcPct val="0"/>
-              </a:spcBef>
-              <a:spcAft>
-                <a:spcPct val="0"/>
-              </a:spcAft>
-              <a:defRPr sz="4400">
-                <a:solidFill>
-                  <a:schemeClr val="tx2"/>
-                </a:solidFill>
-                <a:latin typeface="+mj-lt"/>
-                <a:ea typeface="+mj-ea"/>
-                <a:cs typeface="+mj-cs"/>
-              </a:defRPr>
-            </a:lvl1pPr>
-            <a:lvl2pPr algn="ctr" rtl="0" eaLnBrk="0" fontAlgn="base" hangingPunct="0">
-              <a:spcBef>
-                <a:spcPct val="0"/>
-              </a:spcBef>
-              <a:spcAft>
-                <a:spcPct val="0"/>
-              </a:spcAft>
-              <a:defRPr sz="4400">
-                <a:solidFill>
-                  <a:schemeClr val="tx2"/>
-                </a:solidFill>
-                <a:latin typeface="Arial" charset="0"/>
-                <a:ea typeface="宋体" pitchFamily="2" charset="-122"/>
-              </a:defRPr>
-            </a:lvl2pPr>
-            <a:lvl3pPr algn="ctr" rtl="0" eaLnBrk="0" fontAlgn="base" hangingPunct="0">
-              <a:spcBef>
-                <a:spcPct val="0"/>
-              </a:spcBef>
-              <a:spcAft>
-                <a:spcPct val="0"/>
-              </a:spcAft>
-              <a:defRPr sz="4400">
-                <a:solidFill>
-                  <a:schemeClr val="tx2"/>
-                </a:solidFill>
-                <a:latin typeface="Arial" charset="0"/>
-                <a:ea typeface="宋体" pitchFamily="2" charset="-122"/>
-              </a:defRPr>
-            </a:lvl3pPr>
-            <a:lvl4pPr algn="ctr" rtl="0" eaLnBrk="0" fontAlgn="base" hangingPunct="0">
-              <a:spcBef>
-                <a:spcPct val="0"/>
-              </a:spcBef>
-              <a:spcAft>
-                <a:spcPct val="0"/>
-              </a:spcAft>
-              <a:defRPr sz="4400">
-                <a:solidFill>
-                  <a:schemeClr val="tx2"/>
-                </a:solidFill>
-                <a:latin typeface="Arial" charset="0"/>
-                <a:ea typeface="宋体" pitchFamily="2" charset="-122"/>
-              </a:defRPr>
-            </a:lvl4pPr>
-            <a:lvl5pPr algn="ctr" rtl="0" eaLnBrk="0" fontAlgn="base" hangingPunct="0">
-              <a:spcBef>
-                <a:spcPct val="0"/>
-              </a:spcBef>
-              <a:spcAft>
-                <a:spcPct val="0"/>
-              </a:spcAft>
-              <a:defRPr sz="4400">
-                <a:solidFill>
-                  <a:schemeClr val="tx2"/>
-                </a:solidFill>
-                <a:latin typeface="Arial" charset="0"/>
-                <a:ea typeface="宋体" pitchFamily="2" charset="-122"/>
-              </a:defRPr>
-            </a:lvl5pPr>
-            <a:lvl6pPr marL="457200" algn="ctr" rtl="0" fontAlgn="base">
-              <a:spcBef>
-                <a:spcPct val="0"/>
-              </a:spcBef>
-              <a:spcAft>
-                <a:spcPct val="0"/>
-              </a:spcAft>
-              <a:defRPr sz="4400">
-                <a:solidFill>
-                  <a:schemeClr val="tx2"/>
-                </a:solidFill>
-                <a:latin typeface="Arial" charset="0"/>
-                <a:ea typeface="宋体" pitchFamily="2" charset="-122"/>
-              </a:defRPr>
-            </a:lvl6pPr>
-            <a:lvl7pPr marL="914400" algn="ctr" rtl="0" fontAlgn="base">
-              <a:spcBef>
-                <a:spcPct val="0"/>
-              </a:spcBef>
-              <a:spcAft>
-                <a:spcPct val="0"/>
-              </a:spcAft>
-              <a:defRPr sz="4400">
-                <a:solidFill>
-                  <a:schemeClr val="tx2"/>
-                </a:solidFill>
-                <a:latin typeface="Arial" charset="0"/>
-                <a:ea typeface="宋体" pitchFamily="2" charset="-122"/>
-              </a:defRPr>
-            </a:lvl7pPr>
-            <a:lvl8pPr marL="1371600" algn="ctr" rtl="0" fontAlgn="base">
-              <a:spcBef>
-                <a:spcPct val="0"/>
-              </a:spcBef>
-              <a:spcAft>
-                <a:spcPct val="0"/>
-              </a:spcAft>
-              <a:defRPr sz="4400">
-                <a:solidFill>
-                  <a:schemeClr val="tx2"/>
-                </a:solidFill>
-                <a:latin typeface="Arial" charset="0"/>
-                <a:ea typeface="宋体" pitchFamily="2" charset="-122"/>
-              </a:defRPr>
-            </a:lvl8pPr>
-            <a:lvl9pPr marL="1828800" algn="ctr" rtl="0" fontAlgn="base">
-              <a:spcBef>
-                <a:spcPct val="0"/>
-              </a:spcBef>
-              <a:spcAft>
-                <a:spcPct val="0"/>
-              </a:spcAft>
-              <a:defRPr sz="4400">
-                <a:solidFill>
-                  <a:schemeClr val="tx2"/>
-                </a:solidFill>
-                <a:latin typeface="Arial" charset="0"/>
-                <a:ea typeface="宋体" pitchFamily="2" charset="-122"/>
-              </a:defRPr>
-            </a:lvl9pPr>
-          </a:lstStyle>
-          <a:p>
-            <a:pPr eaLnBrk="1" hangingPunct="1">
-              <a:defRPr/>
-            </a:pPr>
-            <a:r>
-              <a:rPr lang="en-US" altLang="zh-CN" sz="4000" kern="0" dirty="0">
-                <a:effectLst>
-                  <a:outerShdw blurRad="38100" dist="38100" dir="2700000" algn="tl">
-                    <a:srgbClr val="C0C0C0"/>
-                  </a:outerShdw>
-                </a:effectLst>
-                <a:latin typeface="Calibri" charset="0"/>
-                <a:ea typeface="Calibri" charset="0"/>
-                <a:cs typeface="Calibri" charset="0"/>
-              </a:rPr>
-              <a:t>Thank you</a:t>
-            </a:r>
-          </a:p>
-        </p:txBody>
-      </p:sp>
-      <p:sp>
-        <p:nvSpPr>
-          <p:cNvPr id="2" name="Slide Number Placeholder 1"/>
-          <p:cNvSpPr>
-            <a:spLocks noGrp="1"/>
-          </p:cNvSpPr>
-          <p:nvPr>
-            <p:ph type="sldNum" sz="quarter" idx="12"/>
-          </p:nvPr>
-        </p:nvSpPr>
-        <p:spPr/>
-        <p:txBody>
-          <a:bodyPr/>
-          <a:lstStyle/>
-          <a:p>
-            <a:pPr>
-              <a:defRPr/>
-            </a:pPr>
-            <a:fld id="{BD6E0F59-1DD8-40FC-9C92-B6295CBA6CCA}" type="slidenum">
-              <a:rPr lang="en-US" altLang="zh-CN" smtClean="0"/>
-              <a:pPr>
-                <a:defRPr/>
-              </a:pPr>
-              <a:t>15</a:t>
-            </a:fld>
-            <a:endParaRPr lang="en-US" altLang="zh-CN" dirty="0"/>
-          </a:p>
-        </p:txBody>
-      </p:sp>
-    </p:spTree>
-    <p:extLst>
-      <p:ext uri="{BB962C8B-B14F-4D97-AF65-F5344CB8AC3E}">
-        <p14:creationId xmlns:p14="http://schemas.microsoft.com/office/powerpoint/2010/main" val="668811118"/>
-      </p:ext>
-    </p:extLst>
-  </p:cSld>
-  <p:clrMapOvr>
-    <a:masterClrMapping/>
-  </p:clrMapOvr>
-</p:sld>
-</file>
-
-<file path=ppt/slides/slide16.xml><?xml version="1.0" encoding="utf-8"?>
 <p:sld xmlns:a="http://schemas.openxmlformats.org/drawingml/2006/main" xmlns:r="http://schemas.openxmlformats.org/officeDocument/2006/relationships" xmlns:p="http://schemas.openxmlformats.org/presentationml/2006/main">
   <p:cSld>
     <p:spTree>
@@ -8936,7 +7851,7 @@
 </p:sld>
 </file>
 
-<file path=ppt/slides/slide17.xml><?xml version="1.0" encoding="utf-8"?>
+<file path=ppt/slides/slide14.xml><?xml version="1.0" encoding="utf-8"?>
 <p:sld xmlns:a="http://schemas.openxmlformats.org/drawingml/2006/main" xmlns:r="http://schemas.openxmlformats.org/officeDocument/2006/relationships" xmlns:p="http://schemas.openxmlformats.org/presentationml/2006/main">
   <p:cSld>
     <p:spTree>
@@ -10425,7 +9340,7 @@
 </p:sld>
 </file>
 
-<file path=ppt/slides/slide18.xml><?xml version="1.0" encoding="utf-8"?>
+<file path=ppt/slides/slide15.xml><?xml version="1.0" encoding="utf-8"?>
 <p:sld xmlns:a="http://schemas.openxmlformats.org/drawingml/2006/main" xmlns:r="http://schemas.openxmlformats.org/officeDocument/2006/relationships" xmlns:p="http://schemas.openxmlformats.org/presentationml/2006/main">
   <p:cSld>
     <p:spTree>
@@ -10681,7 +9596,7 @@
               <a:pPr>
                 <a:defRPr/>
               </a:pPr>
-              <a:t>18</a:t>
+              <a:t>15</a:t>
             </a:fld>
             <a:endParaRPr lang="en-US" altLang="zh-CN"/>
           </a:p>
@@ -10762,7 +9677,7 @@
         </p:nvSpPr>
         <p:spPr>
           <a:xfrm>
-            <a:off x="609600" y="1009650"/>
+            <a:off x="573741" y="1157288"/>
             <a:ext cx="8113059" cy="3124200"/>
           </a:xfrm>
         </p:spPr>
@@ -10953,7 +9868,7 @@
             </a:pPr>
             <a:r>
               <a:rPr lang="en-US" sz="1400" dirty="0"/>
-              <a:t>End-to-end P2P/P2MP SR Paths</a:t>
+              <a:t>End-to-end P2P/P2MP SR paths</a:t>
             </a:r>
           </a:p>
           <a:p>
@@ -11023,7 +9938,7 @@
             </a:pPr>
             <a:r>
               <a:rPr lang="en-US" sz="1400" dirty="0"/>
-              <a:t>Higher scale and faster detection interval (e.g. packets not punted from fast-path)</a:t>
+              <a:t>Higher scale and faster detection interval (e.g. packets not punted out of fast-path)</a:t>
             </a:r>
           </a:p>
           <a:p>
@@ -11249,7 +10164,7 @@
               </a:spcBef>
             </a:pPr>
             <a:r>
-              <a:rPr lang="en-US" sz="1600" dirty="0"/>
+              <a:rPr lang="en-US" sz="1400" dirty="0"/>
               <a:t>Liveness monitoring for SR Policy uses PM probes (TWAMP Light/STAMP delay measurement messages) in Loopback Mode</a:t>
             </a:r>
           </a:p>
@@ -11263,7 +10178,7 @@
               </a:spcBef>
             </a:pPr>
             <a:r>
-              <a:rPr lang="en-US" sz="1600" dirty="0"/>
+              <a:rPr lang="en-US" sz="1400" dirty="0"/>
               <a:t>Probe messages sent using Segment List(s) of the SR Policy Candidate Path(s)</a:t>
             </a:r>
           </a:p>
@@ -11277,8 +10192,8 @@
               </a:spcBef>
             </a:pPr>
             <a:r>
-              <a:rPr lang="en-US" sz="1600" dirty="0"/>
-              <a:t>Probe messages are not punted on the remote node (endpoint/reflector)</a:t>
+              <a:rPr lang="en-US" sz="1400" dirty="0"/>
+              <a:t>Probe messages are not punted on the remote node (endpoint/reflector) out of fast-path</a:t>
             </a:r>
           </a:p>
           <a:p>
@@ -11291,7 +10206,7 @@
               </a:spcBef>
             </a:pPr>
             <a:r>
-              <a:rPr lang="en-US" sz="1600" dirty="0"/>
+              <a:rPr lang="en-US" sz="1400" dirty="0"/>
               <a:t>Return path can be IP or SR</a:t>
             </a:r>
           </a:p>
@@ -11305,7 +10220,7 @@
               </a:spcBef>
             </a:pPr>
             <a:r>
-              <a:rPr lang="en-US" sz="1600" dirty="0"/>
+              <a:rPr lang="en-US" sz="1400" dirty="0"/>
               <a:t>Liveness failure is notified when consecutive N number of probe messages are not received back at the sender</a:t>
             </a:r>
           </a:p>
@@ -11923,7 +10838,7 @@
         <p:spPr>
           <a:xfrm>
             <a:off x="205902" y="887408"/>
-            <a:ext cx="4800600" cy="3693319"/>
+            <a:ext cx="4823298" cy="3693319"/>
           </a:xfrm>
           <a:prstGeom prst="rect">
             <a:avLst/>
@@ -12293,7 +11208,7 @@
                 <a:ea typeface="Courier" charset="0"/>
                 <a:cs typeface="Courier" charset="0"/>
               </a:rPr>
-              <a:t>  |  Sender TTL   |      Padding                                  |</a:t>
+              <a:t>  |  Sender TTL   |                                               |</a:t>
             </a:r>
           </a:p>
           <a:p>
@@ -12313,7 +11228,7 @@
                 <a:ea typeface="Courier" charset="0"/>
                 <a:cs typeface="Courier" charset="0"/>
               </a:rPr>
-              <a:t>  +-+-+-+-+-+-+-+-+-+-+-+-+-+-+-+-+-+-+-+-+-+-+-+-+-+-+-+-+-+-+-+-+</a:t>
+              <a:t>  +-+-+-+-+-+-+-+-+                                               |</a:t>
             </a:r>
           </a:p>
           <a:p>
@@ -12416,7 +11331,7 @@
               <a:rPr lang="en-CA" sz="900" dirty="0">
                 <a:latin typeface="Courier" pitchFamily="2" charset="0"/>
               </a:rPr>
-              <a:t>                    Figure: Probe Message Format</a:t>
+              <a:t>              Figure: TWAMP Light Probe Message Format</a:t>
             </a:r>
             <a:endParaRPr lang="en-US" sz="900" dirty="0">
               <a:latin typeface="Courier" pitchFamily="2" charset="0"/>
@@ -13061,7 +11976,7 @@
               <a:rPr lang="en-CA" sz="900" dirty="0">
                 <a:latin typeface="Courier" pitchFamily="2" charset="0"/>
               </a:rPr>
-              <a:t>                    Figure: Probe Message Format</a:t>
+              <a:t>                  Figure: STAMP Probe Message Format</a:t>
             </a:r>
             <a:endParaRPr lang="en-US" sz="900" dirty="0">
               <a:latin typeface="Courier" pitchFamily="2" charset="0"/>
@@ -13303,8 +12218,8 @@
         </p:nvSpPr>
         <p:spPr>
           <a:xfrm>
-            <a:off x="173421" y="650498"/>
-            <a:ext cx="5105400" cy="4247317"/>
+            <a:off x="173421" y="672733"/>
+            <a:ext cx="4931979" cy="4108817"/>
           </a:xfrm>
           <a:prstGeom prst="rect">
             <a:avLst/>
@@ -13580,7 +12495,7 @@
               <a:rPr lang="en-CA" sz="900" dirty="0">
                 <a:latin typeface="Courier" pitchFamily="2" charset="0"/>
               </a:rPr>
-              <a:t>   Figure 5: Example Probe Message for SR-MPLS with Timestamp Label</a:t>
+              <a:t>    Figure: Example Probe Message for SR-MPLS with Timestamp Label</a:t>
             </a:r>
             <a:endParaRPr lang="en-US" sz="900" dirty="0">
               <a:latin typeface="Courier" pitchFamily="2" charset="0"/>
@@ -13606,7 +12521,7 @@
         </p:nvSpPr>
         <p:spPr>
           <a:xfrm>
-            <a:off x="5278821" y="1071222"/>
+            <a:off x="5160579" y="1071222"/>
             <a:ext cx="3810000" cy="3001056"/>
           </a:xfrm>
         </p:spPr>
@@ -13733,7 +12648,7 @@
             </a:pPr>
             <a:r>
               <a:rPr lang="en-US" sz="1600" dirty="0"/>
-              <a:t>SR Path can have ECMP between the ingress and transit nodes, between transit nodes and between transit and egress nodes.</a:t>
+              <a:t>SR Paths can have ECMP between the ingress and transit nodes, between transit nodes and between transit and egress nodes.</a:t>
             </a:r>
           </a:p>
           <a:p>
